--- a/x10.pptx
+++ b/x10.pptx
@@ -5,7 +5,7 @@
     <p:sldMasterId id="2147483648" r:id="rId1"/>
   </p:sldMasterIdLst>
   <p:notesMasterIdLst>
-    <p:notesMasterId r:id="rId15"/>
+    <p:notesMasterId r:id="rId16"/>
   </p:notesMasterIdLst>
   <p:sldIdLst>
     <p:sldId id="256" r:id="rId2"/>
@@ -19,8 +19,9 @@
     <p:sldId id="265" r:id="rId10"/>
     <p:sldId id="266" r:id="rId11"/>
     <p:sldId id="267" r:id="rId12"/>
-    <p:sldId id="280" r:id="rId13"/>
-    <p:sldId id="259" r:id="rId14"/>
+    <p:sldId id="281" r:id="rId13"/>
+    <p:sldId id="280" r:id="rId14"/>
+    <p:sldId id="259" r:id="rId15"/>
   </p:sldIdLst>
   <p:sldSz cx="9144000" cy="6858000" type="screen4x3"/>
   <p:notesSz cx="6858000" cy="9144000"/>
@@ -204,7 +205,7 @@
           <a:p>
             <a:fld id="{1B921BD6-0921-4385-836B-BED76F1F0A66}" type="datetimeFigureOut">
               <a:rPr lang="pt-BR" smtClean="0"/>
-              <a:t>04/12/2016</a:t>
+              <a:t>05/12/2016</a:t>
             </a:fld>
             <a:endParaRPr lang="pt-BR"/>
           </a:p>
@@ -653,7 +654,7 @@
           <a:p>
             <a:fld id="{8B5C8B54-FFB1-44A6-80FE-9FB775708678}" type="datetimeFigureOut">
               <a:rPr lang="pt-BR" smtClean="0"/>
-              <a:t>04/12/2016</a:t>
+              <a:t>05/12/2016</a:t>
             </a:fld>
             <a:endParaRPr lang="pt-BR"/>
           </a:p>
@@ -823,7 +824,7 @@
           <a:p>
             <a:fld id="{8B5C8B54-FFB1-44A6-80FE-9FB775708678}" type="datetimeFigureOut">
               <a:rPr lang="pt-BR" smtClean="0"/>
-              <a:t>04/12/2016</a:t>
+              <a:t>05/12/2016</a:t>
             </a:fld>
             <a:endParaRPr lang="pt-BR"/>
           </a:p>
@@ -1003,7 +1004,7 @@
           <a:p>
             <a:fld id="{8B5C8B54-FFB1-44A6-80FE-9FB775708678}" type="datetimeFigureOut">
               <a:rPr lang="pt-BR" smtClean="0"/>
-              <a:t>04/12/2016</a:t>
+              <a:t>05/12/2016</a:t>
             </a:fld>
             <a:endParaRPr lang="pt-BR"/>
           </a:p>
@@ -1173,7 +1174,7 @@
           <a:p>
             <a:fld id="{8B5C8B54-FFB1-44A6-80FE-9FB775708678}" type="datetimeFigureOut">
               <a:rPr lang="pt-BR" smtClean="0"/>
-              <a:t>04/12/2016</a:t>
+              <a:t>05/12/2016</a:t>
             </a:fld>
             <a:endParaRPr lang="pt-BR"/>
           </a:p>
@@ -1419,7 +1420,7 @@
           <a:p>
             <a:fld id="{8B5C8B54-FFB1-44A6-80FE-9FB775708678}" type="datetimeFigureOut">
               <a:rPr lang="pt-BR" smtClean="0"/>
-              <a:t>04/12/2016</a:t>
+              <a:t>05/12/2016</a:t>
             </a:fld>
             <a:endParaRPr lang="pt-BR"/>
           </a:p>
@@ -1707,7 +1708,7 @@
           <a:p>
             <a:fld id="{8B5C8B54-FFB1-44A6-80FE-9FB775708678}" type="datetimeFigureOut">
               <a:rPr lang="pt-BR" smtClean="0"/>
-              <a:t>04/12/2016</a:t>
+              <a:t>05/12/2016</a:t>
             </a:fld>
             <a:endParaRPr lang="pt-BR"/>
           </a:p>
@@ -2129,7 +2130,7 @@
           <a:p>
             <a:fld id="{8B5C8B54-FFB1-44A6-80FE-9FB775708678}" type="datetimeFigureOut">
               <a:rPr lang="pt-BR" smtClean="0"/>
-              <a:t>04/12/2016</a:t>
+              <a:t>05/12/2016</a:t>
             </a:fld>
             <a:endParaRPr lang="pt-BR"/>
           </a:p>
@@ -2247,7 +2248,7 @@
           <a:p>
             <a:fld id="{8B5C8B54-FFB1-44A6-80FE-9FB775708678}" type="datetimeFigureOut">
               <a:rPr lang="pt-BR" smtClean="0"/>
-              <a:t>04/12/2016</a:t>
+              <a:t>05/12/2016</a:t>
             </a:fld>
             <a:endParaRPr lang="pt-BR"/>
           </a:p>
@@ -2342,7 +2343,7 @@
           <a:p>
             <a:fld id="{8B5C8B54-FFB1-44A6-80FE-9FB775708678}" type="datetimeFigureOut">
               <a:rPr lang="pt-BR" smtClean="0"/>
-              <a:t>04/12/2016</a:t>
+              <a:t>05/12/2016</a:t>
             </a:fld>
             <a:endParaRPr lang="pt-BR"/>
           </a:p>
@@ -2619,7 +2620,7 @@
           <a:p>
             <a:fld id="{8B5C8B54-FFB1-44A6-80FE-9FB775708678}" type="datetimeFigureOut">
               <a:rPr lang="pt-BR" smtClean="0"/>
-              <a:t>04/12/2016</a:t>
+              <a:t>05/12/2016</a:t>
             </a:fld>
             <a:endParaRPr lang="pt-BR"/>
           </a:p>
@@ -2872,7 +2873,7 @@
           <a:p>
             <a:fld id="{8B5C8B54-FFB1-44A6-80FE-9FB775708678}" type="datetimeFigureOut">
               <a:rPr lang="pt-BR" smtClean="0"/>
-              <a:t>04/12/2016</a:t>
+              <a:t>05/12/2016</a:t>
             </a:fld>
             <a:endParaRPr lang="pt-BR"/>
           </a:p>
@@ -3085,7 +3086,7 @@
           <a:p>
             <a:fld id="{8B5C8B54-FFB1-44A6-80FE-9FB775708678}" type="datetimeFigureOut">
               <a:rPr lang="pt-BR" smtClean="0"/>
-              <a:t>04/12/2016</a:t>
+              <a:t>05/12/2016</a:t>
             </a:fld>
             <a:endParaRPr lang="pt-BR"/>
           </a:p>
@@ -3842,6 +3843,1226 @@
         <p:spPr>
           <a:xfrm>
             <a:off x="539552" y="4365104"/>
+            <a:ext cx="4608512" cy="2160239"/>
+          </a:xfrm>
+          <a:prstGeom prst="rect">
+            <a:avLst/>
+          </a:prstGeom>
+          <a:ln w="3175"/>
+        </p:spPr>
+        <p:style>
+          <a:lnRef idx="2">
+            <a:schemeClr val="dk1"/>
+          </a:lnRef>
+          <a:fillRef idx="1">
+            <a:schemeClr val="lt1"/>
+          </a:fillRef>
+          <a:effectRef idx="0">
+            <a:schemeClr val="dk1"/>
+          </a:effectRef>
+          <a:fontRef idx="minor">
+            <a:schemeClr val="dk1"/>
+          </a:fontRef>
+        </p:style>
+        <p:txBody>
+          <a:bodyPr rtlCol="0" anchor="ctr"/>
+          <a:lstStyle/>
+          <a:p>
+            <a:r>
+              <a:rPr lang="en-US" altLang="pt-BR" sz="1400" dirty="0">
+                <a:solidFill>
+                  <a:srgbClr val="910F93"/>
+                </a:solidFill>
+              </a:rPr>
+              <a:t>class</a:t>
+            </a:r>
+            <a:r>
+              <a:rPr lang="en-US" altLang="pt-BR" sz="1400" dirty="0">
+                <a:solidFill>
+                  <a:srgbClr val="000000"/>
+                </a:solidFill>
+              </a:rPr>
+              <a:t> </a:t>
+            </a:r>
+            <a:r>
+              <a:rPr lang="en-US" altLang="pt-BR" sz="1400" dirty="0" err="1">
+                <a:solidFill>
+                  <a:srgbClr val="000000"/>
+                </a:solidFill>
+              </a:rPr>
+              <a:t>HelloWholeWorld</a:t>
+            </a:r>
+            <a:r>
+              <a:rPr lang="en-US" altLang="pt-BR" sz="1400" dirty="0">
+                <a:solidFill>
+                  <a:srgbClr val="000000"/>
+                </a:solidFill>
+              </a:rPr>
+              <a:t> {  </a:t>
+            </a:r>
+          </a:p>
+          <a:p>
+            <a:r>
+              <a:rPr lang="en-US" altLang="pt-BR" sz="1400" dirty="0">
+                <a:solidFill>
+                  <a:srgbClr val="000000"/>
+                </a:solidFill>
+              </a:rPr>
+              <a:t>  </a:t>
+            </a:r>
+            <a:r>
+              <a:rPr lang="en-US" altLang="pt-BR" sz="1400" dirty="0">
+                <a:solidFill>
+                  <a:srgbClr val="910F93"/>
+                </a:solidFill>
+              </a:rPr>
+              <a:t>public</a:t>
+            </a:r>
+            <a:r>
+              <a:rPr lang="en-US" altLang="pt-BR" sz="1400" dirty="0">
+                <a:solidFill>
+                  <a:srgbClr val="000000"/>
+                </a:solidFill>
+              </a:rPr>
+              <a:t> </a:t>
+            </a:r>
+            <a:r>
+              <a:rPr lang="en-US" altLang="pt-BR" sz="1400" dirty="0">
+                <a:solidFill>
+                  <a:srgbClr val="910F93"/>
+                </a:solidFill>
+              </a:rPr>
+              <a:t>static</a:t>
+            </a:r>
+            <a:r>
+              <a:rPr lang="en-US" altLang="pt-BR" sz="1400" dirty="0">
+                <a:solidFill>
+                  <a:srgbClr val="000000"/>
+                </a:solidFill>
+              </a:rPr>
+              <a:t> </a:t>
+            </a:r>
+            <a:r>
+              <a:rPr lang="en-US" altLang="pt-BR" sz="1400" dirty="0" err="1">
+                <a:solidFill>
+                  <a:srgbClr val="910F93"/>
+                </a:solidFill>
+              </a:rPr>
+              <a:t>def</a:t>
+            </a:r>
+            <a:r>
+              <a:rPr lang="en-US" altLang="pt-BR" sz="1400" dirty="0">
+                <a:solidFill>
+                  <a:srgbClr val="000000"/>
+                </a:solidFill>
+              </a:rPr>
+              <a:t> main(</a:t>
+            </a:r>
+            <a:r>
+              <a:rPr lang="en-US" altLang="pt-BR" sz="1400" dirty="0" err="1">
+                <a:solidFill>
+                  <a:srgbClr val="000000"/>
+                </a:solidFill>
+              </a:rPr>
+              <a:t>args:Array</a:t>
+            </a:r>
+            <a:r>
+              <a:rPr lang="en-US" altLang="pt-BR" sz="1400" dirty="0">
+                <a:solidFill>
+                  <a:srgbClr val="000000"/>
+                </a:solidFill>
+              </a:rPr>
+              <a:t>[String](1)):void {</a:t>
+            </a:r>
+          </a:p>
+          <a:p>
+            <a:r>
+              <a:rPr lang="en-US" altLang="pt-BR" sz="1400" dirty="0">
+                <a:solidFill>
+                  <a:srgbClr val="000000"/>
+                </a:solidFill>
+              </a:rPr>
+              <a:t>    </a:t>
+            </a:r>
+            <a:r>
+              <a:rPr lang="en-US" altLang="pt-BR" sz="1400" dirty="0">
+                <a:solidFill>
+                  <a:srgbClr val="910F93"/>
+                </a:solidFill>
+              </a:rPr>
+              <a:t>for</a:t>
+            </a:r>
+            <a:r>
+              <a:rPr lang="en-US" altLang="pt-BR" sz="1400" dirty="0">
+                <a:solidFill>
+                  <a:srgbClr val="000000"/>
+                </a:solidFill>
+              </a:rPr>
+              <a:t> (</a:t>
+            </a:r>
+            <a:r>
+              <a:rPr lang="en-US" altLang="pt-BR" sz="1400" dirty="0" err="1">
+                <a:solidFill>
+                  <a:srgbClr val="910F93"/>
+                </a:solidFill>
+              </a:rPr>
+              <a:t>var</a:t>
+            </a:r>
+            <a:r>
+              <a:rPr lang="en-US" altLang="pt-BR" sz="1400" dirty="0">
+                <a:solidFill>
+                  <a:srgbClr val="000000"/>
+                </a:solidFill>
+              </a:rPr>
+              <a:t> i:Int=</a:t>
+            </a:r>
+            <a:r>
+              <a:rPr lang="en-US" altLang="pt-BR" sz="1400" dirty="0">
+                <a:solidFill>
+                  <a:srgbClr val="909200"/>
+                </a:solidFill>
+              </a:rPr>
+              <a:t>0</a:t>
+            </a:r>
+            <a:r>
+              <a:rPr lang="en-US" altLang="pt-BR" sz="1400" dirty="0">
+                <a:solidFill>
+                  <a:srgbClr val="000000"/>
+                </a:solidFill>
+              </a:rPr>
+              <a:t>; </a:t>
+            </a:r>
+            <a:r>
+              <a:rPr lang="en-US" altLang="pt-BR" sz="1400" dirty="0" err="1">
+                <a:solidFill>
+                  <a:srgbClr val="000000"/>
+                </a:solidFill>
+              </a:rPr>
+              <a:t>i</a:t>
+            </a:r>
+            <a:r>
+              <a:rPr lang="en-US" altLang="pt-BR" sz="1400" dirty="0">
+                <a:solidFill>
+                  <a:srgbClr val="000000"/>
+                </a:solidFill>
+              </a:rPr>
+              <a:t>&lt;</a:t>
+            </a:r>
+            <a:r>
+              <a:rPr lang="en-US" altLang="pt-BR" sz="1400" dirty="0" err="1">
+                <a:solidFill>
+                  <a:srgbClr val="000000"/>
+                </a:solidFill>
+              </a:rPr>
+              <a:t>Place.MAX_PLACES</a:t>
+            </a:r>
+            <a:r>
+              <a:rPr lang="en-US" altLang="pt-BR" sz="1400" dirty="0">
+                <a:solidFill>
+                  <a:srgbClr val="000000"/>
+                </a:solidFill>
+              </a:rPr>
+              <a:t>; </a:t>
+            </a:r>
+            <a:r>
+              <a:rPr lang="en-US" altLang="pt-BR" sz="1400" dirty="0" err="1">
+                <a:solidFill>
+                  <a:srgbClr val="000000"/>
+                </a:solidFill>
+              </a:rPr>
+              <a:t>i</a:t>
+            </a:r>
+            <a:r>
+              <a:rPr lang="en-US" altLang="pt-BR" sz="1400" dirty="0">
+                <a:solidFill>
+                  <a:srgbClr val="000000"/>
+                </a:solidFill>
+              </a:rPr>
+              <a:t>++) {</a:t>
+            </a:r>
+          </a:p>
+          <a:p>
+            <a:r>
+              <a:rPr lang="en-US" altLang="pt-BR" sz="1400" dirty="0">
+                <a:solidFill>
+                  <a:srgbClr val="000000"/>
+                </a:solidFill>
+              </a:rPr>
+              <a:t>      </a:t>
+            </a:r>
+            <a:r>
+              <a:rPr lang="en-US" altLang="pt-BR" sz="1400" dirty="0" err="1">
+                <a:solidFill>
+                  <a:srgbClr val="910F93"/>
+                </a:solidFill>
+              </a:rPr>
+              <a:t>val</a:t>
+            </a:r>
+            <a:r>
+              <a:rPr lang="en-US" altLang="pt-BR" sz="1400" dirty="0">
+                <a:solidFill>
+                  <a:srgbClr val="000000"/>
+                </a:solidFill>
+              </a:rPr>
+              <a:t> </a:t>
+            </a:r>
+            <a:r>
+              <a:rPr lang="en-US" altLang="pt-BR" sz="1400" dirty="0" err="1">
+                <a:solidFill>
+                  <a:srgbClr val="000000"/>
+                </a:solidFill>
+              </a:rPr>
+              <a:t>iVal</a:t>
+            </a:r>
+            <a:r>
+              <a:rPr lang="en-US" altLang="pt-BR" sz="1400" dirty="0">
+                <a:solidFill>
+                  <a:srgbClr val="000000"/>
+                </a:solidFill>
+              </a:rPr>
+              <a:t> = </a:t>
+            </a:r>
+            <a:r>
+              <a:rPr lang="en-US" altLang="pt-BR" sz="1400" dirty="0" err="1">
+                <a:solidFill>
+                  <a:srgbClr val="000000"/>
+                </a:solidFill>
+              </a:rPr>
+              <a:t>i</a:t>
+            </a:r>
+            <a:r>
+              <a:rPr lang="en-US" altLang="pt-BR" sz="1400" dirty="0">
+                <a:solidFill>
+                  <a:srgbClr val="000000"/>
+                </a:solidFill>
+              </a:rPr>
+              <a:t>;</a:t>
+            </a:r>
+          </a:p>
+          <a:p>
+            <a:r>
+              <a:rPr lang="en-US" altLang="pt-BR" sz="1400" dirty="0">
+                <a:solidFill>
+                  <a:srgbClr val="000000"/>
+                </a:solidFill>
+              </a:rPr>
+              <a:t>      </a:t>
+            </a:r>
+            <a:r>
+              <a:rPr lang="en-US" altLang="pt-BR" sz="1400" dirty="0" err="1">
+                <a:solidFill>
+                  <a:srgbClr val="910F93"/>
+                </a:solidFill>
+              </a:rPr>
+              <a:t>async</a:t>
+            </a:r>
+            <a:r>
+              <a:rPr lang="en-US" altLang="pt-BR" sz="1400" dirty="0">
+                <a:solidFill>
+                  <a:srgbClr val="000000"/>
+                </a:solidFill>
+              </a:rPr>
+              <a:t> </a:t>
+            </a:r>
+            <a:r>
+              <a:rPr lang="en-US" altLang="pt-BR" sz="1400" dirty="0">
+                <a:solidFill>
+                  <a:srgbClr val="910F93"/>
+                </a:solidFill>
+              </a:rPr>
+              <a:t>at</a:t>
+            </a:r>
+            <a:r>
+              <a:rPr lang="en-US" altLang="pt-BR" sz="1400" dirty="0">
+                <a:solidFill>
+                  <a:srgbClr val="000000"/>
+                </a:solidFill>
+              </a:rPr>
+              <a:t> (</a:t>
+            </a:r>
+            <a:r>
+              <a:rPr lang="en-US" altLang="pt-BR" sz="1400" dirty="0" err="1">
+                <a:solidFill>
+                  <a:srgbClr val="000000"/>
+                </a:solidFill>
+              </a:rPr>
+              <a:t>Place.places</a:t>
+            </a:r>
+            <a:r>
+              <a:rPr lang="en-US" altLang="pt-BR" sz="1400" dirty="0">
+                <a:solidFill>
+                  <a:srgbClr val="000000"/>
+                </a:solidFill>
+              </a:rPr>
+              <a:t>(</a:t>
+            </a:r>
+            <a:r>
+              <a:rPr lang="en-US" altLang="pt-BR" sz="1400" dirty="0" err="1">
+                <a:solidFill>
+                  <a:srgbClr val="000000"/>
+                </a:solidFill>
+              </a:rPr>
+              <a:t>iVal</a:t>
+            </a:r>
+            <a:r>
+              <a:rPr lang="en-US" altLang="pt-BR" sz="1400" dirty="0">
+                <a:solidFill>
+                  <a:srgbClr val="000000"/>
+                </a:solidFill>
+              </a:rPr>
+              <a:t>)) {</a:t>
+            </a:r>
+          </a:p>
+          <a:p>
+            <a:r>
+              <a:rPr lang="en-US" altLang="pt-BR" sz="1400" dirty="0">
+                <a:solidFill>
+                  <a:srgbClr val="000000"/>
+                </a:solidFill>
+              </a:rPr>
+              <a:t>        </a:t>
+            </a:r>
+            <a:r>
+              <a:rPr lang="en-US" altLang="pt-BR" sz="1400" dirty="0" err="1">
+                <a:solidFill>
+                  <a:srgbClr val="000000"/>
+                </a:solidFill>
+              </a:rPr>
+              <a:t>Console.OUT.println</a:t>
+            </a:r>
+            <a:r>
+              <a:rPr lang="en-US" altLang="pt-BR" sz="1400" dirty="0">
+                <a:solidFill>
+                  <a:srgbClr val="000000"/>
+                </a:solidFill>
+              </a:rPr>
+              <a:t>(</a:t>
+            </a:r>
+            <a:r>
+              <a:rPr lang="en-US" altLang="pt-BR" sz="1400" dirty="0">
+                <a:solidFill>
+                  <a:srgbClr val="190492"/>
+                </a:solidFill>
+              </a:rPr>
+              <a:t>"Hello World from place "</a:t>
+            </a:r>
+            <a:r>
+              <a:rPr lang="en-US" altLang="pt-BR" sz="1400" dirty="0">
+                <a:solidFill>
+                  <a:srgbClr val="000000"/>
+                </a:solidFill>
+              </a:rPr>
+              <a:t>+</a:t>
+            </a:r>
+            <a:r>
+              <a:rPr lang="en-US" altLang="pt-BR" sz="1400" dirty="0">
+                <a:solidFill>
+                  <a:srgbClr val="910F93"/>
+                </a:solidFill>
+              </a:rPr>
+              <a:t>here</a:t>
+            </a:r>
+            <a:r>
+              <a:rPr lang="en-US" altLang="pt-BR" sz="1400" dirty="0">
+                <a:solidFill>
+                  <a:srgbClr val="000000"/>
+                </a:solidFill>
+              </a:rPr>
+              <a:t>.id);</a:t>
+            </a:r>
+          </a:p>
+          <a:p>
+            <a:r>
+              <a:rPr lang="en-US" altLang="pt-BR" sz="1400" dirty="0">
+                <a:solidFill>
+                  <a:srgbClr val="000000"/>
+                </a:solidFill>
+              </a:rPr>
+              <a:t>      }</a:t>
+            </a:r>
+          </a:p>
+          <a:p>
+            <a:r>
+              <a:rPr lang="en-US" altLang="pt-BR" sz="1400" dirty="0">
+                <a:solidFill>
+                  <a:srgbClr val="000000"/>
+                </a:solidFill>
+              </a:rPr>
+              <a:t>    }</a:t>
+            </a:r>
+          </a:p>
+          <a:p>
+            <a:r>
+              <a:rPr lang="en-US" altLang="pt-BR" sz="1400" dirty="0">
+                <a:solidFill>
+                  <a:srgbClr val="000000"/>
+                </a:solidFill>
+              </a:rPr>
+              <a:t>  }</a:t>
+            </a:r>
+          </a:p>
+          <a:p>
+            <a:r>
+              <a:rPr lang="en-US" altLang="pt-BR" sz="1400" dirty="0">
+                <a:solidFill>
+                  <a:srgbClr val="000000"/>
+                </a:solidFill>
+              </a:rPr>
+              <a:t>}</a:t>
+            </a:r>
+            <a:endParaRPr lang="en-US" altLang="pt-BR" sz="1400" dirty="0"/>
+          </a:p>
+        </p:txBody>
+      </p:sp>
+      <p:sp>
+        <p:nvSpPr>
+          <p:cNvPr id="2" name="Title 1"/>
+          <p:cNvSpPr>
+            <a:spLocks noGrp="1"/>
+          </p:cNvSpPr>
+          <p:nvPr>
+            <p:ph type="title"/>
+          </p:nvPr>
+        </p:nvSpPr>
+        <p:spPr/>
+        <p:txBody>
+          <a:bodyPr>
+            <a:normAutofit/>
+          </a:bodyPr>
+          <a:lstStyle/>
+          <a:p>
+            <a:pPr algn="l"/>
+            <a:r>
+              <a:rPr lang="pt-BR" sz="2400" dirty="0" smtClean="0"/>
+              <a:t>Exemplos:</a:t>
+            </a:r>
+            <a:endParaRPr lang="pt-BR" sz="2400" dirty="0"/>
+          </a:p>
+        </p:txBody>
+      </p:sp>
+      <p:sp>
+        <p:nvSpPr>
+          <p:cNvPr id="3" name="Content Placeholder 2"/>
+          <p:cNvSpPr>
+            <a:spLocks noGrp="1"/>
+          </p:cNvSpPr>
+          <p:nvPr>
+            <p:ph idx="1"/>
+          </p:nvPr>
+        </p:nvSpPr>
+        <p:spPr/>
+        <p:txBody>
+          <a:bodyPr>
+            <a:normAutofit/>
+          </a:bodyPr>
+          <a:lstStyle/>
+          <a:p>
+            <a:pPr>
+              <a:lnSpc>
+                <a:spcPct val="70000"/>
+              </a:lnSpc>
+            </a:pPr>
+            <a:r>
+              <a:rPr lang="en-US" altLang="pt-BR" sz="1800" i="1" dirty="0" smtClean="0"/>
+              <a:t>at</a:t>
+            </a:r>
+          </a:p>
+          <a:p>
+            <a:pPr lvl="1">
+              <a:lnSpc>
+                <a:spcPct val="70000"/>
+              </a:lnSpc>
+            </a:pPr>
+            <a:r>
+              <a:rPr lang="en-US" altLang="pt-BR" sz="1600" dirty="0" smtClean="0"/>
+              <a:t>Define </a:t>
+            </a:r>
+            <a:r>
+              <a:rPr lang="en-US" altLang="pt-BR" sz="1600" dirty="0" err="1" smtClean="0"/>
+              <a:t>que</a:t>
+            </a:r>
+            <a:r>
+              <a:rPr lang="en-US" altLang="pt-BR" sz="1600" dirty="0" smtClean="0"/>
+              <a:t> </a:t>
+            </a:r>
+            <a:r>
+              <a:rPr lang="en-US" altLang="pt-BR" sz="1600" dirty="0" err="1" smtClean="0"/>
+              <a:t>uma</a:t>
+            </a:r>
+            <a:r>
+              <a:rPr lang="en-US" altLang="pt-BR" sz="1600" dirty="0" smtClean="0"/>
+              <a:t> </a:t>
+            </a:r>
+            <a:r>
+              <a:rPr lang="en-US" altLang="pt-BR" sz="1600" dirty="0" err="1" smtClean="0"/>
+              <a:t>certa</a:t>
+            </a:r>
+            <a:r>
+              <a:rPr lang="en-US" altLang="pt-BR" sz="1600" dirty="0" smtClean="0"/>
+              <a:t> </a:t>
+            </a:r>
+            <a:r>
+              <a:rPr lang="en-US" altLang="pt-BR" sz="1600" dirty="0" err="1" smtClean="0"/>
+              <a:t>atividade</a:t>
+            </a:r>
+            <a:r>
+              <a:rPr lang="en-US" altLang="pt-BR" sz="1600" dirty="0" smtClean="0"/>
+              <a:t> </a:t>
+            </a:r>
+            <a:r>
+              <a:rPr lang="en-US" altLang="pt-BR" sz="1600" dirty="0" err="1" smtClean="0"/>
+              <a:t>será</a:t>
+            </a:r>
+            <a:r>
+              <a:rPr lang="en-US" altLang="pt-BR" sz="1600" dirty="0" smtClean="0"/>
+              <a:t> </a:t>
+            </a:r>
+            <a:r>
+              <a:rPr lang="en-US" altLang="pt-BR" sz="1600" dirty="0" err="1" smtClean="0"/>
+              <a:t>feita</a:t>
+            </a:r>
+            <a:r>
+              <a:rPr lang="en-US" altLang="pt-BR" sz="1600" dirty="0" smtClean="0"/>
+              <a:t> </a:t>
+            </a:r>
+            <a:r>
+              <a:rPr lang="en-US" altLang="pt-BR" sz="1600" dirty="0" err="1" smtClean="0"/>
+              <a:t>em</a:t>
+            </a:r>
+            <a:r>
+              <a:rPr lang="en-US" altLang="pt-BR" sz="1600" dirty="0" smtClean="0"/>
+              <a:t> um </a:t>
+            </a:r>
+            <a:r>
+              <a:rPr lang="en-US" altLang="pt-BR" sz="1600" i="1" dirty="0" smtClean="0"/>
+              <a:t>place</a:t>
+            </a:r>
+            <a:endParaRPr lang="en-US" altLang="pt-BR" sz="1600" dirty="0" smtClean="0"/>
+          </a:p>
+          <a:p>
+            <a:pPr>
+              <a:lnSpc>
+                <a:spcPct val="70000"/>
+              </a:lnSpc>
+            </a:pPr>
+            <a:r>
+              <a:rPr lang="en-US" altLang="pt-BR" sz="1800" i="1" dirty="0" err="1" smtClean="0"/>
+              <a:t>async</a:t>
+            </a:r>
+            <a:endParaRPr lang="en-US" altLang="pt-BR" sz="1800" i="1" dirty="0" smtClean="0"/>
+          </a:p>
+          <a:p>
+            <a:pPr lvl="1">
+              <a:lnSpc>
+                <a:spcPct val="70000"/>
+              </a:lnSpc>
+            </a:pPr>
+            <a:r>
+              <a:rPr lang="en-US" altLang="pt-BR" sz="1600" dirty="0" err="1" smtClean="0"/>
+              <a:t>Inicia</a:t>
+            </a:r>
+            <a:r>
+              <a:rPr lang="en-US" altLang="pt-BR" sz="1600" dirty="0" smtClean="0"/>
+              <a:t> </a:t>
+            </a:r>
+            <a:r>
+              <a:rPr lang="en-US" altLang="pt-BR" sz="1600" dirty="0" err="1" smtClean="0"/>
+              <a:t>uma</a:t>
+            </a:r>
+            <a:r>
+              <a:rPr lang="en-US" altLang="pt-BR" sz="1600" dirty="0" smtClean="0"/>
+              <a:t> nova </a:t>
+            </a:r>
+            <a:r>
+              <a:rPr lang="en-US" altLang="pt-BR" sz="1600" dirty="0" err="1" smtClean="0"/>
+              <a:t>atividade</a:t>
+            </a:r>
+            <a:r>
+              <a:rPr lang="en-US" altLang="pt-BR" sz="1600" dirty="0" smtClean="0"/>
+              <a:t>, </a:t>
+            </a:r>
+            <a:r>
+              <a:rPr lang="en-US" altLang="pt-BR" sz="1600" dirty="0" err="1" smtClean="0"/>
+              <a:t>sem</a:t>
+            </a:r>
+            <a:r>
+              <a:rPr lang="en-US" altLang="pt-BR" sz="1600" dirty="0" smtClean="0"/>
+              <a:t> </a:t>
+            </a:r>
+            <a:r>
+              <a:rPr lang="en-US" altLang="pt-BR" sz="1600" dirty="0" err="1" smtClean="0"/>
+              <a:t>esperar</a:t>
+            </a:r>
+            <a:r>
+              <a:rPr lang="en-US" altLang="pt-BR" sz="1600" dirty="0" smtClean="0"/>
+              <a:t> </a:t>
+            </a:r>
+            <a:r>
+              <a:rPr lang="en-US" altLang="pt-BR" sz="1600" dirty="0" err="1" smtClean="0"/>
+              <a:t>que</a:t>
+            </a:r>
+            <a:r>
+              <a:rPr lang="en-US" altLang="pt-BR" sz="1600" dirty="0" smtClean="0"/>
+              <a:t> </a:t>
+            </a:r>
+            <a:r>
+              <a:rPr lang="en-US" altLang="pt-BR" sz="1600" dirty="0" err="1" smtClean="0"/>
+              <a:t>ela</a:t>
+            </a:r>
+            <a:r>
+              <a:rPr lang="en-US" altLang="pt-BR" sz="1600" dirty="0" smtClean="0"/>
+              <a:t> </a:t>
+            </a:r>
+            <a:r>
+              <a:rPr lang="en-US" altLang="pt-BR" sz="1600" dirty="0" err="1" smtClean="0"/>
+              <a:t>termine</a:t>
+            </a:r>
+            <a:endParaRPr lang="en-US" altLang="pt-BR" sz="1600" dirty="0" smtClean="0"/>
+          </a:p>
+          <a:p>
+            <a:pPr>
+              <a:lnSpc>
+                <a:spcPct val="70000"/>
+              </a:lnSpc>
+            </a:pPr>
+            <a:endParaRPr lang="en-US" altLang="pt-BR" sz="1800" dirty="0" smtClean="0">
+              <a:latin typeface="Monaco" charset="0"/>
+            </a:endParaRPr>
+          </a:p>
+          <a:p>
+            <a:pPr>
+              <a:lnSpc>
+                <a:spcPct val="70000"/>
+              </a:lnSpc>
+            </a:pPr>
+            <a:r>
+              <a:rPr lang="en-US" altLang="pt-BR" sz="1800" dirty="0" smtClean="0"/>
+              <a:t>as </a:t>
+            </a:r>
+            <a:r>
+              <a:rPr lang="en-US" altLang="pt-BR" sz="1800" dirty="0" err="1" smtClean="0"/>
+              <a:t>async</a:t>
+            </a:r>
+            <a:r>
+              <a:rPr lang="en-US" altLang="pt-BR" sz="1800" dirty="0" smtClean="0"/>
+              <a:t> </a:t>
+            </a:r>
+            <a:r>
+              <a:rPr lang="en-US" altLang="pt-BR" sz="1800" dirty="0" smtClean="0">
+                <a:ea typeface="Cambria Math"/>
+              </a:rPr>
+              <a:t>≠ </a:t>
+            </a:r>
+            <a:r>
+              <a:rPr lang="en-US" altLang="pt-BR" sz="1800" dirty="0" err="1" smtClean="0">
+                <a:ea typeface="Cambria Math"/>
+              </a:rPr>
+              <a:t>async</a:t>
+            </a:r>
+            <a:r>
+              <a:rPr lang="en-US" altLang="pt-BR" sz="1800" dirty="0" smtClean="0">
+                <a:ea typeface="Cambria Math"/>
+              </a:rPr>
+              <a:t> as</a:t>
+            </a:r>
+            <a:endParaRPr lang="en-US" altLang="pt-BR" sz="1800" dirty="0"/>
+          </a:p>
+          <a:p>
+            <a:pPr>
+              <a:lnSpc>
+                <a:spcPct val="70000"/>
+              </a:lnSpc>
+            </a:pPr>
+            <a:endParaRPr lang="en-US" altLang="pt-BR" sz="1800" dirty="0" smtClean="0">
+              <a:latin typeface="Monaco" charset="0"/>
+            </a:endParaRPr>
+          </a:p>
+          <a:p>
+            <a:pPr>
+              <a:lnSpc>
+                <a:spcPct val="70000"/>
+              </a:lnSpc>
+            </a:pPr>
+            <a:r>
+              <a:rPr lang="en-US" altLang="pt-BR" sz="1800" dirty="0" err="1" smtClean="0"/>
+              <a:t>Apenas</a:t>
+            </a:r>
+            <a:r>
+              <a:rPr lang="en-US" altLang="pt-BR" sz="1800" dirty="0" smtClean="0"/>
+              <a:t> </a:t>
+            </a:r>
+            <a:r>
+              <a:rPr lang="en-US" altLang="pt-BR" sz="1800" dirty="0" err="1" smtClean="0"/>
+              <a:t>variáveis</a:t>
+            </a:r>
+            <a:r>
+              <a:rPr lang="en-US" altLang="pt-BR" sz="1800" dirty="0" smtClean="0"/>
+              <a:t> “</a:t>
+            </a:r>
+            <a:r>
+              <a:rPr lang="en-US" altLang="pt-BR" sz="1800" dirty="0" err="1" smtClean="0"/>
+              <a:t>val</a:t>
+            </a:r>
+            <a:r>
+              <a:rPr lang="en-US" altLang="pt-BR" sz="1800" dirty="0" smtClean="0"/>
+              <a:t>” </a:t>
+            </a:r>
+            <a:r>
+              <a:rPr lang="en-US" altLang="pt-BR" sz="1800" dirty="0" err="1" smtClean="0"/>
+              <a:t>podem</a:t>
+            </a:r>
+            <a:r>
+              <a:rPr lang="en-US" altLang="pt-BR" sz="1800" dirty="0" smtClean="0"/>
+              <a:t> </a:t>
+            </a:r>
+            <a:r>
+              <a:rPr lang="en-US" altLang="pt-BR" sz="1800" dirty="0" err="1" smtClean="0"/>
+              <a:t>ser</a:t>
+            </a:r>
+            <a:r>
+              <a:rPr lang="en-US" altLang="pt-BR" sz="1800" dirty="0" smtClean="0"/>
+              <a:t> </a:t>
+            </a:r>
+            <a:r>
+              <a:rPr lang="en-US" altLang="pt-BR" sz="1800" dirty="0" err="1" smtClean="0"/>
+              <a:t>acessadas</a:t>
+            </a:r>
+            <a:r>
+              <a:rPr lang="en-US" altLang="pt-BR" sz="1800" dirty="0" smtClean="0"/>
+              <a:t> </a:t>
+            </a:r>
+            <a:r>
+              <a:rPr lang="en-US" altLang="pt-BR" sz="1800" dirty="0" err="1" smtClean="0"/>
+              <a:t>por</a:t>
+            </a:r>
+            <a:r>
+              <a:rPr lang="en-US" altLang="pt-BR" sz="1800" dirty="0" smtClean="0"/>
+              <a:t> </a:t>
+            </a:r>
+            <a:r>
+              <a:rPr lang="en-US" altLang="pt-BR" sz="1800" dirty="0" err="1" smtClean="0"/>
+              <a:t>blocos</a:t>
+            </a:r>
+            <a:r>
+              <a:rPr lang="en-US" altLang="pt-BR" sz="1800" dirty="0" smtClean="0"/>
+              <a:t> </a:t>
+            </a:r>
+            <a:r>
+              <a:rPr lang="en-US" altLang="pt-BR" sz="1800" i="1" dirty="0" err="1" smtClean="0"/>
+              <a:t>async</a:t>
+            </a:r>
+            <a:r>
+              <a:rPr lang="en-US" altLang="pt-BR" sz="1800" dirty="0" smtClean="0"/>
+              <a:t> </a:t>
+            </a:r>
+            <a:r>
+              <a:rPr lang="en-US" altLang="pt-BR" sz="1800" dirty="0" err="1" smtClean="0"/>
+              <a:t>ou</a:t>
+            </a:r>
+            <a:r>
+              <a:rPr lang="en-US" altLang="pt-BR" sz="1800" dirty="0" smtClean="0"/>
+              <a:t> </a:t>
+            </a:r>
+            <a:r>
+              <a:rPr lang="en-US" altLang="pt-BR" sz="1800" i="1" dirty="0" smtClean="0"/>
+              <a:t>at</a:t>
+            </a:r>
+          </a:p>
+          <a:p>
+            <a:pPr lvl="1">
+              <a:lnSpc>
+                <a:spcPct val="70000"/>
+              </a:lnSpc>
+            </a:pPr>
+            <a:r>
+              <a:rPr lang="en-US" altLang="pt-BR" sz="1600" dirty="0" err="1" smtClean="0"/>
+              <a:t>iVal</a:t>
+            </a:r>
+            <a:r>
+              <a:rPr lang="en-US" altLang="pt-BR" sz="1600" dirty="0" smtClean="0"/>
+              <a:t> é </a:t>
+            </a:r>
+            <a:r>
+              <a:rPr lang="en-US" altLang="pt-BR" sz="1600" dirty="0" err="1" smtClean="0"/>
+              <a:t>uma</a:t>
+            </a:r>
+            <a:r>
+              <a:rPr lang="en-US" altLang="pt-BR" sz="1600" dirty="0" smtClean="0"/>
+              <a:t> </a:t>
+            </a:r>
+            <a:r>
+              <a:rPr lang="en-US" altLang="pt-BR" sz="1600" dirty="0" err="1" smtClean="0"/>
+              <a:t>cópia</a:t>
+            </a:r>
+            <a:r>
+              <a:rPr lang="en-US" altLang="pt-BR" sz="1600" dirty="0" smtClean="0"/>
+              <a:t> de ‘</a:t>
+            </a:r>
+            <a:r>
+              <a:rPr lang="en-US" altLang="pt-BR" sz="1600" dirty="0" err="1" smtClean="0"/>
+              <a:t>i</a:t>
+            </a:r>
+            <a:r>
+              <a:rPr lang="en-US" altLang="pt-BR" sz="1600" dirty="0" smtClean="0"/>
+              <a:t>’ para </a:t>
+            </a:r>
+            <a:r>
+              <a:rPr lang="en-US" altLang="pt-BR" sz="1600" dirty="0" err="1" smtClean="0"/>
+              <a:t>que</a:t>
+            </a:r>
+            <a:r>
+              <a:rPr lang="en-US" altLang="pt-BR" sz="1600" dirty="0" smtClean="0"/>
+              <a:t> </a:t>
+            </a:r>
+            <a:r>
+              <a:rPr lang="en-US" altLang="pt-BR" sz="1600" dirty="0" err="1" smtClean="0"/>
+              <a:t>seja</a:t>
+            </a:r>
+            <a:r>
+              <a:rPr lang="en-US" altLang="pt-BR" sz="1600" dirty="0" smtClean="0"/>
+              <a:t> </a:t>
+            </a:r>
+            <a:r>
+              <a:rPr lang="en-US" altLang="pt-BR" sz="1600" dirty="0" err="1" smtClean="0"/>
+              <a:t>utilizada</a:t>
+            </a:r>
+            <a:r>
+              <a:rPr lang="en-US" altLang="pt-BR" sz="1600" dirty="0" smtClean="0"/>
+              <a:t> no </a:t>
+            </a:r>
+            <a:r>
+              <a:rPr lang="en-US" altLang="pt-BR" sz="1600" dirty="0" err="1" smtClean="0"/>
+              <a:t>bloco</a:t>
+            </a:r>
+            <a:r>
+              <a:rPr lang="en-US" altLang="pt-BR" sz="1600" dirty="0" smtClean="0"/>
+              <a:t> </a:t>
+            </a:r>
+            <a:r>
+              <a:rPr lang="en-US" altLang="pt-BR" sz="1600" i="1" dirty="0" smtClean="0"/>
+              <a:t>at</a:t>
+            </a:r>
+            <a:r>
+              <a:rPr lang="en-US" altLang="pt-BR" sz="1600" dirty="0" smtClean="0"/>
+              <a:t>.</a:t>
+            </a:r>
+          </a:p>
+          <a:p>
+            <a:pPr lvl="1">
+              <a:lnSpc>
+                <a:spcPct val="70000"/>
+              </a:lnSpc>
+            </a:pPr>
+            <a:r>
+              <a:rPr lang="en-US" altLang="pt-BR" sz="1600" dirty="0" smtClean="0"/>
+              <a:t>‘</a:t>
+            </a:r>
+            <a:r>
+              <a:rPr lang="en-US" altLang="pt-BR" sz="1600" dirty="0" err="1" smtClean="0"/>
+              <a:t>i</a:t>
+            </a:r>
+            <a:r>
+              <a:rPr lang="en-US" altLang="pt-BR" sz="1600" dirty="0" smtClean="0"/>
+              <a:t>’ é </a:t>
+            </a:r>
+            <a:r>
+              <a:rPr lang="en-US" altLang="pt-BR" sz="1600" dirty="0" err="1" smtClean="0"/>
+              <a:t>uma</a:t>
+            </a:r>
+            <a:r>
+              <a:rPr lang="en-US" altLang="pt-BR" sz="1600" dirty="0" smtClean="0"/>
+              <a:t> </a:t>
+            </a:r>
+            <a:r>
+              <a:rPr lang="en-US" altLang="pt-BR" sz="1600" dirty="0" err="1" smtClean="0"/>
+              <a:t>variável</a:t>
+            </a:r>
+            <a:r>
+              <a:rPr lang="en-US" altLang="pt-BR" sz="1600" dirty="0" smtClean="0"/>
+              <a:t> </a:t>
+            </a:r>
+            <a:r>
+              <a:rPr lang="en-US" altLang="pt-BR" sz="1600" dirty="0" err="1" smtClean="0"/>
+              <a:t>var</a:t>
+            </a:r>
+            <a:r>
+              <a:rPr lang="en-US" altLang="pt-BR" sz="1600" dirty="0" smtClean="0"/>
+              <a:t>, e </a:t>
+            </a:r>
+            <a:r>
+              <a:rPr lang="en-US" altLang="pt-BR" sz="1600" dirty="0" err="1" smtClean="0"/>
+              <a:t>será</a:t>
+            </a:r>
+            <a:r>
+              <a:rPr lang="en-US" altLang="pt-BR" sz="1600" dirty="0" smtClean="0"/>
+              <a:t> </a:t>
+            </a:r>
+            <a:r>
+              <a:rPr lang="en-US" altLang="pt-BR" sz="1600" dirty="0" err="1" smtClean="0"/>
+              <a:t>gerado</a:t>
+            </a:r>
+            <a:r>
+              <a:rPr lang="en-US" altLang="pt-BR" sz="1600" dirty="0" smtClean="0"/>
+              <a:t> um </a:t>
+            </a:r>
+            <a:r>
+              <a:rPr lang="en-US" altLang="pt-BR" sz="1600" dirty="0" err="1" smtClean="0"/>
+              <a:t>erro</a:t>
+            </a:r>
+            <a:r>
+              <a:rPr lang="en-US" altLang="pt-BR" sz="1600" dirty="0" smtClean="0"/>
+              <a:t>.</a:t>
+            </a:r>
+          </a:p>
+          <a:p>
+            <a:pPr marL="0" indent="0">
+              <a:buNone/>
+            </a:pPr>
+            <a:endParaRPr lang="pt-BR" dirty="0"/>
+          </a:p>
+        </p:txBody>
+      </p:sp>
+      <p:sp>
+        <p:nvSpPr>
+          <p:cNvPr id="4" name="Rectangle 7"/>
+          <p:cNvSpPr>
+            <a:spLocks noChangeArrowheads="1"/>
+          </p:cNvSpPr>
+          <p:nvPr/>
+        </p:nvSpPr>
+        <p:spPr bwMode="auto">
+          <a:xfrm>
+            <a:off x="5940152" y="4725144"/>
+            <a:ext cx="2016224" cy="954107"/>
+          </a:xfrm>
+          <a:prstGeom prst="rect">
+            <a:avLst/>
+          </a:prstGeom>
+          <a:noFill/>
+          <a:ln w="3175">
+            <a:solidFill>
+              <a:schemeClr val="tx1"/>
+            </a:solidFill>
+            <a:miter lim="800000"/>
+            <a:headEnd/>
+            <a:tailEnd/>
+          </a:ln>
+          <a:extLst>
+            <a:ext uri="{909E8E84-426E-40DD-AFC4-6F175D3DCCD1}">
+              <a14:hiddenFill xmlns:a14="http://schemas.microsoft.com/office/drawing/2010/main">
+                <a:solidFill>
+                  <a:srgbClr val="FFFFFF"/>
+                </a:solidFill>
+              </a14:hiddenFill>
+            </a:ext>
+          </a:extLst>
+        </p:spPr>
+        <p:txBody>
+          <a:bodyPr wrap="square">
+            <a:spAutoFit/>
+          </a:bodyPr>
+          <a:lstStyle>
+            <a:lvl1pPr eaLnBrk="0" hangingPunct="0">
+              <a:defRPr sz="2800">
+                <a:solidFill>
+                  <a:srgbClr val="3F3D41"/>
+                </a:solidFill>
+                <a:latin typeface="Arial" pitchFamily="34" charset="0"/>
+                <a:ea typeface="ＭＳ Ｐゴシック" pitchFamily="34" charset="-128"/>
+              </a:defRPr>
+            </a:lvl1pPr>
+            <a:lvl2pPr marL="37931725" indent="-37474525" eaLnBrk="0" hangingPunct="0">
+              <a:defRPr sz="2800">
+                <a:solidFill>
+                  <a:srgbClr val="3F3D41"/>
+                </a:solidFill>
+                <a:latin typeface="Arial" pitchFamily="34" charset="0"/>
+                <a:ea typeface="ＭＳ Ｐゴシック" pitchFamily="34" charset="-128"/>
+              </a:defRPr>
+            </a:lvl2pPr>
+            <a:lvl3pPr eaLnBrk="0" hangingPunct="0">
+              <a:defRPr sz="2800">
+                <a:solidFill>
+                  <a:srgbClr val="3F3D41"/>
+                </a:solidFill>
+                <a:latin typeface="Arial" pitchFamily="34" charset="0"/>
+                <a:ea typeface="ＭＳ Ｐゴシック" pitchFamily="34" charset="-128"/>
+              </a:defRPr>
+            </a:lvl3pPr>
+            <a:lvl4pPr eaLnBrk="0" hangingPunct="0">
+              <a:defRPr sz="2800">
+                <a:solidFill>
+                  <a:srgbClr val="3F3D41"/>
+                </a:solidFill>
+                <a:latin typeface="Arial" pitchFamily="34" charset="0"/>
+                <a:ea typeface="ＭＳ Ｐゴシック" pitchFamily="34" charset="-128"/>
+              </a:defRPr>
+            </a:lvl4pPr>
+            <a:lvl5pPr eaLnBrk="0" hangingPunct="0">
+              <a:defRPr sz="2800">
+                <a:solidFill>
+                  <a:srgbClr val="3F3D41"/>
+                </a:solidFill>
+                <a:latin typeface="Arial" pitchFamily="34" charset="0"/>
+                <a:ea typeface="ＭＳ Ｐゴシック" pitchFamily="34" charset="-128"/>
+              </a:defRPr>
+            </a:lvl5pPr>
+            <a:lvl6pPr marL="457200" eaLnBrk="0" fontAlgn="base" hangingPunct="0">
+              <a:spcBef>
+                <a:spcPct val="0"/>
+              </a:spcBef>
+              <a:spcAft>
+                <a:spcPct val="0"/>
+              </a:spcAft>
+              <a:defRPr sz="2800">
+                <a:solidFill>
+                  <a:srgbClr val="3F3D41"/>
+                </a:solidFill>
+                <a:latin typeface="Arial" pitchFamily="34" charset="0"/>
+                <a:ea typeface="ＭＳ Ｐゴシック" pitchFamily="34" charset="-128"/>
+              </a:defRPr>
+            </a:lvl6pPr>
+            <a:lvl7pPr marL="914400" eaLnBrk="0" fontAlgn="base" hangingPunct="0">
+              <a:spcBef>
+                <a:spcPct val="0"/>
+              </a:spcBef>
+              <a:spcAft>
+                <a:spcPct val="0"/>
+              </a:spcAft>
+              <a:defRPr sz="2800">
+                <a:solidFill>
+                  <a:srgbClr val="3F3D41"/>
+                </a:solidFill>
+                <a:latin typeface="Arial" pitchFamily="34" charset="0"/>
+                <a:ea typeface="ＭＳ Ｐゴシック" pitchFamily="34" charset="-128"/>
+              </a:defRPr>
+            </a:lvl7pPr>
+            <a:lvl8pPr marL="1371600" eaLnBrk="0" fontAlgn="base" hangingPunct="0">
+              <a:spcBef>
+                <a:spcPct val="0"/>
+              </a:spcBef>
+              <a:spcAft>
+                <a:spcPct val="0"/>
+              </a:spcAft>
+              <a:defRPr sz="2800">
+                <a:solidFill>
+                  <a:srgbClr val="3F3D41"/>
+                </a:solidFill>
+                <a:latin typeface="Arial" pitchFamily="34" charset="0"/>
+                <a:ea typeface="ＭＳ Ｐゴシック" pitchFamily="34" charset="-128"/>
+              </a:defRPr>
+            </a:lvl8pPr>
+            <a:lvl9pPr marL="1828800" eaLnBrk="0" fontAlgn="base" hangingPunct="0">
+              <a:spcBef>
+                <a:spcPct val="0"/>
+              </a:spcBef>
+              <a:spcAft>
+                <a:spcPct val="0"/>
+              </a:spcAft>
+              <a:defRPr sz="2800">
+                <a:solidFill>
+                  <a:srgbClr val="3F3D41"/>
+                </a:solidFill>
+                <a:latin typeface="Arial" pitchFamily="34" charset="0"/>
+                <a:ea typeface="ＭＳ Ｐゴシック" pitchFamily="34" charset="-128"/>
+              </a:defRPr>
+            </a:lvl9pPr>
+          </a:lstStyle>
+          <a:p>
+            <a:r>
+              <a:rPr lang="en-US" altLang="pt-BR" sz="1400" dirty="0">
+                <a:solidFill>
+                  <a:srgbClr val="000000"/>
+                </a:solidFill>
+                <a:latin typeface="+mn-lt"/>
+              </a:rPr>
+              <a:t>Hello World from place 0</a:t>
+            </a:r>
+          </a:p>
+          <a:p>
+            <a:r>
+              <a:rPr lang="en-US" altLang="pt-BR" sz="1400" dirty="0">
+                <a:solidFill>
+                  <a:srgbClr val="000000"/>
+                </a:solidFill>
+                <a:latin typeface="+mn-lt"/>
+              </a:rPr>
+              <a:t>Hello World from place 2</a:t>
+            </a:r>
+          </a:p>
+          <a:p>
+            <a:r>
+              <a:rPr lang="en-US" altLang="pt-BR" sz="1400" dirty="0">
+                <a:solidFill>
+                  <a:srgbClr val="000000"/>
+                </a:solidFill>
+                <a:latin typeface="+mn-lt"/>
+              </a:rPr>
+              <a:t>Hello World from place 3</a:t>
+            </a:r>
+          </a:p>
+          <a:p>
+            <a:r>
+              <a:rPr lang="en-US" altLang="pt-BR" sz="1400" dirty="0">
+                <a:solidFill>
+                  <a:srgbClr val="000000"/>
+                </a:solidFill>
+                <a:latin typeface="+mn-lt"/>
+              </a:rPr>
+              <a:t>Hello World from place 1</a:t>
+            </a:r>
+            <a:endParaRPr lang="en-US" altLang="pt-BR" sz="1400" dirty="0">
+              <a:latin typeface="+mn-lt"/>
+            </a:endParaRPr>
+          </a:p>
+        </p:txBody>
+      </p:sp>
+    </p:spTree>
+    <p:extLst>
+      <p:ext uri="{BB962C8B-B14F-4D97-AF65-F5344CB8AC3E}">
+        <p14:creationId xmlns:p14="http://schemas.microsoft.com/office/powerpoint/2010/main" val="4060082110"/>
+      </p:ext>
+    </p:extLst>
+  </p:cSld>
+  <p:clrMapOvr>
+    <a:masterClrMapping/>
+  </p:clrMapOvr>
+  <p:timing>
+    <p:tnLst>
+      <p:par>
+        <p:cTn id="1" dur="indefinite" restart="never" nodeType="tmRoot"/>
+      </p:par>
+    </p:tnLst>
+  </p:timing>
+</p:sld>
+</file>
+
+<file path=ppt/slides/slide13.xml><?xml version="1.0" encoding="utf-8"?>
+<p:sld xmlns:a="http://schemas.openxmlformats.org/drawingml/2006/main" xmlns:r="http://schemas.openxmlformats.org/officeDocument/2006/relationships" xmlns:p="http://schemas.openxmlformats.org/presentationml/2006/main">
+  <p:cSld>
+    <p:spTree>
+      <p:nvGrpSpPr>
+        <p:cNvPr id="1" name=""/>
+        <p:cNvGrpSpPr/>
+        <p:nvPr/>
+      </p:nvGrpSpPr>
+      <p:grpSpPr>
+        <a:xfrm>
+          <a:off x="0" y="0"/>
+          <a:ext cx="0" cy="0"/>
+          <a:chOff x="0" y="0"/>
+          <a:chExt cx="0" cy="0"/>
+        </a:xfrm>
+      </p:grpSpPr>
+      <p:sp>
+        <p:nvSpPr>
+          <p:cNvPr id="5" name="Rectangle 4"/>
+          <p:cNvSpPr/>
+          <p:nvPr/>
+        </p:nvSpPr>
+        <p:spPr>
+          <a:xfrm>
+            <a:off x="539552" y="4365104"/>
             <a:ext cx="4572508" cy="2160239"/>
           </a:xfrm>
           <a:prstGeom prst="rect">
@@ -4356,472 +5577,68 @@
           </a:bodyPr>
           <a:lstStyle/>
           <a:p>
-            <a:pPr>
-              <a:lnSpc>
-                <a:spcPct val="70000"/>
-              </a:lnSpc>
-            </a:pPr>
-            <a:r>
-              <a:rPr lang="en-US" altLang="pt-BR" sz="1800" i="1" dirty="0" smtClean="0"/>
-              <a:t>at</a:t>
-            </a:r>
-          </a:p>
-          <a:p>
-            <a:pPr lvl="1">
-              <a:lnSpc>
-                <a:spcPct val="70000"/>
-              </a:lnSpc>
-            </a:pPr>
+            <a:r>
+              <a:rPr lang="en-US" altLang="pt-BR" sz="1800" dirty="0" smtClean="0"/>
+              <a:t>id</a:t>
+            </a:r>
+          </a:p>
+          <a:p>
+            <a:pPr lvl="1"/>
+            <a:r>
+              <a:rPr lang="en-US" altLang="pt-BR" sz="1600" dirty="0" err="1" smtClean="0"/>
+              <a:t>Contém</a:t>
+            </a:r>
             <a:r>
               <a:rPr lang="en-US" altLang="pt-BR" sz="1600" dirty="0" smtClean="0"/>
-              <a:t>Define </a:t>
+              <a:t> o </a:t>
             </a:r>
             <a:r>
               <a:rPr lang="en-US" altLang="pt-BR" sz="1600" dirty="0" err="1" smtClean="0"/>
-              <a:t>que</a:t>
+              <a:t>identificador</a:t>
+            </a:r>
+            <a:r>
+              <a:rPr lang="en-US" altLang="pt-BR" sz="1600" dirty="0"/>
+              <a:t> </a:t>
             </a:r>
             <a:r>
               <a:rPr lang="en-US" altLang="pt-BR" sz="1600" dirty="0" smtClean="0"/>
-              <a:t> </a:t>
+              <a:t>do </a:t>
             </a:r>
             <a:r>
               <a:rPr lang="en-US" altLang="pt-BR" sz="1600" dirty="0" err="1" smtClean="0"/>
-              <a:t>uma</a:t>
+              <a:t>objeto</a:t>
             </a:r>
             <a:r>
               <a:rPr lang="en-US" altLang="pt-BR" sz="1600" dirty="0" smtClean="0"/>
-              <a:t> </a:t>
-            </a:r>
+              <a:t> “</a:t>
+            </a:r>
+            <a:r>
+              <a:rPr lang="en-US" altLang="pt-BR" sz="1600" i="1" dirty="0" smtClean="0"/>
+              <a:t>place”</a:t>
+            </a:r>
+            <a:endParaRPr lang="en-US" altLang="pt-BR" sz="1200" dirty="0"/>
+          </a:p>
+          <a:p>
+            <a:r>
+              <a:rPr lang="en-US" altLang="pt-BR" sz="1800" dirty="0" smtClean="0"/>
+              <a:t>here</a:t>
+            </a:r>
+          </a:p>
+          <a:p>
+            <a:pPr lvl="1"/>
             <a:r>
               <a:rPr lang="en-US" altLang="pt-BR" sz="1600" dirty="0" err="1" smtClean="0"/>
-              <a:t>certa</a:t>
+              <a:t>Objeto</a:t>
             </a:r>
             <a:r>
               <a:rPr lang="en-US" altLang="pt-BR" sz="1600" dirty="0" smtClean="0"/>
-              <a:t> </a:t>
+              <a:t> “Place” </a:t>
             </a:r>
             <a:r>
               <a:rPr lang="en-US" altLang="pt-BR" sz="1600" dirty="0" err="1" smtClean="0"/>
-              <a:t>atividade</a:t>
-            </a:r>
-            <a:r>
-              <a:rPr lang="en-US" altLang="pt-BR" sz="1600" dirty="0" smtClean="0"/>
-              <a:t> </a:t>
-            </a:r>
-            <a:r>
-              <a:rPr lang="en-US" altLang="pt-BR" sz="1600" dirty="0" err="1" smtClean="0"/>
-              <a:t>será</a:t>
-            </a:r>
-            <a:r>
-              <a:rPr lang="en-US" altLang="pt-BR" sz="1600" dirty="0" smtClean="0"/>
-              <a:t> </a:t>
-            </a:r>
-            <a:r>
-              <a:rPr lang="en-US" altLang="pt-BR" sz="1600" dirty="0" err="1" smtClean="0"/>
-              <a:t>feita</a:t>
-            </a:r>
-            <a:r>
-              <a:rPr lang="en-US" altLang="pt-BR" sz="1600" dirty="0" smtClean="0"/>
-              <a:t> </a:t>
-            </a:r>
-            <a:r>
-              <a:rPr lang="en-US" altLang="pt-BR" sz="1600" dirty="0" err="1" smtClean="0"/>
-              <a:t>em</a:t>
-            </a:r>
-            <a:r>
-              <a:rPr lang="en-US" altLang="pt-BR" sz="1600" dirty="0" smtClean="0"/>
-              <a:t> um </a:t>
-            </a:r>
-            <a:r>
-              <a:rPr lang="en-US" altLang="pt-BR" sz="1600" i="1" dirty="0" smtClean="0"/>
-              <a:t>place</a:t>
+              <a:t>corrente</a:t>
             </a:r>
             <a:endParaRPr lang="en-US" altLang="pt-BR" sz="1600" dirty="0" smtClean="0"/>
-          </a:p>
-          <a:p>
-            <a:pPr>
-              <a:lnSpc>
-                <a:spcPct val="70000"/>
-              </a:lnSpc>
-            </a:pPr>
-            <a:r>
-              <a:rPr lang="en-US" altLang="pt-BR" sz="1800" i="1" dirty="0" err="1" smtClean="0"/>
-              <a:t>async</a:t>
-            </a:r>
-            <a:endParaRPr lang="en-US" altLang="pt-BR" sz="1800" i="1" dirty="0" smtClean="0"/>
-          </a:p>
-          <a:p>
-            <a:pPr lvl="1">
-              <a:lnSpc>
-                <a:spcPct val="70000"/>
-              </a:lnSpc>
-            </a:pPr>
-            <a:r>
-              <a:rPr lang="en-US" altLang="pt-BR" sz="1600" dirty="0" err="1" smtClean="0"/>
-              <a:t>Inicia</a:t>
-            </a:r>
-            <a:r>
-              <a:rPr lang="en-US" altLang="pt-BR" sz="1600" dirty="0" smtClean="0"/>
-              <a:t> </a:t>
-            </a:r>
-            <a:r>
-              <a:rPr lang="en-US" altLang="pt-BR" sz="1600" dirty="0" err="1" smtClean="0"/>
-              <a:t>uma</a:t>
-            </a:r>
-            <a:r>
-              <a:rPr lang="en-US" altLang="pt-BR" sz="1600" dirty="0" smtClean="0"/>
-              <a:t> nova </a:t>
-            </a:r>
-            <a:r>
-              <a:rPr lang="en-US" altLang="pt-BR" sz="1600" dirty="0" err="1" smtClean="0"/>
-              <a:t>atividade</a:t>
-            </a:r>
-            <a:r>
-              <a:rPr lang="en-US" altLang="pt-BR" sz="1600" dirty="0" smtClean="0"/>
-              <a:t>, </a:t>
-            </a:r>
-            <a:r>
-              <a:rPr lang="en-US" altLang="pt-BR" sz="1600" dirty="0" err="1" smtClean="0"/>
-              <a:t>sem</a:t>
-            </a:r>
-            <a:r>
-              <a:rPr lang="en-US" altLang="pt-BR" sz="1600" dirty="0" smtClean="0"/>
-              <a:t> </a:t>
-            </a:r>
-            <a:r>
-              <a:rPr lang="en-US" altLang="pt-BR" sz="1600" dirty="0" err="1" smtClean="0"/>
-              <a:t>esperar</a:t>
-            </a:r>
-            <a:r>
-              <a:rPr lang="en-US" altLang="pt-BR" sz="1600" dirty="0" smtClean="0"/>
-              <a:t> </a:t>
-            </a:r>
-            <a:r>
-              <a:rPr lang="en-US" altLang="pt-BR" sz="1600" dirty="0" err="1" smtClean="0"/>
-              <a:t>que</a:t>
-            </a:r>
-            <a:r>
-              <a:rPr lang="en-US" altLang="pt-BR" sz="1600" dirty="0" smtClean="0"/>
-              <a:t> </a:t>
-            </a:r>
-            <a:r>
-              <a:rPr lang="en-US" altLang="pt-BR" sz="1600" dirty="0" err="1" smtClean="0"/>
-              <a:t>ela</a:t>
-            </a:r>
-            <a:r>
-              <a:rPr lang="en-US" altLang="pt-BR" sz="1600" dirty="0" smtClean="0"/>
-              <a:t> </a:t>
-            </a:r>
-            <a:r>
-              <a:rPr lang="en-US" altLang="pt-BR" sz="1600" dirty="0" err="1" smtClean="0"/>
-              <a:t>termine</a:t>
-            </a:r>
-            <a:endParaRPr lang="en-US" altLang="pt-BR" sz="1600" dirty="0" smtClean="0"/>
-          </a:p>
-          <a:p>
-            <a:pPr>
-              <a:lnSpc>
-                <a:spcPct val="70000"/>
-              </a:lnSpc>
-            </a:pPr>
-            <a:endParaRPr lang="en-US" altLang="pt-BR" sz="1800" dirty="0" smtClean="0">
-              <a:latin typeface="Monaco" charset="0"/>
-            </a:endParaRPr>
-          </a:p>
-          <a:p>
-            <a:pPr>
-              <a:lnSpc>
-                <a:spcPct val="70000"/>
-              </a:lnSpc>
-            </a:pPr>
-            <a:r>
-              <a:rPr lang="en-US" altLang="pt-BR" sz="1800" dirty="0" smtClean="0"/>
-              <a:t>as </a:t>
-            </a:r>
-            <a:r>
-              <a:rPr lang="en-US" altLang="pt-BR" sz="1800" dirty="0" err="1" smtClean="0"/>
-              <a:t>async</a:t>
-            </a:r>
-            <a:r>
-              <a:rPr lang="en-US" altLang="pt-BR" sz="1800" dirty="0" smtClean="0"/>
-              <a:t> </a:t>
-            </a:r>
-            <a:r>
-              <a:rPr lang="en-US" altLang="pt-BR" sz="1800" dirty="0" smtClean="0">
-                <a:ea typeface="Cambria Math"/>
-              </a:rPr>
-              <a:t>≠ </a:t>
-            </a:r>
-            <a:r>
-              <a:rPr lang="en-US" altLang="pt-BR" sz="1800" dirty="0" err="1" smtClean="0">
-                <a:ea typeface="Cambria Math"/>
-              </a:rPr>
-              <a:t>async</a:t>
-            </a:r>
-            <a:r>
-              <a:rPr lang="en-US" altLang="pt-BR" sz="1800" dirty="0" smtClean="0">
-                <a:ea typeface="Cambria Math"/>
-              </a:rPr>
-              <a:t> as</a:t>
-            </a:r>
-            <a:endParaRPr lang="en-US" altLang="pt-BR" sz="1800" dirty="0"/>
-          </a:p>
-          <a:p>
-            <a:pPr>
-              <a:lnSpc>
-                <a:spcPct val="70000"/>
-              </a:lnSpc>
-            </a:pPr>
-            <a:endParaRPr lang="en-US" altLang="pt-BR" sz="1800" dirty="0" smtClean="0">
-              <a:latin typeface="Monaco" charset="0"/>
-            </a:endParaRPr>
-          </a:p>
-          <a:p>
-            <a:pPr>
-              <a:lnSpc>
-                <a:spcPct val="70000"/>
-              </a:lnSpc>
-            </a:pPr>
-            <a:r>
-              <a:rPr lang="en-US" altLang="pt-BR" sz="1800" dirty="0" err="1" smtClean="0"/>
-              <a:t>Apenas</a:t>
-            </a:r>
-            <a:r>
-              <a:rPr lang="en-US" altLang="pt-BR" sz="1800" dirty="0" smtClean="0"/>
-              <a:t> </a:t>
-            </a:r>
-            <a:r>
-              <a:rPr lang="en-US" altLang="pt-BR" sz="1800" dirty="0" err="1" smtClean="0"/>
-              <a:t>variáveis</a:t>
-            </a:r>
-            <a:r>
-              <a:rPr lang="en-US" altLang="pt-BR" sz="1800" dirty="0" smtClean="0"/>
-              <a:t> “</a:t>
-            </a:r>
-            <a:r>
-              <a:rPr lang="en-US" altLang="pt-BR" sz="1800" dirty="0" err="1" smtClean="0"/>
-              <a:t>val</a:t>
-            </a:r>
-            <a:r>
-              <a:rPr lang="en-US" altLang="pt-BR" sz="1800" dirty="0" smtClean="0"/>
-              <a:t>” </a:t>
-            </a:r>
-            <a:r>
-              <a:rPr lang="en-US" altLang="pt-BR" sz="1800" dirty="0" err="1" smtClean="0"/>
-              <a:t>podem</a:t>
-            </a:r>
-            <a:r>
-              <a:rPr lang="en-US" altLang="pt-BR" sz="1800" dirty="0" smtClean="0"/>
-              <a:t> </a:t>
-            </a:r>
-            <a:r>
-              <a:rPr lang="en-US" altLang="pt-BR" sz="1800" dirty="0" err="1" smtClean="0"/>
-              <a:t>ser</a:t>
-            </a:r>
-            <a:r>
-              <a:rPr lang="en-US" altLang="pt-BR" sz="1800" dirty="0" smtClean="0"/>
-              <a:t> </a:t>
-            </a:r>
-            <a:r>
-              <a:rPr lang="en-US" altLang="pt-BR" sz="1800" dirty="0" err="1" smtClean="0"/>
-              <a:t>acessadas</a:t>
-            </a:r>
-            <a:r>
-              <a:rPr lang="en-US" altLang="pt-BR" sz="1800" dirty="0" smtClean="0"/>
-              <a:t> </a:t>
-            </a:r>
-            <a:r>
-              <a:rPr lang="en-US" altLang="pt-BR" sz="1800" dirty="0" err="1" smtClean="0"/>
-              <a:t>por</a:t>
-            </a:r>
-            <a:r>
-              <a:rPr lang="en-US" altLang="pt-BR" sz="1800" dirty="0" smtClean="0"/>
-              <a:t> </a:t>
-            </a:r>
-            <a:r>
-              <a:rPr lang="en-US" altLang="pt-BR" sz="1800" dirty="0" err="1" smtClean="0"/>
-              <a:t>blocos</a:t>
-            </a:r>
-            <a:r>
-              <a:rPr lang="en-US" altLang="pt-BR" sz="1800" dirty="0" smtClean="0"/>
-              <a:t> </a:t>
-            </a:r>
-            <a:r>
-              <a:rPr lang="en-US" altLang="pt-BR" sz="1800" i="1" dirty="0" err="1" smtClean="0"/>
-              <a:t>asyn</a:t>
-            </a:r>
-            <a:r>
-              <a:rPr lang="en-US" altLang="pt-BR" sz="1800" i="1" dirty="0" err="1" smtClean="0"/>
-              <a:t>c</a:t>
-            </a:r>
-            <a:r>
-              <a:rPr lang="en-US" altLang="pt-BR" sz="1800" dirty="0" smtClean="0"/>
-              <a:t> </a:t>
-            </a:r>
-            <a:r>
-              <a:rPr lang="en-US" altLang="pt-BR" sz="1800" dirty="0" err="1" smtClean="0"/>
-              <a:t>ou</a:t>
-            </a:r>
-            <a:r>
-              <a:rPr lang="en-US" altLang="pt-BR" sz="1800" dirty="0" smtClean="0"/>
-              <a:t> </a:t>
-            </a:r>
-            <a:r>
-              <a:rPr lang="en-US" altLang="pt-BR" sz="1800" i="1" dirty="0" smtClean="0"/>
-              <a:t>at</a:t>
-            </a:r>
-          </a:p>
-          <a:p>
-            <a:pPr lvl="1">
-              <a:lnSpc>
-                <a:spcPct val="70000"/>
-              </a:lnSpc>
-            </a:pPr>
-            <a:r>
-              <a:rPr lang="en-US" altLang="pt-BR" sz="1600" dirty="0" err="1" smtClean="0"/>
-              <a:t>iVal</a:t>
-            </a:r>
-            <a:r>
-              <a:rPr lang="en-US" altLang="pt-BR" sz="1600" dirty="0" smtClean="0"/>
-              <a:t> é </a:t>
-            </a:r>
-            <a:r>
-              <a:rPr lang="en-US" altLang="pt-BR" sz="1600" dirty="0" err="1" smtClean="0"/>
-              <a:t>uma</a:t>
-            </a:r>
-            <a:r>
-              <a:rPr lang="en-US" altLang="pt-BR" sz="1600" dirty="0" smtClean="0"/>
-              <a:t> </a:t>
-            </a:r>
-            <a:r>
-              <a:rPr lang="en-US" altLang="pt-BR" sz="1600" dirty="0" err="1" smtClean="0"/>
-              <a:t>cópia</a:t>
-            </a:r>
-            <a:r>
-              <a:rPr lang="en-US" altLang="pt-BR" sz="1600" dirty="0" smtClean="0"/>
-              <a:t> de ‘</a:t>
-            </a:r>
-            <a:r>
-              <a:rPr lang="en-US" altLang="pt-BR" sz="1600" dirty="0" err="1" smtClean="0"/>
-              <a:t>i</a:t>
-            </a:r>
-            <a:r>
-              <a:rPr lang="en-US" altLang="pt-BR" sz="1600" dirty="0" smtClean="0"/>
-              <a:t>’ para </a:t>
-            </a:r>
-            <a:r>
-              <a:rPr lang="en-US" altLang="pt-BR" sz="1600" dirty="0" err="1" smtClean="0"/>
-              <a:t>que</a:t>
-            </a:r>
-            <a:r>
-              <a:rPr lang="en-US" altLang="pt-BR" sz="1600" dirty="0" smtClean="0"/>
-              <a:t> </a:t>
-            </a:r>
-            <a:r>
-              <a:rPr lang="en-US" altLang="pt-BR" sz="1600" dirty="0" err="1" smtClean="0"/>
-              <a:t>seja</a:t>
-            </a:r>
-            <a:r>
-              <a:rPr lang="en-US" altLang="pt-BR" sz="1600" dirty="0" smtClean="0"/>
-              <a:t> </a:t>
-            </a:r>
-            <a:r>
-              <a:rPr lang="en-US" altLang="pt-BR" sz="1600" dirty="0" err="1" smtClean="0"/>
-              <a:t>utilizada</a:t>
-            </a:r>
-            <a:r>
-              <a:rPr lang="en-US" altLang="pt-BR" sz="1600" dirty="0" smtClean="0"/>
-              <a:t> no </a:t>
-            </a:r>
-            <a:r>
-              <a:rPr lang="en-US" altLang="pt-BR" sz="1600" dirty="0" err="1" smtClean="0"/>
-              <a:t>bloco</a:t>
-            </a:r>
-            <a:r>
-              <a:rPr lang="en-US" altLang="pt-BR" sz="1600" dirty="0" smtClean="0"/>
-              <a:t> </a:t>
-            </a:r>
-            <a:r>
-              <a:rPr lang="en-US" altLang="pt-BR" sz="1600" i="1" dirty="0" smtClean="0"/>
-              <a:t>at</a:t>
-            </a:r>
-            <a:r>
-              <a:rPr lang="en-US" altLang="pt-BR" sz="1600" dirty="0" smtClean="0"/>
-              <a:t>.</a:t>
-            </a:r>
-          </a:p>
-          <a:p>
-            <a:pPr lvl="1">
-              <a:lnSpc>
-                <a:spcPct val="70000"/>
-              </a:lnSpc>
-            </a:pPr>
-            <a:r>
-              <a:rPr lang="en-US" altLang="pt-BR" sz="1600" dirty="0" smtClean="0"/>
-              <a:t>‘</a:t>
-            </a:r>
-            <a:r>
-              <a:rPr lang="en-US" altLang="pt-BR" sz="1600" dirty="0" err="1" smtClean="0"/>
-              <a:t>i</a:t>
-            </a:r>
-            <a:r>
-              <a:rPr lang="en-US" altLang="pt-BR" sz="1600" dirty="0" smtClean="0"/>
-              <a:t>’ é </a:t>
-            </a:r>
-            <a:r>
-              <a:rPr lang="en-US" altLang="pt-BR" sz="1600" dirty="0" err="1" smtClean="0"/>
-              <a:t>uma</a:t>
-            </a:r>
-            <a:r>
-              <a:rPr lang="en-US" altLang="pt-BR" sz="1600" dirty="0" smtClean="0"/>
-              <a:t> </a:t>
-            </a:r>
-            <a:r>
-              <a:rPr lang="en-US" altLang="pt-BR" sz="1600" dirty="0" err="1" smtClean="0"/>
-              <a:t>variável</a:t>
-            </a:r>
-            <a:r>
-              <a:rPr lang="en-US" altLang="pt-BR" sz="1600" dirty="0" smtClean="0"/>
-              <a:t> </a:t>
-            </a:r>
-            <a:r>
-              <a:rPr lang="en-US" altLang="pt-BR" sz="1600" dirty="0" err="1" smtClean="0"/>
-              <a:t>var</a:t>
-            </a:r>
-            <a:r>
-              <a:rPr lang="en-US" altLang="pt-BR" sz="1600" dirty="0" smtClean="0"/>
-              <a:t>, e </a:t>
-            </a:r>
-            <a:r>
-              <a:rPr lang="en-US" altLang="pt-BR" sz="1600" dirty="0" err="1" smtClean="0"/>
-              <a:t>será</a:t>
-            </a:r>
-            <a:r>
-              <a:rPr lang="en-US" altLang="pt-BR" sz="1600" dirty="0" smtClean="0"/>
-              <a:t> </a:t>
-            </a:r>
-            <a:r>
-              <a:rPr lang="en-US" altLang="pt-BR" sz="1600" dirty="0" err="1" smtClean="0"/>
-              <a:t>gerado</a:t>
-            </a:r>
-            <a:r>
-              <a:rPr lang="en-US" altLang="pt-BR" sz="1600" dirty="0" smtClean="0"/>
-              <a:t> um </a:t>
-            </a:r>
-            <a:r>
-              <a:rPr lang="en-US" altLang="pt-BR" sz="1600" dirty="0" err="1" smtClean="0"/>
-              <a:t>erro</a:t>
-            </a:r>
-            <a:r>
-              <a:rPr lang="en-US" altLang="pt-BR" sz="1600" dirty="0" smtClean="0"/>
-              <a:t>.</a:t>
-            </a:r>
-          </a:p>
-          <a:p>
-            <a:pPr marL="0" indent="0">
-              <a:buNone/>
-            </a:pPr>
-            <a:endParaRPr lang="pt-BR" dirty="0"/>
           </a:p>
         </p:txBody>
       </p:sp>
@@ -5020,6 +5837,60 @@
           </a:p>
         </p:txBody>
       </p:sp>
+      <p:pic>
+        <p:nvPicPr>
+          <p:cNvPr id="6" name="Picture 8" descr="here.eps"/>
+          <p:cNvPicPr>
+            <a:picLocks noChangeAspect="1"/>
+          </p:cNvPicPr>
+          <p:nvPr/>
+        </p:nvPicPr>
+        <p:blipFill>
+          <a:blip r:embed="rId2" cstate="print">
+            <a:extLst>
+              <a:ext uri="{28A0092B-C50C-407E-A947-70E740481C1C}">
+                <a14:useLocalDpi xmlns:a14="http://schemas.microsoft.com/office/drawing/2010/main" val="0"/>
+              </a:ext>
+            </a:extLst>
+          </a:blip>
+          <a:srcRect/>
+          <a:stretch>
+            <a:fillRect/>
+          </a:stretch>
+        </p:blipFill>
+        <p:spPr bwMode="auto">
+          <a:xfrm>
+            <a:off x="5469418" y="1700808"/>
+            <a:ext cx="3029699" cy="2164071"/>
+          </a:xfrm>
+          <a:prstGeom prst="rect">
+            <a:avLst/>
+          </a:prstGeom>
+          <a:noFill/>
+          <a:ln>
+            <a:noFill/>
+          </a:ln>
+          <a:extLst>
+            <a:ext uri="{909E8E84-426E-40DD-AFC4-6F175D3DCCD1}">
+              <a14:hiddenFill xmlns:a14="http://schemas.microsoft.com/office/drawing/2010/main">
+                <a:solidFill>
+                  <a:srgbClr val="FFFFFF"/>
+                </a:solidFill>
+              </a14:hiddenFill>
+            </a:ext>
+            <a:ext uri="{91240B29-F687-4F45-9708-019B960494DF}">
+              <a14:hiddenLine xmlns:a14="http://schemas.microsoft.com/office/drawing/2010/main" w="9525">
+                <a:solidFill>
+                  <a:srgbClr val="000000"/>
+                </a:solidFill>
+                <a:miter lim="800000"/>
+                <a:headEnd/>
+                <a:tailEnd/>
+              </a14:hiddenLine>
+            </a:ext>
+          </a:extLst>
+        </p:spPr>
+      </p:pic>
     </p:spTree>
     <p:extLst>
       <p:ext uri="{BB962C8B-B14F-4D97-AF65-F5344CB8AC3E}">
@@ -5040,7 +5911,7 @@
 </p:sld>
 </file>
 
-<file path=ppt/slides/slide13.xml><?xml version="1.0" encoding="utf-8"?>
+<file path=ppt/slides/slide14.xml><?xml version="1.0" encoding="utf-8"?>
 <p:sld xmlns:a="http://schemas.openxmlformats.org/drawingml/2006/main" xmlns:r="http://schemas.openxmlformats.org/officeDocument/2006/relationships" xmlns:p="http://schemas.openxmlformats.org/presentationml/2006/main">
   <p:cSld>
     <p:spTree>

--- a/x10.pptx
+++ b/x10.pptx
@@ -5,7 +5,7 @@
     <p:sldMasterId id="2147483648" r:id="rId1"/>
   </p:sldMasterIdLst>
   <p:notesMasterIdLst>
-    <p:notesMasterId r:id="rId16"/>
+    <p:notesMasterId r:id="rId20"/>
   </p:notesMasterIdLst>
   <p:sldIdLst>
     <p:sldId id="256" r:id="rId2"/>
@@ -14,14 +14,18 @@
     <p:sldId id="260" r:id="rId5"/>
     <p:sldId id="262" r:id="rId6"/>
     <p:sldId id="279" r:id="rId7"/>
-    <p:sldId id="263" r:id="rId8"/>
-    <p:sldId id="264" r:id="rId9"/>
-    <p:sldId id="265" r:id="rId10"/>
-    <p:sldId id="266" r:id="rId11"/>
-    <p:sldId id="267" r:id="rId12"/>
-    <p:sldId id="281" r:id="rId13"/>
-    <p:sldId id="280" r:id="rId14"/>
-    <p:sldId id="259" r:id="rId15"/>
+    <p:sldId id="283" r:id="rId8"/>
+    <p:sldId id="263" r:id="rId9"/>
+    <p:sldId id="264" r:id="rId10"/>
+    <p:sldId id="265" r:id="rId11"/>
+    <p:sldId id="266" r:id="rId12"/>
+    <p:sldId id="284" r:id="rId13"/>
+    <p:sldId id="267" r:id="rId14"/>
+    <p:sldId id="285" r:id="rId15"/>
+    <p:sldId id="281" r:id="rId16"/>
+    <p:sldId id="280" r:id="rId17"/>
+    <p:sldId id="259" r:id="rId18"/>
+    <p:sldId id="282" r:id="rId19"/>
   </p:sldIdLst>
   <p:sldSz cx="9144000" cy="6858000" type="screen4x3"/>
   <p:notesSz cx="6858000" cy="9144000"/>
@@ -205,7 +209,7 @@
           <a:p>
             <a:fld id="{1B921BD6-0921-4385-836B-BED76F1F0A66}" type="datetimeFigureOut">
               <a:rPr lang="pt-BR" smtClean="0"/>
-              <a:t>05/12/2016</a:t>
+              <a:t>07/12/2016</a:t>
             </a:fld>
             <a:endParaRPr lang="pt-BR"/>
           </a:p>
@@ -654,7 +658,7 @@
           <a:p>
             <a:fld id="{8B5C8B54-FFB1-44A6-80FE-9FB775708678}" type="datetimeFigureOut">
               <a:rPr lang="pt-BR" smtClean="0"/>
-              <a:t>05/12/2016</a:t>
+              <a:t>07/12/2016</a:t>
             </a:fld>
             <a:endParaRPr lang="pt-BR"/>
           </a:p>
@@ -824,7 +828,7 @@
           <a:p>
             <a:fld id="{8B5C8B54-FFB1-44A6-80FE-9FB775708678}" type="datetimeFigureOut">
               <a:rPr lang="pt-BR" smtClean="0"/>
-              <a:t>05/12/2016</a:t>
+              <a:t>07/12/2016</a:t>
             </a:fld>
             <a:endParaRPr lang="pt-BR"/>
           </a:p>
@@ -1004,7 +1008,7 @@
           <a:p>
             <a:fld id="{8B5C8B54-FFB1-44A6-80FE-9FB775708678}" type="datetimeFigureOut">
               <a:rPr lang="pt-BR" smtClean="0"/>
-              <a:t>05/12/2016</a:t>
+              <a:t>07/12/2016</a:t>
             </a:fld>
             <a:endParaRPr lang="pt-BR"/>
           </a:p>
@@ -1174,7 +1178,7 @@
           <a:p>
             <a:fld id="{8B5C8B54-FFB1-44A6-80FE-9FB775708678}" type="datetimeFigureOut">
               <a:rPr lang="pt-BR" smtClean="0"/>
-              <a:t>05/12/2016</a:t>
+              <a:t>07/12/2016</a:t>
             </a:fld>
             <a:endParaRPr lang="pt-BR"/>
           </a:p>
@@ -1420,7 +1424,7 @@
           <a:p>
             <a:fld id="{8B5C8B54-FFB1-44A6-80FE-9FB775708678}" type="datetimeFigureOut">
               <a:rPr lang="pt-BR" smtClean="0"/>
-              <a:t>05/12/2016</a:t>
+              <a:t>07/12/2016</a:t>
             </a:fld>
             <a:endParaRPr lang="pt-BR"/>
           </a:p>
@@ -1708,7 +1712,7 @@
           <a:p>
             <a:fld id="{8B5C8B54-FFB1-44A6-80FE-9FB775708678}" type="datetimeFigureOut">
               <a:rPr lang="pt-BR" smtClean="0"/>
-              <a:t>05/12/2016</a:t>
+              <a:t>07/12/2016</a:t>
             </a:fld>
             <a:endParaRPr lang="pt-BR"/>
           </a:p>
@@ -2130,7 +2134,7 @@
           <a:p>
             <a:fld id="{8B5C8B54-FFB1-44A6-80FE-9FB775708678}" type="datetimeFigureOut">
               <a:rPr lang="pt-BR" smtClean="0"/>
-              <a:t>05/12/2016</a:t>
+              <a:t>07/12/2016</a:t>
             </a:fld>
             <a:endParaRPr lang="pt-BR"/>
           </a:p>
@@ -2248,7 +2252,7 @@
           <a:p>
             <a:fld id="{8B5C8B54-FFB1-44A6-80FE-9FB775708678}" type="datetimeFigureOut">
               <a:rPr lang="pt-BR" smtClean="0"/>
-              <a:t>05/12/2016</a:t>
+              <a:t>07/12/2016</a:t>
             </a:fld>
             <a:endParaRPr lang="pt-BR"/>
           </a:p>
@@ -2343,7 +2347,7 @@
           <a:p>
             <a:fld id="{8B5C8B54-FFB1-44A6-80FE-9FB775708678}" type="datetimeFigureOut">
               <a:rPr lang="pt-BR" smtClean="0"/>
-              <a:t>05/12/2016</a:t>
+              <a:t>07/12/2016</a:t>
             </a:fld>
             <a:endParaRPr lang="pt-BR"/>
           </a:p>
@@ -2620,7 +2624,7 @@
           <a:p>
             <a:fld id="{8B5C8B54-FFB1-44A6-80FE-9FB775708678}" type="datetimeFigureOut">
               <a:rPr lang="pt-BR" smtClean="0"/>
-              <a:t>05/12/2016</a:t>
+              <a:t>07/12/2016</a:t>
             </a:fld>
             <a:endParaRPr lang="pt-BR"/>
           </a:p>
@@ -2873,7 +2877,7 @@
           <a:p>
             <a:fld id="{8B5C8B54-FFB1-44A6-80FE-9FB775708678}" type="datetimeFigureOut">
               <a:rPr lang="pt-BR" smtClean="0"/>
-              <a:t>05/12/2016</a:t>
+              <a:t>07/12/2016</a:t>
             </a:fld>
             <a:endParaRPr lang="pt-BR"/>
           </a:p>
@@ -3086,7 +3090,7 @@
           <a:p>
             <a:fld id="{8B5C8B54-FFB1-44A6-80FE-9FB775708678}" type="datetimeFigureOut">
               <a:rPr lang="pt-BR" smtClean="0"/>
-              <a:t>05/12/2016</a:t>
+              <a:t>07/12/2016</a:t>
             </a:fld>
             <a:endParaRPr lang="pt-BR"/>
           </a:p>
@@ -3574,7 +3578,7 @@
             <a:pPr algn="l"/>
             <a:r>
               <a:rPr lang="pt-BR" sz="2400" i="1" dirty="0" smtClean="0"/>
-              <a:t>atomic</a:t>
+              <a:t>finish</a:t>
             </a:r>
             <a:endParaRPr lang="pt-BR" sz="2400" i="1" dirty="0"/>
           </a:p>
@@ -3592,66 +3596,389 @@
         </p:nvSpPr>
         <p:spPr/>
         <p:txBody>
-          <a:bodyPr>
-            <a:noAutofit/>
-          </a:bodyPr>
+          <a:bodyPr/>
           <a:lstStyle/>
           <a:p>
             <a:r>
-              <a:rPr lang="en-US" altLang="pt-BR" sz="1800" b="1" i="1" dirty="0" err="1" smtClean="0">
+              <a:rPr lang="en-US" altLang="pt-BR" sz="2000" b="1" i="1" dirty="0" err="1" smtClean="0">
                 <a:cs typeface="Arial" pitchFamily="34" charset="0"/>
               </a:rPr>
               <a:t>Stmt</a:t>
             </a:r>
             <a:r>
-              <a:rPr lang="en-US" altLang="pt-BR" sz="1800" b="1" i="1" dirty="0" smtClean="0">
+              <a:rPr lang="en-US" altLang="pt-BR" sz="2000" b="1" i="1" dirty="0" smtClean="0">
                 <a:cs typeface="Arial" pitchFamily="34" charset="0"/>
               </a:rPr>
               <a:t> ::=  </a:t>
             </a:r>
             <a:r>
-              <a:rPr lang="en-US" altLang="pt-BR" sz="1800" b="1" dirty="0" smtClean="0">
+              <a:rPr lang="en-US" altLang="pt-BR" sz="2000" b="1" dirty="0" smtClean="0">
                 <a:solidFill>
                   <a:srgbClr val="C00000"/>
                 </a:solidFill>
                 <a:cs typeface="Arial" pitchFamily="34" charset="0"/>
               </a:rPr>
-              <a:t>atomic</a:t>
-            </a:r>
-            <a:r>
-              <a:rPr lang="en-US" altLang="pt-BR" sz="1800" b="1" dirty="0" smtClean="0">
+              <a:t>finish</a:t>
+            </a:r>
+            <a:r>
+              <a:rPr lang="en-US" altLang="pt-BR" sz="2000" b="1" dirty="0" smtClean="0">
                 <a:cs typeface="Arial" pitchFamily="34" charset="0"/>
               </a:rPr>
-              <a:t>  </a:t>
-            </a:r>
-            <a:r>
-              <a:rPr lang="en-US" altLang="pt-BR" sz="1800" b="1" i="1" dirty="0" smtClean="0">
+              <a:t> </a:t>
+            </a:r>
+            <a:r>
+              <a:rPr lang="en-US" altLang="pt-BR" sz="2000" b="1" i="1" dirty="0" smtClean="0">
+                <a:solidFill>
+                  <a:srgbClr val="C00000"/>
+                </a:solidFill>
                 <a:cs typeface="Arial" pitchFamily="34" charset="0"/>
               </a:rPr>
-              <a:t>Statement</a:t>
-            </a:r>
-          </a:p>
-          <a:p>
-            <a:r>
-              <a:rPr lang="en-US" altLang="pt-BR" sz="1800" b="1" i="1" dirty="0" err="1" smtClean="0">
+              <a:t> </a:t>
+            </a:r>
+            <a:r>
+              <a:rPr lang="en-US" altLang="pt-BR" sz="2000" b="1" i="1" dirty="0" err="1" smtClean="0">
                 <a:cs typeface="Arial" pitchFamily="34" charset="0"/>
               </a:rPr>
-              <a:t>MethodModifier</a:t>
-            </a:r>
-            <a:r>
-              <a:rPr lang="en-US" altLang="pt-BR" sz="1800" b="1" i="1" dirty="0" smtClean="0">
+              <a:t>Stmt</a:t>
+            </a:r>
+            <a:endParaRPr lang="en-US" altLang="pt-BR" sz="2000" b="1" i="1" dirty="0" smtClean="0">
+              <a:cs typeface="Arial" pitchFamily="34" charset="0"/>
+            </a:endParaRPr>
+          </a:p>
+          <a:p>
+            <a:endParaRPr lang="en-US" altLang="pt-BR" sz="1800" dirty="0" smtClean="0">
+              <a:solidFill>
+                <a:srgbClr val="000000"/>
+              </a:solidFill>
+              <a:cs typeface="Arial" pitchFamily="34" charset="0"/>
+            </a:endParaRPr>
+          </a:p>
+          <a:p>
+            <a:r>
+              <a:rPr lang="en-US" altLang="pt-BR" sz="1800" dirty="0">
+                <a:solidFill>
+                  <a:srgbClr val="000000"/>
+                </a:solidFill>
                 <a:cs typeface="Arial" pitchFamily="34" charset="0"/>
               </a:rPr>
-              <a:t> ::=  </a:t>
-            </a:r>
-            <a:r>
-              <a:rPr lang="en-US" altLang="pt-BR" sz="1800" b="1" dirty="0" smtClean="0">
-                <a:solidFill>
-                  <a:srgbClr val="C00000"/>
+              <a:t>f</a:t>
+            </a:r>
+            <a:r>
+              <a:rPr lang="en-US" altLang="pt-BR" sz="1800" dirty="0" smtClean="0">
+                <a:solidFill>
+                  <a:srgbClr val="000000"/>
                 </a:solidFill>
                 <a:cs typeface="Arial" pitchFamily="34" charset="0"/>
               </a:rPr>
-              <a:t>atomic</a:t>
+              <a:t>inish { … }</a:t>
+            </a:r>
+          </a:p>
+          <a:p>
+            <a:endParaRPr lang="en-US" altLang="pt-BR" sz="1800" dirty="0" smtClean="0">
+              <a:solidFill>
+                <a:srgbClr val="000000"/>
+              </a:solidFill>
+              <a:cs typeface="Arial" pitchFamily="34" charset="0"/>
+            </a:endParaRPr>
+          </a:p>
+          <a:p>
+            <a:r>
+              <a:rPr lang="en-US" altLang="pt-BR" sz="1800" dirty="0" err="1" smtClean="0">
+                <a:solidFill>
+                  <a:srgbClr val="000000"/>
+                </a:solidFill>
+                <a:cs typeface="Arial" pitchFamily="34" charset="0"/>
+              </a:rPr>
+              <a:t>Avalia</a:t>
+            </a:r>
+            <a:r>
+              <a:rPr lang="en-US" altLang="pt-BR" sz="1800" dirty="0" smtClean="0">
+                <a:solidFill>
+                  <a:srgbClr val="000000"/>
+                </a:solidFill>
+                <a:cs typeface="Arial" pitchFamily="34" charset="0"/>
+              </a:rPr>
+              <a:t> </a:t>
+            </a:r>
+            <a:r>
+              <a:rPr lang="en-US" altLang="pt-BR" sz="1800" dirty="0" err="1" smtClean="0">
+                <a:solidFill>
+                  <a:srgbClr val="000000"/>
+                </a:solidFill>
+                <a:cs typeface="Arial" pitchFamily="34" charset="0"/>
+              </a:rPr>
+              <a:t>uma</a:t>
+            </a:r>
+            <a:r>
+              <a:rPr lang="en-US" altLang="pt-BR" sz="1800" dirty="0" smtClean="0">
+                <a:solidFill>
+                  <a:srgbClr val="000000"/>
+                </a:solidFill>
+                <a:cs typeface="Arial" pitchFamily="34" charset="0"/>
+              </a:rPr>
+              <a:t> </a:t>
+            </a:r>
+            <a:r>
+              <a:rPr lang="en-US" altLang="pt-BR" sz="1800" dirty="0" err="1" smtClean="0">
+                <a:solidFill>
+                  <a:srgbClr val="000000"/>
+                </a:solidFill>
+                <a:cs typeface="Arial" pitchFamily="34" charset="0"/>
+              </a:rPr>
+              <a:t>expressão</a:t>
+            </a:r>
+            <a:r>
+              <a:rPr lang="en-US" altLang="pt-BR" sz="1800" dirty="0" smtClean="0">
+                <a:solidFill>
+                  <a:srgbClr val="000000"/>
+                </a:solidFill>
+                <a:cs typeface="Arial" pitchFamily="34" charset="0"/>
+              </a:rPr>
+              <a:t>, </a:t>
+            </a:r>
+            <a:r>
+              <a:rPr lang="en-US" altLang="pt-BR" sz="1800" dirty="0" err="1" smtClean="0">
+                <a:solidFill>
+                  <a:srgbClr val="000000"/>
+                </a:solidFill>
+                <a:cs typeface="Arial" pitchFamily="34" charset="0"/>
+              </a:rPr>
+              <a:t>esperando</a:t>
+            </a:r>
+            <a:r>
+              <a:rPr lang="en-US" altLang="pt-BR" sz="1800" dirty="0" smtClean="0">
+                <a:solidFill>
+                  <a:srgbClr val="000000"/>
+                </a:solidFill>
+                <a:cs typeface="Arial" pitchFamily="34" charset="0"/>
+              </a:rPr>
+              <a:t> </a:t>
+            </a:r>
+            <a:r>
+              <a:rPr lang="en-US" altLang="pt-BR" sz="1800" dirty="0" err="1" smtClean="0">
+                <a:solidFill>
+                  <a:srgbClr val="000000"/>
+                </a:solidFill>
+                <a:cs typeface="Arial" pitchFamily="34" charset="0"/>
+              </a:rPr>
+              <a:t>todas</a:t>
+            </a:r>
+            <a:r>
+              <a:rPr lang="en-US" altLang="pt-BR" sz="1800" dirty="0" smtClean="0">
+                <a:solidFill>
+                  <a:srgbClr val="000000"/>
+                </a:solidFill>
+                <a:cs typeface="Arial" pitchFamily="34" charset="0"/>
+              </a:rPr>
+              <a:t> as </a:t>
+            </a:r>
+            <a:r>
+              <a:rPr lang="en-US" altLang="pt-BR" sz="1800" dirty="0" err="1" smtClean="0">
+                <a:solidFill>
+                  <a:srgbClr val="000000"/>
+                </a:solidFill>
+                <a:cs typeface="Arial" pitchFamily="34" charset="0"/>
+              </a:rPr>
+              <a:t>atividades</a:t>
+            </a:r>
+            <a:r>
+              <a:rPr lang="en-US" altLang="pt-BR" sz="1800" dirty="0" smtClean="0">
+                <a:solidFill>
+                  <a:srgbClr val="000000"/>
+                </a:solidFill>
+                <a:cs typeface="Arial" pitchFamily="34" charset="0"/>
+              </a:rPr>
+              <a:t> </a:t>
+            </a:r>
+            <a:r>
+              <a:rPr lang="en-US" altLang="pt-BR" sz="1800" dirty="0" err="1" smtClean="0">
+                <a:solidFill>
+                  <a:srgbClr val="000000"/>
+                </a:solidFill>
+                <a:cs typeface="Arial" pitchFamily="34" charset="0"/>
+              </a:rPr>
+              <a:t>criadas</a:t>
+            </a:r>
+            <a:r>
+              <a:rPr lang="en-US" altLang="pt-BR" sz="1800" dirty="0" smtClean="0">
+                <a:solidFill>
+                  <a:srgbClr val="000000"/>
+                </a:solidFill>
+                <a:cs typeface="Arial" pitchFamily="34" charset="0"/>
+              </a:rPr>
+              <a:t> </a:t>
+            </a:r>
+            <a:r>
+              <a:rPr lang="en-US" altLang="pt-BR" sz="1800" dirty="0" err="1" smtClean="0">
+                <a:solidFill>
+                  <a:srgbClr val="000000"/>
+                </a:solidFill>
+                <a:cs typeface="Arial" pitchFamily="34" charset="0"/>
+              </a:rPr>
+              <a:t>por</a:t>
+            </a:r>
+            <a:r>
+              <a:rPr lang="en-US" altLang="pt-BR" sz="1800" dirty="0" smtClean="0">
+                <a:solidFill>
+                  <a:srgbClr val="000000"/>
+                </a:solidFill>
+                <a:cs typeface="Arial" pitchFamily="34" charset="0"/>
+              </a:rPr>
+              <a:t> </a:t>
+            </a:r>
+            <a:r>
+              <a:rPr lang="en-US" altLang="pt-BR" sz="1800" dirty="0" err="1" smtClean="0">
+                <a:solidFill>
+                  <a:srgbClr val="000000"/>
+                </a:solidFill>
+                <a:cs typeface="Arial" pitchFamily="34" charset="0"/>
+              </a:rPr>
+              <a:t>chamadas</a:t>
+            </a:r>
+            <a:r>
+              <a:rPr lang="en-US" altLang="pt-BR" sz="1800" dirty="0" smtClean="0">
+                <a:solidFill>
+                  <a:srgbClr val="000000"/>
+                </a:solidFill>
+                <a:cs typeface="Arial" pitchFamily="34" charset="0"/>
+              </a:rPr>
+              <a:t> </a:t>
+            </a:r>
+            <a:r>
+              <a:rPr lang="en-US" altLang="pt-BR" sz="1800" dirty="0" err="1" smtClean="0">
+                <a:solidFill>
+                  <a:srgbClr val="000000"/>
+                </a:solidFill>
+                <a:cs typeface="Arial" pitchFamily="34" charset="0"/>
+              </a:rPr>
+              <a:t>async</a:t>
+            </a:r>
+            <a:r>
+              <a:rPr lang="en-US" altLang="pt-BR" sz="1800" dirty="0" smtClean="0">
+                <a:solidFill>
+                  <a:srgbClr val="000000"/>
+                </a:solidFill>
+                <a:cs typeface="Arial" pitchFamily="34" charset="0"/>
+              </a:rPr>
+              <a:t> </a:t>
+            </a:r>
+            <a:r>
+              <a:rPr lang="en-US" altLang="pt-BR" sz="1800" dirty="0" err="1" smtClean="0">
+                <a:solidFill>
+                  <a:srgbClr val="000000"/>
+                </a:solidFill>
+                <a:cs typeface="Arial" pitchFamily="34" charset="0"/>
+              </a:rPr>
+              <a:t>terminarem</a:t>
+            </a:r>
+            <a:r>
+              <a:rPr lang="en-US" altLang="pt-BR" sz="1800" dirty="0" smtClean="0">
+                <a:solidFill>
+                  <a:srgbClr val="000000"/>
+                </a:solidFill>
+                <a:cs typeface="Arial" pitchFamily="34" charset="0"/>
+              </a:rPr>
+              <a:t>.</a:t>
+            </a:r>
+          </a:p>
+          <a:p>
+            <a:endParaRPr lang="en-US" altLang="pt-BR" sz="1800" dirty="0" smtClean="0">
+              <a:solidFill>
+                <a:srgbClr val="000000"/>
+              </a:solidFill>
+              <a:cs typeface="Arial" pitchFamily="34" charset="0"/>
+            </a:endParaRPr>
+          </a:p>
+          <a:p>
+            <a:r>
+              <a:rPr lang="en-US" altLang="pt-BR" sz="1800" dirty="0" err="1" smtClean="0">
+                <a:solidFill>
+                  <a:srgbClr val="000000"/>
+                </a:solidFill>
+                <a:cs typeface="Arial" pitchFamily="34" charset="0"/>
+              </a:rPr>
+              <a:t>Pode</a:t>
+            </a:r>
+            <a:r>
+              <a:rPr lang="en-US" altLang="pt-BR" sz="1800" dirty="0" smtClean="0">
+                <a:solidFill>
+                  <a:srgbClr val="000000"/>
+                </a:solidFill>
+                <a:cs typeface="Arial" pitchFamily="34" charset="0"/>
+              </a:rPr>
+              <a:t> </a:t>
+            </a:r>
+            <a:r>
+              <a:rPr lang="en-US" altLang="pt-BR" sz="1800" dirty="0" err="1" smtClean="0">
+                <a:solidFill>
+                  <a:srgbClr val="000000"/>
+                </a:solidFill>
+                <a:cs typeface="Arial" pitchFamily="34" charset="0"/>
+              </a:rPr>
+              <a:t>ser</a:t>
+            </a:r>
+            <a:r>
+              <a:rPr lang="en-US" altLang="pt-BR" sz="1800" dirty="0" smtClean="0">
+                <a:solidFill>
+                  <a:srgbClr val="000000"/>
+                </a:solidFill>
+                <a:cs typeface="Arial" pitchFamily="34" charset="0"/>
+              </a:rPr>
+              <a:t> </a:t>
+            </a:r>
+            <a:r>
+              <a:rPr lang="en-US" altLang="pt-BR" sz="1800" dirty="0" err="1" smtClean="0">
+                <a:solidFill>
+                  <a:srgbClr val="000000"/>
+                </a:solidFill>
+                <a:cs typeface="Arial" pitchFamily="34" charset="0"/>
+              </a:rPr>
+              <a:t>considerado</a:t>
+            </a:r>
+            <a:r>
+              <a:rPr lang="en-US" altLang="pt-BR" sz="1800" dirty="0" smtClean="0">
+                <a:solidFill>
+                  <a:srgbClr val="000000"/>
+                </a:solidFill>
+                <a:cs typeface="Arial" pitchFamily="34" charset="0"/>
+              </a:rPr>
+              <a:t> um </a:t>
+            </a:r>
+            <a:r>
+              <a:rPr lang="en-US" altLang="pt-BR" sz="1800" dirty="0" err="1" smtClean="0">
+                <a:solidFill>
+                  <a:srgbClr val="000000"/>
+                </a:solidFill>
+                <a:cs typeface="Arial" pitchFamily="34" charset="0"/>
+              </a:rPr>
+              <a:t>mecanismo</a:t>
+            </a:r>
+            <a:r>
+              <a:rPr lang="en-US" altLang="pt-BR" sz="1800" dirty="0" smtClean="0">
+                <a:solidFill>
+                  <a:srgbClr val="000000"/>
+                </a:solidFill>
+                <a:cs typeface="Arial" pitchFamily="34" charset="0"/>
+              </a:rPr>
+              <a:t> de </a:t>
+            </a:r>
+            <a:r>
+              <a:rPr lang="en-US" altLang="pt-BR" sz="1800" dirty="0" err="1" smtClean="0">
+                <a:solidFill>
+                  <a:srgbClr val="000000"/>
+                </a:solidFill>
+                <a:cs typeface="Arial" pitchFamily="34" charset="0"/>
+              </a:rPr>
+              <a:t>barreira</a:t>
+            </a:r>
+            <a:r>
+              <a:rPr lang="en-US" altLang="pt-BR" sz="1800" dirty="0" smtClean="0">
+                <a:solidFill>
+                  <a:srgbClr val="000000"/>
+                </a:solidFill>
+                <a:cs typeface="Arial" pitchFamily="34" charset="0"/>
+              </a:rPr>
+              <a:t>.</a:t>
             </a:r>
           </a:p>
           <a:p>
@@ -3659,75 +3986,22 @@
           </a:p>
           <a:p>
             <a:r>
-              <a:rPr lang="pt-BR" sz="1800" dirty="0"/>
-              <a:t>a</a:t>
-            </a:r>
-            <a:r>
               <a:rPr lang="pt-BR" sz="1800" dirty="0" smtClean="0"/>
-              <a:t>tomic { ... </a:t>
-            </a:r>
-            <a:r>
-              <a:rPr lang="pt-BR" sz="1800" dirty="0"/>
-              <a:t>}</a:t>
-            </a:r>
-            <a:endParaRPr lang="pt-BR" sz="1800" dirty="0" smtClean="0"/>
-          </a:p>
-          <a:p>
-            <a:endParaRPr lang="pt-BR" sz="1800" dirty="0" smtClean="0"/>
-          </a:p>
-          <a:p>
-            <a:r>
-              <a:rPr lang="pt-BR" sz="1800" dirty="0" smtClean="0"/>
-              <a:t>Executa um bloco de código de forma atômica.</a:t>
-            </a:r>
+              <a:t>Útil para expressar operações “síncronas”.</a:t>
+            </a:r>
+          </a:p>
+          <a:p>
             <a:endParaRPr lang="pt-BR" sz="1800" dirty="0"/>
           </a:p>
           <a:p>
-            <a:pPr marL="0" indent="0">
-              <a:buNone/>
-            </a:pPr>
-            <a:endParaRPr lang="pt-BR" sz="1800" dirty="0" smtClean="0"/>
-          </a:p>
-          <a:p>
-            <a:r>
-              <a:rPr lang="pt-BR" sz="1800" dirty="0" smtClean="0"/>
-              <a:t>Pode ser utilizado em métodos ou em trechos de código.</a:t>
-            </a:r>
-          </a:p>
-          <a:p>
-            <a:endParaRPr lang="pt-BR" sz="1800" dirty="0"/>
-          </a:p>
-          <a:p>
-            <a:r>
-              <a:rPr lang="pt-BR" sz="1800" dirty="0" smtClean="0"/>
-              <a:t>Blocos atômicos são executados enquanto outras atividades são suspensas.</a:t>
-            </a:r>
-          </a:p>
-          <a:p>
-            <a:endParaRPr lang="pt-BR" sz="1800" dirty="0" smtClean="0"/>
-          </a:p>
-          <a:p>
-            <a:r>
-              <a:rPr lang="pt-BR" altLang="pt-BR" sz="1800" dirty="0" smtClean="0"/>
-              <a:t>Não deve criar atividades concorrentes.</a:t>
-            </a:r>
-          </a:p>
-          <a:p>
-            <a:endParaRPr lang="pt-BR" altLang="pt-BR" sz="1800" dirty="0"/>
-          </a:p>
-          <a:p>
-            <a:r>
-              <a:rPr lang="pt-BR" altLang="pt-BR" sz="1800" dirty="0" smtClean="0"/>
-              <a:t>Deve manipular dados locais.</a:t>
-            </a:r>
-            <a:endParaRPr lang="pt-BR" sz="1800" dirty="0"/>
+            <a:endParaRPr lang="pt-BR" sz="2000" dirty="0" smtClean="0"/>
           </a:p>
         </p:txBody>
       </p:sp>
     </p:spTree>
     <p:extLst>
       <p:ext uri="{BB962C8B-B14F-4D97-AF65-F5344CB8AC3E}">
-        <p14:creationId xmlns:p14="http://schemas.microsoft.com/office/powerpoint/2010/main" val="2111058723"/>
+        <p14:creationId xmlns:p14="http://schemas.microsoft.com/office/powerpoint/2010/main" val="3994443213"/>
       </p:ext>
     </p:extLst>
   </p:cSld>
@@ -3766,15 +4040,17 @@
         </p:nvSpPr>
         <p:spPr/>
         <p:txBody>
-          <a:bodyPr/>
+          <a:bodyPr>
+            <a:normAutofit/>
+          </a:bodyPr>
           <a:lstStyle/>
           <a:p>
-            <a:pPr algn="just"/>
+            <a:pPr algn="l"/>
             <a:r>
               <a:rPr lang="pt-BR" sz="2400" i="1" dirty="0" smtClean="0"/>
-              <a:t>GlobalRef</a:t>
-            </a:r>
-            <a:endParaRPr lang="pt-BR" i="1" dirty="0"/>
+              <a:t>atomic</a:t>
+            </a:r>
+            <a:endParaRPr lang="pt-BR" sz="2400" i="1" dirty="0"/>
           </a:p>
         </p:txBody>
       </p:sp>
@@ -3790,10 +4066,1159 @@
         </p:nvSpPr>
         <p:spPr/>
         <p:txBody>
+          <a:bodyPr>
+            <a:noAutofit/>
+          </a:bodyPr>
+          <a:lstStyle/>
+          <a:p>
+            <a:r>
+              <a:rPr lang="en-US" altLang="pt-BR" sz="1800" b="1" i="1" dirty="0" err="1" smtClean="0">
+                <a:cs typeface="Arial" pitchFamily="34" charset="0"/>
+              </a:rPr>
+              <a:t>Stmt</a:t>
+            </a:r>
+            <a:r>
+              <a:rPr lang="en-US" altLang="pt-BR" sz="1800" b="1" i="1" dirty="0" smtClean="0">
+                <a:cs typeface="Arial" pitchFamily="34" charset="0"/>
+              </a:rPr>
+              <a:t> ::=  </a:t>
+            </a:r>
+            <a:r>
+              <a:rPr lang="en-US" altLang="pt-BR" sz="1800" b="1" dirty="0" smtClean="0">
+                <a:solidFill>
+                  <a:srgbClr val="C00000"/>
+                </a:solidFill>
+                <a:cs typeface="Arial" pitchFamily="34" charset="0"/>
+              </a:rPr>
+              <a:t>atomic</a:t>
+            </a:r>
+            <a:r>
+              <a:rPr lang="en-US" altLang="pt-BR" sz="1800" b="1" dirty="0" smtClean="0">
+                <a:cs typeface="Arial" pitchFamily="34" charset="0"/>
+              </a:rPr>
+              <a:t>  </a:t>
+            </a:r>
+            <a:r>
+              <a:rPr lang="en-US" altLang="pt-BR" sz="1800" b="1" i="1" dirty="0" smtClean="0">
+                <a:cs typeface="Arial" pitchFamily="34" charset="0"/>
+              </a:rPr>
+              <a:t>Statement</a:t>
+            </a:r>
+          </a:p>
+          <a:p>
+            <a:r>
+              <a:rPr lang="en-US" altLang="pt-BR" sz="1800" b="1" i="1" dirty="0" err="1" smtClean="0">
+                <a:cs typeface="Arial" pitchFamily="34" charset="0"/>
+              </a:rPr>
+              <a:t>MethodModifier</a:t>
+            </a:r>
+            <a:r>
+              <a:rPr lang="en-US" altLang="pt-BR" sz="1800" b="1" i="1" dirty="0" smtClean="0">
+                <a:cs typeface="Arial" pitchFamily="34" charset="0"/>
+              </a:rPr>
+              <a:t> ::=  </a:t>
+            </a:r>
+            <a:r>
+              <a:rPr lang="en-US" altLang="pt-BR" sz="1800" b="1" dirty="0" smtClean="0">
+                <a:solidFill>
+                  <a:srgbClr val="C00000"/>
+                </a:solidFill>
+                <a:cs typeface="Arial" pitchFamily="34" charset="0"/>
+              </a:rPr>
+              <a:t>atomic</a:t>
+            </a:r>
+          </a:p>
+          <a:p>
+            <a:endParaRPr lang="pt-BR" sz="1800" dirty="0" smtClean="0"/>
+          </a:p>
+          <a:p>
+            <a:r>
+              <a:rPr lang="pt-BR" sz="1800" dirty="0"/>
+              <a:t>a</a:t>
+            </a:r>
+            <a:r>
+              <a:rPr lang="pt-BR" sz="1800" dirty="0" smtClean="0"/>
+              <a:t>tomic { ... </a:t>
+            </a:r>
+            <a:r>
+              <a:rPr lang="pt-BR" sz="1800" dirty="0"/>
+              <a:t>}</a:t>
+            </a:r>
+            <a:endParaRPr lang="pt-BR" sz="1800" dirty="0" smtClean="0"/>
+          </a:p>
+          <a:p>
+            <a:endParaRPr lang="pt-BR" sz="1800" dirty="0" smtClean="0"/>
+          </a:p>
+          <a:p>
+            <a:r>
+              <a:rPr lang="pt-BR" sz="1800" dirty="0" smtClean="0"/>
+              <a:t>Executa um bloco de código de forma atômica.</a:t>
+            </a:r>
+            <a:endParaRPr lang="pt-BR" sz="1800" dirty="0"/>
+          </a:p>
+          <a:p>
+            <a:pPr marL="0" indent="0">
+              <a:buNone/>
+            </a:pPr>
+            <a:endParaRPr lang="pt-BR" sz="1800" dirty="0" smtClean="0"/>
+          </a:p>
+          <a:p>
+            <a:r>
+              <a:rPr lang="pt-BR" sz="1800" dirty="0" smtClean="0"/>
+              <a:t>Pode ser utilizado em métodos ou em trechos de código.</a:t>
+            </a:r>
+          </a:p>
+          <a:p>
+            <a:endParaRPr lang="pt-BR" sz="1800" dirty="0"/>
+          </a:p>
+          <a:p>
+            <a:r>
+              <a:rPr lang="pt-BR" sz="1800" dirty="0" smtClean="0"/>
+              <a:t>Blocos atômicos são executados enquanto outras atividades são suspensas.</a:t>
+            </a:r>
+          </a:p>
+          <a:p>
+            <a:endParaRPr lang="pt-BR" sz="1800" dirty="0" smtClean="0"/>
+          </a:p>
+          <a:p>
+            <a:r>
+              <a:rPr lang="pt-BR" altLang="pt-BR" sz="1800" dirty="0" smtClean="0"/>
+              <a:t>Não deve criar atividades concorrentes.</a:t>
+            </a:r>
+          </a:p>
+          <a:p>
+            <a:endParaRPr lang="pt-BR" altLang="pt-BR" sz="1800" dirty="0"/>
+          </a:p>
+          <a:p>
+            <a:r>
+              <a:rPr lang="pt-BR" altLang="pt-BR" sz="1800" dirty="0" smtClean="0"/>
+              <a:t>Deve manipular dados locais.</a:t>
+            </a:r>
+            <a:endParaRPr lang="pt-BR" sz="1800" dirty="0"/>
+          </a:p>
+        </p:txBody>
+      </p:sp>
+    </p:spTree>
+    <p:extLst>
+      <p:ext uri="{BB962C8B-B14F-4D97-AF65-F5344CB8AC3E}">
+        <p14:creationId xmlns:p14="http://schemas.microsoft.com/office/powerpoint/2010/main" val="2111058723"/>
+      </p:ext>
+    </p:extLst>
+  </p:cSld>
+  <p:clrMapOvr>
+    <a:masterClrMapping/>
+  </p:clrMapOvr>
+  <p:timing>
+    <p:tnLst>
+      <p:par>
+        <p:cTn id="1" dur="indefinite" restart="never" nodeType="tmRoot"/>
+      </p:par>
+    </p:tnLst>
+  </p:timing>
+</p:sld>
+</file>
+
+<file path=ppt/slides/slide12.xml><?xml version="1.0" encoding="utf-8"?>
+<p:sld xmlns:a="http://schemas.openxmlformats.org/drawingml/2006/main" xmlns:r="http://schemas.openxmlformats.org/officeDocument/2006/relationships" xmlns:p="http://schemas.openxmlformats.org/presentationml/2006/main">
+  <p:cSld>
+    <p:spTree>
+      <p:nvGrpSpPr>
+        <p:cNvPr id="1" name=""/>
+        <p:cNvGrpSpPr/>
+        <p:nvPr/>
+      </p:nvGrpSpPr>
+      <p:grpSpPr>
+        <a:xfrm>
+          <a:off x="0" y="0"/>
+          <a:ext cx="0" cy="0"/>
+          <a:chOff x="0" y="0"/>
+          <a:chExt cx="0" cy="0"/>
+        </a:xfrm>
+      </p:grpSpPr>
+      <p:sp>
+        <p:nvSpPr>
+          <p:cNvPr id="2" name="Title 1"/>
+          <p:cNvSpPr>
+            <a:spLocks noGrp="1"/>
+          </p:cNvSpPr>
+          <p:nvPr>
+            <p:ph type="title"/>
+          </p:nvPr>
+        </p:nvSpPr>
+        <p:spPr/>
+        <p:txBody>
           <a:bodyPr/>
           <a:lstStyle/>
           <a:p>
-            <a:endParaRPr lang="pt-BR"/>
+            <a:pPr algn="just"/>
+            <a:r>
+              <a:rPr lang="pt-BR" sz="2400" i="1" dirty="0" smtClean="0"/>
+              <a:t>GlobalRef</a:t>
+            </a:r>
+            <a:endParaRPr lang="pt-BR" i="1" dirty="0"/>
+          </a:p>
+        </p:txBody>
+      </p:sp>
+      <p:sp>
+        <p:nvSpPr>
+          <p:cNvPr id="3" name="Content Placeholder 2"/>
+          <p:cNvSpPr>
+            <a:spLocks noGrp="1"/>
+          </p:cNvSpPr>
+          <p:nvPr>
+            <p:ph idx="1"/>
+          </p:nvPr>
+        </p:nvSpPr>
+        <p:spPr/>
+        <p:txBody>
+          <a:bodyPr>
+            <a:noAutofit/>
+          </a:bodyPr>
+          <a:lstStyle/>
+          <a:p>
+            <a:endParaRPr lang="pt-BR" sz="1200" dirty="0"/>
+          </a:p>
+        </p:txBody>
+      </p:sp>
+    </p:spTree>
+    <p:extLst>
+      <p:ext uri="{BB962C8B-B14F-4D97-AF65-F5344CB8AC3E}">
+        <p14:creationId xmlns:p14="http://schemas.microsoft.com/office/powerpoint/2010/main" val="2736402811"/>
+      </p:ext>
+    </p:extLst>
+  </p:cSld>
+  <p:clrMapOvr>
+    <a:masterClrMapping/>
+  </p:clrMapOvr>
+  <p:timing>
+    <p:tnLst>
+      <p:par>
+        <p:cTn id="1" dur="indefinite" restart="never" nodeType="tmRoot"/>
+      </p:par>
+    </p:tnLst>
+  </p:timing>
+</p:sld>
+</file>
+
+<file path=ppt/slides/slide13.xml><?xml version="1.0" encoding="utf-8"?>
+<p:sld xmlns:a="http://schemas.openxmlformats.org/drawingml/2006/main" xmlns:r="http://schemas.openxmlformats.org/officeDocument/2006/relationships" xmlns:p="http://schemas.openxmlformats.org/presentationml/2006/main">
+  <p:cSld>
+    <p:spTree>
+      <p:nvGrpSpPr>
+        <p:cNvPr id="1" name=""/>
+        <p:cNvGrpSpPr/>
+        <p:nvPr/>
+      </p:nvGrpSpPr>
+      <p:grpSpPr>
+        <a:xfrm>
+          <a:off x="0" y="0"/>
+          <a:ext cx="0" cy="0"/>
+          <a:chOff x="0" y="0"/>
+          <a:chExt cx="0" cy="0"/>
+        </a:xfrm>
+      </p:grpSpPr>
+      <p:pic>
+        <p:nvPicPr>
+          <p:cNvPr id="5" name="Picture 10" descr="object.eps"/>
+          <p:cNvPicPr>
+            <a:picLocks noChangeAspect="1"/>
+          </p:cNvPicPr>
+          <p:nvPr/>
+        </p:nvPicPr>
+        <p:blipFill>
+          <a:blip r:embed="rId2" cstate="print">
+            <a:extLst>
+              <a:ext uri="{28A0092B-C50C-407E-A947-70E740481C1C}">
+                <a14:useLocalDpi xmlns:a14="http://schemas.microsoft.com/office/drawing/2010/main" val="0"/>
+              </a:ext>
+            </a:extLst>
+          </a:blip>
+          <a:srcRect/>
+          <a:stretch>
+            <a:fillRect/>
+          </a:stretch>
+        </p:blipFill>
+        <p:spPr bwMode="auto">
+          <a:xfrm>
+            <a:off x="5024738" y="404664"/>
+            <a:ext cx="4089400" cy="3871912"/>
+          </a:xfrm>
+          <a:prstGeom prst="rect">
+            <a:avLst/>
+          </a:prstGeom>
+          <a:noFill/>
+          <a:ln>
+            <a:noFill/>
+          </a:ln>
+          <a:extLst>
+            <a:ext uri="{909E8E84-426E-40DD-AFC4-6F175D3DCCD1}">
+              <a14:hiddenFill xmlns:a14="http://schemas.microsoft.com/office/drawing/2010/main">
+                <a:solidFill>
+                  <a:srgbClr val="FFFFFF"/>
+                </a:solidFill>
+              </a14:hiddenFill>
+            </a:ext>
+            <a:ext uri="{91240B29-F687-4F45-9708-019B960494DF}">
+              <a14:hiddenLine xmlns:a14="http://schemas.microsoft.com/office/drawing/2010/main" w="9525">
+                <a:solidFill>
+                  <a:srgbClr val="000000"/>
+                </a:solidFill>
+                <a:miter lim="800000"/>
+                <a:headEnd/>
+                <a:tailEnd/>
+              </a14:hiddenLine>
+            </a:ext>
+          </a:extLst>
+        </p:spPr>
+      </p:pic>
+      <p:sp>
+        <p:nvSpPr>
+          <p:cNvPr id="2" name="Title 1"/>
+          <p:cNvSpPr>
+            <a:spLocks noGrp="1"/>
+          </p:cNvSpPr>
+          <p:nvPr>
+            <p:ph type="title"/>
+          </p:nvPr>
+        </p:nvSpPr>
+        <p:spPr/>
+        <p:txBody>
+          <a:bodyPr/>
+          <a:lstStyle/>
+          <a:p>
+            <a:pPr algn="just"/>
+            <a:r>
+              <a:rPr lang="pt-BR" sz="2400" i="1" dirty="0" smtClean="0"/>
+              <a:t>GlobalRef</a:t>
+            </a:r>
+            <a:endParaRPr lang="pt-BR" i="1" dirty="0"/>
+          </a:p>
+        </p:txBody>
+      </p:sp>
+      <p:sp>
+        <p:nvSpPr>
+          <p:cNvPr id="3" name="Content Placeholder 2"/>
+          <p:cNvSpPr>
+            <a:spLocks noGrp="1"/>
+          </p:cNvSpPr>
+          <p:nvPr>
+            <p:ph idx="1"/>
+          </p:nvPr>
+        </p:nvSpPr>
+        <p:spPr/>
+        <p:txBody>
+          <a:bodyPr>
+            <a:noAutofit/>
+          </a:bodyPr>
+          <a:lstStyle/>
+          <a:p>
+            <a:pPr marL="0" indent="0">
+              <a:buNone/>
+            </a:pPr>
+            <a:endParaRPr lang="en-US" altLang="pt-BR" sz="1400" dirty="0" smtClean="0">
+              <a:solidFill>
+                <a:srgbClr val="910F93"/>
+              </a:solidFill>
+              <a:latin typeface="Monaco" charset="0"/>
+            </a:endParaRPr>
+          </a:p>
+          <a:p>
+            <a:pPr marL="0" indent="0">
+              <a:buNone/>
+            </a:pPr>
+            <a:endParaRPr lang="en-US" altLang="pt-BR" sz="1400" dirty="0">
+              <a:solidFill>
+                <a:srgbClr val="910F93"/>
+              </a:solidFill>
+              <a:latin typeface="Monaco" charset="0"/>
+            </a:endParaRPr>
+          </a:p>
+          <a:p>
+            <a:pPr marL="0" indent="0">
+              <a:buNone/>
+            </a:pPr>
+            <a:endParaRPr lang="en-US" altLang="pt-BR" sz="1400" dirty="0" smtClean="0">
+              <a:solidFill>
+                <a:srgbClr val="910F93"/>
+              </a:solidFill>
+              <a:latin typeface="Monaco" charset="0"/>
+            </a:endParaRPr>
+          </a:p>
+          <a:p>
+            <a:pPr marL="0" indent="0">
+              <a:buNone/>
+            </a:pPr>
+            <a:r>
+              <a:rPr lang="en-US" altLang="pt-BR" sz="1400" dirty="0" smtClean="0">
+                <a:solidFill>
+                  <a:srgbClr val="910F93"/>
+                </a:solidFill>
+                <a:latin typeface="Monaco" charset="0"/>
+              </a:rPr>
+              <a:t>class</a:t>
+            </a:r>
+            <a:r>
+              <a:rPr lang="en-US" altLang="pt-BR" sz="1400" dirty="0" smtClean="0">
+                <a:solidFill>
+                  <a:srgbClr val="000000"/>
+                </a:solidFill>
+                <a:latin typeface="Monaco" charset="0"/>
+              </a:rPr>
+              <a:t> </a:t>
+            </a:r>
+            <a:r>
+              <a:rPr lang="en-US" altLang="pt-BR" sz="1400" dirty="0">
+                <a:solidFill>
+                  <a:srgbClr val="000000"/>
+                </a:solidFill>
+                <a:latin typeface="Monaco" charset="0"/>
+              </a:rPr>
+              <a:t>Driver {</a:t>
+            </a:r>
+          </a:p>
+          <a:p>
+            <a:pPr marL="0" indent="0">
+              <a:buNone/>
+            </a:pPr>
+            <a:r>
+              <a:rPr lang="en-US" altLang="pt-BR" sz="1400" dirty="0">
+                <a:solidFill>
+                  <a:srgbClr val="000000"/>
+                </a:solidFill>
+                <a:latin typeface="Monaco" charset="0"/>
+              </a:rPr>
+              <a:t>  </a:t>
+            </a:r>
+            <a:r>
+              <a:rPr lang="en-US" altLang="pt-BR" sz="1400" dirty="0">
+                <a:solidFill>
+                  <a:srgbClr val="910F93"/>
+                </a:solidFill>
+                <a:latin typeface="Monaco" charset="0"/>
+              </a:rPr>
+              <a:t>public</a:t>
+            </a:r>
+            <a:r>
+              <a:rPr lang="en-US" altLang="pt-BR" sz="1400" dirty="0">
+                <a:solidFill>
+                  <a:srgbClr val="000000"/>
+                </a:solidFill>
+                <a:latin typeface="Monaco" charset="0"/>
+              </a:rPr>
+              <a:t> </a:t>
+            </a:r>
+            <a:r>
+              <a:rPr lang="en-US" altLang="pt-BR" sz="1400" dirty="0">
+                <a:solidFill>
+                  <a:srgbClr val="910F93"/>
+                </a:solidFill>
+                <a:latin typeface="Monaco" charset="0"/>
+              </a:rPr>
+              <a:t>static</a:t>
+            </a:r>
+            <a:r>
+              <a:rPr lang="en-US" altLang="pt-BR" sz="1400" dirty="0">
+                <a:solidFill>
+                  <a:srgbClr val="000000"/>
+                </a:solidFill>
+                <a:latin typeface="Monaco" charset="0"/>
+              </a:rPr>
+              <a:t> </a:t>
+            </a:r>
+            <a:r>
+              <a:rPr lang="en-US" altLang="pt-BR" sz="1400" dirty="0" err="1">
+                <a:solidFill>
+                  <a:srgbClr val="910F93"/>
+                </a:solidFill>
+                <a:latin typeface="Monaco" charset="0"/>
+              </a:rPr>
+              <a:t>def</a:t>
+            </a:r>
+            <a:r>
+              <a:rPr lang="en-US" altLang="pt-BR" sz="1400" dirty="0">
+                <a:solidFill>
+                  <a:srgbClr val="000000"/>
+                </a:solidFill>
+                <a:latin typeface="Monaco" charset="0"/>
+              </a:rPr>
+              <a:t> main(</a:t>
+            </a:r>
+            <a:r>
+              <a:rPr lang="en-US" altLang="pt-BR" sz="1400" dirty="0" err="1">
+                <a:solidFill>
+                  <a:srgbClr val="000000"/>
+                </a:solidFill>
+                <a:latin typeface="Monaco" charset="0"/>
+              </a:rPr>
+              <a:t>args:Array</a:t>
+            </a:r>
+            <a:r>
+              <a:rPr lang="en-US" altLang="pt-BR" sz="1400" dirty="0">
+                <a:solidFill>
+                  <a:srgbClr val="000000"/>
+                </a:solidFill>
+                <a:latin typeface="Monaco" charset="0"/>
+              </a:rPr>
+              <a:t>[String](1)):Void {</a:t>
+            </a:r>
+          </a:p>
+          <a:p>
+            <a:pPr marL="0" indent="0">
+              <a:buNone/>
+            </a:pPr>
+            <a:r>
+              <a:rPr lang="en-US" altLang="pt-BR" sz="1400" dirty="0">
+                <a:solidFill>
+                  <a:srgbClr val="000000"/>
+                </a:solidFill>
+                <a:latin typeface="Monaco" charset="0"/>
+              </a:rPr>
+              <a:t>    </a:t>
+            </a:r>
+            <a:r>
+              <a:rPr lang="en-US" altLang="pt-BR" sz="1400" dirty="0" err="1">
+                <a:solidFill>
+                  <a:srgbClr val="910F93"/>
+                </a:solidFill>
+                <a:latin typeface="Monaco" charset="0"/>
+              </a:rPr>
+              <a:t>val</a:t>
+            </a:r>
+            <a:r>
+              <a:rPr lang="en-US" altLang="pt-BR" sz="1400" dirty="0">
+                <a:solidFill>
+                  <a:srgbClr val="000000"/>
+                </a:solidFill>
+                <a:latin typeface="Monaco" charset="0"/>
+              </a:rPr>
+              <a:t> </a:t>
+            </a:r>
+            <a:r>
+              <a:rPr lang="en-US" altLang="pt-BR" sz="1400" dirty="0" err="1">
+                <a:solidFill>
+                  <a:srgbClr val="000000"/>
+                </a:solidFill>
+                <a:latin typeface="Monaco" charset="0"/>
+              </a:rPr>
+              <a:t>firstCounter</a:t>
+            </a:r>
+            <a:r>
+              <a:rPr lang="en-US" altLang="pt-BR" sz="1400" dirty="0">
+                <a:solidFill>
+                  <a:srgbClr val="000000"/>
+                </a:solidFill>
+                <a:latin typeface="Monaco" charset="0"/>
+              </a:rPr>
+              <a:t> = </a:t>
+            </a:r>
+            <a:r>
+              <a:rPr lang="en-US" altLang="pt-BR" sz="1400" dirty="0">
+                <a:solidFill>
+                  <a:srgbClr val="910F93"/>
+                </a:solidFill>
+                <a:latin typeface="Monaco" charset="0"/>
+              </a:rPr>
+              <a:t>new</a:t>
+            </a:r>
+            <a:r>
+              <a:rPr lang="en-US" altLang="pt-BR" sz="1400" dirty="0">
+                <a:solidFill>
+                  <a:srgbClr val="000000"/>
+                </a:solidFill>
+                <a:latin typeface="Monaco" charset="0"/>
+              </a:rPr>
+              <a:t> Counter();</a:t>
+            </a:r>
+          </a:p>
+          <a:p>
+            <a:pPr marL="0" indent="0">
+              <a:buNone/>
+            </a:pPr>
+            <a:r>
+              <a:rPr lang="en-US" altLang="pt-BR" sz="1400" dirty="0">
+                <a:solidFill>
+                  <a:srgbClr val="000000"/>
+                </a:solidFill>
+                <a:latin typeface="Monaco" charset="0"/>
+              </a:rPr>
+              <a:t>    </a:t>
+            </a:r>
+            <a:r>
+              <a:rPr lang="en-US" altLang="pt-BR" sz="1400" dirty="0" err="1">
+                <a:solidFill>
+                  <a:srgbClr val="910F93"/>
+                </a:solidFill>
+                <a:latin typeface="Monaco" charset="0"/>
+              </a:rPr>
+              <a:t>val</a:t>
+            </a:r>
+            <a:r>
+              <a:rPr lang="en-US" altLang="pt-BR" sz="1400" dirty="0">
+                <a:solidFill>
+                  <a:srgbClr val="000000"/>
+                </a:solidFill>
+                <a:latin typeface="Monaco" charset="0"/>
+              </a:rPr>
+              <a:t> </a:t>
+            </a:r>
+            <a:r>
+              <a:rPr lang="en-US" altLang="pt-BR" sz="1400" dirty="0" err="1">
+                <a:solidFill>
+                  <a:srgbClr val="000000"/>
+                </a:solidFill>
+                <a:latin typeface="Monaco" charset="0"/>
+              </a:rPr>
+              <a:t>secondCounter</a:t>
+            </a:r>
+            <a:r>
+              <a:rPr lang="en-US" altLang="pt-BR" sz="1400" dirty="0">
+                <a:solidFill>
+                  <a:srgbClr val="000000"/>
+                </a:solidFill>
+                <a:latin typeface="Monaco" charset="0"/>
+              </a:rPr>
+              <a:t> = </a:t>
+            </a:r>
+            <a:r>
+              <a:rPr lang="en-US" altLang="pt-BR" sz="1400" dirty="0">
+                <a:solidFill>
+                  <a:srgbClr val="910F93"/>
+                </a:solidFill>
+                <a:latin typeface="Monaco" charset="0"/>
+              </a:rPr>
+              <a:t>new</a:t>
+            </a:r>
+            <a:r>
+              <a:rPr lang="en-US" altLang="pt-BR" sz="1400" dirty="0">
+                <a:solidFill>
+                  <a:srgbClr val="000000"/>
+                </a:solidFill>
+                <a:latin typeface="Monaco" charset="0"/>
+              </a:rPr>
+              <a:t> Counter(</a:t>
+            </a:r>
+            <a:r>
+              <a:rPr lang="en-US" altLang="pt-BR" sz="1400" dirty="0">
+                <a:solidFill>
+                  <a:srgbClr val="909200"/>
+                </a:solidFill>
+                <a:latin typeface="Monaco" charset="0"/>
+              </a:rPr>
+              <a:t>5</a:t>
+            </a:r>
+            <a:r>
+              <a:rPr lang="en-US" altLang="pt-BR" sz="1400" dirty="0">
+                <a:solidFill>
+                  <a:srgbClr val="000000"/>
+                </a:solidFill>
+                <a:latin typeface="Monaco" charset="0"/>
+              </a:rPr>
+              <a:t>);</a:t>
+            </a:r>
+          </a:p>
+          <a:p>
+            <a:pPr marL="0" indent="0">
+              <a:buNone/>
+            </a:pPr>
+            <a:r>
+              <a:rPr lang="en-US" altLang="pt-BR" sz="1400" dirty="0">
+                <a:solidFill>
+                  <a:srgbClr val="000000"/>
+                </a:solidFill>
+                <a:latin typeface="Monaco" charset="0"/>
+              </a:rPr>
+              <a:t>    </a:t>
+            </a:r>
+            <a:r>
+              <a:rPr lang="en-US" altLang="pt-BR" sz="1400" dirty="0">
+                <a:solidFill>
+                  <a:srgbClr val="910F93"/>
+                </a:solidFill>
+                <a:latin typeface="Monaco" charset="0"/>
+              </a:rPr>
+              <a:t>for</a:t>
+            </a:r>
+            <a:r>
+              <a:rPr lang="en-US" altLang="pt-BR" sz="1400" dirty="0">
+                <a:solidFill>
+                  <a:srgbClr val="000000"/>
+                </a:solidFill>
+                <a:latin typeface="Monaco" charset="0"/>
+              </a:rPr>
+              <a:t> (</a:t>
+            </a:r>
+            <a:r>
+              <a:rPr lang="en-US" altLang="pt-BR" sz="1400" dirty="0" err="1">
+                <a:solidFill>
+                  <a:srgbClr val="910F93"/>
+                </a:solidFill>
+                <a:latin typeface="Monaco" charset="0"/>
+              </a:rPr>
+              <a:t>var</a:t>
+            </a:r>
+            <a:r>
+              <a:rPr lang="en-US" altLang="pt-BR" sz="1400" dirty="0">
+                <a:solidFill>
+                  <a:srgbClr val="000000"/>
+                </a:solidFill>
+                <a:latin typeface="Monaco" charset="0"/>
+              </a:rPr>
+              <a:t> i:Int=</a:t>
+            </a:r>
+            <a:r>
+              <a:rPr lang="en-US" altLang="pt-BR" sz="1400" dirty="0">
+                <a:solidFill>
+                  <a:srgbClr val="909200"/>
+                </a:solidFill>
+                <a:latin typeface="Monaco" charset="0"/>
+              </a:rPr>
+              <a:t>0</a:t>
+            </a:r>
+            <a:r>
+              <a:rPr lang="en-US" altLang="pt-BR" sz="1400" dirty="0">
+                <a:solidFill>
+                  <a:srgbClr val="000000"/>
+                </a:solidFill>
+                <a:latin typeface="Monaco" charset="0"/>
+              </a:rPr>
+              <a:t>; </a:t>
+            </a:r>
+            <a:r>
+              <a:rPr lang="en-US" altLang="pt-BR" sz="1400" dirty="0" err="1">
+                <a:solidFill>
+                  <a:srgbClr val="000000"/>
+                </a:solidFill>
+                <a:latin typeface="Monaco" charset="0"/>
+              </a:rPr>
+              <a:t>i</a:t>
+            </a:r>
+            <a:r>
+              <a:rPr lang="en-US" altLang="pt-BR" sz="1400" dirty="0">
+                <a:solidFill>
+                  <a:srgbClr val="000000"/>
+                </a:solidFill>
+                <a:latin typeface="Monaco" charset="0"/>
+              </a:rPr>
+              <a:t>&lt;</a:t>
+            </a:r>
+            <a:r>
+              <a:rPr lang="en-US" altLang="pt-BR" sz="1400" dirty="0">
+                <a:solidFill>
+                  <a:srgbClr val="909200"/>
+                </a:solidFill>
+                <a:latin typeface="Monaco" charset="0"/>
+              </a:rPr>
+              <a:t>10</a:t>
+            </a:r>
+            <a:r>
+              <a:rPr lang="en-US" altLang="pt-BR" sz="1400" dirty="0">
+                <a:solidFill>
+                  <a:srgbClr val="000000"/>
+                </a:solidFill>
+                <a:latin typeface="Monaco" charset="0"/>
+              </a:rPr>
+              <a:t>; </a:t>
+            </a:r>
+            <a:r>
+              <a:rPr lang="en-US" altLang="pt-BR" sz="1400" dirty="0" err="1">
+                <a:solidFill>
+                  <a:srgbClr val="000000"/>
+                </a:solidFill>
+                <a:latin typeface="Monaco" charset="0"/>
+              </a:rPr>
+              <a:t>i</a:t>
+            </a:r>
+            <a:r>
+              <a:rPr lang="en-US" altLang="pt-BR" sz="1400" dirty="0">
+                <a:solidFill>
+                  <a:srgbClr val="000000"/>
+                </a:solidFill>
+                <a:latin typeface="Monaco" charset="0"/>
+              </a:rPr>
+              <a:t>++) {</a:t>
+            </a:r>
+          </a:p>
+          <a:p>
+            <a:pPr marL="0" indent="0">
+              <a:buNone/>
+            </a:pPr>
+            <a:r>
+              <a:rPr lang="en-US" altLang="pt-BR" sz="1400" dirty="0">
+                <a:solidFill>
+                  <a:srgbClr val="000000"/>
+                </a:solidFill>
+                <a:latin typeface="Monaco" charset="0"/>
+              </a:rPr>
+              <a:t>      </a:t>
+            </a:r>
+            <a:r>
+              <a:rPr lang="en-US" altLang="pt-BR" sz="1400" dirty="0" err="1">
+                <a:solidFill>
+                  <a:srgbClr val="000000"/>
+                </a:solidFill>
+                <a:latin typeface="Monaco" charset="0"/>
+              </a:rPr>
+              <a:t>firstCounter.count</a:t>
+            </a:r>
+            <a:r>
+              <a:rPr lang="en-US" altLang="pt-BR" sz="1400" dirty="0">
+                <a:solidFill>
+                  <a:srgbClr val="000000"/>
+                </a:solidFill>
+                <a:latin typeface="Monaco" charset="0"/>
+              </a:rPr>
+              <a:t>();</a:t>
+            </a:r>
+          </a:p>
+          <a:p>
+            <a:pPr marL="0" indent="0">
+              <a:buNone/>
+            </a:pPr>
+            <a:r>
+              <a:rPr lang="en-US" altLang="pt-BR" sz="1400" dirty="0">
+                <a:solidFill>
+                  <a:srgbClr val="000000"/>
+                </a:solidFill>
+                <a:latin typeface="Monaco" charset="0"/>
+              </a:rPr>
+              <a:t>      </a:t>
+            </a:r>
+            <a:r>
+              <a:rPr lang="en-US" altLang="pt-BR" sz="1400" dirty="0" err="1">
+                <a:solidFill>
+                  <a:srgbClr val="000000"/>
+                </a:solidFill>
+                <a:latin typeface="Monaco" charset="0"/>
+              </a:rPr>
+              <a:t>secondCounter.count</a:t>
+            </a:r>
+            <a:r>
+              <a:rPr lang="en-US" altLang="pt-BR" sz="1400" dirty="0">
+                <a:solidFill>
+                  <a:srgbClr val="000000"/>
+                </a:solidFill>
+                <a:latin typeface="Monaco" charset="0"/>
+              </a:rPr>
+              <a:t>();</a:t>
+            </a:r>
+          </a:p>
+          <a:p>
+            <a:pPr marL="0" indent="0">
+              <a:buNone/>
+            </a:pPr>
+            <a:r>
+              <a:rPr lang="en-US" altLang="pt-BR" sz="1400" dirty="0">
+                <a:solidFill>
+                  <a:srgbClr val="000000"/>
+                </a:solidFill>
+                <a:latin typeface="Monaco" charset="0"/>
+              </a:rPr>
+              <a:t>    }</a:t>
+            </a:r>
+          </a:p>
+          <a:p>
+            <a:pPr marL="0" indent="0">
+              <a:buNone/>
+            </a:pPr>
+            <a:r>
+              <a:rPr lang="en-US" altLang="pt-BR" sz="1400" dirty="0">
+                <a:solidFill>
+                  <a:srgbClr val="000000"/>
+                </a:solidFill>
+                <a:latin typeface="Monaco" charset="0"/>
+              </a:rPr>
+              <a:t>    </a:t>
+            </a:r>
+            <a:r>
+              <a:rPr lang="en-US" altLang="pt-BR" sz="1400" dirty="0" err="1">
+                <a:solidFill>
+                  <a:srgbClr val="910F93"/>
+                </a:solidFill>
+                <a:latin typeface="Monaco" charset="0"/>
+              </a:rPr>
+              <a:t>val</a:t>
+            </a:r>
+            <a:r>
+              <a:rPr lang="en-US" altLang="pt-BR" sz="1400" dirty="0">
+                <a:solidFill>
+                  <a:srgbClr val="000000"/>
+                </a:solidFill>
+                <a:latin typeface="Monaco" charset="0"/>
+              </a:rPr>
+              <a:t> </a:t>
+            </a:r>
+            <a:r>
+              <a:rPr lang="en-US" altLang="pt-BR" sz="1400" dirty="0" err="1">
+                <a:solidFill>
+                  <a:srgbClr val="000000"/>
+                </a:solidFill>
+                <a:latin typeface="Monaco" charset="0"/>
+              </a:rPr>
+              <a:t>firstValue</a:t>
+            </a:r>
+            <a:r>
+              <a:rPr lang="en-US" altLang="pt-BR" sz="1400" dirty="0">
+                <a:solidFill>
+                  <a:srgbClr val="000000"/>
+                </a:solidFill>
+                <a:latin typeface="Monaco" charset="0"/>
+              </a:rPr>
+              <a:t> = </a:t>
+            </a:r>
+            <a:r>
+              <a:rPr lang="en-US" altLang="pt-BR" sz="1400" dirty="0" err="1">
+                <a:solidFill>
+                  <a:srgbClr val="000000"/>
+                </a:solidFill>
+                <a:latin typeface="Monaco" charset="0"/>
+              </a:rPr>
+              <a:t>firstCounter.getCount</a:t>
+            </a:r>
+            <a:r>
+              <a:rPr lang="en-US" altLang="pt-BR" sz="1400" dirty="0">
+                <a:solidFill>
+                  <a:srgbClr val="000000"/>
+                </a:solidFill>
+                <a:latin typeface="Monaco" charset="0"/>
+              </a:rPr>
+              <a:t>();</a:t>
+            </a:r>
+          </a:p>
+          <a:p>
+            <a:pPr marL="0" indent="0">
+              <a:buNone/>
+            </a:pPr>
+            <a:r>
+              <a:rPr lang="en-US" altLang="pt-BR" sz="1400" dirty="0">
+                <a:solidFill>
+                  <a:srgbClr val="000000"/>
+                </a:solidFill>
+                <a:latin typeface="Monaco" charset="0"/>
+              </a:rPr>
+              <a:t>    </a:t>
+            </a:r>
+            <a:r>
+              <a:rPr lang="en-US" altLang="pt-BR" sz="1400" dirty="0" err="1">
+                <a:solidFill>
+                  <a:srgbClr val="910F93"/>
+                </a:solidFill>
+                <a:latin typeface="Monaco" charset="0"/>
+              </a:rPr>
+              <a:t>val</a:t>
+            </a:r>
+            <a:r>
+              <a:rPr lang="en-US" altLang="pt-BR" sz="1400" dirty="0">
+                <a:solidFill>
+                  <a:srgbClr val="000000"/>
+                </a:solidFill>
+                <a:latin typeface="Monaco" charset="0"/>
+              </a:rPr>
+              <a:t> </a:t>
+            </a:r>
+            <a:r>
+              <a:rPr lang="en-US" altLang="pt-BR" sz="1400" dirty="0" err="1">
+                <a:solidFill>
+                  <a:srgbClr val="000000"/>
+                </a:solidFill>
+                <a:latin typeface="Monaco" charset="0"/>
+              </a:rPr>
+              <a:t>secondValue</a:t>
+            </a:r>
+            <a:r>
+              <a:rPr lang="en-US" altLang="pt-BR" sz="1400" dirty="0">
+                <a:solidFill>
+                  <a:srgbClr val="000000"/>
+                </a:solidFill>
+                <a:latin typeface="Monaco" charset="0"/>
+              </a:rPr>
+              <a:t> = </a:t>
+            </a:r>
+            <a:r>
+              <a:rPr lang="en-US" altLang="pt-BR" sz="1400" dirty="0" err="1">
+                <a:solidFill>
+                  <a:srgbClr val="000000"/>
+                </a:solidFill>
+                <a:latin typeface="Monaco" charset="0"/>
+              </a:rPr>
+              <a:t>secondCounter.getCount</a:t>
+            </a:r>
+            <a:r>
+              <a:rPr lang="en-US" altLang="pt-BR" sz="1400" dirty="0">
+                <a:solidFill>
+                  <a:srgbClr val="000000"/>
+                </a:solidFill>
+                <a:latin typeface="Monaco" charset="0"/>
+              </a:rPr>
+              <a:t>();</a:t>
+            </a:r>
+          </a:p>
+          <a:p>
+            <a:pPr marL="0" indent="0">
+              <a:buNone/>
+            </a:pPr>
+            <a:r>
+              <a:rPr lang="en-US" altLang="pt-BR" sz="1400" dirty="0">
+                <a:solidFill>
+                  <a:srgbClr val="000000"/>
+                </a:solidFill>
+                <a:latin typeface="Monaco" charset="0"/>
+              </a:rPr>
+              <a:t>    </a:t>
+            </a:r>
+            <a:r>
+              <a:rPr lang="en-US" altLang="pt-BR" sz="1400" dirty="0" err="1">
+                <a:solidFill>
+                  <a:srgbClr val="000000"/>
+                </a:solidFill>
+                <a:latin typeface="Monaco" charset="0"/>
+              </a:rPr>
+              <a:t>Console.OUT.println</a:t>
+            </a:r>
+            <a:r>
+              <a:rPr lang="en-US" altLang="pt-BR" sz="1400" dirty="0">
+                <a:solidFill>
+                  <a:srgbClr val="000000"/>
+                </a:solidFill>
+                <a:latin typeface="Monaco" charset="0"/>
+              </a:rPr>
+              <a:t>(</a:t>
+            </a:r>
+            <a:r>
+              <a:rPr lang="en-US" altLang="pt-BR" sz="1400" dirty="0">
+                <a:solidFill>
+                  <a:srgbClr val="190492"/>
+                </a:solidFill>
+                <a:latin typeface="Monaco" charset="0"/>
+              </a:rPr>
+              <a:t>"First value = "</a:t>
+            </a:r>
+            <a:r>
+              <a:rPr lang="en-US" altLang="pt-BR" sz="1400" dirty="0">
+                <a:solidFill>
+                  <a:srgbClr val="000000"/>
+                </a:solidFill>
+                <a:latin typeface="Monaco" charset="0"/>
+              </a:rPr>
+              <a:t>+</a:t>
+            </a:r>
+            <a:r>
+              <a:rPr lang="en-US" altLang="pt-BR" sz="1400" dirty="0" err="1">
+                <a:solidFill>
+                  <a:srgbClr val="000000"/>
+                </a:solidFill>
+                <a:latin typeface="Monaco" charset="0"/>
+              </a:rPr>
+              <a:t>firstValue</a:t>
+            </a:r>
+            <a:r>
+              <a:rPr lang="en-US" altLang="pt-BR" sz="1400" dirty="0">
+                <a:solidFill>
+                  <a:srgbClr val="000000"/>
+                </a:solidFill>
+                <a:latin typeface="Monaco" charset="0"/>
+              </a:rPr>
+              <a:t>);</a:t>
+            </a:r>
+          </a:p>
+          <a:p>
+            <a:pPr marL="0" indent="0">
+              <a:buNone/>
+            </a:pPr>
+            <a:r>
+              <a:rPr lang="en-US" altLang="pt-BR" sz="1400" dirty="0">
+                <a:solidFill>
+                  <a:srgbClr val="000000"/>
+                </a:solidFill>
+                <a:latin typeface="Monaco" charset="0"/>
+              </a:rPr>
+              <a:t>    </a:t>
+            </a:r>
+            <a:r>
+              <a:rPr lang="en-US" altLang="pt-BR" sz="1400" dirty="0" err="1">
+                <a:solidFill>
+                  <a:srgbClr val="000000"/>
+                </a:solidFill>
+                <a:latin typeface="Monaco" charset="0"/>
+              </a:rPr>
+              <a:t>Console.OUT.println</a:t>
+            </a:r>
+            <a:r>
+              <a:rPr lang="en-US" altLang="pt-BR" sz="1400" dirty="0">
+                <a:solidFill>
+                  <a:srgbClr val="000000"/>
+                </a:solidFill>
+                <a:latin typeface="Monaco" charset="0"/>
+              </a:rPr>
+              <a:t>(</a:t>
+            </a:r>
+            <a:r>
+              <a:rPr lang="en-US" altLang="pt-BR" sz="1400" dirty="0">
+                <a:solidFill>
+                  <a:srgbClr val="190492"/>
+                </a:solidFill>
+                <a:latin typeface="Monaco" charset="0"/>
+              </a:rPr>
+              <a:t>"Second value = "</a:t>
+            </a:r>
+            <a:r>
+              <a:rPr lang="en-US" altLang="pt-BR" sz="1400" dirty="0">
+                <a:solidFill>
+                  <a:srgbClr val="000000"/>
+                </a:solidFill>
+                <a:latin typeface="Monaco" charset="0"/>
+              </a:rPr>
+              <a:t>+</a:t>
+            </a:r>
+            <a:r>
+              <a:rPr lang="en-US" altLang="pt-BR" sz="1400" dirty="0" err="1">
+                <a:solidFill>
+                  <a:srgbClr val="000000"/>
+                </a:solidFill>
+                <a:latin typeface="Monaco" charset="0"/>
+              </a:rPr>
+              <a:t>secondValue</a:t>
+            </a:r>
+            <a:r>
+              <a:rPr lang="en-US" altLang="pt-BR" sz="1400" dirty="0">
+                <a:solidFill>
+                  <a:srgbClr val="000000"/>
+                </a:solidFill>
+                <a:latin typeface="Monaco" charset="0"/>
+              </a:rPr>
+              <a:t>);</a:t>
+            </a:r>
+          </a:p>
+          <a:p>
+            <a:pPr marL="0" indent="0">
+              <a:buNone/>
+            </a:pPr>
+            <a:r>
+              <a:rPr lang="en-US" altLang="pt-BR" sz="1400" dirty="0">
+                <a:solidFill>
+                  <a:srgbClr val="000000"/>
+                </a:solidFill>
+                <a:latin typeface="Monaco" charset="0"/>
+              </a:rPr>
+              <a:t>  }</a:t>
+            </a:r>
+          </a:p>
+          <a:p>
+            <a:pPr marL="0" indent="0">
+              <a:buNone/>
+            </a:pPr>
+            <a:r>
+              <a:rPr lang="en-US" altLang="pt-BR" sz="1400" dirty="0">
+                <a:solidFill>
+                  <a:srgbClr val="000000"/>
+                </a:solidFill>
+                <a:latin typeface="Monaco" charset="0"/>
+              </a:rPr>
+              <a:t>}</a:t>
+            </a:r>
+            <a:endParaRPr lang="en-US" altLang="pt-BR" sz="1400" dirty="0"/>
+          </a:p>
+          <a:p>
+            <a:endParaRPr lang="pt-BR" sz="1200" dirty="0"/>
           </a:p>
         </p:txBody>
       </p:sp>
@@ -3817,7 +5242,817 @@
 </p:sld>
 </file>
 
-<file path=ppt/slides/slide12.xml><?xml version="1.0" encoding="utf-8"?>
+<file path=ppt/slides/slide14.xml><?xml version="1.0" encoding="utf-8"?>
+<p:sld xmlns:a="http://schemas.openxmlformats.org/drawingml/2006/main" xmlns:r="http://schemas.openxmlformats.org/officeDocument/2006/relationships" xmlns:p="http://schemas.openxmlformats.org/presentationml/2006/main">
+  <p:cSld>
+    <p:spTree>
+      <p:nvGrpSpPr>
+        <p:cNvPr id="1" name=""/>
+        <p:cNvGrpSpPr/>
+        <p:nvPr/>
+      </p:nvGrpSpPr>
+      <p:grpSpPr>
+        <a:xfrm>
+          <a:off x="0" y="0"/>
+          <a:ext cx="0" cy="0"/>
+          <a:chOff x="0" y="0"/>
+          <a:chExt cx="0" cy="0"/>
+        </a:xfrm>
+      </p:grpSpPr>
+      <p:pic>
+        <p:nvPicPr>
+          <p:cNvPr id="6" name="Picture 8" descr="objects-in-place.eps"/>
+          <p:cNvPicPr>
+            <a:picLocks noChangeAspect="1"/>
+          </p:cNvPicPr>
+          <p:nvPr/>
+        </p:nvPicPr>
+        <p:blipFill>
+          <a:blip r:embed="rId2" cstate="print">
+            <a:extLst>
+              <a:ext uri="{28A0092B-C50C-407E-A947-70E740481C1C}">
+                <a14:useLocalDpi xmlns:a14="http://schemas.microsoft.com/office/drawing/2010/main" val="0"/>
+              </a:ext>
+            </a:extLst>
+          </a:blip>
+          <a:srcRect/>
+          <a:stretch>
+            <a:fillRect/>
+          </a:stretch>
+        </p:blipFill>
+        <p:spPr bwMode="auto">
+          <a:xfrm>
+            <a:off x="5648325" y="2482850"/>
+            <a:ext cx="3495675" cy="4375150"/>
+          </a:xfrm>
+          <a:prstGeom prst="rect">
+            <a:avLst/>
+          </a:prstGeom>
+          <a:noFill/>
+          <a:ln>
+            <a:noFill/>
+          </a:ln>
+          <a:extLst>
+            <a:ext uri="{909E8E84-426E-40DD-AFC4-6F175D3DCCD1}">
+              <a14:hiddenFill xmlns:a14="http://schemas.microsoft.com/office/drawing/2010/main">
+                <a:solidFill>
+                  <a:srgbClr val="FFFFFF"/>
+                </a:solidFill>
+              </a14:hiddenFill>
+            </a:ext>
+            <a:ext uri="{91240B29-F687-4F45-9708-019B960494DF}">
+              <a14:hiddenLine xmlns:a14="http://schemas.microsoft.com/office/drawing/2010/main" w="9525">
+                <a:solidFill>
+                  <a:srgbClr val="000000"/>
+                </a:solidFill>
+                <a:miter lim="800000"/>
+                <a:headEnd/>
+                <a:tailEnd/>
+              </a14:hiddenLine>
+            </a:ext>
+          </a:extLst>
+        </p:spPr>
+      </p:pic>
+      <p:sp>
+        <p:nvSpPr>
+          <p:cNvPr id="2" name="Title 1"/>
+          <p:cNvSpPr>
+            <a:spLocks noGrp="1"/>
+          </p:cNvSpPr>
+          <p:nvPr>
+            <p:ph type="title"/>
+          </p:nvPr>
+        </p:nvSpPr>
+        <p:spPr/>
+        <p:txBody>
+          <a:bodyPr/>
+          <a:lstStyle/>
+          <a:p>
+            <a:pPr algn="just"/>
+            <a:r>
+              <a:rPr lang="pt-BR" sz="2400" i="1" dirty="0" smtClean="0"/>
+              <a:t>GlobalRef</a:t>
+            </a:r>
+            <a:endParaRPr lang="pt-BR" i="1" dirty="0"/>
+          </a:p>
+        </p:txBody>
+      </p:sp>
+      <p:sp>
+        <p:nvSpPr>
+          <p:cNvPr id="3" name="Content Placeholder 2"/>
+          <p:cNvSpPr>
+            <a:spLocks noGrp="1"/>
+          </p:cNvSpPr>
+          <p:nvPr>
+            <p:ph idx="1"/>
+          </p:nvPr>
+        </p:nvSpPr>
+        <p:spPr/>
+        <p:txBody>
+          <a:bodyPr>
+            <a:noAutofit/>
+          </a:bodyPr>
+          <a:lstStyle/>
+          <a:p>
+            <a:pPr marL="0" indent="0">
+              <a:buNone/>
+            </a:pPr>
+            <a:r>
+              <a:rPr lang="en-US" altLang="pt-BR" sz="1400" dirty="0" smtClean="0">
+                <a:solidFill>
+                  <a:srgbClr val="8F1493"/>
+                </a:solidFill>
+                <a:latin typeface="Monaco" charset="0"/>
+              </a:rPr>
+              <a:t>public</a:t>
+            </a:r>
+            <a:r>
+              <a:rPr lang="en-US" altLang="pt-BR" sz="1400" dirty="0" smtClean="0">
+                <a:solidFill>
+                  <a:srgbClr val="000000"/>
+                </a:solidFill>
+                <a:latin typeface="Monaco" charset="0"/>
+              </a:rPr>
+              <a:t> </a:t>
+            </a:r>
+            <a:r>
+              <a:rPr lang="en-US" altLang="pt-BR" sz="1400" dirty="0">
+                <a:solidFill>
+                  <a:srgbClr val="8F1493"/>
+                </a:solidFill>
+                <a:latin typeface="Monaco" charset="0"/>
+              </a:rPr>
+              <a:t>static</a:t>
+            </a:r>
+            <a:r>
+              <a:rPr lang="en-US" altLang="pt-BR" sz="1400" dirty="0">
+                <a:solidFill>
+                  <a:srgbClr val="000000"/>
+                </a:solidFill>
+                <a:latin typeface="Monaco" charset="0"/>
+              </a:rPr>
+              <a:t> </a:t>
+            </a:r>
+            <a:r>
+              <a:rPr lang="en-US" altLang="pt-BR" sz="1400" dirty="0" err="1">
+                <a:solidFill>
+                  <a:srgbClr val="8F1493"/>
+                </a:solidFill>
+                <a:latin typeface="Monaco" charset="0"/>
+              </a:rPr>
+              <a:t>def</a:t>
+            </a:r>
+            <a:r>
+              <a:rPr lang="en-US" altLang="pt-BR" sz="1400" dirty="0">
+                <a:solidFill>
+                  <a:srgbClr val="000000"/>
+                </a:solidFill>
+                <a:latin typeface="Monaco" charset="0"/>
+              </a:rPr>
+              <a:t> main(</a:t>
+            </a:r>
+            <a:r>
+              <a:rPr lang="en-US" altLang="pt-BR" sz="1400" dirty="0" err="1">
+                <a:solidFill>
+                  <a:srgbClr val="000000"/>
+                </a:solidFill>
+                <a:latin typeface="Monaco" charset="0"/>
+              </a:rPr>
+              <a:t>args:Array</a:t>
+            </a:r>
+            <a:r>
+              <a:rPr lang="en-US" altLang="pt-BR" sz="1400" dirty="0">
+                <a:solidFill>
+                  <a:srgbClr val="000000"/>
+                </a:solidFill>
+                <a:latin typeface="Monaco" charset="0"/>
+              </a:rPr>
+              <a:t>[String](1)):Void {</a:t>
+            </a:r>
+          </a:p>
+          <a:p>
+            <a:pPr marL="0" indent="0">
+              <a:buNone/>
+            </a:pPr>
+            <a:r>
+              <a:rPr lang="en-US" altLang="pt-BR" sz="1400" dirty="0">
+                <a:solidFill>
+                  <a:srgbClr val="8F1493"/>
+                </a:solidFill>
+                <a:latin typeface="Monaco" charset="0"/>
+              </a:rPr>
+              <a:t>  </a:t>
+            </a:r>
+            <a:r>
+              <a:rPr lang="en-US" altLang="pt-BR" sz="1400" dirty="0" err="1">
+                <a:solidFill>
+                  <a:srgbClr val="8F1493"/>
+                </a:solidFill>
+                <a:latin typeface="Monaco" charset="0"/>
+              </a:rPr>
+              <a:t>val</a:t>
+            </a:r>
+            <a:r>
+              <a:rPr lang="en-US" altLang="pt-BR" sz="1400" dirty="0">
+                <a:solidFill>
+                  <a:srgbClr val="000000"/>
+                </a:solidFill>
+                <a:latin typeface="Monaco" charset="0"/>
+              </a:rPr>
+              <a:t> </a:t>
+            </a:r>
+            <a:r>
+              <a:rPr lang="en-US" altLang="pt-BR" sz="1400" dirty="0" err="1">
+                <a:solidFill>
+                  <a:srgbClr val="000000"/>
+                </a:solidFill>
+                <a:latin typeface="Monaco" charset="0"/>
+              </a:rPr>
+              <a:t>secondCtr</a:t>
+            </a:r>
+            <a:r>
+              <a:rPr lang="en-US" altLang="pt-BR" sz="1400" dirty="0">
+                <a:solidFill>
+                  <a:srgbClr val="000000"/>
+                </a:solidFill>
+                <a:latin typeface="Monaco" charset="0"/>
+              </a:rPr>
+              <a:t> = (</a:t>
+            </a:r>
+            <a:r>
+              <a:rPr lang="en-US" altLang="pt-BR" sz="1400" dirty="0">
+                <a:solidFill>
+                  <a:srgbClr val="8F1493"/>
+                </a:solidFill>
+                <a:latin typeface="Monaco" charset="0"/>
+              </a:rPr>
+              <a:t>at</a:t>
+            </a:r>
+            <a:r>
+              <a:rPr lang="en-US" altLang="pt-BR" sz="1400" dirty="0">
+                <a:solidFill>
+                  <a:srgbClr val="000000"/>
+                </a:solidFill>
+                <a:latin typeface="Monaco" charset="0"/>
+              </a:rPr>
+              <a:t> (</a:t>
+            </a:r>
+            <a:r>
+              <a:rPr lang="en-US" altLang="pt-BR" sz="1400" dirty="0" err="1">
+                <a:solidFill>
+                  <a:srgbClr val="000000"/>
+                </a:solidFill>
+                <a:latin typeface="Monaco" charset="0"/>
+              </a:rPr>
+              <a:t>Place.places</a:t>
+            </a:r>
+            <a:r>
+              <a:rPr lang="en-US" altLang="pt-BR" sz="1400" dirty="0">
+                <a:solidFill>
+                  <a:srgbClr val="000000"/>
+                </a:solidFill>
+                <a:latin typeface="Monaco" charset="0"/>
+              </a:rPr>
+              <a:t>(</a:t>
+            </a:r>
+            <a:r>
+              <a:rPr lang="en-US" altLang="pt-BR" sz="1400" dirty="0">
+                <a:solidFill>
+                  <a:srgbClr val="929200"/>
+                </a:solidFill>
+                <a:latin typeface="Monaco" charset="0"/>
+              </a:rPr>
+              <a:t>1</a:t>
+            </a:r>
+            <a:r>
+              <a:rPr lang="en-US" altLang="pt-BR" sz="1400" dirty="0">
+                <a:solidFill>
+                  <a:srgbClr val="000000"/>
+                </a:solidFill>
+                <a:latin typeface="Monaco" charset="0"/>
+              </a:rPr>
+              <a:t>)) </a:t>
+            </a:r>
+            <a:r>
+              <a:rPr lang="en-US" altLang="pt-BR" sz="1400" dirty="0" err="1">
+                <a:solidFill>
+                  <a:srgbClr val="000000"/>
+                </a:solidFill>
+                <a:latin typeface="Monaco" charset="0"/>
+              </a:rPr>
+              <a:t>GlobalRef</a:t>
+            </a:r>
+            <a:r>
+              <a:rPr lang="en-US" altLang="pt-BR" sz="1400" dirty="0">
+                <a:solidFill>
+                  <a:srgbClr val="000000"/>
+                </a:solidFill>
+                <a:latin typeface="Monaco" charset="0"/>
+              </a:rPr>
+              <a:t>[Counter](</a:t>
+            </a:r>
+            <a:r>
+              <a:rPr lang="en-US" altLang="pt-BR" sz="1400" dirty="0">
+                <a:solidFill>
+                  <a:srgbClr val="8F1493"/>
+                </a:solidFill>
+                <a:latin typeface="Monaco" charset="0"/>
+              </a:rPr>
+              <a:t>new</a:t>
+            </a:r>
+            <a:r>
+              <a:rPr lang="en-US" altLang="pt-BR" sz="1400" dirty="0">
+                <a:solidFill>
+                  <a:srgbClr val="000000"/>
+                </a:solidFill>
+                <a:latin typeface="Monaco" charset="0"/>
+              </a:rPr>
+              <a:t> Counter(</a:t>
+            </a:r>
+            <a:r>
+              <a:rPr lang="en-US" altLang="pt-BR" sz="1400" dirty="0">
+                <a:solidFill>
+                  <a:srgbClr val="929200"/>
+                </a:solidFill>
+                <a:latin typeface="Monaco" charset="0"/>
+              </a:rPr>
+              <a:t>5</a:t>
+            </a:r>
+            <a:r>
+              <a:rPr lang="en-US" altLang="pt-BR" sz="1400" dirty="0">
+                <a:solidFill>
+                  <a:srgbClr val="000000"/>
+                </a:solidFill>
+                <a:latin typeface="Monaco" charset="0"/>
+              </a:rPr>
+              <a:t>)));</a:t>
+            </a:r>
+          </a:p>
+          <a:p>
+            <a:pPr marL="0" indent="0">
+              <a:buNone/>
+            </a:pPr>
+            <a:r>
+              <a:rPr lang="en-US" altLang="pt-BR" sz="1400" dirty="0">
+                <a:solidFill>
+                  <a:srgbClr val="000000"/>
+                </a:solidFill>
+                <a:latin typeface="Monaco" charset="0"/>
+              </a:rPr>
+              <a:t>  </a:t>
+            </a:r>
+            <a:r>
+              <a:rPr lang="en-US" altLang="pt-BR" sz="1400" dirty="0">
+                <a:solidFill>
+                  <a:srgbClr val="8F1493"/>
+                </a:solidFill>
+                <a:latin typeface="Monaco" charset="0"/>
+              </a:rPr>
+              <a:t>for</a:t>
+            </a:r>
+            <a:r>
+              <a:rPr lang="en-US" altLang="pt-BR" sz="1400" dirty="0">
+                <a:solidFill>
+                  <a:srgbClr val="000000"/>
+                </a:solidFill>
+                <a:latin typeface="Monaco" charset="0"/>
+              </a:rPr>
+              <a:t> (</a:t>
+            </a:r>
+            <a:r>
+              <a:rPr lang="en-US" altLang="pt-BR" sz="1400" dirty="0" err="1">
+                <a:solidFill>
+                  <a:srgbClr val="8F1493"/>
+                </a:solidFill>
+                <a:latin typeface="Monaco" charset="0"/>
+              </a:rPr>
+              <a:t>var</a:t>
+            </a:r>
+            <a:r>
+              <a:rPr lang="en-US" altLang="pt-BR" sz="1400" dirty="0">
+                <a:solidFill>
+                  <a:srgbClr val="000000"/>
+                </a:solidFill>
+                <a:latin typeface="Monaco" charset="0"/>
+              </a:rPr>
+              <a:t> i:Int=</a:t>
+            </a:r>
+            <a:r>
+              <a:rPr lang="en-US" altLang="pt-BR" sz="1400" dirty="0">
+                <a:solidFill>
+                  <a:srgbClr val="929200"/>
+                </a:solidFill>
+                <a:latin typeface="Monaco" charset="0"/>
+              </a:rPr>
+              <a:t>0</a:t>
+            </a:r>
+            <a:r>
+              <a:rPr lang="en-US" altLang="pt-BR" sz="1400" dirty="0">
+                <a:solidFill>
+                  <a:srgbClr val="000000"/>
+                </a:solidFill>
+                <a:latin typeface="Monaco" charset="0"/>
+              </a:rPr>
+              <a:t>; </a:t>
+            </a:r>
+            <a:r>
+              <a:rPr lang="en-US" altLang="pt-BR" sz="1400" dirty="0" err="1">
+                <a:solidFill>
+                  <a:srgbClr val="000000"/>
+                </a:solidFill>
+                <a:latin typeface="Monaco" charset="0"/>
+              </a:rPr>
+              <a:t>i</a:t>
+            </a:r>
+            <a:r>
+              <a:rPr lang="en-US" altLang="pt-BR" sz="1400" dirty="0">
+                <a:solidFill>
+                  <a:srgbClr val="000000"/>
+                </a:solidFill>
+                <a:latin typeface="Monaco" charset="0"/>
+              </a:rPr>
+              <a:t>&lt;</a:t>
+            </a:r>
+            <a:r>
+              <a:rPr lang="en-US" altLang="pt-BR" sz="1400" dirty="0">
+                <a:solidFill>
+                  <a:srgbClr val="929200"/>
+                </a:solidFill>
+                <a:latin typeface="Monaco" charset="0"/>
+              </a:rPr>
+              <a:t>10</a:t>
+            </a:r>
+            <a:r>
+              <a:rPr lang="en-US" altLang="pt-BR" sz="1400" dirty="0">
+                <a:solidFill>
+                  <a:srgbClr val="000000"/>
+                </a:solidFill>
+                <a:latin typeface="Monaco" charset="0"/>
+              </a:rPr>
+              <a:t>; </a:t>
+            </a:r>
+            <a:r>
+              <a:rPr lang="en-US" altLang="pt-BR" sz="1400" dirty="0" err="1">
+                <a:solidFill>
+                  <a:srgbClr val="000000"/>
+                </a:solidFill>
+                <a:latin typeface="Monaco" charset="0"/>
+              </a:rPr>
+              <a:t>i</a:t>
+            </a:r>
+            <a:r>
+              <a:rPr lang="en-US" altLang="pt-BR" sz="1400" dirty="0">
+                <a:solidFill>
+                  <a:srgbClr val="000000"/>
+                </a:solidFill>
+                <a:latin typeface="Monaco" charset="0"/>
+              </a:rPr>
+              <a:t>++) {</a:t>
+            </a:r>
+          </a:p>
+          <a:p>
+            <a:pPr marL="0" indent="0">
+              <a:buNone/>
+            </a:pPr>
+            <a:r>
+              <a:rPr lang="en-US" altLang="pt-BR" sz="1400" dirty="0">
+                <a:solidFill>
+                  <a:srgbClr val="8F1493"/>
+                </a:solidFill>
+                <a:latin typeface="Monaco" charset="0"/>
+              </a:rPr>
+              <a:t>      at</a:t>
+            </a:r>
+            <a:r>
+              <a:rPr lang="en-US" altLang="pt-BR" sz="1400" dirty="0">
+                <a:solidFill>
+                  <a:srgbClr val="000000"/>
+                </a:solidFill>
+                <a:latin typeface="Monaco" charset="0"/>
+              </a:rPr>
+              <a:t> (</a:t>
+            </a:r>
+            <a:r>
+              <a:rPr lang="en-US" altLang="pt-BR" sz="1400" dirty="0" err="1">
+                <a:solidFill>
+                  <a:srgbClr val="000000"/>
+                </a:solidFill>
+                <a:latin typeface="Monaco" charset="0"/>
+              </a:rPr>
+              <a:t>secondCtr.</a:t>
+            </a:r>
+            <a:r>
+              <a:rPr lang="en-US" altLang="pt-BR" sz="1400" b="1" dirty="0" err="1">
+                <a:solidFill>
+                  <a:srgbClr val="000000"/>
+                </a:solidFill>
+                <a:latin typeface="Monaco" charset="0"/>
+              </a:rPr>
+              <a:t>home</a:t>
+            </a:r>
+            <a:r>
+              <a:rPr lang="en-US" altLang="pt-BR" sz="1400" dirty="0">
+                <a:solidFill>
+                  <a:srgbClr val="000000"/>
+                </a:solidFill>
+                <a:latin typeface="Monaco" charset="0"/>
+              </a:rPr>
+              <a:t>) {</a:t>
+            </a:r>
+          </a:p>
+          <a:p>
+            <a:pPr marL="0" indent="0">
+              <a:buNone/>
+            </a:pPr>
+            <a:r>
+              <a:rPr lang="en-US" altLang="pt-BR" sz="1400" dirty="0">
+                <a:solidFill>
+                  <a:srgbClr val="000000"/>
+                </a:solidFill>
+                <a:latin typeface="Monaco" charset="0"/>
+              </a:rPr>
+              <a:t>        </a:t>
+            </a:r>
+            <a:r>
+              <a:rPr lang="en-US" altLang="pt-BR" sz="1400" dirty="0" err="1">
+                <a:solidFill>
+                  <a:srgbClr val="000000"/>
+                </a:solidFill>
+                <a:latin typeface="Monaco" charset="0"/>
+              </a:rPr>
+              <a:t>secondCtr</a:t>
+            </a:r>
+            <a:r>
+              <a:rPr lang="en-US" altLang="pt-BR" sz="1400" dirty="0">
+                <a:solidFill>
+                  <a:srgbClr val="000000"/>
+                </a:solidFill>
+                <a:latin typeface="Monaco" charset="0"/>
+              </a:rPr>
+              <a:t>().count();</a:t>
+            </a:r>
+          </a:p>
+          <a:p>
+            <a:pPr marL="0" indent="0">
+              <a:buNone/>
+            </a:pPr>
+            <a:r>
+              <a:rPr lang="en-US" altLang="pt-BR" sz="1400" dirty="0">
+                <a:solidFill>
+                  <a:srgbClr val="000000"/>
+                </a:solidFill>
+                <a:latin typeface="Monaco" charset="0"/>
+              </a:rPr>
+              <a:t>      }</a:t>
+            </a:r>
+          </a:p>
+          <a:p>
+            <a:pPr marL="0" indent="0">
+              <a:buNone/>
+            </a:pPr>
+            <a:r>
+              <a:rPr lang="en-US" altLang="pt-BR" sz="1400" dirty="0">
+                <a:solidFill>
+                  <a:srgbClr val="000000"/>
+                </a:solidFill>
+                <a:latin typeface="Monaco" charset="0"/>
+              </a:rPr>
+              <a:t>    }</a:t>
+            </a:r>
+          </a:p>
+          <a:p>
+            <a:pPr marL="0" indent="0">
+              <a:buNone/>
+            </a:pPr>
+            <a:r>
+              <a:rPr lang="en-US" altLang="pt-BR" sz="1400" dirty="0">
+                <a:solidFill>
+                  <a:srgbClr val="8F1493"/>
+                </a:solidFill>
+                <a:latin typeface="Monaco" charset="0"/>
+              </a:rPr>
+              <a:t>  </a:t>
+            </a:r>
+            <a:r>
+              <a:rPr lang="en-US" altLang="pt-BR" sz="1400" dirty="0" err="1">
+                <a:solidFill>
+                  <a:srgbClr val="8F1493"/>
+                </a:solidFill>
+                <a:latin typeface="Monaco" charset="0"/>
+              </a:rPr>
+              <a:t>val</a:t>
+            </a:r>
+            <a:r>
+              <a:rPr lang="en-US" altLang="pt-BR" sz="1400" dirty="0">
+                <a:solidFill>
+                  <a:srgbClr val="000000"/>
+                </a:solidFill>
+                <a:latin typeface="Monaco" charset="0"/>
+              </a:rPr>
+              <a:t> </a:t>
+            </a:r>
+            <a:r>
+              <a:rPr lang="en-US" altLang="pt-BR" sz="1400" dirty="0" err="1">
+                <a:solidFill>
+                  <a:srgbClr val="000000"/>
+                </a:solidFill>
+                <a:latin typeface="Monaco" charset="0"/>
+              </a:rPr>
+              <a:t>secondValue</a:t>
+            </a:r>
+            <a:r>
+              <a:rPr lang="en-US" altLang="pt-BR" sz="1400" dirty="0">
+                <a:solidFill>
+                  <a:srgbClr val="000000"/>
+                </a:solidFill>
+                <a:latin typeface="Monaco" charset="0"/>
+              </a:rPr>
+              <a:t> = (</a:t>
+            </a:r>
+            <a:r>
+              <a:rPr lang="en-US" altLang="pt-BR" sz="1400" dirty="0">
+                <a:solidFill>
+                  <a:srgbClr val="8F1493"/>
+                </a:solidFill>
+                <a:latin typeface="Monaco" charset="0"/>
+              </a:rPr>
+              <a:t>at</a:t>
+            </a:r>
+            <a:r>
+              <a:rPr lang="en-US" altLang="pt-BR" sz="1400" dirty="0">
+                <a:solidFill>
+                  <a:srgbClr val="000000"/>
+                </a:solidFill>
+                <a:latin typeface="Monaco" charset="0"/>
+              </a:rPr>
+              <a:t> (</a:t>
+            </a:r>
+            <a:r>
+              <a:rPr lang="en-US" altLang="pt-BR" sz="1400" dirty="0" err="1">
+                <a:solidFill>
+                  <a:srgbClr val="000000"/>
+                </a:solidFill>
+                <a:latin typeface="Monaco" charset="0"/>
+              </a:rPr>
+              <a:t>secondCtr.home</a:t>
+            </a:r>
+            <a:r>
+              <a:rPr lang="en-US" altLang="pt-BR" sz="1400" dirty="0">
+                <a:solidFill>
+                  <a:srgbClr val="000000"/>
+                </a:solidFill>
+                <a:latin typeface="Monaco" charset="0"/>
+              </a:rPr>
+              <a:t>) </a:t>
+            </a:r>
+            <a:r>
+              <a:rPr lang="en-US" altLang="pt-BR" sz="1400" dirty="0" err="1">
+                <a:solidFill>
+                  <a:srgbClr val="000000"/>
+                </a:solidFill>
+                <a:latin typeface="Monaco" charset="0"/>
+              </a:rPr>
+              <a:t>secondCtr</a:t>
+            </a:r>
+            <a:r>
+              <a:rPr lang="en-US" altLang="pt-BR" sz="1400" dirty="0">
+                <a:solidFill>
+                  <a:srgbClr val="000000"/>
+                </a:solidFill>
+                <a:latin typeface="Monaco" charset="0"/>
+              </a:rPr>
+              <a:t>().</a:t>
+            </a:r>
+            <a:r>
+              <a:rPr lang="en-US" altLang="pt-BR" sz="1400" dirty="0" err="1">
+                <a:solidFill>
+                  <a:srgbClr val="000000"/>
+                </a:solidFill>
+                <a:latin typeface="Monaco" charset="0"/>
+              </a:rPr>
+              <a:t>getCount</a:t>
+            </a:r>
+            <a:r>
+              <a:rPr lang="en-US" altLang="pt-BR" sz="1400" dirty="0">
+                <a:solidFill>
+                  <a:srgbClr val="000000"/>
+                </a:solidFill>
+                <a:latin typeface="Monaco" charset="0"/>
+              </a:rPr>
+              <a:t>());</a:t>
+            </a:r>
+          </a:p>
+          <a:p>
+            <a:pPr marL="0" indent="0">
+              <a:buNone/>
+            </a:pPr>
+            <a:r>
+              <a:rPr lang="en-US" altLang="pt-BR" sz="1400" dirty="0">
+                <a:solidFill>
+                  <a:srgbClr val="000000"/>
+                </a:solidFill>
+                <a:latin typeface="Monaco" charset="0"/>
+              </a:rPr>
+              <a:t>  </a:t>
+            </a:r>
+            <a:r>
+              <a:rPr lang="en-US" altLang="pt-BR" sz="1400" dirty="0" err="1">
+                <a:solidFill>
+                  <a:srgbClr val="000000"/>
+                </a:solidFill>
+                <a:latin typeface="Monaco" charset="0"/>
+              </a:rPr>
+              <a:t>Console.OUT.println</a:t>
+            </a:r>
+            <a:r>
+              <a:rPr lang="en-US" altLang="pt-BR" sz="1400" dirty="0">
+                <a:solidFill>
+                  <a:srgbClr val="000000"/>
+                </a:solidFill>
+                <a:latin typeface="Monaco" charset="0"/>
+              </a:rPr>
+              <a:t>(</a:t>
+            </a:r>
+            <a:r>
+              <a:rPr lang="en-US" altLang="pt-BR" sz="1400" dirty="0">
+                <a:solidFill>
+                  <a:srgbClr val="0B0493"/>
+                </a:solidFill>
+                <a:latin typeface="Monaco" charset="0"/>
+              </a:rPr>
+              <a:t>"Second value = "</a:t>
+            </a:r>
+            <a:r>
+              <a:rPr lang="en-US" altLang="pt-BR" sz="1400" dirty="0">
+                <a:solidFill>
+                  <a:srgbClr val="000000"/>
+                </a:solidFill>
+                <a:latin typeface="Monaco" charset="0"/>
+              </a:rPr>
+              <a:t>+</a:t>
+            </a:r>
+            <a:r>
+              <a:rPr lang="en-US" altLang="pt-BR" sz="1400" dirty="0" err="1">
+                <a:solidFill>
+                  <a:srgbClr val="000000"/>
+                </a:solidFill>
+                <a:latin typeface="Monaco" charset="0"/>
+              </a:rPr>
+              <a:t>secondValue</a:t>
+            </a:r>
+            <a:r>
+              <a:rPr lang="en-US" altLang="pt-BR" sz="1400" dirty="0">
+                <a:solidFill>
+                  <a:srgbClr val="000000"/>
+                </a:solidFill>
+                <a:latin typeface="Monaco" charset="0"/>
+              </a:rPr>
+              <a:t>);</a:t>
+            </a:r>
+          </a:p>
+          <a:p>
+            <a:pPr marL="0" indent="0">
+              <a:buNone/>
+            </a:pPr>
+            <a:r>
+              <a:rPr lang="en-US" altLang="pt-BR" sz="1400" dirty="0">
+                <a:solidFill>
+                  <a:srgbClr val="000000"/>
+                </a:solidFill>
+                <a:latin typeface="Monaco" charset="0"/>
+              </a:rPr>
+              <a:t>}</a:t>
+            </a:r>
+          </a:p>
+          <a:p>
+            <a:pPr marL="0" indent="0">
+              <a:buNone/>
+            </a:pPr>
+            <a:endParaRPr lang="pt-BR" sz="1200" dirty="0"/>
+          </a:p>
+        </p:txBody>
+      </p:sp>
+    </p:spTree>
+    <p:extLst>
+      <p:ext uri="{BB962C8B-B14F-4D97-AF65-F5344CB8AC3E}">
+        <p14:creationId xmlns:p14="http://schemas.microsoft.com/office/powerpoint/2010/main" val="1748814407"/>
+      </p:ext>
+    </p:extLst>
+  </p:cSld>
+  <p:clrMapOvr>
+    <a:masterClrMapping/>
+  </p:clrMapOvr>
+  <p:timing>
+    <p:tnLst>
+      <p:par>
+        <p:cTn id="1" dur="indefinite" restart="never" nodeType="tmRoot"/>
+      </p:par>
+    </p:tnLst>
+  </p:timing>
+</p:sld>
+</file>
+
+<file path=ppt/slides/slide15.xml><?xml version="1.0" encoding="utf-8"?>
 <p:sld xmlns:a="http://schemas.openxmlformats.org/drawingml/2006/main" xmlns:r="http://schemas.openxmlformats.org/officeDocument/2006/relationships" xmlns:p="http://schemas.openxmlformats.org/presentationml/2006/main">
   <p:cSld>
     <p:spTree>
@@ -5037,7 +7272,7 @@
 </p:sld>
 </file>
 
-<file path=ppt/slides/slide13.xml><?xml version="1.0" encoding="utf-8"?>
+<file path=ppt/slides/slide16.xml><?xml version="1.0" encoding="utf-8"?>
 <p:sld xmlns:a="http://schemas.openxmlformats.org/drawingml/2006/main" xmlns:r="http://schemas.openxmlformats.org/officeDocument/2006/relationships" xmlns:p="http://schemas.openxmlformats.org/presentationml/2006/main">
   <p:cSld>
     <p:spTree>
@@ -5911,7 +8146,7 @@
 </p:sld>
 </file>
 
-<file path=ppt/slides/slide14.xml><?xml version="1.0" encoding="utf-8"?>
+<file path=ppt/slides/slide17.xml><?xml version="1.0" encoding="utf-8"?>
 <p:sld xmlns:a="http://schemas.openxmlformats.org/drawingml/2006/main" xmlns:r="http://schemas.openxmlformats.org/officeDocument/2006/relationships" xmlns:p="http://schemas.openxmlformats.org/presentationml/2006/main">
   <p:cSld>
     <p:spTree>
@@ -6067,6 +8302,105 @@
     <p:extLst>
       <p:ext uri="{BB962C8B-B14F-4D97-AF65-F5344CB8AC3E}">
         <p14:creationId xmlns:p14="http://schemas.microsoft.com/office/powerpoint/2010/main" val="915000722"/>
+      </p:ext>
+    </p:extLst>
+  </p:cSld>
+  <p:clrMapOvr>
+    <a:masterClrMapping/>
+  </p:clrMapOvr>
+  <p:timing>
+    <p:tnLst>
+      <p:par>
+        <p:cTn id="1" dur="indefinite" restart="never" nodeType="tmRoot"/>
+      </p:par>
+    </p:tnLst>
+  </p:timing>
+</p:sld>
+</file>
+
+<file path=ppt/slides/slide18.xml><?xml version="1.0" encoding="utf-8"?>
+<p:sld xmlns:a="http://schemas.openxmlformats.org/drawingml/2006/main" xmlns:r="http://schemas.openxmlformats.org/officeDocument/2006/relationships" xmlns:p="http://schemas.openxmlformats.org/presentationml/2006/main">
+  <p:cSld>
+    <p:spTree>
+      <p:nvGrpSpPr>
+        <p:cNvPr id="1" name=""/>
+        <p:cNvGrpSpPr/>
+        <p:nvPr/>
+      </p:nvGrpSpPr>
+      <p:grpSpPr>
+        <a:xfrm>
+          <a:off x="0" y="0"/>
+          <a:ext cx="0" cy="0"/>
+          <a:chOff x="0" y="0"/>
+          <a:chExt cx="0" cy="0"/>
+        </a:xfrm>
+      </p:grpSpPr>
+      <p:sp>
+        <p:nvSpPr>
+          <p:cNvPr id="2" name="Title 1"/>
+          <p:cNvSpPr>
+            <a:spLocks noGrp="1"/>
+          </p:cNvSpPr>
+          <p:nvPr>
+            <p:ph type="title"/>
+          </p:nvPr>
+        </p:nvSpPr>
+        <p:spPr/>
+        <p:txBody>
+          <a:bodyPr/>
+          <a:lstStyle/>
+          <a:p>
+            <a:pPr algn="just"/>
+            <a:r>
+              <a:rPr lang="pt-BR" dirty="0" smtClean="0"/>
+              <a:t>X10</a:t>
+            </a:r>
+            <a:endParaRPr lang="pt-BR" dirty="0"/>
+          </a:p>
+        </p:txBody>
+      </p:sp>
+      <p:sp>
+        <p:nvSpPr>
+          <p:cNvPr id="3" name="Content Placeholder 2"/>
+          <p:cNvSpPr>
+            <a:spLocks noGrp="1"/>
+          </p:cNvSpPr>
+          <p:nvPr>
+            <p:ph idx="1"/>
+          </p:nvPr>
+        </p:nvSpPr>
+        <p:spPr/>
+        <p:txBody>
+          <a:bodyPr/>
+          <a:lstStyle/>
+          <a:p>
+            <a:r>
+              <a:rPr lang="pt-BR" dirty="0" smtClean="0"/>
+              <a:t>Documentação:</a:t>
+            </a:r>
+          </a:p>
+          <a:p>
+            <a:pPr lvl="1"/>
+            <a:r>
+              <a:rPr lang="pt-BR" dirty="0">
+                <a:hlinkClick r:id="rId2"/>
+              </a:rPr>
+              <a:t>http://x10.sourceforge.net/x10doc/2.3.0/x10</a:t>
+            </a:r>
+            <a:r>
+              <a:rPr lang="pt-BR" dirty="0" smtClean="0">
+                <a:hlinkClick r:id="rId2"/>
+              </a:rPr>
+              <a:t>/</a:t>
+            </a:r>
+            <a:endParaRPr lang="pt-BR" dirty="0" smtClean="0"/>
+          </a:p>
+        </p:txBody>
+      </p:sp>
+    </p:spTree>
+    <p:extLst>
+      <p:ext uri="{BB962C8B-B14F-4D97-AF65-F5344CB8AC3E}">
+        <p14:creationId xmlns:p14="http://schemas.microsoft.com/office/powerpoint/2010/main" val="161675432"/>
       </p:ext>
     </p:extLst>
   </p:cSld>
@@ -9972,6 +12306,13 @@
   <p:clrMapOvr>
     <a:masterClrMapping/>
   </p:clrMapOvr>
+  <p:timing>
+    <p:tnLst>
+      <p:par>
+        <p:cTn id="1" dur="indefinite" restart="never" nodeType="tmRoot"/>
+      </p:par>
+    </p:tnLst>
+  </p:timing>
 </p:sld>
 </file>
 
@@ -10009,12 +12350,12 @@
           </a:bodyPr>
           <a:lstStyle/>
           <a:p>
-            <a:pPr algn="l"/>
-            <a:r>
-              <a:rPr lang="pt-BR" sz="2400" i="1" dirty="0" smtClean="0"/>
-              <a:t>at</a:t>
-            </a:r>
-            <a:endParaRPr lang="pt-BR" sz="2400" i="1" dirty="0"/>
+            <a:pPr algn="just"/>
+            <a:r>
+              <a:rPr lang="pt-BR" sz="2400" dirty="0" smtClean="0"/>
+              <a:t>X10</a:t>
+            </a:r>
+            <a:endParaRPr lang="pt-BR" sz="2400" dirty="0"/>
           </a:p>
         </p:txBody>
       </p:sp>
@@ -10031,74 +12372,119 @@
         <p:spPr/>
         <p:txBody>
           <a:bodyPr>
-            <a:normAutofit/>
+            <a:noAutofit/>
           </a:bodyPr>
           <a:lstStyle/>
           <a:p>
             <a:r>
               <a:rPr lang="pt-BR" sz="1800" b="1" dirty="0" smtClean="0"/>
-              <a:t>Stmt ::= </a:t>
-            </a:r>
-            <a:r>
-              <a:rPr lang="pt-BR" sz="1800" b="1" dirty="0" smtClean="0">
-                <a:solidFill>
-                  <a:srgbClr val="C00000"/>
-                </a:solidFill>
-              </a:rPr>
-              <a:t>at</a:t>
-            </a:r>
+              <a:t>async </a:t>
+            </a:r>
+            <a:r>
+              <a:rPr lang="pt-BR" sz="1800" b="1" dirty="0"/>
+              <a:t>S</a:t>
+            </a:r>
+          </a:p>
+          <a:p>
+            <a:endParaRPr lang="pt-BR" sz="1800" b="1" dirty="0" smtClean="0"/>
+          </a:p>
+          <a:p>
             <a:r>
               <a:rPr lang="pt-BR" sz="1800" b="1" dirty="0" smtClean="0"/>
-              <a:t> (p) Stmt</a:t>
-            </a:r>
-          </a:p>
-          <a:p>
-            <a:endParaRPr lang="pt-BR" sz="1800" dirty="0" smtClean="0"/>
-          </a:p>
-          <a:p>
-            <a:r>
-              <a:rPr lang="pt-BR" sz="1800" dirty="0" smtClean="0"/>
-              <a:t>at (p) { ... }</a:t>
-            </a:r>
-          </a:p>
-          <a:p>
-            <a:endParaRPr lang="pt-BR" sz="1800" dirty="0" smtClean="0"/>
-          </a:p>
-          <a:p>
-            <a:r>
-              <a:rPr lang="pt-BR" sz="1800" dirty="0" smtClean="0"/>
-              <a:t>Sendo ‘p’ é relacionado ao </a:t>
-            </a:r>
-            <a:r>
-              <a:rPr lang="pt-BR" sz="1800" i="1" dirty="0" smtClean="0"/>
-              <a:t>place </a:t>
-            </a:r>
-            <a:r>
-              <a:rPr lang="pt-BR" sz="1800" dirty="0" smtClean="0"/>
-              <a:t>em que o bloco de código será executado.</a:t>
-            </a:r>
-          </a:p>
-          <a:p>
-            <a:endParaRPr lang="pt-BR" sz="1800" dirty="0"/>
-          </a:p>
-          <a:p>
-            <a:r>
-              <a:rPr lang="pt-BR" sz="1800" dirty="0" smtClean="0"/>
-              <a:t>Atividade do processo “pai” é bloqueado até que o trecho em { ... } seja completado.</a:t>
-            </a:r>
+              <a:t>atomic </a:t>
+            </a:r>
+            <a:r>
+              <a:rPr lang="pt-BR" sz="1800" b="1" dirty="0"/>
+              <a:t>S</a:t>
+            </a:r>
+          </a:p>
+          <a:p>
+            <a:r>
+              <a:rPr lang="pt-BR" sz="1800" b="1" dirty="0" smtClean="0"/>
+              <a:t>when </a:t>
+            </a:r>
+            <a:r>
+              <a:rPr lang="pt-BR" sz="1800" b="1" dirty="0"/>
+              <a:t>(c) S</a:t>
+            </a:r>
+          </a:p>
+          <a:p>
+            <a:endParaRPr lang="pt-BR" sz="1800" b="1" dirty="0" smtClean="0"/>
+          </a:p>
+          <a:p>
+            <a:r>
+              <a:rPr lang="pt-BR" sz="1800" b="1" dirty="0" smtClean="0"/>
+              <a:t>at </a:t>
+            </a:r>
+            <a:r>
+              <a:rPr lang="pt-BR" sz="1800" b="1" dirty="0"/>
+              <a:t>(P) S</a:t>
+            </a:r>
+          </a:p>
+          <a:p>
+            <a:endParaRPr lang="pt-BR" sz="1800" b="1" dirty="0" smtClean="0"/>
+          </a:p>
+          <a:p>
+            <a:r>
+              <a:rPr lang="pt-BR" sz="1800" b="1" dirty="0" smtClean="0"/>
+              <a:t>finish </a:t>
+            </a:r>
+            <a:r>
+              <a:rPr lang="pt-BR" sz="1800" b="1" dirty="0"/>
+              <a:t>S</a:t>
+            </a:r>
+          </a:p>
+          <a:p>
+            <a:r>
+              <a:rPr lang="pt-BR" sz="1800" b="1" dirty="0" smtClean="0"/>
+              <a:t>clocked</a:t>
+            </a:r>
+            <a:r>
+              <a:rPr lang="pt-BR" sz="1800" b="1" dirty="0"/>
+              <a:t>, </a:t>
+            </a:r>
+            <a:r>
+              <a:rPr lang="pt-BR" sz="1800" b="1" dirty="0" smtClean="0"/>
+              <a:t>next</a:t>
+            </a:r>
+          </a:p>
+          <a:p>
+            <a:endParaRPr lang="pt-BR" sz="1800" b="1" dirty="0" smtClean="0"/>
+          </a:p>
+          <a:p>
+            <a:r>
+              <a:rPr lang="pt-BR" sz="1800" b="1" dirty="0" smtClean="0"/>
+              <a:t>points</a:t>
+            </a:r>
+            <a:r>
+              <a:rPr lang="pt-BR" sz="1800" b="1" dirty="0"/>
+              <a:t>, regions</a:t>
+            </a:r>
+            <a:r>
+              <a:rPr lang="pt-BR" sz="1800" b="1" dirty="0" smtClean="0"/>
+              <a:t>, distributions, arrays</a:t>
+            </a:r>
+            <a:endParaRPr lang="pt-BR" sz="1800" b="1" dirty="0"/>
           </a:p>
         </p:txBody>
       </p:sp>
     </p:spTree>
     <p:extLst>
       <p:ext uri="{BB962C8B-B14F-4D97-AF65-F5344CB8AC3E}">
-        <p14:creationId xmlns:p14="http://schemas.microsoft.com/office/powerpoint/2010/main" val="1383358882"/>
+        <p14:creationId xmlns:p14="http://schemas.microsoft.com/office/powerpoint/2010/main" val="2337113772"/>
       </p:ext>
     </p:extLst>
   </p:cSld>
   <p:clrMapOvr>
     <a:masterClrMapping/>
   </p:clrMapOvr>
+  <p:timing>
+    <p:tnLst>
+      <p:par>
+        <p:cTn id="1" dur="indefinite" restart="never" nodeType="tmRoot"/>
+      </p:par>
+    </p:tnLst>
+  </p:timing>
 </p:sld>
 </file>
 
@@ -10139,7 +12525,7 @@
             <a:pPr algn="l"/>
             <a:r>
               <a:rPr lang="pt-BR" sz="2400" i="1" dirty="0" smtClean="0"/>
-              <a:t>async</a:t>
+              <a:t>at</a:t>
             </a:r>
             <a:endParaRPr lang="pt-BR" sz="2400" i="1" dirty="0"/>
           </a:p>
@@ -10157,192 +12543,82 @@
         </p:nvSpPr>
         <p:spPr/>
         <p:txBody>
-          <a:bodyPr/>
+          <a:bodyPr>
+            <a:normAutofit/>
+          </a:bodyPr>
           <a:lstStyle/>
           <a:p>
             <a:r>
-              <a:rPr lang="en-US" altLang="pt-BR" sz="1800" b="1" dirty="0" err="1" smtClean="0">
-                <a:cs typeface="Arial" pitchFamily="34" charset="0"/>
-              </a:rPr>
-              <a:t>Stmt</a:t>
-            </a:r>
-            <a:r>
-              <a:rPr lang="en-US" altLang="pt-BR" sz="1800" b="1" dirty="0" smtClean="0">
-                <a:cs typeface="Arial" pitchFamily="34" charset="0"/>
-              </a:rPr>
-              <a:t> ::=  </a:t>
-            </a:r>
-            <a:r>
-              <a:rPr lang="en-US" altLang="pt-BR" sz="1800" b="1" dirty="0" err="1" smtClean="0">
+              <a:rPr lang="pt-BR" sz="1800" b="1" dirty="0" smtClean="0"/>
+              <a:t>Stmt ::= </a:t>
+            </a:r>
+            <a:r>
+              <a:rPr lang="pt-BR" sz="1800" b="1" dirty="0" smtClean="0">
                 <a:solidFill>
                   <a:srgbClr val="C00000"/>
                 </a:solidFill>
-                <a:cs typeface="Arial" pitchFamily="34" charset="0"/>
-              </a:rPr>
-              <a:t>async</a:t>
-            </a:r>
-            <a:r>
-              <a:rPr lang="en-US" altLang="pt-BR" sz="1800" b="1" dirty="0" smtClean="0">
-                <a:solidFill>
-                  <a:srgbClr val="C00000"/>
-                </a:solidFill>
-                <a:cs typeface="Arial" pitchFamily="34" charset="0"/>
-              </a:rPr>
-              <a:t> </a:t>
-            </a:r>
-            <a:r>
-              <a:rPr lang="en-US" altLang="pt-BR" sz="1800" b="1" dirty="0" smtClean="0">
-                <a:cs typeface="Arial" pitchFamily="34" charset="0"/>
-              </a:rPr>
-              <a:t>(</a:t>
-            </a:r>
-            <a:r>
-              <a:rPr lang="en-US" altLang="pt-BR" sz="1800" b="1" dirty="0" err="1" smtClean="0">
-                <a:cs typeface="Arial" pitchFamily="34" charset="0"/>
-              </a:rPr>
-              <a:t>p,l</a:t>
-            </a:r>
-            <a:r>
-              <a:rPr lang="en-US" altLang="pt-BR" sz="1800" b="1" dirty="0" smtClean="0">
-                <a:cs typeface="Arial" pitchFamily="34" charset="0"/>
-              </a:rPr>
-              <a:t>)  </a:t>
-            </a:r>
-            <a:r>
-              <a:rPr lang="en-US" altLang="pt-BR" sz="1800" b="1" dirty="0" err="1" smtClean="0">
-                <a:cs typeface="Arial" pitchFamily="34" charset="0"/>
-              </a:rPr>
-              <a:t>Stmt</a:t>
-            </a:r>
-            <a:endParaRPr lang="en-US" altLang="pt-BR" sz="1800" b="1" dirty="0" smtClean="0">
-              <a:cs typeface="Arial" pitchFamily="34" charset="0"/>
-            </a:endParaRPr>
-          </a:p>
-          <a:p>
-            <a:endParaRPr lang="en-US" altLang="pt-BR" sz="1800" dirty="0" smtClean="0">
-              <a:cs typeface="Arial" pitchFamily="34" charset="0"/>
-            </a:endParaRPr>
-          </a:p>
-          <a:p>
-            <a:r>
-              <a:rPr lang="en-US" altLang="pt-BR" sz="1800" dirty="0" err="1" smtClean="0">
-                <a:cs typeface="Arial" pitchFamily="34" charset="0"/>
-              </a:rPr>
-              <a:t>async</a:t>
-            </a:r>
-            <a:r>
-              <a:rPr lang="en-US" altLang="pt-BR" sz="1800" dirty="0" smtClean="0">
-                <a:cs typeface="Arial" pitchFamily="34" charset="0"/>
-              </a:rPr>
-              <a:t> { … }</a:t>
-            </a:r>
-          </a:p>
-          <a:p>
-            <a:endParaRPr lang="en-US" altLang="pt-BR" sz="1800" dirty="0" smtClean="0">
-              <a:cs typeface="Arial" pitchFamily="34" charset="0"/>
-            </a:endParaRPr>
-          </a:p>
-          <a:p>
-            <a:r>
-              <a:rPr lang="en-US" altLang="pt-BR" sz="1800" dirty="0" err="1" smtClean="0">
-                <a:cs typeface="Arial" pitchFamily="34" charset="0"/>
-              </a:rPr>
-              <a:t>Cria</a:t>
-            </a:r>
-            <a:r>
-              <a:rPr lang="en-US" altLang="pt-BR" sz="1800" dirty="0" smtClean="0">
-                <a:cs typeface="Arial" pitchFamily="34" charset="0"/>
-              </a:rPr>
-              <a:t> </a:t>
-            </a:r>
-            <a:r>
-              <a:rPr lang="en-US" altLang="pt-BR" sz="1800" dirty="0" err="1" smtClean="0">
-                <a:cs typeface="Arial" pitchFamily="34" charset="0"/>
-              </a:rPr>
-              <a:t>uma</a:t>
-            </a:r>
-            <a:r>
-              <a:rPr lang="en-US" altLang="pt-BR" sz="1800" dirty="0" smtClean="0">
-                <a:cs typeface="Arial" pitchFamily="34" charset="0"/>
-              </a:rPr>
-              <a:t> nova </a:t>
-            </a:r>
-            <a:r>
-              <a:rPr lang="en-US" altLang="pt-BR" sz="1800" dirty="0" err="1" smtClean="0">
-                <a:cs typeface="Arial" pitchFamily="34" charset="0"/>
-              </a:rPr>
-              <a:t>atividade</a:t>
-            </a:r>
-            <a:r>
-              <a:rPr lang="en-US" altLang="pt-BR" sz="1800" dirty="0" smtClean="0">
-                <a:cs typeface="Arial" pitchFamily="34" charset="0"/>
-              </a:rPr>
-              <a:t> para </a:t>
-            </a:r>
-            <a:r>
-              <a:rPr lang="en-US" altLang="pt-BR" sz="1800" dirty="0" err="1" smtClean="0">
-                <a:cs typeface="Arial" pitchFamily="34" charset="0"/>
-              </a:rPr>
-              <a:t>avaliar</a:t>
-            </a:r>
-            <a:r>
-              <a:rPr lang="en-US" altLang="pt-BR" sz="1800" dirty="0" smtClean="0">
-                <a:cs typeface="Arial" pitchFamily="34" charset="0"/>
-              </a:rPr>
-              <a:t> </a:t>
-            </a:r>
-            <a:r>
-              <a:rPr lang="en-US" altLang="pt-BR" sz="1800" dirty="0" err="1" smtClean="0">
-                <a:cs typeface="Arial" pitchFamily="34" charset="0"/>
-              </a:rPr>
-              <a:t>comandos</a:t>
-            </a:r>
-            <a:r>
-              <a:rPr lang="en-US" altLang="pt-BR" sz="1800" dirty="0" smtClean="0">
-                <a:cs typeface="Arial" pitchFamily="34" charset="0"/>
-              </a:rPr>
-              <a:t> de </a:t>
-            </a:r>
-            <a:r>
-              <a:rPr lang="en-US" altLang="pt-BR" sz="1800" dirty="0" err="1" smtClean="0">
-                <a:cs typeface="Arial" pitchFamily="34" charset="0"/>
-              </a:rPr>
-              <a:t>maneira</a:t>
-            </a:r>
-            <a:r>
-              <a:rPr lang="en-US" altLang="pt-BR" sz="1800" dirty="0" smtClean="0">
-                <a:cs typeface="Arial" pitchFamily="34" charset="0"/>
-              </a:rPr>
-              <a:t> </a:t>
-            </a:r>
-            <a:r>
-              <a:rPr lang="en-US" altLang="pt-BR" sz="1800" dirty="0" err="1" smtClean="0">
-                <a:cs typeface="Arial" pitchFamily="34" charset="0"/>
-              </a:rPr>
-              <a:t>assíncrona</a:t>
-            </a:r>
-            <a:r>
-              <a:rPr lang="en-US" altLang="pt-BR" sz="1800" dirty="0" smtClean="0">
-                <a:cs typeface="Arial" pitchFamily="34" charset="0"/>
-              </a:rPr>
-              <a:t>.</a:t>
-            </a:r>
-          </a:p>
-          <a:p>
-            <a:endParaRPr lang="pt-BR" dirty="0"/>
+              </a:rPr>
+              <a:t>at</a:t>
+            </a:r>
+            <a:r>
+              <a:rPr lang="pt-BR" sz="1800" b="1" dirty="0" smtClean="0"/>
+              <a:t> (p) Stmt</a:t>
+            </a:r>
+          </a:p>
+          <a:p>
+            <a:endParaRPr lang="pt-BR" sz="1800" dirty="0" smtClean="0"/>
+          </a:p>
+          <a:p>
+            <a:r>
+              <a:rPr lang="pt-BR" sz="1800" dirty="0" smtClean="0"/>
+              <a:t>at (p) { ... }</a:t>
+            </a:r>
+          </a:p>
+          <a:p>
+            <a:endParaRPr lang="pt-BR" sz="1800" dirty="0" smtClean="0"/>
+          </a:p>
+          <a:p>
+            <a:r>
+              <a:rPr lang="pt-BR" sz="1800" dirty="0" smtClean="0"/>
+              <a:t>Sendo ‘p’ é relacionado ao </a:t>
+            </a:r>
+            <a:r>
+              <a:rPr lang="pt-BR" sz="1800" i="1" dirty="0" smtClean="0"/>
+              <a:t>place </a:t>
+            </a:r>
+            <a:r>
+              <a:rPr lang="pt-BR" sz="1800" dirty="0" smtClean="0"/>
+              <a:t>em que o bloco de código será executado.</a:t>
+            </a:r>
+          </a:p>
+          <a:p>
+            <a:endParaRPr lang="pt-BR" sz="1800" dirty="0"/>
+          </a:p>
+          <a:p>
+            <a:r>
+              <a:rPr lang="pt-BR" sz="1800" dirty="0" smtClean="0"/>
+              <a:t>Atividade do processo “pai” é bloqueado até que o trecho em { ... } seja completado.</a:t>
+            </a:r>
           </a:p>
         </p:txBody>
       </p:sp>
     </p:spTree>
     <p:extLst>
       <p:ext uri="{BB962C8B-B14F-4D97-AF65-F5344CB8AC3E}">
-        <p14:creationId xmlns:p14="http://schemas.microsoft.com/office/powerpoint/2010/main" val="404802352"/>
+        <p14:creationId xmlns:p14="http://schemas.microsoft.com/office/powerpoint/2010/main" val="1383358882"/>
       </p:ext>
     </p:extLst>
   </p:cSld>
   <p:clrMapOvr>
     <a:masterClrMapping/>
   </p:clrMapOvr>
+  <p:timing>
+    <p:tnLst>
+      <p:par>
+        <p:cTn id="1" dur="indefinite" restart="never" nodeType="tmRoot"/>
+      </p:par>
+    </p:tnLst>
+  </p:timing>
 </p:sld>
 </file>
 
@@ -10383,7 +12659,7 @@
             <a:pPr algn="l"/>
             <a:r>
               <a:rPr lang="pt-BR" sz="2400" i="1" dirty="0" smtClean="0"/>
-              <a:t>finish</a:t>
+              <a:t>async</a:t>
             </a:r>
             <a:endParaRPr lang="pt-BR" sz="2400" i="1" dirty="0"/>
           </a:p>
@@ -10405,414 +12681,195 @@
           <a:lstStyle/>
           <a:p>
             <a:r>
-              <a:rPr lang="en-US" altLang="pt-BR" sz="2000" b="1" i="1" dirty="0" err="1" smtClean="0">
+              <a:rPr lang="en-US" altLang="pt-BR" sz="1800" b="1" dirty="0" err="1" smtClean="0">
                 <a:cs typeface="Arial" pitchFamily="34" charset="0"/>
               </a:rPr>
               <a:t>Stmt</a:t>
             </a:r>
             <a:r>
-              <a:rPr lang="en-US" altLang="pt-BR" sz="2000" b="1" i="1" dirty="0" smtClean="0">
+              <a:rPr lang="en-US" altLang="pt-BR" sz="1800" b="1" dirty="0" smtClean="0">
                 <a:cs typeface="Arial" pitchFamily="34" charset="0"/>
               </a:rPr>
               <a:t> ::=  </a:t>
             </a:r>
             <a:r>
-              <a:rPr lang="en-US" altLang="pt-BR" sz="2000" b="1" dirty="0" smtClean="0">
+              <a:rPr lang="en-US" altLang="pt-BR" sz="1800" b="1" dirty="0" err="1" smtClean="0">
                 <a:solidFill>
                   <a:srgbClr val="C00000"/>
                 </a:solidFill>
                 <a:cs typeface="Arial" pitchFamily="34" charset="0"/>
               </a:rPr>
-              <a:t>finish</a:t>
-            </a:r>
-            <a:r>
-              <a:rPr lang="en-US" altLang="pt-BR" sz="2000" b="1" dirty="0" smtClean="0">
+              <a:t>async</a:t>
+            </a:r>
+            <a:r>
+              <a:rPr lang="en-US" altLang="pt-BR" sz="1800" b="1" dirty="0" smtClean="0">
+                <a:solidFill>
+                  <a:srgbClr val="C00000"/>
+                </a:solidFill>
                 <a:cs typeface="Arial" pitchFamily="34" charset="0"/>
               </a:rPr>
               <a:t> </a:t>
             </a:r>
             <a:r>
-              <a:rPr lang="en-US" altLang="pt-BR" sz="2000" b="1" i="1" dirty="0" smtClean="0">
-                <a:solidFill>
-                  <a:srgbClr val="C00000"/>
-                </a:solidFill>
+              <a:rPr lang="en-US" altLang="pt-BR" sz="1800" b="1" dirty="0" smtClean="0">
                 <a:cs typeface="Arial" pitchFamily="34" charset="0"/>
               </a:rPr>
-              <a:t> </a:t>
-            </a:r>
-            <a:r>
-              <a:rPr lang="en-US" altLang="pt-BR" sz="2000" b="1" i="1" dirty="0" err="1" smtClean="0">
+              <a:t>(</a:t>
+            </a:r>
+            <a:r>
+              <a:rPr lang="en-US" altLang="pt-BR" sz="1800" b="1" dirty="0" err="1" smtClean="0">
                 <a:cs typeface="Arial" pitchFamily="34" charset="0"/>
               </a:rPr>
+              <a:t>p,l</a:t>
+            </a:r>
+            <a:r>
+              <a:rPr lang="en-US" altLang="pt-BR" sz="1800" b="1" dirty="0" smtClean="0">
+                <a:cs typeface="Arial" pitchFamily="34" charset="0"/>
+              </a:rPr>
+              <a:t>)  </a:t>
+            </a:r>
+            <a:r>
+              <a:rPr lang="en-US" altLang="pt-BR" sz="1800" b="1" dirty="0" err="1" smtClean="0">
+                <a:cs typeface="Arial" pitchFamily="34" charset="0"/>
+              </a:rPr>
               <a:t>Stmt</a:t>
             </a:r>
-            <a:endParaRPr lang="en-US" altLang="pt-BR" sz="2000" b="1" i="1" dirty="0" smtClean="0">
+            <a:endParaRPr lang="en-US" altLang="pt-BR" sz="1800" b="1" dirty="0" smtClean="0">
               <a:cs typeface="Arial" pitchFamily="34" charset="0"/>
             </a:endParaRPr>
           </a:p>
           <a:p>
             <a:endParaRPr lang="en-US" altLang="pt-BR" sz="1800" dirty="0" smtClean="0">
-              <a:solidFill>
-                <a:srgbClr val="000000"/>
-              </a:solidFill>
               <a:cs typeface="Arial" pitchFamily="34" charset="0"/>
             </a:endParaRPr>
           </a:p>
           <a:p>
             <a:r>
-              <a:rPr lang="en-US" altLang="pt-BR" sz="1800" dirty="0">
-                <a:solidFill>
-                  <a:srgbClr val="000000"/>
-                </a:solidFill>
+              <a:rPr lang="en-US" altLang="pt-BR" sz="1800" dirty="0" err="1" smtClean="0">
                 <a:cs typeface="Arial" pitchFamily="34" charset="0"/>
               </a:rPr>
-              <a:t>f</a:t>
+              <a:t>async</a:t>
             </a:r>
             <a:r>
               <a:rPr lang="en-US" altLang="pt-BR" sz="1800" dirty="0" smtClean="0">
-                <a:solidFill>
-                  <a:srgbClr val="000000"/>
-                </a:solidFill>
                 <a:cs typeface="Arial" pitchFamily="34" charset="0"/>
               </a:rPr>
-              <a:t>inish { … }</a:t>
+              <a:t> { … }</a:t>
             </a:r>
           </a:p>
           <a:p>
             <a:endParaRPr lang="en-US" altLang="pt-BR" sz="1800" dirty="0" smtClean="0">
-              <a:solidFill>
-                <a:srgbClr val="000000"/>
-              </a:solidFill>
               <a:cs typeface="Arial" pitchFamily="34" charset="0"/>
             </a:endParaRPr>
           </a:p>
           <a:p>
             <a:r>
               <a:rPr lang="en-US" altLang="pt-BR" sz="1800" dirty="0" err="1" smtClean="0">
-                <a:solidFill>
-                  <a:srgbClr val="000000"/>
-                </a:solidFill>
                 <a:cs typeface="Arial" pitchFamily="34" charset="0"/>
               </a:rPr>
-              <a:t>Avalia</a:t>
+              <a:t>Cria</a:t>
             </a:r>
             <a:r>
               <a:rPr lang="en-US" altLang="pt-BR" sz="1800" dirty="0" smtClean="0">
-                <a:solidFill>
-                  <a:srgbClr val="000000"/>
-                </a:solidFill>
                 <a:cs typeface="Arial" pitchFamily="34" charset="0"/>
               </a:rPr>
               <a:t> </a:t>
             </a:r>
             <a:r>
               <a:rPr lang="en-US" altLang="pt-BR" sz="1800" dirty="0" err="1" smtClean="0">
-                <a:solidFill>
-                  <a:srgbClr val="000000"/>
-                </a:solidFill>
                 <a:cs typeface="Arial" pitchFamily="34" charset="0"/>
               </a:rPr>
               <a:t>uma</a:t>
             </a:r>
             <a:r>
               <a:rPr lang="en-US" altLang="pt-BR" sz="1800" dirty="0" smtClean="0">
-                <a:solidFill>
-                  <a:srgbClr val="000000"/>
-                </a:solidFill>
                 <a:cs typeface="Arial" pitchFamily="34" charset="0"/>
               </a:rPr>
+              <a:t> nova </a:t>
+            </a:r>
+            <a:r>
+              <a:rPr lang="en-US" altLang="pt-BR" sz="1800" dirty="0" err="1" smtClean="0">
+                <a:cs typeface="Arial" pitchFamily="34" charset="0"/>
+              </a:rPr>
+              <a:t>atividade</a:t>
+            </a:r>
+            <a:r>
+              <a:rPr lang="en-US" altLang="pt-BR" sz="1800" dirty="0" smtClean="0">
+                <a:cs typeface="Arial" pitchFamily="34" charset="0"/>
+              </a:rPr>
+              <a:t> para </a:t>
+            </a:r>
+            <a:r>
+              <a:rPr lang="en-US" altLang="pt-BR" sz="1800" dirty="0" err="1" smtClean="0">
+                <a:cs typeface="Arial" pitchFamily="34" charset="0"/>
+              </a:rPr>
+              <a:t>avaliar</a:t>
+            </a:r>
+            <a:r>
+              <a:rPr lang="en-US" altLang="pt-BR" sz="1800" dirty="0" smtClean="0">
+                <a:cs typeface="Arial" pitchFamily="34" charset="0"/>
+              </a:rPr>
               <a:t> </a:t>
             </a:r>
             <a:r>
               <a:rPr lang="en-US" altLang="pt-BR" sz="1800" dirty="0" err="1" smtClean="0">
-                <a:solidFill>
-                  <a:srgbClr val="000000"/>
-                </a:solidFill>
                 <a:cs typeface="Arial" pitchFamily="34" charset="0"/>
               </a:rPr>
-              <a:t>expressão</a:t>
+              <a:t>comandos</a:t>
             </a:r>
             <a:r>
               <a:rPr lang="en-US" altLang="pt-BR" sz="1800" dirty="0" smtClean="0">
-                <a:solidFill>
-                  <a:srgbClr val="000000"/>
-                </a:solidFill>
                 <a:cs typeface="Arial" pitchFamily="34" charset="0"/>
               </a:rPr>
-              <a:t>, </a:t>
+              <a:t> de </a:t>
             </a:r>
             <a:r>
               <a:rPr lang="en-US" altLang="pt-BR" sz="1800" dirty="0" err="1" smtClean="0">
-                <a:solidFill>
-                  <a:srgbClr val="000000"/>
-                </a:solidFill>
                 <a:cs typeface="Arial" pitchFamily="34" charset="0"/>
               </a:rPr>
-              <a:t>esperando</a:t>
+              <a:t>maneira</a:t>
             </a:r>
             <a:r>
               <a:rPr lang="en-US" altLang="pt-BR" sz="1800" dirty="0" smtClean="0">
-                <a:solidFill>
-                  <a:srgbClr val="000000"/>
-                </a:solidFill>
                 <a:cs typeface="Arial" pitchFamily="34" charset="0"/>
               </a:rPr>
               <a:t> </a:t>
             </a:r>
             <a:r>
               <a:rPr lang="en-US" altLang="pt-BR" sz="1800" dirty="0" err="1" smtClean="0">
-                <a:solidFill>
-                  <a:srgbClr val="000000"/>
-                </a:solidFill>
                 <a:cs typeface="Arial" pitchFamily="34" charset="0"/>
               </a:rPr>
-              <a:t>todas</a:t>
+              <a:t>assíncrona</a:t>
             </a:r>
             <a:r>
               <a:rPr lang="en-US" altLang="pt-BR" sz="1800" dirty="0" smtClean="0">
-                <a:solidFill>
-                  <a:srgbClr val="000000"/>
-                </a:solidFill>
                 <a:cs typeface="Arial" pitchFamily="34" charset="0"/>
               </a:rPr>
-              <a:t> as </a:t>
-            </a:r>
-            <a:r>
-              <a:rPr lang="en-US" altLang="pt-BR" sz="1800" dirty="0" err="1" smtClean="0">
-                <a:solidFill>
-                  <a:srgbClr val="000000"/>
-                </a:solidFill>
-                <a:cs typeface="Arial" pitchFamily="34" charset="0"/>
-              </a:rPr>
-              <a:t>atividades</a:t>
-            </a:r>
-            <a:r>
-              <a:rPr lang="en-US" altLang="pt-BR" sz="1800" dirty="0" smtClean="0">
-                <a:solidFill>
-                  <a:srgbClr val="000000"/>
-                </a:solidFill>
-                <a:cs typeface="Arial" pitchFamily="34" charset="0"/>
-              </a:rPr>
-              <a:t> </a:t>
-            </a:r>
-            <a:r>
-              <a:rPr lang="en-US" altLang="pt-BR" sz="1800" dirty="0" err="1" smtClean="0">
-                <a:solidFill>
-                  <a:srgbClr val="000000"/>
-                </a:solidFill>
-                <a:cs typeface="Arial" pitchFamily="34" charset="0"/>
-              </a:rPr>
-              <a:t>criadas</a:t>
-            </a:r>
-            <a:r>
-              <a:rPr lang="en-US" altLang="pt-BR" sz="1800" dirty="0" smtClean="0">
-                <a:solidFill>
-                  <a:srgbClr val="000000"/>
-                </a:solidFill>
-                <a:cs typeface="Arial" pitchFamily="34" charset="0"/>
-              </a:rPr>
-              <a:t> </a:t>
-            </a:r>
-            <a:r>
-              <a:rPr lang="en-US" altLang="pt-BR" sz="1800" dirty="0" err="1" smtClean="0">
-                <a:solidFill>
-                  <a:srgbClr val="000000"/>
-                </a:solidFill>
-                <a:cs typeface="Arial" pitchFamily="34" charset="0"/>
-              </a:rPr>
-              <a:t>por</a:t>
-            </a:r>
-            <a:r>
-              <a:rPr lang="en-US" altLang="pt-BR" sz="1800" dirty="0" smtClean="0">
-                <a:solidFill>
-                  <a:srgbClr val="000000"/>
-                </a:solidFill>
-                <a:cs typeface="Arial" pitchFamily="34" charset="0"/>
-              </a:rPr>
-              <a:t> </a:t>
-            </a:r>
-            <a:r>
-              <a:rPr lang="en-US" altLang="pt-BR" sz="1800" dirty="0" err="1" smtClean="0">
-                <a:solidFill>
-                  <a:srgbClr val="000000"/>
-                </a:solidFill>
-                <a:cs typeface="Arial" pitchFamily="34" charset="0"/>
-              </a:rPr>
-              <a:t>chamadas</a:t>
-            </a:r>
-            <a:r>
-              <a:rPr lang="en-US" altLang="pt-BR" sz="1800" dirty="0" smtClean="0">
-                <a:solidFill>
-                  <a:srgbClr val="000000"/>
-                </a:solidFill>
-                <a:cs typeface="Arial" pitchFamily="34" charset="0"/>
-              </a:rPr>
-              <a:t> </a:t>
-            </a:r>
-            <a:r>
-              <a:rPr lang="en-US" altLang="pt-BR" sz="1800" dirty="0" err="1" smtClean="0">
-                <a:solidFill>
-                  <a:srgbClr val="000000"/>
-                </a:solidFill>
-                <a:cs typeface="Arial" pitchFamily="34" charset="0"/>
-              </a:rPr>
-              <a:t>async</a:t>
-            </a:r>
-            <a:r>
-              <a:rPr lang="en-US" altLang="pt-BR" sz="1800" dirty="0" smtClean="0">
-                <a:solidFill>
-                  <a:srgbClr val="000000"/>
-                </a:solidFill>
-                <a:cs typeface="Arial" pitchFamily="34" charset="0"/>
-              </a:rPr>
-              <a:t> </a:t>
-            </a:r>
-            <a:r>
-              <a:rPr lang="en-US" altLang="pt-BR" sz="1800" dirty="0" err="1" smtClean="0">
-                <a:solidFill>
-                  <a:srgbClr val="000000"/>
-                </a:solidFill>
-                <a:cs typeface="Arial" pitchFamily="34" charset="0"/>
-              </a:rPr>
-              <a:t>terminarem</a:t>
-            </a:r>
-            <a:r>
-              <a:rPr lang="en-US" altLang="pt-BR" sz="1800" dirty="0" smtClean="0">
-                <a:solidFill>
-                  <a:srgbClr val="000000"/>
-                </a:solidFill>
-                <a:cs typeface="Arial" pitchFamily="34" charset="0"/>
-              </a:rPr>
               <a:t>.</a:t>
             </a:r>
           </a:p>
           <a:p>
-            <a:endParaRPr lang="en-US" altLang="pt-BR" sz="1800" dirty="0" smtClean="0">
-              <a:solidFill>
-                <a:srgbClr val="000000"/>
-              </a:solidFill>
-              <a:cs typeface="Arial" pitchFamily="34" charset="0"/>
-            </a:endParaRPr>
-          </a:p>
-          <a:p>
-            <a:r>
-              <a:rPr lang="en-US" altLang="pt-BR" sz="1800" dirty="0" err="1" smtClean="0">
-                <a:solidFill>
-                  <a:srgbClr val="000000"/>
-                </a:solidFill>
-                <a:cs typeface="Arial" pitchFamily="34" charset="0"/>
-              </a:rPr>
-              <a:t>Pode</a:t>
-            </a:r>
-            <a:r>
-              <a:rPr lang="en-US" altLang="pt-BR" sz="1800" dirty="0" smtClean="0">
-                <a:solidFill>
-                  <a:srgbClr val="000000"/>
-                </a:solidFill>
-                <a:cs typeface="Arial" pitchFamily="34" charset="0"/>
-              </a:rPr>
-              <a:t> </a:t>
-            </a:r>
-            <a:r>
-              <a:rPr lang="en-US" altLang="pt-BR" sz="1800" dirty="0" err="1" smtClean="0">
-                <a:solidFill>
-                  <a:srgbClr val="000000"/>
-                </a:solidFill>
-                <a:cs typeface="Arial" pitchFamily="34" charset="0"/>
-              </a:rPr>
-              <a:t>ser</a:t>
-            </a:r>
-            <a:r>
-              <a:rPr lang="en-US" altLang="pt-BR" sz="1800" dirty="0" smtClean="0">
-                <a:solidFill>
-                  <a:srgbClr val="000000"/>
-                </a:solidFill>
-                <a:cs typeface="Arial" pitchFamily="34" charset="0"/>
-              </a:rPr>
-              <a:t> </a:t>
-            </a:r>
-            <a:r>
-              <a:rPr lang="en-US" altLang="pt-BR" sz="1800" dirty="0" err="1" smtClean="0">
-                <a:solidFill>
-                  <a:srgbClr val="000000"/>
-                </a:solidFill>
-                <a:cs typeface="Arial" pitchFamily="34" charset="0"/>
-              </a:rPr>
-              <a:t>considerado</a:t>
-            </a:r>
-            <a:r>
-              <a:rPr lang="en-US" altLang="pt-BR" sz="1800" dirty="0" smtClean="0">
-                <a:solidFill>
-                  <a:srgbClr val="000000"/>
-                </a:solidFill>
-                <a:cs typeface="Arial" pitchFamily="34" charset="0"/>
-              </a:rPr>
-              <a:t> um </a:t>
-            </a:r>
-            <a:r>
-              <a:rPr lang="en-US" altLang="pt-BR" sz="1800" dirty="0" err="1" smtClean="0">
-                <a:solidFill>
-                  <a:srgbClr val="000000"/>
-                </a:solidFill>
-                <a:cs typeface="Arial" pitchFamily="34" charset="0"/>
-              </a:rPr>
-              <a:t>mecanismo</a:t>
-            </a:r>
-            <a:r>
-              <a:rPr lang="en-US" altLang="pt-BR" sz="1800" dirty="0" smtClean="0">
-                <a:solidFill>
-                  <a:srgbClr val="000000"/>
-                </a:solidFill>
-                <a:cs typeface="Arial" pitchFamily="34" charset="0"/>
-              </a:rPr>
-              <a:t> de </a:t>
-            </a:r>
-            <a:r>
-              <a:rPr lang="en-US" altLang="pt-BR" sz="1800" dirty="0" err="1" smtClean="0">
-                <a:solidFill>
-                  <a:srgbClr val="000000"/>
-                </a:solidFill>
-                <a:cs typeface="Arial" pitchFamily="34" charset="0"/>
-              </a:rPr>
-              <a:t>barreira</a:t>
-            </a:r>
-            <a:r>
-              <a:rPr lang="en-US" altLang="pt-BR" sz="1800" dirty="0" smtClean="0">
-                <a:solidFill>
-                  <a:srgbClr val="000000"/>
-                </a:solidFill>
-                <a:cs typeface="Arial" pitchFamily="34" charset="0"/>
-              </a:rPr>
-              <a:t>.</a:t>
-            </a:r>
-          </a:p>
-          <a:p>
-            <a:endParaRPr lang="pt-BR" sz="1800" dirty="0" smtClean="0"/>
-          </a:p>
-          <a:p>
-            <a:r>
-              <a:rPr lang="pt-BR" sz="1800" dirty="0" smtClean="0"/>
-              <a:t>Útil para expressar operações “síncronas”.</a:t>
-            </a:r>
-          </a:p>
-          <a:p>
-            <a:endParaRPr lang="pt-BR" sz="1800" dirty="0"/>
-          </a:p>
-          <a:p>
-            <a:endParaRPr lang="pt-BR" sz="2000" dirty="0" smtClean="0"/>
+            <a:endParaRPr lang="pt-BR" dirty="0"/>
           </a:p>
         </p:txBody>
       </p:sp>
     </p:spTree>
     <p:extLst>
       <p:ext uri="{BB962C8B-B14F-4D97-AF65-F5344CB8AC3E}">
-        <p14:creationId xmlns:p14="http://schemas.microsoft.com/office/powerpoint/2010/main" val="3994443213"/>
+        <p14:creationId xmlns:p14="http://schemas.microsoft.com/office/powerpoint/2010/main" val="404802352"/>
       </p:ext>
     </p:extLst>
   </p:cSld>
   <p:clrMapOvr>
     <a:masterClrMapping/>
   </p:clrMapOvr>
+  <p:timing>
+    <p:tnLst>
+      <p:par>
+        <p:cTn id="1" dur="indefinite" restart="never" nodeType="tmRoot"/>
+      </p:par>
+    </p:tnLst>
+  </p:timing>
 </p:sld>
 </file>
 

--- a/x10.pptx
+++ b/x10.pptx
@@ -5,7 +5,7 @@
     <p:sldMasterId id="2147483648" r:id="rId1"/>
   </p:sldMasterIdLst>
   <p:notesMasterIdLst>
-    <p:notesMasterId r:id="rId27"/>
+    <p:notesMasterId r:id="rId28"/>
   </p:notesMasterIdLst>
   <p:sldIdLst>
     <p:sldId id="256" r:id="rId2"/>
@@ -14,25 +14,26 @@
     <p:sldId id="258" r:id="rId5"/>
     <p:sldId id="260" r:id="rId6"/>
     <p:sldId id="259" r:id="rId7"/>
-    <p:sldId id="262" r:id="rId8"/>
-    <p:sldId id="279" r:id="rId9"/>
-    <p:sldId id="283" r:id="rId10"/>
-    <p:sldId id="264" r:id="rId11"/>
-    <p:sldId id="287" r:id="rId12"/>
-    <p:sldId id="265" r:id="rId13"/>
-    <p:sldId id="288" r:id="rId14"/>
-    <p:sldId id="263" r:id="rId15"/>
-    <p:sldId id="291" r:id="rId16"/>
-    <p:sldId id="266" r:id="rId17"/>
-    <p:sldId id="292" r:id="rId18"/>
-    <p:sldId id="284" r:id="rId19"/>
-    <p:sldId id="267" r:id="rId20"/>
-    <p:sldId id="285" r:id="rId21"/>
-    <p:sldId id="281" r:id="rId22"/>
-    <p:sldId id="280" r:id="rId23"/>
-    <p:sldId id="282" r:id="rId24"/>
-    <p:sldId id="290" r:id="rId25"/>
-    <p:sldId id="286" r:id="rId26"/>
+    <p:sldId id="293" r:id="rId8"/>
+    <p:sldId id="262" r:id="rId9"/>
+    <p:sldId id="279" r:id="rId10"/>
+    <p:sldId id="283" r:id="rId11"/>
+    <p:sldId id="264" r:id="rId12"/>
+    <p:sldId id="287" r:id="rId13"/>
+    <p:sldId id="265" r:id="rId14"/>
+    <p:sldId id="288" r:id="rId15"/>
+    <p:sldId id="263" r:id="rId16"/>
+    <p:sldId id="291" r:id="rId17"/>
+    <p:sldId id="266" r:id="rId18"/>
+    <p:sldId id="292" r:id="rId19"/>
+    <p:sldId id="284" r:id="rId20"/>
+    <p:sldId id="267" r:id="rId21"/>
+    <p:sldId id="285" r:id="rId22"/>
+    <p:sldId id="281" r:id="rId23"/>
+    <p:sldId id="280" r:id="rId24"/>
+    <p:sldId id="294" r:id="rId25"/>
+    <p:sldId id="290" r:id="rId26"/>
+    <p:sldId id="286" r:id="rId27"/>
   </p:sldIdLst>
   <p:sldSz cx="12192000" cy="6858000"/>
   <p:notesSz cx="6858000" cy="9144000"/>
@@ -3507,7 +3508,15 @@
           <a:p>
             <a:r>
               <a:rPr lang="pt-BR" sz="2800" dirty="0"/>
-              <a:t>X10</a:t>
+              <a:t>x</a:t>
+            </a:r>
+            <a:r>
+              <a:rPr lang="pt-BR" sz="2800" dirty="0" smtClean="0"/>
+              <a:t>10</a:t>
+            </a:r>
+            <a:r>
+              <a:rPr lang="pt-BR" sz="2800" dirty="0"/>
+              <a:t/>
             </a:r>
             <a:br>
               <a:rPr lang="pt-BR" sz="2800" dirty="0"/>
@@ -3516,7 +3525,6 @@
               <a:rPr lang="pt-BR" sz="2800" dirty="0"/>
               <a:t>Busca em árvore</a:t>
             </a:r>
-            <a:endParaRPr lang="pt-BR" sz="2800" dirty="0"/>
           </a:p>
         </p:txBody>
       </p:sp>
@@ -3547,7 +3555,6 @@
               <a:rPr lang="pt-BR" sz="1800" dirty="0"/>
               <a:t>Leonardo Quatrin Campagnolo</a:t>
             </a:r>
-            <a:endParaRPr lang="pt-BR" sz="1800" dirty="0"/>
           </a:p>
         </p:txBody>
       </p:sp>
@@ -3598,12 +3605,12 @@
           </a:bodyPr>
           <a:lstStyle/>
           <a:p>
-            <a:pPr algn="l"/>
-            <a:r>
-              <a:rPr lang="pt-BR" sz="2400" i="1" dirty="0"/>
-              <a:t>async</a:t>
-            </a:r>
-            <a:endParaRPr lang="pt-BR" sz="2400" i="1" dirty="0"/>
+            <a:pPr algn="just"/>
+            <a:r>
+              <a:rPr lang="pt-BR" sz="2400" dirty="0"/>
+              <a:t>Características principais da linguagem</a:t>
+            </a:r>
+            <a:endParaRPr lang="pt-BR" sz="2400" dirty="0"/>
           </a:p>
         </p:txBody>
       </p:sp>
@@ -3619,210 +3626,70 @@
         </p:nvSpPr>
         <p:spPr/>
         <p:txBody>
-          <a:bodyPr/>
+          <a:bodyPr>
+            <a:noAutofit/>
+          </a:bodyPr>
           <a:lstStyle/>
           <a:p>
             <a:r>
-              <a:rPr lang="en-US" altLang="pt-BR" sz="1800" b="1" dirty="0" err="1">
-                <a:cs typeface="Arial" pitchFamily="34" charset="0"/>
-              </a:rPr>
-              <a:t>Stmt</a:t>
-            </a:r>
-            <a:r>
-              <a:rPr lang="en-US" altLang="pt-BR" sz="1800" b="1" dirty="0">
-                <a:cs typeface="Arial" pitchFamily="34" charset="0"/>
-              </a:rPr>
-              <a:t> ::=  </a:t>
-            </a:r>
-            <a:r>
-              <a:rPr lang="en-US" altLang="pt-BR" sz="1800" b="1" dirty="0" err="1">
-                <a:solidFill>
-                  <a:srgbClr val="C00000"/>
-                </a:solidFill>
-                <a:cs typeface="Arial" pitchFamily="34" charset="0"/>
-              </a:rPr>
-              <a:t>async</a:t>
-            </a:r>
-            <a:r>
-              <a:rPr lang="en-US" altLang="pt-BR" sz="1800" b="1" dirty="0">
-                <a:solidFill>
-                  <a:srgbClr val="C00000"/>
-                </a:solidFill>
-                <a:cs typeface="Arial" pitchFamily="34" charset="0"/>
-              </a:rPr>
-              <a:t> </a:t>
-            </a:r>
-            <a:r>
-              <a:rPr lang="en-US" altLang="pt-BR" sz="1800" b="1" dirty="0">
-                <a:cs typeface="Arial" pitchFamily="34" charset="0"/>
-              </a:rPr>
-              <a:t>(</a:t>
-            </a:r>
-            <a:r>
-              <a:rPr lang="en-US" altLang="pt-BR" sz="1800" b="1" dirty="0" err="1">
-                <a:cs typeface="Arial" pitchFamily="34" charset="0"/>
-              </a:rPr>
-              <a:t>p,l</a:t>
-            </a:r>
-            <a:r>
-              <a:rPr lang="en-US" altLang="pt-BR" sz="1800" b="1" dirty="0">
-                <a:cs typeface="Arial" pitchFamily="34" charset="0"/>
-              </a:rPr>
-              <a:t>)  </a:t>
-            </a:r>
-            <a:r>
-              <a:rPr lang="en-US" altLang="pt-BR" sz="1800" b="1" dirty="0" err="1">
-                <a:cs typeface="Arial" pitchFamily="34" charset="0"/>
-              </a:rPr>
-              <a:t>Stmt</a:t>
-            </a:r>
-            <a:endParaRPr lang="en-US" altLang="pt-BR" sz="1800" b="1" dirty="0">
-              <a:cs typeface="Arial" pitchFamily="34" charset="0"/>
-            </a:endParaRPr>
-          </a:p>
-          <a:p>
-            <a:endParaRPr lang="en-US" altLang="pt-BR" sz="1800" dirty="0">
-              <a:cs typeface="Arial" pitchFamily="34" charset="0"/>
-            </a:endParaRPr>
-          </a:p>
-          <a:p>
-            <a:r>
-              <a:rPr lang="en-US" altLang="pt-BR" sz="1800" dirty="0" err="1">
-                <a:cs typeface="Arial" pitchFamily="34" charset="0"/>
-              </a:rPr>
-              <a:t>async</a:t>
-            </a:r>
-            <a:r>
-              <a:rPr lang="en-US" altLang="pt-BR" sz="1800" dirty="0">
-                <a:cs typeface="Arial" pitchFamily="34" charset="0"/>
-              </a:rPr>
-              <a:t> { … }</a:t>
-            </a:r>
-          </a:p>
-          <a:p>
-            <a:endParaRPr lang="en-US" altLang="pt-BR" sz="1800" dirty="0">
-              <a:cs typeface="Arial" pitchFamily="34" charset="0"/>
-            </a:endParaRPr>
-          </a:p>
-          <a:p>
-            <a:r>
-              <a:rPr lang="en-US" altLang="pt-BR" sz="1800" dirty="0" err="1">
-                <a:cs typeface="Arial" pitchFamily="34" charset="0"/>
-              </a:rPr>
-              <a:t>Cria</a:t>
-            </a:r>
-            <a:r>
-              <a:rPr lang="en-US" altLang="pt-BR" sz="1800" dirty="0">
-                <a:cs typeface="Arial" pitchFamily="34" charset="0"/>
-              </a:rPr>
-              <a:t> </a:t>
-            </a:r>
-            <a:r>
-              <a:rPr lang="en-US" altLang="pt-BR" sz="1800" dirty="0" err="1">
-                <a:cs typeface="Arial" pitchFamily="34" charset="0"/>
-              </a:rPr>
-              <a:t>uma</a:t>
-            </a:r>
-            <a:r>
-              <a:rPr lang="en-US" altLang="pt-BR" sz="1800" dirty="0">
-                <a:cs typeface="Arial" pitchFamily="34" charset="0"/>
-              </a:rPr>
-              <a:t> nova </a:t>
-            </a:r>
-            <a:r>
-              <a:rPr lang="en-US" altLang="pt-BR" sz="1800" dirty="0" err="1">
-                <a:cs typeface="Arial" pitchFamily="34" charset="0"/>
-              </a:rPr>
-              <a:t>atividade</a:t>
-            </a:r>
-            <a:r>
-              <a:rPr lang="en-US" altLang="pt-BR" sz="1800" dirty="0">
-                <a:cs typeface="Arial" pitchFamily="34" charset="0"/>
-              </a:rPr>
-              <a:t> para </a:t>
-            </a:r>
-            <a:r>
-              <a:rPr lang="en-US" altLang="pt-BR" sz="1800" dirty="0" err="1">
-                <a:cs typeface="Arial" pitchFamily="34" charset="0"/>
-              </a:rPr>
-              <a:t>avaliar</a:t>
-            </a:r>
-            <a:r>
-              <a:rPr lang="en-US" altLang="pt-BR" sz="1800" dirty="0">
-                <a:cs typeface="Arial" pitchFamily="34" charset="0"/>
-              </a:rPr>
-              <a:t> </a:t>
-            </a:r>
-            <a:r>
-              <a:rPr lang="en-US" altLang="pt-BR" sz="1800" dirty="0" err="1">
-                <a:cs typeface="Arial" pitchFamily="34" charset="0"/>
-              </a:rPr>
-              <a:t>comandos</a:t>
-            </a:r>
-            <a:r>
-              <a:rPr lang="en-US" altLang="pt-BR" sz="1800" dirty="0">
-                <a:cs typeface="Arial" pitchFamily="34" charset="0"/>
-              </a:rPr>
-              <a:t> de </a:t>
-            </a:r>
-            <a:r>
-              <a:rPr lang="en-US" altLang="pt-BR" sz="1800" dirty="0" err="1">
-                <a:cs typeface="Arial" pitchFamily="34" charset="0"/>
-              </a:rPr>
-              <a:t>maneira</a:t>
-            </a:r>
-            <a:r>
-              <a:rPr lang="en-US" altLang="pt-BR" sz="1800" dirty="0">
-                <a:cs typeface="Arial" pitchFamily="34" charset="0"/>
-              </a:rPr>
-              <a:t> </a:t>
-            </a:r>
-            <a:r>
-              <a:rPr lang="en-US" altLang="pt-BR" sz="1800" dirty="0" err="1">
-                <a:cs typeface="Arial" pitchFamily="34" charset="0"/>
-              </a:rPr>
-              <a:t>assíncrona</a:t>
-            </a:r>
-            <a:r>
-              <a:rPr lang="en-US" altLang="pt-BR" sz="1800" dirty="0">
-                <a:cs typeface="Arial" pitchFamily="34" charset="0"/>
-              </a:rPr>
-              <a:t>.</a:t>
-            </a:r>
-          </a:p>
-          <a:p>
-            <a:endParaRPr lang="pt-BR" dirty="0"/>
+              <a:rPr lang="pt-BR" sz="1800" b="1" dirty="0"/>
+              <a:t>async S</a:t>
+            </a:r>
+          </a:p>
+          <a:p>
+            <a:endParaRPr lang="pt-BR" sz="1800" b="1" dirty="0"/>
+          </a:p>
+          <a:p>
+            <a:r>
+              <a:rPr lang="pt-BR" sz="1800" b="1" dirty="0"/>
+              <a:t>atomic S</a:t>
+            </a:r>
+          </a:p>
+          <a:p>
+            <a:r>
+              <a:rPr lang="pt-BR" sz="1800" b="1" dirty="0"/>
+              <a:t>when (c) S</a:t>
+            </a:r>
+          </a:p>
+          <a:p>
+            <a:endParaRPr lang="pt-BR" sz="1800" b="1" dirty="0"/>
+          </a:p>
+          <a:p>
+            <a:r>
+              <a:rPr lang="pt-BR" sz="1800" b="1" dirty="0"/>
+              <a:t>at (P) S</a:t>
+            </a:r>
+          </a:p>
+          <a:p>
+            <a:endParaRPr lang="pt-BR" sz="1800" b="1" dirty="0"/>
+          </a:p>
+          <a:p>
+            <a:r>
+              <a:rPr lang="pt-BR" sz="1800" b="1" dirty="0"/>
+              <a:t>finish S</a:t>
+            </a:r>
+          </a:p>
+          <a:p>
+            <a:r>
+              <a:rPr lang="pt-BR" sz="1800" b="1" dirty="0"/>
+              <a:t>clocked, next</a:t>
+            </a:r>
+          </a:p>
+          <a:p>
+            <a:endParaRPr lang="pt-BR" sz="1800" b="1" dirty="0"/>
+          </a:p>
+          <a:p>
+            <a:r>
+              <a:rPr lang="pt-BR" sz="1800" b="1" dirty="0"/>
+              <a:t>points, regions, distributions, arrays</a:t>
+            </a:r>
           </a:p>
         </p:txBody>
       </p:sp>
-      <p:pic>
-        <p:nvPicPr>
-          <p:cNvPr id="4" name="Picture 3"/>
-          <p:cNvPicPr>
-            <a:picLocks noChangeAspect="1"/>
-          </p:cNvPicPr>
-          <p:nvPr/>
-        </p:nvPicPr>
-        <p:blipFill>
-          <a:blip r:embed="rId2"/>
-          <a:stretch>
-            <a:fillRect/>
-          </a:stretch>
-        </p:blipFill>
-        <p:spPr>
-          <a:xfrm>
-            <a:off x="8610600" y="1417638"/>
-            <a:ext cx="2971800" cy="3143250"/>
-          </a:xfrm>
-          <a:prstGeom prst="rect">
-            <a:avLst/>
-          </a:prstGeom>
-        </p:spPr>
-      </p:pic>
     </p:spTree>
     <p:extLst>
       <p:ext uri="{BB962C8B-B14F-4D97-AF65-F5344CB8AC3E}">
-        <p14:creationId xmlns:p14="http://schemas.microsoft.com/office/powerpoint/2010/main" val="404802352"/>
+        <p14:creationId xmlns:p14="http://schemas.microsoft.com/office/powerpoint/2010/main" val="2337113772"/>
       </p:ext>
     </p:extLst>
   </p:cSld>
@@ -3875,10 +3742,307 @@
           <a:p>
             <a:pPr algn="l"/>
             <a:r>
-              <a:rPr lang="pt-BR" sz="2400" i="1"/>
+              <a:rPr lang="pt-BR" sz="2400" dirty="0"/>
+              <a:t>Características principais da </a:t>
+            </a:r>
+            <a:r>
+              <a:rPr lang="pt-BR" sz="2400" dirty="0" smtClean="0"/>
+              <a:t>linguagem</a:t>
+            </a:r>
+            <a:br>
+              <a:rPr lang="pt-BR" sz="2400" dirty="0" smtClean="0"/>
+            </a:br>
+            <a:r>
+              <a:rPr lang="pt-BR" sz="1800" i="1" dirty="0" smtClean="0"/>
               <a:t>async</a:t>
             </a:r>
-            <a:endParaRPr lang="en-US" sz="2400" dirty="0"/>
+            <a:endParaRPr lang="pt-BR" sz="1800" i="1" dirty="0"/>
+          </a:p>
+        </p:txBody>
+      </p:sp>
+      <p:sp>
+        <p:nvSpPr>
+          <p:cNvPr id="3" name="Content Placeholder 2"/>
+          <p:cNvSpPr>
+            <a:spLocks noGrp="1"/>
+          </p:cNvSpPr>
+          <p:nvPr>
+            <p:ph idx="1"/>
+          </p:nvPr>
+        </p:nvSpPr>
+        <p:spPr/>
+        <p:txBody>
+          <a:bodyPr/>
+          <a:lstStyle/>
+          <a:p>
+            <a:r>
+              <a:rPr lang="en-US" altLang="pt-BR" sz="1800" b="1" dirty="0" err="1">
+                <a:cs typeface="Arial" pitchFamily="34" charset="0"/>
+              </a:rPr>
+              <a:t>Stmt</a:t>
+            </a:r>
+            <a:r>
+              <a:rPr lang="en-US" altLang="pt-BR" sz="1800" b="1" dirty="0">
+                <a:cs typeface="Arial" pitchFamily="34" charset="0"/>
+              </a:rPr>
+              <a:t> ::=  </a:t>
+            </a:r>
+            <a:r>
+              <a:rPr lang="en-US" altLang="pt-BR" sz="1800" b="1" dirty="0" err="1">
+                <a:solidFill>
+                  <a:srgbClr val="C00000"/>
+                </a:solidFill>
+                <a:cs typeface="Arial" pitchFamily="34" charset="0"/>
+              </a:rPr>
+              <a:t>async</a:t>
+            </a:r>
+            <a:r>
+              <a:rPr lang="en-US" altLang="pt-BR" sz="1800" b="1" dirty="0">
+                <a:solidFill>
+                  <a:srgbClr val="C00000"/>
+                </a:solidFill>
+                <a:cs typeface="Arial" pitchFamily="34" charset="0"/>
+              </a:rPr>
+              <a:t> </a:t>
+            </a:r>
+            <a:r>
+              <a:rPr lang="en-US" altLang="pt-BR" sz="1800" b="1" dirty="0">
+                <a:cs typeface="Arial" pitchFamily="34" charset="0"/>
+              </a:rPr>
+              <a:t>(</a:t>
+            </a:r>
+            <a:r>
+              <a:rPr lang="en-US" altLang="pt-BR" sz="1800" b="1" dirty="0" err="1">
+                <a:cs typeface="Arial" pitchFamily="34" charset="0"/>
+              </a:rPr>
+              <a:t>p,l</a:t>
+            </a:r>
+            <a:r>
+              <a:rPr lang="en-US" altLang="pt-BR" sz="1800" b="1" dirty="0">
+                <a:cs typeface="Arial" pitchFamily="34" charset="0"/>
+              </a:rPr>
+              <a:t>)  </a:t>
+            </a:r>
+            <a:r>
+              <a:rPr lang="en-US" altLang="pt-BR" sz="1800" b="1" dirty="0" err="1">
+                <a:cs typeface="Arial" pitchFamily="34" charset="0"/>
+              </a:rPr>
+              <a:t>Stmt</a:t>
+            </a:r>
+            <a:endParaRPr lang="en-US" altLang="pt-BR" sz="1800" b="1" dirty="0">
+              <a:cs typeface="Arial" pitchFamily="34" charset="0"/>
+            </a:endParaRPr>
+          </a:p>
+          <a:p>
+            <a:endParaRPr lang="en-US" altLang="pt-BR" sz="1800" dirty="0">
+              <a:cs typeface="Arial" pitchFamily="34" charset="0"/>
+            </a:endParaRPr>
+          </a:p>
+          <a:p>
+            <a:r>
+              <a:rPr lang="en-US" altLang="pt-BR" sz="1800" dirty="0" err="1">
+                <a:cs typeface="Arial" pitchFamily="34" charset="0"/>
+              </a:rPr>
+              <a:t>async</a:t>
+            </a:r>
+            <a:r>
+              <a:rPr lang="en-US" altLang="pt-BR" sz="1800" dirty="0">
+                <a:cs typeface="Arial" pitchFamily="34" charset="0"/>
+              </a:rPr>
+              <a:t> { … }</a:t>
+            </a:r>
+          </a:p>
+          <a:p>
+            <a:endParaRPr lang="en-US" altLang="pt-BR" sz="1800" dirty="0">
+              <a:cs typeface="Arial" pitchFamily="34" charset="0"/>
+            </a:endParaRPr>
+          </a:p>
+          <a:p>
+            <a:r>
+              <a:rPr lang="en-US" altLang="pt-BR" sz="1800" dirty="0" err="1">
+                <a:cs typeface="Arial" pitchFamily="34" charset="0"/>
+              </a:rPr>
+              <a:t>Cria</a:t>
+            </a:r>
+            <a:r>
+              <a:rPr lang="en-US" altLang="pt-BR" sz="1800" dirty="0">
+                <a:cs typeface="Arial" pitchFamily="34" charset="0"/>
+              </a:rPr>
+              <a:t> </a:t>
+            </a:r>
+            <a:r>
+              <a:rPr lang="en-US" altLang="pt-BR" sz="1800" dirty="0" err="1">
+                <a:cs typeface="Arial" pitchFamily="34" charset="0"/>
+              </a:rPr>
+              <a:t>uma</a:t>
+            </a:r>
+            <a:r>
+              <a:rPr lang="en-US" altLang="pt-BR" sz="1800" dirty="0">
+                <a:cs typeface="Arial" pitchFamily="34" charset="0"/>
+              </a:rPr>
+              <a:t> nova </a:t>
+            </a:r>
+            <a:r>
+              <a:rPr lang="en-US" altLang="pt-BR" sz="1800" dirty="0" err="1">
+                <a:cs typeface="Arial" pitchFamily="34" charset="0"/>
+              </a:rPr>
+              <a:t>atividade</a:t>
+            </a:r>
+            <a:r>
+              <a:rPr lang="en-US" altLang="pt-BR" sz="1800" dirty="0">
+                <a:cs typeface="Arial" pitchFamily="34" charset="0"/>
+              </a:rPr>
+              <a:t> para </a:t>
+            </a:r>
+            <a:r>
+              <a:rPr lang="en-US" altLang="pt-BR" sz="1800" dirty="0" err="1">
+                <a:cs typeface="Arial" pitchFamily="34" charset="0"/>
+              </a:rPr>
+              <a:t>avaliar</a:t>
+            </a:r>
+            <a:r>
+              <a:rPr lang="en-US" altLang="pt-BR" sz="1800" dirty="0">
+                <a:cs typeface="Arial" pitchFamily="34" charset="0"/>
+              </a:rPr>
+              <a:t> </a:t>
+            </a:r>
+            <a:r>
+              <a:rPr lang="en-US" altLang="pt-BR" sz="1800" dirty="0" err="1">
+                <a:cs typeface="Arial" pitchFamily="34" charset="0"/>
+              </a:rPr>
+              <a:t>comandos</a:t>
+            </a:r>
+            <a:r>
+              <a:rPr lang="en-US" altLang="pt-BR" sz="1800" dirty="0">
+                <a:cs typeface="Arial" pitchFamily="34" charset="0"/>
+              </a:rPr>
+              <a:t> de </a:t>
+            </a:r>
+            <a:r>
+              <a:rPr lang="en-US" altLang="pt-BR" sz="1800" dirty="0" err="1">
+                <a:cs typeface="Arial" pitchFamily="34" charset="0"/>
+              </a:rPr>
+              <a:t>maneira</a:t>
+            </a:r>
+            <a:r>
+              <a:rPr lang="en-US" altLang="pt-BR" sz="1800" dirty="0">
+                <a:cs typeface="Arial" pitchFamily="34" charset="0"/>
+              </a:rPr>
+              <a:t> </a:t>
+            </a:r>
+            <a:r>
+              <a:rPr lang="en-US" altLang="pt-BR" sz="1800" dirty="0" err="1">
+                <a:cs typeface="Arial" pitchFamily="34" charset="0"/>
+              </a:rPr>
+              <a:t>assíncrona</a:t>
+            </a:r>
+            <a:r>
+              <a:rPr lang="en-US" altLang="pt-BR" sz="1800" dirty="0">
+                <a:cs typeface="Arial" pitchFamily="34" charset="0"/>
+              </a:rPr>
+              <a:t>.</a:t>
+            </a:r>
+          </a:p>
+          <a:p>
+            <a:endParaRPr lang="pt-BR" dirty="0"/>
+          </a:p>
+        </p:txBody>
+      </p:sp>
+      <p:pic>
+        <p:nvPicPr>
+          <p:cNvPr id="4" name="Picture 3"/>
+          <p:cNvPicPr>
+            <a:picLocks noChangeAspect="1"/>
+          </p:cNvPicPr>
+          <p:nvPr/>
+        </p:nvPicPr>
+        <p:blipFill>
+          <a:blip r:embed="rId2"/>
+          <a:stretch>
+            <a:fillRect/>
+          </a:stretch>
+        </p:blipFill>
+        <p:spPr>
+          <a:xfrm>
+            <a:off x="8610600" y="1417638"/>
+            <a:ext cx="2971800" cy="3143250"/>
+          </a:xfrm>
+          <a:prstGeom prst="rect">
+            <a:avLst/>
+          </a:prstGeom>
+        </p:spPr>
+      </p:pic>
+    </p:spTree>
+    <p:extLst>
+      <p:ext uri="{BB962C8B-B14F-4D97-AF65-F5344CB8AC3E}">
+        <p14:creationId xmlns:p14="http://schemas.microsoft.com/office/powerpoint/2010/main" val="404802352"/>
+      </p:ext>
+    </p:extLst>
+  </p:cSld>
+  <p:clrMapOvr>
+    <a:masterClrMapping/>
+  </p:clrMapOvr>
+  <p:timing>
+    <p:tnLst>
+      <p:par>
+        <p:cTn id="1" dur="indefinite" restart="never" nodeType="tmRoot"/>
+      </p:par>
+    </p:tnLst>
+  </p:timing>
+</p:sld>
+</file>
+
+<file path=ppt/slides/slide12.xml><?xml version="1.0" encoding="utf-8"?>
+<p:sld xmlns:a="http://schemas.openxmlformats.org/drawingml/2006/main" xmlns:r="http://schemas.openxmlformats.org/officeDocument/2006/relationships" xmlns:p="http://schemas.openxmlformats.org/presentationml/2006/main">
+  <p:cSld>
+    <p:spTree>
+      <p:nvGrpSpPr>
+        <p:cNvPr id="1" name=""/>
+        <p:cNvGrpSpPr/>
+        <p:nvPr/>
+      </p:nvGrpSpPr>
+      <p:grpSpPr>
+        <a:xfrm>
+          <a:off x="0" y="0"/>
+          <a:ext cx="0" cy="0"/>
+          <a:chOff x="0" y="0"/>
+          <a:chExt cx="0" cy="0"/>
+        </a:xfrm>
+      </p:grpSpPr>
+      <p:sp>
+        <p:nvSpPr>
+          <p:cNvPr id="2" name="Title 1"/>
+          <p:cNvSpPr>
+            <a:spLocks noGrp="1"/>
+          </p:cNvSpPr>
+          <p:nvPr>
+            <p:ph type="title"/>
+          </p:nvPr>
+        </p:nvSpPr>
+        <p:spPr/>
+        <p:txBody>
+          <a:bodyPr>
+            <a:normAutofit/>
+          </a:bodyPr>
+          <a:lstStyle/>
+          <a:p>
+            <a:pPr algn="l"/>
+            <a:r>
+              <a:rPr lang="pt-BR" sz="2400" dirty="0"/>
+              <a:t>Características principais da linguagem</a:t>
+            </a:r>
+            <a:r>
+              <a:rPr lang="pt-BR" sz="2400" i="1" dirty="0" smtClean="0"/>
+              <a:t/>
+            </a:r>
+            <a:br>
+              <a:rPr lang="pt-BR" sz="2400" i="1" dirty="0" smtClean="0"/>
+            </a:br>
+            <a:r>
+              <a:rPr lang="pt-BR" sz="1800" i="1" dirty="0" smtClean="0"/>
+              <a:t>async</a:t>
+            </a:r>
+            <a:endParaRPr lang="en-US" sz="1800" dirty="0"/>
           </a:p>
         </p:txBody>
       </p:sp>
@@ -3969,483 +4133,6 @@
 </p:sld>
 </file>
 
-<file path=ppt/slides/slide12.xml><?xml version="1.0" encoding="utf-8"?>
-<p:sld xmlns:a="http://schemas.openxmlformats.org/drawingml/2006/main" xmlns:r="http://schemas.openxmlformats.org/officeDocument/2006/relationships" xmlns:p="http://schemas.openxmlformats.org/presentationml/2006/main">
-  <p:cSld>
-    <p:spTree>
-      <p:nvGrpSpPr>
-        <p:cNvPr id="1" name=""/>
-        <p:cNvGrpSpPr/>
-        <p:nvPr/>
-      </p:nvGrpSpPr>
-      <p:grpSpPr>
-        <a:xfrm>
-          <a:off x="0" y="0"/>
-          <a:ext cx="0" cy="0"/>
-          <a:chOff x="0" y="0"/>
-          <a:chExt cx="0" cy="0"/>
-        </a:xfrm>
-      </p:grpSpPr>
-      <p:sp>
-        <p:nvSpPr>
-          <p:cNvPr id="2" name="Title 1"/>
-          <p:cNvSpPr>
-            <a:spLocks noGrp="1"/>
-          </p:cNvSpPr>
-          <p:nvPr>
-            <p:ph type="title"/>
-          </p:nvPr>
-        </p:nvSpPr>
-        <p:spPr/>
-        <p:txBody>
-          <a:bodyPr>
-            <a:normAutofit/>
-          </a:bodyPr>
-          <a:lstStyle/>
-          <a:p>
-            <a:pPr algn="l"/>
-            <a:r>
-              <a:rPr lang="pt-BR" sz="2400" i="1" dirty="0"/>
-              <a:t>finish</a:t>
-            </a:r>
-            <a:endParaRPr lang="pt-BR" sz="2400" i="1" dirty="0"/>
-          </a:p>
-        </p:txBody>
-      </p:sp>
-      <p:sp>
-        <p:nvSpPr>
-          <p:cNvPr id="3" name="Content Placeholder 2"/>
-          <p:cNvSpPr>
-            <a:spLocks noGrp="1"/>
-          </p:cNvSpPr>
-          <p:nvPr>
-            <p:ph idx="1"/>
-          </p:nvPr>
-        </p:nvSpPr>
-        <p:spPr/>
-        <p:txBody>
-          <a:bodyPr/>
-          <a:lstStyle/>
-          <a:p>
-            <a:r>
-              <a:rPr lang="en-US" altLang="pt-BR" sz="2000" b="1" i="1" dirty="0" err="1">
-                <a:cs typeface="Arial" pitchFamily="34" charset="0"/>
-              </a:rPr>
-              <a:t>Stmt</a:t>
-            </a:r>
-            <a:r>
-              <a:rPr lang="en-US" altLang="pt-BR" sz="2000" b="1" i="1" dirty="0">
-                <a:cs typeface="Arial" pitchFamily="34" charset="0"/>
-              </a:rPr>
-              <a:t> ::=  </a:t>
-            </a:r>
-            <a:r>
-              <a:rPr lang="en-US" altLang="pt-BR" sz="2000" b="1" dirty="0">
-                <a:solidFill>
-                  <a:srgbClr val="C00000"/>
-                </a:solidFill>
-                <a:cs typeface="Arial" pitchFamily="34" charset="0"/>
-              </a:rPr>
-              <a:t>finish</a:t>
-            </a:r>
-            <a:r>
-              <a:rPr lang="en-US" altLang="pt-BR" sz="2000" b="1" dirty="0">
-                <a:cs typeface="Arial" pitchFamily="34" charset="0"/>
-              </a:rPr>
-              <a:t> </a:t>
-            </a:r>
-            <a:r>
-              <a:rPr lang="en-US" altLang="pt-BR" sz="2000" b="1" i="1" dirty="0">
-                <a:solidFill>
-                  <a:srgbClr val="C00000"/>
-                </a:solidFill>
-                <a:cs typeface="Arial" pitchFamily="34" charset="0"/>
-              </a:rPr>
-              <a:t> </a:t>
-            </a:r>
-            <a:r>
-              <a:rPr lang="en-US" altLang="pt-BR" sz="2000" b="1" i="1" dirty="0" err="1">
-                <a:cs typeface="Arial" pitchFamily="34" charset="0"/>
-              </a:rPr>
-              <a:t>Stmt</a:t>
-            </a:r>
-            <a:endParaRPr lang="en-US" altLang="pt-BR" sz="2000" b="1" i="1" dirty="0">
-              <a:cs typeface="Arial" pitchFamily="34" charset="0"/>
-            </a:endParaRPr>
-          </a:p>
-          <a:p>
-            <a:endParaRPr lang="en-US" altLang="pt-BR" sz="1800" dirty="0">
-              <a:solidFill>
-                <a:srgbClr val="000000"/>
-              </a:solidFill>
-              <a:cs typeface="Arial" pitchFamily="34" charset="0"/>
-            </a:endParaRPr>
-          </a:p>
-          <a:p>
-            <a:r>
-              <a:rPr lang="en-US" altLang="pt-BR" sz="1800" dirty="0">
-                <a:solidFill>
-                  <a:srgbClr val="000000"/>
-                </a:solidFill>
-                <a:cs typeface="Arial" pitchFamily="34" charset="0"/>
-              </a:rPr>
-              <a:t>f</a:t>
-            </a:r>
-            <a:r>
-              <a:rPr lang="en-US" altLang="pt-BR" sz="1800" dirty="0">
-                <a:solidFill>
-                  <a:srgbClr val="000000"/>
-                </a:solidFill>
-                <a:cs typeface="Arial" pitchFamily="34" charset="0"/>
-              </a:rPr>
-              <a:t>inish { … }</a:t>
-            </a:r>
-          </a:p>
-          <a:p>
-            <a:endParaRPr lang="en-US" altLang="pt-BR" sz="1800" dirty="0">
-              <a:solidFill>
-                <a:srgbClr val="000000"/>
-              </a:solidFill>
-              <a:cs typeface="Arial" pitchFamily="34" charset="0"/>
-            </a:endParaRPr>
-          </a:p>
-          <a:p>
-            <a:r>
-              <a:rPr lang="en-US" altLang="pt-BR" sz="1800" dirty="0" err="1">
-                <a:solidFill>
-                  <a:srgbClr val="000000"/>
-                </a:solidFill>
-                <a:cs typeface="Arial" pitchFamily="34" charset="0"/>
-              </a:rPr>
-              <a:t>Avalia</a:t>
-            </a:r>
-            <a:r>
-              <a:rPr lang="en-US" altLang="pt-BR" sz="1800" dirty="0">
-                <a:solidFill>
-                  <a:srgbClr val="000000"/>
-                </a:solidFill>
-                <a:cs typeface="Arial" pitchFamily="34" charset="0"/>
-              </a:rPr>
-              <a:t> </a:t>
-            </a:r>
-            <a:r>
-              <a:rPr lang="en-US" altLang="pt-BR" sz="1800" dirty="0" err="1">
-                <a:solidFill>
-                  <a:srgbClr val="000000"/>
-                </a:solidFill>
-                <a:cs typeface="Arial" pitchFamily="34" charset="0"/>
-              </a:rPr>
-              <a:t>uma</a:t>
-            </a:r>
-            <a:r>
-              <a:rPr lang="en-US" altLang="pt-BR" sz="1800" dirty="0">
-                <a:solidFill>
-                  <a:srgbClr val="000000"/>
-                </a:solidFill>
-                <a:cs typeface="Arial" pitchFamily="34" charset="0"/>
-              </a:rPr>
-              <a:t> </a:t>
-            </a:r>
-            <a:r>
-              <a:rPr lang="en-US" altLang="pt-BR" sz="1800" dirty="0" err="1">
-                <a:solidFill>
-                  <a:srgbClr val="000000"/>
-                </a:solidFill>
-                <a:cs typeface="Arial" pitchFamily="34" charset="0"/>
-              </a:rPr>
-              <a:t>expressão</a:t>
-            </a:r>
-            <a:r>
-              <a:rPr lang="en-US" altLang="pt-BR" sz="1800" dirty="0">
-                <a:solidFill>
-                  <a:srgbClr val="000000"/>
-                </a:solidFill>
-                <a:cs typeface="Arial" pitchFamily="34" charset="0"/>
-              </a:rPr>
-              <a:t>, </a:t>
-            </a:r>
-            <a:r>
-              <a:rPr lang="en-US" altLang="pt-BR" sz="1800" dirty="0" err="1">
-                <a:solidFill>
-                  <a:srgbClr val="000000"/>
-                </a:solidFill>
-                <a:cs typeface="Arial" pitchFamily="34" charset="0"/>
-              </a:rPr>
-              <a:t>esperando</a:t>
-            </a:r>
-            <a:r>
-              <a:rPr lang="en-US" altLang="pt-BR" sz="1800" dirty="0">
-                <a:solidFill>
-                  <a:srgbClr val="000000"/>
-                </a:solidFill>
-                <a:cs typeface="Arial" pitchFamily="34" charset="0"/>
-              </a:rPr>
-              <a:t> </a:t>
-            </a:r>
-            <a:r>
-              <a:rPr lang="en-US" altLang="pt-BR" sz="1800" dirty="0" err="1">
-                <a:solidFill>
-                  <a:srgbClr val="000000"/>
-                </a:solidFill>
-                <a:cs typeface="Arial" pitchFamily="34" charset="0"/>
-              </a:rPr>
-              <a:t>todas</a:t>
-            </a:r>
-            <a:r>
-              <a:rPr lang="en-US" altLang="pt-BR" sz="1800" dirty="0">
-                <a:solidFill>
-                  <a:srgbClr val="000000"/>
-                </a:solidFill>
-                <a:cs typeface="Arial" pitchFamily="34" charset="0"/>
-              </a:rPr>
-              <a:t> as </a:t>
-            </a:r>
-            <a:r>
-              <a:rPr lang="en-US" altLang="pt-BR" sz="1800" dirty="0" err="1">
-                <a:solidFill>
-                  <a:srgbClr val="000000"/>
-                </a:solidFill>
-                <a:cs typeface="Arial" pitchFamily="34" charset="0"/>
-              </a:rPr>
-              <a:t>atividades</a:t>
-            </a:r>
-            <a:r>
-              <a:rPr lang="en-US" altLang="pt-BR" sz="1800" dirty="0">
-                <a:solidFill>
-                  <a:srgbClr val="000000"/>
-                </a:solidFill>
-                <a:cs typeface="Arial" pitchFamily="34" charset="0"/>
-              </a:rPr>
-              <a:t> </a:t>
-            </a:r>
-            <a:r>
-              <a:rPr lang="en-US" altLang="pt-BR" sz="1800" dirty="0" err="1">
-                <a:solidFill>
-                  <a:srgbClr val="000000"/>
-                </a:solidFill>
-                <a:cs typeface="Arial" pitchFamily="34" charset="0"/>
-              </a:rPr>
-              <a:t>criadas</a:t>
-            </a:r>
-            <a:r>
-              <a:rPr lang="en-US" altLang="pt-BR" sz="1800" dirty="0">
-                <a:solidFill>
-                  <a:srgbClr val="000000"/>
-                </a:solidFill>
-                <a:cs typeface="Arial" pitchFamily="34" charset="0"/>
-              </a:rPr>
-              <a:t> </a:t>
-            </a:r>
-            <a:r>
-              <a:rPr lang="en-US" altLang="pt-BR" sz="1800" dirty="0" err="1">
-                <a:solidFill>
-                  <a:srgbClr val="000000"/>
-                </a:solidFill>
-                <a:cs typeface="Arial" pitchFamily="34" charset="0"/>
-              </a:rPr>
-              <a:t>por</a:t>
-            </a:r>
-            <a:r>
-              <a:rPr lang="en-US" altLang="pt-BR" sz="1800" dirty="0">
-                <a:solidFill>
-                  <a:srgbClr val="000000"/>
-                </a:solidFill>
-                <a:cs typeface="Arial" pitchFamily="34" charset="0"/>
-              </a:rPr>
-              <a:t> </a:t>
-            </a:r>
-            <a:r>
-              <a:rPr lang="en-US" altLang="pt-BR" sz="1800" dirty="0" err="1">
-                <a:solidFill>
-                  <a:srgbClr val="000000"/>
-                </a:solidFill>
-                <a:cs typeface="Arial" pitchFamily="34" charset="0"/>
-              </a:rPr>
-              <a:t>chamadas</a:t>
-            </a:r>
-            <a:r>
-              <a:rPr lang="en-US" altLang="pt-BR" sz="1800" dirty="0">
-                <a:solidFill>
-                  <a:srgbClr val="000000"/>
-                </a:solidFill>
-                <a:cs typeface="Arial" pitchFamily="34" charset="0"/>
-              </a:rPr>
-              <a:t> </a:t>
-            </a:r>
-            <a:r>
-              <a:rPr lang="en-US" altLang="pt-BR" sz="1800" dirty="0" err="1">
-                <a:solidFill>
-                  <a:srgbClr val="000000"/>
-                </a:solidFill>
-                <a:cs typeface="Arial" pitchFamily="34" charset="0"/>
-              </a:rPr>
-              <a:t>async</a:t>
-            </a:r>
-            <a:r>
-              <a:rPr lang="en-US" altLang="pt-BR" sz="1800" dirty="0">
-                <a:solidFill>
-                  <a:srgbClr val="000000"/>
-                </a:solidFill>
-                <a:cs typeface="Arial" pitchFamily="34" charset="0"/>
-              </a:rPr>
-              <a:t> </a:t>
-            </a:r>
-            <a:r>
-              <a:rPr lang="en-US" altLang="pt-BR" sz="1800" dirty="0" err="1">
-                <a:solidFill>
-                  <a:srgbClr val="000000"/>
-                </a:solidFill>
-                <a:cs typeface="Arial" pitchFamily="34" charset="0"/>
-              </a:rPr>
-              <a:t>terminarem</a:t>
-            </a:r>
-            <a:r>
-              <a:rPr lang="en-US" altLang="pt-BR" sz="1800" dirty="0">
-                <a:solidFill>
-                  <a:srgbClr val="000000"/>
-                </a:solidFill>
-                <a:cs typeface="Arial" pitchFamily="34" charset="0"/>
-              </a:rPr>
-              <a:t>.</a:t>
-            </a:r>
-          </a:p>
-          <a:p>
-            <a:endParaRPr lang="en-US" altLang="pt-BR" sz="1800" dirty="0">
-              <a:solidFill>
-                <a:srgbClr val="000000"/>
-              </a:solidFill>
-              <a:cs typeface="Arial" pitchFamily="34" charset="0"/>
-            </a:endParaRPr>
-          </a:p>
-          <a:p>
-            <a:r>
-              <a:rPr lang="en-US" altLang="pt-BR" sz="1800" dirty="0" err="1">
-                <a:solidFill>
-                  <a:srgbClr val="000000"/>
-                </a:solidFill>
-                <a:cs typeface="Arial" pitchFamily="34" charset="0"/>
-              </a:rPr>
-              <a:t>Pode</a:t>
-            </a:r>
-            <a:r>
-              <a:rPr lang="en-US" altLang="pt-BR" sz="1800" dirty="0">
-                <a:solidFill>
-                  <a:srgbClr val="000000"/>
-                </a:solidFill>
-                <a:cs typeface="Arial" pitchFamily="34" charset="0"/>
-              </a:rPr>
-              <a:t> </a:t>
-            </a:r>
-            <a:r>
-              <a:rPr lang="en-US" altLang="pt-BR" sz="1800" dirty="0" err="1">
-                <a:solidFill>
-                  <a:srgbClr val="000000"/>
-                </a:solidFill>
-                <a:cs typeface="Arial" pitchFamily="34" charset="0"/>
-              </a:rPr>
-              <a:t>ser</a:t>
-            </a:r>
-            <a:r>
-              <a:rPr lang="en-US" altLang="pt-BR" sz="1800" dirty="0">
-                <a:solidFill>
-                  <a:srgbClr val="000000"/>
-                </a:solidFill>
-                <a:cs typeface="Arial" pitchFamily="34" charset="0"/>
-              </a:rPr>
-              <a:t> </a:t>
-            </a:r>
-            <a:r>
-              <a:rPr lang="en-US" altLang="pt-BR" sz="1800" dirty="0" err="1">
-                <a:solidFill>
-                  <a:srgbClr val="000000"/>
-                </a:solidFill>
-                <a:cs typeface="Arial" pitchFamily="34" charset="0"/>
-              </a:rPr>
-              <a:t>considerado</a:t>
-            </a:r>
-            <a:r>
-              <a:rPr lang="en-US" altLang="pt-BR" sz="1800" dirty="0">
-                <a:solidFill>
-                  <a:srgbClr val="000000"/>
-                </a:solidFill>
-                <a:cs typeface="Arial" pitchFamily="34" charset="0"/>
-              </a:rPr>
-              <a:t> um </a:t>
-            </a:r>
-            <a:r>
-              <a:rPr lang="en-US" altLang="pt-BR" sz="1800" dirty="0" err="1">
-                <a:solidFill>
-                  <a:srgbClr val="000000"/>
-                </a:solidFill>
-                <a:cs typeface="Arial" pitchFamily="34" charset="0"/>
-              </a:rPr>
-              <a:t>mecanismo</a:t>
-            </a:r>
-            <a:r>
-              <a:rPr lang="en-US" altLang="pt-BR" sz="1800" dirty="0">
-                <a:solidFill>
-                  <a:srgbClr val="000000"/>
-                </a:solidFill>
-                <a:cs typeface="Arial" pitchFamily="34" charset="0"/>
-              </a:rPr>
-              <a:t> de </a:t>
-            </a:r>
-            <a:r>
-              <a:rPr lang="en-US" altLang="pt-BR" sz="1800" dirty="0" err="1">
-                <a:solidFill>
-                  <a:srgbClr val="000000"/>
-                </a:solidFill>
-                <a:cs typeface="Arial" pitchFamily="34" charset="0"/>
-              </a:rPr>
-              <a:t>barreira</a:t>
-            </a:r>
-            <a:r>
-              <a:rPr lang="en-US" altLang="pt-BR" sz="1800" dirty="0">
-                <a:solidFill>
-                  <a:srgbClr val="000000"/>
-                </a:solidFill>
-                <a:cs typeface="Arial" pitchFamily="34" charset="0"/>
-              </a:rPr>
-              <a:t>.</a:t>
-            </a:r>
-          </a:p>
-          <a:p>
-            <a:endParaRPr lang="pt-BR" sz="1800" dirty="0"/>
-          </a:p>
-          <a:p>
-            <a:r>
-              <a:rPr lang="pt-BR" sz="1800" dirty="0"/>
-              <a:t>Útil para expressar operações “síncronas”.</a:t>
-            </a:r>
-          </a:p>
-          <a:p>
-            <a:endParaRPr lang="pt-BR" sz="1800" dirty="0"/>
-          </a:p>
-          <a:p>
-            <a:endParaRPr lang="pt-BR" sz="2000" dirty="0"/>
-          </a:p>
-        </p:txBody>
-      </p:sp>
-    </p:spTree>
-    <p:extLst>
-      <p:ext uri="{BB962C8B-B14F-4D97-AF65-F5344CB8AC3E}">
-        <p14:creationId xmlns:p14="http://schemas.microsoft.com/office/powerpoint/2010/main" val="3994443213"/>
-      </p:ext>
-    </p:extLst>
-  </p:cSld>
-  <p:clrMapOvr>
-    <a:masterClrMapping/>
-  </p:clrMapOvr>
-  <p:timing>
-    <p:tnLst>
-      <p:par>
-        <p:cTn id="1" dur="indefinite" restart="never" nodeType="tmRoot"/>
-      </p:par>
-    </p:tnLst>
-  </p:timing>
-</p:sld>
-</file>
-
 <file path=ppt/slides/slide13.xml><?xml version="1.0" encoding="utf-8"?>
 <p:sld xmlns:a="http://schemas.openxmlformats.org/drawingml/2006/main" xmlns:r="http://schemas.openxmlformats.org/officeDocument/2006/relationships" xmlns:p="http://schemas.openxmlformats.org/presentationml/2006/main">
   <p:cSld>
@@ -4482,10 +4169,500 @@
           <a:p>
             <a:pPr algn="l"/>
             <a:r>
-              <a:rPr lang="pt-BR" sz="2400" i="1" dirty="0"/>
+              <a:rPr lang="pt-BR" sz="2400" dirty="0"/>
+              <a:t>Características principais da </a:t>
+            </a:r>
+            <a:r>
+              <a:rPr lang="pt-BR" sz="2400" dirty="0" smtClean="0"/>
+              <a:t>linguagem</a:t>
+            </a:r>
+            <a:br>
+              <a:rPr lang="pt-BR" sz="2400" dirty="0" smtClean="0"/>
+            </a:br>
+            <a:r>
+              <a:rPr lang="pt-BR" sz="1800" i="1" dirty="0" smtClean="0"/>
               <a:t>finish</a:t>
             </a:r>
-            <a:endParaRPr lang="pt-BR" sz="2400" i="1" dirty="0"/>
+            <a:endParaRPr lang="pt-BR" sz="1800" i="1" dirty="0"/>
+          </a:p>
+        </p:txBody>
+      </p:sp>
+      <p:sp>
+        <p:nvSpPr>
+          <p:cNvPr id="3" name="Content Placeholder 2"/>
+          <p:cNvSpPr>
+            <a:spLocks noGrp="1"/>
+          </p:cNvSpPr>
+          <p:nvPr>
+            <p:ph idx="1"/>
+          </p:nvPr>
+        </p:nvSpPr>
+        <p:spPr/>
+        <p:txBody>
+          <a:bodyPr/>
+          <a:lstStyle/>
+          <a:p>
+            <a:r>
+              <a:rPr lang="en-US" altLang="pt-BR" sz="2000" b="1" i="1" dirty="0" err="1">
+                <a:cs typeface="Arial" pitchFamily="34" charset="0"/>
+              </a:rPr>
+              <a:t>Stmt</a:t>
+            </a:r>
+            <a:r>
+              <a:rPr lang="en-US" altLang="pt-BR" sz="2000" b="1" i="1" dirty="0">
+                <a:cs typeface="Arial" pitchFamily="34" charset="0"/>
+              </a:rPr>
+              <a:t> ::=  </a:t>
+            </a:r>
+            <a:r>
+              <a:rPr lang="en-US" altLang="pt-BR" sz="2000" b="1" dirty="0">
+                <a:solidFill>
+                  <a:srgbClr val="C00000"/>
+                </a:solidFill>
+                <a:cs typeface="Arial" pitchFamily="34" charset="0"/>
+              </a:rPr>
+              <a:t>finish</a:t>
+            </a:r>
+            <a:r>
+              <a:rPr lang="en-US" altLang="pt-BR" sz="2000" b="1" dirty="0">
+                <a:cs typeface="Arial" pitchFamily="34" charset="0"/>
+              </a:rPr>
+              <a:t> </a:t>
+            </a:r>
+            <a:r>
+              <a:rPr lang="en-US" altLang="pt-BR" sz="2000" b="1" i="1" dirty="0">
+                <a:solidFill>
+                  <a:srgbClr val="C00000"/>
+                </a:solidFill>
+                <a:cs typeface="Arial" pitchFamily="34" charset="0"/>
+              </a:rPr>
+              <a:t> </a:t>
+            </a:r>
+            <a:r>
+              <a:rPr lang="en-US" altLang="pt-BR" sz="2000" b="1" i="1" dirty="0" err="1">
+                <a:cs typeface="Arial" pitchFamily="34" charset="0"/>
+              </a:rPr>
+              <a:t>Stmt</a:t>
+            </a:r>
+            <a:endParaRPr lang="en-US" altLang="pt-BR" sz="2000" b="1" i="1" dirty="0">
+              <a:cs typeface="Arial" pitchFamily="34" charset="0"/>
+            </a:endParaRPr>
+          </a:p>
+          <a:p>
+            <a:endParaRPr lang="en-US" altLang="pt-BR" sz="1800" dirty="0">
+              <a:solidFill>
+                <a:srgbClr val="000000"/>
+              </a:solidFill>
+              <a:cs typeface="Arial" pitchFamily="34" charset="0"/>
+            </a:endParaRPr>
+          </a:p>
+          <a:p>
+            <a:r>
+              <a:rPr lang="en-US" altLang="pt-BR" sz="1800" dirty="0">
+                <a:solidFill>
+                  <a:srgbClr val="000000"/>
+                </a:solidFill>
+                <a:cs typeface="Arial" pitchFamily="34" charset="0"/>
+              </a:rPr>
+              <a:t>finish { … }</a:t>
+            </a:r>
+          </a:p>
+          <a:p>
+            <a:endParaRPr lang="en-US" altLang="pt-BR" sz="1800" dirty="0">
+              <a:solidFill>
+                <a:srgbClr val="000000"/>
+              </a:solidFill>
+              <a:cs typeface="Arial" pitchFamily="34" charset="0"/>
+            </a:endParaRPr>
+          </a:p>
+          <a:p>
+            <a:r>
+              <a:rPr lang="en-US" altLang="pt-BR" sz="1800" dirty="0" err="1">
+                <a:solidFill>
+                  <a:srgbClr val="000000"/>
+                </a:solidFill>
+                <a:cs typeface="Arial" pitchFamily="34" charset="0"/>
+              </a:rPr>
+              <a:t>Avalia</a:t>
+            </a:r>
+            <a:r>
+              <a:rPr lang="en-US" altLang="pt-BR" sz="1800" dirty="0">
+                <a:solidFill>
+                  <a:srgbClr val="000000"/>
+                </a:solidFill>
+                <a:cs typeface="Arial" pitchFamily="34" charset="0"/>
+              </a:rPr>
+              <a:t> </a:t>
+            </a:r>
+            <a:r>
+              <a:rPr lang="en-US" altLang="pt-BR" sz="1800" dirty="0" err="1">
+                <a:solidFill>
+                  <a:srgbClr val="000000"/>
+                </a:solidFill>
+                <a:cs typeface="Arial" pitchFamily="34" charset="0"/>
+              </a:rPr>
+              <a:t>uma</a:t>
+            </a:r>
+            <a:r>
+              <a:rPr lang="en-US" altLang="pt-BR" sz="1800" dirty="0">
+                <a:solidFill>
+                  <a:srgbClr val="000000"/>
+                </a:solidFill>
+                <a:cs typeface="Arial" pitchFamily="34" charset="0"/>
+              </a:rPr>
+              <a:t> </a:t>
+            </a:r>
+            <a:r>
+              <a:rPr lang="en-US" altLang="pt-BR" sz="1800" dirty="0" err="1">
+                <a:solidFill>
+                  <a:srgbClr val="000000"/>
+                </a:solidFill>
+                <a:cs typeface="Arial" pitchFamily="34" charset="0"/>
+              </a:rPr>
+              <a:t>expressão</a:t>
+            </a:r>
+            <a:r>
+              <a:rPr lang="en-US" altLang="pt-BR" sz="1800" dirty="0">
+                <a:solidFill>
+                  <a:srgbClr val="000000"/>
+                </a:solidFill>
+                <a:cs typeface="Arial" pitchFamily="34" charset="0"/>
+              </a:rPr>
+              <a:t>, </a:t>
+            </a:r>
+            <a:r>
+              <a:rPr lang="en-US" altLang="pt-BR" sz="1800" dirty="0" err="1">
+                <a:solidFill>
+                  <a:srgbClr val="000000"/>
+                </a:solidFill>
+                <a:cs typeface="Arial" pitchFamily="34" charset="0"/>
+              </a:rPr>
+              <a:t>esperando</a:t>
+            </a:r>
+            <a:r>
+              <a:rPr lang="en-US" altLang="pt-BR" sz="1800" dirty="0">
+                <a:solidFill>
+                  <a:srgbClr val="000000"/>
+                </a:solidFill>
+                <a:cs typeface="Arial" pitchFamily="34" charset="0"/>
+              </a:rPr>
+              <a:t> </a:t>
+            </a:r>
+            <a:r>
+              <a:rPr lang="en-US" altLang="pt-BR" sz="1800" dirty="0" err="1">
+                <a:solidFill>
+                  <a:srgbClr val="000000"/>
+                </a:solidFill>
+                <a:cs typeface="Arial" pitchFamily="34" charset="0"/>
+              </a:rPr>
+              <a:t>todas</a:t>
+            </a:r>
+            <a:r>
+              <a:rPr lang="en-US" altLang="pt-BR" sz="1800" dirty="0">
+                <a:solidFill>
+                  <a:srgbClr val="000000"/>
+                </a:solidFill>
+                <a:cs typeface="Arial" pitchFamily="34" charset="0"/>
+              </a:rPr>
+              <a:t> as </a:t>
+            </a:r>
+            <a:r>
+              <a:rPr lang="en-US" altLang="pt-BR" sz="1800" dirty="0" err="1">
+                <a:solidFill>
+                  <a:srgbClr val="000000"/>
+                </a:solidFill>
+                <a:cs typeface="Arial" pitchFamily="34" charset="0"/>
+              </a:rPr>
+              <a:t>atividades</a:t>
+            </a:r>
+            <a:r>
+              <a:rPr lang="en-US" altLang="pt-BR" sz="1800" dirty="0">
+                <a:solidFill>
+                  <a:srgbClr val="000000"/>
+                </a:solidFill>
+                <a:cs typeface="Arial" pitchFamily="34" charset="0"/>
+              </a:rPr>
+              <a:t> </a:t>
+            </a:r>
+            <a:r>
+              <a:rPr lang="en-US" altLang="pt-BR" sz="1800" dirty="0" err="1">
+                <a:solidFill>
+                  <a:srgbClr val="000000"/>
+                </a:solidFill>
+                <a:cs typeface="Arial" pitchFamily="34" charset="0"/>
+              </a:rPr>
+              <a:t>criadas</a:t>
+            </a:r>
+            <a:r>
+              <a:rPr lang="en-US" altLang="pt-BR" sz="1800" dirty="0">
+                <a:solidFill>
+                  <a:srgbClr val="000000"/>
+                </a:solidFill>
+                <a:cs typeface="Arial" pitchFamily="34" charset="0"/>
+              </a:rPr>
+              <a:t> </a:t>
+            </a:r>
+            <a:r>
+              <a:rPr lang="en-US" altLang="pt-BR" sz="1800" dirty="0" err="1">
+                <a:solidFill>
+                  <a:srgbClr val="000000"/>
+                </a:solidFill>
+                <a:cs typeface="Arial" pitchFamily="34" charset="0"/>
+              </a:rPr>
+              <a:t>por</a:t>
+            </a:r>
+            <a:r>
+              <a:rPr lang="en-US" altLang="pt-BR" sz="1800" dirty="0">
+                <a:solidFill>
+                  <a:srgbClr val="000000"/>
+                </a:solidFill>
+                <a:cs typeface="Arial" pitchFamily="34" charset="0"/>
+              </a:rPr>
+              <a:t> </a:t>
+            </a:r>
+            <a:r>
+              <a:rPr lang="en-US" altLang="pt-BR" sz="1800" dirty="0" err="1">
+                <a:solidFill>
+                  <a:srgbClr val="000000"/>
+                </a:solidFill>
+                <a:cs typeface="Arial" pitchFamily="34" charset="0"/>
+              </a:rPr>
+              <a:t>chamadas</a:t>
+            </a:r>
+            <a:r>
+              <a:rPr lang="en-US" altLang="pt-BR" sz="1800" dirty="0">
+                <a:solidFill>
+                  <a:srgbClr val="000000"/>
+                </a:solidFill>
+                <a:cs typeface="Arial" pitchFamily="34" charset="0"/>
+              </a:rPr>
+              <a:t> </a:t>
+            </a:r>
+            <a:r>
+              <a:rPr lang="en-US" altLang="pt-BR" sz="1800" dirty="0" err="1">
+                <a:solidFill>
+                  <a:srgbClr val="000000"/>
+                </a:solidFill>
+                <a:cs typeface="Arial" pitchFamily="34" charset="0"/>
+              </a:rPr>
+              <a:t>async</a:t>
+            </a:r>
+            <a:r>
+              <a:rPr lang="en-US" altLang="pt-BR" sz="1800" dirty="0">
+                <a:solidFill>
+                  <a:srgbClr val="000000"/>
+                </a:solidFill>
+                <a:cs typeface="Arial" pitchFamily="34" charset="0"/>
+              </a:rPr>
+              <a:t> </a:t>
+            </a:r>
+            <a:r>
+              <a:rPr lang="en-US" altLang="pt-BR" sz="1800" dirty="0" err="1">
+                <a:solidFill>
+                  <a:srgbClr val="000000"/>
+                </a:solidFill>
+                <a:cs typeface="Arial" pitchFamily="34" charset="0"/>
+              </a:rPr>
+              <a:t>terminarem</a:t>
+            </a:r>
+            <a:r>
+              <a:rPr lang="en-US" altLang="pt-BR" sz="1800" dirty="0">
+                <a:solidFill>
+                  <a:srgbClr val="000000"/>
+                </a:solidFill>
+                <a:cs typeface="Arial" pitchFamily="34" charset="0"/>
+              </a:rPr>
+              <a:t>.</a:t>
+            </a:r>
+          </a:p>
+          <a:p>
+            <a:endParaRPr lang="en-US" altLang="pt-BR" sz="1800" dirty="0">
+              <a:solidFill>
+                <a:srgbClr val="000000"/>
+              </a:solidFill>
+              <a:cs typeface="Arial" pitchFamily="34" charset="0"/>
+            </a:endParaRPr>
+          </a:p>
+          <a:p>
+            <a:r>
+              <a:rPr lang="en-US" altLang="pt-BR" sz="1800" dirty="0" err="1">
+                <a:solidFill>
+                  <a:srgbClr val="000000"/>
+                </a:solidFill>
+                <a:cs typeface="Arial" pitchFamily="34" charset="0"/>
+              </a:rPr>
+              <a:t>Pode</a:t>
+            </a:r>
+            <a:r>
+              <a:rPr lang="en-US" altLang="pt-BR" sz="1800" dirty="0">
+                <a:solidFill>
+                  <a:srgbClr val="000000"/>
+                </a:solidFill>
+                <a:cs typeface="Arial" pitchFamily="34" charset="0"/>
+              </a:rPr>
+              <a:t> </a:t>
+            </a:r>
+            <a:r>
+              <a:rPr lang="en-US" altLang="pt-BR" sz="1800" dirty="0" err="1">
+                <a:solidFill>
+                  <a:srgbClr val="000000"/>
+                </a:solidFill>
+                <a:cs typeface="Arial" pitchFamily="34" charset="0"/>
+              </a:rPr>
+              <a:t>ser</a:t>
+            </a:r>
+            <a:r>
+              <a:rPr lang="en-US" altLang="pt-BR" sz="1800" dirty="0">
+                <a:solidFill>
+                  <a:srgbClr val="000000"/>
+                </a:solidFill>
+                <a:cs typeface="Arial" pitchFamily="34" charset="0"/>
+              </a:rPr>
+              <a:t> </a:t>
+            </a:r>
+            <a:r>
+              <a:rPr lang="en-US" altLang="pt-BR" sz="1800" dirty="0" err="1">
+                <a:solidFill>
+                  <a:srgbClr val="000000"/>
+                </a:solidFill>
+                <a:cs typeface="Arial" pitchFamily="34" charset="0"/>
+              </a:rPr>
+              <a:t>considerado</a:t>
+            </a:r>
+            <a:r>
+              <a:rPr lang="en-US" altLang="pt-BR" sz="1800" dirty="0">
+                <a:solidFill>
+                  <a:srgbClr val="000000"/>
+                </a:solidFill>
+                <a:cs typeface="Arial" pitchFamily="34" charset="0"/>
+              </a:rPr>
+              <a:t> um </a:t>
+            </a:r>
+            <a:r>
+              <a:rPr lang="en-US" altLang="pt-BR" sz="1800" dirty="0" err="1">
+                <a:solidFill>
+                  <a:srgbClr val="000000"/>
+                </a:solidFill>
+                <a:cs typeface="Arial" pitchFamily="34" charset="0"/>
+              </a:rPr>
+              <a:t>mecanismo</a:t>
+            </a:r>
+            <a:r>
+              <a:rPr lang="en-US" altLang="pt-BR" sz="1800" dirty="0">
+                <a:solidFill>
+                  <a:srgbClr val="000000"/>
+                </a:solidFill>
+                <a:cs typeface="Arial" pitchFamily="34" charset="0"/>
+              </a:rPr>
+              <a:t> de </a:t>
+            </a:r>
+            <a:r>
+              <a:rPr lang="en-US" altLang="pt-BR" sz="1800" dirty="0" err="1">
+                <a:solidFill>
+                  <a:srgbClr val="000000"/>
+                </a:solidFill>
+                <a:cs typeface="Arial" pitchFamily="34" charset="0"/>
+              </a:rPr>
+              <a:t>barreira</a:t>
+            </a:r>
+            <a:r>
+              <a:rPr lang="en-US" altLang="pt-BR" sz="1800" dirty="0">
+                <a:solidFill>
+                  <a:srgbClr val="000000"/>
+                </a:solidFill>
+                <a:cs typeface="Arial" pitchFamily="34" charset="0"/>
+              </a:rPr>
+              <a:t>.</a:t>
+            </a:r>
+          </a:p>
+          <a:p>
+            <a:endParaRPr lang="pt-BR" sz="1800" dirty="0"/>
+          </a:p>
+          <a:p>
+            <a:r>
+              <a:rPr lang="pt-BR" sz="1800" dirty="0"/>
+              <a:t>Útil para expressar operações “síncronas”.</a:t>
+            </a:r>
+          </a:p>
+          <a:p>
+            <a:endParaRPr lang="pt-BR" sz="1800" dirty="0"/>
+          </a:p>
+          <a:p>
+            <a:endParaRPr lang="pt-BR" sz="2000" dirty="0"/>
+          </a:p>
+        </p:txBody>
+      </p:sp>
+    </p:spTree>
+    <p:extLst>
+      <p:ext uri="{BB962C8B-B14F-4D97-AF65-F5344CB8AC3E}">
+        <p14:creationId xmlns:p14="http://schemas.microsoft.com/office/powerpoint/2010/main" val="3994443213"/>
+      </p:ext>
+    </p:extLst>
+  </p:cSld>
+  <p:clrMapOvr>
+    <a:masterClrMapping/>
+  </p:clrMapOvr>
+  <p:timing>
+    <p:tnLst>
+      <p:par>
+        <p:cTn id="1" dur="indefinite" restart="never" nodeType="tmRoot"/>
+      </p:par>
+    </p:tnLst>
+  </p:timing>
+</p:sld>
+</file>
+
+<file path=ppt/slides/slide14.xml><?xml version="1.0" encoding="utf-8"?>
+<p:sld xmlns:a="http://schemas.openxmlformats.org/drawingml/2006/main" xmlns:r="http://schemas.openxmlformats.org/officeDocument/2006/relationships" xmlns:p="http://schemas.openxmlformats.org/presentationml/2006/main">
+  <p:cSld>
+    <p:spTree>
+      <p:nvGrpSpPr>
+        <p:cNvPr id="1" name=""/>
+        <p:cNvGrpSpPr/>
+        <p:nvPr/>
+      </p:nvGrpSpPr>
+      <p:grpSpPr>
+        <a:xfrm>
+          <a:off x="0" y="0"/>
+          <a:ext cx="0" cy="0"/>
+          <a:chOff x="0" y="0"/>
+          <a:chExt cx="0" cy="0"/>
+        </a:xfrm>
+      </p:grpSpPr>
+      <p:sp>
+        <p:nvSpPr>
+          <p:cNvPr id="2" name="Title 1"/>
+          <p:cNvSpPr>
+            <a:spLocks noGrp="1"/>
+          </p:cNvSpPr>
+          <p:nvPr>
+            <p:ph type="title"/>
+          </p:nvPr>
+        </p:nvSpPr>
+        <p:spPr/>
+        <p:txBody>
+          <a:bodyPr>
+            <a:normAutofit/>
+          </a:bodyPr>
+          <a:lstStyle/>
+          <a:p>
+            <a:pPr algn="l"/>
+            <a:r>
+              <a:rPr lang="pt-BR" sz="2400" dirty="0"/>
+              <a:t>Características principais da </a:t>
+            </a:r>
+            <a:r>
+              <a:rPr lang="pt-BR" sz="2400" dirty="0" smtClean="0"/>
+              <a:t>linguagem</a:t>
+            </a:r>
+            <a:br>
+              <a:rPr lang="pt-BR" sz="2400" dirty="0" smtClean="0"/>
+            </a:br>
+            <a:r>
+              <a:rPr lang="pt-BR" sz="1800" i="1" dirty="0" smtClean="0"/>
+              <a:t>finish</a:t>
+            </a:r>
+            <a:endParaRPr lang="pt-BR" sz="1800" i="1" dirty="0"/>
           </a:p>
         </p:txBody>
       </p:sp>
@@ -4576,140 +4753,6 @@
 </p:sld>
 </file>
 
-<file path=ppt/slides/slide14.xml><?xml version="1.0" encoding="utf-8"?>
-<p:sld xmlns:a="http://schemas.openxmlformats.org/drawingml/2006/main" xmlns:r="http://schemas.openxmlformats.org/officeDocument/2006/relationships" xmlns:p="http://schemas.openxmlformats.org/presentationml/2006/main">
-  <p:cSld>
-    <p:spTree>
-      <p:nvGrpSpPr>
-        <p:cNvPr id="1" name=""/>
-        <p:cNvGrpSpPr/>
-        <p:nvPr/>
-      </p:nvGrpSpPr>
-      <p:grpSpPr>
-        <a:xfrm>
-          <a:off x="0" y="0"/>
-          <a:ext cx="0" cy="0"/>
-          <a:chOff x="0" y="0"/>
-          <a:chExt cx="0" cy="0"/>
-        </a:xfrm>
-      </p:grpSpPr>
-      <p:sp>
-        <p:nvSpPr>
-          <p:cNvPr id="2" name="Title 1"/>
-          <p:cNvSpPr>
-            <a:spLocks noGrp="1"/>
-          </p:cNvSpPr>
-          <p:nvPr>
-            <p:ph type="title"/>
-          </p:nvPr>
-        </p:nvSpPr>
-        <p:spPr/>
-        <p:txBody>
-          <a:bodyPr>
-            <a:normAutofit/>
-          </a:bodyPr>
-          <a:lstStyle/>
-          <a:p>
-            <a:pPr algn="l"/>
-            <a:r>
-              <a:rPr lang="pt-BR" sz="2400" i="1" dirty="0"/>
-              <a:t>at</a:t>
-            </a:r>
-            <a:endParaRPr lang="pt-BR" sz="2400" i="1" dirty="0"/>
-          </a:p>
-        </p:txBody>
-      </p:sp>
-      <p:sp>
-        <p:nvSpPr>
-          <p:cNvPr id="3" name="Content Placeholder 2"/>
-          <p:cNvSpPr>
-            <a:spLocks noGrp="1"/>
-          </p:cNvSpPr>
-          <p:nvPr>
-            <p:ph idx="1"/>
-          </p:nvPr>
-        </p:nvSpPr>
-        <p:spPr/>
-        <p:txBody>
-          <a:bodyPr>
-            <a:normAutofit/>
-          </a:bodyPr>
-          <a:lstStyle/>
-          <a:p>
-            <a:r>
-              <a:rPr lang="pt-BR" sz="1800" b="1" dirty="0"/>
-              <a:t>Stmt ::= </a:t>
-            </a:r>
-            <a:r>
-              <a:rPr lang="pt-BR" sz="1800" b="1" dirty="0">
-                <a:solidFill>
-                  <a:srgbClr val="C00000"/>
-                </a:solidFill>
-              </a:rPr>
-              <a:t>at</a:t>
-            </a:r>
-            <a:r>
-              <a:rPr lang="pt-BR" sz="1800" b="1" dirty="0"/>
-              <a:t> (p) Stmt</a:t>
-            </a:r>
-          </a:p>
-          <a:p>
-            <a:endParaRPr lang="pt-BR" sz="1800" dirty="0"/>
-          </a:p>
-          <a:p>
-            <a:r>
-              <a:rPr lang="pt-BR" sz="1800" dirty="0"/>
-              <a:t>at (p) { ... }</a:t>
-            </a:r>
-          </a:p>
-          <a:p>
-            <a:endParaRPr lang="pt-BR" sz="1800" dirty="0"/>
-          </a:p>
-          <a:p>
-            <a:r>
-              <a:rPr lang="pt-BR" sz="1800" dirty="0"/>
-              <a:t>Sendo ‘p’ é relacionado ao </a:t>
-            </a:r>
-            <a:r>
-              <a:rPr lang="pt-BR" sz="1800" i="1" dirty="0"/>
-              <a:t>place </a:t>
-            </a:r>
-            <a:r>
-              <a:rPr lang="pt-BR" sz="1800" dirty="0"/>
-              <a:t>em que o bloco de código será executado.</a:t>
-            </a:r>
-          </a:p>
-          <a:p>
-            <a:endParaRPr lang="pt-BR" sz="1800" dirty="0"/>
-          </a:p>
-          <a:p>
-            <a:r>
-              <a:rPr lang="pt-BR" sz="1800" dirty="0"/>
-              <a:t>Atividade do processo “pai” é bloqueado até que o trecho em { ... } seja completado.</a:t>
-            </a:r>
-          </a:p>
-        </p:txBody>
-      </p:sp>
-    </p:spTree>
-    <p:extLst>
-      <p:ext uri="{BB962C8B-B14F-4D97-AF65-F5344CB8AC3E}">
-        <p14:creationId xmlns:p14="http://schemas.microsoft.com/office/powerpoint/2010/main" val="1383358882"/>
-      </p:ext>
-    </p:extLst>
-  </p:cSld>
-  <p:clrMapOvr>
-    <a:masterClrMapping/>
-  </p:clrMapOvr>
-  <p:timing>
-    <p:tnLst>
-      <p:par>
-        <p:cTn id="1" dur="indefinite" restart="never" nodeType="tmRoot"/>
-      </p:par>
-    </p:tnLst>
-  </p:timing>
-</p:sld>
-</file>
-
 <file path=ppt/slides/slide15.xml><?xml version="1.0" encoding="utf-8"?>
 <p:sld xmlns:a="http://schemas.openxmlformats.org/drawingml/2006/main" xmlns:r="http://schemas.openxmlformats.org/officeDocument/2006/relationships" xmlns:p="http://schemas.openxmlformats.org/presentationml/2006/main">
   <p:cSld>
@@ -4746,10 +4789,166 @@
           <a:p>
             <a:pPr algn="l"/>
             <a:r>
-              <a:rPr lang="pt-BR" sz="2400" i="1" dirty="0"/>
+              <a:rPr lang="pt-BR" sz="2400" dirty="0"/>
+              <a:t>Características principais da </a:t>
+            </a:r>
+            <a:r>
+              <a:rPr lang="pt-BR" sz="2400" dirty="0" smtClean="0"/>
+              <a:t>linguagem</a:t>
+            </a:r>
+            <a:br>
+              <a:rPr lang="pt-BR" sz="2400" dirty="0" smtClean="0"/>
+            </a:br>
+            <a:r>
+              <a:rPr lang="pt-BR" sz="1800" i="1" dirty="0" smtClean="0"/>
               <a:t>at</a:t>
             </a:r>
-            <a:endParaRPr lang="en-US" sz="2400" dirty="0"/>
+            <a:endParaRPr lang="pt-BR" sz="1800" i="1" dirty="0"/>
+          </a:p>
+        </p:txBody>
+      </p:sp>
+      <p:sp>
+        <p:nvSpPr>
+          <p:cNvPr id="3" name="Content Placeholder 2"/>
+          <p:cNvSpPr>
+            <a:spLocks noGrp="1"/>
+          </p:cNvSpPr>
+          <p:nvPr>
+            <p:ph idx="1"/>
+          </p:nvPr>
+        </p:nvSpPr>
+        <p:spPr/>
+        <p:txBody>
+          <a:bodyPr>
+            <a:normAutofit/>
+          </a:bodyPr>
+          <a:lstStyle/>
+          <a:p>
+            <a:r>
+              <a:rPr lang="pt-BR" sz="1800" b="1" dirty="0"/>
+              <a:t>Stmt ::= </a:t>
+            </a:r>
+            <a:r>
+              <a:rPr lang="pt-BR" sz="1800" b="1" dirty="0">
+                <a:solidFill>
+                  <a:srgbClr val="C00000"/>
+                </a:solidFill>
+              </a:rPr>
+              <a:t>at</a:t>
+            </a:r>
+            <a:r>
+              <a:rPr lang="pt-BR" sz="1800" b="1" dirty="0"/>
+              <a:t> (p) Stmt</a:t>
+            </a:r>
+          </a:p>
+          <a:p>
+            <a:endParaRPr lang="pt-BR" sz="1800" dirty="0"/>
+          </a:p>
+          <a:p>
+            <a:r>
+              <a:rPr lang="pt-BR" sz="1800" dirty="0"/>
+              <a:t>at (p) { ... }</a:t>
+            </a:r>
+          </a:p>
+          <a:p>
+            <a:endParaRPr lang="pt-BR" sz="1800" dirty="0"/>
+          </a:p>
+          <a:p>
+            <a:r>
+              <a:rPr lang="pt-BR" sz="1800" dirty="0"/>
+              <a:t>Sendo ‘p’ é relacionado ao </a:t>
+            </a:r>
+            <a:r>
+              <a:rPr lang="pt-BR" sz="1800" i="1" dirty="0"/>
+              <a:t>place </a:t>
+            </a:r>
+            <a:r>
+              <a:rPr lang="pt-BR" sz="1800" dirty="0"/>
+              <a:t>em que o bloco de código será executado.</a:t>
+            </a:r>
+          </a:p>
+          <a:p>
+            <a:endParaRPr lang="pt-BR" sz="1800" dirty="0"/>
+          </a:p>
+          <a:p>
+            <a:r>
+              <a:rPr lang="pt-BR" sz="1800" dirty="0"/>
+              <a:t>Atividade do processo “pai” é bloqueado até que o trecho em { ... } seja completado.</a:t>
+            </a:r>
+          </a:p>
+        </p:txBody>
+      </p:sp>
+    </p:spTree>
+    <p:extLst>
+      <p:ext uri="{BB962C8B-B14F-4D97-AF65-F5344CB8AC3E}">
+        <p14:creationId xmlns:p14="http://schemas.microsoft.com/office/powerpoint/2010/main" val="1383358882"/>
+      </p:ext>
+    </p:extLst>
+  </p:cSld>
+  <p:clrMapOvr>
+    <a:masterClrMapping/>
+  </p:clrMapOvr>
+  <p:timing>
+    <p:tnLst>
+      <p:par>
+        <p:cTn id="1" dur="indefinite" restart="never" nodeType="tmRoot"/>
+      </p:par>
+    </p:tnLst>
+  </p:timing>
+</p:sld>
+</file>
+
+<file path=ppt/slides/slide16.xml><?xml version="1.0" encoding="utf-8"?>
+<p:sld xmlns:a="http://schemas.openxmlformats.org/drawingml/2006/main" xmlns:r="http://schemas.openxmlformats.org/officeDocument/2006/relationships" xmlns:p="http://schemas.openxmlformats.org/presentationml/2006/main">
+  <p:cSld>
+    <p:spTree>
+      <p:nvGrpSpPr>
+        <p:cNvPr id="1" name=""/>
+        <p:cNvGrpSpPr/>
+        <p:nvPr/>
+      </p:nvGrpSpPr>
+      <p:grpSpPr>
+        <a:xfrm>
+          <a:off x="0" y="0"/>
+          <a:ext cx="0" cy="0"/>
+          <a:chOff x="0" y="0"/>
+          <a:chExt cx="0" cy="0"/>
+        </a:xfrm>
+      </p:grpSpPr>
+      <p:sp>
+        <p:nvSpPr>
+          <p:cNvPr id="2" name="Title 1"/>
+          <p:cNvSpPr>
+            <a:spLocks noGrp="1"/>
+          </p:cNvSpPr>
+          <p:nvPr>
+            <p:ph type="title"/>
+          </p:nvPr>
+        </p:nvSpPr>
+        <p:spPr/>
+        <p:txBody>
+          <a:bodyPr>
+            <a:normAutofit/>
+          </a:bodyPr>
+          <a:lstStyle/>
+          <a:p>
+            <a:pPr algn="l"/>
+            <a:r>
+              <a:rPr lang="pt-BR" sz="2400" dirty="0"/>
+              <a:t>Características principais da </a:t>
+            </a:r>
+            <a:r>
+              <a:rPr lang="pt-BR" sz="2400" dirty="0" smtClean="0"/>
+              <a:t>linguagem</a:t>
+            </a:r>
+            <a:br>
+              <a:rPr lang="pt-BR" sz="2400" dirty="0" smtClean="0"/>
+            </a:br>
+            <a:r>
+              <a:rPr lang="pt-BR" sz="1800" i="1" dirty="0" smtClean="0"/>
+              <a:t>at</a:t>
+            </a:r>
+            <a:endParaRPr lang="en-US" sz="1800" dirty="0"/>
           </a:p>
         </p:txBody>
       </p:sp>
@@ -4864,213 +5063,6 @@
 </p:sld>
 </file>
 
-<file path=ppt/slides/slide16.xml><?xml version="1.0" encoding="utf-8"?>
-<p:sld xmlns:a="http://schemas.openxmlformats.org/drawingml/2006/main" xmlns:r="http://schemas.openxmlformats.org/officeDocument/2006/relationships" xmlns:p="http://schemas.openxmlformats.org/presentationml/2006/main">
-  <p:cSld>
-    <p:spTree>
-      <p:nvGrpSpPr>
-        <p:cNvPr id="1" name=""/>
-        <p:cNvGrpSpPr/>
-        <p:nvPr/>
-      </p:nvGrpSpPr>
-      <p:grpSpPr>
-        <a:xfrm>
-          <a:off x="0" y="0"/>
-          <a:ext cx="0" cy="0"/>
-          <a:chOff x="0" y="0"/>
-          <a:chExt cx="0" cy="0"/>
-        </a:xfrm>
-      </p:grpSpPr>
-      <p:sp>
-        <p:nvSpPr>
-          <p:cNvPr id="2" name="Title 1"/>
-          <p:cNvSpPr>
-            <a:spLocks noGrp="1"/>
-          </p:cNvSpPr>
-          <p:nvPr>
-            <p:ph type="title"/>
-          </p:nvPr>
-        </p:nvSpPr>
-        <p:spPr/>
-        <p:txBody>
-          <a:bodyPr>
-            <a:normAutofit/>
-          </a:bodyPr>
-          <a:lstStyle/>
-          <a:p>
-            <a:pPr algn="l"/>
-            <a:r>
-              <a:rPr lang="pt-BR" sz="2400" i="1" dirty="0"/>
-              <a:t>atomic</a:t>
-            </a:r>
-            <a:endParaRPr lang="pt-BR" sz="2400" i="1" dirty="0"/>
-          </a:p>
-        </p:txBody>
-      </p:sp>
-      <p:sp>
-        <p:nvSpPr>
-          <p:cNvPr id="3" name="Content Placeholder 2"/>
-          <p:cNvSpPr>
-            <a:spLocks noGrp="1"/>
-          </p:cNvSpPr>
-          <p:nvPr>
-            <p:ph idx="1"/>
-          </p:nvPr>
-        </p:nvSpPr>
-        <p:spPr/>
-        <p:txBody>
-          <a:bodyPr>
-            <a:noAutofit/>
-          </a:bodyPr>
-          <a:lstStyle/>
-          <a:p>
-            <a:r>
-              <a:rPr lang="en-US" altLang="pt-BR" sz="1800" b="1" i="1" dirty="0" err="1">
-                <a:cs typeface="Arial" pitchFamily="34" charset="0"/>
-              </a:rPr>
-              <a:t>Stmt</a:t>
-            </a:r>
-            <a:r>
-              <a:rPr lang="en-US" altLang="pt-BR" sz="1800" b="1" i="1" dirty="0">
-                <a:cs typeface="Arial" pitchFamily="34" charset="0"/>
-              </a:rPr>
-              <a:t> ::=  </a:t>
-            </a:r>
-            <a:r>
-              <a:rPr lang="en-US" altLang="pt-BR" sz="1800" b="1" dirty="0">
-                <a:solidFill>
-                  <a:srgbClr val="C00000"/>
-                </a:solidFill>
-                <a:cs typeface="Arial" pitchFamily="34" charset="0"/>
-              </a:rPr>
-              <a:t>atomic</a:t>
-            </a:r>
-            <a:r>
-              <a:rPr lang="en-US" altLang="pt-BR" sz="1800" b="1" dirty="0">
-                <a:cs typeface="Arial" pitchFamily="34" charset="0"/>
-              </a:rPr>
-              <a:t>  </a:t>
-            </a:r>
-            <a:r>
-              <a:rPr lang="en-US" altLang="pt-BR" sz="1800" b="1" i="1" dirty="0">
-                <a:cs typeface="Arial" pitchFamily="34" charset="0"/>
-              </a:rPr>
-              <a:t>Statement</a:t>
-            </a:r>
-          </a:p>
-          <a:p>
-            <a:r>
-              <a:rPr lang="en-US" altLang="pt-BR" sz="1800" b="1" i="1" dirty="0" err="1">
-                <a:cs typeface="Arial" pitchFamily="34" charset="0"/>
-              </a:rPr>
-              <a:t>MethodModifier</a:t>
-            </a:r>
-            <a:r>
-              <a:rPr lang="en-US" altLang="pt-BR" sz="1800" b="1" i="1" dirty="0">
-                <a:cs typeface="Arial" pitchFamily="34" charset="0"/>
-              </a:rPr>
-              <a:t> ::=  </a:t>
-            </a:r>
-            <a:r>
-              <a:rPr lang="en-US" altLang="pt-BR" sz="1800" b="1" dirty="0">
-                <a:solidFill>
-                  <a:srgbClr val="C00000"/>
-                </a:solidFill>
-                <a:cs typeface="Arial" pitchFamily="34" charset="0"/>
-              </a:rPr>
-              <a:t>atomic</a:t>
-            </a:r>
-          </a:p>
-          <a:p>
-            <a:endParaRPr lang="pt-BR" sz="1800" dirty="0"/>
-          </a:p>
-          <a:p>
-            <a:r>
-              <a:rPr lang="pt-BR" sz="1800" dirty="0"/>
-              <a:t>a</a:t>
-            </a:r>
-            <a:r>
-              <a:rPr lang="pt-BR" sz="1800" dirty="0"/>
-              <a:t>tomic { ... </a:t>
-            </a:r>
-            <a:r>
-              <a:rPr lang="pt-BR" sz="1800" dirty="0"/>
-              <a:t>}</a:t>
-            </a:r>
-            <a:endParaRPr lang="pt-BR" sz="1800" dirty="0"/>
-          </a:p>
-          <a:p>
-            <a:endParaRPr lang="pt-BR" sz="1800" dirty="0"/>
-          </a:p>
-          <a:p>
-            <a:r>
-              <a:rPr lang="pt-BR" sz="1800" dirty="0"/>
-              <a:t>Executa um bloco de código de forma atômica.</a:t>
-            </a:r>
-            <a:endParaRPr lang="pt-BR" sz="1800" dirty="0"/>
-          </a:p>
-          <a:p>
-            <a:pPr marL="0" indent="0">
-              <a:buNone/>
-            </a:pPr>
-            <a:endParaRPr lang="pt-BR" sz="1800" dirty="0"/>
-          </a:p>
-          <a:p>
-            <a:r>
-              <a:rPr lang="pt-BR" sz="1800" dirty="0"/>
-              <a:t>Pode ser utilizado em métodos ou em trechos de código.</a:t>
-            </a:r>
-          </a:p>
-          <a:p>
-            <a:endParaRPr lang="pt-BR" sz="1800" dirty="0"/>
-          </a:p>
-          <a:p>
-            <a:r>
-              <a:rPr lang="pt-BR" sz="1800" dirty="0"/>
-              <a:t>Blocos atômicos são executados enquanto outras atividades são suspensas.</a:t>
-            </a:r>
-          </a:p>
-          <a:p>
-            <a:endParaRPr lang="pt-BR" sz="1800" dirty="0"/>
-          </a:p>
-          <a:p>
-            <a:r>
-              <a:rPr lang="pt-BR" altLang="pt-BR" sz="1800" dirty="0"/>
-              <a:t>Não deve criar atividades concorrentes.</a:t>
-            </a:r>
-          </a:p>
-          <a:p>
-            <a:endParaRPr lang="pt-BR" altLang="pt-BR" sz="1800" dirty="0"/>
-          </a:p>
-          <a:p>
-            <a:r>
-              <a:rPr lang="pt-BR" altLang="pt-BR" sz="1800" dirty="0"/>
-              <a:t>Deve manipular dados locais.</a:t>
-            </a:r>
-            <a:endParaRPr lang="pt-BR" sz="1800" dirty="0"/>
-          </a:p>
-        </p:txBody>
-      </p:sp>
-    </p:spTree>
-    <p:extLst>
-      <p:ext uri="{BB962C8B-B14F-4D97-AF65-F5344CB8AC3E}">
-        <p14:creationId xmlns:p14="http://schemas.microsoft.com/office/powerpoint/2010/main" val="2111058723"/>
-      </p:ext>
-    </p:extLst>
-  </p:cSld>
-  <p:clrMapOvr>
-    <a:masterClrMapping/>
-  </p:clrMapOvr>
-  <p:timing>
-    <p:tnLst>
-      <p:par>
-        <p:cTn id="1" dur="indefinite" restart="never" nodeType="tmRoot"/>
-      </p:par>
-    </p:tnLst>
-  </p:timing>
-</p:sld>
-</file>
-
 <file path=ppt/slides/slide17.xml><?xml version="1.0" encoding="utf-8"?>
 <p:sld xmlns:a="http://schemas.openxmlformats.org/drawingml/2006/main" xmlns:r="http://schemas.openxmlformats.org/officeDocument/2006/relationships" xmlns:p="http://schemas.openxmlformats.org/presentationml/2006/main">
   <p:cSld>
@@ -5107,10 +5099,21 @@
           <a:p>
             <a:pPr algn="l"/>
             <a:r>
-              <a:rPr lang="pt-BR" sz="2400" i="1" dirty="0"/>
+              <a:rPr lang="pt-BR" sz="2400" dirty="0"/>
+              <a:t>Características principais da </a:t>
+            </a:r>
+            <a:r>
+              <a:rPr lang="pt-BR" sz="2400" dirty="0" smtClean="0"/>
+              <a:t>linguagem</a:t>
+            </a:r>
+            <a:br>
+              <a:rPr lang="pt-BR" sz="2400" dirty="0" smtClean="0"/>
+            </a:br>
+            <a:r>
+              <a:rPr lang="pt-BR" sz="1800" i="1" dirty="0" smtClean="0"/>
               <a:t>atomic</a:t>
             </a:r>
-            <a:endParaRPr lang="pt-BR" sz="2400" i="1" dirty="0"/>
+            <a:endParaRPr lang="pt-BR" sz="1800" i="1" dirty="0"/>
           </a:p>
         </p:txBody>
       </p:sp>
@@ -5131,6 +5134,119 @@
           </a:bodyPr>
           <a:lstStyle/>
           <a:p>
+            <a:r>
+              <a:rPr lang="en-US" altLang="pt-BR" sz="1800" b="1" i="1" dirty="0" err="1">
+                <a:cs typeface="Arial" pitchFamily="34" charset="0"/>
+              </a:rPr>
+              <a:t>Stmt</a:t>
+            </a:r>
+            <a:r>
+              <a:rPr lang="en-US" altLang="pt-BR" sz="1800" b="1" i="1" dirty="0">
+                <a:cs typeface="Arial" pitchFamily="34" charset="0"/>
+              </a:rPr>
+              <a:t> ::=  </a:t>
+            </a:r>
+            <a:r>
+              <a:rPr lang="en-US" altLang="pt-BR" sz="1800" b="1" dirty="0">
+                <a:solidFill>
+                  <a:srgbClr val="C00000"/>
+                </a:solidFill>
+                <a:cs typeface="Arial" pitchFamily="34" charset="0"/>
+              </a:rPr>
+              <a:t>atomic</a:t>
+            </a:r>
+            <a:r>
+              <a:rPr lang="en-US" altLang="pt-BR" sz="1800" b="1" dirty="0">
+                <a:cs typeface="Arial" pitchFamily="34" charset="0"/>
+              </a:rPr>
+              <a:t>  </a:t>
+            </a:r>
+            <a:r>
+              <a:rPr lang="en-US" altLang="pt-BR" sz="1800" b="1" i="1" dirty="0">
+                <a:cs typeface="Arial" pitchFamily="34" charset="0"/>
+              </a:rPr>
+              <a:t>Statement</a:t>
+            </a:r>
+          </a:p>
+          <a:p>
+            <a:r>
+              <a:rPr lang="en-US" altLang="pt-BR" sz="1800" b="1" i="1" dirty="0" err="1">
+                <a:cs typeface="Arial" pitchFamily="34" charset="0"/>
+              </a:rPr>
+              <a:t>MethodModifier</a:t>
+            </a:r>
+            <a:r>
+              <a:rPr lang="en-US" altLang="pt-BR" sz="1800" b="1" i="1" dirty="0">
+                <a:cs typeface="Arial" pitchFamily="34" charset="0"/>
+              </a:rPr>
+              <a:t> ::=  </a:t>
+            </a:r>
+            <a:r>
+              <a:rPr lang="en-US" altLang="pt-BR" sz="1800" b="1" dirty="0">
+                <a:solidFill>
+                  <a:srgbClr val="C00000"/>
+                </a:solidFill>
+                <a:cs typeface="Arial" pitchFamily="34" charset="0"/>
+              </a:rPr>
+              <a:t>atomic</a:t>
+            </a:r>
+          </a:p>
+          <a:p>
+            <a:endParaRPr lang="pt-BR" sz="1800" dirty="0"/>
+          </a:p>
+          <a:p>
+            <a:r>
+              <a:rPr lang="pt-BR" sz="1800" dirty="0"/>
+              <a:t>atomic { ... }</a:t>
+            </a:r>
+          </a:p>
+          <a:p>
+            <a:endParaRPr lang="pt-BR" sz="1800" dirty="0"/>
+          </a:p>
+          <a:p>
+            <a:r>
+              <a:rPr lang="pt-BR" sz="1800" dirty="0"/>
+              <a:t>Executa um bloco de código de forma atômica.</a:t>
+            </a:r>
+          </a:p>
+          <a:p>
+            <a:pPr marL="0" indent="0">
+              <a:buNone/>
+            </a:pPr>
+            <a:endParaRPr lang="pt-BR" sz="1800" dirty="0"/>
+          </a:p>
+          <a:p>
+            <a:r>
+              <a:rPr lang="pt-BR" sz="1800" dirty="0"/>
+              <a:t>Pode ser utilizado em métodos ou em trechos de código.</a:t>
+            </a:r>
+          </a:p>
+          <a:p>
+            <a:endParaRPr lang="pt-BR" sz="1800" dirty="0"/>
+          </a:p>
+          <a:p>
+            <a:r>
+              <a:rPr lang="pt-BR" sz="1800" dirty="0"/>
+              <a:t>Blocos atômicos são executados enquanto outras atividades são suspensas.</a:t>
+            </a:r>
+          </a:p>
+          <a:p>
+            <a:endParaRPr lang="pt-BR" sz="1800" dirty="0"/>
+          </a:p>
+          <a:p>
+            <a:r>
+              <a:rPr lang="pt-BR" altLang="pt-BR" sz="1800" dirty="0"/>
+              <a:t>Não deve criar atividades concorrentes.</a:t>
+            </a:r>
+          </a:p>
+          <a:p>
+            <a:endParaRPr lang="pt-BR" altLang="pt-BR" sz="1800" dirty="0"/>
+          </a:p>
+          <a:p>
+            <a:r>
+              <a:rPr lang="pt-BR" altLang="pt-BR" sz="1800" dirty="0"/>
+              <a:t>Deve manipular dados locais.</a:t>
+            </a:r>
             <a:endParaRPr lang="pt-BR" sz="1800" dirty="0"/>
           </a:p>
         </p:txBody>
@@ -5138,7 +5254,7 @@
     </p:spTree>
     <p:extLst>
       <p:ext uri="{BB962C8B-B14F-4D97-AF65-F5344CB8AC3E}">
-        <p14:creationId xmlns:p14="http://schemas.microsoft.com/office/powerpoint/2010/main" val="4097860697"/>
+        <p14:creationId xmlns:p14="http://schemas.microsoft.com/office/powerpoint/2010/main" val="2111058723"/>
       </p:ext>
     </p:extLst>
   </p:cSld>
@@ -5184,15 +5300,121 @@
         </p:nvSpPr>
         <p:spPr/>
         <p:txBody>
+          <a:bodyPr>
+            <a:normAutofit/>
+          </a:bodyPr>
+          <a:lstStyle/>
+          <a:p>
+            <a:pPr algn="l"/>
+            <a:r>
+              <a:rPr lang="pt-BR" sz="2400" dirty="0"/>
+              <a:t>Características principais da </a:t>
+            </a:r>
+            <a:r>
+              <a:rPr lang="pt-BR" sz="2400" dirty="0" smtClean="0"/>
+              <a:t>linguagem</a:t>
+            </a:r>
+            <a:br>
+              <a:rPr lang="pt-BR" sz="2400" dirty="0" smtClean="0"/>
+            </a:br>
+            <a:r>
+              <a:rPr lang="pt-BR" sz="1800" i="1" dirty="0" smtClean="0"/>
+              <a:t>atomic</a:t>
+            </a:r>
+            <a:endParaRPr lang="pt-BR" sz="1800" i="1" dirty="0"/>
+          </a:p>
+        </p:txBody>
+      </p:sp>
+      <p:sp>
+        <p:nvSpPr>
+          <p:cNvPr id="3" name="Content Placeholder 2"/>
+          <p:cNvSpPr>
+            <a:spLocks noGrp="1"/>
+          </p:cNvSpPr>
+          <p:nvPr>
+            <p:ph idx="1"/>
+          </p:nvPr>
+        </p:nvSpPr>
+        <p:spPr/>
+        <p:txBody>
+          <a:bodyPr>
+            <a:noAutofit/>
+          </a:bodyPr>
+          <a:lstStyle/>
+          <a:p>
+            <a:endParaRPr lang="pt-BR" sz="1800" dirty="0"/>
+          </a:p>
+        </p:txBody>
+      </p:sp>
+    </p:spTree>
+    <p:extLst>
+      <p:ext uri="{BB962C8B-B14F-4D97-AF65-F5344CB8AC3E}">
+        <p14:creationId xmlns:p14="http://schemas.microsoft.com/office/powerpoint/2010/main" val="4097860697"/>
+      </p:ext>
+    </p:extLst>
+  </p:cSld>
+  <p:clrMapOvr>
+    <a:masterClrMapping/>
+  </p:clrMapOvr>
+  <p:timing>
+    <p:tnLst>
+      <p:par>
+        <p:cTn id="1" dur="indefinite" restart="never" nodeType="tmRoot"/>
+      </p:par>
+    </p:tnLst>
+  </p:timing>
+</p:sld>
+</file>
+
+<file path=ppt/slides/slide19.xml><?xml version="1.0" encoding="utf-8"?>
+<p:sld xmlns:a="http://schemas.openxmlformats.org/drawingml/2006/main" xmlns:r="http://schemas.openxmlformats.org/officeDocument/2006/relationships" xmlns:p="http://schemas.openxmlformats.org/presentationml/2006/main">
+  <p:cSld>
+    <p:spTree>
+      <p:nvGrpSpPr>
+        <p:cNvPr id="1" name=""/>
+        <p:cNvGrpSpPr/>
+        <p:nvPr/>
+      </p:nvGrpSpPr>
+      <p:grpSpPr>
+        <a:xfrm>
+          <a:off x="0" y="0"/>
+          <a:ext cx="0" cy="0"/>
+          <a:chOff x="0" y="0"/>
+          <a:chExt cx="0" cy="0"/>
+        </a:xfrm>
+      </p:grpSpPr>
+      <p:sp>
+        <p:nvSpPr>
+          <p:cNvPr id="2" name="Title 1"/>
+          <p:cNvSpPr>
+            <a:spLocks noGrp="1"/>
+          </p:cNvSpPr>
+          <p:nvPr>
+            <p:ph type="title"/>
+          </p:nvPr>
+        </p:nvSpPr>
+        <p:spPr/>
+        <p:txBody>
           <a:bodyPr/>
           <a:lstStyle/>
           <a:p>
-            <a:pPr algn="just"/>
-            <a:r>
-              <a:rPr lang="pt-BR" sz="2400" i="1" dirty="0"/>
+            <a:pPr algn="l"/>
+            <a:r>
+              <a:rPr lang="pt-BR" sz="2400" dirty="0"/>
+              <a:t>Características principais da </a:t>
+            </a:r>
+            <a:r>
+              <a:rPr lang="pt-BR" sz="2400" dirty="0" smtClean="0"/>
+              <a:t>linguagem</a:t>
+            </a:r>
+            <a:br>
+              <a:rPr lang="pt-BR" sz="2400" dirty="0" smtClean="0"/>
+            </a:br>
+            <a:r>
+              <a:rPr lang="pt-BR" sz="1800" i="1" dirty="0" smtClean="0"/>
               <a:t>GlobalRef</a:t>
             </a:r>
-            <a:endParaRPr lang="pt-BR" i="1" dirty="0"/>
+            <a:endParaRPr lang="pt-BR" sz="3600" i="1" dirty="0"/>
           </a:p>
         </p:txBody>
       </p:sp>
@@ -5237,7 +5459,191 @@
 </p:sld>
 </file>
 
-<file path=ppt/slides/slide19.xml><?xml version="1.0" encoding="utf-8"?>
+<file path=ppt/slides/slide2.xml><?xml version="1.0" encoding="utf-8"?>
+<p:sld xmlns:a="http://schemas.openxmlformats.org/drawingml/2006/main" xmlns:r="http://schemas.openxmlformats.org/officeDocument/2006/relationships" xmlns:p="http://schemas.openxmlformats.org/presentationml/2006/main">
+  <p:cSld>
+    <p:spTree>
+      <p:nvGrpSpPr>
+        <p:cNvPr id="1" name=""/>
+        <p:cNvGrpSpPr/>
+        <p:nvPr/>
+      </p:nvGrpSpPr>
+      <p:grpSpPr>
+        <a:xfrm>
+          <a:off x="0" y="0"/>
+          <a:ext cx="0" cy="0"/>
+          <a:chOff x="0" y="0"/>
+          <a:chExt cx="0" cy="0"/>
+        </a:xfrm>
+      </p:grpSpPr>
+      <p:sp>
+        <p:nvSpPr>
+          <p:cNvPr id="2" name="Title 1"/>
+          <p:cNvSpPr>
+            <a:spLocks noGrp="1"/>
+          </p:cNvSpPr>
+          <p:nvPr>
+            <p:ph type="title"/>
+          </p:nvPr>
+        </p:nvSpPr>
+        <p:spPr/>
+        <p:txBody>
+          <a:bodyPr>
+            <a:normAutofit/>
+          </a:bodyPr>
+          <a:lstStyle/>
+          <a:p>
+            <a:pPr algn="l"/>
+            <a:r>
+              <a:rPr lang="pt-BR" sz="2400" dirty="0" smtClean="0"/>
+              <a:t>Sumário</a:t>
+            </a:r>
+            <a:endParaRPr lang="pt-BR" sz="2400" dirty="0"/>
+          </a:p>
+        </p:txBody>
+      </p:sp>
+      <p:sp>
+        <p:nvSpPr>
+          <p:cNvPr id="3" name="Content Placeholder 2"/>
+          <p:cNvSpPr>
+            <a:spLocks noGrp="1"/>
+          </p:cNvSpPr>
+          <p:nvPr>
+            <p:ph idx="1"/>
+          </p:nvPr>
+        </p:nvSpPr>
+        <p:spPr/>
+        <p:txBody>
+          <a:bodyPr>
+            <a:normAutofit/>
+          </a:bodyPr>
+          <a:lstStyle/>
+          <a:p>
+            <a:r>
+              <a:rPr lang="pt-BR" sz="1600" dirty="0" smtClean="0"/>
+              <a:t>x10</a:t>
+            </a:r>
+          </a:p>
+          <a:p>
+            <a:pPr lvl="1"/>
+            <a:r>
+              <a:rPr lang="pt-BR" sz="1400" dirty="0" smtClean="0"/>
+              <a:t>Visão geral</a:t>
+            </a:r>
+          </a:p>
+          <a:p>
+            <a:pPr lvl="1"/>
+            <a:r>
+              <a:rPr lang="pt-BR" sz="1400" dirty="0" smtClean="0"/>
+              <a:t>Características principais da linguagem</a:t>
+            </a:r>
+          </a:p>
+          <a:p>
+            <a:pPr lvl="1"/>
+            <a:r>
+              <a:rPr lang="pt-BR" sz="1400" dirty="0" smtClean="0"/>
+              <a:t>Classes</a:t>
+            </a:r>
+          </a:p>
+          <a:p>
+            <a:pPr lvl="1"/>
+            <a:r>
+              <a:rPr lang="pt-BR" sz="1400" dirty="0" smtClean="0"/>
+              <a:t>Exemplos</a:t>
+            </a:r>
+            <a:endParaRPr lang="pt-BR" sz="1400" dirty="0"/>
+          </a:p>
+          <a:p>
+            <a:pPr lvl="1"/>
+            <a:endParaRPr lang="pt-BR" sz="1100" dirty="0" smtClean="0"/>
+          </a:p>
+          <a:p>
+            <a:r>
+              <a:rPr lang="pt-BR" sz="1600" dirty="0" smtClean="0"/>
+              <a:t>Busca em árvore com x10</a:t>
+            </a:r>
+          </a:p>
+          <a:p>
+            <a:pPr lvl="1"/>
+            <a:r>
+              <a:rPr lang="pt-BR" sz="1200" dirty="0" smtClean="0"/>
+              <a:t>1</a:t>
+            </a:r>
+          </a:p>
+          <a:p>
+            <a:pPr lvl="1"/>
+            <a:r>
+              <a:rPr lang="pt-BR" sz="1200" dirty="0" smtClean="0"/>
+              <a:t>2</a:t>
+            </a:r>
+          </a:p>
+          <a:p>
+            <a:pPr lvl="1"/>
+            <a:r>
+              <a:rPr lang="pt-BR" sz="1200" dirty="0" smtClean="0"/>
+              <a:t>3</a:t>
+            </a:r>
+          </a:p>
+          <a:p>
+            <a:pPr lvl="1"/>
+            <a:r>
+              <a:rPr lang="pt-BR" sz="1200" dirty="0" smtClean="0"/>
+              <a:t>4</a:t>
+            </a:r>
+          </a:p>
+          <a:p>
+            <a:pPr lvl="1"/>
+            <a:r>
+              <a:rPr lang="pt-BR" sz="1200" dirty="0" smtClean="0"/>
+              <a:t>5</a:t>
+            </a:r>
+          </a:p>
+          <a:p>
+            <a:pPr lvl="1"/>
+            <a:r>
+              <a:rPr lang="pt-BR" sz="1200" dirty="0"/>
+              <a:t>6</a:t>
+            </a:r>
+            <a:endParaRPr lang="pt-BR" sz="1200" dirty="0" smtClean="0"/>
+          </a:p>
+          <a:p>
+            <a:endParaRPr lang="pt-BR" sz="1600" dirty="0" smtClean="0"/>
+          </a:p>
+          <a:p>
+            <a:r>
+              <a:rPr lang="pt-BR" sz="1600" dirty="0" smtClean="0"/>
+              <a:t>Conclusão</a:t>
+            </a:r>
+          </a:p>
+          <a:p>
+            <a:endParaRPr lang="pt-BR" sz="1600" dirty="0"/>
+          </a:p>
+          <a:p>
+            <a:r>
+              <a:rPr lang="pt-BR" sz="1600" dirty="0" smtClean="0"/>
+              <a:t>Referências</a:t>
+            </a:r>
+            <a:endParaRPr lang="pt-BR" sz="1600" dirty="0" smtClean="0"/>
+          </a:p>
+          <a:p>
+            <a:endParaRPr lang="pt-BR" sz="1400" dirty="0"/>
+          </a:p>
+        </p:txBody>
+      </p:sp>
+    </p:spTree>
+    <p:extLst>
+      <p:ext uri="{BB962C8B-B14F-4D97-AF65-F5344CB8AC3E}">
+        <p14:creationId xmlns:p14="http://schemas.microsoft.com/office/powerpoint/2010/main" val="267417175"/>
+      </p:ext>
+    </p:extLst>
+  </p:cSld>
+  <p:clrMapOvr>
+    <a:masterClrMapping/>
+  </p:clrMapOvr>
+</p:sld>
+</file>
+
+<file path=ppt/slides/slide20.xml><?xml version="1.0" encoding="utf-8"?>
 <p:sld xmlns:a="http://schemas.openxmlformats.org/drawingml/2006/main" xmlns:r="http://schemas.openxmlformats.org/officeDocument/2006/relationships" xmlns:p="http://schemas.openxmlformats.org/presentationml/2006/main">
   <p:cSld>
     <p:spTree>
@@ -5323,12 +5729,23 @@
           <a:bodyPr/>
           <a:lstStyle/>
           <a:p>
-            <a:pPr algn="just"/>
-            <a:r>
-              <a:rPr lang="pt-BR" sz="2400" i="1" dirty="0"/>
+            <a:pPr algn="l"/>
+            <a:r>
+              <a:rPr lang="pt-BR" sz="2400" dirty="0"/>
+              <a:t>Características principais da </a:t>
+            </a:r>
+            <a:r>
+              <a:rPr lang="pt-BR" sz="2400" dirty="0" smtClean="0"/>
+              <a:t>linguagem</a:t>
+            </a:r>
+            <a:br>
+              <a:rPr lang="pt-BR" sz="2400" dirty="0" smtClean="0"/>
+            </a:br>
+            <a:r>
+              <a:rPr lang="pt-BR" sz="1800" i="1" dirty="0" smtClean="0"/>
               <a:t>GlobalRef</a:t>
             </a:r>
-            <a:endParaRPr lang="pt-BR" i="1" dirty="0"/>
+            <a:endParaRPr lang="pt-BR" sz="3600" i="1" dirty="0"/>
           </a:p>
         </p:txBody>
       </p:sp>
@@ -5401,16 +5818,7 @@
                 </a:solidFill>
                 <a:latin typeface="Monaco" charset="0"/>
               </a:rPr>
-              <a:t> </a:t>
-            </a:r>
-            <a:r>
-              <a:rPr lang="en-US" altLang="pt-BR" sz="1400" dirty="0">
-                <a:solidFill>
-                  <a:srgbClr val="000000"/>
-                </a:solidFill>
-                <a:latin typeface="Monaco" charset="0"/>
-              </a:rPr>
-              <a:t>Driver {</a:t>
+              <a:t> Driver {</a:t>
             </a:r>
           </a:p>
           <a:p>
@@ -6179,80 +6587,7 @@
 </p:sld>
 </file>
 
-<file path=ppt/slides/slide2.xml><?xml version="1.0" encoding="utf-8"?>
-<p:sld xmlns:a="http://schemas.openxmlformats.org/drawingml/2006/main" xmlns:r="http://schemas.openxmlformats.org/officeDocument/2006/relationships" xmlns:p="http://schemas.openxmlformats.org/presentationml/2006/main">
-  <p:cSld>
-    <p:spTree>
-      <p:nvGrpSpPr>
-        <p:cNvPr id="1" name=""/>
-        <p:cNvGrpSpPr/>
-        <p:nvPr/>
-      </p:nvGrpSpPr>
-      <p:grpSpPr>
-        <a:xfrm>
-          <a:off x="0" y="0"/>
-          <a:ext cx="0" cy="0"/>
-          <a:chOff x="0" y="0"/>
-          <a:chExt cx="0" cy="0"/>
-        </a:xfrm>
-      </p:grpSpPr>
-      <p:sp>
-        <p:nvSpPr>
-          <p:cNvPr id="2" name="Title 1"/>
-          <p:cNvSpPr>
-            <a:spLocks noGrp="1"/>
-          </p:cNvSpPr>
-          <p:nvPr>
-            <p:ph type="title"/>
-          </p:nvPr>
-        </p:nvSpPr>
-        <p:spPr/>
-        <p:txBody>
-          <a:bodyPr/>
-          <a:lstStyle/>
-          <a:p>
-            <a:pPr algn="l"/>
-            <a:r>
-              <a:rPr lang="pt-BR" dirty="0" smtClean="0"/>
-              <a:t>Sumário</a:t>
-            </a:r>
-            <a:endParaRPr lang="pt-BR" dirty="0"/>
-          </a:p>
-        </p:txBody>
-      </p:sp>
-      <p:sp>
-        <p:nvSpPr>
-          <p:cNvPr id="3" name="Content Placeholder 2"/>
-          <p:cNvSpPr>
-            <a:spLocks noGrp="1"/>
-          </p:cNvSpPr>
-          <p:nvPr>
-            <p:ph idx="1"/>
-          </p:nvPr>
-        </p:nvSpPr>
-        <p:spPr/>
-        <p:txBody>
-          <a:bodyPr/>
-          <a:lstStyle/>
-          <a:p>
-            <a:endParaRPr lang="pt-BR" dirty="0"/>
-          </a:p>
-        </p:txBody>
-      </p:sp>
-    </p:spTree>
-    <p:extLst>
-      <p:ext uri="{BB962C8B-B14F-4D97-AF65-F5344CB8AC3E}">
-        <p14:creationId xmlns:p14="http://schemas.microsoft.com/office/powerpoint/2010/main" val="267417175"/>
-      </p:ext>
-    </p:extLst>
-  </p:cSld>
-  <p:clrMapOvr>
-    <a:masterClrMapping/>
-  </p:clrMapOvr>
-</p:sld>
-</file>
-
-<file path=ppt/slides/slide20.xml><?xml version="1.0" encoding="utf-8"?>
+<file path=ppt/slides/slide21.xml><?xml version="1.0" encoding="utf-8"?>
 <p:sld xmlns:a="http://schemas.openxmlformats.org/drawingml/2006/main" xmlns:r="http://schemas.openxmlformats.org/officeDocument/2006/relationships" xmlns:p="http://schemas.openxmlformats.org/presentationml/2006/main">
   <p:cSld>
     <p:spTree>
@@ -6338,12 +6673,23 @@
           <a:bodyPr/>
           <a:lstStyle/>
           <a:p>
-            <a:pPr algn="just"/>
-            <a:r>
-              <a:rPr lang="pt-BR" sz="2400" i="1" dirty="0"/>
+            <a:pPr algn="l"/>
+            <a:r>
+              <a:rPr lang="pt-BR" sz="2400" dirty="0"/>
+              <a:t>Características principais da </a:t>
+            </a:r>
+            <a:r>
+              <a:rPr lang="pt-BR" sz="2400" dirty="0" smtClean="0"/>
+              <a:t>linguagem</a:t>
+            </a:r>
+            <a:br>
+              <a:rPr lang="pt-BR" sz="2400" dirty="0" smtClean="0"/>
+            </a:br>
+            <a:r>
+              <a:rPr lang="pt-BR" sz="1800" i="1" dirty="0" smtClean="0"/>
               <a:t>GlobalRef</a:t>
             </a:r>
-            <a:endParaRPr lang="pt-BR" i="1" dirty="0"/>
+            <a:endParaRPr lang="pt-BR" sz="3600" i="1" dirty="0"/>
           </a:p>
         </p:txBody>
       </p:sp>
@@ -7062,7 +7408,7 @@
 </p:sld>
 </file>
 
-<file path=ppt/slides/slide21.xml><?xml version="1.0" encoding="utf-8"?>
+<file path=ppt/slides/slide22.xml><?xml version="1.0" encoding="utf-8"?>
 <p:sld xmlns:a="http://schemas.openxmlformats.org/drawingml/2006/main" xmlns:r="http://schemas.openxmlformats.org/officeDocument/2006/relationships" xmlns:p="http://schemas.openxmlformats.org/presentationml/2006/main">
   <p:cSld>
     <p:spTree>
@@ -7578,8 +7924,8 @@
           <a:p>
             <a:pPr algn="l"/>
             <a:r>
-              <a:rPr lang="pt-BR" sz="2400" dirty="0"/>
-              <a:t>Exemplos:</a:t>
+              <a:rPr lang="pt-BR" sz="2400" dirty="0" smtClean="0"/>
+              <a:t>Exemplos</a:t>
             </a:r>
             <a:endParaRPr lang="pt-BR" sz="2400" dirty="0"/>
           </a:p>
@@ -8282,7 +8628,7 @@
 </p:sld>
 </file>
 
-<file path=ppt/slides/slide22.xml><?xml version="1.0" encoding="utf-8"?>
+<file path=ppt/slides/slide23.xml><?xml version="1.0" encoding="utf-8"?>
 <p:sld xmlns:a="http://schemas.openxmlformats.org/drawingml/2006/main" xmlns:r="http://schemas.openxmlformats.org/officeDocument/2006/relationships" xmlns:p="http://schemas.openxmlformats.org/presentationml/2006/main">
   <p:cSld>
     <p:spTree>
@@ -8798,8 +9144,8 @@
           <a:p>
             <a:pPr algn="l"/>
             <a:r>
-              <a:rPr lang="pt-BR" sz="2400" dirty="0"/>
-              <a:t>Exemplos:</a:t>
+              <a:rPr lang="pt-BR" sz="2400" dirty="0" smtClean="0"/>
+              <a:t>Exemplos</a:t>
             </a:r>
             <a:endParaRPr lang="pt-BR" sz="2400" dirty="0"/>
           </a:p>
@@ -8843,11 +9189,7 @@
             </a:r>
             <a:r>
               <a:rPr lang="en-US" altLang="pt-BR" sz="1600" dirty="0"/>
-              <a:t> </a:t>
-            </a:r>
-            <a:r>
-              <a:rPr lang="en-US" altLang="pt-BR" sz="1600" dirty="0"/>
-              <a:t>do </a:t>
+              <a:t> do </a:t>
             </a:r>
             <a:r>
               <a:rPr lang="en-US" altLang="pt-BR" sz="1600" dirty="0" err="1"/>
@@ -9140,111 +9482,6 @@
     <p:extLst>
       <p:ext uri="{BB962C8B-B14F-4D97-AF65-F5344CB8AC3E}">
         <p14:creationId xmlns:p14="http://schemas.microsoft.com/office/powerpoint/2010/main" val="128218242"/>
-      </p:ext>
-    </p:extLst>
-  </p:cSld>
-  <p:clrMapOvr>
-    <a:masterClrMapping/>
-  </p:clrMapOvr>
-  <p:timing>
-    <p:tnLst>
-      <p:par>
-        <p:cTn id="1" dur="indefinite" restart="never" nodeType="tmRoot"/>
-      </p:par>
-    </p:tnLst>
-  </p:timing>
-</p:sld>
-</file>
-
-<file path=ppt/slides/slide23.xml><?xml version="1.0" encoding="utf-8"?>
-<p:sld xmlns:a="http://schemas.openxmlformats.org/drawingml/2006/main" xmlns:r="http://schemas.openxmlformats.org/officeDocument/2006/relationships" xmlns:p="http://schemas.openxmlformats.org/presentationml/2006/main">
-  <p:cSld>
-    <p:spTree>
-      <p:nvGrpSpPr>
-        <p:cNvPr id="1" name=""/>
-        <p:cNvGrpSpPr/>
-        <p:nvPr/>
-      </p:nvGrpSpPr>
-      <p:grpSpPr>
-        <a:xfrm>
-          <a:off x="0" y="0"/>
-          <a:ext cx="0" cy="0"/>
-          <a:chOff x="0" y="0"/>
-          <a:chExt cx="0" cy="0"/>
-        </a:xfrm>
-      </p:grpSpPr>
-      <p:sp>
-        <p:nvSpPr>
-          <p:cNvPr id="2" name="Title 1"/>
-          <p:cNvSpPr>
-            <a:spLocks noGrp="1"/>
-          </p:cNvSpPr>
-          <p:nvPr>
-            <p:ph type="title"/>
-          </p:nvPr>
-        </p:nvSpPr>
-        <p:spPr/>
-        <p:txBody>
-          <a:bodyPr/>
-          <a:lstStyle/>
-          <a:p>
-            <a:pPr algn="just"/>
-            <a:r>
-              <a:rPr lang="pt-BR" dirty="0" smtClean="0"/>
-              <a:t>X10</a:t>
-            </a:r>
-            <a:endParaRPr lang="pt-BR" dirty="0"/>
-          </a:p>
-        </p:txBody>
-      </p:sp>
-      <p:sp>
-        <p:nvSpPr>
-          <p:cNvPr id="3" name="Content Placeholder 2"/>
-          <p:cNvSpPr>
-            <a:spLocks noGrp="1"/>
-          </p:cNvSpPr>
-          <p:nvPr>
-            <p:ph idx="1"/>
-          </p:nvPr>
-        </p:nvSpPr>
-        <p:spPr/>
-        <p:txBody>
-          <a:bodyPr>
-            <a:normAutofit/>
-          </a:bodyPr>
-          <a:lstStyle/>
-          <a:p>
-            <a:r>
-              <a:rPr lang="pt-BR" sz="1800" dirty="0" smtClean="0"/>
-              <a:t>Documentação:</a:t>
-            </a:r>
-          </a:p>
-          <a:p>
-            <a:pPr lvl="1"/>
-            <a:r>
-              <a:rPr lang="pt-BR" sz="1600" dirty="0">
-                <a:hlinkClick r:id="rId2"/>
-              </a:rPr>
-              <a:t>http://x10.sourceforge.net/x10doc/2.6.0</a:t>
-            </a:r>
-            <a:r>
-              <a:rPr lang="pt-BR" sz="1600" dirty="0" smtClean="0">
-                <a:hlinkClick r:id="rId2"/>
-              </a:rPr>
-              <a:t>/</a:t>
-            </a:r>
-            <a:endParaRPr lang="pt-BR" sz="1600" dirty="0" smtClean="0"/>
-          </a:p>
-          <a:p>
-            <a:pPr lvl="1"/>
-            <a:endParaRPr lang="pt-BR" sz="1800" dirty="0" smtClean="0"/>
-          </a:p>
-        </p:txBody>
-      </p:sp>
-    </p:spTree>
-    <p:extLst>
-      <p:ext uri="{BB962C8B-B14F-4D97-AF65-F5344CB8AC3E}">
-        <p14:creationId xmlns:p14="http://schemas.microsoft.com/office/powerpoint/2010/main" val="161675432"/>
       </p:ext>
     </p:extLst>
   </p:cSld>
@@ -9297,8 +9534,12 @@
           <a:p>
             <a:pPr algn="l"/>
             <a:r>
+              <a:rPr lang="pt-BR" sz="2400" dirty="0"/>
+              <a:t>Busca em árvore com </a:t>
+            </a:r>
+            <a:r>
               <a:rPr lang="pt-BR" sz="2400" dirty="0" smtClean="0"/>
-              <a:t>Conclusão</a:t>
+              <a:t>x10</a:t>
             </a:r>
             <a:endParaRPr lang="en-US" sz="2400" dirty="0"/>
           </a:p>
@@ -9316,23 +9557,17 @@
         </p:nvSpPr>
         <p:spPr/>
         <p:txBody>
-          <a:bodyPr>
-            <a:normAutofit/>
-          </a:bodyPr>
+          <a:bodyPr/>
           <a:lstStyle/>
           <a:p>
-            <a:r>
-              <a:rPr lang="pt-BR" sz="1800" dirty="0" smtClean="0"/>
-              <a:t>Dificuldade de encontrar documentação de qualidade</a:t>
-            </a:r>
-            <a:endParaRPr lang="en-US" sz="1800" dirty="0"/>
+            <a:endParaRPr lang="en-US"/>
           </a:p>
         </p:txBody>
       </p:sp>
     </p:spTree>
     <p:extLst>
       <p:ext uri="{BB962C8B-B14F-4D97-AF65-F5344CB8AC3E}">
-        <p14:creationId xmlns:p14="http://schemas.microsoft.com/office/powerpoint/2010/main" val="893830351"/>
+        <p14:creationId xmlns:p14="http://schemas.microsoft.com/office/powerpoint/2010/main" val="3878268549"/>
       </p:ext>
     </p:extLst>
   </p:cSld>
@@ -9378,8 +9613,8 @@
           <a:p>
             <a:pPr algn="l"/>
             <a:r>
-              <a:rPr lang="pt-BR" sz="2400" dirty="0"/>
-              <a:t>Referências</a:t>
+              <a:rPr lang="pt-BR" sz="2400" dirty="0" smtClean="0"/>
+              <a:t>Conclusão</a:t>
             </a:r>
             <a:endParaRPr lang="en-US" sz="2400" dirty="0"/>
           </a:p>
@@ -9403,16 +9638,93 @@
           <a:lstStyle/>
           <a:p>
             <a:r>
+              <a:rPr lang="pt-BR" sz="1800" dirty="0" smtClean="0"/>
+              <a:t>Dificuldade de encontrar documentação de qualidade</a:t>
+            </a:r>
+            <a:endParaRPr lang="en-US" sz="1800" dirty="0"/>
+          </a:p>
+        </p:txBody>
+      </p:sp>
+    </p:spTree>
+    <p:extLst>
+      <p:ext uri="{BB962C8B-B14F-4D97-AF65-F5344CB8AC3E}">
+        <p14:creationId xmlns:p14="http://schemas.microsoft.com/office/powerpoint/2010/main" val="893830351"/>
+      </p:ext>
+    </p:extLst>
+  </p:cSld>
+  <p:clrMapOvr>
+    <a:masterClrMapping/>
+  </p:clrMapOvr>
+</p:sld>
+</file>
+
+<file path=ppt/slides/slide26.xml><?xml version="1.0" encoding="utf-8"?>
+<p:sld xmlns:a="http://schemas.openxmlformats.org/drawingml/2006/main" xmlns:r="http://schemas.openxmlformats.org/officeDocument/2006/relationships" xmlns:p="http://schemas.openxmlformats.org/presentationml/2006/main">
+  <p:cSld>
+    <p:spTree>
+      <p:nvGrpSpPr>
+        <p:cNvPr id="1" name=""/>
+        <p:cNvGrpSpPr/>
+        <p:nvPr/>
+      </p:nvGrpSpPr>
+      <p:grpSpPr>
+        <a:xfrm>
+          <a:off x="0" y="0"/>
+          <a:ext cx="0" cy="0"/>
+          <a:chOff x="0" y="0"/>
+          <a:chExt cx="0" cy="0"/>
+        </a:xfrm>
+      </p:grpSpPr>
+      <p:sp>
+        <p:nvSpPr>
+          <p:cNvPr id="2" name="Title 1"/>
+          <p:cNvSpPr>
+            <a:spLocks noGrp="1"/>
+          </p:cNvSpPr>
+          <p:nvPr>
+            <p:ph type="title"/>
+          </p:nvPr>
+        </p:nvSpPr>
+        <p:spPr/>
+        <p:txBody>
+          <a:bodyPr>
+            <a:normAutofit/>
+          </a:bodyPr>
+          <a:lstStyle/>
+          <a:p>
+            <a:pPr algn="l"/>
+            <a:r>
+              <a:rPr lang="pt-BR" sz="2400" dirty="0"/>
+              <a:t>Referências</a:t>
+            </a:r>
+            <a:endParaRPr lang="en-US" sz="2400" dirty="0"/>
+          </a:p>
+        </p:txBody>
+      </p:sp>
+      <p:sp>
+        <p:nvSpPr>
+          <p:cNvPr id="3" name="Content Placeholder 2"/>
+          <p:cNvSpPr>
+            <a:spLocks noGrp="1"/>
+          </p:cNvSpPr>
+          <p:nvPr>
+            <p:ph idx="1"/>
+          </p:nvPr>
+        </p:nvSpPr>
+        <p:spPr/>
+        <p:txBody>
+          <a:bodyPr>
+            <a:normAutofit/>
+          </a:bodyPr>
+          <a:lstStyle/>
+          <a:p>
+            <a:r>
               <a:rPr lang="pt-BR" sz="1600" dirty="0"/>
               <a:t>Thomas Hörmann. </a:t>
             </a:r>
             <a:r>
               <a:rPr lang="en-US" sz="1600" dirty="0"/>
-              <a:t>Parallel Algorithms for Sparse Grids in X10. </a:t>
-            </a:r>
-            <a:r>
-              <a:rPr lang="en-US" sz="1600" dirty="0"/>
-              <a:t>Bachelor Thesis in </a:t>
+              <a:t>Parallel Algorithms for Sparse Grids in X10. Bachelor Thesis in </a:t>
             </a:r>
             <a:r>
               <a:rPr lang="en-US" sz="1600" dirty="0" smtClean="0"/>
@@ -9607,12 +9919,19 @@
           </a:bodyPr>
           <a:lstStyle/>
           <a:p>
-            <a:pPr algn="just"/>
+            <a:pPr algn="l"/>
             <a:r>
               <a:rPr lang="pt-BR" sz="2400" dirty="0" smtClean="0"/>
-              <a:t>X10</a:t>
-            </a:r>
-            <a:endParaRPr lang="pt-BR" sz="2400" dirty="0"/>
+              <a:t>Visão geral</a:t>
+            </a:r>
+            <a:br>
+              <a:rPr lang="pt-BR" sz="2400" dirty="0" smtClean="0"/>
+            </a:br>
+            <a:r>
+              <a:rPr lang="pt-BR" sz="1800" dirty="0" smtClean="0"/>
+              <a:t>x10</a:t>
+            </a:r>
+            <a:endParaRPr lang="pt-BR" sz="1800" dirty="0"/>
           </a:p>
         </p:txBody>
       </p:sp>
@@ -9715,15 +10034,24 @@
         </p:nvSpPr>
         <p:spPr/>
         <p:txBody>
-          <a:bodyPr/>
+          <a:bodyPr>
+            <a:normAutofit/>
+          </a:bodyPr>
           <a:lstStyle/>
           <a:p>
-            <a:pPr algn="just"/>
-            <a:r>
-              <a:rPr lang="pt-BR" dirty="0" smtClean="0"/>
-              <a:t>X10</a:t>
-            </a:r>
-            <a:endParaRPr lang="pt-BR" dirty="0"/>
+            <a:pPr algn="l"/>
+            <a:r>
+              <a:rPr lang="pt-BR" sz="2400" dirty="0"/>
+              <a:t>Visão geral</a:t>
+            </a:r>
+            <a:br>
+              <a:rPr lang="pt-BR" sz="2400" dirty="0"/>
+            </a:br>
+            <a:r>
+              <a:rPr lang="pt-BR" sz="1800" dirty="0"/>
+              <a:t>x10</a:t>
+            </a:r>
+            <a:endParaRPr lang="pt-BR" sz="2400" dirty="0"/>
           </a:p>
         </p:txBody>
       </p:sp>
@@ -9745,36 +10073,36 @@
           <a:lstStyle/>
           <a:p>
             <a:r>
-              <a:rPr lang="pt-BR" sz="2000" dirty="0"/>
+              <a:rPr lang="pt-BR" sz="1800" dirty="0"/>
               <a:t>Modelo PGAS</a:t>
             </a:r>
           </a:p>
           <a:p>
             <a:pPr lvl="1"/>
             <a:r>
+              <a:rPr lang="en-US" altLang="pt-BR" sz="1600" dirty="0"/>
+              <a:t>Partitioned Global Address View</a:t>
+            </a:r>
+          </a:p>
+          <a:p>
+            <a:pPr lvl="1"/>
+            <a:endParaRPr lang="en-US" altLang="pt-BR" sz="1600" dirty="0"/>
+          </a:p>
+          <a:p>
+            <a:r>
+              <a:rPr lang="en-US" altLang="pt-BR" sz="1800" dirty="0" err="1"/>
+              <a:t>Baseado</a:t>
+            </a:r>
+            <a:r>
               <a:rPr lang="en-US" altLang="pt-BR" sz="1800" dirty="0"/>
-              <a:t>Partitioned Global Address View</a:t>
-            </a:r>
-          </a:p>
-          <a:p>
-            <a:pPr lvl="1"/>
-            <a:endParaRPr lang="en-US" altLang="pt-BR" sz="1800" dirty="0"/>
-          </a:p>
-          <a:p>
-            <a:r>
-              <a:rPr lang="en-US" altLang="pt-BR" sz="2200" dirty="0" err="1"/>
-              <a:t>Baseado</a:t>
-            </a:r>
-            <a:r>
-              <a:rPr lang="en-US" altLang="pt-BR" sz="2200" dirty="0"/>
               <a:t> </a:t>
             </a:r>
             <a:r>
-              <a:rPr lang="en-US" altLang="pt-BR" sz="2200" dirty="0" err="1"/>
+              <a:rPr lang="en-US" altLang="pt-BR" sz="1800" dirty="0" err="1"/>
               <a:t>em</a:t>
             </a:r>
             <a:r>
-              <a:rPr lang="en-US" altLang="pt-BR" sz="2200" dirty="0"/>
+              <a:rPr lang="en-US" altLang="pt-BR" sz="1800" dirty="0"/>
               <a:t> JAVA</a:t>
             </a:r>
           </a:p>
@@ -12533,10 +12861,28 @@
         </p:nvSpPr>
         <p:spPr/>
         <p:txBody>
-          <a:bodyPr/>
+          <a:bodyPr>
+            <a:normAutofit/>
+          </a:bodyPr>
           <a:lstStyle/>
           <a:p>
-            <a:endParaRPr lang="pt-BR"/>
+            <a:pPr algn="l"/>
+            <a:r>
+              <a:rPr lang="pt-BR" sz="2400" dirty="0"/>
+              <a:t>Visão geral</a:t>
+            </a:r>
+            <a:r>
+              <a:rPr lang="pt-BR" dirty="0"/>
+              <a:t/>
+            </a:r>
+            <a:br>
+              <a:rPr lang="pt-BR" dirty="0"/>
+            </a:br>
+            <a:r>
+              <a:rPr lang="pt-BR" sz="1800" dirty="0"/>
+              <a:t>x10</a:t>
+            </a:r>
+            <a:endParaRPr lang="pt-BR" sz="2400" dirty="0"/>
           </a:p>
         </p:txBody>
       </p:sp>
@@ -12560,17 +12906,17 @@
               <a:buChar char="•"/>
             </a:pPr>
             <a:r>
-              <a:rPr lang="en-US" altLang="pt-BR" sz="2200" dirty="0"/>
+              <a:rPr lang="en-US" altLang="pt-BR" sz="1600" dirty="0"/>
               <a:t>n distinct threads, p distinct memories (n &lt;&gt; p)</a:t>
             </a:r>
           </a:p>
           <a:p>
             <a:r>
-              <a:rPr lang="en-US" altLang="pt-BR" dirty="0" smtClean="0"/>
+              <a:rPr lang="en-US" altLang="pt-BR" sz="2000" dirty="0" smtClean="0"/>
               <a:t>PGAS memories are called </a:t>
             </a:r>
             <a:r>
-              <a:rPr lang="en-US" altLang="pt-BR" dirty="0" smtClean="0">
+              <a:rPr lang="en-US" altLang="pt-BR" sz="2000" dirty="0" smtClean="0">
                 <a:solidFill>
                   <a:srgbClr val="FF0000"/>
                 </a:solidFill>
@@ -12578,17 +12924,17 @@
               <a:t>places </a:t>
             </a:r>
             <a:r>
-              <a:rPr lang="en-US" altLang="pt-BR" dirty="0" smtClean="0"/>
+              <a:rPr lang="en-US" altLang="pt-BR" sz="2000" dirty="0" smtClean="0"/>
               <a:t>in X10</a:t>
             </a:r>
           </a:p>
           <a:p>
             <a:r>
-              <a:rPr lang="en-US" altLang="pt-BR" dirty="0" smtClean="0"/>
+              <a:rPr lang="en-US" altLang="pt-BR" sz="2000" dirty="0" smtClean="0"/>
               <a:t>PGAS threads are called </a:t>
             </a:r>
             <a:r>
-              <a:rPr lang="en-US" altLang="pt-BR" dirty="0" smtClean="0">
+              <a:rPr lang="en-US" altLang="pt-BR" sz="2000" dirty="0" smtClean="0">
                 <a:solidFill>
                   <a:srgbClr val="FF0000"/>
                 </a:solidFill>
@@ -12596,7 +12942,7 @@
               <a:t>activities </a:t>
             </a:r>
             <a:r>
-              <a:rPr lang="en-US" altLang="pt-BR" dirty="0" smtClean="0"/>
+              <a:rPr lang="en-US" altLang="pt-BR" sz="2000" dirty="0" smtClean="0"/>
               <a:t>in X10</a:t>
             </a:r>
           </a:p>
@@ -12708,15 +13054,24 @@
         </p:nvSpPr>
         <p:spPr/>
         <p:txBody>
-          <a:bodyPr/>
+          <a:bodyPr>
+            <a:normAutofit/>
+          </a:bodyPr>
           <a:lstStyle/>
           <a:p>
-            <a:pPr algn="just"/>
-            <a:r>
-              <a:rPr lang="pt-BR" dirty="0" smtClean="0"/>
-              <a:t>X10</a:t>
-            </a:r>
-            <a:endParaRPr lang="pt-BR" dirty="0"/>
+            <a:pPr algn="l"/>
+            <a:r>
+              <a:rPr lang="pt-BR" sz="2400" dirty="0"/>
+              <a:t>Visão geral</a:t>
+            </a:r>
+            <a:br>
+              <a:rPr lang="pt-BR" sz="2400" dirty="0"/>
+            </a:br>
+            <a:r>
+              <a:rPr lang="pt-BR" sz="1800" dirty="0"/>
+              <a:t>x10</a:t>
+            </a:r>
+            <a:endParaRPr lang="pt-BR" sz="2400" dirty="0"/>
           </a:p>
         </p:txBody>
       </p:sp>
@@ -12854,6 +13209,120 @@
 </file>
 
 <file path=ppt/slides/slide7.xml><?xml version="1.0" encoding="utf-8"?>
+<p:sld xmlns:a="http://schemas.openxmlformats.org/drawingml/2006/main" xmlns:r="http://schemas.openxmlformats.org/officeDocument/2006/relationships" xmlns:p="http://schemas.openxmlformats.org/presentationml/2006/main">
+  <p:cSld>
+    <p:spTree>
+      <p:nvGrpSpPr>
+        <p:cNvPr id="1" name=""/>
+        <p:cNvGrpSpPr/>
+        <p:nvPr/>
+      </p:nvGrpSpPr>
+      <p:grpSpPr>
+        <a:xfrm>
+          <a:off x="0" y="0"/>
+          <a:ext cx="0" cy="0"/>
+          <a:chOff x="0" y="0"/>
+          <a:chExt cx="0" cy="0"/>
+        </a:xfrm>
+      </p:grpSpPr>
+      <p:sp>
+        <p:nvSpPr>
+          <p:cNvPr id="2" name="Title 1"/>
+          <p:cNvSpPr>
+            <a:spLocks noGrp="1"/>
+          </p:cNvSpPr>
+          <p:nvPr>
+            <p:ph type="title"/>
+          </p:nvPr>
+        </p:nvSpPr>
+        <p:spPr/>
+        <p:txBody>
+          <a:bodyPr>
+            <a:normAutofit/>
+          </a:bodyPr>
+          <a:lstStyle/>
+          <a:p>
+            <a:pPr algn="l"/>
+            <a:r>
+              <a:rPr lang="pt-BR" sz="2400" dirty="0"/>
+              <a:t>Visão geral</a:t>
+            </a:r>
+            <a:br>
+              <a:rPr lang="pt-BR" sz="2400" dirty="0"/>
+            </a:br>
+            <a:r>
+              <a:rPr lang="pt-BR" sz="1800" dirty="0"/>
+              <a:t>x10</a:t>
+            </a:r>
+            <a:endParaRPr lang="pt-BR" sz="2400" dirty="0"/>
+          </a:p>
+        </p:txBody>
+      </p:sp>
+      <p:sp>
+        <p:nvSpPr>
+          <p:cNvPr id="3" name="Content Placeholder 2"/>
+          <p:cNvSpPr>
+            <a:spLocks noGrp="1"/>
+          </p:cNvSpPr>
+          <p:nvPr>
+            <p:ph idx="1"/>
+          </p:nvPr>
+        </p:nvSpPr>
+        <p:spPr/>
+        <p:txBody>
+          <a:bodyPr>
+            <a:normAutofit/>
+          </a:bodyPr>
+          <a:lstStyle/>
+          <a:p>
+            <a:r>
+              <a:rPr lang="pt-BR" sz="1800" dirty="0" smtClean="0"/>
+              <a:t>Documentação:</a:t>
+            </a:r>
+          </a:p>
+          <a:p>
+            <a:pPr lvl="1"/>
+            <a:r>
+              <a:rPr lang="pt-BR" sz="1600" dirty="0">
+                <a:hlinkClick r:id="rId2"/>
+              </a:rPr>
+              <a:t>http://x10.sourceforge.net/x10doc/2.6.0</a:t>
+            </a:r>
+            <a:r>
+              <a:rPr lang="pt-BR" sz="1600" dirty="0" smtClean="0">
+                <a:hlinkClick r:id="rId2"/>
+              </a:rPr>
+              <a:t>/</a:t>
+            </a:r>
+            <a:endParaRPr lang="pt-BR" sz="1600" dirty="0" smtClean="0"/>
+          </a:p>
+          <a:p>
+            <a:pPr lvl="1"/>
+            <a:endParaRPr lang="pt-BR" sz="1800" dirty="0" smtClean="0"/>
+          </a:p>
+        </p:txBody>
+      </p:sp>
+    </p:spTree>
+    <p:extLst>
+      <p:ext uri="{BB962C8B-B14F-4D97-AF65-F5344CB8AC3E}">
+        <p14:creationId xmlns:p14="http://schemas.microsoft.com/office/powerpoint/2010/main" val="4061401593"/>
+      </p:ext>
+    </p:extLst>
+  </p:cSld>
+  <p:clrMapOvr>
+    <a:masterClrMapping/>
+  </p:clrMapOvr>
+  <p:timing>
+    <p:tnLst>
+      <p:par>
+        <p:cTn id="1" dur="indefinite" restart="never" nodeType="tmRoot"/>
+      </p:par>
+    </p:tnLst>
+  </p:timing>
+</p:sld>
+</file>
+
+<file path=ppt/slides/slide8.xml><?xml version="1.0" encoding="utf-8"?>
 <p:sld xmlns:a="http://schemas.openxmlformats.org/drawingml/2006/main" xmlns:r="http://schemas.openxmlformats.org/officeDocument/2006/relationships" xmlns:p="http://schemas.openxmlformats.org/presentationml/2006/main">
   <p:cSld>
     <p:spTree>
@@ -12958,10 +13427,24 @@
         </p:nvSpPr>
         <p:spPr/>
         <p:txBody>
-          <a:bodyPr/>
+          <a:bodyPr>
+            <a:normAutofit/>
+          </a:bodyPr>
           <a:lstStyle/>
           <a:p>
-            <a:endParaRPr lang="pt-BR" dirty="0"/>
+            <a:pPr algn="l"/>
+            <a:r>
+              <a:rPr lang="pt-BR" sz="2400" dirty="0"/>
+              <a:t>Visão geral</a:t>
+            </a:r>
+            <a:br>
+              <a:rPr lang="pt-BR" sz="2400" dirty="0"/>
+            </a:br>
+            <a:r>
+              <a:rPr lang="pt-BR" sz="1800" dirty="0"/>
+              <a:t>x10</a:t>
+            </a:r>
+            <a:endParaRPr lang="pt-BR" sz="2400" dirty="0"/>
           </a:p>
         </p:txBody>
       </p:sp>
@@ -13372,7 +13855,6 @@
               <a:rPr lang="pt-BR" sz="1600" dirty="0"/>
               <a:t>Place 0</a:t>
             </a:r>
-            <a:endParaRPr lang="pt-BR" sz="1600" dirty="0"/>
           </a:p>
         </p:txBody>
       </p:sp>
@@ -13403,7 +13885,6 @@
               <a:rPr lang="pt-BR" sz="1600" dirty="0"/>
               <a:t>Place 2</a:t>
             </a:r>
-            <a:endParaRPr lang="pt-BR" sz="1600" dirty="0"/>
           </a:p>
         </p:txBody>
       </p:sp>
@@ -13434,7 +13915,6 @@
               <a:rPr lang="pt-BR" sz="1600" dirty="0"/>
               <a:t>Place 3</a:t>
             </a:r>
-            <a:endParaRPr lang="pt-BR" sz="1600" dirty="0"/>
           </a:p>
         </p:txBody>
       </p:sp>
@@ -13465,7 +13945,6 @@
               <a:rPr lang="pt-BR" sz="1600" dirty="0"/>
               <a:t>Place 1</a:t>
             </a:r>
-            <a:endParaRPr lang="pt-BR" sz="1600" dirty="0"/>
           </a:p>
         </p:txBody>
       </p:sp>
@@ -13521,193 +14000,6 @@
   <p:clrMapOvr>
     <a:masterClrMapping/>
   </p:clrMapOvr>
-</p:sld>
-</file>
-
-<file path=ppt/slides/slide8.xml><?xml version="1.0" encoding="utf-8"?>
-<p:sld xmlns:a="http://schemas.openxmlformats.org/drawingml/2006/main" xmlns:r="http://schemas.openxmlformats.org/officeDocument/2006/relationships" xmlns:p="http://schemas.openxmlformats.org/presentationml/2006/main">
-  <p:cSld>
-    <p:spTree>
-      <p:nvGrpSpPr>
-        <p:cNvPr id="1" name=""/>
-        <p:cNvGrpSpPr/>
-        <p:nvPr/>
-      </p:nvGrpSpPr>
-      <p:grpSpPr>
-        <a:xfrm>
-          <a:off x="0" y="0"/>
-          <a:ext cx="0" cy="0"/>
-          <a:chOff x="0" y="0"/>
-          <a:chExt cx="0" cy="0"/>
-        </a:xfrm>
-      </p:grpSpPr>
-      <p:sp>
-        <p:nvSpPr>
-          <p:cNvPr id="2" name="Title 1"/>
-          <p:cNvSpPr>
-            <a:spLocks noGrp="1"/>
-          </p:cNvSpPr>
-          <p:nvPr>
-            <p:ph type="title"/>
-          </p:nvPr>
-        </p:nvSpPr>
-        <p:spPr/>
-        <p:txBody>
-          <a:bodyPr/>
-          <a:lstStyle/>
-          <a:p>
-            <a:r>
-              <a:rPr lang="pt-BR" dirty="0" smtClean="0"/>
-              <a:t>X10</a:t>
-            </a:r>
-            <a:endParaRPr lang="pt-BR" dirty="0"/>
-          </a:p>
-        </p:txBody>
-      </p:sp>
-      <p:sp>
-        <p:nvSpPr>
-          <p:cNvPr id="3" name="Content Placeholder 2"/>
-          <p:cNvSpPr>
-            <a:spLocks noGrp="1"/>
-          </p:cNvSpPr>
-          <p:nvPr>
-            <p:ph idx="1"/>
-          </p:nvPr>
-        </p:nvSpPr>
-        <p:spPr/>
-        <p:txBody>
-          <a:bodyPr>
-            <a:normAutofit/>
-          </a:bodyPr>
-          <a:lstStyle/>
-          <a:p>
-            <a:r>
-              <a:rPr lang="pt-BR" sz="2000" dirty="0">
-                <a:cs typeface="Calibri" panose="020F0502020204030204" pitchFamily="34" charset="0"/>
-              </a:rPr>
-              <a:t>Declaração de variáveis:</a:t>
-            </a:r>
-          </a:p>
-          <a:p>
-            <a:pPr lvl="1"/>
-            <a:r>
-              <a:rPr lang="en-US" altLang="pt-BR" sz="1800" dirty="0" err="1">
-                <a:cs typeface="Calibri" panose="020F0502020204030204" pitchFamily="34" charset="0"/>
-              </a:rPr>
-              <a:t>var</a:t>
-            </a:r>
-            <a:r>
-              <a:rPr lang="en-US" altLang="pt-BR" sz="1800" dirty="0">
-                <a:cs typeface="Calibri" panose="020F0502020204030204" pitchFamily="34" charset="0"/>
-              </a:rPr>
-              <a:t> &lt;name&gt; : &lt;type&gt;</a:t>
-            </a:r>
-          </a:p>
-          <a:p>
-            <a:pPr lvl="1"/>
-            <a:r>
-              <a:rPr lang="en-US" altLang="pt-BR" sz="1800" dirty="0" err="1">
-                <a:cs typeface="Calibri" panose="020F0502020204030204" pitchFamily="34" charset="0"/>
-              </a:rPr>
-              <a:t>val</a:t>
-            </a:r>
-            <a:r>
-              <a:rPr lang="en-US" altLang="pt-BR" sz="1800" dirty="0">
-                <a:cs typeface="Calibri" panose="020F0502020204030204" pitchFamily="34" charset="0"/>
-              </a:rPr>
-              <a:t> &lt;name&gt; : &lt;type&gt; (</a:t>
-            </a:r>
-            <a:r>
-              <a:rPr lang="en-US" altLang="pt-BR" sz="1800" dirty="0" err="1">
-                <a:cs typeface="Calibri" panose="020F0502020204030204" pitchFamily="34" charset="0"/>
-              </a:rPr>
-              <a:t>sistema</a:t>
-            </a:r>
-            <a:r>
-              <a:rPr lang="en-US" altLang="pt-BR" sz="1800" dirty="0">
-                <a:cs typeface="Calibri" panose="020F0502020204030204" pitchFamily="34" charset="0"/>
-              </a:rPr>
-              <a:t> </a:t>
-            </a:r>
-            <a:r>
-              <a:rPr lang="en-US" altLang="pt-BR" sz="1800" dirty="0" err="1">
-                <a:cs typeface="Calibri" panose="020F0502020204030204" pitchFamily="34" charset="0"/>
-              </a:rPr>
-              <a:t>deduz</a:t>
-            </a:r>
-            <a:r>
-              <a:rPr lang="en-US" altLang="pt-BR" sz="1800" dirty="0">
-                <a:cs typeface="Calibri" panose="020F0502020204030204" pitchFamily="34" charset="0"/>
-              </a:rPr>
-              <a:t> o “type”)</a:t>
-            </a:r>
-            <a:endParaRPr lang="en-US" altLang="pt-BR" sz="1800" i="1" dirty="0">
-              <a:cs typeface="Calibri" panose="020F0502020204030204" pitchFamily="34" charset="0"/>
-            </a:endParaRPr>
-          </a:p>
-          <a:p>
-            <a:pPr lvl="1"/>
-            <a:endParaRPr lang="en-US" altLang="pt-BR" sz="1400" dirty="0">
-              <a:cs typeface="Calibri" panose="020F0502020204030204" pitchFamily="34" charset="0"/>
-            </a:endParaRPr>
-          </a:p>
-          <a:p>
-            <a:r>
-              <a:rPr lang="en-US" altLang="pt-BR" sz="2000" dirty="0" err="1">
-                <a:cs typeface="Calibri" panose="020F0502020204030204" pitchFamily="34" charset="0"/>
-              </a:rPr>
-              <a:t>Tipos</a:t>
-            </a:r>
-            <a:r>
-              <a:rPr lang="en-US" altLang="pt-BR" sz="2000" dirty="0">
-                <a:cs typeface="Calibri" panose="020F0502020204030204" pitchFamily="34" charset="0"/>
-              </a:rPr>
-              <a:t> </a:t>
-            </a:r>
-            <a:r>
-              <a:rPr lang="en-US" altLang="pt-BR" sz="2000" dirty="0" err="1">
-                <a:cs typeface="Calibri" panose="020F0502020204030204" pitchFamily="34" charset="0"/>
-              </a:rPr>
-              <a:t>genéricos</a:t>
-            </a:r>
-            <a:r>
-              <a:rPr lang="en-US" altLang="pt-BR" sz="2000" dirty="0">
-                <a:cs typeface="Calibri" panose="020F0502020204030204" pitchFamily="34" charset="0"/>
-              </a:rPr>
-              <a:t>:</a:t>
-            </a:r>
-          </a:p>
-          <a:p>
-            <a:pPr lvl="1"/>
-            <a:r>
-              <a:rPr lang="en-US" altLang="pt-BR" sz="1800" dirty="0">
-                <a:cs typeface="Calibri" panose="020F0502020204030204" pitchFamily="34" charset="0"/>
-              </a:rPr>
-              <a:t>Array[Type](Dim)</a:t>
-            </a:r>
-            <a:endParaRPr lang="pt-BR" sz="1800" dirty="0">
-              <a:cs typeface="Calibri" panose="020F0502020204030204" pitchFamily="34" charset="0"/>
-            </a:endParaRPr>
-          </a:p>
-        </p:txBody>
-      </p:sp>
-    </p:spTree>
-    <p:extLst>
-      <p:ext uri="{BB962C8B-B14F-4D97-AF65-F5344CB8AC3E}">
-        <p14:creationId xmlns:p14="http://schemas.microsoft.com/office/powerpoint/2010/main" val="3815694080"/>
-      </p:ext>
-    </p:extLst>
-  </p:cSld>
-  <p:clrMapOvr>
-    <a:masterClrMapping/>
-  </p:clrMapOvr>
-  <p:timing>
-    <p:tnLst>
-      <p:par>
-        <p:cTn id="1" dur="indefinite" restart="never" nodeType="tmRoot"/>
-      </p:par>
-    </p:tnLst>
-  </p:timing>
 </p:sld>
 </file>
 
@@ -13745,12 +14037,12 @@
           </a:bodyPr>
           <a:lstStyle/>
           <a:p>
-            <a:pPr algn="just"/>
-            <a:r>
-              <a:rPr lang="pt-BR" sz="2400" dirty="0"/>
-              <a:t>X10</a:t>
-            </a:r>
-            <a:endParaRPr lang="pt-BR" sz="2400" dirty="0"/>
+            <a:pPr lvl="1"/>
+            <a:r>
+              <a:rPr lang="pt-BR" sz="2400" dirty="0" smtClean="0"/>
+              <a:t>Características principais da linguagem</a:t>
+            </a:r>
+            <a:endParaRPr lang="pt-BR" sz="2400" dirty="0" smtClean="0"/>
           </a:p>
         </p:txBody>
       </p:sp>
@@ -13767,106 +14059,124 @@
         <p:spPr/>
         <p:txBody>
           <a:bodyPr>
-            <a:noAutofit/>
+            <a:normAutofit/>
           </a:bodyPr>
           <a:lstStyle/>
           <a:p>
             <a:r>
-              <a:rPr lang="pt-BR" sz="1800" b="1" dirty="0"/>
-              <a:t>async </a:t>
-            </a:r>
-            <a:r>
-              <a:rPr lang="pt-BR" sz="1800" b="1" dirty="0"/>
-              <a:t>S</a:t>
-            </a:r>
-          </a:p>
-          <a:p>
-            <a:endParaRPr lang="pt-BR" sz="1800" b="1" dirty="0"/>
-          </a:p>
-          <a:p>
-            <a:r>
-              <a:rPr lang="pt-BR" sz="1800" b="1" dirty="0"/>
-              <a:t>atomic </a:t>
-            </a:r>
-            <a:r>
-              <a:rPr lang="pt-BR" sz="1800" b="1" dirty="0"/>
-              <a:t>S</a:t>
-            </a:r>
-          </a:p>
-          <a:p>
-            <a:r>
-              <a:rPr lang="pt-BR" sz="1800" b="1" dirty="0"/>
-              <a:t>when </a:t>
-            </a:r>
-            <a:r>
-              <a:rPr lang="pt-BR" sz="1800" b="1" dirty="0"/>
-              <a:t>(c) S</a:t>
-            </a:r>
-          </a:p>
-          <a:p>
-            <a:endParaRPr lang="pt-BR" sz="1800" b="1" dirty="0"/>
-          </a:p>
-          <a:p>
-            <a:r>
-              <a:rPr lang="pt-BR" sz="1800" b="1" dirty="0"/>
-              <a:t>at </a:t>
-            </a:r>
-            <a:r>
-              <a:rPr lang="pt-BR" sz="1800" b="1" dirty="0"/>
-              <a:t>(P) S</a:t>
-            </a:r>
-          </a:p>
-          <a:p>
-            <a:endParaRPr lang="pt-BR" sz="1800" b="1" dirty="0"/>
-          </a:p>
-          <a:p>
-            <a:r>
-              <a:rPr lang="pt-BR" sz="1800" b="1" dirty="0"/>
-              <a:t>finish </a:t>
-            </a:r>
-            <a:r>
-              <a:rPr lang="pt-BR" sz="1800" b="1" dirty="0"/>
-              <a:t>S</a:t>
-            </a:r>
-          </a:p>
-          <a:p>
-            <a:r>
-              <a:rPr lang="pt-BR" sz="1800" b="1" dirty="0"/>
-              <a:t>clocked</a:t>
-            </a:r>
-            <a:r>
-              <a:rPr lang="pt-BR" sz="1800" b="1" dirty="0"/>
-              <a:t>, </a:t>
-            </a:r>
-            <a:r>
-              <a:rPr lang="pt-BR" sz="1800" b="1" dirty="0"/>
-              <a:t>next</a:t>
-            </a:r>
-          </a:p>
-          <a:p>
-            <a:endParaRPr lang="pt-BR" sz="1800" b="1" dirty="0"/>
-          </a:p>
-          <a:p>
-            <a:r>
-              <a:rPr lang="pt-BR" sz="1800" b="1" dirty="0"/>
-              <a:t>points</a:t>
-            </a:r>
-            <a:r>
-              <a:rPr lang="pt-BR" sz="1800" b="1" dirty="0"/>
-              <a:t>, regions</a:t>
-            </a:r>
-            <a:r>
-              <a:rPr lang="pt-BR" sz="1800" b="1" dirty="0"/>
-              <a:t>, distributions, arrays</a:t>
-            </a:r>
-            <a:endParaRPr lang="pt-BR" sz="1800" b="1" dirty="0"/>
+              <a:rPr lang="pt-BR" sz="2000" dirty="0">
+                <a:cs typeface="Calibri" panose="020F0502020204030204" pitchFamily="34" charset="0"/>
+              </a:rPr>
+              <a:t>Declaração de variáveis:</a:t>
+            </a:r>
+          </a:p>
+          <a:p>
+            <a:pPr lvl="1"/>
+            <a:r>
+              <a:rPr lang="en-US" altLang="pt-BR" sz="1800" dirty="0" err="1">
+                <a:cs typeface="Calibri" panose="020F0502020204030204" pitchFamily="34" charset="0"/>
+              </a:rPr>
+              <a:t>var</a:t>
+            </a:r>
+            <a:r>
+              <a:rPr lang="en-US" altLang="pt-BR" sz="1800" dirty="0">
+                <a:cs typeface="Calibri" panose="020F0502020204030204" pitchFamily="34" charset="0"/>
+              </a:rPr>
+              <a:t> &lt;name&gt; : &lt;type&gt;</a:t>
+            </a:r>
+          </a:p>
+          <a:p>
+            <a:pPr lvl="1"/>
+            <a:r>
+              <a:rPr lang="en-US" altLang="pt-BR" sz="1800" dirty="0" err="1">
+                <a:cs typeface="Calibri" panose="020F0502020204030204" pitchFamily="34" charset="0"/>
+              </a:rPr>
+              <a:t>val</a:t>
+            </a:r>
+            <a:r>
+              <a:rPr lang="en-US" altLang="pt-BR" sz="1800" dirty="0">
+                <a:cs typeface="Calibri" panose="020F0502020204030204" pitchFamily="34" charset="0"/>
+              </a:rPr>
+              <a:t> &lt;name&gt; : &lt;type&gt; (</a:t>
+            </a:r>
+            <a:r>
+              <a:rPr lang="en-US" altLang="pt-BR" sz="1800" dirty="0" err="1">
+                <a:cs typeface="Calibri" panose="020F0502020204030204" pitchFamily="34" charset="0"/>
+              </a:rPr>
+              <a:t>sistema</a:t>
+            </a:r>
+            <a:r>
+              <a:rPr lang="en-US" altLang="pt-BR" sz="1800" dirty="0">
+                <a:cs typeface="Calibri" panose="020F0502020204030204" pitchFamily="34" charset="0"/>
+              </a:rPr>
+              <a:t> </a:t>
+            </a:r>
+            <a:r>
+              <a:rPr lang="en-US" altLang="pt-BR" sz="1800" dirty="0" err="1">
+                <a:cs typeface="Calibri" panose="020F0502020204030204" pitchFamily="34" charset="0"/>
+              </a:rPr>
+              <a:t>deduz</a:t>
+            </a:r>
+            <a:r>
+              <a:rPr lang="en-US" altLang="pt-BR" sz="1800" dirty="0">
+                <a:cs typeface="Calibri" panose="020F0502020204030204" pitchFamily="34" charset="0"/>
+              </a:rPr>
+              <a:t> o “type”)</a:t>
+            </a:r>
+            <a:endParaRPr lang="en-US" altLang="pt-BR" sz="1800" i="1" dirty="0">
+              <a:cs typeface="Calibri" panose="020F0502020204030204" pitchFamily="34" charset="0"/>
+            </a:endParaRPr>
+          </a:p>
+          <a:p>
+            <a:pPr lvl="1"/>
+            <a:endParaRPr lang="en-US" altLang="pt-BR" sz="1400" dirty="0">
+              <a:cs typeface="Calibri" panose="020F0502020204030204" pitchFamily="34" charset="0"/>
+            </a:endParaRPr>
+          </a:p>
+          <a:p>
+            <a:r>
+              <a:rPr lang="en-US" altLang="pt-BR" sz="2000" dirty="0" err="1">
+                <a:cs typeface="Calibri" panose="020F0502020204030204" pitchFamily="34" charset="0"/>
+              </a:rPr>
+              <a:t>Tipos</a:t>
+            </a:r>
+            <a:r>
+              <a:rPr lang="en-US" altLang="pt-BR" sz="2000" dirty="0">
+                <a:cs typeface="Calibri" panose="020F0502020204030204" pitchFamily="34" charset="0"/>
+              </a:rPr>
+              <a:t> </a:t>
+            </a:r>
+            <a:r>
+              <a:rPr lang="en-US" altLang="pt-BR" sz="2000" dirty="0" err="1">
+                <a:cs typeface="Calibri" panose="020F0502020204030204" pitchFamily="34" charset="0"/>
+              </a:rPr>
+              <a:t>genéricos</a:t>
+            </a:r>
+            <a:r>
+              <a:rPr lang="en-US" altLang="pt-BR" sz="2000" dirty="0">
+                <a:cs typeface="Calibri" panose="020F0502020204030204" pitchFamily="34" charset="0"/>
+              </a:rPr>
+              <a:t>:</a:t>
+            </a:r>
+          </a:p>
+          <a:p>
+            <a:pPr lvl="1"/>
+            <a:r>
+              <a:rPr lang="en-US" altLang="pt-BR" sz="1800" dirty="0">
+                <a:cs typeface="Calibri" panose="020F0502020204030204" pitchFamily="34" charset="0"/>
+              </a:rPr>
+              <a:t>Array[Type](Dim)</a:t>
+            </a:r>
+            <a:endParaRPr lang="pt-BR" sz="1800" dirty="0">
+              <a:cs typeface="Calibri" panose="020F0502020204030204" pitchFamily="34" charset="0"/>
+            </a:endParaRPr>
           </a:p>
         </p:txBody>
       </p:sp>
     </p:spTree>
     <p:extLst>
       <p:ext uri="{BB962C8B-B14F-4D97-AF65-F5344CB8AC3E}">
-        <p14:creationId xmlns:p14="http://schemas.microsoft.com/office/powerpoint/2010/main" val="2337113772"/>
+        <p14:creationId xmlns:p14="http://schemas.microsoft.com/office/powerpoint/2010/main" val="3815694080"/>
       </p:ext>
     </p:extLst>
   </p:cSld>

--- a/x10.pptx
+++ b/x10.pptx
@@ -5,7 +5,7 @@
     <p:sldMasterId id="2147483648" r:id="rId1"/>
   </p:sldMasterIdLst>
   <p:notesMasterIdLst>
-    <p:notesMasterId r:id="rId28"/>
+    <p:notesMasterId r:id="rId29"/>
   </p:notesMasterIdLst>
   <p:sldIdLst>
     <p:sldId id="256" r:id="rId2"/>
@@ -13,27 +13,28 @@
     <p:sldId id="289" r:id="rId4"/>
     <p:sldId id="258" r:id="rId5"/>
     <p:sldId id="260" r:id="rId6"/>
-    <p:sldId id="259" r:id="rId7"/>
-    <p:sldId id="293" r:id="rId8"/>
-    <p:sldId id="262" r:id="rId9"/>
+    <p:sldId id="262" r:id="rId7"/>
+    <p:sldId id="259" r:id="rId8"/>
+    <p:sldId id="293" r:id="rId9"/>
     <p:sldId id="279" r:id="rId10"/>
     <p:sldId id="283" r:id="rId11"/>
     <p:sldId id="264" r:id="rId12"/>
     <p:sldId id="287" r:id="rId13"/>
     <p:sldId id="265" r:id="rId14"/>
     <p:sldId id="288" r:id="rId15"/>
-    <p:sldId id="263" r:id="rId16"/>
-    <p:sldId id="291" r:id="rId17"/>
-    <p:sldId id="266" r:id="rId18"/>
-    <p:sldId id="292" r:id="rId19"/>
-    <p:sldId id="284" r:id="rId20"/>
-    <p:sldId id="267" r:id="rId21"/>
-    <p:sldId id="285" r:id="rId22"/>
-    <p:sldId id="281" r:id="rId23"/>
-    <p:sldId id="280" r:id="rId24"/>
-    <p:sldId id="294" r:id="rId25"/>
-    <p:sldId id="290" r:id="rId26"/>
-    <p:sldId id="286" r:id="rId27"/>
+    <p:sldId id="266" r:id="rId16"/>
+    <p:sldId id="292" r:id="rId17"/>
+    <p:sldId id="295" r:id="rId18"/>
+    <p:sldId id="296" r:id="rId19"/>
+    <p:sldId id="297" r:id="rId20"/>
+    <p:sldId id="284" r:id="rId21"/>
+    <p:sldId id="267" r:id="rId22"/>
+    <p:sldId id="285" r:id="rId23"/>
+    <p:sldId id="281" r:id="rId24"/>
+    <p:sldId id="280" r:id="rId25"/>
+    <p:sldId id="294" r:id="rId26"/>
+    <p:sldId id="290" r:id="rId27"/>
+    <p:sldId id="286" r:id="rId28"/>
   </p:sldIdLst>
   <p:sldSz cx="12192000" cy="6858000"/>
   <p:notesSz cx="6858000" cy="9144000"/>
@@ -134,7 +135,7 @@
   </p:defaultTextStyle>
   <p:extLst>
     <p:ext uri="{EFAFB233-063F-42B5-8137-9DF3F51BA10A}">
-      <p15:sldGuideLst xmlns:p15="http://schemas.microsoft.com/office/powerpoint/2012/main">
+      <p15:sldGuideLst xmlns:p15="http://schemas.microsoft.com/office/powerpoint/2012/main" xmlns="">
         <p15:guide id="1" orient="horz" pos="2160" userDrawn="1">
           <p15:clr>
             <a:srgbClr val="A4A3A4"/>
@@ -499,6 +500,90 @@
     </a:lvl9pPr>
   </p:notesStyle>
 </p:notesMaster>
+</file>
+
+<file path=ppt/notesSlides/notesSlide1.xml><?xml version="1.0" encoding="utf-8"?>
+<p:notes xmlns:a="http://schemas.openxmlformats.org/drawingml/2006/main" xmlns:r="http://schemas.openxmlformats.org/officeDocument/2006/relationships" xmlns:p="http://schemas.openxmlformats.org/presentationml/2006/main">
+  <p:cSld>
+    <p:spTree>
+      <p:nvGrpSpPr>
+        <p:cNvPr id="1" name=""/>
+        <p:cNvGrpSpPr/>
+        <p:nvPr/>
+      </p:nvGrpSpPr>
+      <p:grpSpPr>
+        <a:xfrm>
+          <a:off x="0" y="0"/>
+          <a:ext cx="0" cy="0"/>
+          <a:chOff x="0" y="0"/>
+          <a:chExt cx="0" cy="0"/>
+        </a:xfrm>
+      </p:grpSpPr>
+      <p:sp>
+        <p:nvSpPr>
+          <p:cNvPr id="2" name="Slide Image Placeholder 1"/>
+          <p:cNvSpPr>
+            <a:spLocks noGrp="1" noRot="1" noChangeAspect="1"/>
+          </p:cNvSpPr>
+          <p:nvPr>
+            <p:ph type="sldImg"/>
+          </p:nvPr>
+        </p:nvSpPr>
+        <p:spPr/>
+      </p:sp>
+      <p:sp>
+        <p:nvSpPr>
+          <p:cNvPr id="3" name="Notes Placeholder 2"/>
+          <p:cNvSpPr>
+            <a:spLocks noGrp="1"/>
+          </p:cNvSpPr>
+          <p:nvPr>
+            <p:ph type="body" idx="1"/>
+          </p:nvPr>
+        </p:nvSpPr>
+        <p:spPr/>
+        <p:txBody>
+          <a:bodyPr/>
+          <a:lstStyle/>
+          <a:p>
+            <a:endParaRPr lang="pt-BR" dirty="0"/>
+          </a:p>
+        </p:txBody>
+      </p:sp>
+      <p:sp>
+        <p:nvSpPr>
+          <p:cNvPr id="4" name="Slide Number Placeholder 3"/>
+          <p:cNvSpPr>
+            <a:spLocks noGrp="1"/>
+          </p:cNvSpPr>
+          <p:nvPr>
+            <p:ph type="sldNum" sz="quarter" idx="10"/>
+          </p:nvPr>
+        </p:nvSpPr>
+        <p:spPr/>
+        <p:txBody>
+          <a:bodyPr/>
+          <a:lstStyle/>
+          <a:p>
+            <a:fld id="{0177588E-FF8D-4B7F-949A-E4520B6F113C}" type="slidenum">
+              <a:rPr lang="pt-BR" smtClean="0"/>
+              <a:t>4</a:t>
+            </a:fld>
+            <a:endParaRPr lang="pt-BR"/>
+          </a:p>
+        </p:txBody>
+      </p:sp>
+    </p:spTree>
+    <p:extLst>
+      <p:ext uri="{BB962C8B-B14F-4D97-AF65-F5344CB8AC3E}">
+        <p14:creationId xmlns:p14="http://schemas.microsoft.com/office/powerpoint/2010/main" val="2732860854"/>
+      </p:ext>
+    </p:extLst>
+  </p:cSld>
+  <p:clrMapOvr>
+    <a:masterClrMapping/>
+  </p:clrMapOvr>
+</p:notes>
 </file>
 
 <file path=ppt/slideLayouts/slideLayout1.xml><?xml version="1.0" encoding="utf-8"?>
@@ -3610,7 +3695,6 @@
               <a:rPr lang="pt-BR" sz="2400" dirty="0"/>
               <a:t>Características principais da linguagem</a:t>
             </a:r>
-            <a:endParaRPr lang="pt-BR" sz="2400" dirty="0"/>
           </a:p>
         </p:txBody>
       </p:sp>
@@ -3631,48 +3715,43 @@
           </a:bodyPr>
           <a:lstStyle/>
           <a:p>
+            <a:endParaRPr lang="pt-BR" sz="1800" b="1" i="1" dirty="0" smtClean="0"/>
+          </a:p>
+          <a:p>
+            <a:endParaRPr lang="pt-BR" sz="1800" b="1" dirty="0" smtClean="0"/>
+          </a:p>
+          <a:p>
+            <a:endParaRPr lang="pt-BR" sz="1800" b="1" dirty="0"/>
+          </a:p>
+          <a:p>
+            <a:endParaRPr lang="pt-BR" sz="1800" b="1" dirty="0" smtClean="0"/>
+          </a:p>
+          <a:p>
+            <a:endParaRPr lang="pt-BR" sz="1800" b="1" dirty="0"/>
+          </a:p>
+          <a:p>
+            <a:endParaRPr lang="pt-BR" sz="1800" b="1" dirty="0" smtClean="0"/>
+          </a:p>
+          <a:p>
+            <a:endParaRPr lang="pt-BR" sz="1800" b="1" dirty="0"/>
+          </a:p>
+          <a:p>
+            <a:endParaRPr lang="pt-BR" sz="1800" b="1" dirty="0" smtClean="0"/>
+          </a:p>
+          <a:p>
+            <a:endParaRPr lang="pt-BR" sz="1800" b="1" dirty="0"/>
+          </a:p>
+          <a:p>
+            <a:endParaRPr lang="pt-BR" sz="1800" b="1" dirty="0" smtClean="0"/>
+          </a:p>
+          <a:p>
+            <a:r>
+              <a:rPr lang="pt-BR" sz="1800" b="1" dirty="0" smtClean="0"/>
+              <a:t>clocked</a:t>
+            </a:r>
             <a:r>
               <a:rPr lang="pt-BR" sz="1800" b="1" dirty="0"/>
-              <a:t>async S</a:t>
-            </a:r>
-          </a:p>
-          <a:p>
-            <a:endParaRPr lang="pt-BR" sz="1800" b="1" dirty="0"/>
-          </a:p>
-          <a:p>
-            <a:r>
-              <a:rPr lang="pt-BR" sz="1800" b="1" dirty="0"/>
-              <a:t>atomic S</a:t>
-            </a:r>
-          </a:p>
-          <a:p>
-            <a:r>
-              <a:rPr lang="pt-BR" sz="1800" b="1" dirty="0"/>
-              <a:t>when (c) S</a:t>
-            </a:r>
-          </a:p>
-          <a:p>
-            <a:endParaRPr lang="pt-BR" sz="1800" b="1" dirty="0"/>
-          </a:p>
-          <a:p>
-            <a:r>
-              <a:rPr lang="pt-BR" sz="1800" b="1" dirty="0"/>
-              <a:t>at (P) S</a:t>
-            </a:r>
-          </a:p>
-          <a:p>
-            <a:endParaRPr lang="pt-BR" sz="1800" b="1" dirty="0"/>
-          </a:p>
-          <a:p>
-            <a:r>
-              <a:rPr lang="pt-BR" sz="1800" b="1" dirty="0"/>
-              <a:t>finish S</a:t>
-            </a:r>
-          </a:p>
-          <a:p>
-            <a:r>
-              <a:rPr lang="pt-BR" sz="1800" b="1" dirty="0"/>
-              <a:t>clocked, next</a:t>
+              <a:t>, next</a:t>
             </a:r>
           </a:p>
           <a:p>
@@ -3683,6 +3762,242 @@
               <a:rPr lang="pt-BR" sz="1800" b="1" dirty="0"/>
               <a:t>points, regions, distributions, arrays</a:t>
             </a:r>
+          </a:p>
+        </p:txBody>
+      </p:sp>
+      <p:sp>
+        <p:nvSpPr>
+          <p:cNvPr id="4" name="Rectangle 3"/>
+          <p:cNvSpPr/>
+          <p:nvPr/>
+        </p:nvSpPr>
+        <p:spPr>
+          <a:xfrm>
+            <a:off x="1127448" y="1635365"/>
+            <a:ext cx="2160240" cy="648071"/>
+          </a:xfrm>
+          <a:prstGeom prst="rect">
+            <a:avLst/>
+          </a:prstGeom>
+        </p:spPr>
+        <p:style>
+          <a:lnRef idx="2">
+            <a:schemeClr val="dk1"/>
+          </a:lnRef>
+          <a:fillRef idx="1">
+            <a:schemeClr val="lt1"/>
+          </a:fillRef>
+          <a:effectRef idx="0">
+            <a:schemeClr val="dk1"/>
+          </a:effectRef>
+          <a:fontRef idx="minor">
+            <a:schemeClr val="dk1"/>
+          </a:fontRef>
+        </p:style>
+        <p:txBody>
+          <a:bodyPr rtlCol="0" anchor="ctr"/>
+          <a:lstStyle/>
+          <a:p>
+            <a:pPr algn="just"/>
+            <a:r>
+              <a:rPr lang="pt-BR" sz="1600" dirty="0" smtClean="0"/>
+              <a:t>Concorrência:</a:t>
+            </a:r>
+          </a:p>
+          <a:p>
+            <a:pPr marL="285750" indent="-285750" algn="just">
+              <a:buFont typeface="Arial" panose="020B0604020202020204" pitchFamily="34" charset="0"/>
+              <a:buChar char="•"/>
+            </a:pPr>
+            <a:r>
+              <a:rPr lang="pt-BR" sz="1600" dirty="0" smtClean="0"/>
+              <a:t>async S</a:t>
+            </a:r>
+            <a:endParaRPr lang="pt-BR" sz="1600" dirty="0"/>
+          </a:p>
+        </p:txBody>
+      </p:sp>
+      <p:sp>
+        <p:nvSpPr>
+          <p:cNvPr id="5" name="Rectangle 4"/>
+          <p:cNvSpPr/>
+          <p:nvPr/>
+        </p:nvSpPr>
+        <p:spPr>
+          <a:xfrm>
+            <a:off x="3275029" y="3105199"/>
+            <a:ext cx="3520008" cy="932739"/>
+          </a:xfrm>
+          <a:prstGeom prst="rect">
+            <a:avLst/>
+          </a:prstGeom>
+        </p:spPr>
+        <p:style>
+          <a:lnRef idx="2">
+            <a:schemeClr val="dk1"/>
+          </a:lnRef>
+          <a:fillRef idx="1">
+            <a:schemeClr val="lt1"/>
+          </a:fillRef>
+          <a:effectRef idx="0">
+            <a:schemeClr val="dk1"/>
+          </a:effectRef>
+          <a:fontRef idx="minor">
+            <a:schemeClr val="dk1"/>
+          </a:fontRef>
+        </p:style>
+        <p:txBody>
+          <a:bodyPr rtlCol="0" anchor="ctr"/>
+          <a:lstStyle/>
+          <a:p>
+            <a:pPr algn="just"/>
+            <a:r>
+              <a:rPr lang="pt-BR" sz="1600" dirty="0" smtClean="0"/>
+              <a:t>Atomicidade e sincronização:</a:t>
+            </a:r>
+          </a:p>
+          <a:p>
+            <a:pPr marL="285750" indent="-285750" algn="just">
+              <a:buFont typeface="Arial" panose="020B0604020202020204" pitchFamily="34" charset="0"/>
+              <a:buChar char="•"/>
+            </a:pPr>
+            <a:r>
+              <a:rPr lang="pt-BR" sz="1600" dirty="0" smtClean="0"/>
+              <a:t>atomic S</a:t>
+            </a:r>
+          </a:p>
+          <a:p>
+            <a:pPr marL="285750" indent="-285750" algn="just">
+              <a:buFont typeface="Arial" panose="020B0604020202020204" pitchFamily="34" charset="0"/>
+              <a:buChar char="•"/>
+            </a:pPr>
+            <a:r>
+              <a:rPr lang="pt-BR" sz="1600" dirty="0"/>
+              <a:t>w</a:t>
+            </a:r>
+            <a:r>
+              <a:rPr lang="pt-BR" sz="1600" dirty="0" smtClean="0"/>
+              <a:t>hen (c) S</a:t>
+            </a:r>
+            <a:endParaRPr lang="pt-BR" sz="1600" dirty="0"/>
+          </a:p>
+        </p:txBody>
+      </p:sp>
+      <p:sp>
+        <p:nvSpPr>
+          <p:cNvPr id="6" name="Rectangle 5"/>
+          <p:cNvSpPr/>
+          <p:nvPr/>
+        </p:nvSpPr>
+        <p:spPr>
+          <a:xfrm>
+            <a:off x="2203128" y="2380912"/>
+            <a:ext cx="2160240" cy="616040"/>
+          </a:xfrm>
+          <a:prstGeom prst="rect">
+            <a:avLst/>
+          </a:prstGeom>
+        </p:spPr>
+        <p:style>
+          <a:lnRef idx="2">
+            <a:schemeClr val="dk1"/>
+          </a:lnRef>
+          <a:fillRef idx="1">
+            <a:schemeClr val="lt1"/>
+          </a:fillRef>
+          <a:effectRef idx="0">
+            <a:schemeClr val="dk1"/>
+          </a:effectRef>
+          <a:fontRef idx="minor">
+            <a:schemeClr val="dk1"/>
+          </a:fontRef>
+        </p:style>
+        <p:txBody>
+          <a:bodyPr rtlCol="0" anchor="ctr"/>
+          <a:lstStyle/>
+          <a:p>
+            <a:pPr algn="just"/>
+            <a:r>
+              <a:rPr lang="pt-BR" sz="1600" dirty="0" smtClean="0"/>
+              <a:t>Ordenação:</a:t>
+            </a:r>
+          </a:p>
+          <a:p>
+            <a:pPr marL="285750" indent="-285750" algn="just">
+              <a:buFont typeface="Arial" panose="020B0604020202020204" pitchFamily="34" charset="0"/>
+              <a:buChar char="•"/>
+            </a:pPr>
+            <a:r>
+              <a:rPr lang="pt-BR" sz="1600" dirty="0" smtClean="0"/>
+              <a:t>finish S</a:t>
+            </a:r>
+            <a:endParaRPr lang="pt-BR" sz="1600" dirty="0"/>
+          </a:p>
+        </p:txBody>
+      </p:sp>
+      <p:sp>
+        <p:nvSpPr>
+          <p:cNvPr id="7" name="Rectangle 6"/>
+          <p:cNvSpPr/>
+          <p:nvPr/>
+        </p:nvSpPr>
+        <p:spPr>
+          <a:xfrm>
+            <a:off x="5735960" y="4149080"/>
+            <a:ext cx="2160240" cy="864096"/>
+          </a:xfrm>
+          <a:prstGeom prst="rect">
+            <a:avLst/>
+          </a:prstGeom>
+        </p:spPr>
+        <p:style>
+          <a:lnRef idx="2">
+            <a:schemeClr val="dk1"/>
+          </a:lnRef>
+          <a:fillRef idx="1">
+            <a:schemeClr val="lt1"/>
+          </a:fillRef>
+          <a:effectRef idx="0">
+            <a:schemeClr val="dk1"/>
+          </a:effectRef>
+          <a:fontRef idx="minor">
+            <a:schemeClr val="dk1"/>
+          </a:fontRef>
+        </p:style>
+        <p:txBody>
+          <a:bodyPr rtlCol="0" anchor="ctr"/>
+          <a:lstStyle/>
+          <a:p>
+            <a:pPr algn="just"/>
+            <a:r>
+              <a:rPr lang="pt-BR" sz="1600" dirty="0" smtClean="0"/>
+              <a:t>Distribuição:</a:t>
+            </a:r>
+          </a:p>
+          <a:p>
+            <a:pPr marL="285750" indent="-285750" algn="just">
+              <a:buFont typeface="Arial" panose="020B0604020202020204" pitchFamily="34" charset="0"/>
+              <a:buChar char="•"/>
+            </a:pPr>
+            <a:r>
+              <a:rPr lang="pt-BR" sz="1600" dirty="0"/>
+              <a:t>at (p) </a:t>
+            </a:r>
+            <a:r>
+              <a:rPr lang="pt-BR" sz="1600" dirty="0" smtClean="0"/>
+              <a:t>S</a:t>
+            </a:r>
+          </a:p>
+          <a:p>
+            <a:pPr marL="285750" indent="-285750" algn="just">
+              <a:buFont typeface="Arial" panose="020B0604020202020204" pitchFamily="34" charset="0"/>
+              <a:buChar char="•"/>
+            </a:pPr>
+            <a:r>
+              <a:rPr lang="pt-BR" sz="1600" dirty="0"/>
+              <a:t>GlobalRef[T]</a:t>
+            </a:r>
+            <a:endParaRPr lang="pt-BR" sz="1600" dirty="0"/>
           </a:p>
         </p:txBody>
       </p:sp>
@@ -3931,17 +4246,90 @@
               <a:t> </a:t>
             </a:r>
             <a:r>
-              <a:rPr lang="en-US" altLang="pt-BR" sz="1800" dirty="0" err="1">
+              <a:rPr lang="en-US" altLang="pt-BR" sz="1800" dirty="0" err="1" smtClean="0">
                 <a:cs typeface="Arial" pitchFamily="34" charset="0"/>
               </a:rPr>
               <a:t>assíncrona</a:t>
             </a:r>
-            <a:r>
-              <a:rPr lang="en-US" altLang="pt-BR" sz="1800" dirty="0">
+            <a:endParaRPr lang="en-US" altLang="pt-BR" sz="1800" dirty="0" smtClean="0">
+              <a:cs typeface="Arial" pitchFamily="34" charset="0"/>
+            </a:endParaRPr>
+          </a:p>
+          <a:p>
+            <a:endParaRPr lang="en-US" altLang="pt-BR" sz="1800" dirty="0">
+              <a:cs typeface="Arial" pitchFamily="34" charset="0"/>
+            </a:endParaRPr>
+          </a:p>
+          <a:p>
+            <a:r>
+              <a:rPr lang="en-US" altLang="pt-BR" sz="1800" dirty="0" err="1" smtClean="0">
                 <a:cs typeface="Arial" pitchFamily="34" charset="0"/>
               </a:rPr>
-              <a:t>.</a:t>
-            </a:r>
+              <a:t>Variáveis</a:t>
+            </a:r>
+            <a:r>
+              <a:rPr lang="en-US" altLang="pt-BR" sz="1800" dirty="0" smtClean="0">
+                <a:cs typeface="Arial" pitchFamily="34" charset="0"/>
+              </a:rPr>
+              <a:t> fora do </a:t>
+            </a:r>
+            <a:r>
+              <a:rPr lang="en-US" altLang="pt-BR" sz="1800" dirty="0" err="1" smtClean="0">
+                <a:cs typeface="Arial" pitchFamily="34" charset="0"/>
+              </a:rPr>
+              <a:t>bloco</a:t>
+            </a:r>
+            <a:r>
+              <a:rPr lang="en-US" altLang="pt-BR" sz="1800" dirty="0" smtClean="0">
+                <a:cs typeface="Arial" pitchFamily="34" charset="0"/>
+              </a:rPr>
+              <a:t> </a:t>
+            </a:r>
+            <a:r>
+              <a:rPr lang="en-US" altLang="pt-BR" sz="1800" dirty="0" err="1" smtClean="0">
+                <a:cs typeface="Arial" pitchFamily="34" charset="0"/>
+              </a:rPr>
+              <a:t>async</a:t>
+            </a:r>
+            <a:r>
+              <a:rPr lang="en-US" altLang="pt-BR" sz="1800" dirty="0" smtClean="0">
+                <a:cs typeface="Arial" pitchFamily="34" charset="0"/>
+              </a:rPr>
+              <a:t> </a:t>
+            </a:r>
+            <a:r>
+              <a:rPr lang="en-US" altLang="pt-BR" sz="1800" dirty="0" err="1" smtClean="0">
+                <a:cs typeface="Arial" pitchFamily="34" charset="0"/>
+              </a:rPr>
+              <a:t>podem</a:t>
+            </a:r>
+            <a:r>
+              <a:rPr lang="en-US" altLang="pt-BR" sz="1800" dirty="0" smtClean="0">
+                <a:cs typeface="Arial" pitchFamily="34" charset="0"/>
+              </a:rPr>
+              <a:t> </a:t>
+            </a:r>
+            <a:r>
+              <a:rPr lang="en-US" altLang="pt-BR" sz="1800" dirty="0" err="1" smtClean="0">
+                <a:cs typeface="Arial" pitchFamily="34" charset="0"/>
+              </a:rPr>
+              <a:t>ser</a:t>
+            </a:r>
+            <a:r>
+              <a:rPr lang="en-US" altLang="pt-BR" sz="1800" dirty="0" smtClean="0">
+                <a:cs typeface="Arial" pitchFamily="34" charset="0"/>
+              </a:rPr>
+              <a:t> </a:t>
+            </a:r>
+            <a:r>
+              <a:rPr lang="en-US" altLang="pt-BR" sz="1800" dirty="0" err="1" smtClean="0">
+                <a:cs typeface="Arial" pitchFamily="34" charset="0"/>
+              </a:rPr>
+              <a:t>referenciadas</a:t>
+            </a:r>
+            <a:endParaRPr lang="en-US" altLang="pt-BR" sz="1800" dirty="0">
+              <a:cs typeface="Arial" pitchFamily="34" charset="0"/>
+            </a:endParaRPr>
           </a:p>
           <a:p>
             <a:endParaRPr lang="pt-BR" dirty="0"/>
@@ -3964,7 +4352,7 @@
         </p:blipFill>
         <p:spPr>
           <a:xfrm>
-            <a:off x="8610600" y="1417638"/>
+            <a:off x="8328248" y="1916832"/>
             <a:ext cx="2971800" cy="3143250"/>
           </a:xfrm>
           <a:prstGeom prst="rect">
@@ -4801,6 +5189,620 @@
             </a:br>
             <a:r>
               <a:rPr lang="pt-BR" sz="1800" i="1" dirty="0" smtClean="0"/>
+              <a:t>atomic</a:t>
+            </a:r>
+            <a:endParaRPr lang="pt-BR" sz="1800" i="1" dirty="0"/>
+          </a:p>
+        </p:txBody>
+      </p:sp>
+      <p:sp>
+        <p:nvSpPr>
+          <p:cNvPr id="3" name="Content Placeholder 2"/>
+          <p:cNvSpPr>
+            <a:spLocks noGrp="1"/>
+          </p:cNvSpPr>
+          <p:nvPr>
+            <p:ph idx="1"/>
+          </p:nvPr>
+        </p:nvSpPr>
+        <p:spPr/>
+        <p:txBody>
+          <a:bodyPr>
+            <a:noAutofit/>
+          </a:bodyPr>
+          <a:lstStyle/>
+          <a:p>
+            <a:r>
+              <a:rPr lang="en-US" altLang="pt-BR" sz="1800" b="1" i="1" dirty="0" err="1">
+                <a:cs typeface="Arial" pitchFamily="34" charset="0"/>
+              </a:rPr>
+              <a:t>Stmt</a:t>
+            </a:r>
+            <a:r>
+              <a:rPr lang="en-US" altLang="pt-BR" sz="1800" b="1" i="1" dirty="0">
+                <a:cs typeface="Arial" pitchFamily="34" charset="0"/>
+              </a:rPr>
+              <a:t> ::=  </a:t>
+            </a:r>
+            <a:r>
+              <a:rPr lang="en-US" altLang="pt-BR" sz="1800" b="1" dirty="0">
+                <a:solidFill>
+                  <a:srgbClr val="C00000"/>
+                </a:solidFill>
+                <a:cs typeface="Arial" pitchFamily="34" charset="0"/>
+              </a:rPr>
+              <a:t>atomic</a:t>
+            </a:r>
+            <a:r>
+              <a:rPr lang="en-US" altLang="pt-BR" sz="1800" b="1" dirty="0">
+                <a:cs typeface="Arial" pitchFamily="34" charset="0"/>
+              </a:rPr>
+              <a:t>  </a:t>
+            </a:r>
+            <a:r>
+              <a:rPr lang="en-US" altLang="pt-BR" sz="1800" b="1" i="1" dirty="0">
+                <a:cs typeface="Arial" pitchFamily="34" charset="0"/>
+              </a:rPr>
+              <a:t>Statement</a:t>
+            </a:r>
+          </a:p>
+          <a:p>
+            <a:r>
+              <a:rPr lang="en-US" altLang="pt-BR" sz="1800" b="1" i="1" dirty="0" err="1">
+                <a:cs typeface="Arial" pitchFamily="34" charset="0"/>
+              </a:rPr>
+              <a:t>MethodModifier</a:t>
+            </a:r>
+            <a:r>
+              <a:rPr lang="en-US" altLang="pt-BR" sz="1800" b="1" i="1" dirty="0">
+                <a:cs typeface="Arial" pitchFamily="34" charset="0"/>
+              </a:rPr>
+              <a:t> ::=  </a:t>
+            </a:r>
+            <a:r>
+              <a:rPr lang="en-US" altLang="pt-BR" sz="1800" b="1" dirty="0">
+                <a:solidFill>
+                  <a:srgbClr val="C00000"/>
+                </a:solidFill>
+                <a:cs typeface="Arial" pitchFamily="34" charset="0"/>
+              </a:rPr>
+              <a:t>atomic</a:t>
+            </a:r>
+          </a:p>
+          <a:p>
+            <a:endParaRPr lang="pt-BR" sz="1800" dirty="0"/>
+          </a:p>
+          <a:p>
+            <a:r>
+              <a:rPr lang="pt-BR" sz="1800" dirty="0"/>
+              <a:t>atomic { ... }</a:t>
+            </a:r>
+          </a:p>
+          <a:p>
+            <a:endParaRPr lang="pt-BR" sz="1800" dirty="0"/>
+          </a:p>
+          <a:p>
+            <a:r>
+              <a:rPr lang="pt-BR" sz="1800" dirty="0"/>
+              <a:t>Executa um bloco de código de forma atômica.</a:t>
+            </a:r>
+          </a:p>
+          <a:p>
+            <a:pPr marL="0" indent="0">
+              <a:buNone/>
+            </a:pPr>
+            <a:endParaRPr lang="pt-BR" sz="1800" dirty="0"/>
+          </a:p>
+          <a:p>
+            <a:r>
+              <a:rPr lang="pt-BR" sz="1800" dirty="0"/>
+              <a:t>Pode ser utilizado em métodos ou em trechos de código.</a:t>
+            </a:r>
+          </a:p>
+          <a:p>
+            <a:endParaRPr lang="pt-BR" sz="1800" dirty="0"/>
+          </a:p>
+          <a:p>
+            <a:r>
+              <a:rPr lang="pt-BR" sz="1800" dirty="0"/>
+              <a:t>Blocos atômicos são executados enquanto outras atividades são suspensas.</a:t>
+            </a:r>
+          </a:p>
+          <a:p>
+            <a:endParaRPr lang="pt-BR" sz="1800" dirty="0"/>
+          </a:p>
+          <a:p>
+            <a:r>
+              <a:rPr lang="pt-BR" altLang="pt-BR" sz="1800" dirty="0"/>
+              <a:t>Não deve criar atividades concorrentes.</a:t>
+            </a:r>
+          </a:p>
+          <a:p>
+            <a:endParaRPr lang="pt-BR" altLang="pt-BR" sz="1800" dirty="0"/>
+          </a:p>
+          <a:p>
+            <a:r>
+              <a:rPr lang="pt-BR" altLang="pt-BR" sz="1800" dirty="0"/>
+              <a:t>Deve manipular dados locais.</a:t>
+            </a:r>
+            <a:endParaRPr lang="pt-BR" sz="1800" dirty="0"/>
+          </a:p>
+        </p:txBody>
+      </p:sp>
+    </p:spTree>
+    <p:extLst>
+      <p:ext uri="{BB962C8B-B14F-4D97-AF65-F5344CB8AC3E}">
+        <p14:creationId xmlns:p14="http://schemas.microsoft.com/office/powerpoint/2010/main" val="2111058723"/>
+      </p:ext>
+    </p:extLst>
+  </p:cSld>
+  <p:clrMapOvr>
+    <a:masterClrMapping/>
+  </p:clrMapOvr>
+  <p:timing>
+    <p:tnLst>
+      <p:par>
+        <p:cTn id="1" dur="indefinite" restart="never" nodeType="tmRoot"/>
+      </p:par>
+    </p:tnLst>
+  </p:timing>
+</p:sld>
+</file>
+
+<file path=ppt/slides/slide16.xml><?xml version="1.0" encoding="utf-8"?>
+<p:sld xmlns:a="http://schemas.openxmlformats.org/drawingml/2006/main" xmlns:r="http://schemas.openxmlformats.org/officeDocument/2006/relationships" xmlns:p="http://schemas.openxmlformats.org/presentationml/2006/main">
+  <p:cSld>
+    <p:spTree>
+      <p:nvGrpSpPr>
+        <p:cNvPr id="1" name=""/>
+        <p:cNvGrpSpPr/>
+        <p:nvPr/>
+      </p:nvGrpSpPr>
+      <p:grpSpPr>
+        <a:xfrm>
+          <a:off x="0" y="0"/>
+          <a:ext cx="0" cy="0"/>
+          <a:chOff x="0" y="0"/>
+          <a:chExt cx="0" cy="0"/>
+        </a:xfrm>
+      </p:grpSpPr>
+      <p:sp>
+        <p:nvSpPr>
+          <p:cNvPr id="2" name="Title 1"/>
+          <p:cNvSpPr>
+            <a:spLocks noGrp="1"/>
+          </p:cNvSpPr>
+          <p:nvPr>
+            <p:ph type="title"/>
+          </p:nvPr>
+        </p:nvSpPr>
+        <p:spPr/>
+        <p:txBody>
+          <a:bodyPr>
+            <a:normAutofit/>
+          </a:bodyPr>
+          <a:lstStyle/>
+          <a:p>
+            <a:pPr algn="l"/>
+            <a:r>
+              <a:rPr lang="pt-BR" sz="2400" dirty="0"/>
+              <a:t>Características principais da </a:t>
+            </a:r>
+            <a:r>
+              <a:rPr lang="pt-BR" sz="2400" dirty="0" smtClean="0"/>
+              <a:t>linguagem</a:t>
+            </a:r>
+            <a:br>
+              <a:rPr lang="pt-BR" sz="2400" dirty="0" smtClean="0"/>
+            </a:br>
+            <a:r>
+              <a:rPr lang="pt-BR" sz="1800" i="1" dirty="0" smtClean="0"/>
+              <a:t>atomic</a:t>
+            </a:r>
+            <a:endParaRPr lang="pt-BR" sz="1800" i="1" dirty="0"/>
+          </a:p>
+        </p:txBody>
+      </p:sp>
+      <p:sp>
+        <p:nvSpPr>
+          <p:cNvPr id="3" name="Content Placeholder 2"/>
+          <p:cNvSpPr>
+            <a:spLocks noGrp="1"/>
+          </p:cNvSpPr>
+          <p:nvPr>
+            <p:ph idx="1"/>
+          </p:nvPr>
+        </p:nvSpPr>
+        <p:spPr/>
+        <p:txBody>
+          <a:bodyPr>
+            <a:noAutofit/>
+          </a:bodyPr>
+          <a:lstStyle/>
+          <a:p>
+            <a:endParaRPr lang="pt-BR" sz="1800" dirty="0"/>
+          </a:p>
+        </p:txBody>
+      </p:sp>
+      <p:pic>
+        <p:nvPicPr>
+          <p:cNvPr id="1026" name="Picture 2"/>
+          <p:cNvPicPr>
+            <a:picLocks noChangeAspect="1" noChangeArrowheads="1"/>
+          </p:cNvPicPr>
+          <p:nvPr/>
+        </p:nvPicPr>
+        <p:blipFill>
+          <a:blip r:embed="rId2">
+            <a:extLst>
+              <a:ext uri="{28A0092B-C50C-407E-A947-70E740481C1C}">
+                <a14:useLocalDpi xmlns:a14="http://schemas.microsoft.com/office/drawing/2010/main" val="0"/>
+              </a:ext>
+            </a:extLst>
+          </a:blip>
+          <a:srcRect/>
+          <a:stretch>
+            <a:fillRect/>
+          </a:stretch>
+        </p:blipFill>
+        <p:spPr bwMode="auto">
+          <a:xfrm>
+            <a:off x="623392" y="1916832"/>
+            <a:ext cx="3581400" cy="3876675"/>
+          </a:xfrm>
+          <a:prstGeom prst="rect">
+            <a:avLst/>
+          </a:prstGeom>
+          <a:noFill/>
+          <a:ln>
+            <a:noFill/>
+          </a:ln>
+          <a:extLst>
+            <a:ext uri="{909E8E84-426E-40DD-AFC4-6F175D3DCCD1}">
+              <a14:hiddenFill xmlns:a14="http://schemas.microsoft.com/office/drawing/2010/main">
+                <a:solidFill>
+                  <a:schemeClr val="accent1"/>
+                </a:solidFill>
+              </a14:hiddenFill>
+            </a:ext>
+            <a:ext uri="{91240B29-F687-4F45-9708-019B960494DF}">
+              <a14:hiddenLine xmlns:a14="http://schemas.microsoft.com/office/drawing/2010/main" w="9525">
+                <a:solidFill>
+                  <a:schemeClr val="tx1"/>
+                </a:solidFill>
+                <a:miter lim="800000"/>
+                <a:headEnd/>
+                <a:tailEnd/>
+              </a14:hiddenLine>
+            </a:ext>
+          </a:extLst>
+        </p:spPr>
+      </p:pic>
+      <p:pic>
+        <p:nvPicPr>
+          <p:cNvPr id="1027" name="Picture 3"/>
+          <p:cNvPicPr>
+            <a:picLocks noChangeAspect="1" noChangeArrowheads="1"/>
+          </p:cNvPicPr>
+          <p:nvPr/>
+        </p:nvPicPr>
+        <p:blipFill>
+          <a:blip r:embed="rId3" cstate="print">
+            <a:extLst>
+              <a:ext uri="{28A0092B-C50C-407E-A947-70E740481C1C}">
+                <a14:useLocalDpi xmlns:a14="http://schemas.microsoft.com/office/drawing/2010/main" val="0"/>
+              </a:ext>
+            </a:extLst>
+          </a:blip>
+          <a:srcRect/>
+          <a:stretch>
+            <a:fillRect/>
+          </a:stretch>
+        </p:blipFill>
+        <p:spPr bwMode="auto">
+          <a:xfrm>
+            <a:off x="6081792" y="2359453"/>
+            <a:ext cx="5486816" cy="2991432"/>
+          </a:xfrm>
+          <a:prstGeom prst="rect">
+            <a:avLst/>
+          </a:prstGeom>
+          <a:noFill/>
+          <a:ln>
+            <a:noFill/>
+          </a:ln>
+          <a:extLst>
+            <a:ext uri="{909E8E84-426E-40DD-AFC4-6F175D3DCCD1}">
+              <a14:hiddenFill xmlns:a14="http://schemas.microsoft.com/office/drawing/2010/main">
+                <a:solidFill>
+                  <a:schemeClr val="accent1"/>
+                </a:solidFill>
+              </a14:hiddenFill>
+            </a:ext>
+            <a:ext uri="{91240B29-F687-4F45-9708-019B960494DF}">
+              <a14:hiddenLine xmlns:a14="http://schemas.microsoft.com/office/drawing/2010/main" w="9525">
+                <a:solidFill>
+                  <a:schemeClr val="tx1"/>
+                </a:solidFill>
+                <a:miter lim="800000"/>
+                <a:headEnd/>
+                <a:tailEnd/>
+              </a14:hiddenLine>
+            </a:ext>
+          </a:extLst>
+        </p:spPr>
+      </p:pic>
+    </p:spTree>
+    <p:extLst>
+      <p:ext uri="{BB962C8B-B14F-4D97-AF65-F5344CB8AC3E}">
+        <p14:creationId xmlns:p14="http://schemas.microsoft.com/office/powerpoint/2010/main" val="4097860697"/>
+      </p:ext>
+    </p:extLst>
+  </p:cSld>
+  <p:clrMapOvr>
+    <a:masterClrMapping/>
+  </p:clrMapOvr>
+  <p:timing>
+    <p:tnLst>
+      <p:par>
+        <p:cTn id="1" dur="indefinite" restart="never" nodeType="tmRoot"/>
+      </p:par>
+    </p:tnLst>
+  </p:timing>
+</p:sld>
+</file>
+
+<file path=ppt/slides/slide17.xml><?xml version="1.0" encoding="utf-8"?>
+<p:sld xmlns:a="http://schemas.openxmlformats.org/drawingml/2006/main" xmlns:r="http://schemas.openxmlformats.org/officeDocument/2006/relationships" xmlns:p="http://schemas.openxmlformats.org/presentationml/2006/main">
+  <p:cSld>
+    <p:spTree>
+      <p:nvGrpSpPr>
+        <p:cNvPr id="1" name=""/>
+        <p:cNvGrpSpPr/>
+        <p:nvPr/>
+      </p:nvGrpSpPr>
+      <p:grpSpPr>
+        <a:xfrm>
+          <a:off x="0" y="0"/>
+          <a:ext cx="0" cy="0"/>
+          <a:chOff x="0" y="0"/>
+          <a:chExt cx="0" cy="0"/>
+        </a:xfrm>
+      </p:grpSpPr>
+      <p:sp>
+        <p:nvSpPr>
+          <p:cNvPr id="2" name="Title 1"/>
+          <p:cNvSpPr>
+            <a:spLocks noGrp="1"/>
+          </p:cNvSpPr>
+          <p:nvPr>
+            <p:ph type="title"/>
+          </p:nvPr>
+        </p:nvSpPr>
+        <p:spPr/>
+        <p:txBody>
+          <a:bodyPr>
+            <a:normAutofit/>
+          </a:bodyPr>
+          <a:lstStyle/>
+          <a:p>
+            <a:pPr algn="l"/>
+            <a:r>
+              <a:rPr lang="pt-BR" sz="2400" dirty="0"/>
+              <a:t>Características principais da </a:t>
+            </a:r>
+            <a:r>
+              <a:rPr lang="pt-BR" sz="2400" dirty="0" smtClean="0"/>
+              <a:t>linguagem</a:t>
+            </a:r>
+            <a:br>
+              <a:rPr lang="pt-BR" sz="2400" dirty="0" smtClean="0"/>
+            </a:br>
+            <a:r>
+              <a:rPr lang="pt-BR" sz="1800" i="1" dirty="0" smtClean="0"/>
+              <a:t>atomic</a:t>
+            </a:r>
+            <a:endParaRPr lang="pt-BR" sz="1800" i="1" dirty="0"/>
+          </a:p>
+        </p:txBody>
+      </p:sp>
+      <p:sp>
+        <p:nvSpPr>
+          <p:cNvPr id="3" name="Content Placeholder 2"/>
+          <p:cNvSpPr>
+            <a:spLocks noGrp="1"/>
+          </p:cNvSpPr>
+          <p:nvPr>
+            <p:ph idx="1"/>
+          </p:nvPr>
+        </p:nvSpPr>
+        <p:spPr/>
+        <p:txBody>
+          <a:bodyPr>
+            <a:noAutofit/>
+          </a:bodyPr>
+          <a:lstStyle/>
+          <a:p>
+            <a:endParaRPr lang="pt-BR" sz="1800" dirty="0"/>
+          </a:p>
+        </p:txBody>
+      </p:sp>
+      <p:pic>
+        <p:nvPicPr>
+          <p:cNvPr id="2050" name="Picture 2"/>
+          <p:cNvPicPr>
+            <a:picLocks noChangeAspect="1" noChangeArrowheads="1"/>
+          </p:cNvPicPr>
+          <p:nvPr/>
+        </p:nvPicPr>
+        <p:blipFill>
+          <a:blip r:embed="rId2">
+            <a:extLst>
+              <a:ext uri="{28A0092B-C50C-407E-A947-70E740481C1C}">
+                <a14:useLocalDpi xmlns:a14="http://schemas.microsoft.com/office/drawing/2010/main" val="0"/>
+              </a:ext>
+            </a:extLst>
+          </a:blip>
+          <a:srcRect/>
+          <a:stretch>
+            <a:fillRect/>
+          </a:stretch>
+        </p:blipFill>
+        <p:spPr bwMode="auto">
+          <a:xfrm>
+            <a:off x="636307" y="2132856"/>
+            <a:ext cx="3609975" cy="3448050"/>
+          </a:xfrm>
+          <a:prstGeom prst="rect">
+            <a:avLst/>
+          </a:prstGeom>
+          <a:noFill/>
+          <a:ln>
+            <a:noFill/>
+          </a:ln>
+          <a:extLst>
+            <a:ext uri="{909E8E84-426E-40DD-AFC4-6F175D3DCCD1}">
+              <a14:hiddenFill xmlns:a14="http://schemas.microsoft.com/office/drawing/2010/main">
+                <a:solidFill>
+                  <a:schemeClr val="accent1"/>
+                </a:solidFill>
+              </a14:hiddenFill>
+            </a:ext>
+            <a:ext uri="{91240B29-F687-4F45-9708-019B960494DF}">
+              <a14:hiddenLine xmlns:a14="http://schemas.microsoft.com/office/drawing/2010/main" w="9525">
+                <a:solidFill>
+                  <a:schemeClr val="tx1"/>
+                </a:solidFill>
+                <a:miter lim="800000"/>
+                <a:headEnd/>
+                <a:tailEnd/>
+              </a14:hiddenLine>
+            </a:ext>
+          </a:extLst>
+        </p:spPr>
+      </p:pic>
+      <p:pic>
+        <p:nvPicPr>
+          <p:cNvPr id="2052" name="Picture 4"/>
+          <p:cNvPicPr>
+            <a:picLocks noChangeAspect="1" noChangeArrowheads="1"/>
+          </p:cNvPicPr>
+          <p:nvPr/>
+        </p:nvPicPr>
+        <p:blipFill>
+          <a:blip r:embed="rId3" cstate="print">
+            <a:extLst>
+              <a:ext uri="{28A0092B-C50C-407E-A947-70E740481C1C}">
+                <a14:useLocalDpi xmlns:a14="http://schemas.microsoft.com/office/drawing/2010/main" val="0"/>
+              </a:ext>
+            </a:extLst>
+          </a:blip>
+          <a:srcRect/>
+          <a:stretch>
+            <a:fillRect/>
+          </a:stretch>
+        </p:blipFill>
+        <p:spPr bwMode="auto">
+          <a:xfrm>
+            <a:off x="6023992" y="2341116"/>
+            <a:ext cx="5538003" cy="3031530"/>
+          </a:xfrm>
+          <a:prstGeom prst="rect">
+            <a:avLst/>
+          </a:prstGeom>
+          <a:noFill/>
+          <a:ln>
+            <a:noFill/>
+          </a:ln>
+          <a:extLst>
+            <a:ext uri="{909E8E84-426E-40DD-AFC4-6F175D3DCCD1}">
+              <a14:hiddenFill xmlns:a14="http://schemas.microsoft.com/office/drawing/2010/main">
+                <a:solidFill>
+                  <a:schemeClr val="accent1"/>
+                </a:solidFill>
+              </a14:hiddenFill>
+            </a:ext>
+            <a:ext uri="{91240B29-F687-4F45-9708-019B960494DF}">
+              <a14:hiddenLine xmlns:a14="http://schemas.microsoft.com/office/drawing/2010/main" w="9525">
+                <a:solidFill>
+                  <a:schemeClr val="tx1"/>
+                </a:solidFill>
+                <a:miter lim="800000"/>
+                <a:headEnd/>
+                <a:tailEnd/>
+              </a14:hiddenLine>
+            </a:ext>
+          </a:extLst>
+        </p:spPr>
+      </p:pic>
+    </p:spTree>
+    <p:extLst>
+      <p:ext uri="{BB962C8B-B14F-4D97-AF65-F5344CB8AC3E}">
+        <p14:creationId xmlns:p14="http://schemas.microsoft.com/office/powerpoint/2010/main" val="3507999069"/>
+      </p:ext>
+    </p:extLst>
+  </p:cSld>
+  <p:clrMapOvr>
+    <a:masterClrMapping/>
+  </p:clrMapOvr>
+  <p:timing>
+    <p:tnLst>
+      <p:par>
+        <p:cTn id="1" dur="indefinite" restart="never" nodeType="tmRoot"/>
+      </p:par>
+    </p:tnLst>
+  </p:timing>
+</p:sld>
+</file>
+
+<file path=ppt/slides/slide18.xml><?xml version="1.0" encoding="utf-8"?>
+<p:sld xmlns:a="http://schemas.openxmlformats.org/drawingml/2006/main" xmlns:r="http://schemas.openxmlformats.org/officeDocument/2006/relationships" xmlns:p="http://schemas.openxmlformats.org/presentationml/2006/main">
+  <p:cSld>
+    <p:spTree>
+      <p:nvGrpSpPr>
+        <p:cNvPr id="1" name=""/>
+        <p:cNvGrpSpPr/>
+        <p:nvPr/>
+      </p:nvGrpSpPr>
+      <p:grpSpPr>
+        <a:xfrm>
+          <a:off x="0" y="0"/>
+          <a:ext cx="0" cy="0"/>
+          <a:chOff x="0" y="0"/>
+          <a:chExt cx="0" cy="0"/>
+        </a:xfrm>
+      </p:grpSpPr>
+      <p:sp>
+        <p:nvSpPr>
+          <p:cNvPr id="2" name="Title 1"/>
+          <p:cNvSpPr>
+            <a:spLocks noGrp="1"/>
+          </p:cNvSpPr>
+          <p:nvPr>
+            <p:ph type="title"/>
+          </p:nvPr>
+        </p:nvSpPr>
+        <p:spPr/>
+        <p:txBody>
+          <a:bodyPr>
+            <a:normAutofit/>
+          </a:bodyPr>
+          <a:lstStyle/>
+          <a:p>
+            <a:pPr algn="l"/>
+            <a:r>
+              <a:rPr lang="pt-BR" sz="2400" dirty="0"/>
+              <a:t>Características principais da </a:t>
+            </a:r>
+            <a:r>
+              <a:rPr lang="pt-BR" sz="2400" dirty="0" smtClean="0"/>
+              <a:t>linguagem</a:t>
+            </a:r>
+            <a:br>
+              <a:rPr lang="pt-BR" sz="2400" dirty="0" smtClean="0"/>
+            </a:br>
+            <a:r>
+              <a:rPr lang="pt-BR" sz="1800" i="1" dirty="0" smtClean="0"/>
               <a:t>at</a:t>
             </a:r>
             <a:endParaRPr lang="pt-BR" sz="1800" i="1" dirty="0"/>
@@ -4881,7 +5883,7 @@
     </p:spTree>
     <p:extLst>
       <p:ext uri="{BB962C8B-B14F-4D97-AF65-F5344CB8AC3E}">
-        <p14:creationId xmlns:p14="http://schemas.microsoft.com/office/powerpoint/2010/main" val="1383358882"/>
+        <p14:creationId xmlns:p14="http://schemas.microsoft.com/office/powerpoint/2010/main" val="2628759662"/>
       </p:ext>
     </p:extLst>
   </p:cSld>
@@ -4898,7 +5900,7 @@
 </p:sld>
 </file>
 
-<file path=ppt/slides/slide16.xml><?xml version="1.0" encoding="utf-8"?>
+<file path=ppt/slides/slide19.xml><?xml version="1.0" encoding="utf-8"?>
 <p:sld xmlns:a="http://schemas.openxmlformats.org/drawingml/2006/main" xmlns:r="http://schemas.openxmlformats.org/officeDocument/2006/relationships" xmlns:p="http://schemas.openxmlformats.org/presentationml/2006/main">
   <p:cSld>
     <p:spTree>
@@ -5046,403 +6048,7 @@
     </p:spTree>
     <p:extLst>
       <p:ext uri="{BB962C8B-B14F-4D97-AF65-F5344CB8AC3E}">
-        <p14:creationId xmlns:p14="http://schemas.microsoft.com/office/powerpoint/2010/main" val="706599619"/>
-      </p:ext>
-    </p:extLst>
-  </p:cSld>
-  <p:clrMapOvr>
-    <a:masterClrMapping/>
-  </p:clrMapOvr>
-  <p:timing>
-    <p:tnLst>
-      <p:par>
-        <p:cTn id="1" dur="indefinite" restart="never" nodeType="tmRoot"/>
-      </p:par>
-    </p:tnLst>
-  </p:timing>
-</p:sld>
-</file>
-
-<file path=ppt/slides/slide17.xml><?xml version="1.0" encoding="utf-8"?>
-<p:sld xmlns:a="http://schemas.openxmlformats.org/drawingml/2006/main" xmlns:r="http://schemas.openxmlformats.org/officeDocument/2006/relationships" xmlns:p="http://schemas.openxmlformats.org/presentationml/2006/main">
-  <p:cSld>
-    <p:spTree>
-      <p:nvGrpSpPr>
-        <p:cNvPr id="1" name=""/>
-        <p:cNvGrpSpPr/>
-        <p:nvPr/>
-      </p:nvGrpSpPr>
-      <p:grpSpPr>
-        <a:xfrm>
-          <a:off x="0" y="0"/>
-          <a:ext cx="0" cy="0"/>
-          <a:chOff x="0" y="0"/>
-          <a:chExt cx="0" cy="0"/>
-        </a:xfrm>
-      </p:grpSpPr>
-      <p:sp>
-        <p:nvSpPr>
-          <p:cNvPr id="2" name="Title 1"/>
-          <p:cNvSpPr>
-            <a:spLocks noGrp="1"/>
-          </p:cNvSpPr>
-          <p:nvPr>
-            <p:ph type="title"/>
-          </p:nvPr>
-        </p:nvSpPr>
-        <p:spPr/>
-        <p:txBody>
-          <a:bodyPr>
-            <a:normAutofit/>
-          </a:bodyPr>
-          <a:lstStyle/>
-          <a:p>
-            <a:pPr algn="l"/>
-            <a:r>
-              <a:rPr lang="pt-BR" sz="2400" dirty="0"/>
-              <a:t>Características principais da </a:t>
-            </a:r>
-            <a:r>
-              <a:rPr lang="pt-BR" sz="2400" dirty="0" smtClean="0"/>
-              <a:t>linguagem</a:t>
-            </a:r>
-            <a:br>
-              <a:rPr lang="pt-BR" sz="2400" dirty="0" smtClean="0"/>
-            </a:br>
-            <a:r>
-              <a:rPr lang="pt-BR" sz="1800" i="1" dirty="0" smtClean="0"/>
-              <a:t>atomic</a:t>
-            </a:r>
-            <a:endParaRPr lang="pt-BR" sz="1800" i="1" dirty="0"/>
-          </a:p>
-        </p:txBody>
-      </p:sp>
-      <p:sp>
-        <p:nvSpPr>
-          <p:cNvPr id="3" name="Content Placeholder 2"/>
-          <p:cNvSpPr>
-            <a:spLocks noGrp="1"/>
-          </p:cNvSpPr>
-          <p:nvPr>
-            <p:ph idx="1"/>
-          </p:nvPr>
-        </p:nvSpPr>
-        <p:spPr/>
-        <p:txBody>
-          <a:bodyPr>
-            <a:noAutofit/>
-          </a:bodyPr>
-          <a:lstStyle/>
-          <a:p>
-            <a:r>
-              <a:rPr lang="en-US" altLang="pt-BR" sz="1800" b="1" i="1" dirty="0" err="1">
-                <a:cs typeface="Arial" pitchFamily="34" charset="0"/>
-              </a:rPr>
-              <a:t>Stmt</a:t>
-            </a:r>
-            <a:r>
-              <a:rPr lang="en-US" altLang="pt-BR" sz="1800" b="1" i="1" dirty="0">
-                <a:cs typeface="Arial" pitchFamily="34" charset="0"/>
-              </a:rPr>
-              <a:t> ::=  </a:t>
-            </a:r>
-            <a:r>
-              <a:rPr lang="en-US" altLang="pt-BR" sz="1800" b="1" dirty="0">
-                <a:solidFill>
-                  <a:srgbClr val="C00000"/>
-                </a:solidFill>
-                <a:cs typeface="Arial" pitchFamily="34" charset="0"/>
-              </a:rPr>
-              <a:t>atomic</a:t>
-            </a:r>
-            <a:r>
-              <a:rPr lang="en-US" altLang="pt-BR" sz="1800" b="1" dirty="0">
-                <a:cs typeface="Arial" pitchFamily="34" charset="0"/>
-              </a:rPr>
-              <a:t>  </a:t>
-            </a:r>
-            <a:r>
-              <a:rPr lang="en-US" altLang="pt-BR" sz="1800" b="1" i="1" dirty="0">
-                <a:cs typeface="Arial" pitchFamily="34" charset="0"/>
-              </a:rPr>
-              <a:t>Statement</a:t>
-            </a:r>
-          </a:p>
-          <a:p>
-            <a:r>
-              <a:rPr lang="en-US" altLang="pt-BR" sz="1800" b="1" i="1" dirty="0" err="1">
-                <a:cs typeface="Arial" pitchFamily="34" charset="0"/>
-              </a:rPr>
-              <a:t>MethodModifier</a:t>
-            </a:r>
-            <a:r>
-              <a:rPr lang="en-US" altLang="pt-BR" sz="1800" b="1" i="1" dirty="0">
-                <a:cs typeface="Arial" pitchFamily="34" charset="0"/>
-              </a:rPr>
-              <a:t> ::=  </a:t>
-            </a:r>
-            <a:r>
-              <a:rPr lang="en-US" altLang="pt-BR" sz="1800" b="1" dirty="0">
-                <a:solidFill>
-                  <a:srgbClr val="C00000"/>
-                </a:solidFill>
-                <a:cs typeface="Arial" pitchFamily="34" charset="0"/>
-              </a:rPr>
-              <a:t>atomic</a:t>
-            </a:r>
-          </a:p>
-          <a:p>
-            <a:endParaRPr lang="pt-BR" sz="1800" dirty="0"/>
-          </a:p>
-          <a:p>
-            <a:r>
-              <a:rPr lang="pt-BR" sz="1800" dirty="0"/>
-              <a:t>atomic { ... }</a:t>
-            </a:r>
-          </a:p>
-          <a:p>
-            <a:endParaRPr lang="pt-BR" sz="1800" dirty="0"/>
-          </a:p>
-          <a:p>
-            <a:r>
-              <a:rPr lang="pt-BR" sz="1800" dirty="0"/>
-              <a:t>Executa um bloco de código de forma atômica.</a:t>
-            </a:r>
-          </a:p>
-          <a:p>
-            <a:pPr marL="0" indent="0">
-              <a:buNone/>
-            </a:pPr>
-            <a:endParaRPr lang="pt-BR" sz="1800" dirty="0"/>
-          </a:p>
-          <a:p>
-            <a:r>
-              <a:rPr lang="pt-BR" sz="1800" dirty="0"/>
-              <a:t>Pode ser utilizado em métodos ou em trechos de código.</a:t>
-            </a:r>
-          </a:p>
-          <a:p>
-            <a:endParaRPr lang="pt-BR" sz="1800" dirty="0"/>
-          </a:p>
-          <a:p>
-            <a:r>
-              <a:rPr lang="pt-BR" sz="1800" dirty="0"/>
-              <a:t>Blocos atômicos são executados enquanto outras atividades são suspensas.</a:t>
-            </a:r>
-          </a:p>
-          <a:p>
-            <a:endParaRPr lang="pt-BR" sz="1800" dirty="0"/>
-          </a:p>
-          <a:p>
-            <a:r>
-              <a:rPr lang="pt-BR" altLang="pt-BR" sz="1800" dirty="0"/>
-              <a:t>Não deve criar atividades concorrentes.</a:t>
-            </a:r>
-          </a:p>
-          <a:p>
-            <a:endParaRPr lang="pt-BR" altLang="pt-BR" sz="1800" dirty="0"/>
-          </a:p>
-          <a:p>
-            <a:r>
-              <a:rPr lang="pt-BR" altLang="pt-BR" sz="1800" dirty="0"/>
-              <a:t>Deve manipular dados locais.</a:t>
-            </a:r>
-            <a:endParaRPr lang="pt-BR" sz="1800" dirty="0"/>
-          </a:p>
-        </p:txBody>
-      </p:sp>
-    </p:spTree>
-    <p:extLst>
-      <p:ext uri="{BB962C8B-B14F-4D97-AF65-F5344CB8AC3E}">
-        <p14:creationId xmlns:p14="http://schemas.microsoft.com/office/powerpoint/2010/main" val="2111058723"/>
-      </p:ext>
-    </p:extLst>
-  </p:cSld>
-  <p:clrMapOvr>
-    <a:masterClrMapping/>
-  </p:clrMapOvr>
-  <p:timing>
-    <p:tnLst>
-      <p:par>
-        <p:cTn id="1" dur="indefinite" restart="never" nodeType="tmRoot"/>
-      </p:par>
-    </p:tnLst>
-  </p:timing>
-</p:sld>
-</file>
-
-<file path=ppt/slides/slide18.xml><?xml version="1.0" encoding="utf-8"?>
-<p:sld xmlns:a="http://schemas.openxmlformats.org/drawingml/2006/main" xmlns:r="http://schemas.openxmlformats.org/officeDocument/2006/relationships" xmlns:p="http://schemas.openxmlformats.org/presentationml/2006/main">
-  <p:cSld>
-    <p:spTree>
-      <p:nvGrpSpPr>
-        <p:cNvPr id="1" name=""/>
-        <p:cNvGrpSpPr/>
-        <p:nvPr/>
-      </p:nvGrpSpPr>
-      <p:grpSpPr>
-        <a:xfrm>
-          <a:off x="0" y="0"/>
-          <a:ext cx="0" cy="0"/>
-          <a:chOff x="0" y="0"/>
-          <a:chExt cx="0" cy="0"/>
-        </a:xfrm>
-      </p:grpSpPr>
-      <p:sp>
-        <p:nvSpPr>
-          <p:cNvPr id="2" name="Title 1"/>
-          <p:cNvSpPr>
-            <a:spLocks noGrp="1"/>
-          </p:cNvSpPr>
-          <p:nvPr>
-            <p:ph type="title"/>
-          </p:nvPr>
-        </p:nvSpPr>
-        <p:spPr/>
-        <p:txBody>
-          <a:bodyPr>
-            <a:normAutofit/>
-          </a:bodyPr>
-          <a:lstStyle/>
-          <a:p>
-            <a:pPr algn="l"/>
-            <a:r>
-              <a:rPr lang="pt-BR" sz="2400" dirty="0"/>
-              <a:t>Características principais da </a:t>
-            </a:r>
-            <a:r>
-              <a:rPr lang="pt-BR" sz="2400" dirty="0" smtClean="0"/>
-              <a:t>linguagem</a:t>
-            </a:r>
-            <a:br>
-              <a:rPr lang="pt-BR" sz="2400" dirty="0" smtClean="0"/>
-            </a:br>
-            <a:r>
-              <a:rPr lang="pt-BR" sz="1800" i="1" dirty="0" smtClean="0"/>
-              <a:t>atomic</a:t>
-            </a:r>
-            <a:endParaRPr lang="pt-BR" sz="1800" i="1" dirty="0"/>
-          </a:p>
-        </p:txBody>
-      </p:sp>
-      <p:sp>
-        <p:nvSpPr>
-          <p:cNvPr id="3" name="Content Placeholder 2"/>
-          <p:cNvSpPr>
-            <a:spLocks noGrp="1"/>
-          </p:cNvSpPr>
-          <p:nvPr>
-            <p:ph idx="1"/>
-          </p:nvPr>
-        </p:nvSpPr>
-        <p:spPr/>
-        <p:txBody>
-          <a:bodyPr>
-            <a:noAutofit/>
-          </a:bodyPr>
-          <a:lstStyle/>
-          <a:p>
-            <a:endParaRPr lang="pt-BR" sz="1800" dirty="0"/>
-          </a:p>
-        </p:txBody>
-      </p:sp>
-    </p:spTree>
-    <p:extLst>
-      <p:ext uri="{BB962C8B-B14F-4D97-AF65-F5344CB8AC3E}">
-        <p14:creationId xmlns:p14="http://schemas.microsoft.com/office/powerpoint/2010/main" val="4097860697"/>
-      </p:ext>
-    </p:extLst>
-  </p:cSld>
-  <p:clrMapOvr>
-    <a:masterClrMapping/>
-  </p:clrMapOvr>
-  <p:timing>
-    <p:tnLst>
-      <p:par>
-        <p:cTn id="1" dur="indefinite" restart="never" nodeType="tmRoot"/>
-      </p:par>
-    </p:tnLst>
-  </p:timing>
-</p:sld>
-</file>
-
-<file path=ppt/slides/slide19.xml><?xml version="1.0" encoding="utf-8"?>
-<p:sld xmlns:a="http://schemas.openxmlformats.org/drawingml/2006/main" xmlns:r="http://schemas.openxmlformats.org/officeDocument/2006/relationships" xmlns:p="http://schemas.openxmlformats.org/presentationml/2006/main">
-  <p:cSld>
-    <p:spTree>
-      <p:nvGrpSpPr>
-        <p:cNvPr id="1" name=""/>
-        <p:cNvGrpSpPr/>
-        <p:nvPr/>
-      </p:nvGrpSpPr>
-      <p:grpSpPr>
-        <a:xfrm>
-          <a:off x="0" y="0"/>
-          <a:ext cx="0" cy="0"/>
-          <a:chOff x="0" y="0"/>
-          <a:chExt cx="0" cy="0"/>
-        </a:xfrm>
-      </p:grpSpPr>
-      <p:sp>
-        <p:nvSpPr>
-          <p:cNvPr id="2" name="Title 1"/>
-          <p:cNvSpPr>
-            <a:spLocks noGrp="1"/>
-          </p:cNvSpPr>
-          <p:nvPr>
-            <p:ph type="title"/>
-          </p:nvPr>
-        </p:nvSpPr>
-        <p:spPr/>
-        <p:txBody>
-          <a:bodyPr/>
-          <a:lstStyle/>
-          <a:p>
-            <a:pPr algn="l"/>
-            <a:r>
-              <a:rPr lang="pt-BR" sz="2400" dirty="0"/>
-              <a:t>Características principais da </a:t>
-            </a:r>
-            <a:r>
-              <a:rPr lang="pt-BR" sz="2400" dirty="0" smtClean="0"/>
-              <a:t>linguagem</a:t>
-            </a:r>
-            <a:br>
-              <a:rPr lang="pt-BR" sz="2400" dirty="0" smtClean="0"/>
-            </a:br>
-            <a:r>
-              <a:rPr lang="pt-BR" sz="1800" i="1" dirty="0" smtClean="0"/>
-              <a:t>GlobalRef</a:t>
-            </a:r>
-            <a:endParaRPr lang="pt-BR" sz="3600" i="1" dirty="0"/>
-          </a:p>
-        </p:txBody>
-      </p:sp>
-      <p:sp>
-        <p:nvSpPr>
-          <p:cNvPr id="3" name="Content Placeholder 2"/>
-          <p:cNvSpPr>
-            <a:spLocks noGrp="1"/>
-          </p:cNvSpPr>
-          <p:nvPr>
-            <p:ph idx="1"/>
-          </p:nvPr>
-        </p:nvSpPr>
-        <p:spPr/>
-        <p:txBody>
-          <a:bodyPr>
-            <a:noAutofit/>
-          </a:bodyPr>
-          <a:lstStyle/>
-          <a:p>
-            <a:endParaRPr lang="pt-BR" sz="1200" dirty="0"/>
-          </a:p>
-        </p:txBody>
-      </p:sp>
-    </p:spTree>
-    <p:extLst>
-      <p:ext uri="{BB962C8B-B14F-4D97-AF65-F5344CB8AC3E}">
-        <p14:creationId xmlns:p14="http://schemas.microsoft.com/office/powerpoint/2010/main" val="2736402811"/>
+        <p14:creationId xmlns:p14="http://schemas.microsoft.com/office/powerpoint/2010/main" val="3928915466"/>
       </p:ext>
     </p:extLst>
   </p:cSld>
@@ -5527,35 +6133,35 @@
           <a:p>
             <a:pPr lvl="1"/>
             <a:r>
-              <a:rPr lang="pt-BR" sz="1400" dirty="0" smtClean="0"/>
+              <a:rPr lang="pt-BR" sz="1600" dirty="0" smtClean="0"/>
               <a:t>Visão geral</a:t>
             </a:r>
           </a:p>
           <a:p>
             <a:pPr lvl="1"/>
             <a:r>
-              <a:rPr lang="pt-BR" sz="1400" dirty="0" smtClean="0"/>
+              <a:rPr lang="pt-BR" sz="1600" dirty="0" smtClean="0"/>
               <a:t>Características principais da linguagem</a:t>
             </a:r>
           </a:p>
           <a:p>
             <a:pPr lvl="1"/>
             <a:r>
-              <a:rPr lang="pt-BR" sz="1400" dirty="0" smtClean="0"/>
+              <a:rPr lang="pt-BR" sz="1600" dirty="0" smtClean="0"/>
               <a:t>Classes</a:t>
             </a:r>
           </a:p>
           <a:p>
             <a:pPr lvl="1"/>
             <a:r>
-              <a:rPr lang="pt-BR" sz="1400" dirty="0" smtClean="0"/>
+              <a:rPr lang="pt-BR" sz="1600" dirty="0" smtClean="0"/>
               <a:t>Exemplos</a:t>
             </a:r>
-            <a:endParaRPr lang="pt-BR" sz="1400" dirty="0"/>
+            <a:endParaRPr lang="pt-BR" sz="1600" dirty="0"/>
           </a:p>
           <a:p>
             <a:pPr lvl="1"/>
-            <a:endParaRPr lang="pt-BR" sz="1100" dirty="0" smtClean="0"/>
+            <a:endParaRPr lang="pt-BR" sz="1000" dirty="0" smtClean="0"/>
           </a:p>
           <a:p>
             <a:r>
@@ -5566,48 +6172,13 @@
           <a:p>
             <a:pPr lvl="1"/>
             <a:r>
-              <a:rPr lang="pt-BR" sz="1200" dirty="0" smtClean="0"/>
+              <a:rPr lang="pt-BR" sz="1600" dirty="0" smtClean="0"/>
               <a:t>1</a:t>
             </a:r>
-          </a:p>
-          <a:p>
-            <a:pPr lvl="1"/>
-            <a:r>
-              <a:rPr lang="pt-BR" sz="1200" dirty="0" smtClean="0"/>
-              <a:t>2</a:t>
-            </a:r>
-          </a:p>
-          <a:p>
-            <a:pPr lvl="1"/>
-            <a:r>
-              <a:rPr lang="pt-BR" sz="1200" dirty="0" smtClean="0"/>
-              <a:t>3</a:t>
-            </a:r>
-          </a:p>
-          <a:p>
-            <a:pPr lvl="1"/>
-            <a:r>
-              <a:rPr lang="pt-BR" sz="1200" dirty="0" smtClean="0"/>
-              <a:t>4</a:t>
-            </a:r>
-          </a:p>
-          <a:p>
-            <a:pPr lvl="1"/>
-            <a:r>
-              <a:rPr lang="pt-BR" sz="1200" dirty="0" smtClean="0"/>
-              <a:t>5</a:t>
-            </a:r>
-          </a:p>
-          <a:p>
-            <a:pPr lvl="1"/>
-            <a:r>
-              <a:rPr lang="pt-BR" sz="1200" dirty="0"/>
-              <a:t>6</a:t>
-            </a:r>
-            <a:endParaRPr lang="pt-BR" sz="1200" dirty="0" smtClean="0"/>
-          </a:p>
-          <a:p>
             <a:endParaRPr lang="pt-BR" sz="1600" dirty="0" smtClean="0"/>
+          </a:p>
+          <a:p>
+            <a:endParaRPr lang="pt-BR" sz="1000" dirty="0" smtClean="0"/>
           </a:p>
           <a:p>
             <a:r>
@@ -5616,7 +6187,7 @@
             </a:r>
           </a:p>
           <a:p>
-            <a:endParaRPr lang="pt-BR" sz="1600" dirty="0"/>
+            <a:endParaRPr lang="pt-BR" sz="1000" dirty="0"/>
           </a:p>
           <a:p>
             <a:r>
@@ -5624,9 +6195,6 @@
               <a:t>Referências</a:t>
             </a:r>
             <a:endParaRPr lang="pt-BR" sz="1600" dirty="0" smtClean="0"/>
-          </a:p>
-          <a:p>
-            <a:endParaRPr lang="pt-BR" sz="1400" dirty="0"/>
           </a:p>
         </p:txBody>
       </p:sp>
@@ -5644,6 +6212,116 @@
 </file>
 
 <file path=ppt/slides/slide20.xml><?xml version="1.0" encoding="utf-8"?>
+<p:sld xmlns:a="http://schemas.openxmlformats.org/drawingml/2006/main" xmlns:r="http://schemas.openxmlformats.org/officeDocument/2006/relationships" xmlns:p="http://schemas.openxmlformats.org/presentationml/2006/main">
+  <p:cSld>
+    <p:spTree>
+      <p:nvGrpSpPr>
+        <p:cNvPr id="1" name=""/>
+        <p:cNvGrpSpPr/>
+        <p:nvPr/>
+      </p:nvGrpSpPr>
+      <p:grpSpPr>
+        <a:xfrm>
+          <a:off x="0" y="0"/>
+          <a:ext cx="0" cy="0"/>
+          <a:chOff x="0" y="0"/>
+          <a:chExt cx="0" cy="0"/>
+        </a:xfrm>
+      </p:grpSpPr>
+      <p:sp>
+        <p:nvSpPr>
+          <p:cNvPr id="2" name="Title 1"/>
+          <p:cNvSpPr>
+            <a:spLocks noGrp="1"/>
+          </p:cNvSpPr>
+          <p:nvPr>
+            <p:ph type="title"/>
+          </p:nvPr>
+        </p:nvSpPr>
+        <p:spPr/>
+        <p:txBody>
+          <a:bodyPr>
+            <a:normAutofit/>
+          </a:bodyPr>
+          <a:lstStyle/>
+          <a:p>
+            <a:pPr lvl="1" algn="l" rtl="0">
+              <a:spcBef>
+                <a:spcPct val="0"/>
+              </a:spcBef>
+            </a:pPr>
+            <a:r>
+              <a:rPr lang="pt-BR" sz="2400" dirty="0" smtClean="0"/>
+              <a:t>Classes</a:t>
+            </a:r>
+            <a:endParaRPr lang="pt-BR" sz="2400" i="1" dirty="0"/>
+          </a:p>
+        </p:txBody>
+      </p:sp>
+      <p:sp>
+        <p:nvSpPr>
+          <p:cNvPr id="3" name="Content Placeholder 2"/>
+          <p:cNvSpPr>
+            <a:spLocks noGrp="1"/>
+          </p:cNvSpPr>
+          <p:nvPr>
+            <p:ph idx="1"/>
+          </p:nvPr>
+        </p:nvSpPr>
+        <p:spPr/>
+        <p:txBody>
+          <a:bodyPr>
+            <a:noAutofit/>
+          </a:bodyPr>
+          <a:lstStyle/>
+          <a:p>
+            <a:r>
+              <a:rPr lang="pt-BR" sz="1800" dirty="0" smtClean="0"/>
+              <a:t>DistArray</a:t>
+            </a:r>
+          </a:p>
+          <a:p>
+            <a:r>
+              <a:rPr lang="pt-BR" sz="1800" dirty="0" smtClean="0"/>
+              <a:t>GlobalRef</a:t>
+            </a:r>
+          </a:p>
+          <a:p>
+            <a:r>
+              <a:rPr lang="pt-BR" sz="1800" dirty="0" smtClean="0"/>
+              <a:t>RemoteArray</a:t>
+            </a:r>
+          </a:p>
+          <a:p>
+            <a:r>
+              <a:rPr lang="pt-BR" sz="1800" dirty="0" smtClean="0"/>
+              <a:t>AtomicInteger</a:t>
+            </a:r>
+            <a:endParaRPr lang="pt-BR" sz="1800" dirty="0"/>
+          </a:p>
+        </p:txBody>
+      </p:sp>
+    </p:spTree>
+    <p:extLst>
+      <p:ext uri="{BB962C8B-B14F-4D97-AF65-F5344CB8AC3E}">
+        <p14:creationId xmlns:p14="http://schemas.microsoft.com/office/powerpoint/2010/main" val="2736402811"/>
+      </p:ext>
+    </p:extLst>
+  </p:cSld>
+  <p:clrMapOvr>
+    <a:masterClrMapping/>
+  </p:clrMapOvr>
+  <p:timing>
+    <p:tnLst>
+      <p:par>
+        <p:cTn id="1" dur="indefinite" restart="never" nodeType="tmRoot"/>
+      </p:par>
+    </p:tnLst>
+  </p:timing>
+</p:sld>
+</file>
+
+<file path=ppt/slides/slide21.xml><?xml version="1.0" encoding="utf-8"?>
 <p:sld xmlns:a="http://schemas.openxmlformats.org/drawingml/2006/main" xmlns:r="http://schemas.openxmlformats.org/officeDocument/2006/relationships" xmlns:p="http://schemas.openxmlformats.org/presentationml/2006/main">
   <p:cSld>
     <p:spTree>
@@ -5732,11 +6410,11 @@
             <a:pPr algn="l"/>
             <a:r>
               <a:rPr lang="pt-BR" sz="2400" dirty="0"/>
-              <a:t>Características principais da </a:t>
+              <a:t>Classes</a:t>
             </a:r>
             <a:r>
               <a:rPr lang="pt-BR" sz="2400" dirty="0" smtClean="0"/>
-              <a:t>linguagem</a:t>
+              <a:t/>
             </a:r>
             <a:br>
               <a:rPr lang="pt-BR" sz="2400" dirty="0" smtClean="0"/>
@@ -6587,7 +7265,7 @@
 </p:sld>
 </file>
 
-<file path=ppt/slides/slide21.xml><?xml version="1.0" encoding="utf-8"?>
+<file path=ppt/slides/slide22.xml><?xml version="1.0" encoding="utf-8"?>
 <p:sld xmlns:a="http://schemas.openxmlformats.org/drawingml/2006/main" xmlns:r="http://schemas.openxmlformats.org/officeDocument/2006/relationships" xmlns:p="http://schemas.openxmlformats.org/presentationml/2006/main">
   <p:cSld>
     <p:spTree>
@@ -6676,11 +7354,11 @@
             <a:pPr algn="l"/>
             <a:r>
               <a:rPr lang="pt-BR" sz="2400" dirty="0"/>
-              <a:t>Características principais da </a:t>
+              <a:t>Classes</a:t>
             </a:r>
             <a:r>
               <a:rPr lang="pt-BR" sz="2400" dirty="0" smtClean="0"/>
-              <a:t>linguagem</a:t>
+              <a:t/>
             </a:r>
             <a:br>
               <a:rPr lang="pt-BR" sz="2400" dirty="0" smtClean="0"/>
@@ -7408,7 +8086,7 @@
 </p:sld>
 </file>
 
-<file path=ppt/slides/slide22.xml><?xml version="1.0" encoding="utf-8"?>
+<file path=ppt/slides/slide23.xml><?xml version="1.0" encoding="utf-8"?>
 <p:sld xmlns:a="http://schemas.openxmlformats.org/drawingml/2006/main" xmlns:r="http://schemas.openxmlformats.org/officeDocument/2006/relationships" xmlns:p="http://schemas.openxmlformats.org/presentationml/2006/main">
   <p:cSld>
     <p:spTree>
@@ -8628,7 +9306,7 @@
 </p:sld>
 </file>
 
-<file path=ppt/slides/slide23.xml><?xml version="1.0" encoding="utf-8"?>
+<file path=ppt/slides/slide24.xml><?xml version="1.0" encoding="utf-8"?>
 <p:sld xmlns:a="http://schemas.openxmlformats.org/drawingml/2006/main" xmlns:r="http://schemas.openxmlformats.org/officeDocument/2006/relationships" xmlns:p="http://schemas.openxmlformats.org/presentationml/2006/main">
   <p:cSld>
     <p:spTree>
@@ -9498,85 +10176,6 @@
 </p:sld>
 </file>
 
-<file path=ppt/slides/slide24.xml><?xml version="1.0" encoding="utf-8"?>
-<p:sld xmlns:a="http://schemas.openxmlformats.org/drawingml/2006/main" xmlns:r="http://schemas.openxmlformats.org/officeDocument/2006/relationships" xmlns:p="http://schemas.openxmlformats.org/presentationml/2006/main">
-  <p:cSld>
-    <p:spTree>
-      <p:nvGrpSpPr>
-        <p:cNvPr id="1" name=""/>
-        <p:cNvGrpSpPr/>
-        <p:nvPr/>
-      </p:nvGrpSpPr>
-      <p:grpSpPr>
-        <a:xfrm>
-          <a:off x="0" y="0"/>
-          <a:ext cx="0" cy="0"/>
-          <a:chOff x="0" y="0"/>
-          <a:chExt cx="0" cy="0"/>
-        </a:xfrm>
-      </p:grpSpPr>
-      <p:sp>
-        <p:nvSpPr>
-          <p:cNvPr id="2" name="Title 1"/>
-          <p:cNvSpPr>
-            <a:spLocks noGrp="1"/>
-          </p:cNvSpPr>
-          <p:nvPr>
-            <p:ph type="title"/>
-          </p:nvPr>
-        </p:nvSpPr>
-        <p:spPr/>
-        <p:txBody>
-          <a:bodyPr>
-            <a:normAutofit/>
-          </a:bodyPr>
-          <a:lstStyle/>
-          <a:p>
-            <a:pPr algn="l"/>
-            <a:r>
-              <a:rPr lang="pt-BR" sz="2400" dirty="0"/>
-              <a:t>Busca em árvore com </a:t>
-            </a:r>
-            <a:r>
-              <a:rPr lang="pt-BR" sz="2400" dirty="0" smtClean="0"/>
-              <a:t>x10</a:t>
-            </a:r>
-            <a:endParaRPr lang="en-US" sz="2400" dirty="0"/>
-          </a:p>
-        </p:txBody>
-      </p:sp>
-      <p:sp>
-        <p:nvSpPr>
-          <p:cNvPr id="3" name="Content Placeholder 2"/>
-          <p:cNvSpPr>
-            <a:spLocks noGrp="1"/>
-          </p:cNvSpPr>
-          <p:nvPr>
-            <p:ph idx="1"/>
-          </p:nvPr>
-        </p:nvSpPr>
-        <p:spPr/>
-        <p:txBody>
-          <a:bodyPr/>
-          <a:lstStyle/>
-          <a:p>
-            <a:endParaRPr lang="en-US"/>
-          </a:p>
-        </p:txBody>
-      </p:sp>
-    </p:spTree>
-    <p:extLst>
-      <p:ext uri="{BB962C8B-B14F-4D97-AF65-F5344CB8AC3E}">
-        <p14:creationId xmlns:p14="http://schemas.microsoft.com/office/powerpoint/2010/main" val="3878268549"/>
-      </p:ext>
-    </p:extLst>
-  </p:cSld>
-  <p:clrMapOvr>
-    <a:masterClrMapping/>
-  </p:clrMapOvr>
-</p:sld>
-</file>
-
 <file path=ppt/slides/slide25.xml><?xml version="1.0" encoding="utf-8"?>
 <p:sld xmlns:a="http://schemas.openxmlformats.org/drawingml/2006/main" xmlns:r="http://schemas.openxmlformats.org/officeDocument/2006/relationships" xmlns:p="http://schemas.openxmlformats.org/presentationml/2006/main">
   <p:cSld>
@@ -9613,8 +10212,12 @@
           <a:p>
             <a:pPr algn="l"/>
             <a:r>
+              <a:rPr lang="pt-BR" sz="2400" dirty="0"/>
+              <a:t>Busca em árvore com </a:t>
+            </a:r>
+            <a:r>
               <a:rPr lang="pt-BR" sz="2400" dirty="0" smtClean="0"/>
-              <a:t>Conclusão</a:t>
+              <a:t>x10</a:t>
             </a:r>
             <a:endParaRPr lang="en-US" sz="2400" dirty="0"/>
           </a:p>
@@ -9632,23 +10235,17 @@
         </p:nvSpPr>
         <p:spPr/>
         <p:txBody>
-          <a:bodyPr>
-            <a:normAutofit/>
-          </a:bodyPr>
+          <a:bodyPr/>
           <a:lstStyle/>
           <a:p>
-            <a:r>
-              <a:rPr lang="pt-BR" sz="1800" dirty="0" smtClean="0"/>
-              <a:t>Dificuldade de encontrar documentação de qualidade</a:t>
-            </a:r>
-            <a:endParaRPr lang="en-US" sz="1800" dirty="0"/>
+            <a:endParaRPr lang="en-US"/>
           </a:p>
         </p:txBody>
       </p:sp>
     </p:spTree>
     <p:extLst>
       <p:ext uri="{BB962C8B-B14F-4D97-AF65-F5344CB8AC3E}">
-        <p14:creationId xmlns:p14="http://schemas.microsoft.com/office/powerpoint/2010/main" val="893830351"/>
+        <p14:creationId xmlns:p14="http://schemas.microsoft.com/office/powerpoint/2010/main" val="3878268549"/>
       </p:ext>
     </p:extLst>
   </p:cSld>
@@ -9694,8 +10291,8 @@
           <a:p>
             <a:pPr algn="l"/>
             <a:r>
-              <a:rPr lang="pt-BR" sz="2400" dirty="0"/>
-              <a:t>Referências</a:t>
+              <a:rPr lang="pt-BR" sz="2400" dirty="0" smtClean="0"/>
+              <a:t>Conclusão</a:t>
             </a:r>
             <a:endParaRPr lang="en-US" sz="2400" dirty="0"/>
           </a:p>
@@ -9719,6 +10316,87 @@
           <a:lstStyle/>
           <a:p>
             <a:r>
+              <a:rPr lang="pt-BR" sz="1800" dirty="0" smtClean="0"/>
+              <a:t>Dificuldade de encontrar documentação de qualidade</a:t>
+            </a:r>
+            <a:endParaRPr lang="en-US" sz="1800" dirty="0"/>
+          </a:p>
+        </p:txBody>
+      </p:sp>
+    </p:spTree>
+    <p:extLst>
+      <p:ext uri="{BB962C8B-B14F-4D97-AF65-F5344CB8AC3E}">
+        <p14:creationId xmlns:p14="http://schemas.microsoft.com/office/powerpoint/2010/main" val="893830351"/>
+      </p:ext>
+    </p:extLst>
+  </p:cSld>
+  <p:clrMapOvr>
+    <a:masterClrMapping/>
+  </p:clrMapOvr>
+</p:sld>
+</file>
+
+<file path=ppt/slides/slide27.xml><?xml version="1.0" encoding="utf-8"?>
+<p:sld xmlns:a="http://schemas.openxmlformats.org/drawingml/2006/main" xmlns:r="http://schemas.openxmlformats.org/officeDocument/2006/relationships" xmlns:p="http://schemas.openxmlformats.org/presentationml/2006/main">
+  <p:cSld>
+    <p:spTree>
+      <p:nvGrpSpPr>
+        <p:cNvPr id="1" name=""/>
+        <p:cNvGrpSpPr/>
+        <p:nvPr/>
+      </p:nvGrpSpPr>
+      <p:grpSpPr>
+        <a:xfrm>
+          <a:off x="0" y="0"/>
+          <a:ext cx="0" cy="0"/>
+          <a:chOff x="0" y="0"/>
+          <a:chExt cx="0" cy="0"/>
+        </a:xfrm>
+      </p:grpSpPr>
+      <p:sp>
+        <p:nvSpPr>
+          <p:cNvPr id="2" name="Title 1"/>
+          <p:cNvSpPr>
+            <a:spLocks noGrp="1"/>
+          </p:cNvSpPr>
+          <p:nvPr>
+            <p:ph type="title"/>
+          </p:nvPr>
+        </p:nvSpPr>
+        <p:spPr/>
+        <p:txBody>
+          <a:bodyPr>
+            <a:normAutofit/>
+          </a:bodyPr>
+          <a:lstStyle/>
+          <a:p>
+            <a:pPr algn="l"/>
+            <a:r>
+              <a:rPr lang="pt-BR" sz="2400" dirty="0"/>
+              <a:t>Referências</a:t>
+            </a:r>
+            <a:endParaRPr lang="en-US" sz="2400" dirty="0"/>
+          </a:p>
+        </p:txBody>
+      </p:sp>
+      <p:sp>
+        <p:nvSpPr>
+          <p:cNvPr id="3" name="Content Placeholder 2"/>
+          <p:cNvSpPr>
+            <a:spLocks noGrp="1"/>
+          </p:cNvSpPr>
+          <p:nvPr>
+            <p:ph idx="1"/>
+          </p:nvPr>
+        </p:nvSpPr>
+        <p:spPr/>
+        <p:txBody>
+          <a:bodyPr>
+            <a:normAutofit/>
+          </a:bodyPr>
+          <a:lstStyle/>
+          <a:p>
+            <a:r>
               <a:rPr lang="pt-BR" sz="1600" dirty="0"/>
               <a:t>Thomas Hörmann. </a:t>
             </a:r>
@@ -9736,8 +10414,27 @@
             </a:r>
             <a:r>
               <a:rPr lang="en-US" sz="1600" dirty="0" smtClean="0"/>
-              <a:t>.</a:t>
-            </a:r>
+              <a:t>. URL: </a:t>
+            </a:r>
+            <a:r>
+              <a:rPr lang="en-US" sz="1600" dirty="0" smtClean="0">
+                <a:hlinkClick r:id="rId2"/>
+              </a:rPr>
+              <a:t>http</a:t>
+            </a:r>
+            <a:r>
+              <a:rPr lang="en-US" sz="1600" dirty="0">
+                <a:hlinkClick r:id="rId2"/>
+              </a:rPr>
+              <a:t>://www5.in.tum.de/pub/hoermann_thomas_2013.pdf</a:t>
+            </a:r>
+            <a:endParaRPr lang="en-US" sz="1600" dirty="0"/>
+          </a:p>
+          <a:p>
+            <a:pPr marL="0" indent="0">
+              <a:buNone/>
+            </a:pPr>
+            <a:endParaRPr lang="en-US" sz="1600" dirty="0" smtClean="0"/>
           </a:p>
           <a:p>
             <a:r>
@@ -9766,55 +10463,43 @@
             </a:r>
             <a:r>
               <a:rPr lang="en-US" sz="1600" dirty="0" smtClean="0"/>
-              <a:t>University. </a:t>
+              <a:t>University</a:t>
+            </a:r>
+            <a:r>
+              <a:rPr lang="en-US" sz="1600" dirty="0" smtClean="0"/>
+              <a:t>. June </a:t>
+            </a:r>
+            <a:r>
+              <a:rPr lang="en-US" sz="1600" dirty="0" smtClean="0"/>
+              <a:t>2015</a:t>
+            </a:r>
+            <a:r>
+              <a:rPr lang="en-US" sz="1600" dirty="0" smtClean="0"/>
+              <a:t>. </a:t>
             </a:r>
             <a:r>
               <a:rPr lang="en-US" sz="1600" dirty="0"/>
-              <a:t>June </a:t>
-            </a:r>
-            <a:r>
-              <a:rPr lang="en-US" sz="1600" dirty="0" smtClean="0"/>
-              <a:t>2015.</a:t>
-            </a:r>
-          </a:p>
-          <a:p>
-            <a:endParaRPr lang="pt-BR" sz="1600" dirty="0"/>
-          </a:p>
-          <a:p>
-            <a:endParaRPr lang="pt-BR" sz="1600" dirty="0" smtClean="0"/>
-          </a:p>
-          <a:p>
-            <a:r>
-              <a:rPr lang="en-US" sz="1600" dirty="0">
-                <a:hlinkClick r:id="rId2"/>
-              </a:rPr>
-              <a:t>https://</a:t>
-            </a:r>
-            <a:r>
-              <a:rPr lang="en-US" sz="1600" dirty="0" smtClean="0">
-                <a:hlinkClick r:id="rId2"/>
-              </a:rPr>
-              <a:t>www.cs.colostate.edu/wiki/mediawiki/images/5/5d/X10programmingguide.pdf</a:t>
-            </a:r>
-            <a:endParaRPr lang="en-US" sz="1600" dirty="0" smtClean="0"/>
-          </a:p>
-          <a:p>
+              <a:t>URL: </a:t>
+            </a:r>
             <a:r>
               <a:rPr lang="en-US" sz="1600" dirty="0">
                 <a:hlinkClick r:id="rId3"/>
               </a:rPr>
-              <a:t>http://</a:t>
+              <a:t>https://</a:t>
             </a:r>
             <a:r>
               <a:rPr lang="en-US" sz="1600" dirty="0" smtClean="0">
                 <a:hlinkClick r:id="rId3"/>
               </a:rPr>
-              <a:t>citeseerx.ist.psu.edu/viewdoc/download?doi=10.1.1.642.6839&amp;rep=rep1&amp;type=pdf</a:t>
+              <a:t>openresearch-repository.anu.edu.au/bitstream/1885/14334/1/Milthorpe%20Thesis%202015.pdf</a:t>
             </a:r>
             <a:endParaRPr lang="en-US" sz="1600" dirty="0" smtClean="0"/>
           </a:p>
           <a:p>
             <a:endParaRPr lang="pt-BR" sz="1600" dirty="0"/>
+          </a:p>
+          <a:p>
+            <a:endParaRPr lang="pt-BR" sz="1600" dirty="0" smtClean="0"/>
           </a:p>
           <a:p>
             <a:r>
@@ -9827,7 +10512,7 @@
               <a:rPr lang="en-US" sz="1600" dirty="0" smtClean="0">
                 <a:hlinkClick r:id="rId4"/>
               </a:rPr>
-              <a:t>arxiv.org/pdf/1110.4165.pdf</a:t>
+              <a:t>www.cs.colostate.edu/wiki/mediawiki/images/5/5d/X10programmingguide.pdf</a:t>
             </a:r>
             <a:endParaRPr lang="en-US" sz="1600" dirty="0" smtClean="0"/>
           </a:p>
@@ -9836,13 +10521,13 @@
               <a:rPr lang="en-US" sz="1600" dirty="0">
                 <a:hlinkClick r:id="rId5"/>
               </a:rPr>
-              <a:t>https://</a:t>
+              <a:t>http://</a:t>
             </a:r>
             <a:r>
               <a:rPr lang="en-US" sz="1600" dirty="0" smtClean="0">
                 <a:hlinkClick r:id="rId5"/>
               </a:rPr>
-              <a:t>openresearch-repository.anu.edu.au/bitstream/1885/14334/1/Milthorpe%20Thesis%202015.pdf</a:t>
+              <a:t>citeseerx.ist.psu.edu/viewdoc/download?doi=10.1.1.642.6839&amp;rep=rep1&amp;type=pdf</a:t>
             </a:r>
             <a:endParaRPr lang="en-US" sz="1600" dirty="0" smtClean="0"/>
           </a:p>
@@ -9854,15 +10539,18 @@
               <a:rPr lang="en-US" sz="1600" dirty="0">
                 <a:hlinkClick r:id="rId6"/>
               </a:rPr>
-              <a:t>http://</a:t>
+              <a:t>https://</a:t>
             </a:r>
             <a:r>
               <a:rPr lang="en-US" sz="1600" dirty="0" smtClean="0">
                 <a:hlinkClick r:id="rId6"/>
               </a:rPr>
-              <a:t>www5.in.tum.de/pub/hoermann_thomas_2013.pdf</a:t>
+              <a:t>arxiv.org/pdf/1110.4165.pdf</a:t>
             </a:r>
             <a:endParaRPr lang="en-US" sz="1600" dirty="0" smtClean="0"/>
+          </a:p>
+          <a:p>
+            <a:endParaRPr lang="pt-BR" sz="1600" dirty="0"/>
           </a:p>
           <a:p>
             <a:endParaRPr lang="en-US" sz="1600" dirty="0" smtClean="0"/>
@@ -10073,38 +10761,105 @@
           <a:lstStyle/>
           <a:p>
             <a:r>
-              <a:rPr lang="pt-BR" sz="1800" dirty="0"/>
+              <a:rPr lang="pt-BR" sz="1600" dirty="0"/>
               <a:t>Modelo PGAS</a:t>
             </a:r>
           </a:p>
           <a:p>
             <a:pPr lvl="1"/>
             <a:r>
-              <a:rPr lang="en-US" altLang="pt-BR" sz="1600" dirty="0"/>
-              <a:t>Partitioned Global Address View</a:t>
-            </a:r>
+              <a:rPr lang="en-US" altLang="pt-BR" sz="1400" dirty="0" smtClean="0"/>
+              <a:t>Partitioned Global </a:t>
+            </a:r>
+            <a:r>
+              <a:rPr lang="en-US" altLang="pt-BR" sz="1400" dirty="0"/>
+              <a:t>Address </a:t>
+            </a:r>
+            <a:r>
+              <a:rPr lang="en-US" altLang="pt-BR" sz="1400" dirty="0" smtClean="0"/>
+              <a:t>View</a:t>
+            </a:r>
+          </a:p>
+          <a:p>
+            <a:endParaRPr lang="en-US" altLang="pt-BR" sz="1200" dirty="0"/>
+          </a:p>
+          <a:p>
+            <a:r>
+              <a:rPr lang="en-US" sz="1600" dirty="0" err="1" smtClean="0"/>
+              <a:t>Múltiplos</a:t>
+            </a:r>
+            <a:r>
+              <a:rPr lang="en-US" sz="1600" dirty="0" smtClean="0"/>
+              <a:t> </a:t>
+            </a:r>
+            <a:r>
+              <a:rPr lang="en-US" sz="1600" dirty="0" err="1" smtClean="0"/>
+              <a:t>espaços</a:t>
+            </a:r>
+            <a:r>
+              <a:rPr lang="en-US" sz="1600" dirty="0" smtClean="0"/>
+              <a:t> de </a:t>
+            </a:r>
+            <a:r>
+              <a:rPr lang="en-US" sz="1600" dirty="0" err="1" smtClean="0"/>
+              <a:t>memória</a:t>
+            </a:r>
+            <a:endParaRPr lang="en-US" sz="1600" dirty="0" smtClean="0"/>
           </a:p>
           <a:p>
             <a:pPr lvl="1"/>
-            <a:endParaRPr lang="en-US" altLang="pt-BR" sz="1600" dirty="0"/>
-          </a:p>
-          <a:p>
-            <a:r>
-              <a:rPr lang="en-US" altLang="pt-BR" sz="1800" dirty="0" err="1"/>
-              <a:t>Baseado</a:t>
-            </a:r>
-            <a:r>
-              <a:rPr lang="en-US" altLang="pt-BR" sz="1800" dirty="0"/>
+            <a:r>
+              <a:rPr lang="en-US" sz="1400" dirty="0" smtClean="0"/>
+              <a:t>Dados</a:t>
+            </a:r>
+          </a:p>
+          <a:p>
+            <a:pPr lvl="1"/>
+            <a:r>
+              <a:rPr lang="en-US" sz="1400" dirty="0" smtClean="0"/>
+              <a:t>Um dado de um </a:t>
+            </a:r>
+            <a:r>
+              <a:rPr lang="en-US" sz="1400" dirty="0" err="1" smtClean="0"/>
+              <a:t>bloco</a:t>
+            </a:r>
+            <a:r>
+              <a:rPr lang="en-US" sz="1400" dirty="0" smtClean="0"/>
               <a:t> </a:t>
             </a:r>
             <a:r>
-              <a:rPr lang="en-US" altLang="pt-BR" sz="1800" dirty="0" err="1"/>
+              <a:rPr lang="en-US" sz="1400" dirty="0" err="1" smtClean="0"/>
+              <a:t>pode</a:t>
+            </a:r>
+            <a:r>
+              <a:rPr lang="en-US" sz="1400" dirty="0" smtClean="0"/>
+              <a:t> </a:t>
+            </a:r>
+            <a:r>
+              <a:rPr lang="en-US" sz="1400" dirty="0" err="1" smtClean="0"/>
+              <a:t>referenciar</a:t>
+            </a:r>
+            <a:r>
+              <a:rPr lang="en-US" sz="1400" dirty="0" smtClean="0"/>
+              <a:t> um dado </a:t>
+            </a:r>
+            <a:r>
+              <a:rPr lang="en-US" sz="1400" dirty="0" err="1" smtClean="0"/>
               <a:t>em</a:t>
             </a:r>
             <a:r>
-              <a:rPr lang="en-US" altLang="pt-BR" sz="1800" dirty="0"/>
-              <a:t> JAVA</a:t>
-            </a:r>
+              <a:rPr lang="en-US" sz="1400" dirty="0" smtClean="0"/>
+              <a:t> outro </a:t>
+            </a:r>
+            <a:r>
+              <a:rPr lang="en-US" sz="1400" dirty="0" err="1" smtClean="0"/>
+              <a:t>bloco</a:t>
+            </a:r>
+            <a:endParaRPr lang="en-US" sz="1400" dirty="0" smtClean="0"/>
+          </a:p>
+          <a:p>
+            <a:pPr lvl="1"/>
+            <a:endParaRPr lang="en-US" sz="1400" dirty="0"/>
           </a:p>
         </p:txBody>
       </p:sp>
@@ -10118,7 +10873,7 @@
         </p:nvSpPr>
         <p:spPr bwMode="auto">
           <a:xfrm>
-            <a:off x="7220273" y="3305969"/>
+            <a:off x="10031411" y="3068960"/>
             <a:ext cx="244475" cy="381000"/>
           </a:xfrm>
           <a:prstGeom prst="rect">
@@ -10171,7 +10926,7 @@
         </p:nvSpPr>
         <p:spPr bwMode="auto">
           <a:xfrm>
-            <a:off x="7448872" y="3305970"/>
+            <a:off x="10260010" y="3068961"/>
             <a:ext cx="1536700" cy="366713"/>
           </a:xfrm>
           <a:prstGeom prst="rect">
@@ -10248,9 +11003,9 @@
         </p:nvGrpSpPr>
         <p:grpSpPr bwMode="auto">
           <a:xfrm>
-            <a:off x="4727848" y="3915569"/>
+            <a:off x="7092578" y="4209330"/>
             <a:ext cx="2819400" cy="2308226"/>
-            <a:chOff x="2016" y="1152"/>
+            <a:chOff x="1925" y="1152"/>
             <a:chExt cx="1776" cy="1454"/>
           </a:xfrm>
         </p:grpSpPr>
@@ -10264,10 +11019,10 @@
           </p:nvGrpSpPr>
           <p:grpSpPr bwMode="auto">
             <a:xfrm>
-              <a:off x="2304" y="1152"/>
-              <a:ext cx="960" cy="912"/>
-              <a:chOff x="2400" y="1824"/>
-              <a:chExt cx="1200" cy="1056"/>
+              <a:off x="2302" y="1152"/>
+              <a:ext cx="961" cy="913"/>
+              <a:chOff x="2400" y="1823"/>
+              <a:chExt cx="1202" cy="1057"/>
             </a:xfrm>
           </p:grpSpPr>
           <p:sp>
@@ -10541,7 +11296,7 @@
             </p:nvSpPr>
             <p:spPr bwMode="auto">
               <a:xfrm>
-                <a:off x="3264" y="1824"/>
+                <a:off x="3266" y="1823"/>
                 <a:ext cx="336" cy="307"/>
               </a:xfrm>
               <a:prstGeom prst="ellipse">
@@ -10646,7 +11401,7 @@
           </p:nvSpPr>
           <p:spPr bwMode="auto">
             <a:xfrm>
-              <a:off x="2016" y="2112"/>
+              <a:off x="1925" y="2112"/>
               <a:ext cx="1776" cy="494"/>
             </a:xfrm>
             <a:prstGeom prst="rect">
@@ -10868,9 +11623,9 @@
         </p:nvGrpSpPr>
         <p:grpSpPr bwMode="auto">
           <a:xfrm>
-            <a:off x="7296472" y="3839369"/>
+            <a:off x="9120186" y="4227750"/>
             <a:ext cx="3048000" cy="2308226"/>
-            <a:chOff x="3648" y="1104"/>
+            <a:chOff x="3678" y="1104"/>
             <a:chExt cx="1920" cy="1454"/>
           </a:xfrm>
         </p:grpSpPr>
@@ -11422,7 +12177,7 @@
           </p:nvSpPr>
           <p:spPr bwMode="auto">
             <a:xfrm>
-              <a:off x="3648" y="2064"/>
+              <a:off x="3678" y="2064"/>
               <a:ext cx="1920" cy="494"/>
             </a:xfrm>
             <a:prstGeom prst="rect">
@@ -11595,7 +12350,7 @@
                 </a:spcBef>
               </a:pPr>
               <a:r>
-                <a:rPr lang="en-US" altLang="pt-BR">
+                <a:rPr lang="en-US" altLang="pt-BR" dirty="0">
                   <a:solidFill>
                     <a:srgbClr val="009900"/>
                   </a:solidFill>
@@ -11610,7 +12365,7 @@
                 </a:spcBef>
               </a:pPr>
               <a:r>
-                <a:rPr lang="en-US" altLang="pt-BR">
+                <a:rPr lang="en-US" altLang="pt-BR" dirty="0">
                   <a:solidFill>
                     <a:srgbClr val="009900"/>
                   </a:solidFill>
@@ -11784,9 +12539,9 @@
         </p:nvGrpSpPr>
         <p:grpSpPr bwMode="auto">
           <a:xfrm>
-            <a:off x="1962472" y="3458369"/>
+            <a:off x="4944445" y="3633266"/>
             <a:ext cx="2819400" cy="2841626"/>
-            <a:chOff x="288" y="864"/>
+            <a:chOff x="243" y="864"/>
             <a:chExt cx="1776" cy="1790"/>
           </a:xfrm>
         </p:grpSpPr>
@@ -12483,7 +13238,7 @@
           </p:nvSpPr>
           <p:spPr bwMode="auto">
             <a:xfrm>
-              <a:off x="288" y="2160"/>
+              <a:off x="243" y="2160"/>
               <a:ext cx="1776" cy="494"/>
             </a:xfrm>
             <a:prstGeom prst="rect">
@@ -12656,7 +13411,7 @@
                 </a:spcBef>
               </a:pPr>
               <a:r>
-                <a:rPr lang="en-US" altLang="pt-BR">
+                <a:rPr lang="en-US" altLang="pt-BR" dirty="0">
                   <a:solidFill>
                     <a:srgbClr val="009900"/>
                   </a:solidFill>
@@ -12671,7 +13426,7 @@
                 </a:spcBef>
               </a:pPr>
               <a:r>
-                <a:rPr lang="en-US" altLang="pt-BR">
+                <a:rPr lang="en-US" altLang="pt-BR" dirty="0">
                   <a:solidFill>
                     <a:srgbClr val="009900"/>
                   </a:solidFill>
@@ -12692,7 +13447,7 @@
         </p:nvSpPr>
         <p:spPr bwMode="auto">
           <a:xfrm>
-            <a:off x="4705673" y="3305970"/>
+            <a:off x="7516811" y="3068961"/>
             <a:ext cx="320675" cy="339725"/>
           </a:xfrm>
           <a:prstGeom prst="ellipse">
@@ -12745,7 +13500,7 @@
         </p:nvSpPr>
         <p:spPr bwMode="auto">
           <a:xfrm>
-            <a:off x="5086672" y="3305970"/>
+            <a:off x="7897810" y="3068961"/>
             <a:ext cx="1593850" cy="366713"/>
           </a:xfrm>
           <a:prstGeom prst="rect">
@@ -12906,45 +13661,59 @@
               <a:buChar char="•"/>
             </a:pPr>
             <a:r>
-              <a:rPr lang="en-US" altLang="pt-BR" sz="1600" dirty="0"/>
-              <a:t>n distinct threads, p distinct memories (n &lt;&gt; p)</a:t>
-            </a:r>
-          </a:p>
-          <a:p>
-            <a:r>
-              <a:rPr lang="en-US" altLang="pt-BR" sz="2000" dirty="0" smtClean="0"/>
-              <a:t>PGAS memories are called </a:t>
-            </a:r>
-            <a:r>
-              <a:rPr lang="en-US" altLang="pt-BR" sz="2000" dirty="0" smtClean="0">
-                <a:solidFill>
-                  <a:srgbClr val="FF0000"/>
-                </a:solidFill>
-              </a:rPr>
-              <a:t>places </a:t>
-            </a:r>
-            <a:r>
-              <a:rPr lang="en-US" altLang="pt-BR" sz="2000" dirty="0" smtClean="0"/>
-              <a:t>in X10</a:t>
-            </a:r>
-          </a:p>
-          <a:p>
-            <a:r>
-              <a:rPr lang="en-US" altLang="pt-BR" sz="2000" dirty="0" smtClean="0"/>
-              <a:t>PGAS threads are called </a:t>
-            </a:r>
-            <a:r>
-              <a:rPr lang="en-US" altLang="pt-BR" sz="2000" dirty="0" smtClean="0">
-                <a:solidFill>
-                  <a:srgbClr val="FF0000"/>
-                </a:solidFill>
-              </a:rPr>
-              <a:t>activities </a:t>
-            </a:r>
-            <a:r>
-              <a:rPr lang="en-US" altLang="pt-BR" sz="2000" dirty="0" smtClean="0"/>
-              <a:t>in X10</a:t>
-            </a:r>
+              <a:rPr lang="en-US" altLang="pt-BR" sz="1600" dirty="0" smtClean="0"/>
+              <a:t>Threads + </a:t>
+            </a:r>
+            <a:r>
+              <a:rPr lang="en-US" altLang="pt-BR" sz="1600" dirty="0" err="1" smtClean="0"/>
+              <a:t>blocos</a:t>
+            </a:r>
+            <a:r>
+              <a:rPr lang="en-US" altLang="pt-BR" sz="1600" dirty="0" smtClean="0"/>
+              <a:t> </a:t>
+            </a:r>
+            <a:r>
+              <a:rPr lang="en-US" altLang="pt-BR" sz="1600" dirty="0" err="1" smtClean="0"/>
+              <a:t>distintos</a:t>
+            </a:r>
+            <a:r>
+              <a:rPr lang="en-US" altLang="pt-BR" sz="1600" dirty="0" smtClean="0"/>
+              <a:t> de </a:t>
+            </a:r>
+            <a:r>
+              <a:rPr lang="en-US" altLang="pt-BR" sz="1600" dirty="0" err="1" smtClean="0"/>
+              <a:t>memória</a:t>
+            </a:r>
+            <a:endParaRPr lang="en-US" altLang="pt-BR" sz="1600" dirty="0" smtClean="0"/>
+          </a:p>
+          <a:p>
+            <a:r>
+              <a:rPr lang="en-US" altLang="pt-BR" sz="1600" dirty="0" smtClean="0"/>
+              <a:t>x10:</a:t>
+            </a:r>
+          </a:p>
+          <a:p>
+            <a:pPr lvl="1"/>
+            <a:r>
+              <a:rPr lang="en-US" altLang="pt-BR" sz="1400" dirty="0" err="1" smtClean="0"/>
+              <a:t>Memória</a:t>
+            </a:r>
+            <a:r>
+              <a:rPr lang="en-US" altLang="pt-BR" sz="1400" dirty="0"/>
+              <a:t>:</a:t>
+            </a:r>
+            <a:r>
+              <a:rPr lang="en-US" altLang="pt-BR" sz="1400" dirty="0" smtClean="0"/>
+              <a:t> places</a:t>
+            </a:r>
+          </a:p>
+          <a:p>
+            <a:pPr lvl="1"/>
+            <a:r>
+              <a:rPr lang="en-US" altLang="pt-BR" sz="1400" dirty="0" smtClean="0"/>
+              <a:t>Threads: activities</a:t>
+            </a:r>
+            <a:endParaRPr lang="en-US" altLang="pt-BR" sz="1400" dirty="0" smtClean="0"/>
           </a:p>
           <a:p>
             <a:endParaRPr lang="pt-BR" dirty="0"/>
@@ -12974,8 +13743,8 @@
         </p:blipFill>
         <p:spPr>
           <a:xfrm>
-            <a:off x="2680523" y="3501008"/>
-            <a:ext cx="6753225" cy="2724150"/>
+            <a:off x="2135560" y="3284984"/>
+            <a:ext cx="7288753" cy="2940174"/>
           </a:xfrm>
           <a:prstGeom prst="rect">
             <a:avLst/>
@@ -13022,6 +13791,13 @@
   <p:clrMapOvr>
     <a:masterClrMapping/>
   </p:clrMapOvr>
+  <p:timing>
+    <p:tnLst>
+      <p:par>
+        <p:cTn id="1" dur="indefinite" restart="never" nodeType="tmRoot"/>
+      </p:par>
+    </p:tnLst>
+  </p:timing>
 </p:sld>
 </file>
 
@@ -13044,6 +13820,468 @@
       </p:grpSpPr>
       <p:sp>
         <p:nvSpPr>
+          <p:cNvPr id="16" name="Content Placeholder 2"/>
+          <p:cNvSpPr txBox="1">
+            <a:spLocks/>
+          </p:cNvSpPr>
+          <p:nvPr/>
+        </p:nvSpPr>
+        <p:spPr>
+          <a:xfrm>
+            <a:off x="609600" y="1600201"/>
+            <a:ext cx="10972800" cy="4525963"/>
+          </a:xfrm>
+          <a:prstGeom prst="rect">
+            <a:avLst/>
+          </a:prstGeom>
+        </p:spPr>
+        <p:txBody>
+          <a:bodyPr vert="horz" lIns="91440" tIns="45720" rIns="91440" bIns="45720" rtlCol="0">
+            <a:normAutofit/>
+          </a:bodyPr>
+          <a:lstStyle>
+            <a:lvl1pPr marL="342900" indent="-342900" algn="l" defTabSz="914400" rtl="0" eaLnBrk="1" latinLnBrk="0" hangingPunct="1">
+              <a:spcBef>
+                <a:spcPct val="20000"/>
+              </a:spcBef>
+              <a:buFont typeface="Arial" panose="020B0604020202020204" pitchFamily="34" charset="0"/>
+              <a:buChar char="•"/>
+              <a:defRPr sz="3200" kern="1200">
+                <a:solidFill>
+                  <a:schemeClr val="tx1"/>
+                </a:solidFill>
+                <a:latin typeface="+mn-lt"/>
+                <a:ea typeface="+mn-ea"/>
+                <a:cs typeface="+mn-cs"/>
+              </a:defRPr>
+            </a:lvl1pPr>
+            <a:lvl2pPr marL="742950" indent="-285750" algn="l" defTabSz="914400" rtl="0" eaLnBrk="1" latinLnBrk="0" hangingPunct="1">
+              <a:spcBef>
+                <a:spcPct val="20000"/>
+              </a:spcBef>
+              <a:buFont typeface="Arial" panose="020B0604020202020204" pitchFamily="34" charset="0"/>
+              <a:buChar char="–"/>
+              <a:defRPr sz="2800" kern="1200">
+                <a:solidFill>
+                  <a:schemeClr val="tx1"/>
+                </a:solidFill>
+                <a:latin typeface="+mn-lt"/>
+                <a:ea typeface="+mn-ea"/>
+                <a:cs typeface="+mn-cs"/>
+              </a:defRPr>
+            </a:lvl2pPr>
+            <a:lvl3pPr marL="1143000" indent="-228600" algn="l" defTabSz="914400" rtl="0" eaLnBrk="1" latinLnBrk="0" hangingPunct="1">
+              <a:spcBef>
+                <a:spcPct val="20000"/>
+              </a:spcBef>
+              <a:buFont typeface="Arial" panose="020B0604020202020204" pitchFamily="34" charset="0"/>
+              <a:buChar char="•"/>
+              <a:defRPr sz="2400" kern="1200">
+                <a:solidFill>
+                  <a:schemeClr val="tx1"/>
+                </a:solidFill>
+                <a:latin typeface="+mn-lt"/>
+                <a:ea typeface="+mn-ea"/>
+                <a:cs typeface="+mn-cs"/>
+              </a:defRPr>
+            </a:lvl3pPr>
+            <a:lvl4pPr marL="1600200" indent="-228600" algn="l" defTabSz="914400" rtl="0" eaLnBrk="1" latinLnBrk="0" hangingPunct="1">
+              <a:spcBef>
+                <a:spcPct val="20000"/>
+              </a:spcBef>
+              <a:buFont typeface="Arial" panose="020B0604020202020204" pitchFamily="34" charset="0"/>
+              <a:buChar char="–"/>
+              <a:defRPr sz="2000" kern="1200">
+                <a:solidFill>
+                  <a:schemeClr val="tx1"/>
+                </a:solidFill>
+                <a:latin typeface="+mn-lt"/>
+                <a:ea typeface="+mn-ea"/>
+                <a:cs typeface="+mn-cs"/>
+              </a:defRPr>
+            </a:lvl4pPr>
+            <a:lvl5pPr marL="2057400" indent="-228600" algn="l" defTabSz="914400" rtl="0" eaLnBrk="1" latinLnBrk="0" hangingPunct="1">
+              <a:spcBef>
+                <a:spcPct val="20000"/>
+              </a:spcBef>
+              <a:buFont typeface="Arial" panose="020B0604020202020204" pitchFamily="34" charset="0"/>
+              <a:buChar char="»"/>
+              <a:defRPr sz="2000" kern="1200">
+                <a:solidFill>
+                  <a:schemeClr val="tx1"/>
+                </a:solidFill>
+                <a:latin typeface="+mn-lt"/>
+                <a:ea typeface="+mn-ea"/>
+                <a:cs typeface="+mn-cs"/>
+              </a:defRPr>
+            </a:lvl5pPr>
+            <a:lvl6pPr marL="2514600" indent="-228600" algn="l" defTabSz="914400" rtl="0" eaLnBrk="1" latinLnBrk="0" hangingPunct="1">
+              <a:spcBef>
+                <a:spcPct val="20000"/>
+              </a:spcBef>
+              <a:buFont typeface="Arial" panose="020B0604020202020204" pitchFamily="34" charset="0"/>
+              <a:buChar char="•"/>
+              <a:defRPr sz="2000" kern="1200">
+                <a:solidFill>
+                  <a:schemeClr val="tx1"/>
+                </a:solidFill>
+                <a:latin typeface="+mn-lt"/>
+                <a:ea typeface="+mn-ea"/>
+                <a:cs typeface="+mn-cs"/>
+              </a:defRPr>
+            </a:lvl6pPr>
+            <a:lvl7pPr marL="2971800" indent="-228600" algn="l" defTabSz="914400" rtl="0" eaLnBrk="1" latinLnBrk="0" hangingPunct="1">
+              <a:spcBef>
+                <a:spcPct val="20000"/>
+              </a:spcBef>
+              <a:buFont typeface="Arial" panose="020B0604020202020204" pitchFamily="34" charset="0"/>
+              <a:buChar char="•"/>
+              <a:defRPr sz="2000" kern="1200">
+                <a:solidFill>
+                  <a:schemeClr val="tx1"/>
+                </a:solidFill>
+                <a:latin typeface="+mn-lt"/>
+                <a:ea typeface="+mn-ea"/>
+                <a:cs typeface="+mn-cs"/>
+              </a:defRPr>
+            </a:lvl7pPr>
+            <a:lvl8pPr marL="3429000" indent="-228600" algn="l" defTabSz="914400" rtl="0" eaLnBrk="1" latinLnBrk="0" hangingPunct="1">
+              <a:spcBef>
+                <a:spcPct val="20000"/>
+              </a:spcBef>
+              <a:buFont typeface="Arial" panose="020B0604020202020204" pitchFamily="34" charset="0"/>
+              <a:buChar char="•"/>
+              <a:defRPr sz="2000" kern="1200">
+                <a:solidFill>
+                  <a:schemeClr val="tx1"/>
+                </a:solidFill>
+                <a:latin typeface="+mn-lt"/>
+                <a:ea typeface="+mn-ea"/>
+                <a:cs typeface="+mn-cs"/>
+              </a:defRPr>
+            </a:lvl8pPr>
+            <a:lvl9pPr marL="3886200" indent="-228600" algn="l" defTabSz="914400" rtl="0" eaLnBrk="1" latinLnBrk="0" hangingPunct="1">
+              <a:spcBef>
+                <a:spcPct val="20000"/>
+              </a:spcBef>
+              <a:buFont typeface="Arial" panose="020B0604020202020204" pitchFamily="34" charset="0"/>
+              <a:buChar char="•"/>
+              <a:defRPr sz="2000" kern="1200">
+                <a:solidFill>
+                  <a:schemeClr val="tx1"/>
+                </a:solidFill>
+                <a:latin typeface="+mn-lt"/>
+                <a:ea typeface="+mn-ea"/>
+                <a:cs typeface="+mn-cs"/>
+              </a:defRPr>
+            </a:lvl9pPr>
+          </a:lstStyle>
+          <a:p>
+            <a:pPr>
+              <a:lnSpc>
+                <a:spcPct val="80000"/>
+              </a:lnSpc>
+            </a:pPr>
+            <a:r>
+              <a:rPr lang="en-US" altLang="pt-BR" sz="1600" dirty="0" smtClean="0"/>
+              <a:t>Place:</a:t>
+            </a:r>
+          </a:p>
+          <a:p>
+            <a:pPr lvl="1">
+              <a:lnSpc>
+                <a:spcPct val="80000"/>
+              </a:lnSpc>
+            </a:pPr>
+            <a:r>
+              <a:rPr lang="en-US" altLang="pt-BR" sz="1400" dirty="0" err="1" smtClean="0"/>
+              <a:t>Controla</a:t>
+            </a:r>
+            <a:r>
+              <a:rPr lang="en-US" altLang="pt-BR" sz="1400" dirty="0" smtClean="0"/>
+              <a:t> </a:t>
+            </a:r>
+            <a:r>
+              <a:rPr lang="en-US" altLang="pt-BR" sz="1400" dirty="0" err="1" smtClean="0"/>
+              <a:t>uma</a:t>
+            </a:r>
+            <a:r>
+              <a:rPr lang="en-US" altLang="pt-BR" sz="1400" dirty="0" smtClean="0"/>
+              <a:t> </a:t>
+            </a:r>
+            <a:r>
+              <a:rPr lang="en-US" altLang="pt-BR" sz="1400" dirty="0" err="1" smtClean="0"/>
+              <a:t>quantidade</a:t>
+            </a:r>
+            <a:r>
+              <a:rPr lang="en-US" altLang="pt-BR" sz="1400" dirty="0" smtClean="0"/>
+              <a:t> de </a:t>
+            </a:r>
+            <a:r>
+              <a:rPr lang="en-US" altLang="pt-BR" sz="1400" dirty="0" err="1" smtClean="0"/>
+              <a:t>objetos</a:t>
+            </a:r>
+            <a:r>
+              <a:rPr lang="en-US" altLang="pt-BR" sz="1400" dirty="0" smtClean="0"/>
+              <a:t> e </a:t>
+            </a:r>
+            <a:r>
+              <a:rPr lang="en-US" altLang="pt-BR" sz="1400" dirty="0" err="1" smtClean="0"/>
+              <a:t>atividades</a:t>
+            </a:r>
+            <a:r>
+              <a:rPr lang="en-US" altLang="pt-BR" sz="1400" dirty="0" smtClean="0"/>
+              <a:t>.</a:t>
+            </a:r>
+          </a:p>
+          <a:p>
+            <a:pPr lvl="1">
+              <a:lnSpc>
+                <a:spcPct val="80000"/>
+              </a:lnSpc>
+            </a:pPr>
+            <a:r>
+              <a:rPr lang="en-US" altLang="pt-BR" sz="1400" i="1" dirty="0" smtClean="0"/>
+              <a:t>Places </a:t>
+            </a:r>
+            <a:r>
+              <a:rPr lang="en-US" altLang="pt-BR" sz="1400" dirty="0" err="1" smtClean="0"/>
+              <a:t>são</a:t>
+            </a:r>
+            <a:r>
+              <a:rPr lang="en-US" altLang="pt-BR" sz="1400" dirty="0" smtClean="0"/>
+              <a:t> </a:t>
+            </a:r>
+            <a:r>
+              <a:rPr lang="en-US" altLang="pt-BR" sz="1400" dirty="0" err="1" smtClean="0"/>
+              <a:t>definidas</a:t>
+            </a:r>
+            <a:r>
+              <a:rPr lang="en-US" altLang="pt-BR" sz="1400" dirty="0" smtClean="0"/>
+              <a:t> antes de </a:t>
+            </a:r>
+            <a:r>
+              <a:rPr lang="en-US" altLang="pt-BR" sz="1400" dirty="0" err="1" smtClean="0"/>
+              <a:t>executar</a:t>
+            </a:r>
+            <a:r>
+              <a:rPr lang="en-US" altLang="pt-BR" sz="1400" dirty="0" smtClean="0"/>
+              <a:t> o </a:t>
+            </a:r>
+            <a:r>
+              <a:rPr lang="en-US" altLang="pt-BR" sz="1400" dirty="0" err="1" smtClean="0"/>
+              <a:t>programa</a:t>
+            </a:r>
+            <a:r>
+              <a:rPr lang="en-US" altLang="pt-BR" sz="1400" dirty="0" smtClean="0"/>
+              <a:t>.</a:t>
+            </a:r>
+          </a:p>
+          <a:p>
+            <a:pPr lvl="1">
+              <a:lnSpc>
+                <a:spcPct val="80000"/>
+              </a:lnSpc>
+            </a:pPr>
+            <a:endParaRPr lang="pt-BR" altLang="pt-BR" sz="1400" dirty="0" smtClean="0"/>
+          </a:p>
+          <a:p>
+            <a:pPr>
+              <a:lnSpc>
+                <a:spcPct val="80000"/>
+              </a:lnSpc>
+            </a:pPr>
+            <a:r>
+              <a:rPr lang="pt-BR" altLang="pt-BR" sz="1600" dirty="0" smtClean="0"/>
+              <a:t>Aplicação</a:t>
+            </a:r>
+            <a:endParaRPr lang="pt-BR" altLang="pt-BR" sz="1600" dirty="0"/>
+          </a:p>
+          <a:p>
+            <a:pPr lvl="1">
+              <a:lnSpc>
+                <a:spcPct val="80000"/>
+              </a:lnSpc>
+            </a:pPr>
+            <a:r>
+              <a:rPr lang="pt-BR" altLang="pt-BR" sz="1400" dirty="0"/>
+              <a:t>Place 0 invocando método “main</a:t>
+            </a:r>
+            <a:r>
+              <a:rPr lang="pt-BR" altLang="pt-BR" sz="1400" dirty="0" smtClean="0"/>
+              <a:t>”</a:t>
+            </a:r>
+          </a:p>
+          <a:p>
+            <a:pPr lvl="1">
+              <a:lnSpc>
+                <a:spcPct val="80000"/>
+              </a:lnSpc>
+            </a:pPr>
+            <a:endParaRPr lang="pt-BR" altLang="pt-BR" sz="1400" dirty="0"/>
+          </a:p>
+          <a:p>
+            <a:pPr>
+              <a:lnSpc>
+                <a:spcPct val="80000"/>
+              </a:lnSpc>
+            </a:pPr>
+            <a:r>
+              <a:rPr lang="en-US" altLang="pt-BR" sz="1600" dirty="0"/>
+              <a:t>Activities:</a:t>
+            </a:r>
+          </a:p>
+          <a:p>
+            <a:pPr lvl="1">
+              <a:lnSpc>
+                <a:spcPct val="80000"/>
+              </a:lnSpc>
+            </a:pPr>
+            <a:r>
+              <a:rPr lang="en-US" altLang="pt-BR" sz="1400" dirty="0" err="1"/>
+              <a:t>Bloco</a:t>
+            </a:r>
+            <a:r>
+              <a:rPr lang="en-US" altLang="pt-BR" sz="1400" dirty="0"/>
+              <a:t> </a:t>
+            </a:r>
+            <a:r>
+              <a:rPr lang="en-US" altLang="pt-BR" sz="1400" dirty="0" err="1"/>
+              <a:t>sequencial</a:t>
+            </a:r>
+            <a:r>
+              <a:rPr lang="en-US" altLang="pt-BR" sz="1400" dirty="0"/>
+              <a:t> </a:t>
+            </a:r>
+            <a:r>
+              <a:rPr lang="en-US" altLang="pt-BR" sz="1400" dirty="0" smtClean="0"/>
+              <a:t>de </a:t>
+            </a:r>
+            <a:r>
+              <a:rPr lang="en-US" altLang="pt-BR" sz="1400" dirty="0" err="1" smtClean="0"/>
+              <a:t>comandos</a:t>
+            </a:r>
+            <a:r>
+              <a:rPr lang="en-US" altLang="pt-BR" sz="1400" dirty="0" smtClean="0"/>
+              <a:t> </a:t>
+            </a:r>
+            <a:r>
+              <a:rPr lang="en-US" altLang="pt-BR" sz="1400" dirty="0" err="1" smtClean="0"/>
+              <a:t>em</a:t>
+            </a:r>
+            <a:r>
+              <a:rPr lang="en-US" altLang="pt-BR" sz="1400" dirty="0" smtClean="0"/>
+              <a:t> </a:t>
+            </a:r>
+            <a:r>
+              <a:rPr lang="en-US" altLang="pt-BR" sz="1400" dirty="0"/>
+              <a:t>um </a:t>
+            </a:r>
+            <a:r>
+              <a:rPr lang="en-US" altLang="pt-BR" sz="1400" dirty="0" err="1"/>
+              <a:t>espaço</a:t>
+            </a:r>
+            <a:r>
+              <a:rPr lang="en-US" altLang="pt-BR" sz="1400" dirty="0"/>
+              <a:t> de </a:t>
+            </a:r>
+            <a:r>
+              <a:rPr lang="en-US" altLang="pt-BR" sz="1400" dirty="0" err="1"/>
+              <a:t>memória</a:t>
+            </a:r>
+            <a:r>
+              <a:rPr lang="en-US" altLang="pt-BR" sz="1400" dirty="0"/>
+              <a:t> (“place”)</a:t>
+            </a:r>
+          </a:p>
+          <a:p>
+            <a:pPr lvl="1">
+              <a:lnSpc>
+                <a:spcPct val="80000"/>
+              </a:lnSpc>
+            </a:pPr>
+            <a:endParaRPr lang="en-US" altLang="pt-BR" sz="1400" dirty="0"/>
+          </a:p>
+        </p:txBody>
+      </p:sp>
+      <p:sp>
+        <p:nvSpPr>
+          <p:cNvPr id="6" name="Rectangle 5"/>
+          <p:cNvSpPr/>
+          <p:nvPr/>
+        </p:nvSpPr>
+        <p:spPr>
+          <a:xfrm>
+            <a:off x="7122604" y="2532541"/>
+            <a:ext cx="1081608" cy="971252"/>
+          </a:xfrm>
+          <a:prstGeom prst="rect">
+            <a:avLst/>
+          </a:prstGeom>
+        </p:spPr>
+        <p:style>
+          <a:lnRef idx="2">
+            <a:schemeClr val="dk1"/>
+          </a:lnRef>
+          <a:fillRef idx="1">
+            <a:schemeClr val="lt1"/>
+          </a:fillRef>
+          <a:effectRef idx="0">
+            <a:schemeClr val="dk1"/>
+          </a:effectRef>
+          <a:fontRef idx="minor">
+            <a:schemeClr val="dk1"/>
+          </a:fontRef>
+        </p:style>
+        <p:txBody>
+          <a:bodyPr rtlCol="0" anchor="ctr"/>
+          <a:lstStyle/>
+          <a:p>
+            <a:pPr algn="ctr"/>
+            <a:endParaRPr lang="pt-BR"/>
+          </a:p>
+        </p:txBody>
+      </p:sp>
+      <p:cxnSp>
+        <p:nvCxnSpPr>
+          <p:cNvPr id="17" name="Straight Arrow Connector 16"/>
+          <p:cNvCxnSpPr/>
+          <p:nvPr/>
+        </p:nvCxnSpPr>
+        <p:spPr>
+          <a:xfrm>
+            <a:off x="7663408" y="2281369"/>
+            <a:ext cx="0" cy="899244"/>
+          </a:xfrm>
+          <a:prstGeom prst="straightConnector1">
+            <a:avLst/>
+          </a:prstGeom>
+          <a:ln>
+            <a:solidFill>
+              <a:schemeClr val="bg1">
+                <a:lumMod val="65000"/>
+              </a:schemeClr>
+            </a:solidFill>
+            <a:tailEnd type="arrow"/>
+          </a:ln>
+        </p:spPr>
+        <p:style>
+          <a:lnRef idx="3">
+            <a:schemeClr val="dk1"/>
+          </a:lnRef>
+          <a:fillRef idx="0">
+            <a:schemeClr val="dk1"/>
+          </a:fillRef>
+          <a:effectRef idx="2">
+            <a:schemeClr val="dk1"/>
+          </a:effectRef>
+          <a:fontRef idx="minor">
+            <a:schemeClr val="tx1"/>
+          </a:fontRef>
+        </p:style>
+      </p:cxnSp>
+      <p:sp>
+        <p:nvSpPr>
           <p:cNvPr id="2" name="Title 1"/>
           <p:cNvSpPr>
             <a:spLocks noGrp="1"/>
@@ -13077,121 +14315,284 @@
       </p:sp>
       <p:sp>
         <p:nvSpPr>
-          <p:cNvPr id="3" name="Content Placeholder 2"/>
-          <p:cNvSpPr>
-            <a:spLocks noGrp="1"/>
-          </p:cNvSpPr>
-          <p:nvPr>
-            <p:ph idx="1"/>
-          </p:nvPr>
+          <p:cNvPr id="7" name="Rectangle 6"/>
+          <p:cNvSpPr/>
+          <p:nvPr/>
         </p:nvSpPr>
-        <p:spPr/>
+        <p:spPr>
+          <a:xfrm>
+            <a:off x="8283116" y="2532541"/>
+            <a:ext cx="1081608" cy="971252"/>
+          </a:xfrm>
+          <a:prstGeom prst="rect">
+            <a:avLst/>
+          </a:prstGeom>
+        </p:spPr>
+        <p:style>
+          <a:lnRef idx="2">
+            <a:schemeClr val="dk1"/>
+          </a:lnRef>
+          <a:fillRef idx="1">
+            <a:schemeClr val="lt1"/>
+          </a:fillRef>
+          <a:effectRef idx="0">
+            <a:schemeClr val="dk1"/>
+          </a:effectRef>
+          <a:fontRef idx="minor">
+            <a:schemeClr val="dk1"/>
+          </a:fontRef>
+        </p:style>
         <p:txBody>
-          <a:bodyPr>
-            <a:normAutofit/>
-          </a:bodyPr>
+          <a:bodyPr rtlCol="0" anchor="ctr"/>
           <a:lstStyle/>
           <a:p>
-            <a:r>
-              <a:rPr lang="pt-BR" sz="1800" dirty="0" smtClean="0"/>
-              <a:t>Downloads:</a:t>
-            </a:r>
-          </a:p>
-          <a:p>
-            <a:pPr lvl="1"/>
-            <a:r>
-              <a:rPr lang="pt-BR" sz="1600" dirty="0" smtClean="0">
-                <a:hlinkClick r:id="rId2"/>
-              </a:rPr>
-              <a:t>http</a:t>
-            </a:r>
-            <a:r>
-              <a:rPr lang="pt-BR" sz="1600" dirty="0">
-                <a:hlinkClick r:id="rId2"/>
-              </a:rPr>
-              <a:t>://www.x10-lang.org</a:t>
-            </a:r>
-            <a:r>
-              <a:rPr lang="pt-BR" sz="1600" dirty="0" smtClean="0">
-                <a:hlinkClick r:id="rId2"/>
-              </a:rPr>
-              <a:t>/</a:t>
-            </a:r>
-            <a:endParaRPr lang="pt-BR" sz="1600" dirty="0" smtClean="0"/>
-          </a:p>
-          <a:p>
-            <a:r>
-              <a:rPr lang="pt-BR" sz="1800" dirty="0" smtClean="0"/>
-              <a:t>IDE:</a:t>
-            </a:r>
-          </a:p>
-          <a:p>
-            <a:pPr lvl="1"/>
-            <a:r>
-              <a:rPr lang="pt-BR" sz="1600" dirty="0" smtClean="0"/>
-              <a:t>X10DT</a:t>
-            </a:r>
+            <a:pPr algn="ctr"/>
+            <a:endParaRPr lang="pt-BR"/>
           </a:p>
         </p:txBody>
       </p:sp>
-      <p:pic>
-        <p:nvPicPr>
-          <p:cNvPr id="1027" name="Picture 3"/>
-          <p:cNvPicPr>
-            <a:picLocks noChangeAspect="1" noChangeArrowheads="1"/>
-          </p:cNvPicPr>
+      <p:sp>
+        <p:nvSpPr>
+          <p:cNvPr id="8" name="Rectangle 7"/>
+          <p:cNvSpPr/>
           <p:nvPr/>
-        </p:nvPicPr>
-        <p:blipFill>
-          <a:blip r:embed="rId3" cstate="print">
-            <a:extLst>
-              <a:ext uri="{28A0092B-C50C-407E-A947-70E740481C1C}">
-                <a14:useLocalDpi xmlns:a14="http://schemas.microsoft.com/office/drawing/2010/main" val="0"/>
-              </a:ext>
-            </a:extLst>
-          </a:blip>
-          <a:srcRect/>
-          <a:stretch>
-            <a:fillRect/>
-          </a:stretch>
-        </p:blipFill>
-        <p:spPr bwMode="auto">
+        </p:nvSpPr>
+        <p:spPr>
           <a:xfrm>
-            <a:off x="4223792" y="2439076"/>
-            <a:ext cx="6284140" cy="3652783"/>
+            <a:off x="7132476" y="3633876"/>
+            <a:ext cx="1081608" cy="971252"/>
+          </a:xfrm>
+          <a:prstGeom prst="rect">
+            <a:avLst/>
+          </a:prstGeom>
+        </p:spPr>
+        <p:style>
+          <a:lnRef idx="2">
+            <a:schemeClr val="dk1"/>
+          </a:lnRef>
+          <a:fillRef idx="1">
+            <a:schemeClr val="lt1"/>
+          </a:fillRef>
+          <a:effectRef idx="0">
+            <a:schemeClr val="dk1"/>
+          </a:effectRef>
+          <a:fontRef idx="minor">
+            <a:schemeClr val="dk1"/>
+          </a:fontRef>
+        </p:style>
+        <p:txBody>
+          <a:bodyPr rtlCol="0" anchor="ctr"/>
+          <a:lstStyle/>
+          <a:p>
+            <a:pPr algn="ctr"/>
+            <a:endParaRPr lang="pt-BR"/>
+          </a:p>
+        </p:txBody>
+      </p:sp>
+      <p:sp>
+        <p:nvSpPr>
+          <p:cNvPr id="9" name="Rectangle 8"/>
+          <p:cNvSpPr/>
+          <p:nvPr/>
+        </p:nvSpPr>
+        <p:spPr>
+          <a:xfrm>
+            <a:off x="8283116" y="3633876"/>
+            <a:ext cx="1081608" cy="971252"/>
+          </a:xfrm>
+          <a:prstGeom prst="rect">
+            <a:avLst/>
+          </a:prstGeom>
+        </p:spPr>
+        <p:style>
+          <a:lnRef idx="2">
+            <a:schemeClr val="dk1"/>
+          </a:lnRef>
+          <a:fillRef idx="1">
+            <a:schemeClr val="lt1"/>
+          </a:fillRef>
+          <a:effectRef idx="0">
+            <a:schemeClr val="dk1"/>
+          </a:effectRef>
+          <a:fontRef idx="minor">
+            <a:schemeClr val="dk1"/>
+          </a:fontRef>
+        </p:style>
+        <p:txBody>
+          <a:bodyPr rtlCol="0" anchor="ctr"/>
+          <a:lstStyle/>
+          <a:p>
+            <a:pPr algn="ctr"/>
+            <a:endParaRPr lang="pt-BR"/>
+          </a:p>
+        </p:txBody>
+      </p:sp>
+      <p:sp>
+        <p:nvSpPr>
+          <p:cNvPr id="11" name="TextBox 10"/>
+          <p:cNvSpPr txBox="1"/>
+          <p:nvPr/>
+        </p:nvSpPr>
+        <p:spPr>
+          <a:xfrm>
+            <a:off x="7132476" y="3189905"/>
+            <a:ext cx="1089790" cy="338554"/>
           </a:xfrm>
           <a:prstGeom prst="rect">
             <a:avLst/>
           </a:prstGeom>
           <a:noFill/>
-          <a:ln>
-            <a:noFill/>
-          </a:ln>
-          <a:extLst>
-            <a:ext uri="{909E8E84-426E-40DD-AFC4-6F175D3DCCD1}">
-              <a14:hiddenFill xmlns:a14="http://schemas.microsoft.com/office/drawing/2010/main">
-                <a:solidFill>
-                  <a:schemeClr val="accent1"/>
-                </a:solidFill>
-              </a14:hiddenFill>
-            </a:ext>
-            <a:ext uri="{91240B29-F687-4F45-9708-019B960494DF}">
-              <a14:hiddenLine xmlns:a14="http://schemas.microsoft.com/office/drawing/2010/main" w="9525">
-                <a:solidFill>
-                  <a:schemeClr val="tx1"/>
-                </a:solidFill>
-                <a:miter lim="800000"/>
-                <a:headEnd/>
-                <a:tailEnd/>
-              </a14:hiddenLine>
-            </a:ext>
-          </a:extLst>
         </p:spPr>
-      </p:pic>
+        <p:txBody>
+          <a:bodyPr wrap="square" rtlCol="0">
+            <a:spAutoFit/>
+          </a:bodyPr>
+          <a:lstStyle/>
+          <a:p>
+            <a:pPr algn="ctr"/>
+            <a:r>
+              <a:rPr lang="pt-BR" sz="1600" dirty="0"/>
+              <a:t>Place 0</a:t>
+            </a:r>
+          </a:p>
+        </p:txBody>
+      </p:sp>
+      <p:sp>
+        <p:nvSpPr>
+          <p:cNvPr id="12" name="TextBox 11"/>
+          <p:cNvSpPr txBox="1"/>
+          <p:nvPr/>
+        </p:nvSpPr>
+        <p:spPr>
+          <a:xfrm>
+            <a:off x="7122604" y="4269868"/>
+            <a:ext cx="1091480" cy="338554"/>
+          </a:xfrm>
+          <a:prstGeom prst="rect">
+            <a:avLst/>
+          </a:prstGeom>
+          <a:noFill/>
+        </p:spPr>
+        <p:txBody>
+          <a:bodyPr wrap="square" rtlCol="0">
+            <a:spAutoFit/>
+          </a:bodyPr>
+          <a:lstStyle/>
+          <a:p>
+            <a:pPr algn="ctr"/>
+            <a:r>
+              <a:rPr lang="pt-BR" sz="1600" dirty="0"/>
+              <a:t>Place 2</a:t>
+            </a:r>
+          </a:p>
+        </p:txBody>
+      </p:sp>
+      <p:sp>
+        <p:nvSpPr>
+          <p:cNvPr id="13" name="TextBox 12"/>
+          <p:cNvSpPr txBox="1"/>
+          <p:nvPr/>
+        </p:nvSpPr>
+        <p:spPr>
+          <a:xfrm>
+            <a:off x="8259126" y="4281948"/>
+            <a:ext cx="1105598" cy="338554"/>
+          </a:xfrm>
+          <a:prstGeom prst="rect">
+            <a:avLst/>
+          </a:prstGeom>
+          <a:noFill/>
+        </p:spPr>
+        <p:txBody>
+          <a:bodyPr wrap="square" rtlCol="0">
+            <a:spAutoFit/>
+          </a:bodyPr>
+          <a:lstStyle/>
+          <a:p>
+            <a:pPr algn="ctr"/>
+            <a:r>
+              <a:rPr lang="pt-BR" sz="1600" dirty="0"/>
+              <a:t>Place 3</a:t>
+            </a:r>
+          </a:p>
+        </p:txBody>
+      </p:sp>
+      <p:sp>
+        <p:nvSpPr>
+          <p:cNvPr id="14" name="TextBox 13"/>
+          <p:cNvSpPr txBox="1"/>
+          <p:nvPr/>
+        </p:nvSpPr>
+        <p:spPr>
+          <a:xfrm>
+            <a:off x="8259126" y="3180613"/>
+            <a:ext cx="1105598" cy="338554"/>
+          </a:xfrm>
+          <a:prstGeom prst="rect">
+            <a:avLst/>
+          </a:prstGeom>
+          <a:noFill/>
+        </p:spPr>
+        <p:txBody>
+          <a:bodyPr wrap="square" rtlCol="0">
+            <a:spAutoFit/>
+          </a:bodyPr>
+          <a:lstStyle/>
+          <a:p>
+            <a:pPr algn="ctr"/>
+            <a:r>
+              <a:rPr lang="pt-BR" sz="1600" dirty="0"/>
+              <a:t>Place 1</a:t>
+            </a:r>
+          </a:p>
+        </p:txBody>
+      </p:sp>
+      <p:sp>
+        <p:nvSpPr>
+          <p:cNvPr id="15" name="Rectangle 14"/>
+          <p:cNvSpPr/>
+          <p:nvPr/>
+        </p:nvSpPr>
+        <p:spPr>
+          <a:xfrm>
+            <a:off x="7204484" y="2604549"/>
+            <a:ext cx="927720" cy="288032"/>
+          </a:xfrm>
+          <a:prstGeom prst="rect">
+            <a:avLst/>
+          </a:prstGeom>
+        </p:spPr>
+        <p:style>
+          <a:lnRef idx="1">
+            <a:schemeClr val="dk1"/>
+          </a:lnRef>
+          <a:fillRef idx="2">
+            <a:schemeClr val="dk1"/>
+          </a:fillRef>
+          <a:effectRef idx="1">
+            <a:schemeClr val="dk1"/>
+          </a:effectRef>
+          <a:fontRef idx="minor">
+            <a:schemeClr val="dk1"/>
+          </a:fontRef>
+        </p:style>
+        <p:txBody>
+          <a:bodyPr rtlCol="0" anchor="ctr"/>
+          <a:lstStyle/>
+          <a:p>
+            <a:pPr algn="ctr"/>
+            <a:r>
+              <a:rPr lang="pt-BR" sz="1400" dirty="0"/>
+              <a:t>Activities</a:t>
+            </a:r>
+            <a:endParaRPr lang="pt-BR" sz="1600" dirty="0"/>
+          </a:p>
+        </p:txBody>
+      </p:sp>
     </p:spTree>
     <p:extLst>
       <p:ext uri="{BB962C8B-B14F-4D97-AF65-F5344CB8AC3E}">
-        <p14:creationId xmlns:p14="http://schemas.microsoft.com/office/powerpoint/2010/main" val="915000722"/>
+        <p14:creationId xmlns:p14="http://schemas.microsoft.com/office/powerpoint/2010/main" val="2474206405"/>
       </p:ext>
     </p:extLst>
   </p:cSld>
@@ -13277,16 +14678,23 @@
           <a:p>
             <a:r>
               <a:rPr lang="pt-BR" sz="1800" dirty="0" smtClean="0"/>
-              <a:t>Documentação:</a:t>
-            </a:r>
+              <a:t>Download:</a:t>
+            </a:r>
+            <a:endParaRPr lang="pt-BR" sz="1800" dirty="0" smtClean="0"/>
           </a:p>
           <a:p>
             <a:pPr lvl="1"/>
+            <a:r>
+              <a:rPr lang="pt-BR" sz="1600" dirty="0" smtClean="0">
+                <a:hlinkClick r:id="rId2"/>
+              </a:rPr>
+              <a:t>http</a:t>
+            </a:r>
             <a:r>
               <a:rPr lang="pt-BR" sz="1600" dirty="0">
                 <a:hlinkClick r:id="rId2"/>
               </a:rPr>
-              <a:t>http://x10.sourceforge.net/x10doc/2.6.0</a:t>
+              <a:t>://www.x10-lang.org</a:t>
             </a:r>
             <a:r>
               <a:rPr lang="pt-BR" sz="1600" dirty="0" smtClean="0">
@@ -13297,15 +14705,78 @@
             <a:endParaRPr lang="pt-BR" sz="1600" dirty="0" smtClean="0"/>
           </a:p>
           <a:p>
+            <a:r>
+              <a:rPr lang="pt-BR" sz="1800" dirty="0" smtClean="0"/>
+              <a:t>IDE:</a:t>
+            </a:r>
+          </a:p>
+          <a:p>
             <a:pPr lvl="1"/>
-            <a:endParaRPr lang="pt-BR" sz="1800" dirty="0" smtClean="0"/>
+            <a:r>
+              <a:rPr lang="pt-BR" sz="1600" dirty="0" smtClean="0"/>
+              <a:t>X10DT</a:t>
+            </a:r>
           </a:p>
         </p:txBody>
       </p:sp>
+      <p:pic>
+        <p:nvPicPr>
+          <p:cNvPr id="1027" name="Picture 3"/>
+          <p:cNvPicPr>
+            <a:picLocks noChangeAspect="1" noChangeArrowheads="1"/>
+          </p:cNvPicPr>
+          <p:nvPr/>
+        </p:nvPicPr>
+        <p:blipFill>
+          <a:blip r:embed="rId3" cstate="print">
+            <a:extLst>
+              <a:ext uri="{28A0092B-C50C-407E-A947-70E740481C1C}">
+                <a14:useLocalDpi xmlns:a14="http://schemas.microsoft.com/office/drawing/2010/main" val="0"/>
+              </a:ext>
+            </a:extLst>
+          </a:blip>
+          <a:srcRect/>
+          <a:stretch>
+            <a:fillRect/>
+          </a:stretch>
+        </p:blipFill>
+        <p:spPr bwMode="auto">
+          <a:xfrm>
+            <a:off x="4223792" y="1844824"/>
+            <a:ext cx="7306474" cy="4247035"/>
+          </a:xfrm>
+          <a:prstGeom prst="rect">
+            <a:avLst/>
+          </a:prstGeom>
+          <a:noFill/>
+          <a:ln>
+            <a:noFill/>
+          </a:ln>
+          <a:extLst>
+            <a:ext uri="{909E8E84-426E-40DD-AFC4-6F175D3DCCD1}">
+              <a14:hiddenFill xmlns:a14="http://schemas.microsoft.com/office/drawing/2010/main">
+                <a:solidFill>
+                  <a:schemeClr val="accent1"/>
+                </a:solidFill>
+              </a14:hiddenFill>
+            </a:ext>
+            <a:ext uri="{91240B29-F687-4F45-9708-019B960494DF}">
+              <a14:hiddenLine xmlns:a14="http://schemas.microsoft.com/office/drawing/2010/main" w="9525">
+                <a:solidFill>
+                  <a:schemeClr val="tx1"/>
+                </a:solidFill>
+                <a:miter lim="800000"/>
+                <a:headEnd/>
+                <a:tailEnd/>
+              </a14:hiddenLine>
+            </a:ext>
+          </a:extLst>
+        </p:spPr>
+      </p:pic>
     </p:spTree>
     <p:extLst>
       <p:ext uri="{BB962C8B-B14F-4D97-AF65-F5344CB8AC3E}">
-        <p14:creationId xmlns:p14="http://schemas.microsoft.com/office/powerpoint/2010/main" val="4061401593"/>
+        <p14:creationId xmlns:p14="http://schemas.microsoft.com/office/powerpoint/2010/main" val="915000722"/>
       </p:ext>
     </p:extLst>
   </p:cSld>
@@ -13341,82 +14812,6 @@
       </p:grpSpPr>
       <p:sp>
         <p:nvSpPr>
-          <p:cNvPr id="6" name="Rectangle 5"/>
-          <p:cNvSpPr/>
-          <p:nvPr/>
-        </p:nvSpPr>
-        <p:spPr>
-          <a:xfrm>
-            <a:off x="7814320" y="1916832"/>
-            <a:ext cx="1081608" cy="971252"/>
-          </a:xfrm>
-          <a:prstGeom prst="rect">
-            <a:avLst/>
-          </a:prstGeom>
-        </p:spPr>
-        <p:style>
-          <a:lnRef idx="2">
-            <a:schemeClr val="dk1"/>
-          </a:lnRef>
-          <a:fillRef idx="1">
-            <a:schemeClr val="lt1"/>
-          </a:fillRef>
-          <a:effectRef idx="0">
-            <a:schemeClr val="dk1"/>
-          </a:effectRef>
-          <a:fontRef idx="minor">
-            <a:schemeClr val="dk1"/>
-          </a:fontRef>
-        </p:style>
-        <p:txBody>
-          <a:bodyPr rtlCol="0" anchor="ctr"/>
-          <a:lstStyle/>
-          <a:p>
-            <a:pPr algn="ctr"/>
-            <a:endParaRPr lang="pt-BR"/>
-          </a:p>
-        </p:txBody>
-      </p:sp>
-      <p:cxnSp>
-        <p:nvCxnSpPr>
-          <p:cNvPr id="17" name="Straight Arrow Connector 16"/>
-          <p:cNvCxnSpPr/>
-          <p:nvPr/>
-        </p:nvCxnSpPr>
-        <p:spPr>
-          <a:xfrm>
-            <a:off x="8355124" y="1665660"/>
-            <a:ext cx="0" cy="899244"/>
-          </a:xfrm>
-          <a:prstGeom prst="straightConnector1">
-            <a:avLst/>
-          </a:prstGeom>
-          <a:ln>
-            <a:solidFill>
-              <a:schemeClr val="bg1">
-                <a:lumMod val="65000"/>
-              </a:schemeClr>
-            </a:solidFill>
-            <a:tailEnd type="arrow"/>
-          </a:ln>
-        </p:spPr>
-        <p:style>
-          <a:lnRef idx="3">
-            <a:schemeClr val="dk1"/>
-          </a:lnRef>
-          <a:fillRef idx="0">
-            <a:schemeClr val="dk1"/>
-          </a:fillRef>
-          <a:effectRef idx="2">
-            <a:schemeClr val="dk1"/>
-          </a:effectRef>
-          <a:fontRef idx="minor">
-            <a:schemeClr val="tx1"/>
-          </a:fontRef>
-        </p:style>
-      </p:cxnSp>
-      <p:sp>
-        <p:nvSpPr>
           <p:cNvPr id="2" name="Title 1"/>
           <p:cNvSpPr>
             <a:spLocks noGrp="1"/>
@@ -13458,548 +14853,111 @@
             <p:ph idx="1"/>
           </p:nvPr>
         </p:nvSpPr>
-        <p:spPr>
-          <a:xfrm>
-            <a:off x="1981200" y="1600201"/>
-            <a:ext cx="5698976" cy="4525963"/>
-          </a:xfrm>
-        </p:spPr>
+        <p:spPr/>
         <p:txBody>
           <a:bodyPr>
             <a:normAutofit/>
           </a:bodyPr>
           <a:lstStyle/>
           <a:p>
-            <a:pPr>
-              <a:lnSpc>
-                <a:spcPct val="80000"/>
-              </a:lnSpc>
-            </a:pPr>
-            <a:r>
-              <a:rPr lang="en-US" altLang="pt-BR" sz="1800" dirty="0"/>
-              <a:t>Activities:</a:t>
-            </a:r>
-          </a:p>
-          <a:p>
-            <a:pPr lvl="1">
-              <a:lnSpc>
-                <a:spcPct val="80000"/>
-              </a:lnSpc>
-            </a:pPr>
-            <a:r>
-              <a:rPr lang="en-US" altLang="pt-BR" sz="1600" dirty="0" err="1"/>
-              <a:t>Criação</a:t>
-            </a:r>
-            <a:r>
-              <a:rPr lang="en-US" altLang="pt-BR" sz="1600" dirty="0"/>
-              <a:t> e </a:t>
-            </a:r>
-            <a:r>
-              <a:rPr lang="en-US" altLang="pt-BR" sz="1600" dirty="0" err="1"/>
-              <a:t>controle</a:t>
-            </a:r>
-            <a:r>
-              <a:rPr lang="en-US" altLang="pt-BR" sz="1600" dirty="0"/>
-              <a:t> </a:t>
-            </a:r>
-            <a:r>
-              <a:rPr lang="en-US" altLang="pt-BR" sz="1600" dirty="0" err="1"/>
-              <a:t>utilizando</a:t>
-            </a:r>
-            <a:r>
-              <a:rPr lang="en-US" altLang="pt-BR" sz="1600" dirty="0"/>
-              <a:t> </a:t>
-            </a:r>
-            <a:r>
-              <a:rPr lang="en-US" altLang="pt-BR" sz="1600" dirty="0" err="1"/>
-              <a:t>os</a:t>
-            </a:r>
-            <a:r>
-              <a:rPr lang="en-US" altLang="pt-BR" sz="1600" dirty="0"/>
-              <a:t> </a:t>
-            </a:r>
-            <a:r>
-              <a:rPr lang="en-US" altLang="pt-BR" sz="1600" dirty="0" err="1"/>
-              <a:t>comandos</a:t>
-            </a:r>
-            <a:r>
-              <a:rPr lang="en-US" altLang="pt-BR" sz="1600" dirty="0"/>
-              <a:t>:</a:t>
-            </a:r>
-          </a:p>
-          <a:p>
-            <a:pPr lvl="2">
-              <a:lnSpc>
-                <a:spcPct val="80000"/>
-              </a:lnSpc>
-            </a:pPr>
-            <a:r>
-              <a:rPr lang="en-US" altLang="pt-BR" sz="1400" dirty="0"/>
-              <a:t>at</a:t>
-            </a:r>
-          </a:p>
-          <a:p>
-            <a:pPr lvl="2">
-              <a:lnSpc>
-                <a:spcPct val="80000"/>
-              </a:lnSpc>
-            </a:pPr>
-            <a:r>
-              <a:rPr lang="en-US" altLang="pt-BR" sz="1400" dirty="0" err="1"/>
-              <a:t>async</a:t>
-            </a:r>
-            <a:endParaRPr lang="en-US" altLang="pt-BR" sz="1400" dirty="0"/>
-          </a:p>
-          <a:p>
-            <a:pPr lvl="2">
-              <a:lnSpc>
-                <a:spcPct val="80000"/>
-              </a:lnSpc>
-            </a:pPr>
-            <a:r>
-              <a:rPr lang="en-US" altLang="pt-BR" sz="1400" dirty="0"/>
-              <a:t>finish</a:t>
-            </a:r>
-          </a:p>
-          <a:p>
-            <a:pPr lvl="2">
-              <a:lnSpc>
-                <a:spcPct val="80000"/>
-              </a:lnSpc>
-            </a:pPr>
-            <a:r>
-              <a:rPr lang="en-US" altLang="pt-BR" sz="1400" dirty="0"/>
-              <a:t>atomic</a:t>
-            </a:r>
-          </a:p>
-          <a:p>
-            <a:pPr lvl="1">
-              <a:lnSpc>
-                <a:spcPct val="80000"/>
-              </a:lnSpc>
-            </a:pPr>
-            <a:endParaRPr lang="en-US" altLang="pt-BR" sz="1800" dirty="0"/>
-          </a:p>
-          <a:p>
-            <a:pPr>
-              <a:lnSpc>
-                <a:spcPct val="80000"/>
-              </a:lnSpc>
-            </a:pPr>
-            <a:r>
-              <a:rPr lang="en-US" altLang="pt-BR" sz="1800" dirty="0"/>
-              <a:t>Place:</a:t>
-            </a:r>
-          </a:p>
-          <a:p>
-            <a:pPr lvl="1">
-              <a:lnSpc>
-                <a:spcPct val="80000"/>
-              </a:lnSpc>
-            </a:pPr>
-            <a:r>
-              <a:rPr lang="en-US" altLang="pt-BR" sz="1600" dirty="0" err="1"/>
-              <a:t>Controla</a:t>
-            </a:r>
-            <a:r>
-              <a:rPr lang="en-US" altLang="pt-BR" sz="1600" dirty="0"/>
-              <a:t> </a:t>
-            </a:r>
-            <a:r>
-              <a:rPr lang="en-US" altLang="pt-BR" sz="1600" dirty="0" err="1"/>
-              <a:t>uma</a:t>
-            </a:r>
-            <a:r>
-              <a:rPr lang="en-US" altLang="pt-BR" sz="1600" dirty="0"/>
-              <a:t> </a:t>
-            </a:r>
-            <a:r>
-              <a:rPr lang="en-US" altLang="pt-BR" sz="1600" dirty="0" err="1"/>
-              <a:t>quantidade</a:t>
-            </a:r>
-            <a:r>
-              <a:rPr lang="en-US" altLang="pt-BR" sz="1600" dirty="0"/>
-              <a:t> de </a:t>
-            </a:r>
-            <a:r>
-              <a:rPr lang="en-US" altLang="pt-BR" sz="1600" dirty="0" err="1"/>
-              <a:t>objetos</a:t>
-            </a:r>
-            <a:r>
-              <a:rPr lang="en-US" altLang="pt-BR" sz="1600" dirty="0"/>
-              <a:t> e </a:t>
-            </a:r>
-            <a:r>
-              <a:rPr lang="en-US" altLang="pt-BR" sz="1600" dirty="0" err="1"/>
-              <a:t>atividades</a:t>
-            </a:r>
-            <a:r>
-              <a:rPr lang="en-US" altLang="pt-BR" sz="1600" dirty="0"/>
-              <a:t>.</a:t>
-            </a:r>
-          </a:p>
-          <a:p>
-            <a:pPr lvl="1">
-              <a:lnSpc>
-                <a:spcPct val="80000"/>
-              </a:lnSpc>
-            </a:pPr>
-            <a:r>
-              <a:rPr lang="en-US" altLang="pt-BR" sz="1600" i="1" dirty="0"/>
-              <a:t>Places </a:t>
-            </a:r>
-            <a:r>
-              <a:rPr lang="en-US" altLang="pt-BR" sz="1600" dirty="0" err="1"/>
-              <a:t>são</a:t>
-            </a:r>
-            <a:r>
-              <a:rPr lang="en-US" altLang="pt-BR" sz="1600" dirty="0"/>
-              <a:t> </a:t>
-            </a:r>
-            <a:r>
-              <a:rPr lang="en-US" altLang="pt-BR" sz="1600" dirty="0" err="1"/>
-              <a:t>definidas</a:t>
-            </a:r>
-            <a:r>
-              <a:rPr lang="en-US" altLang="pt-BR" sz="1600" dirty="0"/>
-              <a:t> antes de </a:t>
-            </a:r>
-            <a:r>
-              <a:rPr lang="en-US" altLang="pt-BR" sz="1600" dirty="0" err="1"/>
-              <a:t>executar</a:t>
-            </a:r>
-            <a:r>
-              <a:rPr lang="en-US" altLang="pt-BR" sz="1600" dirty="0"/>
-              <a:t> o </a:t>
-            </a:r>
-            <a:r>
-              <a:rPr lang="en-US" altLang="pt-BR" sz="1600" dirty="0" err="1"/>
-              <a:t>programa</a:t>
-            </a:r>
-            <a:r>
-              <a:rPr lang="en-US" altLang="pt-BR" sz="1600" dirty="0"/>
-              <a:t>.</a:t>
-            </a:r>
-          </a:p>
-          <a:p>
-            <a:pPr lvl="1">
-              <a:lnSpc>
-                <a:spcPct val="80000"/>
-              </a:lnSpc>
-            </a:pPr>
-            <a:endParaRPr lang="pt-BR" altLang="pt-BR" sz="1600" dirty="0"/>
-          </a:p>
-          <a:p>
-            <a:pPr>
-              <a:lnSpc>
-                <a:spcPct val="80000"/>
-              </a:lnSpc>
-            </a:pPr>
-            <a:r>
-              <a:rPr lang="pt-BR" altLang="pt-BR" sz="1800" dirty="0"/>
-              <a:t>Aplicação</a:t>
-            </a:r>
-          </a:p>
-          <a:p>
-            <a:pPr lvl="1">
-              <a:lnSpc>
-                <a:spcPct val="80000"/>
-              </a:lnSpc>
-            </a:pPr>
-            <a:r>
-              <a:rPr lang="pt-BR" altLang="pt-BR" sz="1600" dirty="0"/>
-              <a:t>Place 0 invocando método “main”</a:t>
-            </a:r>
-            <a:endParaRPr lang="en-US" altLang="pt-BR" sz="1600" dirty="0"/>
+            <a:r>
+              <a:rPr lang="pt-BR" sz="1800" dirty="0" smtClean="0"/>
+              <a:t>Documentação:</a:t>
+            </a:r>
+          </a:p>
+          <a:p>
+            <a:pPr lvl="1"/>
+            <a:r>
+              <a:rPr lang="pt-BR" sz="1600" dirty="0">
+                <a:hlinkClick r:id="rId2"/>
+              </a:rPr>
+              <a:t>http://x10.sourceforge.net/x10doc/2.6.0</a:t>
+            </a:r>
+            <a:r>
+              <a:rPr lang="pt-BR" sz="1600" dirty="0" smtClean="0">
+                <a:hlinkClick r:id="rId2"/>
+              </a:rPr>
+              <a:t>/</a:t>
+            </a:r>
+            <a:endParaRPr lang="pt-BR" sz="1600" dirty="0" smtClean="0"/>
+          </a:p>
+          <a:p>
+            <a:pPr lvl="1"/>
+            <a:endParaRPr lang="pt-BR" sz="1800" dirty="0" smtClean="0"/>
           </a:p>
         </p:txBody>
       </p:sp>
-      <p:sp>
-        <p:nvSpPr>
-          <p:cNvPr id="7" name="Rectangle 6"/>
-          <p:cNvSpPr/>
+      <p:pic>
+        <p:nvPicPr>
+          <p:cNvPr id="3074" name="Picture 2"/>
+          <p:cNvPicPr>
+            <a:picLocks noChangeAspect="1" noChangeArrowheads="1"/>
+          </p:cNvPicPr>
           <p:nvPr/>
-        </p:nvSpPr>
-        <p:spPr>
+        </p:nvPicPr>
+        <p:blipFill>
+          <a:blip r:embed="rId3">
+            <a:extLst>
+              <a:ext uri="{28A0092B-C50C-407E-A947-70E740481C1C}">
+                <a14:useLocalDpi xmlns:a14="http://schemas.microsoft.com/office/drawing/2010/main" val="0"/>
+              </a:ext>
+            </a:extLst>
+          </a:blip>
+          <a:srcRect/>
+          <a:stretch>
+            <a:fillRect/>
+          </a:stretch>
+        </p:blipFill>
+        <p:spPr bwMode="auto">
           <a:xfrm>
-            <a:off x="8974832" y="1916832"/>
-            <a:ext cx="1081608" cy="971252"/>
-          </a:xfrm>
-          <a:prstGeom prst="rect">
-            <a:avLst/>
-          </a:prstGeom>
-        </p:spPr>
-        <p:style>
-          <a:lnRef idx="2">
-            <a:schemeClr val="dk1"/>
-          </a:lnRef>
-          <a:fillRef idx="1">
-            <a:schemeClr val="lt1"/>
-          </a:fillRef>
-          <a:effectRef idx="0">
-            <a:schemeClr val="dk1"/>
-          </a:effectRef>
-          <a:fontRef idx="minor">
-            <a:schemeClr val="dk1"/>
-          </a:fontRef>
-        </p:style>
-        <p:txBody>
-          <a:bodyPr rtlCol="0" anchor="ctr"/>
-          <a:lstStyle/>
-          <a:p>
-            <a:pPr algn="ctr"/>
-            <a:endParaRPr lang="pt-BR"/>
-          </a:p>
-        </p:txBody>
-      </p:sp>
-      <p:sp>
-        <p:nvSpPr>
-          <p:cNvPr id="8" name="Rectangle 7"/>
-          <p:cNvSpPr/>
-          <p:nvPr/>
-        </p:nvSpPr>
-        <p:spPr>
-          <a:xfrm>
-            <a:off x="7824192" y="3018167"/>
-            <a:ext cx="1081608" cy="971252"/>
-          </a:xfrm>
-          <a:prstGeom prst="rect">
-            <a:avLst/>
-          </a:prstGeom>
-        </p:spPr>
-        <p:style>
-          <a:lnRef idx="2">
-            <a:schemeClr val="dk1"/>
-          </a:lnRef>
-          <a:fillRef idx="1">
-            <a:schemeClr val="lt1"/>
-          </a:fillRef>
-          <a:effectRef idx="0">
-            <a:schemeClr val="dk1"/>
-          </a:effectRef>
-          <a:fontRef idx="minor">
-            <a:schemeClr val="dk1"/>
-          </a:fontRef>
-        </p:style>
-        <p:txBody>
-          <a:bodyPr rtlCol="0" anchor="ctr"/>
-          <a:lstStyle/>
-          <a:p>
-            <a:pPr algn="ctr"/>
-            <a:endParaRPr lang="pt-BR"/>
-          </a:p>
-        </p:txBody>
-      </p:sp>
-      <p:sp>
-        <p:nvSpPr>
-          <p:cNvPr id="9" name="Rectangle 8"/>
-          <p:cNvSpPr/>
-          <p:nvPr/>
-        </p:nvSpPr>
-        <p:spPr>
-          <a:xfrm>
-            <a:off x="8974832" y="3018167"/>
-            <a:ext cx="1081608" cy="971252"/>
-          </a:xfrm>
-          <a:prstGeom prst="rect">
-            <a:avLst/>
-          </a:prstGeom>
-        </p:spPr>
-        <p:style>
-          <a:lnRef idx="2">
-            <a:schemeClr val="dk1"/>
-          </a:lnRef>
-          <a:fillRef idx="1">
-            <a:schemeClr val="lt1"/>
-          </a:fillRef>
-          <a:effectRef idx="0">
-            <a:schemeClr val="dk1"/>
-          </a:effectRef>
-          <a:fontRef idx="minor">
-            <a:schemeClr val="dk1"/>
-          </a:fontRef>
-        </p:style>
-        <p:txBody>
-          <a:bodyPr rtlCol="0" anchor="ctr"/>
-          <a:lstStyle/>
-          <a:p>
-            <a:pPr algn="ctr"/>
-            <a:endParaRPr lang="pt-BR"/>
-          </a:p>
-        </p:txBody>
-      </p:sp>
-      <p:sp>
-        <p:nvSpPr>
-          <p:cNvPr id="11" name="TextBox 10"/>
-          <p:cNvSpPr txBox="1"/>
-          <p:nvPr/>
-        </p:nvSpPr>
-        <p:spPr>
-          <a:xfrm>
-            <a:off x="7824192" y="2574196"/>
-            <a:ext cx="1089790" cy="338554"/>
+            <a:off x="2135560" y="2348880"/>
+            <a:ext cx="7905700" cy="3970340"/>
           </a:xfrm>
           <a:prstGeom prst="rect">
             <a:avLst/>
           </a:prstGeom>
           <a:noFill/>
+          <a:ln>
+            <a:noFill/>
+          </a:ln>
+          <a:extLst>
+            <a:ext uri="{909E8E84-426E-40DD-AFC4-6F175D3DCCD1}">
+              <a14:hiddenFill xmlns:a14="http://schemas.microsoft.com/office/drawing/2010/main">
+                <a:solidFill>
+                  <a:schemeClr val="accent1"/>
+                </a:solidFill>
+              </a14:hiddenFill>
+            </a:ext>
+            <a:ext uri="{91240B29-F687-4F45-9708-019B960494DF}">
+              <a14:hiddenLine xmlns:a14="http://schemas.microsoft.com/office/drawing/2010/main" w="9525">
+                <a:solidFill>
+                  <a:schemeClr val="tx1"/>
+                </a:solidFill>
+                <a:miter lim="800000"/>
+                <a:headEnd/>
+                <a:tailEnd/>
+              </a14:hiddenLine>
+            </a:ext>
+          </a:extLst>
         </p:spPr>
-        <p:txBody>
-          <a:bodyPr wrap="square" rtlCol="0">
-            <a:spAutoFit/>
-          </a:bodyPr>
-          <a:lstStyle/>
-          <a:p>
-            <a:pPr algn="ctr"/>
-            <a:r>
-              <a:rPr lang="pt-BR" sz="1600" dirty="0"/>
-              <a:t>Place 0</a:t>
-            </a:r>
-          </a:p>
-        </p:txBody>
-      </p:sp>
-      <p:sp>
-        <p:nvSpPr>
-          <p:cNvPr id="12" name="TextBox 11"/>
-          <p:cNvSpPr txBox="1"/>
-          <p:nvPr/>
-        </p:nvSpPr>
-        <p:spPr>
-          <a:xfrm>
-            <a:off x="7814320" y="3654159"/>
-            <a:ext cx="1091480" cy="338554"/>
-          </a:xfrm>
-          <a:prstGeom prst="rect">
-            <a:avLst/>
-          </a:prstGeom>
-          <a:noFill/>
-        </p:spPr>
-        <p:txBody>
-          <a:bodyPr wrap="square" rtlCol="0">
-            <a:spAutoFit/>
-          </a:bodyPr>
-          <a:lstStyle/>
-          <a:p>
-            <a:pPr algn="ctr"/>
-            <a:r>
-              <a:rPr lang="pt-BR" sz="1600" dirty="0"/>
-              <a:t>Place 2</a:t>
-            </a:r>
-          </a:p>
-        </p:txBody>
-      </p:sp>
-      <p:sp>
-        <p:nvSpPr>
-          <p:cNvPr id="13" name="TextBox 12"/>
-          <p:cNvSpPr txBox="1"/>
-          <p:nvPr/>
-        </p:nvSpPr>
-        <p:spPr>
-          <a:xfrm>
-            <a:off x="8950842" y="3666239"/>
-            <a:ext cx="1105598" cy="338554"/>
-          </a:xfrm>
-          <a:prstGeom prst="rect">
-            <a:avLst/>
-          </a:prstGeom>
-          <a:noFill/>
-        </p:spPr>
-        <p:txBody>
-          <a:bodyPr wrap="square" rtlCol="0">
-            <a:spAutoFit/>
-          </a:bodyPr>
-          <a:lstStyle/>
-          <a:p>
-            <a:pPr algn="ctr"/>
-            <a:r>
-              <a:rPr lang="pt-BR" sz="1600" dirty="0"/>
-              <a:t>Place 3</a:t>
-            </a:r>
-          </a:p>
-        </p:txBody>
-      </p:sp>
-      <p:sp>
-        <p:nvSpPr>
-          <p:cNvPr id="14" name="TextBox 13"/>
-          <p:cNvSpPr txBox="1"/>
-          <p:nvPr/>
-        </p:nvSpPr>
-        <p:spPr>
-          <a:xfrm>
-            <a:off x="8950842" y="2564904"/>
-            <a:ext cx="1105598" cy="338554"/>
-          </a:xfrm>
-          <a:prstGeom prst="rect">
-            <a:avLst/>
-          </a:prstGeom>
-          <a:noFill/>
-        </p:spPr>
-        <p:txBody>
-          <a:bodyPr wrap="square" rtlCol="0">
-            <a:spAutoFit/>
-          </a:bodyPr>
-          <a:lstStyle/>
-          <a:p>
-            <a:pPr algn="ctr"/>
-            <a:r>
-              <a:rPr lang="pt-BR" sz="1600" dirty="0"/>
-              <a:t>Place 1</a:t>
-            </a:r>
-          </a:p>
-        </p:txBody>
-      </p:sp>
-      <p:sp>
-        <p:nvSpPr>
-          <p:cNvPr id="15" name="Rectangle 14"/>
-          <p:cNvSpPr/>
-          <p:nvPr/>
-        </p:nvSpPr>
-        <p:spPr>
-          <a:xfrm>
-            <a:off x="7896200" y="1988840"/>
-            <a:ext cx="927720" cy="288032"/>
-          </a:xfrm>
-          <a:prstGeom prst="rect">
-            <a:avLst/>
-          </a:prstGeom>
-        </p:spPr>
-        <p:style>
-          <a:lnRef idx="1">
-            <a:schemeClr val="dk1"/>
-          </a:lnRef>
-          <a:fillRef idx="2">
-            <a:schemeClr val="dk1"/>
-          </a:fillRef>
-          <a:effectRef idx="1">
-            <a:schemeClr val="dk1"/>
-          </a:effectRef>
-          <a:fontRef idx="minor">
-            <a:schemeClr val="dk1"/>
-          </a:fontRef>
-        </p:style>
-        <p:txBody>
-          <a:bodyPr rtlCol="0" anchor="ctr"/>
-          <a:lstStyle/>
-          <a:p>
-            <a:pPr algn="ctr"/>
-            <a:r>
-              <a:rPr lang="pt-BR" sz="1400" dirty="0"/>
-              <a:t>Activities</a:t>
-            </a:r>
-            <a:endParaRPr lang="pt-BR" sz="1600" dirty="0"/>
-          </a:p>
-        </p:txBody>
-      </p:sp>
+      </p:pic>
     </p:spTree>
     <p:extLst>
       <p:ext uri="{BB962C8B-B14F-4D97-AF65-F5344CB8AC3E}">
-        <p14:creationId xmlns:p14="http://schemas.microsoft.com/office/powerpoint/2010/main" val="2474206405"/>
+        <p14:creationId xmlns:p14="http://schemas.microsoft.com/office/powerpoint/2010/main" val="4061401593"/>
       </p:ext>
     </p:extLst>
   </p:cSld>
   <p:clrMapOvr>
     <a:masterClrMapping/>
   </p:clrMapOvr>
+  <p:timing>
+    <p:tnLst>
+      <p:par>
+        <p:cTn id="1" dur="indefinite" restart="never" nodeType="tmRoot"/>
+      </p:par>
+    </p:tnLst>
+  </p:timing>
 </p:sld>
 </file>
 
@@ -14042,7 +15000,6 @@
               <a:rPr lang="pt-BR" sz="2400" dirty="0" smtClean="0"/>
               <a:t>Características principais da linguagem</a:t>
             </a:r>
-            <a:endParaRPr lang="pt-BR" sz="2400" dirty="0" smtClean="0"/>
           </a:p>
         </p:txBody>
       </p:sp>

--- a/x10.pptx
+++ b/x10.pptx
@@ -5,7 +5,7 @@
     <p:sldMasterId id="2147483648" r:id="rId1"/>
   </p:sldMasterIdLst>
   <p:notesMasterIdLst>
-    <p:notesMasterId r:id="rId29"/>
+    <p:notesMasterId r:id="rId31"/>
   </p:notesMasterIdLst>
   <p:sldIdLst>
     <p:sldId id="256" r:id="rId2"/>
@@ -24,17 +24,19 @@
     <p:sldId id="288" r:id="rId15"/>
     <p:sldId id="266" r:id="rId16"/>
     <p:sldId id="292" r:id="rId17"/>
-    <p:sldId id="295" r:id="rId18"/>
-    <p:sldId id="296" r:id="rId19"/>
-    <p:sldId id="297" r:id="rId20"/>
-    <p:sldId id="284" r:id="rId21"/>
-    <p:sldId id="267" r:id="rId22"/>
-    <p:sldId id="285" r:id="rId23"/>
-    <p:sldId id="281" r:id="rId24"/>
-    <p:sldId id="280" r:id="rId25"/>
-    <p:sldId id="294" r:id="rId26"/>
-    <p:sldId id="290" r:id="rId27"/>
-    <p:sldId id="286" r:id="rId28"/>
+    <p:sldId id="298" r:id="rId18"/>
+    <p:sldId id="299" r:id="rId19"/>
+    <p:sldId id="295" r:id="rId20"/>
+    <p:sldId id="296" r:id="rId21"/>
+    <p:sldId id="297" r:id="rId22"/>
+    <p:sldId id="284" r:id="rId23"/>
+    <p:sldId id="267" r:id="rId24"/>
+    <p:sldId id="285" r:id="rId25"/>
+    <p:sldId id="281" r:id="rId26"/>
+    <p:sldId id="280" r:id="rId27"/>
+    <p:sldId id="294" r:id="rId28"/>
+    <p:sldId id="290" r:id="rId29"/>
+    <p:sldId id="286" r:id="rId30"/>
   </p:sldIdLst>
   <p:sldSz cx="12192000" cy="6858000"/>
   <p:notesSz cx="6858000" cy="9144000"/>
@@ -4845,7 +4847,7 @@
               <a:t> </a:t>
             </a:r>
             <a:r>
-              <a:rPr lang="en-US" altLang="pt-BR" sz="1800" dirty="0" err="1">
+              <a:rPr lang="en-US" altLang="pt-BR" sz="1800" dirty="0" err="1" smtClean="0">
                 <a:solidFill>
                   <a:srgbClr val="000000"/>
                 </a:solidFill>
@@ -4853,17 +4855,6 @@
               </a:rPr>
               <a:t>terminarem</a:t>
             </a:r>
-            <a:r>
-              <a:rPr lang="en-US" altLang="pt-BR" sz="1800" dirty="0">
-                <a:solidFill>
-                  <a:srgbClr val="000000"/>
-                </a:solidFill>
-                <a:cs typeface="Arial" pitchFamily="34" charset="0"/>
-              </a:rPr>
-              <a:t>.</a:t>
-            </a:r>
-          </a:p>
-          <a:p>
             <a:endParaRPr lang="en-US" altLang="pt-BR" sz="1800" dirty="0">
               <a:solidFill>
                 <a:srgbClr val="000000"/>
@@ -4872,6 +4863,14 @@
             </a:endParaRPr>
           </a:p>
           <a:p>
+            <a:endParaRPr lang="en-US" altLang="pt-BR" sz="1800" dirty="0">
+              <a:solidFill>
+                <a:srgbClr val="000000"/>
+              </a:solidFill>
+              <a:cs typeface="Arial" pitchFamily="34" charset="0"/>
+            </a:endParaRPr>
+          </a:p>
+          <a:p>
             <a:r>
               <a:rPr lang="en-US" altLang="pt-BR" sz="1800" dirty="0" err="1">
                 <a:solidFill>
@@ -4945,7 +4944,7 @@
               <a:t> de </a:t>
             </a:r>
             <a:r>
-              <a:rPr lang="en-US" altLang="pt-BR" sz="1800" dirty="0" err="1">
+              <a:rPr lang="en-US" altLang="pt-BR" sz="1800" dirty="0" err="1" smtClean="0">
                 <a:solidFill>
                   <a:srgbClr val="000000"/>
                 </a:solidFill>
@@ -4953,15 +4952,12 @@
               </a:rPr>
               <a:t>barreira</a:t>
             </a:r>
-            <a:r>
-              <a:rPr lang="en-US" altLang="pt-BR" sz="1800" dirty="0">
-                <a:solidFill>
-                  <a:srgbClr val="000000"/>
-                </a:solidFill>
-                <a:cs typeface="Arial" pitchFamily="34" charset="0"/>
-              </a:rPr>
-              <a:t>.</a:t>
-            </a:r>
+            <a:endParaRPr lang="en-US" altLang="pt-BR" sz="1800" dirty="0">
+              <a:solidFill>
+                <a:srgbClr val="000000"/>
+              </a:solidFill>
+              <a:cs typeface="Arial" pitchFamily="34" charset="0"/>
+            </a:endParaRPr>
           </a:p>
           <a:p>
             <a:endParaRPr lang="pt-BR" sz="1800" dirty="0"/>
@@ -4969,8 +4965,13 @@
           <a:p>
             <a:r>
               <a:rPr lang="pt-BR" sz="1800" dirty="0"/>
-              <a:t>Útil para expressar operações “síncronas”.</a:t>
-            </a:r>
+              <a:t>Útil para expressar operações “síncronas</a:t>
+            </a:r>
+            <a:r>
+              <a:rPr lang="pt-BR" sz="1800" dirty="0" smtClean="0"/>
+              <a:t>”</a:t>
+            </a:r>
+            <a:endParaRPr lang="pt-BR" sz="1800" dirty="0"/>
           </a:p>
           <a:p>
             <a:endParaRPr lang="pt-BR" sz="1800" dirty="0"/>
@@ -5284,8 +5285,13 @@
           <a:p>
             <a:r>
               <a:rPr lang="pt-BR" sz="1800" dirty="0"/>
-              <a:t>Executa um bloco de código de forma atômica.</a:t>
-            </a:r>
+              <a:t>Executa um bloco de código de forma </a:t>
+            </a:r>
+            <a:r>
+              <a:rPr lang="pt-BR" sz="1800" dirty="0" smtClean="0"/>
+              <a:t>atômica</a:t>
+            </a:r>
+            <a:endParaRPr lang="pt-BR" sz="1800" dirty="0"/>
           </a:p>
           <a:p>
             <a:pPr marL="0" indent="0">
@@ -5296,34 +5302,53 @@
           <a:p>
             <a:r>
               <a:rPr lang="pt-BR" sz="1800" dirty="0"/>
-              <a:t>Pode ser utilizado em métodos ou em trechos de código.</a:t>
-            </a:r>
-          </a:p>
-          <a:p>
+              <a:t>Pode ser utilizado em métodos ou em trechos de </a:t>
+            </a:r>
+            <a:r>
+              <a:rPr lang="pt-BR" sz="1800" dirty="0" smtClean="0"/>
+              <a:t>código</a:t>
+            </a:r>
             <a:endParaRPr lang="pt-BR" sz="1800" dirty="0"/>
           </a:p>
           <a:p>
+            <a:endParaRPr lang="pt-BR" sz="1800" dirty="0"/>
+          </a:p>
+          <a:p>
             <a:r>
               <a:rPr lang="pt-BR" sz="1800" dirty="0"/>
-              <a:t>Blocos atômicos são executados enquanto outras atividades são suspensas.</a:t>
-            </a:r>
-          </a:p>
-          <a:p>
+              <a:t>Blocos atômicos são executados enquanto outras atividades são </a:t>
+            </a:r>
+            <a:r>
+              <a:rPr lang="pt-BR" sz="1800" dirty="0" smtClean="0"/>
+              <a:t>suspensas</a:t>
+            </a:r>
             <a:endParaRPr lang="pt-BR" sz="1800" dirty="0"/>
           </a:p>
           <a:p>
+            <a:endParaRPr lang="pt-BR" sz="1800" dirty="0"/>
+          </a:p>
+          <a:p>
             <a:r>
               <a:rPr lang="pt-BR" altLang="pt-BR" sz="1800" dirty="0"/>
-              <a:t>Não deve criar atividades concorrentes.</a:t>
-            </a:r>
-          </a:p>
-          <a:p>
+              <a:t>Não deve criar atividades </a:t>
+            </a:r>
+            <a:r>
+              <a:rPr lang="pt-BR" altLang="pt-BR" sz="1800" dirty="0" smtClean="0"/>
+              <a:t>concorrentes</a:t>
+            </a:r>
             <a:endParaRPr lang="pt-BR" altLang="pt-BR" sz="1800" dirty="0"/>
           </a:p>
           <a:p>
+            <a:endParaRPr lang="pt-BR" altLang="pt-BR" sz="1800" dirty="0"/>
+          </a:p>
+          <a:p>
             <a:r>
               <a:rPr lang="pt-BR" altLang="pt-BR" sz="1800" dirty="0"/>
-              <a:t>Deve manipular dados locais.</a:t>
+              <a:t>Deve manipular dados </a:t>
+            </a:r>
+            <a:r>
+              <a:rPr lang="pt-BR" altLang="pt-BR" sz="1800" dirty="0" smtClean="0"/>
+              <a:t>locais</a:t>
             </a:r>
             <a:endParaRPr lang="pt-BR" sz="1800" dirty="0"/>
           </a:p>
@@ -5599,8 +5624,8 @@
               <a:rPr lang="pt-BR" sz="2400" dirty="0" smtClean="0"/>
             </a:br>
             <a:r>
-              <a:rPr lang="pt-BR" sz="1800" i="1" dirty="0" smtClean="0"/>
-              <a:t>atomic</a:t>
+              <a:rPr lang="pt-BR" sz="1800" i="1" dirty="0"/>
+              <a:t>when</a:t>
             </a:r>
             <a:endParaRPr lang="pt-BR" sz="1800" i="1" dirty="0"/>
           </a:p>
@@ -5623,122 +5648,167 @@
           </a:bodyPr>
           <a:lstStyle/>
           <a:p>
+            <a:r>
+              <a:rPr lang="pt-BR" sz="1800" b="1" dirty="0"/>
+              <a:t>Stmt ::= WhenStmt</a:t>
+            </a:r>
+          </a:p>
+          <a:p>
+            <a:r>
+              <a:rPr lang="pt-BR" sz="1800" b="1" dirty="0"/>
+              <a:t>WhenStmt ::= </a:t>
+            </a:r>
+            <a:r>
+              <a:rPr lang="pt-BR" sz="1800" b="1" dirty="0">
+                <a:solidFill>
+                  <a:srgbClr val="FF0000"/>
+                </a:solidFill>
+              </a:rPr>
+              <a:t>when</a:t>
+            </a:r>
+            <a:r>
+              <a:rPr lang="pt-BR" sz="1800" b="1" dirty="0"/>
+              <a:t> ( Expr ) </a:t>
+            </a:r>
+            <a:r>
+              <a:rPr lang="pt-BR" sz="1800" b="1" dirty="0" smtClean="0"/>
+              <a:t>Stmt</a:t>
+            </a:r>
+          </a:p>
+          <a:p>
+            <a:pPr marL="0" indent="0">
+              <a:buNone/>
+            </a:pPr>
+            <a:r>
+              <a:rPr lang="pt-BR" sz="1800" b="1" dirty="0" smtClean="0"/>
+              <a:t>	            | </a:t>
+            </a:r>
+            <a:r>
+              <a:rPr lang="pt-BR" sz="1800" b="1" dirty="0"/>
+              <a:t>WhenStmt </a:t>
+            </a:r>
+            <a:r>
+              <a:rPr lang="pt-BR" sz="1800" b="1" dirty="0">
+                <a:solidFill>
+                  <a:srgbClr val="FF0000"/>
+                </a:solidFill>
+              </a:rPr>
+              <a:t>or</a:t>
+            </a:r>
+            <a:r>
+              <a:rPr lang="pt-BR" sz="1800" b="1" dirty="0"/>
+              <a:t> (Expr) </a:t>
+            </a:r>
+            <a:r>
+              <a:rPr lang="pt-BR" sz="1800" b="1" dirty="0" smtClean="0"/>
+              <a:t>Stmt</a:t>
+            </a:r>
+          </a:p>
+          <a:p>
+            <a:endParaRPr lang="pt-BR" sz="1800" dirty="0" smtClean="0"/>
+          </a:p>
+          <a:p>
+            <a:r>
+              <a:rPr lang="pt-BR" sz="1800" dirty="0" smtClean="0"/>
+              <a:t>when (E) { ... }</a:t>
+            </a:r>
+            <a:endParaRPr lang="pt-BR" sz="1800" dirty="0"/>
+          </a:p>
+          <a:p>
+            <a:pPr marL="0" indent="0">
+              <a:buNone/>
+            </a:pPr>
+            <a:endParaRPr lang="pt-BR" sz="1800" b="1" dirty="0" smtClean="0"/>
+          </a:p>
+          <a:p>
+            <a:r>
+              <a:rPr lang="en-US" sz="1800" dirty="0"/>
+              <a:t>Activity suspends until a state in</a:t>
+            </a:r>
+          </a:p>
+          <a:p>
+            <a:r>
+              <a:rPr lang="en-US" sz="1800" dirty="0"/>
+              <a:t>which the guard E is true.</a:t>
+            </a:r>
+          </a:p>
+          <a:p>
+            <a:r>
+              <a:rPr lang="en-US" sz="1800" dirty="0"/>
+              <a:t> In that state, S is executed atomically</a:t>
+            </a:r>
+          </a:p>
+          <a:p>
+            <a:r>
+              <a:rPr lang="pt-BR" sz="1800" dirty="0"/>
+              <a:t>and in isolation.</a:t>
+            </a:r>
+          </a:p>
+          <a:p>
+            <a:r>
+              <a:rPr lang="en-US" sz="1800" dirty="0"/>
+              <a:t> Guard E is a </a:t>
+            </a:r>
+            <a:r>
+              <a:rPr lang="en-US" sz="1800" dirty="0" err="1"/>
+              <a:t>boolean</a:t>
+            </a:r>
+            <a:r>
+              <a:rPr lang="en-US" sz="1800" dirty="0"/>
+              <a:t> expression</a:t>
+            </a:r>
+          </a:p>
+          <a:p>
+            <a:r>
+              <a:rPr lang="pt-BR" sz="1800" dirty="0"/>
+              <a:t>0 must be nonblocking</a:t>
+            </a:r>
+          </a:p>
+          <a:p>
+            <a:r>
+              <a:rPr lang="en-US" sz="1800" dirty="0"/>
+              <a:t>0 must not create concurrent</a:t>
+            </a:r>
+          </a:p>
+          <a:p>
+            <a:r>
+              <a:rPr lang="pt-BR" sz="1800" dirty="0"/>
+              <a:t>activities (sequential)</a:t>
+            </a:r>
+          </a:p>
+          <a:p>
+            <a:r>
+              <a:rPr lang="en-US" sz="1800" dirty="0"/>
+              <a:t>0 must not access remote data</a:t>
+            </a:r>
+          </a:p>
+          <a:p>
+            <a:r>
+              <a:rPr lang="pt-BR" sz="1800" dirty="0"/>
+              <a:t>(local)</a:t>
+            </a:r>
+          </a:p>
+          <a:p>
+            <a:r>
+              <a:rPr lang="en-US" sz="1800" dirty="0"/>
+              <a:t>0 must not have side-effects (</a:t>
+            </a:r>
+            <a:r>
+              <a:rPr lang="en-US" sz="1800" dirty="0" err="1"/>
+              <a:t>const</a:t>
+            </a:r>
+            <a:r>
+              <a:rPr lang="en-US" sz="1800" dirty="0"/>
+              <a:t>)</a:t>
+            </a:r>
             <a:endParaRPr lang="pt-BR" sz="1800" dirty="0"/>
           </a:p>
         </p:txBody>
       </p:sp>
-      <p:pic>
-        <p:nvPicPr>
-          <p:cNvPr id="2050" name="Picture 2"/>
-          <p:cNvPicPr>
-            <a:picLocks noChangeAspect="1" noChangeArrowheads="1"/>
-          </p:cNvPicPr>
-          <p:nvPr/>
-        </p:nvPicPr>
-        <p:blipFill>
-          <a:blip r:embed="rId2">
-            <a:extLst>
-              <a:ext uri="{28A0092B-C50C-407E-A947-70E740481C1C}">
-                <a14:useLocalDpi xmlns:a14="http://schemas.microsoft.com/office/drawing/2010/main" val="0"/>
-              </a:ext>
-            </a:extLst>
-          </a:blip>
-          <a:srcRect/>
-          <a:stretch>
-            <a:fillRect/>
-          </a:stretch>
-        </p:blipFill>
-        <p:spPr bwMode="auto">
-          <a:xfrm>
-            <a:off x="636307" y="2132856"/>
-            <a:ext cx="3609975" cy="3448050"/>
-          </a:xfrm>
-          <a:prstGeom prst="rect">
-            <a:avLst/>
-          </a:prstGeom>
-          <a:noFill/>
-          <a:ln>
-            <a:noFill/>
-          </a:ln>
-          <a:extLst>
-            <a:ext uri="{909E8E84-426E-40DD-AFC4-6F175D3DCCD1}">
-              <a14:hiddenFill xmlns:a14="http://schemas.microsoft.com/office/drawing/2010/main">
-                <a:solidFill>
-                  <a:schemeClr val="accent1"/>
-                </a:solidFill>
-              </a14:hiddenFill>
-            </a:ext>
-            <a:ext uri="{91240B29-F687-4F45-9708-019B960494DF}">
-              <a14:hiddenLine xmlns:a14="http://schemas.microsoft.com/office/drawing/2010/main" w="9525">
-                <a:solidFill>
-                  <a:schemeClr val="tx1"/>
-                </a:solidFill>
-                <a:miter lim="800000"/>
-                <a:headEnd/>
-                <a:tailEnd/>
-              </a14:hiddenLine>
-            </a:ext>
-          </a:extLst>
-        </p:spPr>
-      </p:pic>
-      <p:pic>
-        <p:nvPicPr>
-          <p:cNvPr id="2052" name="Picture 4"/>
-          <p:cNvPicPr>
-            <a:picLocks noChangeAspect="1" noChangeArrowheads="1"/>
-          </p:cNvPicPr>
-          <p:nvPr/>
-        </p:nvPicPr>
-        <p:blipFill>
-          <a:blip r:embed="rId3" cstate="print">
-            <a:extLst>
-              <a:ext uri="{28A0092B-C50C-407E-A947-70E740481C1C}">
-                <a14:useLocalDpi xmlns:a14="http://schemas.microsoft.com/office/drawing/2010/main" val="0"/>
-              </a:ext>
-            </a:extLst>
-          </a:blip>
-          <a:srcRect/>
-          <a:stretch>
-            <a:fillRect/>
-          </a:stretch>
-        </p:blipFill>
-        <p:spPr bwMode="auto">
-          <a:xfrm>
-            <a:off x="6023992" y="2341116"/>
-            <a:ext cx="5538003" cy="3031530"/>
-          </a:xfrm>
-          <a:prstGeom prst="rect">
-            <a:avLst/>
-          </a:prstGeom>
-          <a:noFill/>
-          <a:ln>
-            <a:noFill/>
-          </a:ln>
-          <a:extLst>
-            <a:ext uri="{909E8E84-426E-40DD-AFC4-6F175D3DCCD1}">
-              <a14:hiddenFill xmlns:a14="http://schemas.microsoft.com/office/drawing/2010/main">
-                <a:solidFill>
-                  <a:schemeClr val="accent1"/>
-                </a:solidFill>
-              </a14:hiddenFill>
-            </a:ext>
-            <a:ext uri="{91240B29-F687-4F45-9708-019B960494DF}">
-              <a14:hiddenLine xmlns:a14="http://schemas.microsoft.com/office/drawing/2010/main" w="9525">
-                <a:solidFill>
-                  <a:schemeClr val="tx1"/>
-                </a:solidFill>
-                <a:miter lim="800000"/>
-                <a:headEnd/>
-                <a:tailEnd/>
-              </a14:hiddenLine>
-            </a:ext>
-          </a:extLst>
-        </p:spPr>
-      </p:pic>
     </p:spTree>
     <p:extLst>
       <p:ext uri="{BB962C8B-B14F-4D97-AF65-F5344CB8AC3E}">
-        <p14:creationId xmlns:p14="http://schemas.microsoft.com/office/powerpoint/2010/main" val="3507999069"/>
+        <p14:creationId xmlns:p14="http://schemas.microsoft.com/office/powerpoint/2010/main" val="3987102160"/>
       </p:ext>
     </p:extLst>
   </p:cSld>
@@ -5803,6 +5873,450 @@
             </a:br>
             <a:r>
               <a:rPr lang="pt-BR" sz="1800" i="1" dirty="0" smtClean="0"/>
+              <a:t>when</a:t>
+            </a:r>
+            <a:endParaRPr lang="pt-BR" sz="1800" i="1" dirty="0"/>
+          </a:p>
+        </p:txBody>
+      </p:sp>
+      <p:sp>
+        <p:nvSpPr>
+          <p:cNvPr id="3" name="Content Placeholder 2"/>
+          <p:cNvSpPr>
+            <a:spLocks noGrp="1"/>
+          </p:cNvSpPr>
+          <p:nvPr>
+            <p:ph idx="1"/>
+          </p:nvPr>
+        </p:nvSpPr>
+        <p:spPr/>
+        <p:txBody>
+          <a:bodyPr>
+            <a:noAutofit/>
+          </a:bodyPr>
+          <a:lstStyle/>
+          <a:p>
+            <a:endParaRPr lang="pt-BR" sz="1800" dirty="0"/>
+          </a:p>
+        </p:txBody>
+      </p:sp>
+    </p:spTree>
+    <p:extLst>
+      <p:ext uri="{BB962C8B-B14F-4D97-AF65-F5344CB8AC3E}">
+        <p14:creationId xmlns:p14="http://schemas.microsoft.com/office/powerpoint/2010/main" val="1671366731"/>
+      </p:ext>
+    </p:extLst>
+  </p:cSld>
+  <p:clrMapOvr>
+    <a:masterClrMapping/>
+  </p:clrMapOvr>
+  <p:timing>
+    <p:tnLst>
+      <p:par>
+        <p:cTn id="1" dur="indefinite" restart="never" nodeType="tmRoot"/>
+      </p:par>
+    </p:tnLst>
+  </p:timing>
+</p:sld>
+</file>
+
+<file path=ppt/slides/slide19.xml><?xml version="1.0" encoding="utf-8"?>
+<p:sld xmlns:a="http://schemas.openxmlformats.org/drawingml/2006/main" xmlns:r="http://schemas.openxmlformats.org/officeDocument/2006/relationships" xmlns:p="http://schemas.openxmlformats.org/presentationml/2006/main">
+  <p:cSld>
+    <p:spTree>
+      <p:nvGrpSpPr>
+        <p:cNvPr id="1" name=""/>
+        <p:cNvGrpSpPr/>
+        <p:nvPr/>
+      </p:nvGrpSpPr>
+      <p:grpSpPr>
+        <a:xfrm>
+          <a:off x="0" y="0"/>
+          <a:ext cx="0" cy="0"/>
+          <a:chOff x="0" y="0"/>
+          <a:chExt cx="0" cy="0"/>
+        </a:xfrm>
+      </p:grpSpPr>
+      <p:sp>
+        <p:nvSpPr>
+          <p:cNvPr id="2" name="Title 1"/>
+          <p:cNvSpPr>
+            <a:spLocks noGrp="1"/>
+          </p:cNvSpPr>
+          <p:nvPr>
+            <p:ph type="title"/>
+          </p:nvPr>
+        </p:nvSpPr>
+        <p:spPr/>
+        <p:txBody>
+          <a:bodyPr>
+            <a:normAutofit/>
+          </a:bodyPr>
+          <a:lstStyle/>
+          <a:p>
+            <a:pPr algn="l"/>
+            <a:r>
+              <a:rPr lang="pt-BR" sz="2400" dirty="0"/>
+              <a:t>Características principais da </a:t>
+            </a:r>
+            <a:r>
+              <a:rPr lang="pt-BR" sz="2400" dirty="0" smtClean="0"/>
+              <a:t>linguagem</a:t>
+            </a:r>
+            <a:br>
+              <a:rPr lang="pt-BR" sz="2400" dirty="0" smtClean="0"/>
+            </a:br>
+            <a:r>
+              <a:rPr lang="pt-BR" sz="1800" i="1" dirty="0" smtClean="0"/>
+              <a:t>atomic</a:t>
+            </a:r>
+            <a:endParaRPr lang="pt-BR" sz="1800" i="1" dirty="0"/>
+          </a:p>
+        </p:txBody>
+      </p:sp>
+      <p:sp>
+        <p:nvSpPr>
+          <p:cNvPr id="3" name="Content Placeholder 2"/>
+          <p:cNvSpPr>
+            <a:spLocks noGrp="1"/>
+          </p:cNvSpPr>
+          <p:nvPr>
+            <p:ph idx="1"/>
+          </p:nvPr>
+        </p:nvSpPr>
+        <p:spPr/>
+        <p:txBody>
+          <a:bodyPr>
+            <a:noAutofit/>
+          </a:bodyPr>
+          <a:lstStyle/>
+          <a:p>
+            <a:endParaRPr lang="pt-BR" sz="1800" dirty="0"/>
+          </a:p>
+        </p:txBody>
+      </p:sp>
+      <p:pic>
+        <p:nvPicPr>
+          <p:cNvPr id="2050" name="Picture 2"/>
+          <p:cNvPicPr>
+            <a:picLocks noChangeAspect="1" noChangeArrowheads="1"/>
+          </p:cNvPicPr>
+          <p:nvPr/>
+        </p:nvPicPr>
+        <p:blipFill>
+          <a:blip r:embed="rId2">
+            <a:extLst>
+              <a:ext uri="{28A0092B-C50C-407E-A947-70E740481C1C}">
+                <a14:useLocalDpi xmlns:a14="http://schemas.microsoft.com/office/drawing/2010/main" val="0"/>
+              </a:ext>
+            </a:extLst>
+          </a:blip>
+          <a:srcRect/>
+          <a:stretch>
+            <a:fillRect/>
+          </a:stretch>
+        </p:blipFill>
+        <p:spPr bwMode="auto">
+          <a:xfrm>
+            <a:off x="636307" y="2132856"/>
+            <a:ext cx="3609975" cy="3448050"/>
+          </a:xfrm>
+          <a:prstGeom prst="rect">
+            <a:avLst/>
+          </a:prstGeom>
+          <a:noFill/>
+          <a:ln>
+            <a:noFill/>
+          </a:ln>
+          <a:extLst>
+            <a:ext uri="{909E8E84-426E-40DD-AFC4-6F175D3DCCD1}">
+              <a14:hiddenFill xmlns:a14="http://schemas.microsoft.com/office/drawing/2010/main">
+                <a:solidFill>
+                  <a:schemeClr val="accent1"/>
+                </a:solidFill>
+              </a14:hiddenFill>
+            </a:ext>
+            <a:ext uri="{91240B29-F687-4F45-9708-019B960494DF}">
+              <a14:hiddenLine xmlns:a14="http://schemas.microsoft.com/office/drawing/2010/main" w="9525">
+                <a:solidFill>
+                  <a:schemeClr val="tx1"/>
+                </a:solidFill>
+                <a:miter lim="800000"/>
+                <a:headEnd/>
+                <a:tailEnd/>
+              </a14:hiddenLine>
+            </a:ext>
+          </a:extLst>
+        </p:spPr>
+      </p:pic>
+      <p:pic>
+        <p:nvPicPr>
+          <p:cNvPr id="2052" name="Picture 4"/>
+          <p:cNvPicPr>
+            <a:picLocks noChangeAspect="1" noChangeArrowheads="1"/>
+          </p:cNvPicPr>
+          <p:nvPr/>
+        </p:nvPicPr>
+        <p:blipFill>
+          <a:blip r:embed="rId3" cstate="print">
+            <a:extLst>
+              <a:ext uri="{28A0092B-C50C-407E-A947-70E740481C1C}">
+                <a14:useLocalDpi xmlns:a14="http://schemas.microsoft.com/office/drawing/2010/main" val="0"/>
+              </a:ext>
+            </a:extLst>
+          </a:blip>
+          <a:srcRect/>
+          <a:stretch>
+            <a:fillRect/>
+          </a:stretch>
+        </p:blipFill>
+        <p:spPr bwMode="auto">
+          <a:xfrm>
+            <a:off x="6023992" y="2341116"/>
+            <a:ext cx="5538003" cy="3031530"/>
+          </a:xfrm>
+          <a:prstGeom prst="rect">
+            <a:avLst/>
+          </a:prstGeom>
+          <a:noFill/>
+          <a:ln>
+            <a:noFill/>
+          </a:ln>
+          <a:extLst>
+            <a:ext uri="{909E8E84-426E-40DD-AFC4-6F175D3DCCD1}">
+              <a14:hiddenFill xmlns:a14="http://schemas.microsoft.com/office/drawing/2010/main">
+                <a:solidFill>
+                  <a:schemeClr val="accent1"/>
+                </a:solidFill>
+              </a14:hiddenFill>
+            </a:ext>
+            <a:ext uri="{91240B29-F687-4F45-9708-019B960494DF}">
+              <a14:hiddenLine xmlns:a14="http://schemas.microsoft.com/office/drawing/2010/main" w="9525">
+                <a:solidFill>
+                  <a:schemeClr val="tx1"/>
+                </a:solidFill>
+                <a:miter lim="800000"/>
+                <a:headEnd/>
+                <a:tailEnd/>
+              </a14:hiddenLine>
+            </a:ext>
+          </a:extLst>
+        </p:spPr>
+      </p:pic>
+    </p:spTree>
+    <p:extLst>
+      <p:ext uri="{BB962C8B-B14F-4D97-AF65-F5344CB8AC3E}">
+        <p14:creationId xmlns:p14="http://schemas.microsoft.com/office/powerpoint/2010/main" val="3507999069"/>
+      </p:ext>
+    </p:extLst>
+  </p:cSld>
+  <p:clrMapOvr>
+    <a:masterClrMapping/>
+  </p:clrMapOvr>
+  <p:timing>
+    <p:tnLst>
+      <p:par>
+        <p:cTn id="1" dur="indefinite" restart="never" nodeType="tmRoot"/>
+      </p:par>
+    </p:tnLst>
+  </p:timing>
+</p:sld>
+</file>
+
+<file path=ppt/slides/slide2.xml><?xml version="1.0" encoding="utf-8"?>
+<p:sld xmlns:a="http://schemas.openxmlformats.org/drawingml/2006/main" xmlns:r="http://schemas.openxmlformats.org/officeDocument/2006/relationships" xmlns:p="http://schemas.openxmlformats.org/presentationml/2006/main">
+  <p:cSld>
+    <p:spTree>
+      <p:nvGrpSpPr>
+        <p:cNvPr id="1" name=""/>
+        <p:cNvGrpSpPr/>
+        <p:nvPr/>
+      </p:nvGrpSpPr>
+      <p:grpSpPr>
+        <a:xfrm>
+          <a:off x="0" y="0"/>
+          <a:ext cx="0" cy="0"/>
+          <a:chOff x="0" y="0"/>
+          <a:chExt cx="0" cy="0"/>
+        </a:xfrm>
+      </p:grpSpPr>
+      <p:sp>
+        <p:nvSpPr>
+          <p:cNvPr id="2" name="Title 1"/>
+          <p:cNvSpPr>
+            <a:spLocks noGrp="1"/>
+          </p:cNvSpPr>
+          <p:nvPr>
+            <p:ph type="title"/>
+          </p:nvPr>
+        </p:nvSpPr>
+        <p:spPr/>
+        <p:txBody>
+          <a:bodyPr>
+            <a:normAutofit/>
+          </a:bodyPr>
+          <a:lstStyle/>
+          <a:p>
+            <a:pPr algn="l"/>
+            <a:r>
+              <a:rPr lang="pt-BR" sz="2400" dirty="0" smtClean="0"/>
+              <a:t>Sumário</a:t>
+            </a:r>
+            <a:endParaRPr lang="pt-BR" sz="2400" dirty="0"/>
+          </a:p>
+        </p:txBody>
+      </p:sp>
+      <p:sp>
+        <p:nvSpPr>
+          <p:cNvPr id="3" name="Content Placeholder 2"/>
+          <p:cNvSpPr>
+            <a:spLocks noGrp="1"/>
+          </p:cNvSpPr>
+          <p:nvPr>
+            <p:ph idx="1"/>
+          </p:nvPr>
+        </p:nvSpPr>
+        <p:spPr/>
+        <p:txBody>
+          <a:bodyPr>
+            <a:normAutofit/>
+          </a:bodyPr>
+          <a:lstStyle/>
+          <a:p>
+            <a:r>
+              <a:rPr lang="pt-BR" sz="1600" dirty="0" smtClean="0"/>
+              <a:t>x10</a:t>
+            </a:r>
+          </a:p>
+          <a:p>
+            <a:pPr lvl="1"/>
+            <a:r>
+              <a:rPr lang="pt-BR" sz="1600" dirty="0" smtClean="0"/>
+              <a:t>Visão geral</a:t>
+            </a:r>
+          </a:p>
+          <a:p>
+            <a:pPr lvl="1"/>
+            <a:r>
+              <a:rPr lang="pt-BR" sz="1600" dirty="0" smtClean="0"/>
+              <a:t>Características principais da linguagem</a:t>
+            </a:r>
+          </a:p>
+          <a:p>
+            <a:pPr lvl="1"/>
+            <a:r>
+              <a:rPr lang="pt-BR" sz="1600" dirty="0" smtClean="0"/>
+              <a:t>Classes</a:t>
+            </a:r>
+          </a:p>
+          <a:p>
+            <a:pPr lvl="1"/>
+            <a:r>
+              <a:rPr lang="pt-BR" sz="1600" dirty="0" smtClean="0"/>
+              <a:t>Exemplos</a:t>
+            </a:r>
+            <a:endParaRPr lang="pt-BR" sz="1600" dirty="0"/>
+          </a:p>
+          <a:p>
+            <a:pPr lvl="1"/>
+            <a:endParaRPr lang="pt-BR" sz="1000" dirty="0" smtClean="0"/>
+          </a:p>
+          <a:p>
+            <a:r>
+              <a:rPr lang="pt-BR" sz="1600" dirty="0" smtClean="0"/>
+              <a:t>Busca em árvore com x10</a:t>
+            </a:r>
+          </a:p>
+          <a:p>
+            <a:pPr lvl="1"/>
+            <a:r>
+              <a:rPr lang="pt-BR" sz="1600" dirty="0" smtClean="0"/>
+              <a:t>1</a:t>
+            </a:r>
+            <a:endParaRPr lang="pt-BR" sz="1600" dirty="0" smtClean="0"/>
+          </a:p>
+          <a:p>
+            <a:endParaRPr lang="pt-BR" sz="1000" dirty="0" smtClean="0"/>
+          </a:p>
+          <a:p>
+            <a:r>
+              <a:rPr lang="pt-BR" sz="1600" dirty="0" smtClean="0"/>
+              <a:t>Conclusão</a:t>
+            </a:r>
+          </a:p>
+          <a:p>
+            <a:endParaRPr lang="pt-BR" sz="1000" dirty="0"/>
+          </a:p>
+          <a:p>
+            <a:r>
+              <a:rPr lang="pt-BR" sz="1600" dirty="0" smtClean="0"/>
+              <a:t>Referências</a:t>
+            </a:r>
+            <a:endParaRPr lang="pt-BR" sz="1600" dirty="0" smtClean="0"/>
+          </a:p>
+        </p:txBody>
+      </p:sp>
+    </p:spTree>
+    <p:extLst>
+      <p:ext uri="{BB962C8B-B14F-4D97-AF65-F5344CB8AC3E}">
+        <p14:creationId xmlns:p14="http://schemas.microsoft.com/office/powerpoint/2010/main" val="267417175"/>
+      </p:ext>
+    </p:extLst>
+  </p:cSld>
+  <p:clrMapOvr>
+    <a:masterClrMapping/>
+  </p:clrMapOvr>
+</p:sld>
+</file>
+
+<file path=ppt/slides/slide20.xml><?xml version="1.0" encoding="utf-8"?>
+<p:sld xmlns:a="http://schemas.openxmlformats.org/drawingml/2006/main" xmlns:r="http://schemas.openxmlformats.org/officeDocument/2006/relationships" xmlns:p="http://schemas.openxmlformats.org/presentationml/2006/main">
+  <p:cSld>
+    <p:spTree>
+      <p:nvGrpSpPr>
+        <p:cNvPr id="1" name=""/>
+        <p:cNvGrpSpPr/>
+        <p:nvPr/>
+      </p:nvGrpSpPr>
+      <p:grpSpPr>
+        <a:xfrm>
+          <a:off x="0" y="0"/>
+          <a:ext cx="0" cy="0"/>
+          <a:chOff x="0" y="0"/>
+          <a:chExt cx="0" cy="0"/>
+        </a:xfrm>
+      </p:grpSpPr>
+      <p:sp>
+        <p:nvSpPr>
+          <p:cNvPr id="2" name="Title 1"/>
+          <p:cNvSpPr>
+            <a:spLocks noGrp="1"/>
+          </p:cNvSpPr>
+          <p:nvPr>
+            <p:ph type="title"/>
+          </p:nvPr>
+        </p:nvSpPr>
+        <p:spPr/>
+        <p:txBody>
+          <a:bodyPr>
+            <a:normAutofit/>
+          </a:bodyPr>
+          <a:lstStyle/>
+          <a:p>
+            <a:pPr algn="l"/>
+            <a:r>
+              <a:rPr lang="pt-BR" sz="2400" dirty="0"/>
+              <a:t>Características principais da </a:t>
+            </a:r>
+            <a:r>
+              <a:rPr lang="pt-BR" sz="2400" dirty="0" smtClean="0"/>
+              <a:t>linguagem</a:t>
+            </a:r>
+            <a:br>
+              <a:rPr lang="pt-BR" sz="2400" dirty="0" smtClean="0"/>
+            </a:br>
+            <a:r>
+              <a:rPr lang="pt-BR" sz="1800" i="1" dirty="0" smtClean="0"/>
               <a:t>at</a:t>
             </a:r>
             <a:endParaRPr lang="pt-BR" sz="1800" i="1" dirty="0"/>
@@ -5900,7 +6414,7 @@
 </p:sld>
 </file>
 
-<file path=ppt/slides/slide19.xml><?xml version="1.0" encoding="utf-8"?>
+<file path=ppt/slides/slide21.xml><?xml version="1.0" encoding="utf-8"?>
 <p:sld xmlns:a="http://schemas.openxmlformats.org/drawingml/2006/main" xmlns:r="http://schemas.openxmlformats.org/officeDocument/2006/relationships" xmlns:p="http://schemas.openxmlformats.org/presentationml/2006/main">
   <p:cSld>
     <p:spTree>
@@ -6065,7 +6579,7 @@
 </p:sld>
 </file>
 
-<file path=ppt/slides/slide2.xml><?xml version="1.0" encoding="utf-8"?>
+<file path=ppt/slides/slide22.xml><?xml version="1.0" encoding="utf-8"?>
 <p:sld xmlns:a="http://schemas.openxmlformats.org/drawingml/2006/main" xmlns:r="http://schemas.openxmlformats.org/officeDocument/2006/relationships" xmlns:p="http://schemas.openxmlformats.org/presentationml/2006/main">
   <p:cSld>
     <p:spTree>
@@ -6099,152 +6613,6 @@
           </a:bodyPr>
           <a:lstStyle/>
           <a:p>
-            <a:pPr algn="l"/>
-            <a:r>
-              <a:rPr lang="pt-BR" sz="2400" dirty="0" smtClean="0"/>
-              <a:t>Sumário</a:t>
-            </a:r>
-            <a:endParaRPr lang="pt-BR" sz="2400" dirty="0"/>
-          </a:p>
-        </p:txBody>
-      </p:sp>
-      <p:sp>
-        <p:nvSpPr>
-          <p:cNvPr id="3" name="Content Placeholder 2"/>
-          <p:cNvSpPr>
-            <a:spLocks noGrp="1"/>
-          </p:cNvSpPr>
-          <p:nvPr>
-            <p:ph idx="1"/>
-          </p:nvPr>
-        </p:nvSpPr>
-        <p:spPr/>
-        <p:txBody>
-          <a:bodyPr>
-            <a:normAutofit/>
-          </a:bodyPr>
-          <a:lstStyle/>
-          <a:p>
-            <a:r>
-              <a:rPr lang="pt-BR" sz="1600" dirty="0" smtClean="0"/>
-              <a:t>x10</a:t>
-            </a:r>
-          </a:p>
-          <a:p>
-            <a:pPr lvl="1"/>
-            <a:r>
-              <a:rPr lang="pt-BR" sz="1600" dirty="0" smtClean="0"/>
-              <a:t>Visão geral</a:t>
-            </a:r>
-          </a:p>
-          <a:p>
-            <a:pPr lvl="1"/>
-            <a:r>
-              <a:rPr lang="pt-BR" sz="1600" dirty="0" smtClean="0"/>
-              <a:t>Características principais da linguagem</a:t>
-            </a:r>
-          </a:p>
-          <a:p>
-            <a:pPr lvl="1"/>
-            <a:r>
-              <a:rPr lang="pt-BR" sz="1600" dirty="0" smtClean="0"/>
-              <a:t>Classes</a:t>
-            </a:r>
-          </a:p>
-          <a:p>
-            <a:pPr lvl="1"/>
-            <a:r>
-              <a:rPr lang="pt-BR" sz="1600" dirty="0" smtClean="0"/>
-              <a:t>Exemplos</a:t>
-            </a:r>
-            <a:endParaRPr lang="pt-BR" sz="1600" dirty="0"/>
-          </a:p>
-          <a:p>
-            <a:pPr lvl="1"/>
-            <a:endParaRPr lang="pt-BR" sz="1000" dirty="0" smtClean="0"/>
-          </a:p>
-          <a:p>
-            <a:r>
-              <a:rPr lang="pt-BR" sz="1600" dirty="0" smtClean="0"/>
-              <a:t>Busca em árvore com x10</a:t>
-            </a:r>
-          </a:p>
-          <a:p>
-            <a:pPr lvl="1"/>
-            <a:r>
-              <a:rPr lang="pt-BR" sz="1600" dirty="0" smtClean="0"/>
-              <a:t>1</a:t>
-            </a:r>
-            <a:endParaRPr lang="pt-BR" sz="1600" dirty="0" smtClean="0"/>
-          </a:p>
-          <a:p>
-            <a:endParaRPr lang="pt-BR" sz="1000" dirty="0" smtClean="0"/>
-          </a:p>
-          <a:p>
-            <a:r>
-              <a:rPr lang="pt-BR" sz="1600" dirty="0" smtClean="0"/>
-              <a:t>Conclusão</a:t>
-            </a:r>
-          </a:p>
-          <a:p>
-            <a:endParaRPr lang="pt-BR" sz="1000" dirty="0"/>
-          </a:p>
-          <a:p>
-            <a:r>
-              <a:rPr lang="pt-BR" sz="1600" dirty="0" smtClean="0"/>
-              <a:t>Referências</a:t>
-            </a:r>
-            <a:endParaRPr lang="pt-BR" sz="1600" dirty="0" smtClean="0"/>
-          </a:p>
-        </p:txBody>
-      </p:sp>
-    </p:spTree>
-    <p:extLst>
-      <p:ext uri="{BB962C8B-B14F-4D97-AF65-F5344CB8AC3E}">
-        <p14:creationId xmlns:p14="http://schemas.microsoft.com/office/powerpoint/2010/main" val="267417175"/>
-      </p:ext>
-    </p:extLst>
-  </p:cSld>
-  <p:clrMapOvr>
-    <a:masterClrMapping/>
-  </p:clrMapOvr>
-</p:sld>
-</file>
-
-<file path=ppt/slides/slide20.xml><?xml version="1.0" encoding="utf-8"?>
-<p:sld xmlns:a="http://schemas.openxmlformats.org/drawingml/2006/main" xmlns:r="http://schemas.openxmlformats.org/officeDocument/2006/relationships" xmlns:p="http://schemas.openxmlformats.org/presentationml/2006/main">
-  <p:cSld>
-    <p:spTree>
-      <p:nvGrpSpPr>
-        <p:cNvPr id="1" name=""/>
-        <p:cNvGrpSpPr/>
-        <p:nvPr/>
-      </p:nvGrpSpPr>
-      <p:grpSpPr>
-        <a:xfrm>
-          <a:off x="0" y="0"/>
-          <a:ext cx="0" cy="0"/>
-          <a:chOff x="0" y="0"/>
-          <a:chExt cx="0" cy="0"/>
-        </a:xfrm>
-      </p:grpSpPr>
-      <p:sp>
-        <p:nvSpPr>
-          <p:cNvPr id="2" name="Title 1"/>
-          <p:cNvSpPr>
-            <a:spLocks noGrp="1"/>
-          </p:cNvSpPr>
-          <p:nvPr>
-            <p:ph type="title"/>
-          </p:nvPr>
-        </p:nvSpPr>
-        <p:spPr/>
-        <p:txBody>
-          <a:bodyPr>
-            <a:normAutofit/>
-          </a:bodyPr>
-          <a:lstStyle/>
-          <a:p>
             <a:pPr lvl="1" algn="l" rtl="0">
               <a:spcBef>
                 <a:spcPct val="0"/>
@@ -6321,7 +6689,7 @@
 </p:sld>
 </file>
 
-<file path=ppt/slides/slide21.xml><?xml version="1.0" encoding="utf-8"?>
+<file path=ppt/slides/slide23.xml><?xml version="1.0" encoding="utf-8"?>
 <p:sld xmlns:a="http://schemas.openxmlformats.org/drawingml/2006/main" xmlns:r="http://schemas.openxmlformats.org/officeDocument/2006/relationships" xmlns:p="http://schemas.openxmlformats.org/presentationml/2006/main">
   <p:cSld>
     <p:spTree>
@@ -7265,7 +7633,7 @@
 </p:sld>
 </file>
 
-<file path=ppt/slides/slide22.xml><?xml version="1.0" encoding="utf-8"?>
+<file path=ppt/slides/slide24.xml><?xml version="1.0" encoding="utf-8"?>
 <p:sld xmlns:a="http://schemas.openxmlformats.org/drawingml/2006/main" xmlns:r="http://schemas.openxmlformats.org/officeDocument/2006/relationships" xmlns:p="http://schemas.openxmlformats.org/presentationml/2006/main">
   <p:cSld>
     <p:spTree>
@@ -8086,7 +8454,7 @@
 </p:sld>
 </file>
 
-<file path=ppt/slides/slide23.xml><?xml version="1.0" encoding="utf-8"?>
+<file path=ppt/slides/slide25.xml><?xml version="1.0" encoding="utf-8"?>
 <p:sld xmlns:a="http://schemas.openxmlformats.org/drawingml/2006/main" xmlns:r="http://schemas.openxmlformats.org/officeDocument/2006/relationships" xmlns:p="http://schemas.openxmlformats.org/presentationml/2006/main">
   <p:cSld>
     <p:spTree>
@@ -9306,7 +9674,7 @@
 </p:sld>
 </file>
 
-<file path=ppt/slides/slide24.xml><?xml version="1.0" encoding="utf-8"?>
+<file path=ppt/slides/slide26.xml><?xml version="1.0" encoding="utf-8"?>
 <p:sld xmlns:a="http://schemas.openxmlformats.org/drawingml/2006/main" xmlns:r="http://schemas.openxmlformats.org/officeDocument/2006/relationships" xmlns:p="http://schemas.openxmlformats.org/presentationml/2006/main">
   <p:cSld>
     <p:spTree>
@@ -10176,166 +10544,6 @@
 </p:sld>
 </file>
 
-<file path=ppt/slides/slide25.xml><?xml version="1.0" encoding="utf-8"?>
-<p:sld xmlns:a="http://schemas.openxmlformats.org/drawingml/2006/main" xmlns:r="http://schemas.openxmlformats.org/officeDocument/2006/relationships" xmlns:p="http://schemas.openxmlformats.org/presentationml/2006/main">
-  <p:cSld>
-    <p:spTree>
-      <p:nvGrpSpPr>
-        <p:cNvPr id="1" name=""/>
-        <p:cNvGrpSpPr/>
-        <p:nvPr/>
-      </p:nvGrpSpPr>
-      <p:grpSpPr>
-        <a:xfrm>
-          <a:off x="0" y="0"/>
-          <a:ext cx="0" cy="0"/>
-          <a:chOff x="0" y="0"/>
-          <a:chExt cx="0" cy="0"/>
-        </a:xfrm>
-      </p:grpSpPr>
-      <p:sp>
-        <p:nvSpPr>
-          <p:cNvPr id="2" name="Title 1"/>
-          <p:cNvSpPr>
-            <a:spLocks noGrp="1"/>
-          </p:cNvSpPr>
-          <p:nvPr>
-            <p:ph type="title"/>
-          </p:nvPr>
-        </p:nvSpPr>
-        <p:spPr/>
-        <p:txBody>
-          <a:bodyPr>
-            <a:normAutofit/>
-          </a:bodyPr>
-          <a:lstStyle/>
-          <a:p>
-            <a:pPr algn="l"/>
-            <a:r>
-              <a:rPr lang="pt-BR" sz="2400" dirty="0"/>
-              <a:t>Busca em árvore com </a:t>
-            </a:r>
-            <a:r>
-              <a:rPr lang="pt-BR" sz="2400" dirty="0" smtClean="0"/>
-              <a:t>x10</a:t>
-            </a:r>
-            <a:endParaRPr lang="en-US" sz="2400" dirty="0"/>
-          </a:p>
-        </p:txBody>
-      </p:sp>
-      <p:sp>
-        <p:nvSpPr>
-          <p:cNvPr id="3" name="Content Placeholder 2"/>
-          <p:cNvSpPr>
-            <a:spLocks noGrp="1"/>
-          </p:cNvSpPr>
-          <p:nvPr>
-            <p:ph idx="1"/>
-          </p:nvPr>
-        </p:nvSpPr>
-        <p:spPr/>
-        <p:txBody>
-          <a:bodyPr/>
-          <a:lstStyle/>
-          <a:p>
-            <a:endParaRPr lang="en-US"/>
-          </a:p>
-        </p:txBody>
-      </p:sp>
-    </p:spTree>
-    <p:extLst>
-      <p:ext uri="{BB962C8B-B14F-4D97-AF65-F5344CB8AC3E}">
-        <p14:creationId xmlns:p14="http://schemas.microsoft.com/office/powerpoint/2010/main" val="3878268549"/>
-      </p:ext>
-    </p:extLst>
-  </p:cSld>
-  <p:clrMapOvr>
-    <a:masterClrMapping/>
-  </p:clrMapOvr>
-</p:sld>
-</file>
-
-<file path=ppt/slides/slide26.xml><?xml version="1.0" encoding="utf-8"?>
-<p:sld xmlns:a="http://schemas.openxmlformats.org/drawingml/2006/main" xmlns:r="http://schemas.openxmlformats.org/officeDocument/2006/relationships" xmlns:p="http://schemas.openxmlformats.org/presentationml/2006/main">
-  <p:cSld>
-    <p:spTree>
-      <p:nvGrpSpPr>
-        <p:cNvPr id="1" name=""/>
-        <p:cNvGrpSpPr/>
-        <p:nvPr/>
-      </p:nvGrpSpPr>
-      <p:grpSpPr>
-        <a:xfrm>
-          <a:off x="0" y="0"/>
-          <a:ext cx="0" cy="0"/>
-          <a:chOff x="0" y="0"/>
-          <a:chExt cx="0" cy="0"/>
-        </a:xfrm>
-      </p:grpSpPr>
-      <p:sp>
-        <p:nvSpPr>
-          <p:cNvPr id="2" name="Title 1"/>
-          <p:cNvSpPr>
-            <a:spLocks noGrp="1"/>
-          </p:cNvSpPr>
-          <p:nvPr>
-            <p:ph type="title"/>
-          </p:nvPr>
-        </p:nvSpPr>
-        <p:spPr/>
-        <p:txBody>
-          <a:bodyPr>
-            <a:normAutofit/>
-          </a:bodyPr>
-          <a:lstStyle/>
-          <a:p>
-            <a:pPr algn="l"/>
-            <a:r>
-              <a:rPr lang="pt-BR" sz="2400" dirty="0" smtClean="0"/>
-              <a:t>Conclusão</a:t>
-            </a:r>
-            <a:endParaRPr lang="en-US" sz="2400" dirty="0"/>
-          </a:p>
-        </p:txBody>
-      </p:sp>
-      <p:sp>
-        <p:nvSpPr>
-          <p:cNvPr id="3" name="Content Placeholder 2"/>
-          <p:cNvSpPr>
-            <a:spLocks noGrp="1"/>
-          </p:cNvSpPr>
-          <p:nvPr>
-            <p:ph idx="1"/>
-          </p:nvPr>
-        </p:nvSpPr>
-        <p:spPr/>
-        <p:txBody>
-          <a:bodyPr>
-            <a:normAutofit/>
-          </a:bodyPr>
-          <a:lstStyle/>
-          <a:p>
-            <a:r>
-              <a:rPr lang="pt-BR" sz="1800" dirty="0" smtClean="0"/>
-              <a:t>Dificuldade de encontrar documentação de qualidade</a:t>
-            </a:r>
-            <a:endParaRPr lang="en-US" sz="1800" dirty="0"/>
-          </a:p>
-        </p:txBody>
-      </p:sp>
-    </p:spTree>
-    <p:extLst>
-      <p:ext uri="{BB962C8B-B14F-4D97-AF65-F5344CB8AC3E}">
-        <p14:creationId xmlns:p14="http://schemas.microsoft.com/office/powerpoint/2010/main" val="893830351"/>
-      </p:ext>
-    </p:extLst>
-  </p:cSld>
-  <p:clrMapOvr>
-    <a:masterClrMapping/>
-  </p:clrMapOvr>
-</p:sld>
-</file>
-
 <file path=ppt/slides/slide27.xml><?xml version="1.0" encoding="utf-8"?>
 <p:sld xmlns:a="http://schemas.openxmlformats.org/drawingml/2006/main" xmlns:r="http://schemas.openxmlformats.org/officeDocument/2006/relationships" xmlns:p="http://schemas.openxmlformats.org/presentationml/2006/main">
   <p:cSld>
@@ -10373,7 +10581,86 @@
             <a:pPr algn="l"/>
             <a:r>
               <a:rPr lang="pt-BR" sz="2400" dirty="0"/>
-              <a:t>Referências</a:t>
+              <a:t>Busca em árvore com </a:t>
+            </a:r>
+            <a:r>
+              <a:rPr lang="pt-BR" sz="2400" dirty="0" smtClean="0"/>
+              <a:t>x10</a:t>
+            </a:r>
+            <a:endParaRPr lang="en-US" sz="2400" dirty="0"/>
+          </a:p>
+        </p:txBody>
+      </p:sp>
+      <p:sp>
+        <p:nvSpPr>
+          <p:cNvPr id="3" name="Content Placeholder 2"/>
+          <p:cNvSpPr>
+            <a:spLocks noGrp="1"/>
+          </p:cNvSpPr>
+          <p:nvPr>
+            <p:ph idx="1"/>
+          </p:nvPr>
+        </p:nvSpPr>
+        <p:spPr/>
+        <p:txBody>
+          <a:bodyPr/>
+          <a:lstStyle/>
+          <a:p>
+            <a:endParaRPr lang="en-US"/>
+          </a:p>
+        </p:txBody>
+      </p:sp>
+    </p:spTree>
+    <p:extLst>
+      <p:ext uri="{BB962C8B-B14F-4D97-AF65-F5344CB8AC3E}">
+        <p14:creationId xmlns:p14="http://schemas.microsoft.com/office/powerpoint/2010/main" val="3878268549"/>
+      </p:ext>
+    </p:extLst>
+  </p:cSld>
+  <p:clrMapOvr>
+    <a:masterClrMapping/>
+  </p:clrMapOvr>
+</p:sld>
+</file>
+
+<file path=ppt/slides/slide28.xml><?xml version="1.0" encoding="utf-8"?>
+<p:sld xmlns:a="http://schemas.openxmlformats.org/drawingml/2006/main" xmlns:r="http://schemas.openxmlformats.org/officeDocument/2006/relationships" xmlns:p="http://schemas.openxmlformats.org/presentationml/2006/main">
+  <p:cSld>
+    <p:spTree>
+      <p:nvGrpSpPr>
+        <p:cNvPr id="1" name=""/>
+        <p:cNvGrpSpPr/>
+        <p:nvPr/>
+      </p:nvGrpSpPr>
+      <p:grpSpPr>
+        <a:xfrm>
+          <a:off x="0" y="0"/>
+          <a:ext cx="0" cy="0"/>
+          <a:chOff x="0" y="0"/>
+          <a:chExt cx="0" cy="0"/>
+        </a:xfrm>
+      </p:grpSpPr>
+      <p:sp>
+        <p:nvSpPr>
+          <p:cNvPr id="2" name="Title 1"/>
+          <p:cNvSpPr>
+            <a:spLocks noGrp="1"/>
+          </p:cNvSpPr>
+          <p:nvPr>
+            <p:ph type="title"/>
+          </p:nvPr>
+        </p:nvSpPr>
+        <p:spPr/>
+        <p:txBody>
+          <a:bodyPr>
+            <a:normAutofit/>
+          </a:bodyPr>
+          <a:lstStyle/>
+          <a:p>
+            <a:pPr algn="l"/>
+            <a:r>
+              <a:rPr lang="pt-BR" sz="2400" dirty="0" smtClean="0"/>
+              <a:t>Conclusão</a:t>
             </a:r>
             <a:endParaRPr lang="en-US" sz="2400" dirty="0"/>
           </a:p>
@@ -10397,6 +10684,87 @@
           <a:lstStyle/>
           <a:p>
             <a:r>
+              <a:rPr lang="pt-BR" sz="1800" dirty="0" smtClean="0"/>
+              <a:t>Dificuldade de encontrar documentação de qualidade</a:t>
+            </a:r>
+            <a:endParaRPr lang="en-US" sz="1800" dirty="0"/>
+          </a:p>
+        </p:txBody>
+      </p:sp>
+    </p:spTree>
+    <p:extLst>
+      <p:ext uri="{BB962C8B-B14F-4D97-AF65-F5344CB8AC3E}">
+        <p14:creationId xmlns:p14="http://schemas.microsoft.com/office/powerpoint/2010/main" val="893830351"/>
+      </p:ext>
+    </p:extLst>
+  </p:cSld>
+  <p:clrMapOvr>
+    <a:masterClrMapping/>
+  </p:clrMapOvr>
+</p:sld>
+</file>
+
+<file path=ppt/slides/slide29.xml><?xml version="1.0" encoding="utf-8"?>
+<p:sld xmlns:a="http://schemas.openxmlformats.org/drawingml/2006/main" xmlns:r="http://schemas.openxmlformats.org/officeDocument/2006/relationships" xmlns:p="http://schemas.openxmlformats.org/presentationml/2006/main">
+  <p:cSld>
+    <p:spTree>
+      <p:nvGrpSpPr>
+        <p:cNvPr id="1" name=""/>
+        <p:cNvGrpSpPr/>
+        <p:nvPr/>
+      </p:nvGrpSpPr>
+      <p:grpSpPr>
+        <a:xfrm>
+          <a:off x="0" y="0"/>
+          <a:ext cx="0" cy="0"/>
+          <a:chOff x="0" y="0"/>
+          <a:chExt cx="0" cy="0"/>
+        </a:xfrm>
+      </p:grpSpPr>
+      <p:sp>
+        <p:nvSpPr>
+          <p:cNvPr id="2" name="Title 1"/>
+          <p:cNvSpPr>
+            <a:spLocks noGrp="1"/>
+          </p:cNvSpPr>
+          <p:nvPr>
+            <p:ph type="title"/>
+          </p:nvPr>
+        </p:nvSpPr>
+        <p:spPr/>
+        <p:txBody>
+          <a:bodyPr>
+            <a:normAutofit/>
+          </a:bodyPr>
+          <a:lstStyle/>
+          <a:p>
+            <a:pPr algn="l"/>
+            <a:r>
+              <a:rPr lang="pt-BR" sz="2400" dirty="0"/>
+              <a:t>Referências</a:t>
+            </a:r>
+            <a:endParaRPr lang="en-US" sz="2400" dirty="0"/>
+          </a:p>
+        </p:txBody>
+      </p:sp>
+      <p:sp>
+        <p:nvSpPr>
+          <p:cNvPr id="3" name="Content Placeholder 2"/>
+          <p:cNvSpPr>
+            <a:spLocks noGrp="1"/>
+          </p:cNvSpPr>
+          <p:nvPr>
+            <p:ph idx="1"/>
+          </p:nvPr>
+        </p:nvSpPr>
+        <p:spPr/>
+        <p:txBody>
+          <a:bodyPr>
+            <a:normAutofit/>
+          </a:bodyPr>
+          <a:lstStyle/>
+          <a:p>
+            <a:r>
               <a:rPr lang="pt-BR" sz="1600" dirty="0"/>
               <a:t>Thomas Hörmann. </a:t>
             </a:r>
@@ -10496,54 +10864,89 @@
             <a:endParaRPr lang="en-US" sz="1600" dirty="0" smtClean="0"/>
           </a:p>
           <a:p>
+            <a:endParaRPr lang="pt-BR" sz="1600" dirty="0" smtClean="0"/>
+          </a:p>
+          <a:p>
+            <a:r>
+              <a:rPr lang="pt-BR" sz="1600" dirty="0"/>
+              <a:t>X10 Language Specification</a:t>
+            </a:r>
+            <a:r>
+              <a:rPr lang="pt-BR" sz="1600" dirty="0" smtClean="0"/>
+              <a:t>. Version </a:t>
+            </a:r>
+            <a:r>
+              <a:rPr lang="pt-BR" sz="1600" dirty="0"/>
+              <a:t>2.6 </a:t>
+            </a:r>
+            <a:r>
+              <a:rPr lang="pt-BR" sz="1600" dirty="0" smtClean="0"/>
+              <a:t>. June 2016. </a:t>
+            </a:r>
+            <a:r>
+              <a:rPr lang="pt-BR" sz="1600" dirty="0"/>
+              <a:t>URL: </a:t>
+            </a:r>
+            <a:r>
+              <a:rPr lang="pt-BR" sz="1600" dirty="0">
+                <a:hlinkClick r:id="rId4"/>
+              </a:rPr>
+              <a:t>http://</a:t>
+            </a:r>
+            <a:r>
+              <a:rPr lang="pt-BR" sz="1600" dirty="0" smtClean="0">
+                <a:hlinkClick r:id="rId4"/>
+              </a:rPr>
+              <a:t>x10.sourceforge.net/documentation/languagespec/x10-latest.pdf</a:t>
+            </a:r>
             <a:endParaRPr lang="pt-BR" sz="1600" dirty="0"/>
           </a:p>
           <a:p>
             <a:endParaRPr lang="pt-BR" sz="1600" dirty="0" smtClean="0"/>
-          </a:p>
-          <a:p>
-            <a:r>
-              <a:rPr lang="en-US" sz="1600" dirty="0">
-                <a:hlinkClick r:id="rId4"/>
-              </a:rPr>
-              <a:t>https://</a:t>
-            </a:r>
-            <a:r>
-              <a:rPr lang="en-US" sz="1600" dirty="0" smtClean="0">
-                <a:hlinkClick r:id="rId4"/>
-              </a:rPr>
-              <a:t>www.cs.colostate.edu/wiki/mediawiki/images/5/5d/X10programmingguide.pdf</a:t>
-            </a:r>
-            <a:endParaRPr lang="en-US" sz="1600" dirty="0" smtClean="0"/>
           </a:p>
           <a:p>
             <a:r>
               <a:rPr lang="en-US" sz="1600" dirty="0">
                 <a:hlinkClick r:id="rId5"/>
               </a:rPr>
-              <a:t>http://</a:t>
+              <a:t>https://</a:t>
             </a:r>
             <a:r>
               <a:rPr lang="en-US" sz="1600" dirty="0" smtClean="0">
                 <a:hlinkClick r:id="rId5"/>
               </a:rPr>
-              <a:t>citeseerx.ist.psu.edu/viewdoc/download?doi=10.1.1.642.6839&amp;rep=rep1&amp;type=pdf</a:t>
+              <a:t>www.cs.colostate.edu/wiki/mediawiki/images/5/5d/X10programmingguide.pdf</a:t>
             </a:r>
             <a:endParaRPr lang="en-US" sz="1600" dirty="0" smtClean="0"/>
-          </a:p>
-          <a:p>
-            <a:endParaRPr lang="pt-BR" sz="1600" dirty="0"/>
           </a:p>
           <a:p>
             <a:r>
               <a:rPr lang="en-US" sz="1600" dirty="0">
                 <a:hlinkClick r:id="rId6"/>
               </a:rPr>
-              <a:t>https://</a:t>
+              <a:t>http://</a:t>
             </a:r>
             <a:r>
               <a:rPr lang="en-US" sz="1600" dirty="0" smtClean="0">
                 <a:hlinkClick r:id="rId6"/>
+              </a:rPr>
+              <a:t>citeseerx.ist.psu.edu/viewdoc/download?doi=10.1.1.642.6839&amp;rep=rep1&amp;type=pdf</a:t>
+            </a:r>
+            <a:endParaRPr lang="en-US" sz="1600" dirty="0" smtClean="0"/>
+          </a:p>
+          <a:p>
+            <a:endParaRPr lang="pt-BR" sz="1600" dirty="0"/>
+          </a:p>
+          <a:p>
+            <a:r>
+              <a:rPr lang="en-US" sz="1600" dirty="0">
+                <a:hlinkClick r:id="rId7"/>
+              </a:rPr>
+              <a:t>https://</a:t>
+            </a:r>
+            <a:r>
+              <a:rPr lang="en-US" sz="1600" dirty="0" smtClean="0">
+                <a:hlinkClick r:id="rId7"/>
               </a:rPr>
               <a:t>arxiv.org/pdf/1110.4165.pdf</a:t>
             </a:r>

--- a/x10.pptx
+++ b/x10.pptx
@@ -17,22 +17,22 @@
     <p:sldId id="259" r:id="rId8"/>
     <p:sldId id="293" r:id="rId9"/>
     <p:sldId id="279" r:id="rId10"/>
-    <p:sldId id="283" r:id="rId11"/>
-    <p:sldId id="264" r:id="rId12"/>
-    <p:sldId id="287" r:id="rId13"/>
-    <p:sldId id="265" r:id="rId14"/>
-    <p:sldId id="288" r:id="rId15"/>
-    <p:sldId id="266" r:id="rId16"/>
-    <p:sldId id="292" r:id="rId17"/>
-    <p:sldId id="298" r:id="rId18"/>
-    <p:sldId id="299" r:id="rId19"/>
-    <p:sldId id="295" r:id="rId20"/>
-    <p:sldId id="296" r:id="rId21"/>
-    <p:sldId id="297" r:id="rId22"/>
-    <p:sldId id="284" r:id="rId23"/>
-    <p:sldId id="267" r:id="rId24"/>
-    <p:sldId id="285" r:id="rId25"/>
-    <p:sldId id="281" r:id="rId26"/>
+    <p:sldId id="300" r:id="rId11"/>
+    <p:sldId id="301" r:id="rId12"/>
+    <p:sldId id="283" r:id="rId13"/>
+    <p:sldId id="264" r:id="rId14"/>
+    <p:sldId id="287" r:id="rId15"/>
+    <p:sldId id="265" r:id="rId16"/>
+    <p:sldId id="288" r:id="rId17"/>
+    <p:sldId id="266" r:id="rId18"/>
+    <p:sldId id="292" r:id="rId19"/>
+    <p:sldId id="298" r:id="rId20"/>
+    <p:sldId id="295" r:id="rId21"/>
+    <p:sldId id="296" r:id="rId22"/>
+    <p:sldId id="297" r:id="rId23"/>
+    <p:sldId id="284" r:id="rId24"/>
+    <p:sldId id="267" r:id="rId25"/>
+    <p:sldId id="285" r:id="rId26"/>
     <p:sldId id="280" r:id="rId27"/>
     <p:sldId id="294" r:id="rId28"/>
     <p:sldId id="290" r:id="rId29"/>
@@ -137,7 +137,7 @@
   </p:defaultTextStyle>
   <p:extLst>
     <p:ext uri="{EFAFB233-063F-42B5-8137-9DF3F51BA10A}">
-      <p15:sldGuideLst xmlns:p15="http://schemas.microsoft.com/office/powerpoint/2012/main" xmlns="">
+      <p15:sldGuideLst xmlns:p15="http://schemas.microsoft.com/office/powerpoint/2012/main">
         <p15:guide id="1" orient="horz" pos="2160" userDrawn="1">
           <p15:clr>
             <a:srgbClr val="A4A3A4"/>
@@ -236,7 +236,7 @@
           <a:p>
             <a:fld id="{1B921BD6-0921-4385-836B-BED76F1F0A66}" type="datetimeFigureOut">
               <a:rPr lang="pt-BR" smtClean="0"/>
-              <a:t>08/12/2016</a:t>
+              <a:t>09/12/2016</a:t>
             </a:fld>
             <a:endParaRPr lang="pt-BR"/>
           </a:p>
@@ -769,7 +769,7 @@
           <a:p>
             <a:fld id="{8B5C8B54-FFB1-44A6-80FE-9FB775708678}" type="datetimeFigureOut">
               <a:rPr lang="pt-BR" smtClean="0"/>
-              <a:t>08/12/2016</a:t>
+              <a:t>09/12/2016</a:t>
             </a:fld>
             <a:endParaRPr lang="pt-BR"/>
           </a:p>
@@ -939,7 +939,7 @@
           <a:p>
             <a:fld id="{8B5C8B54-FFB1-44A6-80FE-9FB775708678}" type="datetimeFigureOut">
               <a:rPr lang="pt-BR" smtClean="0"/>
-              <a:t>08/12/2016</a:t>
+              <a:t>09/12/2016</a:t>
             </a:fld>
             <a:endParaRPr lang="pt-BR"/>
           </a:p>
@@ -1119,7 +1119,7 @@
           <a:p>
             <a:fld id="{8B5C8B54-FFB1-44A6-80FE-9FB775708678}" type="datetimeFigureOut">
               <a:rPr lang="pt-BR" smtClean="0"/>
-              <a:t>08/12/2016</a:t>
+              <a:t>09/12/2016</a:t>
             </a:fld>
             <a:endParaRPr lang="pt-BR"/>
           </a:p>
@@ -1289,7 +1289,7 @@
           <a:p>
             <a:fld id="{8B5C8B54-FFB1-44A6-80FE-9FB775708678}" type="datetimeFigureOut">
               <a:rPr lang="pt-BR" smtClean="0"/>
-              <a:t>08/12/2016</a:t>
+              <a:t>09/12/2016</a:t>
             </a:fld>
             <a:endParaRPr lang="pt-BR"/>
           </a:p>
@@ -1535,7 +1535,7 @@
           <a:p>
             <a:fld id="{8B5C8B54-FFB1-44A6-80FE-9FB775708678}" type="datetimeFigureOut">
               <a:rPr lang="pt-BR" smtClean="0"/>
-              <a:t>08/12/2016</a:t>
+              <a:t>09/12/2016</a:t>
             </a:fld>
             <a:endParaRPr lang="pt-BR"/>
           </a:p>
@@ -1823,7 +1823,7 @@
           <a:p>
             <a:fld id="{8B5C8B54-FFB1-44A6-80FE-9FB775708678}" type="datetimeFigureOut">
               <a:rPr lang="pt-BR" smtClean="0"/>
-              <a:t>08/12/2016</a:t>
+              <a:t>09/12/2016</a:t>
             </a:fld>
             <a:endParaRPr lang="pt-BR"/>
           </a:p>
@@ -2245,7 +2245,7 @@
           <a:p>
             <a:fld id="{8B5C8B54-FFB1-44A6-80FE-9FB775708678}" type="datetimeFigureOut">
               <a:rPr lang="pt-BR" smtClean="0"/>
-              <a:t>08/12/2016</a:t>
+              <a:t>09/12/2016</a:t>
             </a:fld>
             <a:endParaRPr lang="pt-BR"/>
           </a:p>
@@ -2363,7 +2363,7 @@
           <a:p>
             <a:fld id="{8B5C8B54-FFB1-44A6-80FE-9FB775708678}" type="datetimeFigureOut">
               <a:rPr lang="pt-BR" smtClean="0"/>
-              <a:t>08/12/2016</a:t>
+              <a:t>09/12/2016</a:t>
             </a:fld>
             <a:endParaRPr lang="pt-BR"/>
           </a:p>
@@ -2458,7 +2458,7 @@
           <a:p>
             <a:fld id="{8B5C8B54-FFB1-44A6-80FE-9FB775708678}" type="datetimeFigureOut">
               <a:rPr lang="pt-BR" smtClean="0"/>
-              <a:t>08/12/2016</a:t>
+              <a:t>09/12/2016</a:t>
             </a:fld>
             <a:endParaRPr lang="pt-BR"/>
           </a:p>
@@ -2735,7 +2735,7 @@
           <a:p>
             <a:fld id="{8B5C8B54-FFB1-44A6-80FE-9FB775708678}" type="datetimeFigureOut">
               <a:rPr lang="pt-BR" smtClean="0"/>
-              <a:t>08/12/2016</a:t>
+              <a:t>09/12/2016</a:t>
             </a:fld>
             <a:endParaRPr lang="pt-BR"/>
           </a:p>
@@ -2988,7 +2988,7 @@
           <a:p>
             <a:fld id="{8B5C8B54-FFB1-44A6-80FE-9FB775708678}" type="datetimeFigureOut">
               <a:rPr lang="pt-BR" smtClean="0"/>
-              <a:t>08/12/2016</a:t>
+              <a:t>09/12/2016</a:t>
             </a:fld>
             <a:endParaRPr lang="pt-BR"/>
           </a:p>
@@ -3201,7 +3201,7 @@
           <a:p>
             <a:fld id="{8B5C8B54-FFB1-44A6-80FE-9FB775708678}" type="datetimeFigureOut">
               <a:rPr lang="pt-BR" smtClean="0"/>
-              <a:t>08/12/2016</a:t>
+              <a:t>09/12/2016</a:t>
             </a:fld>
             <a:endParaRPr lang="pt-BR"/>
           </a:p>
@@ -3655,6 +3655,13 @@
   <p:clrMapOvr>
     <a:masterClrMapping/>
   </p:clrMapOvr>
+  <p:timing>
+    <p:tnLst>
+      <p:par>
+        <p:cTn id="1" dur="indefinite" restart="never" nodeType="tmRoot"/>
+      </p:par>
+    </p:tnLst>
+  </p:timing>
 </p:sld>
 </file>
 
@@ -3692,9 +3699,9 @@
           </a:bodyPr>
           <a:lstStyle/>
           <a:p>
-            <a:pPr algn="just"/>
-            <a:r>
-              <a:rPr lang="pt-BR" sz="2400" dirty="0"/>
+            <a:pPr lvl="1"/>
+            <a:r>
+              <a:rPr lang="pt-BR" sz="2400" dirty="0" smtClean="0"/>
               <a:t>Características principais da linguagem</a:t>
             </a:r>
           </a:p>
@@ -3712,301 +3719,175 @@
         </p:nvSpPr>
         <p:spPr/>
         <p:txBody>
-          <a:bodyPr>
-            <a:noAutofit/>
+          <a:bodyPr numCol="2">
+            <a:normAutofit/>
           </a:bodyPr>
           <a:lstStyle/>
           <a:p>
-            <a:endParaRPr lang="pt-BR" sz="1800" b="1" i="1" dirty="0" smtClean="0"/>
-          </a:p>
-          <a:p>
-            <a:endParaRPr lang="pt-BR" sz="1800" b="1" dirty="0" smtClean="0"/>
-          </a:p>
-          <a:p>
-            <a:endParaRPr lang="pt-BR" sz="1800" b="1" dirty="0"/>
-          </a:p>
-          <a:p>
-            <a:endParaRPr lang="pt-BR" sz="1800" b="1" dirty="0" smtClean="0"/>
-          </a:p>
-          <a:p>
-            <a:endParaRPr lang="pt-BR" sz="1800" b="1" dirty="0"/>
-          </a:p>
-          <a:p>
-            <a:endParaRPr lang="pt-BR" sz="1800" b="1" dirty="0" smtClean="0"/>
-          </a:p>
-          <a:p>
-            <a:endParaRPr lang="pt-BR" sz="1800" b="1" dirty="0"/>
-          </a:p>
-          <a:p>
-            <a:endParaRPr lang="pt-BR" sz="1800" b="1" dirty="0" smtClean="0"/>
-          </a:p>
-          <a:p>
-            <a:endParaRPr lang="pt-BR" sz="1800" b="1" dirty="0"/>
-          </a:p>
-          <a:p>
-            <a:endParaRPr lang="pt-BR" sz="1800" b="1" dirty="0" smtClean="0"/>
-          </a:p>
-          <a:p>
-            <a:r>
-              <a:rPr lang="pt-BR" sz="1800" b="1" dirty="0" smtClean="0"/>
-              <a:t>clocked</a:t>
-            </a:r>
-            <a:r>
-              <a:rPr lang="pt-BR" sz="1800" b="1" dirty="0"/>
-              <a:t>, next</a:t>
-            </a:r>
-          </a:p>
-          <a:p>
-            <a:endParaRPr lang="pt-BR" sz="1800" b="1" dirty="0"/>
-          </a:p>
-          <a:p>
-            <a:r>
-              <a:rPr lang="pt-BR" sz="1800" b="1" dirty="0"/>
-              <a:t>points, regions, distributions, arrays</a:t>
-            </a:r>
+            <a:r>
+              <a:rPr lang="pt-BR" sz="1600" dirty="0">
+                <a:cs typeface="Calibri" panose="020F0502020204030204" pitchFamily="34" charset="0"/>
+              </a:rPr>
+              <a:t>Declaração de variáveis:</a:t>
+            </a:r>
+          </a:p>
+          <a:p>
+            <a:endParaRPr lang="pt-BR" altLang="pt-BR" sz="1400" dirty="0" smtClean="0">
+              <a:cs typeface="Calibri" panose="020F0502020204030204" pitchFamily="34" charset="0"/>
+            </a:endParaRPr>
+          </a:p>
+          <a:p>
+            <a:endParaRPr lang="pt-BR" altLang="pt-BR" sz="1400" dirty="0">
+              <a:cs typeface="Calibri" panose="020F0502020204030204" pitchFamily="34" charset="0"/>
+            </a:endParaRPr>
+          </a:p>
+          <a:p>
+            <a:endParaRPr lang="pt-BR" altLang="pt-BR" sz="1400" dirty="0" smtClean="0">
+              <a:cs typeface="Calibri" panose="020F0502020204030204" pitchFamily="34" charset="0"/>
+            </a:endParaRPr>
+          </a:p>
+          <a:p>
+            <a:pPr marL="0" indent="0">
+              <a:buNone/>
+            </a:pPr>
+            <a:endParaRPr lang="pt-BR" altLang="pt-BR" sz="1400" dirty="0" smtClean="0">
+              <a:cs typeface="Calibri" panose="020F0502020204030204" pitchFamily="34" charset="0"/>
+            </a:endParaRPr>
+          </a:p>
+          <a:p>
+            <a:pPr marL="0" indent="0">
+              <a:buNone/>
+            </a:pPr>
+            <a:endParaRPr lang="pt-BR" sz="1400" dirty="0">
+              <a:cs typeface="Calibri" panose="020F0502020204030204" pitchFamily="34" charset="0"/>
+            </a:endParaRPr>
+          </a:p>
+          <a:p>
+            <a:r>
+              <a:rPr lang="pt-BR" sz="1600" dirty="0" smtClean="0">
+                <a:cs typeface="Calibri" panose="020F0502020204030204" pitchFamily="34" charset="0"/>
+              </a:rPr>
+              <a:t>Declaração de funções:</a:t>
+            </a:r>
+          </a:p>
+          <a:p>
+            <a:endParaRPr lang="pt-BR" sz="1600" dirty="0" smtClean="0">
+              <a:cs typeface="Calibri" panose="020F0502020204030204" pitchFamily="34" charset="0"/>
+            </a:endParaRPr>
+          </a:p>
+          <a:p>
+            <a:endParaRPr lang="pt-BR" sz="1600" dirty="0">
+              <a:cs typeface="Calibri" panose="020F0502020204030204" pitchFamily="34" charset="0"/>
+            </a:endParaRPr>
+          </a:p>
+          <a:p>
+            <a:endParaRPr lang="pt-BR" sz="1600" dirty="0" smtClean="0">
+              <a:cs typeface="Calibri" panose="020F0502020204030204" pitchFamily="34" charset="0"/>
+            </a:endParaRPr>
+          </a:p>
+          <a:p>
+            <a:endParaRPr lang="pt-BR" sz="1600" dirty="0">
+              <a:cs typeface="Calibri" panose="020F0502020204030204" pitchFamily="34" charset="0"/>
+            </a:endParaRPr>
+          </a:p>
+          <a:p>
+            <a:endParaRPr lang="pt-BR" sz="1600" dirty="0" smtClean="0">
+              <a:cs typeface="Calibri" panose="020F0502020204030204" pitchFamily="34" charset="0"/>
+            </a:endParaRPr>
+          </a:p>
+          <a:p>
+            <a:endParaRPr lang="pt-BR" sz="1600" dirty="0">
+              <a:cs typeface="Calibri" panose="020F0502020204030204" pitchFamily="34" charset="0"/>
+            </a:endParaRPr>
+          </a:p>
+          <a:p>
+            <a:endParaRPr lang="pt-BR" sz="1600" dirty="0" smtClean="0">
+              <a:cs typeface="Calibri" panose="020F0502020204030204" pitchFamily="34" charset="0"/>
+            </a:endParaRPr>
+          </a:p>
+          <a:p>
+            <a:endParaRPr lang="pt-BR" sz="1600" dirty="0">
+              <a:cs typeface="Calibri" panose="020F0502020204030204" pitchFamily="34" charset="0"/>
+            </a:endParaRPr>
           </a:p>
         </p:txBody>
       </p:sp>
-      <p:sp>
-        <p:nvSpPr>
-          <p:cNvPr id="4" name="Rectangle 3"/>
-          <p:cNvSpPr/>
+      <p:pic>
+        <p:nvPicPr>
+          <p:cNvPr id="4" name="Picture 3"/>
+          <p:cNvPicPr>
+            <a:picLocks noChangeAspect="1"/>
+          </p:cNvPicPr>
           <p:nvPr/>
-        </p:nvSpPr>
+        </p:nvPicPr>
+        <p:blipFill>
+          <a:blip r:embed="rId2"/>
+          <a:stretch>
+            <a:fillRect/>
+          </a:stretch>
+        </p:blipFill>
         <p:spPr>
           <a:xfrm>
-            <a:off x="1127448" y="1635365"/>
-            <a:ext cx="2160240" cy="648071"/>
+            <a:off x="695400" y="1916832"/>
+            <a:ext cx="4076700" cy="1228725"/>
           </a:xfrm>
           <a:prstGeom prst="rect">
             <a:avLst/>
           </a:prstGeom>
         </p:spPr>
-        <p:style>
-          <a:lnRef idx="2">
-            <a:schemeClr val="dk1"/>
-          </a:lnRef>
-          <a:fillRef idx="1">
-            <a:schemeClr val="lt1"/>
-          </a:fillRef>
-          <a:effectRef idx="0">
-            <a:schemeClr val="dk1"/>
-          </a:effectRef>
-          <a:fontRef idx="minor">
-            <a:schemeClr val="dk1"/>
-          </a:fontRef>
-        </p:style>
-        <p:txBody>
-          <a:bodyPr rtlCol="0" anchor="ctr"/>
-          <a:lstStyle/>
-          <a:p>
-            <a:pPr algn="just"/>
-            <a:r>
-              <a:rPr lang="pt-BR" sz="1600" dirty="0" smtClean="0"/>
-              <a:t>Concorrência:</a:t>
-            </a:r>
-          </a:p>
-          <a:p>
-            <a:pPr marL="285750" indent="-285750" algn="just">
-              <a:buFont typeface="Arial" panose="020B0604020202020204" pitchFamily="34" charset="0"/>
-              <a:buChar char="•"/>
-            </a:pPr>
-            <a:r>
-              <a:rPr lang="pt-BR" sz="1600" dirty="0" smtClean="0"/>
-              <a:t>async S</a:t>
-            </a:r>
-            <a:endParaRPr lang="pt-BR" sz="1600" dirty="0"/>
-          </a:p>
-        </p:txBody>
-      </p:sp>
-      <p:sp>
-        <p:nvSpPr>
-          <p:cNvPr id="5" name="Rectangle 4"/>
-          <p:cNvSpPr/>
+      </p:pic>
+      <p:pic>
+        <p:nvPicPr>
+          <p:cNvPr id="6" name="Picture 5"/>
+          <p:cNvPicPr>
+            <a:picLocks noChangeAspect="1"/>
+          </p:cNvPicPr>
           <p:nvPr/>
-        </p:nvSpPr>
+        </p:nvPicPr>
+        <p:blipFill>
+          <a:blip r:embed="rId3"/>
+          <a:stretch>
+            <a:fillRect/>
+          </a:stretch>
+        </p:blipFill>
         <p:spPr>
           <a:xfrm>
-            <a:off x="3275029" y="3105199"/>
-            <a:ext cx="3520008" cy="932739"/>
+            <a:off x="695400" y="3462188"/>
+            <a:ext cx="4543425" cy="733425"/>
           </a:xfrm>
           <a:prstGeom prst="rect">
             <a:avLst/>
           </a:prstGeom>
         </p:spPr>
-        <p:style>
-          <a:lnRef idx="2">
-            <a:schemeClr val="dk1"/>
-          </a:lnRef>
-          <a:fillRef idx="1">
-            <a:schemeClr val="lt1"/>
-          </a:fillRef>
-          <a:effectRef idx="0">
-            <a:schemeClr val="dk1"/>
-          </a:effectRef>
-          <a:fontRef idx="minor">
-            <a:schemeClr val="dk1"/>
-          </a:fontRef>
-        </p:style>
-        <p:txBody>
-          <a:bodyPr rtlCol="0" anchor="ctr"/>
-          <a:lstStyle/>
-          <a:p>
-            <a:pPr algn="just"/>
-            <a:r>
-              <a:rPr lang="pt-BR" sz="1600" dirty="0" smtClean="0"/>
-              <a:t>Atomicidade e sincronização:</a:t>
-            </a:r>
-          </a:p>
-          <a:p>
-            <a:pPr marL="285750" indent="-285750" algn="just">
-              <a:buFont typeface="Arial" panose="020B0604020202020204" pitchFamily="34" charset="0"/>
-              <a:buChar char="•"/>
-            </a:pPr>
-            <a:r>
-              <a:rPr lang="pt-BR" sz="1600" dirty="0" smtClean="0"/>
-              <a:t>atomic S</a:t>
-            </a:r>
-          </a:p>
-          <a:p>
-            <a:pPr marL="285750" indent="-285750" algn="just">
-              <a:buFont typeface="Arial" panose="020B0604020202020204" pitchFamily="34" charset="0"/>
-              <a:buChar char="•"/>
-            </a:pPr>
-            <a:r>
-              <a:rPr lang="pt-BR" sz="1600" dirty="0"/>
-              <a:t>w</a:t>
-            </a:r>
-            <a:r>
-              <a:rPr lang="pt-BR" sz="1600" dirty="0" smtClean="0"/>
-              <a:t>hen (c) S</a:t>
-            </a:r>
-            <a:endParaRPr lang="pt-BR" sz="1600" dirty="0"/>
-          </a:p>
-        </p:txBody>
-      </p:sp>
-      <p:sp>
-        <p:nvSpPr>
-          <p:cNvPr id="6" name="Rectangle 5"/>
-          <p:cNvSpPr/>
+      </p:pic>
+      <p:pic>
+        <p:nvPicPr>
+          <p:cNvPr id="7" name="Picture 6"/>
+          <p:cNvPicPr>
+            <a:picLocks noChangeAspect="1"/>
+          </p:cNvPicPr>
           <p:nvPr/>
-        </p:nvSpPr>
+        </p:nvPicPr>
+        <p:blipFill>
+          <a:blip r:embed="rId4"/>
+          <a:stretch>
+            <a:fillRect/>
+          </a:stretch>
+        </p:blipFill>
         <p:spPr>
           <a:xfrm>
-            <a:off x="2203128" y="2380912"/>
-            <a:ext cx="2160240" cy="616040"/>
+            <a:off x="695400" y="4250779"/>
+            <a:ext cx="3571875" cy="1914525"/>
           </a:xfrm>
           <a:prstGeom prst="rect">
             <a:avLst/>
           </a:prstGeom>
         </p:spPr>
-        <p:style>
-          <a:lnRef idx="2">
-            <a:schemeClr val="dk1"/>
-          </a:lnRef>
-          <a:fillRef idx="1">
-            <a:schemeClr val="lt1"/>
-          </a:fillRef>
-          <a:effectRef idx="0">
-            <a:schemeClr val="dk1"/>
-          </a:effectRef>
-          <a:fontRef idx="minor">
-            <a:schemeClr val="dk1"/>
-          </a:fontRef>
-        </p:style>
-        <p:txBody>
-          <a:bodyPr rtlCol="0" anchor="ctr"/>
-          <a:lstStyle/>
-          <a:p>
-            <a:pPr algn="just"/>
-            <a:r>
-              <a:rPr lang="pt-BR" sz="1600" dirty="0" smtClean="0"/>
-              <a:t>Ordenação:</a:t>
-            </a:r>
-          </a:p>
-          <a:p>
-            <a:pPr marL="285750" indent="-285750" algn="just">
-              <a:buFont typeface="Arial" panose="020B0604020202020204" pitchFamily="34" charset="0"/>
-              <a:buChar char="•"/>
-            </a:pPr>
-            <a:r>
-              <a:rPr lang="pt-BR" sz="1600" dirty="0" smtClean="0"/>
-              <a:t>finish S</a:t>
-            </a:r>
-            <a:endParaRPr lang="pt-BR" sz="1600" dirty="0"/>
-          </a:p>
-        </p:txBody>
-      </p:sp>
-      <p:sp>
-        <p:nvSpPr>
-          <p:cNvPr id="7" name="Rectangle 6"/>
-          <p:cNvSpPr/>
-          <p:nvPr/>
-        </p:nvSpPr>
-        <p:spPr>
-          <a:xfrm>
-            <a:off x="5735960" y="4149080"/>
-            <a:ext cx="2160240" cy="864096"/>
-          </a:xfrm>
-          <a:prstGeom prst="rect">
-            <a:avLst/>
-          </a:prstGeom>
-        </p:spPr>
-        <p:style>
-          <a:lnRef idx="2">
-            <a:schemeClr val="dk1"/>
-          </a:lnRef>
-          <a:fillRef idx="1">
-            <a:schemeClr val="lt1"/>
-          </a:fillRef>
-          <a:effectRef idx="0">
-            <a:schemeClr val="dk1"/>
-          </a:effectRef>
-          <a:fontRef idx="minor">
-            <a:schemeClr val="dk1"/>
-          </a:fontRef>
-        </p:style>
-        <p:txBody>
-          <a:bodyPr rtlCol="0" anchor="ctr"/>
-          <a:lstStyle/>
-          <a:p>
-            <a:pPr algn="just"/>
-            <a:r>
-              <a:rPr lang="pt-BR" sz="1600" dirty="0" smtClean="0"/>
-              <a:t>Distribuição:</a:t>
-            </a:r>
-          </a:p>
-          <a:p>
-            <a:pPr marL="285750" indent="-285750" algn="just">
-              <a:buFont typeface="Arial" panose="020B0604020202020204" pitchFamily="34" charset="0"/>
-              <a:buChar char="•"/>
-            </a:pPr>
-            <a:r>
-              <a:rPr lang="pt-BR" sz="1600" dirty="0"/>
-              <a:t>at (p) </a:t>
-            </a:r>
-            <a:r>
-              <a:rPr lang="pt-BR" sz="1600" dirty="0" smtClean="0"/>
-              <a:t>S</a:t>
-            </a:r>
-          </a:p>
-          <a:p>
-            <a:pPr marL="285750" indent="-285750" algn="just">
-              <a:buFont typeface="Arial" panose="020B0604020202020204" pitchFamily="34" charset="0"/>
-              <a:buChar char="•"/>
-            </a:pPr>
-            <a:r>
-              <a:rPr lang="pt-BR" sz="1600" dirty="0"/>
-              <a:t>GlobalRef[T]</a:t>
-            </a:r>
-            <a:endParaRPr lang="pt-BR" sz="1600" dirty="0"/>
-          </a:p>
-        </p:txBody>
-      </p:sp>
+      </p:pic>
     </p:spTree>
     <p:extLst>
       <p:ext uri="{BB962C8B-B14F-4D97-AF65-F5344CB8AC3E}">
-        <p14:creationId xmlns:p14="http://schemas.microsoft.com/office/powerpoint/2010/main" val="2337113772"/>
+        <p14:creationId xmlns:p14="http://schemas.microsoft.com/office/powerpoint/2010/main" val="72317841"/>
       </p:ext>
     </p:extLst>
   </p:cSld>
@@ -4057,6 +3938,576 @@
           </a:bodyPr>
           <a:lstStyle/>
           <a:p>
+            <a:pPr lvl="1"/>
+            <a:r>
+              <a:rPr lang="pt-BR" sz="2400" dirty="0" smtClean="0"/>
+              <a:t>Características principais da linguagem</a:t>
+            </a:r>
+          </a:p>
+        </p:txBody>
+      </p:sp>
+      <p:sp>
+        <p:nvSpPr>
+          <p:cNvPr id="3" name="Content Placeholder 2"/>
+          <p:cNvSpPr>
+            <a:spLocks noGrp="1"/>
+          </p:cNvSpPr>
+          <p:nvPr>
+            <p:ph idx="1"/>
+          </p:nvPr>
+        </p:nvSpPr>
+        <p:spPr/>
+        <p:txBody>
+          <a:bodyPr numCol="2">
+            <a:normAutofit/>
+          </a:bodyPr>
+          <a:lstStyle/>
+          <a:p>
+            <a:r>
+              <a:rPr lang="pt-BR" sz="1600" dirty="0" smtClean="0">
+                <a:cs typeface="Calibri" panose="020F0502020204030204" pitchFamily="34" charset="0"/>
+              </a:rPr>
+              <a:t>Métodos em </a:t>
+            </a:r>
+            <a:r>
+              <a:rPr lang="pt-BR" sz="1600" dirty="0" smtClean="0">
+                <a:cs typeface="Calibri" panose="020F0502020204030204" pitchFamily="34" charset="0"/>
+              </a:rPr>
+              <a:t>Java e C</a:t>
+            </a:r>
+          </a:p>
+          <a:p>
+            <a:endParaRPr lang="pt-BR" sz="1200" dirty="0" smtClean="0">
+              <a:cs typeface="Calibri" panose="020F0502020204030204" pitchFamily="34" charset="0"/>
+            </a:endParaRPr>
+          </a:p>
+          <a:p>
+            <a:endParaRPr lang="pt-BR" sz="1200" dirty="0">
+              <a:cs typeface="Calibri" panose="020F0502020204030204" pitchFamily="34" charset="0"/>
+            </a:endParaRPr>
+          </a:p>
+          <a:p>
+            <a:endParaRPr lang="pt-BR" sz="1200" dirty="0" smtClean="0">
+              <a:cs typeface="Calibri" panose="020F0502020204030204" pitchFamily="34" charset="0"/>
+            </a:endParaRPr>
+          </a:p>
+          <a:p>
+            <a:endParaRPr lang="pt-BR" sz="1200" dirty="0">
+              <a:cs typeface="Calibri" panose="020F0502020204030204" pitchFamily="34" charset="0"/>
+            </a:endParaRPr>
+          </a:p>
+          <a:p>
+            <a:endParaRPr lang="pt-BR" sz="1200" dirty="0" smtClean="0">
+              <a:cs typeface="Calibri" panose="020F0502020204030204" pitchFamily="34" charset="0"/>
+            </a:endParaRPr>
+          </a:p>
+          <a:p>
+            <a:endParaRPr lang="pt-BR" sz="1200" dirty="0">
+              <a:cs typeface="Calibri" panose="020F0502020204030204" pitchFamily="34" charset="0"/>
+            </a:endParaRPr>
+          </a:p>
+          <a:p>
+            <a:endParaRPr lang="pt-BR" sz="1200" dirty="0" smtClean="0">
+              <a:cs typeface="Calibri" panose="020F0502020204030204" pitchFamily="34" charset="0"/>
+            </a:endParaRPr>
+          </a:p>
+          <a:p>
+            <a:endParaRPr lang="pt-BR" sz="1200" dirty="0" smtClean="0">
+              <a:cs typeface="Calibri" panose="020F0502020204030204" pitchFamily="34" charset="0"/>
+            </a:endParaRPr>
+          </a:p>
+          <a:p>
+            <a:endParaRPr lang="pt-BR" sz="1600" dirty="0" smtClean="0">
+              <a:cs typeface="Calibri" panose="020F0502020204030204" pitchFamily="34" charset="0"/>
+            </a:endParaRPr>
+          </a:p>
+          <a:p>
+            <a:endParaRPr lang="pt-BR" sz="1600" dirty="0" smtClean="0">
+              <a:cs typeface="Calibri" panose="020F0502020204030204" pitchFamily="34" charset="0"/>
+            </a:endParaRPr>
+          </a:p>
+          <a:p>
+            <a:endParaRPr lang="pt-BR" sz="1600" dirty="0">
+              <a:cs typeface="Calibri" panose="020F0502020204030204" pitchFamily="34" charset="0"/>
+            </a:endParaRPr>
+          </a:p>
+          <a:p>
+            <a:endParaRPr lang="pt-BR" sz="1600" dirty="0" smtClean="0">
+              <a:cs typeface="Calibri" panose="020F0502020204030204" pitchFamily="34" charset="0"/>
+            </a:endParaRPr>
+          </a:p>
+          <a:p>
+            <a:endParaRPr lang="pt-BR" sz="1600" dirty="0">
+              <a:cs typeface="Calibri" panose="020F0502020204030204" pitchFamily="34" charset="0"/>
+            </a:endParaRPr>
+          </a:p>
+          <a:p>
+            <a:endParaRPr lang="pt-BR" sz="1600" dirty="0" smtClean="0">
+              <a:cs typeface="Calibri" panose="020F0502020204030204" pitchFamily="34" charset="0"/>
+            </a:endParaRPr>
+          </a:p>
+          <a:p>
+            <a:endParaRPr lang="pt-BR" sz="1600" dirty="0">
+              <a:cs typeface="Calibri" panose="020F0502020204030204" pitchFamily="34" charset="0"/>
+            </a:endParaRPr>
+          </a:p>
+          <a:p>
+            <a:endParaRPr lang="pt-BR" sz="1600" dirty="0" smtClean="0">
+              <a:cs typeface="Calibri" panose="020F0502020204030204" pitchFamily="34" charset="0"/>
+            </a:endParaRPr>
+          </a:p>
+          <a:p>
+            <a:endParaRPr lang="pt-BR" sz="1600" dirty="0">
+              <a:cs typeface="Calibri" panose="020F0502020204030204" pitchFamily="34" charset="0"/>
+            </a:endParaRPr>
+          </a:p>
+        </p:txBody>
+      </p:sp>
+      <p:pic>
+        <p:nvPicPr>
+          <p:cNvPr id="4" name="Picture 3"/>
+          <p:cNvPicPr>
+            <a:picLocks noChangeAspect="1"/>
+          </p:cNvPicPr>
+          <p:nvPr/>
+        </p:nvPicPr>
+        <p:blipFill>
+          <a:blip r:embed="rId2"/>
+          <a:stretch>
+            <a:fillRect/>
+          </a:stretch>
+        </p:blipFill>
+        <p:spPr>
+          <a:xfrm>
+            <a:off x="1055440" y="1916832"/>
+            <a:ext cx="5667375" cy="3200400"/>
+          </a:xfrm>
+          <a:prstGeom prst="rect">
+            <a:avLst/>
+          </a:prstGeom>
+        </p:spPr>
+      </p:pic>
+    </p:spTree>
+    <p:extLst>
+      <p:ext uri="{BB962C8B-B14F-4D97-AF65-F5344CB8AC3E}">
+        <p14:creationId xmlns:p14="http://schemas.microsoft.com/office/powerpoint/2010/main" val="1979400508"/>
+      </p:ext>
+    </p:extLst>
+  </p:cSld>
+  <p:clrMapOvr>
+    <a:masterClrMapping/>
+  </p:clrMapOvr>
+  <p:timing>
+    <p:tnLst>
+      <p:par>
+        <p:cTn id="1" dur="indefinite" restart="never" nodeType="tmRoot"/>
+      </p:par>
+    </p:tnLst>
+  </p:timing>
+</p:sld>
+</file>
+
+<file path=ppt/slides/slide12.xml><?xml version="1.0" encoding="utf-8"?>
+<p:sld xmlns:a="http://schemas.openxmlformats.org/drawingml/2006/main" xmlns:r="http://schemas.openxmlformats.org/officeDocument/2006/relationships" xmlns:p="http://schemas.openxmlformats.org/presentationml/2006/main">
+  <p:cSld>
+    <p:spTree>
+      <p:nvGrpSpPr>
+        <p:cNvPr id="1" name=""/>
+        <p:cNvGrpSpPr/>
+        <p:nvPr/>
+      </p:nvGrpSpPr>
+      <p:grpSpPr>
+        <a:xfrm>
+          <a:off x="0" y="0"/>
+          <a:ext cx="0" cy="0"/>
+          <a:chOff x="0" y="0"/>
+          <a:chExt cx="0" cy="0"/>
+        </a:xfrm>
+      </p:grpSpPr>
+      <p:sp>
+        <p:nvSpPr>
+          <p:cNvPr id="2" name="Title 1"/>
+          <p:cNvSpPr>
+            <a:spLocks noGrp="1"/>
+          </p:cNvSpPr>
+          <p:nvPr>
+            <p:ph type="title"/>
+          </p:nvPr>
+        </p:nvSpPr>
+        <p:spPr/>
+        <p:txBody>
+          <a:bodyPr>
+            <a:normAutofit/>
+          </a:bodyPr>
+          <a:lstStyle/>
+          <a:p>
+            <a:pPr algn="just"/>
+            <a:r>
+              <a:rPr lang="pt-BR" sz="2400" dirty="0"/>
+              <a:t>Características principais da linguagem</a:t>
+            </a:r>
+          </a:p>
+        </p:txBody>
+      </p:sp>
+      <p:sp>
+        <p:nvSpPr>
+          <p:cNvPr id="3" name="Content Placeholder 2"/>
+          <p:cNvSpPr>
+            <a:spLocks noGrp="1"/>
+          </p:cNvSpPr>
+          <p:nvPr>
+            <p:ph idx="1"/>
+          </p:nvPr>
+        </p:nvSpPr>
+        <p:spPr/>
+        <p:txBody>
+          <a:bodyPr>
+            <a:noAutofit/>
+          </a:bodyPr>
+          <a:lstStyle/>
+          <a:p>
+            <a:endParaRPr lang="pt-BR" sz="1800" b="1" i="1" dirty="0" smtClean="0"/>
+          </a:p>
+          <a:p>
+            <a:endParaRPr lang="pt-BR" sz="1800" b="1" dirty="0" smtClean="0"/>
+          </a:p>
+          <a:p>
+            <a:endParaRPr lang="pt-BR" sz="1800" b="1" dirty="0"/>
+          </a:p>
+          <a:p>
+            <a:endParaRPr lang="pt-BR" sz="1800" b="1" dirty="0" smtClean="0"/>
+          </a:p>
+          <a:p>
+            <a:endParaRPr lang="pt-BR" sz="1800" b="1" dirty="0"/>
+          </a:p>
+          <a:p>
+            <a:endParaRPr lang="pt-BR" sz="1800" b="1" dirty="0" smtClean="0"/>
+          </a:p>
+          <a:p>
+            <a:endParaRPr lang="pt-BR" sz="1800" b="1" dirty="0"/>
+          </a:p>
+          <a:p>
+            <a:endParaRPr lang="pt-BR" sz="1800" b="1" dirty="0" smtClean="0"/>
+          </a:p>
+          <a:p>
+            <a:endParaRPr lang="pt-BR" sz="1800" b="1" dirty="0" smtClean="0"/>
+          </a:p>
+          <a:p>
+            <a:endParaRPr lang="pt-BR" sz="1800" b="1" dirty="0"/>
+          </a:p>
+          <a:p>
+            <a:endParaRPr lang="pt-BR" sz="1600" b="1" dirty="0" smtClean="0"/>
+          </a:p>
+          <a:p>
+            <a:r>
+              <a:rPr lang="pt-BR" sz="1600" b="1" dirty="0" smtClean="0"/>
+              <a:t>clocked</a:t>
+            </a:r>
+            <a:r>
+              <a:rPr lang="pt-BR" sz="1600" b="1" dirty="0"/>
+              <a:t>, next</a:t>
+            </a:r>
+          </a:p>
+          <a:p>
+            <a:endParaRPr lang="pt-BR" sz="1600" b="1" dirty="0"/>
+          </a:p>
+          <a:p>
+            <a:r>
+              <a:rPr lang="pt-BR" sz="1600" b="1" dirty="0"/>
+              <a:t>points, regions, distributions, arrays</a:t>
+            </a:r>
+          </a:p>
+        </p:txBody>
+      </p:sp>
+      <p:sp>
+        <p:nvSpPr>
+          <p:cNvPr id="4" name="Rectangle 3"/>
+          <p:cNvSpPr/>
+          <p:nvPr/>
+        </p:nvSpPr>
+        <p:spPr>
+          <a:xfrm>
+            <a:off x="1127448" y="1635365"/>
+            <a:ext cx="2160240" cy="648071"/>
+          </a:xfrm>
+          <a:prstGeom prst="rect">
+            <a:avLst/>
+          </a:prstGeom>
+        </p:spPr>
+        <p:style>
+          <a:lnRef idx="2">
+            <a:schemeClr val="dk1"/>
+          </a:lnRef>
+          <a:fillRef idx="1">
+            <a:schemeClr val="lt1"/>
+          </a:fillRef>
+          <a:effectRef idx="0">
+            <a:schemeClr val="dk1"/>
+          </a:effectRef>
+          <a:fontRef idx="minor">
+            <a:schemeClr val="dk1"/>
+          </a:fontRef>
+        </p:style>
+        <p:txBody>
+          <a:bodyPr rtlCol="0" anchor="ctr"/>
+          <a:lstStyle/>
+          <a:p>
+            <a:pPr algn="just"/>
+            <a:r>
+              <a:rPr lang="pt-BR" sz="1600" dirty="0" smtClean="0"/>
+              <a:t>Concorrência:</a:t>
+            </a:r>
+          </a:p>
+          <a:p>
+            <a:pPr marL="285750" indent="-285750" algn="just">
+              <a:buFont typeface="Arial" panose="020B0604020202020204" pitchFamily="34" charset="0"/>
+              <a:buChar char="•"/>
+            </a:pPr>
+            <a:r>
+              <a:rPr lang="pt-BR" sz="1600" dirty="0" smtClean="0"/>
+              <a:t>async S</a:t>
+            </a:r>
+            <a:endParaRPr lang="pt-BR" sz="1600" dirty="0"/>
+          </a:p>
+        </p:txBody>
+      </p:sp>
+      <p:sp>
+        <p:nvSpPr>
+          <p:cNvPr id="5" name="Rectangle 4"/>
+          <p:cNvSpPr/>
+          <p:nvPr/>
+        </p:nvSpPr>
+        <p:spPr>
+          <a:xfrm>
+            <a:off x="3275029" y="3105199"/>
+            <a:ext cx="3520008" cy="932739"/>
+          </a:xfrm>
+          <a:prstGeom prst="rect">
+            <a:avLst/>
+          </a:prstGeom>
+        </p:spPr>
+        <p:style>
+          <a:lnRef idx="2">
+            <a:schemeClr val="dk1"/>
+          </a:lnRef>
+          <a:fillRef idx="1">
+            <a:schemeClr val="lt1"/>
+          </a:fillRef>
+          <a:effectRef idx="0">
+            <a:schemeClr val="dk1"/>
+          </a:effectRef>
+          <a:fontRef idx="minor">
+            <a:schemeClr val="dk1"/>
+          </a:fontRef>
+        </p:style>
+        <p:txBody>
+          <a:bodyPr rtlCol="0" anchor="ctr"/>
+          <a:lstStyle/>
+          <a:p>
+            <a:pPr algn="just"/>
+            <a:r>
+              <a:rPr lang="pt-BR" sz="1600" dirty="0" smtClean="0"/>
+              <a:t>Atomicidade e sincronização:</a:t>
+            </a:r>
+          </a:p>
+          <a:p>
+            <a:pPr marL="285750" indent="-285750" algn="just">
+              <a:buFont typeface="Arial" panose="020B0604020202020204" pitchFamily="34" charset="0"/>
+              <a:buChar char="•"/>
+            </a:pPr>
+            <a:r>
+              <a:rPr lang="pt-BR" sz="1600" dirty="0" smtClean="0"/>
+              <a:t>atomic S</a:t>
+            </a:r>
+          </a:p>
+          <a:p>
+            <a:pPr marL="285750" indent="-285750" algn="just">
+              <a:buFont typeface="Arial" panose="020B0604020202020204" pitchFamily="34" charset="0"/>
+              <a:buChar char="•"/>
+            </a:pPr>
+            <a:r>
+              <a:rPr lang="pt-BR" sz="1600" dirty="0"/>
+              <a:t>w</a:t>
+            </a:r>
+            <a:r>
+              <a:rPr lang="pt-BR" sz="1600" dirty="0" smtClean="0"/>
+              <a:t>hen (c) S</a:t>
+            </a:r>
+            <a:endParaRPr lang="pt-BR" sz="1600" dirty="0"/>
+          </a:p>
+        </p:txBody>
+      </p:sp>
+      <p:sp>
+        <p:nvSpPr>
+          <p:cNvPr id="6" name="Rectangle 5"/>
+          <p:cNvSpPr/>
+          <p:nvPr/>
+        </p:nvSpPr>
+        <p:spPr>
+          <a:xfrm>
+            <a:off x="2203128" y="2380912"/>
+            <a:ext cx="2160240" cy="616040"/>
+          </a:xfrm>
+          <a:prstGeom prst="rect">
+            <a:avLst/>
+          </a:prstGeom>
+        </p:spPr>
+        <p:style>
+          <a:lnRef idx="2">
+            <a:schemeClr val="dk1"/>
+          </a:lnRef>
+          <a:fillRef idx="1">
+            <a:schemeClr val="lt1"/>
+          </a:fillRef>
+          <a:effectRef idx="0">
+            <a:schemeClr val="dk1"/>
+          </a:effectRef>
+          <a:fontRef idx="minor">
+            <a:schemeClr val="dk1"/>
+          </a:fontRef>
+        </p:style>
+        <p:txBody>
+          <a:bodyPr rtlCol="0" anchor="ctr"/>
+          <a:lstStyle/>
+          <a:p>
+            <a:pPr algn="just"/>
+            <a:r>
+              <a:rPr lang="pt-BR" sz="1600" dirty="0" smtClean="0"/>
+              <a:t>Ordenação:</a:t>
+            </a:r>
+          </a:p>
+          <a:p>
+            <a:pPr marL="285750" indent="-285750" algn="just">
+              <a:buFont typeface="Arial" panose="020B0604020202020204" pitchFamily="34" charset="0"/>
+              <a:buChar char="•"/>
+            </a:pPr>
+            <a:r>
+              <a:rPr lang="pt-BR" sz="1600" dirty="0" smtClean="0"/>
+              <a:t>finish S</a:t>
+            </a:r>
+            <a:endParaRPr lang="pt-BR" sz="1600" dirty="0"/>
+          </a:p>
+        </p:txBody>
+      </p:sp>
+      <p:sp>
+        <p:nvSpPr>
+          <p:cNvPr id="7" name="Rectangle 6"/>
+          <p:cNvSpPr/>
+          <p:nvPr/>
+        </p:nvSpPr>
+        <p:spPr>
+          <a:xfrm>
+            <a:off x="5735960" y="4149080"/>
+            <a:ext cx="2160240" cy="864096"/>
+          </a:xfrm>
+          <a:prstGeom prst="rect">
+            <a:avLst/>
+          </a:prstGeom>
+        </p:spPr>
+        <p:style>
+          <a:lnRef idx="2">
+            <a:schemeClr val="dk1"/>
+          </a:lnRef>
+          <a:fillRef idx="1">
+            <a:schemeClr val="lt1"/>
+          </a:fillRef>
+          <a:effectRef idx="0">
+            <a:schemeClr val="dk1"/>
+          </a:effectRef>
+          <a:fontRef idx="minor">
+            <a:schemeClr val="dk1"/>
+          </a:fontRef>
+        </p:style>
+        <p:txBody>
+          <a:bodyPr rtlCol="0" anchor="ctr"/>
+          <a:lstStyle/>
+          <a:p>
+            <a:pPr algn="just"/>
+            <a:r>
+              <a:rPr lang="pt-BR" sz="1600" dirty="0" smtClean="0"/>
+              <a:t>Distribuição:</a:t>
+            </a:r>
+          </a:p>
+          <a:p>
+            <a:pPr marL="285750" indent="-285750" algn="just">
+              <a:buFont typeface="Arial" panose="020B0604020202020204" pitchFamily="34" charset="0"/>
+              <a:buChar char="•"/>
+            </a:pPr>
+            <a:r>
+              <a:rPr lang="pt-BR" sz="1600" dirty="0"/>
+              <a:t>at (p) </a:t>
+            </a:r>
+            <a:r>
+              <a:rPr lang="pt-BR" sz="1600" dirty="0" smtClean="0"/>
+              <a:t>S</a:t>
+            </a:r>
+          </a:p>
+          <a:p>
+            <a:pPr marL="285750" indent="-285750" algn="just">
+              <a:buFont typeface="Arial" panose="020B0604020202020204" pitchFamily="34" charset="0"/>
+              <a:buChar char="•"/>
+            </a:pPr>
+            <a:r>
+              <a:rPr lang="pt-BR" sz="1600" dirty="0"/>
+              <a:t>GlobalRef[T]</a:t>
+            </a:r>
+          </a:p>
+        </p:txBody>
+      </p:sp>
+    </p:spTree>
+    <p:extLst>
+      <p:ext uri="{BB962C8B-B14F-4D97-AF65-F5344CB8AC3E}">
+        <p14:creationId xmlns:p14="http://schemas.microsoft.com/office/powerpoint/2010/main" val="2337113772"/>
+      </p:ext>
+    </p:extLst>
+  </p:cSld>
+  <p:clrMapOvr>
+    <a:masterClrMapping/>
+  </p:clrMapOvr>
+  <p:timing>
+    <p:tnLst>
+      <p:par>
+        <p:cTn id="1" dur="indefinite" restart="never" nodeType="tmRoot"/>
+      </p:par>
+    </p:tnLst>
+  </p:timing>
+</p:sld>
+</file>
+
+<file path=ppt/slides/slide13.xml><?xml version="1.0" encoding="utf-8"?>
+<p:sld xmlns:a="http://schemas.openxmlformats.org/drawingml/2006/main" xmlns:r="http://schemas.openxmlformats.org/officeDocument/2006/relationships" xmlns:p="http://schemas.openxmlformats.org/presentationml/2006/main">
+  <p:cSld>
+    <p:spTree>
+      <p:nvGrpSpPr>
+        <p:cNvPr id="1" name=""/>
+        <p:cNvGrpSpPr/>
+        <p:nvPr/>
+      </p:nvGrpSpPr>
+      <p:grpSpPr>
+        <a:xfrm>
+          <a:off x="0" y="0"/>
+          <a:ext cx="0" cy="0"/>
+          <a:chOff x="0" y="0"/>
+          <a:chExt cx="0" cy="0"/>
+        </a:xfrm>
+      </p:grpSpPr>
+      <p:sp>
+        <p:nvSpPr>
+          <p:cNvPr id="2" name="Title 1"/>
+          <p:cNvSpPr>
+            <a:spLocks noGrp="1"/>
+          </p:cNvSpPr>
+          <p:nvPr>
+            <p:ph type="title"/>
+          </p:nvPr>
+        </p:nvSpPr>
+        <p:spPr/>
+        <p:txBody>
+          <a:bodyPr>
+            <a:normAutofit/>
+          </a:bodyPr>
+          <a:lstStyle/>
+          <a:p>
             <a:pPr algn="l"/>
             <a:r>
               <a:rPr lang="pt-BR" sz="2400" dirty="0"/>
@@ -4093,19 +4544,19 @@
           <a:lstStyle/>
           <a:p>
             <a:r>
-              <a:rPr lang="en-US" altLang="pt-BR" sz="1800" b="1" dirty="0" err="1">
+              <a:rPr lang="en-US" altLang="pt-BR" sz="1600" b="1" dirty="0" err="1">
                 <a:cs typeface="Arial" pitchFamily="34" charset="0"/>
               </a:rPr>
               <a:t>Stmt</a:t>
             </a:r>
             <a:r>
-              <a:rPr lang="en-US" altLang="pt-BR" sz="1800" b="1" dirty="0">
+              <a:rPr lang="en-US" altLang="pt-BR" sz="1600" b="1" dirty="0">
                 <a:cs typeface="Arial" pitchFamily="34" charset="0"/>
               </a:rPr>
               <a:t> ::=  </a:t>
             </a:r>
             <a:r>
-              <a:rPr lang="en-US" altLang="pt-BR" sz="1800" b="1" dirty="0" err="1">
+              <a:rPr lang="en-US" altLang="pt-BR" sz="1600" b="1" dirty="0" err="1">
                 <a:solidFill>
                   <a:srgbClr val="C00000"/>
                 </a:solidFill>
@@ -4114,7 +4565,7 @@
               <a:t>async</a:t>
             </a:r>
             <a:r>
-              <a:rPr lang="en-US" altLang="pt-BR" sz="1800" b="1" dirty="0">
+              <a:rPr lang="en-US" altLang="pt-BR" sz="1600" b="1" dirty="0">
                 <a:solidFill>
                   <a:srgbClr val="C00000"/>
                 </a:solidFill>
@@ -4123,213 +4574,213 @@
               <a:t> </a:t>
             </a:r>
             <a:r>
-              <a:rPr lang="en-US" altLang="pt-BR" sz="1800" b="1" dirty="0">
+              <a:rPr lang="en-US" altLang="pt-BR" sz="1600" b="1" dirty="0">
                 <a:cs typeface="Arial" pitchFamily="34" charset="0"/>
               </a:rPr>
               <a:t>(</a:t>
             </a:r>
             <a:r>
-              <a:rPr lang="en-US" altLang="pt-BR" sz="1800" b="1" dirty="0" err="1">
+              <a:rPr lang="en-US" altLang="pt-BR" sz="1600" b="1" dirty="0" err="1">
                 <a:cs typeface="Arial" pitchFamily="34" charset="0"/>
               </a:rPr>
               <a:t>p,l</a:t>
             </a:r>
             <a:r>
-              <a:rPr lang="en-US" altLang="pt-BR" sz="1800" b="1" dirty="0">
+              <a:rPr lang="en-US" altLang="pt-BR" sz="1600" b="1" dirty="0">
                 <a:cs typeface="Arial" pitchFamily="34" charset="0"/>
               </a:rPr>
               <a:t>)  </a:t>
             </a:r>
             <a:r>
-              <a:rPr lang="en-US" altLang="pt-BR" sz="1800" b="1" dirty="0" err="1">
+              <a:rPr lang="en-US" altLang="pt-BR" sz="1600" b="1" dirty="0" err="1">
                 <a:cs typeface="Arial" pitchFamily="34" charset="0"/>
               </a:rPr>
               <a:t>Stmt</a:t>
             </a:r>
-            <a:endParaRPr lang="en-US" altLang="pt-BR" sz="1800" b="1" dirty="0">
+            <a:endParaRPr lang="en-US" altLang="pt-BR" sz="1600" b="1" dirty="0">
               <a:cs typeface="Arial" pitchFamily="34" charset="0"/>
             </a:endParaRPr>
           </a:p>
           <a:p>
-            <a:endParaRPr lang="en-US" altLang="pt-BR" sz="1800" dirty="0">
+            <a:endParaRPr lang="en-US" altLang="pt-BR" sz="1600" dirty="0">
               <a:cs typeface="Arial" pitchFamily="34" charset="0"/>
             </a:endParaRPr>
           </a:p>
           <a:p>
             <a:r>
-              <a:rPr lang="en-US" altLang="pt-BR" sz="1800" dirty="0" err="1">
+              <a:rPr lang="en-US" altLang="pt-BR" sz="1600" dirty="0" err="1">
                 <a:cs typeface="Arial" pitchFamily="34" charset="0"/>
               </a:rPr>
               <a:t>async</a:t>
             </a:r>
             <a:r>
-              <a:rPr lang="en-US" altLang="pt-BR" sz="1800" dirty="0">
+              <a:rPr lang="en-US" altLang="pt-BR" sz="1600" dirty="0">
                 <a:cs typeface="Arial" pitchFamily="34" charset="0"/>
               </a:rPr>
               <a:t> { … }</a:t>
             </a:r>
           </a:p>
           <a:p>
-            <a:endParaRPr lang="en-US" altLang="pt-BR" sz="1800" dirty="0">
+            <a:endParaRPr lang="en-US" altLang="pt-BR" sz="1600" dirty="0">
               <a:cs typeface="Arial" pitchFamily="34" charset="0"/>
             </a:endParaRPr>
           </a:p>
           <a:p>
             <a:r>
-              <a:rPr lang="en-US" altLang="pt-BR" sz="1800" dirty="0" err="1">
+              <a:rPr lang="en-US" altLang="pt-BR" sz="1600" dirty="0" err="1">
                 <a:cs typeface="Arial" pitchFamily="34" charset="0"/>
               </a:rPr>
               <a:t>Cria</a:t>
             </a:r>
             <a:r>
-              <a:rPr lang="en-US" altLang="pt-BR" sz="1800" dirty="0">
+              <a:rPr lang="en-US" altLang="pt-BR" sz="1600" dirty="0">
                 <a:cs typeface="Arial" pitchFamily="34" charset="0"/>
               </a:rPr>
               <a:t> </a:t>
             </a:r>
             <a:r>
-              <a:rPr lang="en-US" altLang="pt-BR" sz="1800" dirty="0" err="1">
+              <a:rPr lang="en-US" altLang="pt-BR" sz="1600" dirty="0" err="1">
                 <a:cs typeface="Arial" pitchFamily="34" charset="0"/>
               </a:rPr>
               <a:t>uma</a:t>
             </a:r>
             <a:r>
-              <a:rPr lang="en-US" altLang="pt-BR" sz="1800" dirty="0">
+              <a:rPr lang="en-US" altLang="pt-BR" sz="1600" dirty="0">
                 <a:cs typeface="Arial" pitchFamily="34" charset="0"/>
               </a:rPr>
               <a:t> nova </a:t>
             </a:r>
             <a:r>
-              <a:rPr lang="en-US" altLang="pt-BR" sz="1800" dirty="0" err="1">
+              <a:rPr lang="en-US" altLang="pt-BR" sz="1600" dirty="0" err="1">
                 <a:cs typeface="Arial" pitchFamily="34" charset="0"/>
               </a:rPr>
               <a:t>atividade</a:t>
             </a:r>
             <a:r>
-              <a:rPr lang="en-US" altLang="pt-BR" sz="1800" dirty="0">
+              <a:rPr lang="en-US" altLang="pt-BR" sz="1600" dirty="0">
                 <a:cs typeface="Arial" pitchFamily="34" charset="0"/>
               </a:rPr>
               <a:t> para </a:t>
             </a:r>
             <a:r>
-              <a:rPr lang="en-US" altLang="pt-BR" sz="1800" dirty="0" err="1">
+              <a:rPr lang="en-US" altLang="pt-BR" sz="1600" dirty="0" err="1">
                 <a:cs typeface="Arial" pitchFamily="34" charset="0"/>
               </a:rPr>
               <a:t>avaliar</a:t>
             </a:r>
             <a:r>
-              <a:rPr lang="en-US" altLang="pt-BR" sz="1800" dirty="0">
+              <a:rPr lang="en-US" altLang="pt-BR" sz="1600" dirty="0">
                 <a:cs typeface="Arial" pitchFamily="34" charset="0"/>
               </a:rPr>
               <a:t> </a:t>
             </a:r>
             <a:r>
-              <a:rPr lang="en-US" altLang="pt-BR" sz="1800" dirty="0" err="1">
+              <a:rPr lang="en-US" altLang="pt-BR" sz="1600" dirty="0" err="1">
                 <a:cs typeface="Arial" pitchFamily="34" charset="0"/>
               </a:rPr>
               <a:t>comandos</a:t>
             </a:r>
             <a:r>
-              <a:rPr lang="en-US" altLang="pt-BR" sz="1800" dirty="0">
+              <a:rPr lang="en-US" altLang="pt-BR" sz="1600" dirty="0">
                 <a:cs typeface="Arial" pitchFamily="34" charset="0"/>
               </a:rPr>
               <a:t> de </a:t>
             </a:r>
             <a:r>
-              <a:rPr lang="en-US" altLang="pt-BR" sz="1800" dirty="0" err="1">
+              <a:rPr lang="en-US" altLang="pt-BR" sz="1600" dirty="0" err="1">
                 <a:cs typeface="Arial" pitchFamily="34" charset="0"/>
               </a:rPr>
               <a:t>maneira</a:t>
             </a:r>
             <a:r>
-              <a:rPr lang="en-US" altLang="pt-BR" sz="1800" dirty="0">
+              <a:rPr lang="en-US" altLang="pt-BR" sz="1600" dirty="0">
                 <a:cs typeface="Arial" pitchFamily="34" charset="0"/>
               </a:rPr>
               <a:t> </a:t>
             </a:r>
             <a:r>
-              <a:rPr lang="en-US" altLang="pt-BR" sz="1800" dirty="0" err="1" smtClean="0">
+              <a:rPr lang="en-US" altLang="pt-BR" sz="1600" dirty="0" err="1" smtClean="0">
                 <a:cs typeface="Arial" pitchFamily="34" charset="0"/>
               </a:rPr>
               <a:t>assíncrona</a:t>
             </a:r>
-            <a:endParaRPr lang="en-US" altLang="pt-BR" sz="1800" dirty="0" smtClean="0">
+            <a:endParaRPr lang="en-US" altLang="pt-BR" sz="1600" dirty="0" smtClean="0">
               <a:cs typeface="Arial" pitchFamily="34" charset="0"/>
             </a:endParaRPr>
           </a:p>
           <a:p>
-            <a:endParaRPr lang="en-US" altLang="pt-BR" sz="1800" dirty="0">
+            <a:endParaRPr lang="en-US" altLang="pt-BR" sz="1600" dirty="0">
               <a:cs typeface="Arial" pitchFamily="34" charset="0"/>
             </a:endParaRPr>
           </a:p>
           <a:p>
             <a:r>
-              <a:rPr lang="en-US" altLang="pt-BR" sz="1800" dirty="0" err="1" smtClean="0">
+              <a:rPr lang="en-US" altLang="pt-BR" sz="1600" dirty="0" err="1" smtClean="0">
                 <a:cs typeface="Arial" pitchFamily="34" charset="0"/>
               </a:rPr>
               <a:t>Variáveis</a:t>
             </a:r>
             <a:r>
-              <a:rPr lang="en-US" altLang="pt-BR" sz="1800" dirty="0" smtClean="0">
+              <a:rPr lang="en-US" altLang="pt-BR" sz="1600" dirty="0" smtClean="0">
                 <a:cs typeface="Arial" pitchFamily="34" charset="0"/>
               </a:rPr>
               <a:t> fora do </a:t>
             </a:r>
             <a:r>
-              <a:rPr lang="en-US" altLang="pt-BR" sz="1800" dirty="0" err="1" smtClean="0">
+              <a:rPr lang="en-US" altLang="pt-BR" sz="1600" dirty="0" err="1" smtClean="0">
                 <a:cs typeface="Arial" pitchFamily="34" charset="0"/>
               </a:rPr>
               <a:t>bloco</a:t>
             </a:r>
             <a:r>
-              <a:rPr lang="en-US" altLang="pt-BR" sz="1800" dirty="0" smtClean="0">
+              <a:rPr lang="en-US" altLang="pt-BR" sz="1600" dirty="0" smtClean="0">
                 <a:cs typeface="Arial" pitchFamily="34" charset="0"/>
               </a:rPr>
               <a:t> </a:t>
             </a:r>
             <a:r>
-              <a:rPr lang="en-US" altLang="pt-BR" sz="1800" dirty="0" err="1" smtClean="0">
+              <a:rPr lang="en-US" altLang="pt-BR" sz="1600" dirty="0" err="1" smtClean="0">
                 <a:cs typeface="Arial" pitchFamily="34" charset="0"/>
               </a:rPr>
               <a:t>async</a:t>
             </a:r>
             <a:r>
-              <a:rPr lang="en-US" altLang="pt-BR" sz="1800" dirty="0" smtClean="0">
+              <a:rPr lang="en-US" altLang="pt-BR" sz="1600" dirty="0" smtClean="0">
                 <a:cs typeface="Arial" pitchFamily="34" charset="0"/>
               </a:rPr>
               <a:t> </a:t>
             </a:r>
             <a:r>
-              <a:rPr lang="en-US" altLang="pt-BR" sz="1800" dirty="0" err="1" smtClean="0">
+              <a:rPr lang="en-US" altLang="pt-BR" sz="1600" dirty="0" err="1" smtClean="0">
                 <a:cs typeface="Arial" pitchFamily="34" charset="0"/>
               </a:rPr>
               <a:t>podem</a:t>
             </a:r>
             <a:r>
-              <a:rPr lang="en-US" altLang="pt-BR" sz="1800" dirty="0" smtClean="0">
+              <a:rPr lang="en-US" altLang="pt-BR" sz="1600" dirty="0" smtClean="0">
                 <a:cs typeface="Arial" pitchFamily="34" charset="0"/>
               </a:rPr>
               <a:t> </a:t>
             </a:r>
             <a:r>
-              <a:rPr lang="en-US" altLang="pt-BR" sz="1800" dirty="0" err="1" smtClean="0">
+              <a:rPr lang="en-US" altLang="pt-BR" sz="1600" dirty="0" err="1" smtClean="0">
                 <a:cs typeface="Arial" pitchFamily="34" charset="0"/>
               </a:rPr>
               <a:t>ser</a:t>
             </a:r>
             <a:r>
-              <a:rPr lang="en-US" altLang="pt-BR" sz="1800" dirty="0" smtClean="0">
+              <a:rPr lang="en-US" altLang="pt-BR" sz="1600" dirty="0" smtClean="0">
                 <a:cs typeface="Arial" pitchFamily="34" charset="0"/>
               </a:rPr>
               <a:t> </a:t>
             </a:r>
             <a:r>
-              <a:rPr lang="en-US" altLang="pt-BR" sz="1800" dirty="0" err="1" smtClean="0">
+              <a:rPr lang="en-US" altLang="pt-BR" sz="1600" dirty="0" err="1" smtClean="0">
                 <a:cs typeface="Arial" pitchFamily="34" charset="0"/>
               </a:rPr>
               <a:t>referenciadas</a:t>
             </a:r>
-            <a:endParaRPr lang="en-US" altLang="pt-BR" sz="1800" dirty="0">
+            <a:endParaRPr lang="en-US" altLang="pt-BR" sz="1600" dirty="0">
               <a:cs typeface="Arial" pitchFamily="34" charset="0"/>
             </a:endParaRPr>
           </a:p>
@@ -4382,7 +4833,7 @@
 </p:sld>
 </file>
 
-<file path=ppt/slides/slide12.xml><?xml version="1.0" encoding="utf-8"?>
+<file path=ppt/slides/slide14.xml><?xml version="1.0" encoding="utf-8"?>
 <p:sld xmlns:a="http://schemas.openxmlformats.org/drawingml/2006/main" xmlns:r="http://schemas.openxmlformats.org/officeDocument/2006/relationships" xmlns:p="http://schemas.openxmlformats.org/presentationml/2006/main">
   <p:cSld>
     <p:spTree>
@@ -4523,7 +4974,7 @@
 </p:sld>
 </file>
 
-<file path=ppt/slides/slide13.xml><?xml version="1.0" encoding="utf-8"?>
+<file path=ppt/slides/slide15.xml><?xml version="1.0" encoding="utf-8"?>
 <p:sld xmlns:a="http://schemas.openxmlformats.org/drawingml/2006/main" xmlns:r="http://schemas.openxmlformats.org/officeDocument/2006/relationships" xmlns:p="http://schemas.openxmlformats.org/presentationml/2006/main">
   <p:cSld>
     <p:spTree>
@@ -4593,19 +5044,19 @@
           <a:lstStyle/>
           <a:p>
             <a:r>
-              <a:rPr lang="en-US" altLang="pt-BR" sz="2000" b="1" i="1" dirty="0" err="1">
+              <a:rPr lang="en-US" altLang="pt-BR" sz="1800" b="1" i="1" dirty="0" err="1">
                 <a:cs typeface="Arial" pitchFamily="34" charset="0"/>
               </a:rPr>
               <a:t>Stmt</a:t>
             </a:r>
             <a:r>
-              <a:rPr lang="en-US" altLang="pt-BR" sz="2000" b="1" i="1" dirty="0">
+              <a:rPr lang="en-US" altLang="pt-BR" sz="1800" b="1" i="1" dirty="0">
                 <a:cs typeface="Arial" pitchFamily="34" charset="0"/>
               </a:rPr>
               <a:t> ::=  </a:t>
             </a:r>
             <a:r>
-              <a:rPr lang="en-US" altLang="pt-BR" sz="2000" b="1" dirty="0">
+              <a:rPr lang="en-US" altLang="pt-BR" sz="1800" b="1" dirty="0">
                 <a:solidFill>
                   <a:srgbClr val="C00000"/>
                 </a:solidFill>
@@ -4614,13 +5065,13 @@
               <a:t>finish</a:t>
             </a:r>
             <a:r>
-              <a:rPr lang="en-US" altLang="pt-BR" sz="2000" b="1" dirty="0">
+              <a:rPr lang="en-US" altLang="pt-BR" sz="1800" b="1" dirty="0">
                 <a:cs typeface="Arial" pitchFamily="34" charset="0"/>
               </a:rPr>
               <a:t> </a:t>
             </a:r>
             <a:r>
-              <a:rPr lang="en-US" altLang="pt-BR" sz="2000" b="1" i="1" dirty="0">
+              <a:rPr lang="en-US" altLang="pt-BR" sz="1800" b="1" i="1" dirty="0">
                 <a:solidFill>
                   <a:srgbClr val="C00000"/>
                 </a:solidFill>
@@ -4629,17 +5080,17 @@
               <a:t> </a:t>
             </a:r>
             <a:r>
-              <a:rPr lang="en-US" altLang="pt-BR" sz="2000" b="1" i="1" dirty="0" err="1">
+              <a:rPr lang="en-US" altLang="pt-BR" sz="1800" b="1" i="1" dirty="0" err="1">
                 <a:cs typeface="Arial" pitchFamily="34" charset="0"/>
               </a:rPr>
               <a:t>Stmt</a:t>
             </a:r>
-            <a:endParaRPr lang="en-US" altLang="pt-BR" sz="2000" b="1" i="1" dirty="0">
+            <a:endParaRPr lang="en-US" altLang="pt-BR" sz="1800" b="1" i="1" dirty="0">
               <a:cs typeface="Arial" pitchFamily="34" charset="0"/>
             </a:endParaRPr>
           </a:p>
           <a:p>
-            <a:endParaRPr lang="en-US" altLang="pt-BR" sz="1800" dirty="0">
+            <a:endParaRPr lang="en-US" altLang="pt-BR" sz="1600" dirty="0">
               <a:solidFill>
                 <a:srgbClr val="000000"/>
               </a:solidFill>
@@ -4648,7 +5099,7 @@
           </a:p>
           <a:p>
             <a:r>
-              <a:rPr lang="en-US" altLang="pt-BR" sz="1800" dirty="0">
+              <a:rPr lang="en-US" altLang="pt-BR" sz="1600" dirty="0">
                 <a:solidFill>
                   <a:srgbClr val="000000"/>
                 </a:solidFill>
@@ -4658,7 +5109,7 @@
             </a:r>
           </a:p>
           <a:p>
-            <a:endParaRPr lang="en-US" altLang="pt-BR" sz="1800" dirty="0">
+            <a:endParaRPr lang="en-US" altLang="pt-BR" sz="1600" dirty="0">
               <a:solidFill>
                 <a:srgbClr val="000000"/>
               </a:solidFill>
@@ -4667,7 +5118,7 @@
           </a:p>
           <a:p>
             <a:r>
-              <a:rPr lang="en-US" altLang="pt-BR" sz="1800" dirty="0" err="1">
+              <a:rPr lang="en-US" altLang="pt-BR" sz="1600" dirty="0" err="1">
                 <a:solidFill>
                   <a:srgbClr val="000000"/>
                 </a:solidFill>
@@ -4676,7 +5127,7 @@
               <a:t>Avalia</a:t>
             </a:r>
             <a:r>
-              <a:rPr lang="en-US" altLang="pt-BR" sz="1800" dirty="0">
+              <a:rPr lang="en-US" altLang="pt-BR" sz="1600" dirty="0">
                 <a:solidFill>
                   <a:srgbClr val="000000"/>
                 </a:solidFill>
@@ -4685,7 +5136,7 @@
               <a:t> </a:t>
             </a:r>
             <a:r>
-              <a:rPr lang="en-US" altLang="pt-BR" sz="1800" dirty="0" err="1">
+              <a:rPr lang="en-US" altLang="pt-BR" sz="1600" dirty="0" err="1">
                 <a:solidFill>
                   <a:srgbClr val="000000"/>
                 </a:solidFill>
@@ -4694,7 +5145,7 @@
               <a:t>uma</a:t>
             </a:r>
             <a:r>
-              <a:rPr lang="en-US" altLang="pt-BR" sz="1800" dirty="0">
+              <a:rPr lang="en-US" altLang="pt-BR" sz="1600" dirty="0">
                 <a:solidFill>
                   <a:srgbClr val="000000"/>
                 </a:solidFill>
@@ -4703,7 +5154,7 @@
               <a:t> </a:t>
             </a:r>
             <a:r>
-              <a:rPr lang="en-US" altLang="pt-BR" sz="1800" dirty="0" err="1">
+              <a:rPr lang="en-US" altLang="pt-BR" sz="1600" dirty="0" err="1">
                 <a:solidFill>
                   <a:srgbClr val="000000"/>
                 </a:solidFill>
@@ -4712,7 +5163,7 @@
               <a:t>expressão</a:t>
             </a:r>
             <a:r>
-              <a:rPr lang="en-US" altLang="pt-BR" sz="1800" dirty="0">
+              <a:rPr lang="en-US" altLang="pt-BR" sz="1600" dirty="0">
                 <a:solidFill>
                   <a:srgbClr val="000000"/>
                 </a:solidFill>
@@ -4721,7 +5172,7 @@
               <a:t>, </a:t>
             </a:r>
             <a:r>
-              <a:rPr lang="en-US" altLang="pt-BR" sz="1800" dirty="0" err="1">
+              <a:rPr lang="en-US" altLang="pt-BR" sz="1600" dirty="0" err="1">
                 <a:solidFill>
                   <a:srgbClr val="000000"/>
                 </a:solidFill>
@@ -4730,7 +5181,7 @@
               <a:t>esperando</a:t>
             </a:r>
             <a:r>
-              <a:rPr lang="en-US" altLang="pt-BR" sz="1800" dirty="0">
+              <a:rPr lang="en-US" altLang="pt-BR" sz="1600" dirty="0">
                 <a:solidFill>
                   <a:srgbClr val="000000"/>
                 </a:solidFill>
@@ -4739,7 +5190,7 @@
               <a:t> </a:t>
             </a:r>
             <a:r>
-              <a:rPr lang="en-US" altLang="pt-BR" sz="1800" dirty="0" err="1">
+              <a:rPr lang="en-US" altLang="pt-BR" sz="1600" dirty="0" err="1">
                 <a:solidFill>
                   <a:srgbClr val="000000"/>
                 </a:solidFill>
@@ -4748,7 +5199,7 @@
               <a:t>todas</a:t>
             </a:r>
             <a:r>
-              <a:rPr lang="en-US" altLang="pt-BR" sz="1800" dirty="0">
+              <a:rPr lang="en-US" altLang="pt-BR" sz="1600" dirty="0">
                 <a:solidFill>
                   <a:srgbClr val="000000"/>
                 </a:solidFill>
@@ -4757,7 +5208,7 @@
               <a:t> as </a:t>
             </a:r>
             <a:r>
-              <a:rPr lang="en-US" altLang="pt-BR" sz="1800" dirty="0" err="1">
+              <a:rPr lang="en-US" altLang="pt-BR" sz="1600" dirty="0" err="1">
                 <a:solidFill>
                   <a:srgbClr val="000000"/>
                 </a:solidFill>
@@ -4766,7 +5217,7 @@
               <a:t>atividades</a:t>
             </a:r>
             <a:r>
-              <a:rPr lang="en-US" altLang="pt-BR" sz="1800" dirty="0">
+              <a:rPr lang="en-US" altLang="pt-BR" sz="1600" dirty="0">
                 <a:solidFill>
                   <a:srgbClr val="000000"/>
                 </a:solidFill>
@@ -4775,7 +5226,7 @@
               <a:t> </a:t>
             </a:r>
             <a:r>
-              <a:rPr lang="en-US" altLang="pt-BR" sz="1800" dirty="0" err="1">
+              <a:rPr lang="en-US" altLang="pt-BR" sz="1600" dirty="0" err="1">
                 <a:solidFill>
                   <a:srgbClr val="000000"/>
                 </a:solidFill>
@@ -4784,7 +5235,7 @@
               <a:t>criadas</a:t>
             </a:r>
             <a:r>
-              <a:rPr lang="en-US" altLang="pt-BR" sz="1800" dirty="0">
+              <a:rPr lang="en-US" altLang="pt-BR" sz="1600" dirty="0">
                 <a:solidFill>
                   <a:srgbClr val="000000"/>
                 </a:solidFill>
@@ -4793,7 +5244,7 @@
               <a:t> </a:t>
             </a:r>
             <a:r>
-              <a:rPr lang="en-US" altLang="pt-BR" sz="1800" dirty="0" err="1">
+              <a:rPr lang="en-US" altLang="pt-BR" sz="1600" dirty="0" err="1">
                 <a:solidFill>
                   <a:srgbClr val="000000"/>
                 </a:solidFill>
@@ -4802,7 +5253,7 @@
               <a:t>por</a:t>
             </a:r>
             <a:r>
-              <a:rPr lang="en-US" altLang="pt-BR" sz="1800" dirty="0">
+              <a:rPr lang="en-US" altLang="pt-BR" sz="1600" dirty="0">
                 <a:solidFill>
                   <a:srgbClr val="000000"/>
                 </a:solidFill>
@@ -4811,7 +5262,7 @@
               <a:t> </a:t>
             </a:r>
             <a:r>
-              <a:rPr lang="en-US" altLang="pt-BR" sz="1800" dirty="0" err="1">
+              <a:rPr lang="en-US" altLang="pt-BR" sz="1600" dirty="0" err="1">
                 <a:solidFill>
                   <a:srgbClr val="000000"/>
                 </a:solidFill>
@@ -4820,7 +5271,7 @@
               <a:t>chamadas</a:t>
             </a:r>
             <a:r>
-              <a:rPr lang="en-US" altLang="pt-BR" sz="1800" dirty="0">
+              <a:rPr lang="en-US" altLang="pt-BR" sz="1600" dirty="0">
                 <a:solidFill>
                   <a:srgbClr val="000000"/>
                 </a:solidFill>
@@ -4829,7 +5280,7 @@
               <a:t> </a:t>
             </a:r>
             <a:r>
-              <a:rPr lang="en-US" altLang="pt-BR" sz="1800" dirty="0" err="1">
+              <a:rPr lang="en-US" altLang="pt-BR" sz="1600" dirty="0" err="1">
                 <a:solidFill>
                   <a:srgbClr val="000000"/>
                 </a:solidFill>
@@ -4838,7 +5289,7 @@
               <a:t>async</a:t>
             </a:r>
             <a:r>
-              <a:rPr lang="en-US" altLang="pt-BR" sz="1800" dirty="0">
+              <a:rPr lang="en-US" altLang="pt-BR" sz="1600" dirty="0">
                 <a:solidFill>
                   <a:srgbClr val="000000"/>
                 </a:solidFill>
@@ -4847,7 +5298,7 @@
               <a:t> </a:t>
             </a:r>
             <a:r>
-              <a:rPr lang="en-US" altLang="pt-BR" sz="1800" dirty="0" err="1" smtClean="0">
+              <a:rPr lang="en-US" altLang="pt-BR" sz="1600" dirty="0" err="1" smtClean="0">
                 <a:solidFill>
                   <a:srgbClr val="000000"/>
                 </a:solidFill>
@@ -4855,7 +5306,7 @@
               </a:rPr>
               <a:t>terminarem</a:t>
             </a:r>
-            <a:endParaRPr lang="en-US" altLang="pt-BR" sz="1800" dirty="0">
+            <a:endParaRPr lang="en-US" altLang="pt-BR" sz="1600" dirty="0">
               <a:solidFill>
                 <a:srgbClr val="000000"/>
               </a:solidFill>
@@ -4863,7 +5314,7 @@
             </a:endParaRPr>
           </a:p>
           <a:p>
-            <a:endParaRPr lang="en-US" altLang="pt-BR" sz="1800" dirty="0">
+            <a:endParaRPr lang="en-US" altLang="pt-BR" sz="1600" dirty="0">
               <a:solidFill>
                 <a:srgbClr val="000000"/>
               </a:solidFill>
@@ -4872,7 +5323,7 @@
           </a:p>
           <a:p>
             <a:r>
-              <a:rPr lang="en-US" altLang="pt-BR" sz="1800" dirty="0" err="1">
+              <a:rPr lang="en-US" altLang="pt-BR" sz="1600" dirty="0" err="1">
                 <a:solidFill>
                   <a:srgbClr val="000000"/>
                 </a:solidFill>
@@ -4881,7 +5332,7 @@
               <a:t>Pode</a:t>
             </a:r>
             <a:r>
-              <a:rPr lang="en-US" altLang="pt-BR" sz="1800" dirty="0">
+              <a:rPr lang="en-US" altLang="pt-BR" sz="1600" dirty="0">
                 <a:solidFill>
                   <a:srgbClr val="000000"/>
                 </a:solidFill>
@@ -4890,7 +5341,7 @@
               <a:t> </a:t>
             </a:r>
             <a:r>
-              <a:rPr lang="en-US" altLang="pt-BR" sz="1800" dirty="0" err="1">
+              <a:rPr lang="en-US" altLang="pt-BR" sz="1600" dirty="0" err="1">
                 <a:solidFill>
                   <a:srgbClr val="000000"/>
                 </a:solidFill>
@@ -4899,7 +5350,7 @@
               <a:t>ser</a:t>
             </a:r>
             <a:r>
-              <a:rPr lang="en-US" altLang="pt-BR" sz="1800" dirty="0">
+              <a:rPr lang="en-US" altLang="pt-BR" sz="1600" dirty="0">
                 <a:solidFill>
                   <a:srgbClr val="000000"/>
                 </a:solidFill>
@@ -4908,7 +5359,7 @@
               <a:t> </a:t>
             </a:r>
             <a:r>
-              <a:rPr lang="en-US" altLang="pt-BR" sz="1800" dirty="0" err="1">
+              <a:rPr lang="en-US" altLang="pt-BR" sz="1600" dirty="0" err="1">
                 <a:solidFill>
                   <a:srgbClr val="000000"/>
                 </a:solidFill>
@@ -4917,7 +5368,7 @@
               <a:t>considerado</a:t>
             </a:r>
             <a:r>
-              <a:rPr lang="en-US" altLang="pt-BR" sz="1800" dirty="0">
+              <a:rPr lang="en-US" altLang="pt-BR" sz="1600" dirty="0">
                 <a:solidFill>
                   <a:srgbClr val="000000"/>
                 </a:solidFill>
@@ -4926,7 +5377,7 @@
               <a:t> um </a:t>
             </a:r>
             <a:r>
-              <a:rPr lang="en-US" altLang="pt-BR" sz="1800" dirty="0" err="1">
+              <a:rPr lang="en-US" altLang="pt-BR" sz="1600" dirty="0" err="1">
                 <a:solidFill>
                   <a:srgbClr val="000000"/>
                 </a:solidFill>
@@ -4935,7 +5386,7 @@
               <a:t>mecanismo</a:t>
             </a:r>
             <a:r>
-              <a:rPr lang="en-US" altLang="pt-BR" sz="1800" dirty="0">
+              <a:rPr lang="en-US" altLang="pt-BR" sz="1600" dirty="0">
                 <a:solidFill>
                   <a:srgbClr val="000000"/>
                 </a:solidFill>
@@ -4944,7 +5395,7 @@
               <a:t> de </a:t>
             </a:r>
             <a:r>
-              <a:rPr lang="en-US" altLang="pt-BR" sz="1800" dirty="0" err="1" smtClean="0">
+              <a:rPr lang="en-US" altLang="pt-BR" sz="1600" dirty="0" err="1" smtClean="0">
                 <a:solidFill>
                   <a:srgbClr val="000000"/>
                 </a:solidFill>
@@ -4952,7 +5403,7 @@
               </a:rPr>
               <a:t>barreira</a:t>
             </a:r>
-            <a:endParaRPr lang="en-US" altLang="pt-BR" sz="1800" dirty="0">
+            <a:endParaRPr lang="en-US" altLang="pt-BR" sz="1600" dirty="0">
               <a:solidFill>
                 <a:srgbClr val="000000"/>
               </a:solidFill>
@@ -4960,18 +5411,18 @@
             </a:endParaRPr>
           </a:p>
           <a:p>
-            <a:endParaRPr lang="pt-BR" sz="1800" dirty="0"/>
-          </a:p>
-          <a:p>
-            <a:r>
-              <a:rPr lang="pt-BR" sz="1800" dirty="0"/>
+            <a:endParaRPr lang="pt-BR" sz="1600" dirty="0"/>
+          </a:p>
+          <a:p>
+            <a:r>
+              <a:rPr lang="pt-BR" sz="1600" dirty="0"/>
               <a:t>Útil para expressar operações “síncronas</a:t>
             </a:r>
             <a:r>
-              <a:rPr lang="pt-BR" sz="1800" dirty="0" smtClean="0"/>
+              <a:rPr lang="pt-BR" sz="1600" dirty="0" smtClean="0"/>
               <a:t>”</a:t>
             </a:r>
-            <a:endParaRPr lang="pt-BR" sz="1800" dirty="0"/>
+            <a:endParaRPr lang="pt-BR" sz="1600" dirty="0"/>
           </a:p>
           <a:p>
             <a:endParaRPr lang="pt-BR" sz="1800" dirty="0"/>
@@ -5001,7 +5452,7 @@
 </p:sld>
 </file>
 
-<file path=ppt/slides/slide14.xml><?xml version="1.0" encoding="utf-8"?>
+<file path=ppt/slides/slide16.xml><?xml version="1.0" encoding="utf-8"?>
 <p:sld xmlns:a="http://schemas.openxmlformats.org/drawingml/2006/main" xmlns:r="http://schemas.openxmlformats.org/officeDocument/2006/relationships" xmlns:p="http://schemas.openxmlformats.org/presentationml/2006/main">
   <p:cSld>
     <p:spTree>
@@ -5142,441 +5593,6 @@
 </p:sld>
 </file>
 
-<file path=ppt/slides/slide15.xml><?xml version="1.0" encoding="utf-8"?>
-<p:sld xmlns:a="http://schemas.openxmlformats.org/drawingml/2006/main" xmlns:r="http://schemas.openxmlformats.org/officeDocument/2006/relationships" xmlns:p="http://schemas.openxmlformats.org/presentationml/2006/main">
-  <p:cSld>
-    <p:spTree>
-      <p:nvGrpSpPr>
-        <p:cNvPr id="1" name=""/>
-        <p:cNvGrpSpPr/>
-        <p:nvPr/>
-      </p:nvGrpSpPr>
-      <p:grpSpPr>
-        <a:xfrm>
-          <a:off x="0" y="0"/>
-          <a:ext cx="0" cy="0"/>
-          <a:chOff x="0" y="0"/>
-          <a:chExt cx="0" cy="0"/>
-        </a:xfrm>
-      </p:grpSpPr>
-      <p:sp>
-        <p:nvSpPr>
-          <p:cNvPr id="2" name="Title 1"/>
-          <p:cNvSpPr>
-            <a:spLocks noGrp="1"/>
-          </p:cNvSpPr>
-          <p:nvPr>
-            <p:ph type="title"/>
-          </p:nvPr>
-        </p:nvSpPr>
-        <p:spPr/>
-        <p:txBody>
-          <a:bodyPr>
-            <a:normAutofit/>
-          </a:bodyPr>
-          <a:lstStyle/>
-          <a:p>
-            <a:pPr algn="l"/>
-            <a:r>
-              <a:rPr lang="pt-BR" sz="2400" dirty="0"/>
-              <a:t>Características principais da </a:t>
-            </a:r>
-            <a:r>
-              <a:rPr lang="pt-BR" sz="2400" dirty="0" smtClean="0"/>
-              <a:t>linguagem</a:t>
-            </a:r>
-            <a:br>
-              <a:rPr lang="pt-BR" sz="2400" dirty="0" smtClean="0"/>
-            </a:br>
-            <a:r>
-              <a:rPr lang="pt-BR" sz="1800" i="1" dirty="0" smtClean="0"/>
-              <a:t>atomic</a:t>
-            </a:r>
-            <a:endParaRPr lang="pt-BR" sz="1800" i="1" dirty="0"/>
-          </a:p>
-        </p:txBody>
-      </p:sp>
-      <p:sp>
-        <p:nvSpPr>
-          <p:cNvPr id="3" name="Content Placeholder 2"/>
-          <p:cNvSpPr>
-            <a:spLocks noGrp="1"/>
-          </p:cNvSpPr>
-          <p:nvPr>
-            <p:ph idx="1"/>
-          </p:nvPr>
-        </p:nvSpPr>
-        <p:spPr/>
-        <p:txBody>
-          <a:bodyPr>
-            <a:noAutofit/>
-          </a:bodyPr>
-          <a:lstStyle/>
-          <a:p>
-            <a:r>
-              <a:rPr lang="en-US" altLang="pt-BR" sz="1800" b="1" i="1" dirty="0" err="1">
-                <a:cs typeface="Arial" pitchFamily="34" charset="0"/>
-              </a:rPr>
-              <a:t>Stmt</a:t>
-            </a:r>
-            <a:r>
-              <a:rPr lang="en-US" altLang="pt-BR" sz="1800" b="1" i="1" dirty="0">
-                <a:cs typeface="Arial" pitchFamily="34" charset="0"/>
-              </a:rPr>
-              <a:t> ::=  </a:t>
-            </a:r>
-            <a:r>
-              <a:rPr lang="en-US" altLang="pt-BR" sz="1800" b="1" dirty="0">
-                <a:solidFill>
-                  <a:srgbClr val="C00000"/>
-                </a:solidFill>
-                <a:cs typeface="Arial" pitchFamily="34" charset="0"/>
-              </a:rPr>
-              <a:t>atomic</a:t>
-            </a:r>
-            <a:r>
-              <a:rPr lang="en-US" altLang="pt-BR" sz="1800" b="1" dirty="0">
-                <a:cs typeface="Arial" pitchFamily="34" charset="0"/>
-              </a:rPr>
-              <a:t>  </a:t>
-            </a:r>
-            <a:r>
-              <a:rPr lang="en-US" altLang="pt-BR" sz="1800" b="1" i="1" dirty="0">
-                <a:cs typeface="Arial" pitchFamily="34" charset="0"/>
-              </a:rPr>
-              <a:t>Statement</a:t>
-            </a:r>
-          </a:p>
-          <a:p>
-            <a:r>
-              <a:rPr lang="en-US" altLang="pt-BR" sz="1800" b="1" i="1" dirty="0" err="1">
-                <a:cs typeface="Arial" pitchFamily="34" charset="0"/>
-              </a:rPr>
-              <a:t>MethodModifier</a:t>
-            </a:r>
-            <a:r>
-              <a:rPr lang="en-US" altLang="pt-BR" sz="1800" b="1" i="1" dirty="0">
-                <a:cs typeface="Arial" pitchFamily="34" charset="0"/>
-              </a:rPr>
-              <a:t> ::=  </a:t>
-            </a:r>
-            <a:r>
-              <a:rPr lang="en-US" altLang="pt-BR" sz="1800" b="1" dirty="0">
-                <a:solidFill>
-                  <a:srgbClr val="C00000"/>
-                </a:solidFill>
-                <a:cs typeface="Arial" pitchFamily="34" charset="0"/>
-              </a:rPr>
-              <a:t>atomic</a:t>
-            </a:r>
-          </a:p>
-          <a:p>
-            <a:endParaRPr lang="pt-BR" sz="1800" dirty="0"/>
-          </a:p>
-          <a:p>
-            <a:r>
-              <a:rPr lang="pt-BR" sz="1800" dirty="0"/>
-              <a:t>atomic { ... }</a:t>
-            </a:r>
-          </a:p>
-          <a:p>
-            <a:endParaRPr lang="pt-BR" sz="1800" dirty="0"/>
-          </a:p>
-          <a:p>
-            <a:r>
-              <a:rPr lang="pt-BR" sz="1800" dirty="0"/>
-              <a:t>Executa um bloco de código de forma </a:t>
-            </a:r>
-            <a:r>
-              <a:rPr lang="pt-BR" sz="1800" dirty="0" smtClean="0"/>
-              <a:t>atômica</a:t>
-            </a:r>
-            <a:endParaRPr lang="pt-BR" sz="1800" dirty="0"/>
-          </a:p>
-          <a:p>
-            <a:pPr marL="0" indent="0">
-              <a:buNone/>
-            </a:pPr>
-            <a:endParaRPr lang="pt-BR" sz="1800" dirty="0"/>
-          </a:p>
-          <a:p>
-            <a:r>
-              <a:rPr lang="pt-BR" sz="1800" dirty="0"/>
-              <a:t>Pode ser utilizado em métodos ou em trechos de </a:t>
-            </a:r>
-            <a:r>
-              <a:rPr lang="pt-BR" sz="1800" dirty="0" smtClean="0"/>
-              <a:t>código</a:t>
-            </a:r>
-            <a:endParaRPr lang="pt-BR" sz="1800" dirty="0"/>
-          </a:p>
-          <a:p>
-            <a:endParaRPr lang="pt-BR" sz="1800" dirty="0"/>
-          </a:p>
-          <a:p>
-            <a:r>
-              <a:rPr lang="pt-BR" sz="1800" dirty="0"/>
-              <a:t>Blocos atômicos são executados enquanto outras atividades são </a:t>
-            </a:r>
-            <a:r>
-              <a:rPr lang="pt-BR" sz="1800" dirty="0" smtClean="0"/>
-              <a:t>suspensas</a:t>
-            </a:r>
-            <a:endParaRPr lang="pt-BR" sz="1800" dirty="0"/>
-          </a:p>
-          <a:p>
-            <a:endParaRPr lang="pt-BR" sz="1800" dirty="0"/>
-          </a:p>
-          <a:p>
-            <a:r>
-              <a:rPr lang="pt-BR" altLang="pt-BR" sz="1800" dirty="0"/>
-              <a:t>Não deve criar atividades </a:t>
-            </a:r>
-            <a:r>
-              <a:rPr lang="pt-BR" altLang="pt-BR" sz="1800" dirty="0" smtClean="0"/>
-              <a:t>concorrentes</a:t>
-            </a:r>
-            <a:endParaRPr lang="pt-BR" altLang="pt-BR" sz="1800" dirty="0"/>
-          </a:p>
-          <a:p>
-            <a:endParaRPr lang="pt-BR" altLang="pt-BR" sz="1800" dirty="0"/>
-          </a:p>
-          <a:p>
-            <a:r>
-              <a:rPr lang="pt-BR" altLang="pt-BR" sz="1800" dirty="0"/>
-              <a:t>Deve manipular dados </a:t>
-            </a:r>
-            <a:r>
-              <a:rPr lang="pt-BR" altLang="pt-BR" sz="1800" dirty="0" smtClean="0"/>
-              <a:t>locais</a:t>
-            </a:r>
-            <a:endParaRPr lang="pt-BR" sz="1800" dirty="0"/>
-          </a:p>
-        </p:txBody>
-      </p:sp>
-    </p:spTree>
-    <p:extLst>
-      <p:ext uri="{BB962C8B-B14F-4D97-AF65-F5344CB8AC3E}">
-        <p14:creationId xmlns:p14="http://schemas.microsoft.com/office/powerpoint/2010/main" val="2111058723"/>
-      </p:ext>
-    </p:extLst>
-  </p:cSld>
-  <p:clrMapOvr>
-    <a:masterClrMapping/>
-  </p:clrMapOvr>
-  <p:timing>
-    <p:tnLst>
-      <p:par>
-        <p:cTn id="1" dur="indefinite" restart="never" nodeType="tmRoot"/>
-      </p:par>
-    </p:tnLst>
-  </p:timing>
-</p:sld>
-</file>
-
-<file path=ppt/slides/slide16.xml><?xml version="1.0" encoding="utf-8"?>
-<p:sld xmlns:a="http://schemas.openxmlformats.org/drawingml/2006/main" xmlns:r="http://schemas.openxmlformats.org/officeDocument/2006/relationships" xmlns:p="http://schemas.openxmlformats.org/presentationml/2006/main">
-  <p:cSld>
-    <p:spTree>
-      <p:nvGrpSpPr>
-        <p:cNvPr id="1" name=""/>
-        <p:cNvGrpSpPr/>
-        <p:nvPr/>
-      </p:nvGrpSpPr>
-      <p:grpSpPr>
-        <a:xfrm>
-          <a:off x="0" y="0"/>
-          <a:ext cx="0" cy="0"/>
-          <a:chOff x="0" y="0"/>
-          <a:chExt cx="0" cy="0"/>
-        </a:xfrm>
-      </p:grpSpPr>
-      <p:sp>
-        <p:nvSpPr>
-          <p:cNvPr id="2" name="Title 1"/>
-          <p:cNvSpPr>
-            <a:spLocks noGrp="1"/>
-          </p:cNvSpPr>
-          <p:nvPr>
-            <p:ph type="title"/>
-          </p:nvPr>
-        </p:nvSpPr>
-        <p:spPr/>
-        <p:txBody>
-          <a:bodyPr>
-            <a:normAutofit/>
-          </a:bodyPr>
-          <a:lstStyle/>
-          <a:p>
-            <a:pPr algn="l"/>
-            <a:r>
-              <a:rPr lang="pt-BR" sz="2400" dirty="0"/>
-              <a:t>Características principais da </a:t>
-            </a:r>
-            <a:r>
-              <a:rPr lang="pt-BR" sz="2400" dirty="0" smtClean="0"/>
-              <a:t>linguagem</a:t>
-            </a:r>
-            <a:br>
-              <a:rPr lang="pt-BR" sz="2400" dirty="0" smtClean="0"/>
-            </a:br>
-            <a:r>
-              <a:rPr lang="pt-BR" sz="1800" i="1" dirty="0" smtClean="0"/>
-              <a:t>atomic</a:t>
-            </a:r>
-            <a:endParaRPr lang="pt-BR" sz="1800" i="1" dirty="0"/>
-          </a:p>
-        </p:txBody>
-      </p:sp>
-      <p:sp>
-        <p:nvSpPr>
-          <p:cNvPr id="3" name="Content Placeholder 2"/>
-          <p:cNvSpPr>
-            <a:spLocks noGrp="1"/>
-          </p:cNvSpPr>
-          <p:nvPr>
-            <p:ph idx="1"/>
-          </p:nvPr>
-        </p:nvSpPr>
-        <p:spPr/>
-        <p:txBody>
-          <a:bodyPr>
-            <a:noAutofit/>
-          </a:bodyPr>
-          <a:lstStyle/>
-          <a:p>
-            <a:endParaRPr lang="pt-BR" sz="1800" dirty="0"/>
-          </a:p>
-        </p:txBody>
-      </p:sp>
-      <p:pic>
-        <p:nvPicPr>
-          <p:cNvPr id="1026" name="Picture 2"/>
-          <p:cNvPicPr>
-            <a:picLocks noChangeAspect="1" noChangeArrowheads="1"/>
-          </p:cNvPicPr>
-          <p:nvPr/>
-        </p:nvPicPr>
-        <p:blipFill>
-          <a:blip r:embed="rId2">
-            <a:extLst>
-              <a:ext uri="{28A0092B-C50C-407E-A947-70E740481C1C}">
-                <a14:useLocalDpi xmlns:a14="http://schemas.microsoft.com/office/drawing/2010/main" val="0"/>
-              </a:ext>
-            </a:extLst>
-          </a:blip>
-          <a:srcRect/>
-          <a:stretch>
-            <a:fillRect/>
-          </a:stretch>
-        </p:blipFill>
-        <p:spPr bwMode="auto">
-          <a:xfrm>
-            <a:off x="623392" y="1916832"/>
-            <a:ext cx="3581400" cy="3876675"/>
-          </a:xfrm>
-          <a:prstGeom prst="rect">
-            <a:avLst/>
-          </a:prstGeom>
-          <a:noFill/>
-          <a:ln>
-            <a:noFill/>
-          </a:ln>
-          <a:extLst>
-            <a:ext uri="{909E8E84-426E-40DD-AFC4-6F175D3DCCD1}">
-              <a14:hiddenFill xmlns:a14="http://schemas.microsoft.com/office/drawing/2010/main">
-                <a:solidFill>
-                  <a:schemeClr val="accent1"/>
-                </a:solidFill>
-              </a14:hiddenFill>
-            </a:ext>
-            <a:ext uri="{91240B29-F687-4F45-9708-019B960494DF}">
-              <a14:hiddenLine xmlns:a14="http://schemas.microsoft.com/office/drawing/2010/main" w="9525">
-                <a:solidFill>
-                  <a:schemeClr val="tx1"/>
-                </a:solidFill>
-                <a:miter lim="800000"/>
-                <a:headEnd/>
-                <a:tailEnd/>
-              </a14:hiddenLine>
-            </a:ext>
-          </a:extLst>
-        </p:spPr>
-      </p:pic>
-      <p:pic>
-        <p:nvPicPr>
-          <p:cNvPr id="1027" name="Picture 3"/>
-          <p:cNvPicPr>
-            <a:picLocks noChangeAspect="1" noChangeArrowheads="1"/>
-          </p:cNvPicPr>
-          <p:nvPr/>
-        </p:nvPicPr>
-        <p:blipFill>
-          <a:blip r:embed="rId3" cstate="print">
-            <a:extLst>
-              <a:ext uri="{28A0092B-C50C-407E-A947-70E740481C1C}">
-                <a14:useLocalDpi xmlns:a14="http://schemas.microsoft.com/office/drawing/2010/main" val="0"/>
-              </a:ext>
-            </a:extLst>
-          </a:blip>
-          <a:srcRect/>
-          <a:stretch>
-            <a:fillRect/>
-          </a:stretch>
-        </p:blipFill>
-        <p:spPr bwMode="auto">
-          <a:xfrm>
-            <a:off x="6081792" y="2359453"/>
-            <a:ext cx="5486816" cy="2991432"/>
-          </a:xfrm>
-          <a:prstGeom prst="rect">
-            <a:avLst/>
-          </a:prstGeom>
-          <a:noFill/>
-          <a:ln>
-            <a:noFill/>
-          </a:ln>
-          <a:extLst>
-            <a:ext uri="{909E8E84-426E-40DD-AFC4-6F175D3DCCD1}">
-              <a14:hiddenFill xmlns:a14="http://schemas.microsoft.com/office/drawing/2010/main">
-                <a:solidFill>
-                  <a:schemeClr val="accent1"/>
-                </a:solidFill>
-              </a14:hiddenFill>
-            </a:ext>
-            <a:ext uri="{91240B29-F687-4F45-9708-019B960494DF}">
-              <a14:hiddenLine xmlns:a14="http://schemas.microsoft.com/office/drawing/2010/main" w="9525">
-                <a:solidFill>
-                  <a:schemeClr val="tx1"/>
-                </a:solidFill>
-                <a:miter lim="800000"/>
-                <a:headEnd/>
-                <a:tailEnd/>
-              </a14:hiddenLine>
-            </a:ext>
-          </a:extLst>
-        </p:spPr>
-      </p:pic>
-    </p:spTree>
-    <p:extLst>
-      <p:ext uri="{BB962C8B-B14F-4D97-AF65-F5344CB8AC3E}">
-        <p14:creationId xmlns:p14="http://schemas.microsoft.com/office/powerpoint/2010/main" val="4097860697"/>
-      </p:ext>
-    </p:extLst>
-  </p:cSld>
-  <p:clrMapOvr>
-    <a:masterClrMapping/>
-  </p:clrMapOvr>
-  <p:timing>
-    <p:tnLst>
-      <p:par>
-        <p:cTn id="1" dur="indefinite" restart="never" nodeType="tmRoot"/>
-      </p:par>
-    </p:tnLst>
-  </p:timing>
-</p:sld>
-</file>
-
 <file path=ppt/slides/slide17.xml><?xml version="1.0" encoding="utf-8"?>
 <p:sld xmlns:a="http://schemas.openxmlformats.org/drawingml/2006/main" xmlns:r="http://schemas.openxmlformats.org/officeDocument/2006/relationships" xmlns:p="http://schemas.openxmlformats.org/presentationml/2006/main">
   <p:cSld>
@@ -5624,8 +5640,8 @@
               <a:rPr lang="pt-BR" sz="2400" dirty="0" smtClean="0"/>
             </a:br>
             <a:r>
-              <a:rPr lang="pt-BR" sz="1800" i="1" dirty="0"/>
-              <a:t>when</a:t>
+              <a:rPr lang="pt-BR" sz="1800" i="1" dirty="0" smtClean="0"/>
+              <a:t>atomic</a:t>
             </a:r>
             <a:endParaRPr lang="pt-BR" sz="1800" i="1" dirty="0"/>
           </a:p>
@@ -5649,166 +5665,150 @@
           <a:lstStyle/>
           <a:p>
             <a:r>
-              <a:rPr lang="pt-BR" sz="1800" b="1" dirty="0"/>
-              <a:t>Stmt ::= WhenStmt</a:t>
-            </a:r>
-          </a:p>
-          <a:p>
-            <a:r>
-              <a:rPr lang="pt-BR" sz="1800" b="1" dirty="0"/>
-              <a:t>WhenStmt ::= </a:t>
-            </a:r>
-            <a:r>
-              <a:rPr lang="pt-BR" sz="1800" b="1" dirty="0">
-                <a:solidFill>
-                  <a:srgbClr val="FF0000"/>
-                </a:solidFill>
-              </a:rPr>
-              <a:t>when</a:t>
-            </a:r>
-            <a:r>
-              <a:rPr lang="pt-BR" sz="1800" b="1" dirty="0"/>
-              <a:t> ( Expr ) </a:t>
-            </a:r>
-            <a:r>
-              <a:rPr lang="pt-BR" sz="1800" b="1" dirty="0" smtClean="0"/>
+              <a:rPr lang="en-US" altLang="pt-BR" sz="1600" b="1" i="1" dirty="0" err="1">
+                <a:cs typeface="Arial" pitchFamily="34" charset="0"/>
+              </a:rPr>
               <a:t>Stmt</a:t>
             </a:r>
+            <a:r>
+              <a:rPr lang="en-US" altLang="pt-BR" sz="1600" b="1" i="1" dirty="0">
+                <a:cs typeface="Arial" pitchFamily="34" charset="0"/>
+              </a:rPr>
+              <a:t> ::=  </a:t>
+            </a:r>
+            <a:r>
+              <a:rPr lang="en-US" altLang="pt-BR" sz="1600" b="1" dirty="0">
+                <a:solidFill>
+                  <a:srgbClr val="C00000"/>
+                </a:solidFill>
+                <a:cs typeface="Arial" pitchFamily="34" charset="0"/>
+              </a:rPr>
+              <a:t>atomic</a:t>
+            </a:r>
+            <a:r>
+              <a:rPr lang="en-US" altLang="pt-BR" sz="1600" b="1" dirty="0">
+                <a:cs typeface="Arial" pitchFamily="34" charset="0"/>
+              </a:rPr>
+              <a:t>  </a:t>
+            </a:r>
+            <a:r>
+              <a:rPr lang="en-US" altLang="pt-BR" sz="1600" b="1" i="1" dirty="0">
+                <a:cs typeface="Arial" pitchFamily="34" charset="0"/>
+              </a:rPr>
+              <a:t>Statement</a:t>
+            </a:r>
+          </a:p>
+          <a:p>
+            <a:r>
+              <a:rPr lang="en-US" altLang="pt-BR" sz="1600" b="1" i="1" dirty="0" err="1">
+                <a:cs typeface="Arial" pitchFamily="34" charset="0"/>
+              </a:rPr>
+              <a:t>MethodModifier</a:t>
+            </a:r>
+            <a:r>
+              <a:rPr lang="en-US" altLang="pt-BR" sz="1600" b="1" i="1" dirty="0">
+                <a:cs typeface="Arial" pitchFamily="34" charset="0"/>
+              </a:rPr>
+              <a:t> ::=  </a:t>
+            </a:r>
+            <a:r>
+              <a:rPr lang="en-US" altLang="pt-BR" sz="1600" b="1" dirty="0">
+                <a:solidFill>
+                  <a:srgbClr val="C00000"/>
+                </a:solidFill>
+                <a:cs typeface="Arial" pitchFamily="34" charset="0"/>
+              </a:rPr>
+              <a:t>atomic</a:t>
+            </a:r>
+          </a:p>
+          <a:p>
+            <a:endParaRPr lang="pt-BR" sz="1600" dirty="0"/>
+          </a:p>
+          <a:p>
+            <a:r>
+              <a:rPr lang="pt-BR" sz="1600" dirty="0"/>
+              <a:t>atomic { ... }</a:t>
+            </a:r>
+          </a:p>
+          <a:p>
+            <a:endParaRPr lang="pt-BR" sz="1600" dirty="0"/>
+          </a:p>
+          <a:p>
+            <a:r>
+              <a:rPr lang="pt-BR" sz="1600" dirty="0"/>
+              <a:t>Executa um bloco de código de forma </a:t>
+            </a:r>
+            <a:r>
+              <a:rPr lang="pt-BR" sz="1600" dirty="0" smtClean="0"/>
+              <a:t>atômica</a:t>
+            </a:r>
+            <a:endParaRPr lang="pt-BR" sz="1600" dirty="0"/>
           </a:p>
           <a:p>
             <a:pPr marL="0" indent="0">
               <a:buNone/>
             </a:pPr>
-            <a:r>
-              <a:rPr lang="pt-BR" sz="1800" b="1" dirty="0" smtClean="0"/>
-              <a:t>	            | </a:t>
-            </a:r>
-            <a:r>
-              <a:rPr lang="pt-BR" sz="1800" b="1" dirty="0"/>
-              <a:t>WhenStmt </a:t>
-            </a:r>
-            <a:r>
-              <a:rPr lang="pt-BR" sz="1800" b="1" dirty="0">
-                <a:solidFill>
-                  <a:srgbClr val="FF0000"/>
-                </a:solidFill>
-              </a:rPr>
-              <a:t>or</a:t>
-            </a:r>
-            <a:r>
-              <a:rPr lang="pt-BR" sz="1800" b="1" dirty="0"/>
-              <a:t> (Expr) </a:t>
-            </a:r>
-            <a:r>
-              <a:rPr lang="pt-BR" sz="1800" b="1" dirty="0" smtClean="0"/>
-              <a:t>Stmt</a:t>
-            </a:r>
-          </a:p>
-          <a:p>
-            <a:endParaRPr lang="pt-BR" sz="1800" dirty="0" smtClean="0"/>
-          </a:p>
-          <a:p>
-            <a:r>
-              <a:rPr lang="pt-BR" sz="1800" dirty="0" smtClean="0"/>
-              <a:t>when (E) { ... }</a:t>
-            </a:r>
-            <a:endParaRPr lang="pt-BR" sz="1800" dirty="0"/>
-          </a:p>
-          <a:p>
-            <a:pPr marL="0" indent="0">
-              <a:buNone/>
-            </a:pPr>
-            <a:endParaRPr lang="pt-BR" sz="1800" b="1" dirty="0" smtClean="0"/>
-          </a:p>
-          <a:p>
-            <a:r>
-              <a:rPr lang="en-US" sz="1800" dirty="0"/>
-              <a:t>Activity suspends until a state in</a:t>
-            </a:r>
-          </a:p>
-          <a:p>
-            <a:r>
-              <a:rPr lang="en-US" sz="1800" dirty="0"/>
-              <a:t>which the guard E is true.</a:t>
-            </a:r>
-          </a:p>
-          <a:p>
-            <a:r>
-              <a:rPr lang="en-US" sz="1800" dirty="0"/>
-              <a:t> In that state, S is executed atomically</a:t>
-            </a:r>
-          </a:p>
-          <a:p>
-            <a:r>
-              <a:rPr lang="pt-BR" sz="1800" dirty="0"/>
-              <a:t>and in isolation.</a:t>
-            </a:r>
-          </a:p>
-          <a:p>
-            <a:r>
-              <a:rPr lang="en-US" sz="1800" dirty="0"/>
-              <a:t> Guard E is a </a:t>
-            </a:r>
-            <a:r>
-              <a:rPr lang="en-US" sz="1800" dirty="0" err="1"/>
-              <a:t>boolean</a:t>
-            </a:r>
-            <a:r>
-              <a:rPr lang="en-US" sz="1800" dirty="0"/>
-              <a:t> expression</a:t>
-            </a:r>
-          </a:p>
-          <a:p>
-            <a:r>
-              <a:rPr lang="pt-BR" sz="1800" dirty="0"/>
-              <a:t>0 must be nonblocking</a:t>
-            </a:r>
-          </a:p>
-          <a:p>
-            <a:r>
-              <a:rPr lang="en-US" sz="1800" dirty="0"/>
-              <a:t>0 must not create concurrent</a:t>
-            </a:r>
-          </a:p>
-          <a:p>
-            <a:r>
-              <a:rPr lang="pt-BR" sz="1800" dirty="0"/>
-              <a:t>activities (sequential)</a:t>
-            </a:r>
-          </a:p>
-          <a:p>
-            <a:r>
-              <a:rPr lang="en-US" sz="1800" dirty="0"/>
-              <a:t>0 must not access remote data</a:t>
-            </a:r>
-          </a:p>
-          <a:p>
-            <a:r>
-              <a:rPr lang="pt-BR" sz="1800" dirty="0"/>
-              <a:t>(local)</a:t>
-            </a:r>
-          </a:p>
-          <a:p>
-            <a:r>
-              <a:rPr lang="en-US" sz="1800" dirty="0"/>
-              <a:t>0 must not have side-effects (</a:t>
-            </a:r>
-            <a:r>
-              <a:rPr lang="en-US" sz="1800" dirty="0" err="1"/>
-              <a:t>const</a:t>
-            </a:r>
-            <a:r>
-              <a:rPr lang="en-US" sz="1800" dirty="0"/>
-              <a:t>)</a:t>
-            </a:r>
-            <a:endParaRPr lang="pt-BR" sz="1800" dirty="0"/>
+            <a:endParaRPr lang="pt-BR" sz="1600" dirty="0"/>
+          </a:p>
+          <a:p>
+            <a:r>
+              <a:rPr lang="pt-BR" sz="1600" dirty="0"/>
+              <a:t>Pode ser utilizado em métodos ou em trechos de </a:t>
+            </a:r>
+            <a:r>
+              <a:rPr lang="pt-BR" sz="1600" dirty="0" smtClean="0"/>
+              <a:t>código</a:t>
+            </a:r>
+            <a:endParaRPr lang="pt-BR" sz="1600" dirty="0"/>
+          </a:p>
+          <a:p>
+            <a:endParaRPr lang="pt-BR" sz="1600" dirty="0"/>
+          </a:p>
+          <a:p>
+            <a:r>
+              <a:rPr lang="pt-BR" sz="1600" dirty="0"/>
+              <a:t>Blocos atômicos são executados enquanto outras atividades são </a:t>
+            </a:r>
+            <a:r>
+              <a:rPr lang="pt-BR" sz="1600" dirty="0" smtClean="0"/>
+              <a:t>suspensas</a:t>
+            </a:r>
+            <a:endParaRPr lang="pt-BR" sz="1600" dirty="0"/>
+          </a:p>
+          <a:p>
+            <a:endParaRPr lang="pt-BR" sz="1600" dirty="0"/>
+          </a:p>
+          <a:p>
+            <a:r>
+              <a:rPr lang="pt-BR" altLang="pt-BR" sz="1600" dirty="0"/>
+              <a:t>Não deve criar atividades </a:t>
+            </a:r>
+            <a:r>
+              <a:rPr lang="pt-BR" altLang="pt-BR" sz="1600" dirty="0" smtClean="0"/>
+              <a:t>concorrentes</a:t>
+            </a:r>
+            <a:endParaRPr lang="pt-BR" altLang="pt-BR" sz="1600" dirty="0"/>
+          </a:p>
+          <a:p>
+            <a:endParaRPr lang="pt-BR" altLang="pt-BR" sz="1600" dirty="0"/>
+          </a:p>
+          <a:p>
+            <a:r>
+              <a:rPr lang="pt-BR" altLang="pt-BR" sz="1600" dirty="0"/>
+              <a:t>Deve manipular dados </a:t>
+            </a:r>
+            <a:r>
+              <a:rPr lang="pt-BR" altLang="pt-BR" sz="1600" dirty="0" smtClean="0"/>
+              <a:t>locais</a:t>
+            </a:r>
+            <a:endParaRPr lang="pt-BR" sz="1600" dirty="0"/>
           </a:p>
         </p:txBody>
       </p:sp>
     </p:spTree>
     <p:extLst>
       <p:ext uri="{BB962C8B-B14F-4D97-AF65-F5344CB8AC3E}">
-        <p14:creationId xmlns:p14="http://schemas.microsoft.com/office/powerpoint/2010/main" val="3987102160"/>
+        <p14:creationId xmlns:p14="http://schemas.microsoft.com/office/powerpoint/2010/main" val="2111058723"/>
       </p:ext>
     </p:extLst>
   </p:cSld>
@@ -5873,7 +5873,7 @@
             </a:br>
             <a:r>
               <a:rPr lang="pt-BR" sz="1800" i="1" dirty="0" smtClean="0"/>
-              <a:t>when</a:t>
+              <a:t>atomic</a:t>
             </a:r>
             <a:endParaRPr lang="pt-BR" sz="1800" i="1" dirty="0"/>
           </a:p>
@@ -5900,10 +5900,118 @@
           </a:p>
         </p:txBody>
       </p:sp>
+      <p:pic>
+        <p:nvPicPr>
+          <p:cNvPr id="1026" name="Picture 2"/>
+          <p:cNvPicPr>
+            <a:picLocks noChangeAspect="1" noChangeArrowheads="1"/>
+          </p:cNvPicPr>
+          <p:nvPr/>
+        </p:nvPicPr>
+        <p:blipFill>
+          <a:blip r:embed="rId2">
+            <a:extLst>
+              <a:ext uri="{28A0092B-C50C-407E-A947-70E740481C1C}">
+                <a14:useLocalDpi xmlns:a14="http://schemas.microsoft.com/office/drawing/2010/main" val="0"/>
+              </a:ext>
+            </a:extLst>
+          </a:blip>
+          <a:srcRect/>
+          <a:stretch>
+            <a:fillRect/>
+          </a:stretch>
+        </p:blipFill>
+        <p:spPr bwMode="auto">
+          <a:xfrm>
+            <a:off x="623392" y="1916832"/>
+            <a:ext cx="3581400" cy="3876675"/>
+          </a:xfrm>
+          <a:prstGeom prst="rect">
+            <a:avLst/>
+          </a:prstGeom>
+          <a:noFill/>
+          <a:ln>
+            <a:noFill/>
+          </a:ln>
+          <a:extLst>
+            <a:ext uri="{909E8E84-426E-40DD-AFC4-6F175D3DCCD1}">
+              <a14:hiddenFill xmlns:a14="http://schemas.microsoft.com/office/drawing/2010/main">
+                <a:solidFill>
+                  <a:schemeClr val="accent1"/>
+                </a:solidFill>
+              </a14:hiddenFill>
+            </a:ext>
+            <a:ext uri="{91240B29-F687-4F45-9708-019B960494DF}">
+              <a14:hiddenLine xmlns:a14="http://schemas.microsoft.com/office/drawing/2010/main" w="9525">
+                <a:solidFill>
+                  <a:schemeClr val="tx1"/>
+                </a:solidFill>
+                <a:miter lim="800000"/>
+                <a:headEnd/>
+                <a:tailEnd/>
+              </a14:hiddenLine>
+            </a:ext>
+          </a:extLst>
+        </p:spPr>
+      </p:pic>
+      <p:pic>
+        <p:nvPicPr>
+          <p:cNvPr id="1027" name="Picture 3"/>
+          <p:cNvPicPr>
+            <a:picLocks noChangeAspect="1" noChangeArrowheads="1"/>
+          </p:cNvPicPr>
+          <p:nvPr/>
+        </p:nvPicPr>
+        <p:blipFill>
+          <a:blip r:embed="rId3" cstate="print">
+            <a:extLst>
+              <a:ext uri="{28A0092B-C50C-407E-A947-70E740481C1C}">
+                <a14:useLocalDpi xmlns:a14="http://schemas.microsoft.com/office/drawing/2010/main" val="0"/>
+              </a:ext>
+            </a:extLst>
+          </a:blip>
+          <a:srcRect/>
+          <a:stretch>
+            <a:fillRect/>
+          </a:stretch>
+        </p:blipFill>
+        <p:spPr bwMode="auto">
+          <a:xfrm>
+            <a:off x="6081792" y="2359453"/>
+            <a:ext cx="5486816" cy="2991432"/>
+          </a:xfrm>
+          <a:prstGeom prst="rect">
+            <a:avLst/>
+          </a:prstGeom>
+          <a:noFill/>
+          <a:ln>
+            <a:noFill/>
+          </a:ln>
+          <a:extLst>
+            <a:ext uri="{909E8E84-426E-40DD-AFC4-6F175D3DCCD1}">
+              <a14:hiddenFill xmlns:a14="http://schemas.microsoft.com/office/drawing/2010/main">
+                <a:solidFill>
+                  <a:schemeClr val="accent1"/>
+                </a:solidFill>
+              </a14:hiddenFill>
+            </a:ext>
+            <a:ext uri="{91240B29-F687-4F45-9708-019B960494DF}">
+              <a14:hiddenLine xmlns:a14="http://schemas.microsoft.com/office/drawing/2010/main" w="9525">
+                <a:solidFill>
+                  <a:schemeClr val="tx1"/>
+                </a:solidFill>
+                <a:miter lim="800000"/>
+                <a:headEnd/>
+                <a:tailEnd/>
+              </a14:hiddenLine>
+            </a:ext>
+          </a:extLst>
+        </p:spPr>
+      </p:pic>
     </p:spTree>
     <p:extLst>
       <p:ext uri="{BB962C8B-B14F-4D97-AF65-F5344CB8AC3E}">
-        <p14:creationId xmlns:p14="http://schemas.microsoft.com/office/powerpoint/2010/main" val="1671366731"/>
+        <p14:creationId xmlns:p14="http://schemas.microsoft.com/office/powerpoint/2010/main" val="4097860697"/>
       </p:ext>
     </p:extLst>
   </p:cSld>
@@ -5967,10 +6075,9 @@
               <a:rPr lang="pt-BR" sz="2400" dirty="0" smtClean="0"/>
             </a:br>
             <a:r>
-              <a:rPr lang="pt-BR" sz="1800" i="1" dirty="0" smtClean="0"/>
-              <a:t>atomic</a:t>
-            </a:r>
-            <a:endParaRPr lang="pt-BR" sz="1800" i="1" dirty="0"/>
+              <a:rPr lang="pt-BR" sz="1800" i="1" dirty="0"/>
+              <a:t>when</a:t>
+            </a:r>
           </a:p>
         </p:txBody>
       </p:sp>
@@ -5991,122 +6098,246 @@
           </a:bodyPr>
           <a:lstStyle/>
           <a:p>
-            <a:endParaRPr lang="pt-BR" sz="1800" dirty="0"/>
+            <a:r>
+              <a:rPr lang="pt-BR" sz="1600" b="1" dirty="0"/>
+              <a:t>Stmt ::= WhenStmt</a:t>
+            </a:r>
+          </a:p>
+          <a:p>
+            <a:r>
+              <a:rPr lang="pt-BR" sz="1600" b="1" dirty="0"/>
+              <a:t>WhenStmt ::= </a:t>
+            </a:r>
+            <a:r>
+              <a:rPr lang="pt-BR" sz="1600" b="1" dirty="0">
+                <a:solidFill>
+                  <a:srgbClr val="FF0000"/>
+                </a:solidFill>
+              </a:rPr>
+              <a:t>when</a:t>
+            </a:r>
+            <a:r>
+              <a:rPr lang="pt-BR" sz="1600" b="1" dirty="0"/>
+              <a:t> ( Expr ) </a:t>
+            </a:r>
+            <a:r>
+              <a:rPr lang="pt-BR" sz="1600" b="1" dirty="0" smtClean="0"/>
+              <a:t>Stmt</a:t>
+            </a:r>
+          </a:p>
+          <a:p>
+            <a:pPr marL="0" indent="0">
+              <a:buNone/>
+            </a:pPr>
+            <a:r>
+              <a:rPr lang="pt-BR" sz="1600" b="1" dirty="0" smtClean="0"/>
+              <a:t>	            | </a:t>
+            </a:r>
+            <a:r>
+              <a:rPr lang="pt-BR" sz="1600" b="1" dirty="0"/>
+              <a:t>WhenStmt </a:t>
+            </a:r>
+            <a:r>
+              <a:rPr lang="pt-BR" sz="1600" b="1" dirty="0">
+                <a:solidFill>
+                  <a:srgbClr val="FF0000"/>
+                </a:solidFill>
+              </a:rPr>
+              <a:t>or</a:t>
+            </a:r>
+            <a:r>
+              <a:rPr lang="pt-BR" sz="1600" b="1" dirty="0"/>
+              <a:t> (Expr) </a:t>
+            </a:r>
+            <a:r>
+              <a:rPr lang="pt-BR" sz="1600" b="1" dirty="0" smtClean="0"/>
+              <a:t>Stmt</a:t>
+            </a:r>
+          </a:p>
+          <a:p>
+            <a:endParaRPr lang="pt-BR" sz="1600" dirty="0" smtClean="0"/>
+          </a:p>
+          <a:p>
+            <a:r>
+              <a:rPr lang="pt-BR" sz="1600" dirty="0" smtClean="0"/>
+              <a:t>when (E) { ... }</a:t>
+            </a:r>
+            <a:endParaRPr lang="pt-BR" sz="1600" dirty="0"/>
+          </a:p>
+          <a:p>
+            <a:pPr marL="0" indent="0">
+              <a:buNone/>
+            </a:pPr>
+            <a:endParaRPr lang="pt-BR" sz="1800" b="1" dirty="0" smtClean="0"/>
+          </a:p>
+          <a:p>
+            <a:r>
+              <a:rPr lang="en-US" sz="1600" dirty="0" err="1" smtClean="0"/>
+              <a:t>Suspende</a:t>
+            </a:r>
+            <a:r>
+              <a:rPr lang="en-US" sz="1600" dirty="0" smtClean="0"/>
+              <a:t> </a:t>
+            </a:r>
+            <a:r>
+              <a:rPr lang="en-US" sz="1600" dirty="0" err="1" smtClean="0"/>
+              <a:t>uma</a:t>
+            </a:r>
+            <a:r>
+              <a:rPr lang="en-US" sz="1600" dirty="0" smtClean="0"/>
+              <a:t> </a:t>
+            </a:r>
+            <a:r>
+              <a:rPr lang="en-US" sz="1600" dirty="0" err="1" smtClean="0"/>
+              <a:t>atividade</a:t>
+            </a:r>
+            <a:r>
+              <a:rPr lang="en-US" sz="1600" dirty="0" smtClean="0"/>
+              <a:t> </a:t>
+            </a:r>
+            <a:r>
+              <a:rPr lang="en-US" sz="1600" dirty="0" err="1" smtClean="0"/>
+              <a:t>até</a:t>
+            </a:r>
+            <a:r>
+              <a:rPr lang="en-US" sz="1600" dirty="0" smtClean="0"/>
+              <a:t> que o </a:t>
+            </a:r>
+            <a:r>
+              <a:rPr lang="en-US" sz="1600" dirty="0" err="1" smtClean="0"/>
+              <a:t>estado</a:t>
+            </a:r>
+            <a:r>
+              <a:rPr lang="en-US" sz="1600" dirty="0" smtClean="0"/>
+              <a:t> de </a:t>
+            </a:r>
+            <a:r>
+              <a:rPr lang="en-US" sz="1600" dirty="0" err="1" smtClean="0"/>
+              <a:t>uma</a:t>
+            </a:r>
+            <a:r>
+              <a:rPr lang="en-US" sz="1600" dirty="0" smtClean="0"/>
+              <a:t> </a:t>
+            </a:r>
+            <a:r>
+              <a:rPr lang="en-US" sz="1600" dirty="0" err="1" smtClean="0"/>
+              <a:t>expressão</a:t>
+            </a:r>
+            <a:r>
+              <a:rPr lang="en-US" sz="1600" dirty="0" smtClean="0"/>
+              <a:t> </a:t>
+            </a:r>
+            <a:r>
+              <a:rPr lang="en-US" sz="1600" dirty="0" err="1" smtClean="0"/>
+              <a:t>booleana</a:t>
+            </a:r>
+            <a:r>
+              <a:rPr lang="en-US" sz="1600" dirty="0" smtClean="0"/>
+              <a:t> E </a:t>
+            </a:r>
+            <a:r>
+              <a:rPr lang="en-US" sz="1600" dirty="0" err="1" smtClean="0"/>
+              <a:t>seja</a:t>
+            </a:r>
+            <a:r>
+              <a:rPr lang="en-US" sz="1600" dirty="0" smtClean="0"/>
+              <a:t> </a:t>
+            </a:r>
+            <a:r>
+              <a:rPr lang="en-US" sz="1600" dirty="0" err="1" smtClean="0"/>
+              <a:t>verdadeira</a:t>
+            </a:r>
+            <a:endParaRPr lang="en-US" sz="1600" dirty="0" smtClean="0"/>
+          </a:p>
+          <a:p>
+            <a:pPr lvl="1"/>
+            <a:r>
+              <a:rPr lang="en-US" sz="1400" dirty="0" err="1" smtClean="0"/>
+              <a:t>Quando</a:t>
+            </a:r>
+            <a:r>
+              <a:rPr lang="en-US" sz="1400" dirty="0" smtClean="0"/>
+              <a:t> </a:t>
+            </a:r>
+            <a:r>
+              <a:rPr lang="en-US" sz="1400" dirty="0" err="1" smtClean="0"/>
+              <a:t>isso</a:t>
+            </a:r>
+            <a:r>
+              <a:rPr lang="en-US" sz="1400" dirty="0" smtClean="0"/>
+              <a:t> </a:t>
+            </a:r>
+            <a:r>
+              <a:rPr lang="en-US" sz="1400" dirty="0" err="1" smtClean="0"/>
+              <a:t>acontece</a:t>
+            </a:r>
+            <a:r>
+              <a:rPr lang="en-US" sz="1400" dirty="0" smtClean="0"/>
+              <a:t>, </a:t>
+            </a:r>
+            <a:r>
+              <a:rPr lang="en-US" sz="1400" dirty="0"/>
+              <a:t>S </a:t>
+            </a:r>
+            <a:r>
+              <a:rPr lang="en-US" sz="1400" dirty="0" smtClean="0"/>
+              <a:t>é </a:t>
+            </a:r>
+            <a:r>
+              <a:rPr lang="en-US" sz="1400" dirty="0" err="1" smtClean="0"/>
+              <a:t>executada</a:t>
+            </a:r>
+            <a:r>
+              <a:rPr lang="en-US" sz="1400" dirty="0" smtClean="0"/>
+              <a:t> </a:t>
+            </a:r>
+            <a:r>
+              <a:rPr lang="en-US" sz="1400" dirty="0" err="1" smtClean="0"/>
+              <a:t>atomicamente</a:t>
+            </a:r>
+            <a:r>
+              <a:rPr lang="en-US" sz="1400" dirty="0" smtClean="0"/>
+              <a:t> e </a:t>
+            </a:r>
+            <a:r>
+              <a:rPr lang="en-US" sz="1400" dirty="0" err="1" smtClean="0"/>
+              <a:t>isoladamente</a:t>
+            </a:r>
+            <a:endParaRPr lang="en-US" sz="1400" dirty="0" smtClean="0"/>
+          </a:p>
+          <a:p>
+            <a:endParaRPr lang="en-US" sz="1800" dirty="0" smtClean="0"/>
           </a:p>
         </p:txBody>
       </p:sp>
       <p:pic>
         <p:nvPicPr>
-          <p:cNvPr id="2050" name="Picture 2"/>
+          <p:cNvPr id="4" name="Picture 3"/>
           <p:cNvPicPr>
-            <a:picLocks noChangeAspect="1" noChangeArrowheads="1"/>
+            <a:picLocks noChangeAspect="1"/>
           </p:cNvPicPr>
           <p:nvPr/>
         </p:nvPicPr>
         <p:blipFill>
-          <a:blip r:embed="rId2">
-            <a:extLst>
-              <a:ext uri="{28A0092B-C50C-407E-A947-70E740481C1C}">
-                <a14:useLocalDpi xmlns:a14="http://schemas.microsoft.com/office/drawing/2010/main" val="0"/>
-              </a:ext>
-            </a:extLst>
-          </a:blip>
-          <a:srcRect/>
+          <a:blip r:embed="rId2"/>
           <a:stretch>
             <a:fillRect/>
           </a:stretch>
         </p:blipFill>
-        <p:spPr bwMode="auto">
+        <p:spPr>
           <a:xfrm>
-            <a:off x="636307" y="2132856"/>
-            <a:ext cx="3609975" cy="3448050"/>
+            <a:off x="9086850" y="2724944"/>
+            <a:ext cx="2495550" cy="2276475"/>
           </a:xfrm>
           <a:prstGeom prst="rect">
             <a:avLst/>
           </a:prstGeom>
-          <a:noFill/>
-          <a:ln>
-            <a:noFill/>
-          </a:ln>
-          <a:extLst>
-            <a:ext uri="{909E8E84-426E-40DD-AFC4-6F175D3DCCD1}">
-              <a14:hiddenFill xmlns:a14="http://schemas.microsoft.com/office/drawing/2010/main">
-                <a:solidFill>
-                  <a:schemeClr val="accent1"/>
-                </a:solidFill>
-              </a14:hiddenFill>
-            </a:ext>
-            <a:ext uri="{91240B29-F687-4F45-9708-019B960494DF}">
-              <a14:hiddenLine xmlns:a14="http://schemas.microsoft.com/office/drawing/2010/main" w="9525">
-                <a:solidFill>
-                  <a:schemeClr val="tx1"/>
-                </a:solidFill>
-                <a:miter lim="800000"/>
-                <a:headEnd/>
-                <a:tailEnd/>
-              </a14:hiddenLine>
-            </a:ext>
-          </a:extLst>
-        </p:spPr>
-      </p:pic>
-      <p:pic>
-        <p:nvPicPr>
-          <p:cNvPr id="2052" name="Picture 4"/>
-          <p:cNvPicPr>
-            <a:picLocks noChangeAspect="1" noChangeArrowheads="1"/>
-          </p:cNvPicPr>
-          <p:nvPr/>
-        </p:nvPicPr>
-        <p:blipFill>
-          <a:blip r:embed="rId3" cstate="print">
-            <a:extLst>
-              <a:ext uri="{28A0092B-C50C-407E-A947-70E740481C1C}">
-                <a14:useLocalDpi xmlns:a14="http://schemas.microsoft.com/office/drawing/2010/main" val="0"/>
-              </a:ext>
-            </a:extLst>
-          </a:blip>
-          <a:srcRect/>
-          <a:stretch>
-            <a:fillRect/>
-          </a:stretch>
-        </p:blipFill>
-        <p:spPr bwMode="auto">
-          <a:xfrm>
-            <a:off x="6023992" y="2341116"/>
-            <a:ext cx="5538003" cy="3031530"/>
-          </a:xfrm>
-          <a:prstGeom prst="rect">
-            <a:avLst/>
-          </a:prstGeom>
-          <a:noFill/>
-          <a:ln>
-            <a:noFill/>
-          </a:ln>
-          <a:extLst>
-            <a:ext uri="{909E8E84-426E-40DD-AFC4-6F175D3DCCD1}">
-              <a14:hiddenFill xmlns:a14="http://schemas.microsoft.com/office/drawing/2010/main">
-                <a:solidFill>
-                  <a:schemeClr val="accent1"/>
-                </a:solidFill>
-              </a14:hiddenFill>
-            </a:ext>
-            <a:ext uri="{91240B29-F687-4F45-9708-019B960494DF}">
-              <a14:hiddenLine xmlns:a14="http://schemas.microsoft.com/office/drawing/2010/main" w="9525">
-                <a:solidFill>
-                  <a:schemeClr val="tx1"/>
-                </a:solidFill>
-                <a:miter lim="800000"/>
-                <a:headEnd/>
-                <a:tailEnd/>
-              </a14:hiddenLine>
-            </a:ext>
-          </a:extLst>
         </p:spPr>
       </p:pic>
     </p:spTree>
     <p:extLst>
       <p:ext uri="{BB962C8B-B14F-4D97-AF65-F5344CB8AC3E}">
-        <p14:creationId xmlns:p14="http://schemas.microsoft.com/office/powerpoint/2010/main" val="3507999069"/>
+        <p14:creationId xmlns:p14="http://schemas.microsoft.com/office/powerpoint/2010/main" val="3987102160"/>
       </p:ext>
     </p:extLst>
   </p:cSld>
@@ -6231,7 +6462,7 @@
             <a:pPr lvl="1"/>
             <a:r>
               <a:rPr lang="pt-BR" sz="1600" dirty="0" smtClean="0"/>
-              <a:t>1</a:t>
+              <a:t>TODO</a:t>
             </a:r>
             <a:endParaRPr lang="pt-BR" sz="1600" dirty="0" smtClean="0"/>
           </a:p>
@@ -6252,7 +6483,6 @@
               <a:rPr lang="pt-BR" sz="1600" dirty="0" smtClean="0"/>
               <a:t>Referências</a:t>
             </a:r>
-            <a:endParaRPr lang="pt-BR" sz="1600" dirty="0" smtClean="0"/>
           </a:p>
         </p:txBody>
       </p:sp>
@@ -6266,6 +6496,13 @@
   <p:clrMapOvr>
     <a:masterClrMapping/>
   </p:clrMapOvr>
+  <p:timing>
+    <p:tnLst>
+      <p:par>
+        <p:cTn id="1" dur="indefinite" restart="never" nodeType="tmRoot"/>
+      </p:par>
+    </p:tnLst>
+  </p:timing>
 </p:sld>
 </file>
 
@@ -6317,6 +6554,209 @@
             </a:br>
             <a:r>
               <a:rPr lang="pt-BR" sz="1800" i="1" dirty="0" smtClean="0"/>
+              <a:t>atomic</a:t>
+            </a:r>
+            <a:endParaRPr lang="pt-BR" sz="1800" i="1" dirty="0"/>
+          </a:p>
+        </p:txBody>
+      </p:sp>
+      <p:sp>
+        <p:nvSpPr>
+          <p:cNvPr id="3" name="Content Placeholder 2"/>
+          <p:cNvSpPr>
+            <a:spLocks noGrp="1"/>
+          </p:cNvSpPr>
+          <p:nvPr>
+            <p:ph idx="1"/>
+          </p:nvPr>
+        </p:nvSpPr>
+        <p:spPr/>
+        <p:txBody>
+          <a:bodyPr>
+            <a:noAutofit/>
+          </a:bodyPr>
+          <a:lstStyle/>
+          <a:p>
+            <a:endParaRPr lang="pt-BR" sz="1800" dirty="0"/>
+          </a:p>
+        </p:txBody>
+      </p:sp>
+      <p:pic>
+        <p:nvPicPr>
+          <p:cNvPr id="2050" name="Picture 2"/>
+          <p:cNvPicPr>
+            <a:picLocks noChangeAspect="1" noChangeArrowheads="1"/>
+          </p:cNvPicPr>
+          <p:nvPr/>
+        </p:nvPicPr>
+        <p:blipFill>
+          <a:blip r:embed="rId2">
+            <a:extLst>
+              <a:ext uri="{28A0092B-C50C-407E-A947-70E740481C1C}">
+                <a14:useLocalDpi xmlns:a14="http://schemas.microsoft.com/office/drawing/2010/main" val="0"/>
+              </a:ext>
+            </a:extLst>
+          </a:blip>
+          <a:srcRect/>
+          <a:stretch>
+            <a:fillRect/>
+          </a:stretch>
+        </p:blipFill>
+        <p:spPr bwMode="auto">
+          <a:xfrm>
+            <a:off x="636307" y="2132856"/>
+            <a:ext cx="3609975" cy="3448050"/>
+          </a:xfrm>
+          <a:prstGeom prst="rect">
+            <a:avLst/>
+          </a:prstGeom>
+          <a:noFill/>
+          <a:ln>
+            <a:noFill/>
+          </a:ln>
+          <a:extLst>
+            <a:ext uri="{909E8E84-426E-40DD-AFC4-6F175D3DCCD1}">
+              <a14:hiddenFill xmlns:a14="http://schemas.microsoft.com/office/drawing/2010/main">
+                <a:solidFill>
+                  <a:schemeClr val="accent1"/>
+                </a:solidFill>
+              </a14:hiddenFill>
+            </a:ext>
+            <a:ext uri="{91240B29-F687-4F45-9708-019B960494DF}">
+              <a14:hiddenLine xmlns:a14="http://schemas.microsoft.com/office/drawing/2010/main" w="9525">
+                <a:solidFill>
+                  <a:schemeClr val="tx1"/>
+                </a:solidFill>
+                <a:miter lim="800000"/>
+                <a:headEnd/>
+                <a:tailEnd/>
+              </a14:hiddenLine>
+            </a:ext>
+          </a:extLst>
+        </p:spPr>
+      </p:pic>
+      <p:pic>
+        <p:nvPicPr>
+          <p:cNvPr id="2052" name="Picture 4"/>
+          <p:cNvPicPr>
+            <a:picLocks noChangeAspect="1" noChangeArrowheads="1"/>
+          </p:cNvPicPr>
+          <p:nvPr/>
+        </p:nvPicPr>
+        <p:blipFill>
+          <a:blip r:embed="rId3" cstate="print">
+            <a:extLst>
+              <a:ext uri="{28A0092B-C50C-407E-A947-70E740481C1C}">
+                <a14:useLocalDpi xmlns:a14="http://schemas.microsoft.com/office/drawing/2010/main" val="0"/>
+              </a:ext>
+            </a:extLst>
+          </a:blip>
+          <a:srcRect/>
+          <a:stretch>
+            <a:fillRect/>
+          </a:stretch>
+        </p:blipFill>
+        <p:spPr bwMode="auto">
+          <a:xfrm>
+            <a:off x="6023992" y="2341116"/>
+            <a:ext cx="5538003" cy="3031530"/>
+          </a:xfrm>
+          <a:prstGeom prst="rect">
+            <a:avLst/>
+          </a:prstGeom>
+          <a:noFill/>
+          <a:ln>
+            <a:noFill/>
+          </a:ln>
+          <a:extLst>
+            <a:ext uri="{909E8E84-426E-40DD-AFC4-6F175D3DCCD1}">
+              <a14:hiddenFill xmlns:a14="http://schemas.microsoft.com/office/drawing/2010/main">
+                <a:solidFill>
+                  <a:schemeClr val="accent1"/>
+                </a:solidFill>
+              </a14:hiddenFill>
+            </a:ext>
+            <a:ext uri="{91240B29-F687-4F45-9708-019B960494DF}">
+              <a14:hiddenLine xmlns:a14="http://schemas.microsoft.com/office/drawing/2010/main" w="9525">
+                <a:solidFill>
+                  <a:schemeClr val="tx1"/>
+                </a:solidFill>
+                <a:miter lim="800000"/>
+                <a:headEnd/>
+                <a:tailEnd/>
+              </a14:hiddenLine>
+            </a:ext>
+          </a:extLst>
+        </p:spPr>
+      </p:pic>
+    </p:spTree>
+    <p:extLst>
+      <p:ext uri="{BB962C8B-B14F-4D97-AF65-F5344CB8AC3E}">
+        <p14:creationId xmlns:p14="http://schemas.microsoft.com/office/powerpoint/2010/main" val="3507999069"/>
+      </p:ext>
+    </p:extLst>
+  </p:cSld>
+  <p:clrMapOvr>
+    <a:masterClrMapping/>
+  </p:clrMapOvr>
+  <p:timing>
+    <p:tnLst>
+      <p:par>
+        <p:cTn id="1" dur="indefinite" restart="never" nodeType="tmRoot"/>
+      </p:par>
+    </p:tnLst>
+  </p:timing>
+</p:sld>
+</file>
+
+<file path=ppt/slides/slide21.xml><?xml version="1.0" encoding="utf-8"?>
+<p:sld xmlns:a="http://schemas.openxmlformats.org/drawingml/2006/main" xmlns:r="http://schemas.openxmlformats.org/officeDocument/2006/relationships" xmlns:p="http://schemas.openxmlformats.org/presentationml/2006/main">
+  <p:cSld>
+    <p:spTree>
+      <p:nvGrpSpPr>
+        <p:cNvPr id="1" name=""/>
+        <p:cNvGrpSpPr/>
+        <p:nvPr/>
+      </p:nvGrpSpPr>
+      <p:grpSpPr>
+        <a:xfrm>
+          <a:off x="0" y="0"/>
+          <a:ext cx="0" cy="0"/>
+          <a:chOff x="0" y="0"/>
+          <a:chExt cx="0" cy="0"/>
+        </a:xfrm>
+      </p:grpSpPr>
+      <p:sp>
+        <p:nvSpPr>
+          <p:cNvPr id="2" name="Title 1"/>
+          <p:cNvSpPr>
+            <a:spLocks noGrp="1"/>
+          </p:cNvSpPr>
+          <p:nvPr>
+            <p:ph type="title"/>
+          </p:nvPr>
+        </p:nvSpPr>
+        <p:spPr/>
+        <p:txBody>
+          <a:bodyPr>
+            <a:normAutofit/>
+          </a:bodyPr>
+          <a:lstStyle/>
+          <a:p>
+            <a:pPr algn="l"/>
+            <a:r>
+              <a:rPr lang="pt-BR" sz="2400" dirty="0"/>
+              <a:t>Características principais da </a:t>
+            </a:r>
+            <a:r>
+              <a:rPr lang="pt-BR" sz="2400" dirty="0" smtClean="0"/>
+              <a:t>linguagem</a:t>
+            </a:r>
+            <a:br>
+              <a:rPr lang="pt-BR" sz="2400" dirty="0" smtClean="0"/>
+            </a:br>
+            <a:r>
+              <a:rPr lang="pt-BR" sz="1800" i="1" dirty="0" smtClean="0"/>
               <a:t>at</a:t>
             </a:r>
             <a:endParaRPr lang="pt-BR" sz="1800" i="1" dirty="0"/>
@@ -6389,8 +6829,51 @@
           <a:p>
             <a:r>
               <a:rPr lang="pt-BR" sz="1800" dirty="0"/>
-              <a:t>Atividade do processo “pai” é bloqueado até que o trecho em { ... } seja completado.</a:t>
-            </a:r>
+              <a:t>Atividade do processo “pai” é bloqueado até que o trecho em { ... } seja completado</a:t>
+            </a:r>
+            <a:r>
+              <a:rPr lang="pt-BR" sz="1800" dirty="0" smtClean="0"/>
+              <a:t>.</a:t>
+            </a:r>
+          </a:p>
+          <a:p>
+            <a:endParaRPr lang="en-US" altLang="pt-BR" sz="1800" dirty="0" smtClean="0"/>
+          </a:p>
+          <a:p>
+            <a:r>
+              <a:rPr lang="en-US" altLang="pt-BR" sz="1800" dirty="0" smtClean="0"/>
+              <a:t>at </a:t>
+            </a:r>
+            <a:r>
+              <a:rPr lang="en-US" altLang="pt-BR" sz="1800" dirty="0" err="1"/>
+              <a:t>async</a:t>
+            </a:r>
+            <a:r>
+              <a:rPr lang="en-US" altLang="pt-BR" sz="1800" dirty="0"/>
+              <a:t> </a:t>
+            </a:r>
+            <a:r>
+              <a:rPr lang="en-US" altLang="pt-BR" sz="1800" dirty="0">
+                <a:ea typeface="Cambria Math"/>
+              </a:rPr>
+              <a:t>≠ </a:t>
+            </a:r>
+            <a:r>
+              <a:rPr lang="en-US" altLang="pt-BR" sz="1800" dirty="0" err="1">
+                <a:ea typeface="Cambria Math"/>
+              </a:rPr>
+              <a:t>async</a:t>
+            </a:r>
+            <a:r>
+              <a:rPr lang="en-US" altLang="pt-BR" sz="1800" dirty="0">
+                <a:ea typeface="Cambria Math"/>
+              </a:rPr>
+              <a:t> at</a:t>
+            </a:r>
+            <a:endParaRPr lang="en-US" altLang="pt-BR" sz="1800" dirty="0"/>
+          </a:p>
+          <a:p>
+            <a:endParaRPr lang="pt-BR" sz="1800" dirty="0"/>
           </a:p>
         </p:txBody>
       </p:sp>
@@ -6414,7 +6897,7 @@
 </p:sld>
 </file>
 
-<file path=ppt/slides/slide21.xml><?xml version="1.0" encoding="utf-8"?>
+<file path=ppt/slides/slide22.xml><?xml version="1.0" encoding="utf-8"?>
 <p:sld xmlns:a="http://schemas.openxmlformats.org/drawingml/2006/main" xmlns:r="http://schemas.openxmlformats.org/officeDocument/2006/relationships" xmlns:p="http://schemas.openxmlformats.org/presentationml/2006/main">
   <p:cSld>
     <p:spTree>
@@ -6579,7 +7062,7 @@
 </p:sld>
 </file>
 
-<file path=ppt/slides/slide22.xml><?xml version="1.0" encoding="utf-8"?>
+<file path=ppt/slides/slide23.xml><?xml version="1.0" encoding="utf-8"?>
 <p:sld xmlns:a="http://schemas.openxmlformats.org/drawingml/2006/main" xmlns:r="http://schemas.openxmlformats.org/officeDocument/2006/relationships" xmlns:p="http://schemas.openxmlformats.org/presentationml/2006/main">
   <p:cSld>
     <p:spTree>
@@ -6689,7 +7172,7 @@
 </p:sld>
 </file>
 
-<file path=ppt/slides/slide23.xml><?xml version="1.0" encoding="utf-8"?>
+<file path=ppt/slides/slide24.xml><?xml version="1.0" encoding="utf-8"?>
 <p:sld xmlns:a="http://schemas.openxmlformats.org/drawingml/2006/main" xmlns:r="http://schemas.openxmlformats.org/officeDocument/2006/relationships" xmlns:p="http://schemas.openxmlformats.org/presentationml/2006/main">
   <p:cSld>
     <p:spTree>
@@ -6729,7 +7212,7 @@
         </p:blipFill>
         <p:spPr bwMode="auto">
           <a:xfrm>
-            <a:off x="6548738" y="404664"/>
+            <a:off x="7104112" y="1600201"/>
             <a:ext cx="4089400" cy="3871912"/>
           </a:xfrm>
           <a:prstGeom prst="rect">
@@ -7633,7 +8116,7 @@
 </p:sld>
 </file>
 
-<file path=ppt/slides/slide24.xml><?xml version="1.0" encoding="utf-8"?>
+<file path=ppt/slides/slide25.xml><?xml version="1.0" encoding="utf-8"?>
 <p:sld xmlns:a="http://schemas.openxmlformats.org/drawingml/2006/main" xmlns:r="http://schemas.openxmlformats.org/officeDocument/2006/relationships" xmlns:p="http://schemas.openxmlformats.org/presentationml/2006/main">
   <p:cSld>
     <p:spTree>
@@ -7673,7 +8156,7 @@
         </p:blipFill>
         <p:spPr bwMode="auto">
           <a:xfrm>
-            <a:off x="7172326" y="2482850"/>
+            <a:off x="7536160" y="1675607"/>
             <a:ext cx="3495675" cy="4375150"/>
           </a:xfrm>
           <a:prstGeom prst="rect">
@@ -8438,1226 +8921,6 @@
     <p:extLst>
       <p:ext uri="{BB962C8B-B14F-4D97-AF65-F5344CB8AC3E}">
         <p14:creationId xmlns:p14="http://schemas.microsoft.com/office/powerpoint/2010/main" val="1748814407"/>
-      </p:ext>
-    </p:extLst>
-  </p:cSld>
-  <p:clrMapOvr>
-    <a:masterClrMapping/>
-  </p:clrMapOvr>
-  <p:timing>
-    <p:tnLst>
-      <p:par>
-        <p:cTn id="1" dur="indefinite" restart="never" nodeType="tmRoot"/>
-      </p:par>
-    </p:tnLst>
-  </p:timing>
-</p:sld>
-</file>
-
-<file path=ppt/slides/slide25.xml><?xml version="1.0" encoding="utf-8"?>
-<p:sld xmlns:a="http://schemas.openxmlformats.org/drawingml/2006/main" xmlns:r="http://schemas.openxmlformats.org/officeDocument/2006/relationships" xmlns:p="http://schemas.openxmlformats.org/presentationml/2006/main">
-  <p:cSld>
-    <p:spTree>
-      <p:nvGrpSpPr>
-        <p:cNvPr id="1" name=""/>
-        <p:cNvGrpSpPr/>
-        <p:nvPr/>
-      </p:nvGrpSpPr>
-      <p:grpSpPr>
-        <a:xfrm>
-          <a:off x="0" y="0"/>
-          <a:ext cx="0" cy="0"/>
-          <a:chOff x="0" y="0"/>
-          <a:chExt cx="0" cy="0"/>
-        </a:xfrm>
-      </p:grpSpPr>
-      <p:sp>
-        <p:nvSpPr>
-          <p:cNvPr id="5" name="Rectangle 4"/>
-          <p:cNvSpPr/>
-          <p:nvPr/>
-        </p:nvSpPr>
-        <p:spPr>
-          <a:xfrm>
-            <a:off x="2063552" y="4365105"/>
-            <a:ext cx="4608512" cy="2160239"/>
-          </a:xfrm>
-          <a:prstGeom prst="rect">
-            <a:avLst/>
-          </a:prstGeom>
-          <a:ln w="3175"/>
-        </p:spPr>
-        <p:style>
-          <a:lnRef idx="2">
-            <a:schemeClr val="dk1"/>
-          </a:lnRef>
-          <a:fillRef idx="1">
-            <a:schemeClr val="lt1"/>
-          </a:fillRef>
-          <a:effectRef idx="0">
-            <a:schemeClr val="dk1"/>
-          </a:effectRef>
-          <a:fontRef idx="minor">
-            <a:schemeClr val="dk1"/>
-          </a:fontRef>
-        </p:style>
-        <p:txBody>
-          <a:bodyPr rtlCol="0" anchor="ctr"/>
-          <a:lstStyle/>
-          <a:p>
-            <a:r>
-              <a:rPr lang="en-US" altLang="pt-BR" sz="1400" dirty="0">
-                <a:solidFill>
-                  <a:srgbClr val="910F93"/>
-                </a:solidFill>
-              </a:rPr>
-              <a:t>class</a:t>
-            </a:r>
-            <a:r>
-              <a:rPr lang="en-US" altLang="pt-BR" sz="1400" dirty="0">
-                <a:solidFill>
-                  <a:srgbClr val="000000"/>
-                </a:solidFill>
-              </a:rPr>
-              <a:t> </a:t>
-            </a:r>
-            <a:r>
-              <a:rPr lang="en-US" altLang="pt-BR" sz="1400" dirty="0" err="1">
-                <a:solidFill>
-                  <a:srgbClr val="000000"/>
-                </a:solidFill>
-              </a:rPr>
-              <a:t>HelloWholeWorld</a:t>
-            </a:r>
-            <a:r>
-              <a:rPr lang="en-US" altLang="pt-BR" sz="1400" dirty="0">
-                <a:solidFill>
-                  <a:srgbClr val="000000"/>
-                </a:solidFill>
-              </a:rPr>
-              <a:t> {  </a:t>
-            </a:r>
-          </a:p>
-          <a:p>
-            <a:r>
-              <a:rPr lang="en-US" altLang="pt-BR" sz="1400" dirty="0">
-                <a:solidFill>
-                  <a:srgbClr val="000000"/>
-                </a:solidFill>
-              </a:rPr>
-              <a:t>  </a:t>
-            </a:r>
-            <a:r>
-              <a:rPr lang="en-US" altLang="pt-BR" sz="1400" dirty="0">
-                <a:solidFill>
-                  <a:srgbClr val="910F93"/>
-                </a:solidFill>
-              </a:rPr>
-              <a:t>public</a:t>
-            </a:r>
-            <a:r>
-              <a:rPr lang="en-US" altLang="pt-BR" sz="1400" dirty="0">
-                <a:solidFill>
-                  <a:srgbClr val="000000"/>
-                </a:solidFill>
-              </a:rPr>
-              <a:t> </a:t>
-            </a:r>
-            <a:r>
-              <a:rPr lang="en-US" altLang="pt-BR" sz="1400" dirty="0">
-                <a:solidFill>
-                  <a:srgbClr val="910F93"/>
-                </a:solidFill>
-              </a:rPr>
-              <a:t>static</a:t>
-            </a:r>
-            <a:r>
-              <a:rPr lang="en-US" altLang="pt-BR" sz="1400" dirty="0">
-                <a:solidFill>
-                  <a:srgbClr val="000000"/>
-                </a:solidFill>
-              </a:rPr>
-              <a:t> </a:t>
-            </a:r>
-            <a:r>
-              <a:rPr lang="en-US" altLang="pt-BR" sz="1400" dirty="0" err="1">
-                <a:solidFill>
-                  <a:srgbClr val="910F93"/>
-                </a:solidFill>
-              </a:rPr>
-              <a:t>def</a:t>
-            </a:r>
-            <a:r>
-              <a:rPr lang="en-US" altLang="pt-BR" sz="1400" dirty="0">
-                <a:solidFill>
-                  <a:srgbClr val="000000"/>
-                </a:solidFill>
-              </a:rPr>
-              <a:t> main(</a:t>
-            </a:r>
-            <a:r>
-              <a:rPr lang="en-US" altLang="pt-BR" sz="1400" dirty="0" err="1">
-                <a:solidFill>
-                  <a:srgbClr val="000000"/>
-                </a:solidFill>
-              </a:rPr>
-              <a:t>args:Array</a:t>
-            </a:r>
-            <a:r>
-              <a:rPr lang="en-US" altLang="pt-BR" sz="1400" dirty="0">
-                <a:solidFill>
-                  <a:srgbClr val="000000"/>
-                </a:solidFill>
-              </a:rPr>
-              <a:t>[String](1)):void {</a:t>
-            </a:r>
-          </a:p>
-          <a:p>
-            <a:r>
-              <a:rPr lang="en-US" altLang="pt-BR" sz="1400" dirty="0">
-                <a:solidFill>
-                  <a:srgbClr val="000000"/>
-                </a:solidFill>
-              </a:rPr>
-              <a:t>    </a:t>
-            </a:r>
-            <a:r>
-              <a:rPr lang="en-US" altLang="pt-BR" sz="1400" dirty="0">
-                <a:solidFill>
-                  <a:srgbClr val="910F93"/>
-                </a:solidFill>
-              </a:rPr>
-              <a:t>for</a:t>
-            </a:r>
-            <a:r>
-              <a:rPr lang="en-US" altLang="pt-BR" sz="1400" dirty="0">
-                <a:solidFill>
-                  <a:srgbClr val="000000"/>
-                </a:solidFill>
-              </a:rPr>
-              <a:t> (</a:t>
-            </a:r>
-            <a:r>
-              <a:rPr lang="en-US" altLang="pt-BR" sz="1400" dirty="0" err="1">
-                <a:solidFill>
-                  <a:srgbClr val="910F93"/>
-                </a:solidFill>
-              </a:rPr>
-              <a:t>var</a:t>
-            </a:r>
-            <a:r>
-              <a:rPr lang="en-US" altLang="pt-BR" sz="1400" dirty="0">
-                <a:solidFill>
-                  <a:srgbClr val="000000"/>
-                </a:solidFill>
-              </a:rPr>
-              <a:t> i:Int=</a:t>
-            </a:r>
-            <a:r>
-              <a:rPr lang="en-US" altLang="pt-BR" sz="1400" dirty="0">
-                <a:solidFill>
-                  <a:srgbClr val="909200"/>
-                </a:solidFill>
-              </a:rPr>
-              <a:t>0</a:t>
-            </a:r>
-            <a:r>
-              <a:rPr lang="en-US" altLang="pt-BR" sz="1400" dirty="0">
-                <a:solidFill>
-                  <a:srgbClr val="000000"/>
-                </a:solidFill>
-              </a:rPr>
-              <a:t>; </a:t>
-            </a:r>
-            <a:r>
-              <a:rPr lang="en-US" altLang="pt-BR" sz="1400" dirty="0" err="1">
-                <a:solidFill>
-                  <a:srgbClr val="000000"/>
-                </a:solidFill>
-              </a:rPr>
-              <a:t>i</a:t>
-            </a:r>
-            <a:r>
-              <a:rPr lang="en-US" altLang="pt-BR" sz="1400" dirty="0">
-                <a:solidFill>
-                  <a:srgbClr val="000000"/>
-                </a:solidFill>
-              </a:rPr>
-              <a:t>&lt;</a:t>
-            </a:r>
-            <a:r>
-              <a:rPr lang="en-US" altLang="pt-BR" sz="1400" dirty="0" err="1">
-                <a:solidFill>
-                  <a:srgbClr val="000000"/>
-                </a:solidFill>
-              </a:rPr>
-              <a:t>Place.MAX_PLACES</a:t>
-            </a:r>
-            <a:r>
-              <a:rPr lang="en-US" altLang="pt-BR" sz="1400" dirty="0">
-                <a:solidFill>
-                  <a:srgbClr val="000000"/>
-                </a:solidFill>
-              </a:rPr>
-              <a:t>; </a:t>
-            </a:r>
-            <a:r>
-              <a:rPr lang="en-US" altLang="pt-BR" sz="1400" dirty="0" err="1">
-                <a:solidFill>
-                  <a:srgbClr val="000000"/>
-                </a:solidFill>
-              </a:rPr>
-              <a:t>i</a:t>
-            </a:r>
-            <a:r>
-              <a:rPr lang="en-US" altLang="pt-BR" sz="1400" dirty="0">
-                <a:solidFill>
-                  <a:srgbClr val="000000"/>
-                </a:solidFill>
-              </a:rPr>
-              <a:t>++) {</a:t>
-            </a:r>
-          </a:p>
-          <a:p>
-            <a:r>
-              <a:rPr lang="en-US" altLang="pt-BR" sz="1400" dirty="0">
-                <a:solidFill>
-                  <a:srgbClr val="000000"/>
-                </a:solidFill>
-              </a:rPr>
-              <a:t>      </a:t>
-            </a:r>
-            <a:r>
-              <a:rPr lang="en-US" altLang="pt-BR" sz="1400" dirty="0" err="1">
-                <a:solidFill>
-                  <a:srgbClr val="910F93"/>
-                </a:solidFill>
-              </a:rPr>
-              <a:t>val</a:t>
-            </a:r>
-            <a:r>
-              <a:rPr lang="en-US" altLang="pt-BR" sz="1400" dirty="0">
-                <a:solidFill>
-                  <a:srgbClr val="000000"/>
-                </a:solidFill>
-              </a:rPr>
-              <a:t> </a:t>
-            </a:r>
-            <a:r>
-              <a:rPr lang="en-US" altLang="pt-BR" sz="1400" dirty="0" err="1">
-                <a:solidFill>
-                  <a:srgbClr val="000000"/>
-                </a:solidFill>
-              </a:rPr>
-              <a:t>iVal</a:t>
-            </a:r>
-            <a:r>
-              <a:rPr lang="en-US" altLang="pt-BR" sz="1400" dirty="0">
-                <a:solidFill>
-                  <a:srgbClr val="000000"/>
-                </a:solidFill>
-              </a:rPr>
-              <a:t> = </a:t>
-            </a:r>
-            <a:r>
-              <a:rPr lang="en-US" altLang="pt-BR" sz="1400" dirty="0" err="1">
-                <a:solidFill>
-                  <a:srgbClr val="000000"/>
-                </a:solidFill>
-              </a:rPr>
-              <a:t>i</a:t>
-            </a:r>
-            <a:r>
-              <a:rPr lang="en-US" altLang="pt-BR" sz="1400" dirty="0">
-                <a:solidFill>
-                  <a:srgbClr val="000000"/>
-                </a:solidFill>
-              </a:rPr>
-              <a:t>;</a:t>
-            </a:r>
-          </a:p>
-          <a:p>
-            <a:r>
-              <a:rPr lang="en-US" altLang="pt-BR" sz="1400" dirty="0">
-                <a:solidFill>
-                  <a:srgbClr val="000000"/>
-                </a:solidFill>
-              </a:rPr>
-              <a:t>      </a:t>
-            </a:r>
-            <a:r>
-              <a:rPr lang="en-US" altLang="pt-BR" sz="1400" dirty="0" err="1">
-                <a:solidFill>
-                  <a:srgbClr val="910F93"/>
-                </a:solidFill>
-              </a:rPr>
-              <a:t>async</a:t>
-            </a:r>
-            <a:r>
-              <a:rPr lang="en-US" altLang="pt-BR" sz="1400" dirty="0">
-                <a:solidFill>
-                  <a:srgbClr val="000000"/>
-                </a:solidFill>
-              </a:rPr>
-              <a:t> </a:t>
-            </a:r>
-            <a:r>
-              <a:rPr lang="en-US" altLang="pt-BR" sz="1400" dirty="0">
-                <a:solidFill>
-                  <a:srgbClr val="910F93"/>
-                </a:solidFill>
-              </a:rPr>
-              <a:t>at</a:t>
-            </a:r>
-            <a:r>
-              <a:rPr lang="en-US" altLang="pt-BR" sz="1400" dirty="0">
-                <a:solidFill>
-                  <a:srgbClr val="000000"/>
-                </a:solidFill>
-              </a:rPr>
-              <a:t> (</a:t>
-            </a:r>
-            <a:r>
-              <a:rPr lang="en-US" altLang="pt-BR" sz="1400" dirty="0" err="1">
-                <a:solidFill>
-                  <a:srgbClr val="000000"/>
-                </a:solidFill>
-              </a:rPr>
-              <a:t>Place.places</a:t>
-            </a:r>
-            <a:r>
-              <a:rPr lang="en-US" altLang="pt-BR" sz="1400" dirty="0">
-                <a:solidFill>
-                  <a:srgbClr val="000000"/>
-                </a:solidFill>
-              </a:rPr>
-              <a:t>(</a:t>
-            </a:r>
-            <a:r>
-              <a:rPr lang="en-US" altLang="pt-BR" sz="1400" dirty="0" err="1">
-                <a:solidFill>
-                  <a:srgbClr val="000000"/>
-                </a:solidFill>
-              </a:rPr>
-              <a:t>iVal</a:t>
-            </a:r>
-            <a:r>
-              <a:rPr lang="en-US" altLang="pt-BR" sz="1400" dirty="0">
-                <a:solidFill>
-                  <a:srgbClr val="000000"/>
-                </a:solidFill>
-              </a:rPr>
-              <a:t>)) {</a:t>
-            </a:r>
-          </a:p>
-          <a:p>
-            <a:r>
-              <a:rPr lang="en-US" altLang="pt-BR" sz="1400" dirty="0">
-                <a:solidFill>
-                  <a:srgbClr val="000000"/>
-                </a:solidFill>
-              </a:rPr>
-              <a:t>        </a:t>
-            </a:r>
-            <a:r>
-              <a:rPr lang="en-US" altLang="pt-BR" sz="1400" dirty="0" err="1">
-                <a:solidFill>
-                  <a:srgbClr val="000000"/>
-                </a:solidFill>
-              </a:rPr>
-              <a:t>Console.OUT.println</a:t>
-            </a:r>
-            <a:r>
-              <a:rPr lang="en-US" altLang="pt-BR" sz="1400" dirty="0">
-                <a:solidFill>
-                  <a:srgbClr val="000000"/>
-                </a:solidFill>
-              </a:rPr>
-              <a:t>(</a:t>
-            </a:r>
-            <a:r>
-              <a:rPr lang="en-US" altLang="pt-BR" sz="1400" dirty="0">
-                <a:solidFill>
-                  <a:srgbClr val="190492"/>
-                </a:solidFill>
-              </a:rPr>
-              <a:t>"Hello World from place "</a:t>
-            </a:r>
-            <a:r>
-              <a:rPr lang="en-US" altLang="pt-BR" sz="1400" dirty="0">
-                <a:solidFill>
-                  <a:srgbClr val="000000"/>
-                </a:solidFill>
-              </a:rPr>
-              <a:t>+</a:t>
-            </a:r>
-            <a:r>
-              <a:rPr lang="en-US" altLang="pt-BR" sz="1400" dirty="0">
-                <a:solidFill>
-                  <a:srgbClr val="910F93"/>
-                </a:solidFill>
-              </a:rPr>
-              <a:t>here</a:t>
-            </a:r>
-            <a:r>
-              <a:rPr lang="en-US" altLang="pt-BR" sz="1400" dirty="0">
-                <a:solidFill>
-                  <a:srgbClr val="000000"/>
-                </a:solidFill>
-              </a:rPr>
-              <a:t>.id);</a:t>
-            </a:r>
-          </a:p>
-          <a:p>
-            <a:r>
-              <a:rPr lang="en-US" altLang="pt-BR" sz="1400" dirty="0">
-                <a:solidFill>
-                  <a:srgbClr val="000000"/>
-                </a:solidFill>
-              </a:rPr>
-              <a:t>      }</a:t>
-            </a:r>
-          </a:p>
-          <a:p>
-            <a:r>
-              <a:rPr lang="en-US" altLang="pt-BR" sz="1400" dirty="0">
-                <a:solidFill>
-                  <a:srgbClr val="000000"/>
-                </a:solidFill>
-              </a:rPr>
-              <a:t>    }</a:t>
-            </a:r>
-          </a:p>
-          <a:p>
-            <a:r>
-              <a:rPr lang="en-US" altLang="pt-BR" sz="1400" dirty="0">
-                <a:solidFill>
-                  <a:srgbClr val="000000"/>
-                </a:solidFill>
-              </a:rPr>
-              <a:t>  }</a:t>
-            </a:r>
-          </a:p>
-          <a:p>
-            <a:r>
-              <a:rPr lang="en-US" altLang="pt-BR" sz="1400" dirty="0">
-                <a:solidFill>
-                  <a:srgbClr val="000000"/>
-                </a:solidFill>
-              </a:rPr>
-              <a:t>}</a:t>
-            </a:r>
-            <a:endParaRPr lang="en-US" altLang="pt-BR" sz="1400" dirty="0"/>
-          </a:p>
-        </p:txBody>
-      </p:sp>
-      <p:sp>
-        <p:nvSpPr>
-          <p:cNvPr id="2" name="Title 1"/>
-          <p:cNvSpPr>
-            <a:spLocks noGrp="1"/>
-          </p:cNvSpPr>
-          <p:nvPr>
-            <p:ph type="title"/>
-          </p:nvPr>
-        </p:nvSpPr>
-        <p:spPr/>
-        <p:txBody>
-          <a:bodyPr>
-            <a:normAutofit/>
-          </a:bodyPr>
-          <a:lstStyle/>
-          <a:p>
-            <a:pPr algn="l"/>
-            <a:r>
-              <a:rPr lang="pt-BR" sz="2400" dirty="0" smtClean="0"/>
-              <a:t>Exemplos</a:t>
-            </a:r>
-            <a:endParaRPr lang="pt-BR" sz="2400" dirty="0"/>
-          </a:p>
-        </p:txBody>
-      </p:sp>
-      <p:sp>
-        <p:nvSpPr>
-          <p:cNvPr id="3" name="Content Placeholder 2"/>
-          <p:cNvSpPr>
-            <a:spLocks noGrp="1"/>
-          </p:cNvSpPr>
-          <p:nvPr>
-            <p:ph idx="1"/>
-          </p:nvPr>
-        </p:nvSpPr>
-        <p:spPr/>
-        <p:txBody>
-          <a:bodyPr>
-            <a:normAutofit/>
-          </a:bodyPr>
-          <a:lstStyle/>
-          <a:p>
-            <a:pPr>
-              <a:lnSpc>
-                <a:spcPct val="70000"/>
-              </a:lnSpc>
-            </a:pPr>
-            <a:r>
-              <a:rPr lang="en-US" altLang="pt-BR" sz="1800" i="1" dirty="0"/>
-              <a:t>at</a:t>
-            </a:r>
-          </a:p>
-          <a:p>
-            <a:pPr lvl="1">
-              <a:lnSpc>
-                <a:spcPct val="70000"/>
-              </a:lnSpc>
-            </a:pPr>
-            <a:r>
-              <a:rPr lang="en-US" altLang="pt-BR" sz="1600" dirty="0"/>
-              <a:t>Define </a:t>
-            </a:r>
-            <a:r>
-              <a:rPr lang="en-US" altLang="pt-BR" sz="1600" dirty="0" err="1"/>
-              <a:t>que</a:t>
-            </a:r>
-            <a:r>
-              <a:rPr lang="en-US" altLang="pt-BR" sz="1600" dirty="0"/>
-              <a:t> </a:t>
-            </a:r>
-            <a:r>
-              <a:rPr lang="en-US" altLang="pt-BR" sz="1600" dirty="0" err="1"/>
-              <a:t>uma</a:t>
-            </a:r>
-            <a:r>
-              <a:rPr lang="en-US" altLang="pt-BR" sz="1600" dirty="0"/>
-              <a:t> </a:t>
-            </a:r>
-            <a:r>
-              <a:rPr lang="en-US" altLang="pt-BR" sz="1600" dirty="0" err="1"/>
-              <a:t>certa</a:t>
-            </a:r>
-            <a:r>
-              <a:rPr lang="en-US" altLang="pt-BR" sz="1600" dirty="0"/>
-              <a:t> </a:t>
-            </a:r>
-            <a:r>
-              <a:rPr lang="en-US" altLang="pt-BR" sz="1600" dirty="0" err="1"/>
-              <a:t>atividade</a:t>
-            </a:r>
-            <a:r>
-              <a:rPr lang="en-US" altLang="pt-BR" sz="1600" dirty="0"/>
-              <a:t> </a:t>
-            </a:r>
-            <a:r>
-              <a:rPr lang="en-US" altLang="pt-BR" sz="1600" dirty="0" err="1"/>
-              <a:t>será</a:t>
-            </a:r>
-            <a:r>
-              <a:rPr lang="en-US" altLang="pt-BR" sz="1600" dirty="0"/>
-              <a:t> </a:t>
-            </a:r>
-            <a:r>
-              <a:rPr lang="en-US" altLang="pt-BR" sz="1600" dirty="0" err="1"/>
-              <a:t>feita</a:t>
-            </a:r>
-            <a:r>
-              <a:rPr lang="en-US" altLang="pt-BR" sz="1600" dirty="0"/>
-              <a:t> </a:t>
-            </a:r>
-            <a:r>
-              <a:rPr lang="en-US" altLang="pt-BR" sz="1600" dirty="0" err="1"/>
-              <a:t>em</a:t>
-            </a:r>
-            <a:r>
-              <a:rPr lang="en-US" altLang="pt-BR" sz="1600" dirty="0"/>
-              <a:t> um </a:t>
-            </a:r>
-            <a:r>
-              <a:rPr lang="en-US" altLang="pt-BR" sz="1600" i="1" dirty="0"/>
-              <a:t>place</a:t>
-            </a:r>
-            <a:endParaRPr lang="en-US" altLang="pt-BR" sz="1600" dirty="0"/>
-          </a:p>
-          <a:p>
-            <a:pPr>
-              <a:lnSpc>
-                <a:spcPct val="70000"/>
-              </a:lnSpc>
-            </a:pPr>
-            <a:r>
-              <a:rPr lang="en-US" altLang="pt-BR" sz="1800" i="1" dirty="0" err="1"/>
-              <a:t>async</a:t>
-            </a:r>
-            <a:endParaRPr lang="en-US" altLang="pt-BR" sz="1800" i="1" dirty="0"/>
-          </a:p>
-          <a:p>
-            <a:pPr lvl="1">
-              <a:lnSpc>
-                <a:spcPct val="70000"/>
-              </a:lnSpc>
-            </a:pPr>
-            <a:r>
-              <a:rPr lang="en-US" altLang="pt-BR" sz="1600" dirty="0" err="1"/>
-              <a:t>Inicia</a:t>
-            </a:r>
-            <a:r>
-              <a:rPr lang="en-US" altLang="pt-BR" sz="1600" dirty="0"/>
-              <a:t> </a:t>
-            </a:r>
-            <a:r>
-              <a:rPr lang="en-US" altLang="pt-BR" sz="1600" dirty="0" err="1"/>
-              <a:t>uma</a:t>
-            </a:r>
-            <a:r>
-              <a:rPr lang="en-US" altLang="pt-BR" sz="1600" dirty="0"/>
-              <a:t> nova </a:t>
-            </a:r>
-            <a:r>
-              <a:rPr lang="en-US" altLang="pt-BR" sz="1600" dirty="0" err="1"/>
-              <a:t>atividade</a:t>
-            </a:r>
-            <a:r>
-              <a:rPr lang="en-US" altLang="pt-BR" sz="1600" dirty="0"/>
-              <a:t>, </a:t>
-            </a:r>
-            <a:r>
-              <a:rPr lang="en-US" altLang="pt-BR" sz="1600" dirty="0" err="1"/>
-              <a:t>sem</a:t>
-            </a:r>
-            <a:r>
-              <a:rPr lang="en-US" altLang="pt-BR" sz="1600" dirty="0"/>
-              <a:t> </a:t>
-            </a:r>
-            <a:r>
-              <a:rPr lang="en-US" altLang="pt-BR" sz="1600" dirty="0" err="1"/>
-              <a:t>esperar</a:t>
-            </a:r>
-            <a:r>
-              <a:rPr lang="en-US" altLang="pt-BR" sz="1600" dirty="0"/>
-              <a:t> </a:t>
-            </a:r>
-            <a:r>
-              <a:rPr lang="en-US" altLang="pt-BR" sz="1600" dirty="0" err="1"/>
-              <a:t>que</a:t>
-            </a:r>
-            <a:r>
-              <a:rPr lang="en-US" altLang="pt-BR" sz="1600" dirty="0"/>
-              <a:t> </a:t>
-            </a:r>
-            <a:r>
-              <a:rPr lang="en-US" altLang="pt-BR" sz="1600" dirty="0" err="1"/>
-              <a:t>ela</a:t>
-            </a:r>
-            <a:r>
-              <a:rPr lang="en-US" altLang="pt-BR" sz="1600" dirty="0"/>
-              <a:t> </a:t>
-            </a:r>
-            <a:r>
-              <a:rPr lang="en-US" altLang="pt-BR" sz="1600" dirty="0" err="1"/>
-              <a:t>termine</a:t>
-            </a:r>
-            <a:endParaRPr lang="en-US" altLang="pt-BR" sz="1600" dirty="0"/>
-          </a:p>
-          <a:p>
-            <a:pPr>
-              <a:lnSpc>
-                <a:spcPct val="70000"/>
-              </a:lnSpc>
-            </a:pPr>
-            <a:endParaRPr lang="en-US" altLang="pt-BR" sz="1800" dirty="0">
-              <a:latin typeface="Monaco" charset="0"/>
-            </a:endParaRPr>
-          </a:p>
-          <a:p>
-            <a:pPr>
-              <a:lnSpc>
-                <a:spcPct val="70000"/>
-              </a:lnSpc>
-            </a:pPr>
-            <a:r>
-              <a:rPr lang="en-US" altLang="pt-BR" sz="1800" dirty="0"/>
-              <a:t>as </a:t>
-            </a:r>
-            <a:r>
-              <a:rPr lang="en-US" altLang="pt-BR" sz="1800" dirty="0" err="1"/>
-              <a:t>async</a:t>
-            </a:r>
-            <a:r>
-              <a:rPr lang="en-US" altLang="pt-BR" sz="1800" dirty="0"/>
-              <a:t> </a:t>
-            </a:r>
-            <a:r>
-              <a:rPr lang="en-US" altLang="pt-BR" sz="1800" dirty="0">
-                <a:ea typeface="Cambria Math"/>
-              </a:rPr>
-              <a:t>≠ </a:t>
-            </a:r>
-            <a:r>
-              <a:rPr lang="en-US" altLang="pt-BR" sz="1800" dirty="0" err="1">
-                <a:ea typeface="Cambria Math"/>
-              </a:rPr>
-              <a:t>async</a:t>
-            </a:r>
-            <a:r>
-              <a:rPr lang="en-US" altLang="pt-BR" sz="1800" dirty="0">
-                <a:ea typeface="Cambria Math"/>
-              </a:rPr>
-              <a:t> as</a:t>
-            </a:r>
-            <a:endParaRPr lang="en-US" altLang="pt-BR" sz="1800" dirty="0"/>
-          </a:p>
-          <a:p>
-            <a:pPr>
-              <a:lnSpc>
-                <a:spcPct val="70000"/>
-              </a:lnSpc>
-            </a:pPr>
-            <a:endParaRPr lang="en-US" altLang="pt-BR" sz="1800" dirty="0">
-              <a:latin typeface="Monaco" charset="0"/>
-            </a:endParaRPr>
-          </a:p>
-          <a:p>
-            <a:pPr>
-              <a:lnSpc>
-                <a:spcPct val="70000"/>
-              </a:lnSpc>
-            </a:pPr>
-            <a:r>
-              <a:rPr lang="en-US" altLang="pt-BR" sz="1800" dirty="0" err="1"/>
-              <a:t>Apenas</a:t>
-            </a:r>
-            <a:r>
-              <a:rPr lang="en-US" altLang="pt-BR" sz="1800" dirty="0"/>
-              <a:t> </a:t>
-            </a:r>
-            <a:r>
-              <a:rPr lang="en-US" altLang="pt-BR" sz="1800" dirty="0" err="1"/>
-              <a:t>variáveis</a:t>
-            </a:r>
-            <a:r>
-              <a:rPr lang="en-US" altLang="pt-BR" sz="1800" dirty="0"/>
-              <a:t> “</a:t>
-            </a:r>
-            <a:r>
-              <a:rPr lang="en-US" altLang="pt-BR" sz="1800" dirty="0" err="1"/>
-              <a:t>val</a:t>
-            </a:r>
-            <a:r>
-              <a:rPr lang="en-US" altLang="pt-BR" sz="1800" dirty="0"/>
-              <a:t>” </a:t>
-            </a:r>
-            <a:r>
-              <a:rPr lang="en-US" altLang="pt-BR" sz="1800" dirty="0" err="1"/>
-              <a:t>podem</a:t>
-            </a:r>
-            <a:r>
-              <a:rPr lang="en-US" altLang="pt-BR" sz="1800" dirty="0"/>
-              <a:t> </a:t>
-            </a:r>
-            <a:r>
-              <a:rPr lang="en-US" altLang="pt-BR" sz="1800" dirty="0" err="1"/>
-              <a:t>ser</a:t>
-            </a:r>
-            <a:r>
-              <a:rPr lang="en-US" altLang="pt-BR" sz="1800" dirty="0"/>
-              <a:t> </a:t>
-            </a:r>
-            <a:r>
-              <a:rPr lang="en-US" altLang="pt-BR" sz="1800" dirty="0" err="1"/>
-              <a:t>acessadas</a:t>
-            </a:r>
-            <a:r>
-              <a:rPr lang="en-US" altLang="pt-BR" sz="1800" dirty="0"/>
-              <a:t> </a:t>
-            </a:r>
-            <a:r>
-              <a:rPr lang="en-US" altLang="pt-BR" sz="1800" dirty="0" err="1"/>
-              <a:t>por</a:t>
-            </a:r>
-            <a:r>
-              <a:rPr lang="en-US" altLang="pt-BR" sz="1800" dirty="0"/>
-              <a:t> </a:t>
-            </a:r>
-            <a:r>
-              <a:rPr lang="en-US" altLang="pt-BR" sz="1800" dirty="0" err="1"/>
-              <a:t>blocos</a:t>
-            </a:r>
-            <a:r>
-              <a:rPr lang="en-US" altLang="pt-BR" sz="1800" dirty="0"/>
-              <a:t> </a:t>
-            </a:r>
-            <a:r>
-              <a:rPr lang="en-US" altLang="pt-BR" sz="1800" i="1" dirty="0" err="1"/>
-              <a:t>async</a:t>
-            </a:r>
-            <a:r>
-              <a:rPr lang="en-US" altLang="pt-BR" sz="1800" dirty="0"/>
-              <a:t> </a:t>
-            </a:r>
-            <a:r>
-              <a:rPr lang="en-US" altLang="pt-BR" sz="1800" dirty="0" err="1"/>
-              <a:t>ou</a:t>
-            </a:r>
-            <a:r>
-              <a:rPr lang="en-US" altLang="pt-BR" sz="1800" dirty="0"/>
-              <a:t> </a:t>
-            </a:r>
-            <a:r>
-              <a:rPr lang="en-US" altLang="pt-BR" sz="1800" i="1" dirty="0"/>
-              <a:t>at</a:t>
-            </a:r>
-          </a:p>
-          <a:p>
-            <a:pPr lvl="1">
-              <a:lnSpc>
-                <a:spcPct val="70000"/>
-              </a:lnSpc>
-            </a:pPr>
-            <a:r>
-              <a:rPr lang="en-US" altLang="pt-BR" sz="1600" dirty="0" err="1"/>
-              <a:t>iVal</a:t>
-            </a:r>
-            <a:r>
-              <a:rPr lang="en-US" altLang="pt-BR" sz="1600" dirty="0"/>
-              <a:t> é </a:t>
-            </a:r>
-            <a:r>
-              <a:rPr lang="en-US" altLang="pt-BR" sz="1600" dirty="0" err="1"/>
-              <a:t>uma</a:t>
-            </a:r>
-            <a:r>
-              <a:rPr lang="en-US" altLang="pt-BR" sz="1600" dirty="0"/>
-              <a:t> </a:t>
-            </a:r>
-            <a:r>
-              <a:rPr lang="en-US" altLang="pt-BR" sz="1600" dirty="0" err="1"/>
-              <a:t>cópia</a:t>
-            </a:r>
-            <a:r>
-              <a:rPr lang="en-US" altLang="pt-BR" sz="1600" dirty="0"/>
-              <a:t> de ‘</a:t>
-            </a:r>
-            <a:r>
-              <a:rPr lang="en-US" altLang="pt-BR" sz="1600" dirty="0" err="1"/>
-              <a:t>i</a:t>
-            </a:r>
-            <a:r>
-              <a:rPr lang="en-US" altLang="pt-BR" sz="1600" dirty="0"/>
-              <a:t>’ para </a:t>
-            </a:r>
-            <a:r>
-              <a:rPr lang="en-US" altLang="pt-BR" sz="1600" dirty="0" err="1"/>
-              <a:t>que</a:t>
-            </a:r>
-            <a:r>
-              <a:rPr lang="en-US" altLang="pt-BR" sz="1600" dirty="0"/>
-              <a:t> </a:t>
-            </a:r>
-            <a:r>
-              <a:rPr lang="en-US" altLang="pt-BR" sz="1600" dirty="0" err="1"/>
-              <a:t>seja</a:t>
-            </a:r>
-            <a:r>
-              <a:rPr lang="en-US" altLang="pt-BR" sz="1600" dirty="0"/>
-              <a:t> </a:t>
-            </a:r>
-            <a:r>
-              <a:rPr lang="en-US" altLang="pt-BR" sz="1600" dirty="0" err="1"/>
-              <a:t>utilizada</a:t>
-            </a:r>
-            <a:r>
-              <a:rPr lang="en-US" altLang="pt-BR" sz="1600" dirty="0"/>
-              <a:t> no </a:t>
-            </a:r>
-            <a:r>
-              <a:rPr lang="en-US" altLang="pt-BR" sz="1600" dirty="0" err="1"/>
-              <a:t>bloco</a:t>
-            </a:r>
-            <a:r>
-              <a:rPr lang="en-US" altLang="pt-BR" sz="1600" dirty="0"/>
-              <a:t> </a:t>
-            </a:r>
-            <a:r>
-              <a:rPr lang="en-US" altLang="pt-BR" sz="1600" i="1" dirty="0"/>
-              <a:t>at</a:t>
-            </a:r>
-            <a:r>
-              <a:rPr lang="en-US" altLang="pt-BR" sz="1600" dirty="0"/>
-              <a:t>.</a:t>
-            </a:r>
-          </a:p>
-          <a:p>
-            <a:pPr lvl="1">
-              <a:lnSpc>
-                <a:spcPct val="70000"/>
-              </a:lnSpc>
-            </a:pPr>
-            <a:r>
-              <a:rPr lang="en-US" altLang="pt-BR" sz="1600" dirty="0"/>
-              <a:t>‘</a:t>
-            </a:r>
-            <a:r>
-              <a:rPr lang="en-US" altLang="pt-BR" sz="1600" dirty="0" err="1"/>
-              <a:t>i</a:t>
-            </a:r>
-            <a:r>
-              <a:rPr lang="en-US" altLang="pt-BR" sz="1600" dirty="0"/>
-              <a:t>’ é </a:t>
-            </a:r>
-            <a:r>
-              <a:rPr lang="en-US" altLang="pt-BR" sz="1600" dirty="0" err="1"/>
-              <a:t>uma</a:t>
-            </a:r>
-            <a:r>
-              <a:rPr lang="en-US" altLang="pt-BR" sz="1600" dirty="0"/>
-              <a:t> </a:t>
-            </a:r>
-            <a:r>
-              <a:rPr lang="en-US" altLang="pt-BR" sz="1600" dirty="0" err="1"/>
-              <a:t>variável</a:t>
-            </a:r>
-            <a:r>
-              <a:rPr lang="en-US" altLang="pt-BR" sz="1600" dirty="0"/>
-              <a:t> </a:t>
-            </a:r>
-            <a:r>
-              <a:rPr lang="en-US" altLang="pt-BR" sz="1600" dirty="0" err="1"/>
-              <a:t>var</a:t>
-            </a:r>
-            <a:r>
-              <a:rPr lang="en-US" altLang="pt-BR" sz="1600" dirty="0"/>
-              <a:t>, e </a:t>
-            </a:r>
-            <a:r>
-              <a:rPr lang="en-US" altLang="pt-BR" sz="1600" dirty="0" err="1"/>
-              <a:t>será</a:t>
-            </a:r>
-            <a:r>
-              <a:rPr lang="en-US" altLang="pt-BR" sz="1600" dirty="0"/>
-              <a:t> </a:t>
-            </a:r>
-            <a:r>
-              <a:rPr lang="en-US" altLang="pt-BR" sz="1600" dirty="0" err="1"/>
-              <a:t>gerado</a:t>
-            </a:r>
-            <a:r>
-              <a:rPr lang="en-US" altLang="pt-BR" sz="1600" dirty="0"/>
-              <a:t> um </a:t>
-            </a:r>
-            <a:r>
-              <a:rPr lang="en-US" altLang="pt-BR" sz="1600" dirty="0" err="1"/>
-              <a:t>erro</a:t>
-            </a:r>
-            <a:r>
-              <a:rPr lang="en-US" altLang="pt-BR" sz="1600" dirty="0"/>
-              <a:t>.</a:t>
-            </a:r>
-          </a:p>
-          <a:p>
-            <a:pPr marL="0" indent="0">
-              <a:buNone/>
-            </a:pPr>
-            <a:endParaRPr lang="pt-BR" dirty="0"/>
-          </a:p>
-        </p:txBody>
-      </p:sp>
-      <p:sp>
-        <p:nvSpPr>
-          <p:cNvPr id="4" name="Rectangle 7"/>
-          <p:cNvSpPr>
-            <a:spLocks noChangeArrowheads="1"/>
-          </p:cNvSpPr>
-          <p:nvPr/>
-        </p:nvSpPr>
-        <p:spPr bwMode="auto">
-          <a:xfrm>
-            <a:off x="7464152" y="4725145"/>
-            <a:ext cx="2016224" cy="954107"/>
-          </a:xfrm>
-          <a:prstGeom prst="rect">
-            <a:avLst/>
-          </a:prstGeom>
-          <a:noFill/>
-          <a:ln w="3175">
-            <a:solidFill>
-              <a:schemeClr val="tx1"/>
-            </a:solidFill>
-            <a:miter lim="800000"/>
-            <a:headEnd/>
-            <a:tailEnd/>
-          </a:ln>
-          <a:extLst>
-            <a:ext uri="{909E8E84-426E-40DD-AFC4-6F175D3DCCD1}">
-              <a14:hiddenFill xmlns:a14="http://schemas.microsoft.com/office/drawing/2010/main">
-                <a:solidFill>
-                  <a:srgbClr val="FFFFFF"/>
-                </a:solidFill>
-              </a14:hiddenFill>
-            </a:ext>
-          </a:extLst>
-        </p:spPr>
-        <p:txBody>
-          <a:bodyPr wrap="square">
-            <a:spAutoFit/>
-          </a:bodyPr>
-          <a:lstStyle>
-            <a:lvl1pPr eaLnBrk="0" hangingPunct="0">
-              <a:defRPr sz="2800">
-                <a:solidFill>
-                  <a:srgbClr val="3F3D41"/>
-                </a:solidFill>
-                <a:latin typeface="Arial" pitchFamily="34" charset="0"/>
-                <a:ea typeface="ＭＳ Ｐゴシック" pitchFamily="34" charset="-128"/>
-              </a:defRPr>
-            </a:lvl1pPr>
-            <a:lvl2pPr marL="37931725" indent="-37474525" eaLnBrk="0" hangingPunct="0">
-              <a:defRPr sz="2800">
-                <a:solidFill>
-                  <a:srgbClr val="3F3D41"/>
-                </a:solidFill>
-                <a:latin typeface="Arial" pitchFamily="34" charset="0"/>
-                <a:ea typeface="ＭＳ Ｐゴシック" pitchFamily="34" charset="-128"/>
-              </a:defRPr>
-            </a:lvl2pPr>
-            <a:lvl3pPr eaLnBrk="0" hangingPunct="0">
-              <a:defRPr sz="2800">
-                <a:solidFill>
-                  <a:srgbClr val="3F3D41"/>
-                </a:solidFill>
-                <a:latin typeface="Arial" pitchFamily="34" charset="0"/>
-                <a:ea typeface="ＭＳ Ｐゴシック" pitchFamily="34" charset="-128"/>
-              </a:defRPr>
-            </a:lvl3pPr>
-            <a:lvl4pPr eaLnBrk="0" hangingPunct="0">
-              <a:defRPr sz="2800">
-                <a:solidFill>
-                  <a:srgbClr val="3F3D41"/>
-                </a:solidFill>
-                <a:latin typeface="Arial" pitchFamily="34" charset="0"/>
-                <a:ea typeface="ＭＳ Ｐゴシック" pitchFamily="34" charset="-128"/>
-              </a:defRPr>
-            </a:lvl4pPr>
-            <a:lvl5pPr eaLnBrk="0" hangingPunct="0">
-              <a:defRPr sz="2800">
-                <a:solidFill>
-                  <a:srgbClr val="3F3D41"/>
-                </a:solidFill>
-                <a:latin typeface="Arial" pitchFamily="34" charset="0"/>
-                <a:ea typeface="ＭＳ Ｐゴシック" pitchFamily="34" charset="-128"/>
-              </a:defRPr>
-            </a:lvl5pPr>
-            <a:lvl6pPr marL="457200" eaLnBrk="0" fontAlgn="base" hangingPunct="0">
-              <a:spcBef>
-                <a:spcPct val="0"/>
-              </a:spcBef>
-              <a:spcAft>
-                <a:spcPct val="0"/>
-              </a:spcAft>
-              <a:defRPr sz="2800">
-                <a:solidFill>
-                  <a:srgbClr val="3F3D41"/>
-                </a:solidFill>
-                <a:latin typeface="Arial" pitchFamily="34" charset="0"/>
-                <a:ea typeface="ＭＳ Ｐゴシック" pitchFamily="34" charset="-128"/>
-              </a:defRPr>
-            </a:lvl6pPr>
-            <a:lvl7pPr marL="914400" eaLnBrk="0" fontAlgn="base" hangingPunct="0">
-              <a:spcBef>
-                <a:spcPct val="0"/>
-              </a:spcBef>
-              <a:spcAft>
-                <a:spcPct val="0"/>
-              </a:spcAft>
-              <a:defRPr sz="2800">
-                <a:solidFill>
-                  <a:srgbClr val="3F3D41"/>
-                </a:solidFill>
-                <a:latin typeface="Arial" pitchFamily="34" charset="0"/>
-                <a:ea typeface="ＭＳ Ｐゴシック" pitchFamily="34" charset="-128"/>
-              </a:defRPr>
-            </a:lvl7pPr>
-            <a:lvl8pPr marL="1371600" eaLnBrk="0" fontAlgn="base" hangingPunct="0">
-              <a:spcBef>
-                <a:spcPct val="0"/>
-              </a:spcBef>
-              <a:spcAft>
-                <a:spcPct val="0"/>
-              </a:spcAft>
-              <a:defRPr sz="2800">
-                <a:solidFill>
-                  <a:srgbClr val="3F3D41"/>
-                </a:solidFill>
-                <a:latin typeface="Arial" pitchFamily="34" charset="0"/>
-                <a:ea typeface="ＭＳ Ｐゴシック" pitchFamily="34" charset="-128"/>
-              </a:defRPr>
-            </a:lvl8pPr>
-            <a:lvl9pPr marL="1828800" eaLnBrk="0" fontAlgn="base" hangingPunct="0">
-              <a:spcBef>
-                <a:spcPct val="0"/>
-              </a:spcBef>
-              <a:spcAft>
-                <a:spcPct val="0"/>
-              </a:spcAft>
-              <a:defRPr sz="2800">
-                <a:solidFill>
-                  <a:srgbClr val="3F3D41"/>
-                </a:solidFill>
-                <a:latin typeface="Arial" pitchFamily="34" charset="0"/>
-                <a:ea typeface="ＭＳ Ｐゴシック" pitchFamily="34" charset="-128"/>
-              </a:defRPr>
-            </a:lvl9pPr>
-          </a:lstStyle>
-          <a:p>
-            <a:r>
-              <a:rPr lang="en-US" altLang="pt-BR" sz="1400" dirty="0">
-                <a:solidFill>
-                  <a:srgbClr val="000000"/>
-                </a:solidFill>
-                <a:latin typeface="+mn-lt"/>
-              </a:rPr>
-              <a:t>Hello World from place 0</a:t>
-            </a:r>
-          </a:p>
-          <a:p>
-            <a:r>
-              <a:rPr lang="en-US" altLang="pt-BR" sz="1400" dirty="0">
-                <a:solidFill>
-                  <a:srgbClr val="000000"/>
-                </a:solidFill>
-                <a:latin typeface="+mn-lt"/>
-              </a:rPr>
-              <a:t>Hello World from place 2</a:t>
-            </a:r>
-          </a:p>
-          <a:p>
-            <a:r>
-              <a:rPr lang="en-US" altLang="pt-BR" sz="1400" dirty="0">
-                <a:solidFill>
-                  <a:srgbClr val="000000"/>
-                </a:solidFill>
-                <a:latin typeface="+mn-lt"/>
-              </a:rPr>
-              <a:t>Hello World from place 3</a:t>
-            </a:r>
-          </a:p>
-          <a:p>
-            <a:r>
-              <a:rPr lang="en-US" altLang="pt-BR" sz="1400" dirty="0">
-                <a:solidFill>
-                  <a:srgbClr val="000000"/>
-                </a:solidFill>
-                <a:latin typeface="+mn-lt"/>
-              </a:rPr>
-              <a:t>Hello World from place 1</a:t>
-            </a:r>
-            <a:endParaRPr lang="en-US" altLang="pt-BR" sz="1400" dirty="0">
-              <a:latin typeface="+mn-lt"/>
-            </a:endParaRPr>
-          </a:p>
-        </p:txBody>
-      </p:sp>
-    </p:spTree>
-    <p:extLst>
-      <p:ext uri="{BB962C8B-B14F-4D97-AF65-F5344CB8AC3E}">
-        <p14:creationId xmlns:p14="http://schemas.microsoft.com/office/powerpoint/2010/main" val="4060082110"/>
       </p:ext>
     </p:extLst>
   </p:cSld>
@@ -9693,486 +8956,6 @@
       </p:grpSpPr>
       <p:sp>
         <p:nvSpPr>
-          <p:cNvPr id="5" name="Rectangle 4"/>
-          <p:cNvSpPr/>
-          <p:nvPr/>
-        </p:nvSpPr>
-        <p:spPr>
-          <a:xfrm>
-            <a:off x="2063552" y="4365105"/>
-            <a:ext cx="4572508" cy="2160239"/>
-          </a:xfrm>
-          <a:prstGeom prst="rect">
-            <a:avLst/>
-          </a:prstGeom>
-          <a:ln w="3175"/>
-        </p:spPr>
-        <p:style>
-          <a:lnRef idx="2">
-            <a:schemeClr val="dk1"/>
-          </a:lnRef>
-          <a:fillRef idx="1">
-            <a:schemeClr val="lt1"/>
-          </a:fillRef>
-          <a:effectRef idx="0">
-            <a:schemeClr val="dk1"/>
-          </a:effectRef>
-          <a:fontRef idx="minor">
-            <a:schemeClr val="dk1"/>
-          </a:fontRef>
-        </p:style>
-        <p:txBody>
-          <a:bodyPr rtlCol="0" anchor="ctr"/>
-          <a:lstStyle/>
-          <a:p>
-            <a:r>
-              <a:rPr lang="en-US" altLang="pt-BR" sz="1400" dirty="0">
-                <a:solidFill>
-                  <a:srgbClr val="910F93"/>
-                </a:solidFill>
-              </a:rPr>
-              <a:t>class</a:t>
-            </a:r>
-            <a:r>
-              <a:rPr lang="en-US" altLang="pt-BR" sz="1400" dirty="0">
-                <a:solidFill>
-                  <a:srgbClr val="000000"/>
-                </a:solidFill>
-              </a:rPr>
-              <a:t> </a:t>
-            </a:r>
-            <a:r>
-              <a:rPr lang="en-US" altLang="pt-BR" sz="1400" dirty="0" err="1">
-                <a:solidFill>
-                  <a:srgbClr val="000000"/>
-                </a:solidFill>
-              </a:rPr>
-              <a:t>HelloWholeWorld</a:t>
-            </a:r>
-            <a:r>
-              <a:rPr lang="en-US" altLang="pt-BR" sz="1400" dirty="0">
-                <a:solidFill>
-                  <a:srgbClr val="000000"/>
-                </a:solidFill>
-              </a:rPr>
-              <a:t> {  </a:t>
-            </a:r>
-          </a:p>
-          <a:p>
-            <a:r>
-              <a:rPr lang="en-US" altLang="pt-BR" sz="1400" dirty="0">
-                <a:solidFill>
-                  <a:srgbClr val="000000"/>
-                </a:solidFill>
-              </a:rPr>
-              <a:t>  </a:t>
-            </a:r>
-            <a:r>
-              <a:rPr lang="en-US" altLang="pt-BR" sz="1400" dirty="0">
-                <a:solidFill>
-                  <a:srgbClr val="910F93"/>
-                </a:solidFill>
-              </a:rPr>
-              <a:t>public</a:t>
-            </a:r>
-            <a:r>
-              <a:rPr lang="en-US" altLang="pt-BR" sz="1400" dirty="0">
-                <a:solidFill>
-                  <a:srgbClr val="000000"/>
-                </a:solidFill>
-              </a:rPr>
-              <a:t> </a:t>
-            </a:r>
-            <a:r>
-              <a:rPr lang="en-US" altLang="pt-BR" sz="1400" dirty="0">
-                <a:solidFill>
-                  <a:srgbClr val="910F93"/>
-                </a:solidFill>
-              </a:rPr>
-              <a:t>static</a:t>
-            </a:r>
-            <a:r>
-              <a:rPr lang="en-US" altLang="pt-BR" sz="1400" dirty="0">
-                <a:solidFill>
-                  <a:srgbClr val="000000"/>
-                </a:solidFill>
-              </a:rPr>
-              <a:t> </a:t>
-            </a:r>
-            <a:r>
-              <a:rPr lang="en-US" altLang="pt-BR" sz="1400" dirty="0" err="1">
-                <a:solidFill>
-                  <a:srgbClr val="910F93"/>
-                </a:solidFill>
-              </a:rPr>
-              <a:t>def</a:t>
-            </a:r>
-            <a:r>
-              <a:rPr lang="en-US" altLang="pt-BR" sz="1400" dirty="0">
-                <a:solidFill>
-                  <a:srgbClr val="000000"/>
-                </a:solidFill>
-              </a:rPr>
-              <a:t> main(</a:t>
-            </a:r>
-            <a:r>
-              <a:rPr lang="en-US" altLang="pt-BR" sz="1400" dirty="0" err="1">
-                <a:solidFill>
-                  <a:srgbClr val="000000"/>
-                </a:solidFill>
-              </a:rPr>
-              <a:t>args:Array</a:t>
-            </a:r>
-            <a:r>
-              <a:rPr lang="en-US" altLang="pt-BR" sz="1400" dirty="0">
-                <a:solidFill>
-                  <a:srgbClr val="000000"/>
-                </a:solidFill>
-              </a:rPr>
-              <a:t>[String](1)):void {</a:t>
-            </a:r>
-          </a:p>
-          <a:p>
-            <a:r>
-              <a:rPr lang="en-US" altLang="pt-BR" sz="1400" dirty="0">
-                <a:solidFill>
-                  <a:srgbClr val="000000"/>
-                </a:solidFill>
-              </a:rPr>
-              <a:t>    </a:t>
-            </a:r>
-            <a:r>
-              <a:rPr lang="en-US" altLang="pt-BR" sz="1400" dirty="0">
-                <a:solidFill>
-                  <a:srgbClr val="910F93"/>
-                </a:solidFill>
-              </a:rPr>
-              <a:t>for</a:t>
-            </a:r>
-            <a:r>
-              <a:rPr lang="en-US" altLang="pt-BR" sz="1400" dirty="0">
-                <a:solidFill>
-                  <a:srgbClr val="000000"/>
-                </a:solidFill>
-              </a:rPr>
-              <a:t> (</a:t>
-            </a:r>
-            <a:r>
-              <a:rPr lang="en-US" altLang="pt-BR" sz="1400" dirty="0" err="1">
-                <a:solidFill>
-                  <a:srgbClr val="910F93"/>
-                </a:solidFill>
-              </a:rPr>
-              <a:t>var</a:t>
-            </a:r>
-            <a:r>
-              <a:rPr lang="en-US" altLang="pt-BR" sz="1400" dirty="0">
-                <a:solidFill>
-                  <a:srgbClr val="000000"/>
-                </a:solidFill>
-              </a:rPr>
-              <a:t> i:Int=</a:t>
-            </a:r>
-            <a:r>
-              <a:rPr lang="en-US" altLang="pt-BR" sz="1400" dirty="0">
-                <a:solidFill>
-                  <a:srgbClr val="909200"/>
-                </a:solidFill>
-              </a:rPr>
-              <a:t>0</a:t>
-            </a:r>
-            <a:r>
-              <a:rPr lang="en-US" altLang="pt-BR" sz="1400" dirty="0">
-                <a:solidFill>
-                  <a:srgbClr val="000000"/>
-                </a:solidFill>
-              </a:rPr>
-              <a:t>; </a:t>
-            </a:r>
-            <a:r>
-              <a:rPr lang="en-US" altLang="pt-BR" sz="1400" dirty="0" err="1">
-                <a:solidFill>
-                  <a:srgbClr val="000000"/>
-                </a:solidFill>
-              </a:rPr>
-              <a:t>i</a:t>
-            </a:r>
-            <a:r>
-              <a:rPr lang="en-US" altLang="pt-BR" sz="1400" dirty="0">
-                <a:solidFill>
-                  <a:srgbClr val="000000"/>
-                </a:solidFill>
-              </a:rPr>
-              <a:t>&lt;</a:t>
-            </a:r>
-            <a:r>
-              <a:rPr lang="en-US" altLang="pt-BR" sz="1400" dirty="0" err="1">
-                <a:solidFill>
-                  <a:srgbClr val="000000"/>
-                </a:solidFill>
-              </a:rPr>
-              <a:t>Place.MAX_PLACES</a:t>
-            </a:r>
-            <a:r>
-              <a:rPr lang="en-US" altLang="pt-BR" sz="1400" dirty="0">
-                <a:solidFill>
-                  <a:srgbClr val="000000"/>
-                </a:solidFill>
-              </a:rPr>
-              <a:t>; </a:t>
-            </a:r>
-            <a:r>
-              <a:rPr lang="en-US" altLang="pt-BR" sz="1400" dirty="0" err="1">
-                <a:solidFill>
-                  <a:srgbClr val="000000"/>
-                </a:solidFill>
-              </a:rPr>
-              <a:t>i</a:t>
-            </a:r>
-            <a:r>
-              <a:rPr lang="en-US" altLang="pt-BR" sz="1400" dirty="0">
-                <a:solidFill>
-                  <a:srgbClr val="000000"/>
-                </a:solidFill>
-              </a:rPr>
-              <a:t>++) {</a:t>
-            </a:r>
-          </a:p>
-          <a:p>
-            <a:r>
-              <a:rPr lang="en-US" altLang="pt-BR" sz="1400" dirty="0">
-                <a:solidFill>
-                  <a:srgbClr val="000000"/>
-                </a:solidFill>
-              </a:rPr>
-              <a:t>      </a:t>
-            </a:r>
-            <a:r>
-              <a:rPr lang="en-US" altLang="pt-BR" sz="1400" dirty="0" err="1">
-                <a:solidFill>
-                  <a:srgbClr val="910F93"/>
-                </a:solidFill>
-              </a:rPr>
-              <a:t>val</a:t>
-            </a:r>
-            <a:r>
-              <a:rPr lang="en-US" altLang="pt-BR" sz="1400" dirty="0">
-                <a:solidFill>
-                  <a:srgbClr val="000000"/>
-                </a:solidFill>
-              </a:rPr>
-              <a:t> </a:t>
-            </a:r>
-            <a:r>
-              <a:rPr lang="en-US" altLang="pt-BR" sz="1400" dirty="0" err="1">
-                <a:solidFill>
-                  <a:srgbClr val="000000"/>
-                </a:solidFill>
-              </a:rPr>
-              <a:t>iVal</a:t>
-            </a:r>
-            <a:r>
-              <a:rPr lang="en-US" altLang="pt-BR" sz="1400" dirty="0">
-                <a:solidFill>
-                  <a:srgbClr val="000000"/>
-                </a:solidFill>
-              </a:rPr>
-              <a:t> = </a:t>
-            </a:r>
-            <a:r>
-              <a:rPr lang="en-US" altLang="pt-BR" sz="1400" dirty="0" err="1">
-                <a:solidFill>
-                  <a:srgbClr val="000000"/>
-                </a:solidFill>
-              </a:rPr>
-              <a:t>i</a:t>
-            </a:r>
-            <a:r>
-              <a:rPr lang="en-US" altLang="pt-BR" sz="1400" dirty="0">
-                <a:solidFill>
-                  <a:srgbClr val="000000"/>
-                </a:solidFill>
-              </a:rPr>
-              <a:t>;</a:t>
-            </a:r>
-          </a:p>
-          <a:p>
-            <a:r>
-              <a:rPr lang="en-US" altLang="pt-BR" sz="1400" dirty="0">
-                <a:solidFill>
-                  <a:srgbClr val="000000"/>
-                </a:solidFill>
-              </a:rPr>
-              <a:t>      </a:t>
-            </a:r>
-            <a:r>
-              <a:rPr lang="en-US" altLang="pt-BR" sz="1400" dirty="0" err="1">
-                <a:solidFill>
-                  <a:srgbClr val="910F93"/>
-                </a:solidFill>
-              </a:rPr>
-              <a:t>async</a:t>
-            </a:r>
-            <a:r>
-              <a:rPr lang="en-US" altLang="pt-BR" sz="1400" dirty="0">
-                <a:solidFill>
-                  <a:srgbClr val="000000"/>
-                </a:solidFill>
-              </a:rPr>
-              <a:t> </a:t>
-            </a:r>
-            <a:r>
-              <a:rPr lang="en-US" altLang="pt-BR" sz="1400" dirty="0">
-                <a:solidFill>
-                  <a:srgbClr val="910F93"/>
-                </a:solidFill>
-              </a:rPr>
-              <a:t>at</a:t>
-            </a:r>
-            <a:r>
-              <a:rPr lang="en-US" altLang="pt-BR" sz="1400" dirty="0">
-                <a:solidFill>
-                  <a:srgbClr val="000000"/>
-                </a:solidFill>
-              </a:rPr>
-              <a:t> (</a:t>
-            </a:r>
-            <a:r>
-              <a:rPr lang="en-US" altLang="pt-BR" sz="1400" dirty="0" err="1">
-                <a:solidFill>
-                  <a:srgbClr val="000000"/>
-                </a:solidFill>
-              </a:rPr>
-              <a:t>Place.places</a:t>
-            </a:r>
-            <a:r>
-              <a:rPr lang="en-US" altLang="pt-BR" sz="1400" dirty="0">
-                <a:solidFill>
-                  <a:srgbClr val="000000"/>
-                </a:solidFill>
-              </a:rPr>
-              <a:t>(</a:t>
-            </a:r>
-            <a:r>
-              <a:rPr lang="en-US" altLang="pt-BR" sz="1400" dirty="0" err="1">
-                <a:solidFill>
-                  <a:srgbClr val="000000"/>
-                </a:solidFill>
-              </a:rPr>
-              <a:t>iVal</a:t>
-            </a:r>
-            <a:r>
-              <a:rPr lang="en-US" altLang="pt-BR" sz="1400" dirty="0">
-                <a:solidFill>
-                  <a:srgbClr val="000000"/>
-                </a:solidFill>
-              </a:rPr>
-              <a:t>)) {</a:t>
-            </a:r>
-          </a:p>
-          <a:p>
-            <a:r>
-              <a:rPr lang="en-US" altLang="pt-BR" sz="1400" dirty="0">
-                <a:solidFill>
-                  <a:srgbClr val="000000"/>
-                </a:solidFill>
-              </a:rPr>
-              <a:t>        </a:t>
-            </a:r>
-            <a:r>
-              <a:rPr lang="en-US" altLang="pt-BR" sz="1400" dirty="0" err="1">
-                <a:solidFill>
-                  <a:srgbClr val="000000"/>
-                </a:solidFill>
-              </a:rPr>
-              <a:t>Console.OUT.println</a:t>
-            </a:r>
-            <a:r>
-              <a:rPr lang="en-US" altLang="pt-BR" sz="1400" dirty="0">
-                <a:solidFill>
-                  <a:srgbClr val="000000"/>
-                </a:solidFill>
-              </a:rPr>
-              <a:t>(</a:t>
-            </a:r>
-            <a:r>
-              <a:rPr lang="en-US" altLang="pt-BR" sz="1400" dirty="0">
-                <a:solidFill>
-                  <a:srgbClr val="190492"/>
-                </a:solidFill>
-              </a:rPr>
-              <a:t>"Hello World from place "</a:t>
-            </a:r>
-            <a:r>
-              <a:rPr lang="en-US" altLang="pt-BR" sz="1400" dirty="0">
-                <a:solidFill>
-                  <a:srgbClr val="000000"/>
-                </a:solidFill>
-              </a:rPr>
-              <a:t>+</a:t>
-            </a:r>
-            <a:r>
-              <a:rPr lang="en-US" altLang="pt-BR" sz="1400" dirty="0">
-                <a:solidFill>
-                  <a:srgbClr val="910F93"/>
-                </a:solidFill>
-              </a:rPr>
-              <a:t>here</a:t>
-            </a:r>
-            <a:r>
-              <a:rPr lang="en-US" altLang="pt-BR" sz="1400" dirty="0">
-                <a:solidFill>
-                  <a:srgbClr val="000000"/>
-                </a:solidFill>
-              </a:rPr>
-              <a:t>.id);</a:t>
-            </a:r>
-          </a:p>
-          <a:p>
-            <a:r>
-              <a:rPr lang="en-US" altLang="pt-BR" sz="1400" dirty="0">
-                <a:solidFill>
-                  <a:srgbClr val="000000"/>
-                </a:solidFill>
-              </a:rPr>
-              <a:t>      }</a:t>
-            </a:r>
-          </a:p>
-          <a:p>
-            <a:r>
-              <a:rPr lang="en-US" altLang="pt-BR" sz="1400" dirty="0">
-                <a:solidFill>
-                  <a:srgbClr val="000000"/>
-                </a:solidFill>
-              </a:rPr>
-              <a:t>    }</a:t>
-            </a:r>
-          </a:p>
-          <a:p>
-            <a:r>
-              <a:rPr lang="en-US" altLang="pt-BR" sz="1400" dirty="0">
-                <a:solidFill>
-                  <a:srgbClr val="000000"/>
-                </a:solidFill>
-              </a:rPr>
-              <a:t>  }</a:t>
-            </a:r>
-          </a:p>
-          <a:p>
-            <a:r>
-              <a:rPr lang="en-US" altLang="pt-BR" sz="1400" dirty="0">
-                <a:solidFill>
-                  <a:srgbClr val="000000"/>
-                </a:solidFill>
-              </a:rPr>
-              <a:t>}</a:t>
-            </a:r>
-            <a:endParaRPr lang="en-US" altLang="pt-BR" sz="1400" dirty="0"/>
-          </a:p>
-        </p:txBody>
-      </p:sp>
-      <p:sp>
-        <p:nvSpPr>
           <p:cNvPr id="2" name="Title 1"/>
           <p:cNvSpPr>
             <a:spLocks noGrp="1"/>
@@ -10214,259 +8997,7 @@
           </a:bodyPr>
           <a:lstStyle/>
           <a:p>
-            <a:r>
-              <a:rPr lang="en-US" altLang="pt-BR" sz="1800" dirty="0"/>
-              <a:t>id</a:t>
-            </a:r>
-          </a:p>
-          <a:p>
-            <a:pPr lvl="1"/>
-            <a:r>
-              <a:rPr lang="en-US" altLang="pt-BR" sz="1600" dirty="0" err="1"/>
-              <a:t>Contém</a:t>
-            </a:r>
-            <a:r>
-              <a:rPr lang="en-US" altLang="pt-BR" sz="1600" dirty="0"/>
-              <a:t> o </a:t>
-            </a:r>
-            <a:r>
-              <a:rPr lang="en-US" altLang="pt-BR" sz="1600" dirty="0" err="1"/>
-              <a:t>identificador</a:t>
-            </a:r>
-            <a:r>
-              <a:rPr lang="en-US" altLang="pt-BR" sz="1600" dirty="0"/>
-              <a:t> do </a:t>
-            </a:r>
-            <a:r>
-              <a:rPr lang="en-US" altLang="pt-BR" sz="1600" dirty="0" err="1"/>
-              <a:t>objeto</a:t>
-            </a:r>
-            <a:r>
-              <a:rPr lang="en-US" altLang="pt-BR" sz="1600" dirty="0"/>
-              <a:t> “</a:t>
-            </a:r>
-            <a:r>
-              <a:rPr lang="en-US" altLang="pt-BR" sz="1600" i="1" dirty="0"/>
-              <a:t>place”</a:t>
-            </a:r>
-            <a:endParaRPr lang="en-US" altLang="pt-BR" sz="1200" dirty="0"/>
-          </a:p>
-          <a:p>
-            <a:r>
-              <a:rPr lang="en-US" altLang="pt-BR" sz="1800" dirty="0"/>
-              <a:t>here</a:t>
-            </a:r>
-          </a:p>
-          <a:p>
-            <a:pPr lvl="1"/>
-            <a:r>
-              <a:rPr lang="en-US" altLang="pt-BR" sz="1600" dirty="0" err="1"/>
-              <a:t>Objeto</a:t>
-            </a:r>
-            <a:r>
-              <a:rPr lang="en-US" altLang="pt-BR" sz="1600" dirty="0"/>
-              <a:t> “Place” </a:t>
-            </a:r>
-            <a:r>
-              <a:rPr lang="en-US" altLang="pt-BR" sz="1600" dirty="0" err="1"/>
-              <a:t>corrente</a:t>
-            </a:r>
             <a:endParaRPr lang="en-US" altLang="pt-BR" sz="1600" dirty="0"/>
-          </a:p>
-        </p:txBody>
-      </p:sp>
-      <p:sp>
-        <p:nvSpPr>
-          <p:cNvPr id="4" name="Rectangle 7"/>
-          <p:cNvSpPr>
-            <a:spLocks noChangeArrowheads="1"/>
-          </p:cNvSpPr>
-          <p:nvPr/>
-        </p:nvSpPr>
-        <p:spPr bwMode="auto">
-          <a:xfrm>
-            <a:off x="7464152" y="4725145"/>
-            <a:ext cx="2088232" cy="954087"/>
-          </a:xfrm>
-          <a:prstGeom prst="rect">
-            <a:avLst/>
-          </a:prstGeom>
-          <a:noFill/>
-          <a:ln w="3175">
-            <a:solidFill>
-              <a:schemeClr val="tx1"/>
-            </a:solidFill>
-            <a:miter lim="800000"/>
-            <a:headEnd/>
-            <a:tailEnd/>
-          </a:ln>
-          <a:extLst>
-            <a:ext uri="{909E8E84-426E-40DD-AFC4-6F175D3DCCD1}">
-              <a14:hiddenFill xmlns:a14="http://schemas.microsoft.com/office/drawing/2010/main">
-                <a:solidFill>
-                  <a:srgbClr val="FFFFFF"/>
-                </a:solidFill>
-              </a14:hiddenFill>
-            </a:ext>
-          </a:extLst>
-        </p:spPr>
-        <p:txBody>
-          <a:bodyPr wrap="square">
-            <a:spAutoFit/>
-          </a:bodyPr>
-          <a:lstStyle>
-            <a:lvl1pPr eaLnBrk="0" hangingPunct="0">
-              <a:defRPr sz="2800">
-                <a:solidFill>
-                  <a:srgbClr val="3F3D41"/>
-                </a:solidFill>
-                <a:latin typeface="Arial" pitchFamily="34" charset="0"/>
-                <a:ea typeface="ＭＳ Ｐゴシック" pitchFamily="34" charset="-128"/>
-              </a:defRPr>
-            </a:lvl1pPr>
-            <a:lvl2pPr marL="37931725" indent="-37474525" eaLnBrk="0" hangingPunct="0">
-              <a:defRPr sz="2800">
-                <a:solidFill>
-                  <a:srgbClr val="3F3D41"/>
-                </a:solidFill>
-                <a:latin typeface="Arial" pitchFamily="34" charset="0"/>
-                <a:ea typeface="ＭＳ Ｐゴシック" pitchFamily="34" charset="-128"/>
-              </a:defRPr>
-            </a:lvl2pPr>
-            <a:lvl3pPr eaLnBrk="0" hangingPunct="0">
-              <a:defRPr sz="2800">
-                <a:solidFill>
-                  <a:srgbClr val="3F3D41"/>
-                </a:solidFill>
-                <a:latin typeface="Arial" pitchFamily="34" charset="0"/>
-                <a:ea typeface="ＭＳ Ｐゴシック" pitchFamily="34" charset="-128"/>
-              </a:defRPr>
-            </a:lvl3pPr>
-            <a:lvl4pPr eaLnBrk="0" hangingPunct="0">
-              <a:defRPr sz="2800">
-                <a:solidFill>
-                  <a:srgbClr val="3F3D41"/>
-                </a:solidFill>
-                <a:latin typeface="Arial" pitchFamily="34" charset="0"/>
-                <a:ea typeface="ＭＳ Ｐゴシック" pitchFamily="34" charset="-128"/>
-              </a:defRPr>
-            </a:lvl4pPr>
-            <a:lvl5pPr eaLnBrk="0" hangingPunct="0">
-              <a:defRPr sz="2800">
-                <a:solidFill>
-                  <a:srgbClr val="3F3D41"/>
-                </a:solidFill>
-                <a:latin typeface="Arial" pitchFamily="34" charset="0"/>
-                <a:ea typeface="ＭＳ Ｐゴシック" pitchFamily="34" charset="-128"/>
-              </a:defRPr>
-            </a:lvl5pPr>
-            <a:lvl6pPr marL="457200" eaLnBrk="0" fontAlgn="base" hangingPunct="0">
-              <a:spcBef>
-                <a:spcPct val="0"/>
-              </a:spcBef>
-              <a:spcAft>
-                <a:spcPct val="0"/>
-              </a:spcAft>
-              <a:defRPr sz="2800">
-                <a:solidFill>
-                  <a:srgbClr val="3F3D41"/>
-                </a:solidFill>
-                <a:latin typeface="Arial" pitchFamily="34" charset="0"/>
-                <a:ea typeface="ＭＳ Ｐゴシック" pitchFamily="34" charset="-128"/>
-              </a:defRPr>
-            </a:lvl6pPr>
-            <a:lvl7pPr marL="914400" eaLnBrk="0" fontAlgn="base" hangingPunct="0">
-              <a:spcBef>
-                <a:spcPct val="0"/>
-              </a:spcBef>
-              <a:spcAft>
-                <a:spcPct val="0"/>
-              </a:spcAft>
-              <a:defRPr sz="2800">
-                <a:solidFill>
-                  <a:srgbClr val="3F3D41"/>
-                </a:solidFill>
-                <a:latin typeface="Arial" pitchFamily="34" charset="0"/>
-                <a:ea typeface="ＭＳ Ｐゴシック" pitchFamily="34" charset="-128"/>
-              </a:defRPr>
-            </a:lvl7pPr>
-            <a:lvl8pPr marL="1371600" eaLnBrk="0" fontAlgn="base" hangingPunct="0">
-              <a:spcBef>
-                <a:spcPct val="0"/>
-              </a:spcBef>
-              <a:spcAft>
-                <a:spcPct val="0"/>
-              </a:spcAft>
-              <a:defRPr sz="2800">
-                <a:solidFill>
-                  <a:srgbClr val="3F3D41"/>
-                </a:solidFill>
-                <a:latin typeface="Arial" pitchFamily="34" charset="0"/>
-                <a:ea typeface="ＭＳ Ｐゴシック" pitchFamily="34" charset="-128"/>
-              </a:defRPr>
-            </a:lvl8pPr>
-            <a:lvl9pPr marL="1828800" eaLnBrk="0" fontAlgn="base" hangingPunct="0">
-              <a:spcBef>
-                <a:spcPct val="0"/>
-              </a:spcBef>
-              <a:spcAft>
-                <a:spcPct val="0"/>
-              </a:spcAft>
-              <a:defRPr sz="2800">
-                <a:solidFill>
-                  <a:srgbClr val="3F3D41"/>
-                </a:solidFill>
-                <a:latin typeface="Arial" pitchFamily="34" charset="0"/>
-                <a:ea typeface="ＭＳ Ｐゴシック" pitchFamily="34" charset="-128"/>
-              </a:defRPr>
-            </a:lvl9pPr>
-          </a:lstStyle>
-          <a:p>
-            <a:r>
-              <a:rPr lang="en-US" altLang="pt-BR" sz="1400" dirty="0">
-                <a:solidFill>
-                  <a:srgbClr val="000000"/>
-                </a:solidFill>
-                <a:latin typeface="+mn-lt"/>
-              </a:rPr>
-              <a:t>Hello World from place 0</a:t>
-            </a:r>
-          </a:p>
-          <a:p>
-            <a:r>
-              <a:rPr lang="en-US" altLang="pt-BR" sz="1400" dirty="0">
-                <a:solidFill>
-                  <a:srgbClr val="000000"/>
-                </a:solidFill>
-                <a:latin typeface="+mn-lt"/>
-              </a:rPr>
-              <a:t>Hello World from place 2</a:t>
-            </a:r>
-          </a:p>
-          <a:p>
-            <a:r>
-              <a:rPr lang="en-US" altLang="pt-BR" sz="1400" dirty="0">
-                <a:solidFill>
-                  <a:srgbClr val="000000"/>
-                </a:solidFill>
-                <a:latin typeface="+mn-lt"/>
-              </a:rPr>
-              <a:t>Hello World from place 3</a:t>
-            </a:r>
-          </a:p>
-          <a:p>
-            <a:r>
-              <a:rPr lang="en-US" altLang="pt-BR" sz="1400" dirty="0">
-                <a:solidFill>
-                  <a:srgbClr val="000000"/>
-                </a:solidFill>
-                <a:latin typeface="+mn-lt"/>
-              </a:rPr>
-              <a:t>Hello World from place 1</a:t>
-            </a:r>
-            <a:endParaRPr lang="en-US" altLang="pt-BR" sz="1400" dirty="0">
-              <a:latin typeface="+mn-lt"/>
-            </a:endParaRPr>
           </a:p>
         </p:txBody>
       </p:sp>
@@ -10493,7 +9024,7 @@
         </p:blipFill>
         <p:spPr bwMode="auto">
           <a:xfrm>
-            <a:off x="6993419" y="1700809"/>
+            <a:off x="7248128" y="2781145"/>
             <a:ext cx="3029699" cy="2164071"/>
           </a:xfrm>
           <a:prstGeom prst="rect">
@@ -10522,6 +9053,30 @@
               </a14:hiddenLine>
             </a:ext>
           </a:extLst>
+        </p:spPr>
+      </p:pic>
+      <p:pic>
+        <p:nvPicPr>
+          <p:cNvPr id="7" name="Picture 6"/>
+          <p:cNvPicPr>
+            <a:picLocks noChangeAspect="1"/>
+          </p:cNvPicPr>
+          <p:nvPr/>
+        </p:nvPicPr>
+        <p:blipFill>
+          <a:blip r:embed="rId3"/>
+          <a:stretch>
+            <a:fillRect/>
+          </a:stretch>
+        </p:blipFill>
+        <p:spPr>
+          <a:xfrm>
+            <a:off x="983432" y="2239169"/>
+            <a:ext cx="4010025" cy="3248025"/>
+          </a:xfrm>
+          <a:prstGeom prst="rect">
+            <a:avLst/>
+          </a:prstGeom>
         </p:spPr>
       </p:pic>
     </p:spTree>
@@ -10620,6 +9175,13 @@
   <p:clrMapOvr>
     <a:masterClrMapping/>
   </p:clrMapOvr>
+  <p:timing>
+    <p:tnLst>
+      <p:par>
+        <p:cTn id="1" dur="indefinite" restart="never" nodeType="tmRoot"/>
+      </p:par>
+    </p:tnLst>
+  </p:timing>
 </p:sld>
 </file>
 
@@ -10685,7 +9247,7 @@
           <a:p>
             <a:r>
               <a:rPr lang="pt-BR" sz="1800" dirty="0" smtClean="0"/>
-              <a:t>Dificuldade de encontrar documentação de qualidade</a:t>
+              <a:t>Dificuldade de encontrar exemplos atualizados</a:t>
             </a:r>
             <a:endParaRPr lang="en-US" sz="1800" dirty="0"/>
           </a:p>
@@ -10831,19 +9393,7 @@
             </a:r>
             <a:r>
               <a:rPr lang="en-US" sz="1600" dirty="0" smtClean="0"/>
-              <a:t>University</a:t>
-            </a:r>
-            <a:r>
-              <a:rPr lang="en-US" sz="1600" dirty="0" smtClean="0"/>
-              <a:t>. June </a:t>
-            </a:r>
-            <a:r>
-              <a:rPr lang="en-US" sz="1600" dirty="0" smtClean="0"/>
-              <a:t>2015</a:t>
-            </a:r>
-            <a:r>
-              <a:rPr lang="en-US" sz="1600" dirty="0" smtClean="0"/>
-              <a:t>. </a:t>
+              <a:t>University. June 2015. </a:t>
             </a:r>
             <a:r>
               <a:rPr lang="en-US" sz="1600" dirty="0"/>
@@ -14116,7 +12666,6 @@
               <a:rPr lang="en-US" altLang="pt-BR" sz="1400" dirty="0" smtClean="0"/>
               <a:t>Threads: activities</a:t>
             </a:r>
-            <a:endParaRPr lang="en-US" altLang="pt-BR" sz="1400" dirty="0" smtClean="0"/>
           </a:p>
           <a:p>
             <a:endParaRPr lang="pt-BR" dirty="0"/>
@@ -15083,7 +13632,6 @@
               <a:rPr lang="pt-BR" sz="1800" dirty="0" smtClean="0"/>
               <a:t>Download:</a:t>
             </a:r>
-            <a:endParaRPr lang="pt-BR" sz="1800" dirty="0" smtClean="0"/>
           </a:p>
           <a:p>
             <a:pPr lvl="1"/>
@@ -15418,121 +13966,173 @@
         </p:nvSpPr>
         <p:spPr/>
         <p:txBody>
-          <a:bodyPr>
+          <a:bodyPr numCol="2">
             <a:normAutofit/>
           </a:bodyPr>
           <a:lstStyle/>
           <a:p>
             <a:r>
-              <a:rPr lang="pt-BR" sz="2000" dirty="0">
+              <a:rPr lang="pt-BR" sz="1600" dirty="0" smtClean="0">
                 <a:cs typeface="Calibri" panose="020F0502020204030204" pitchFamily="34" charset="0"/>
               </a:rPr>
-              <a:t>Declaração de variáveis:</a:t>
+              <a:t>Tipos </a:t>
             </a:r>
           </a:p>
           <a:p>
             <a:pPr lvl="1"/>
             <a:r>
-              <a:rPr lang="en-US" altLang="pt-BR" sz="1800" dirty="0" err="1">
+              <a:rPr lang="pt-BR" sz="1400" dirty="0" smtClean="0">
                 <a:cs typeface="Calibri" panose="020F0502020204030204" pitchFamily="34" charset="0"/>
               </a:rPr>
-              <a:t>var</a:t>
-            </a:r>
-            <a:r>
-              <a:rPr lang="en-US" altLang="pt-BR" sz="1800" dirty="0">
-                <a:cs typeface="Calibri" panose="020F0502020204030204" pitchFamily="34" charset="0"/>
-              </a:rPr>
-              <a:t> &lt;name&gt; : &lt;type&gt;</a:t>
-            </a:r>
-          </a:p>
-          <a:p>
-            <a:pPr lvl="1"/>
-            <a:r>
-              <a:rPr lang="en-US" altLang="pt-BR" sz="1800" dirty="0" err="1">
-                <a:cs typeface="Calibri" panose="020F0502020204030204" pitchFamily="34" charset="0"/>
-              </a:rPr>
-              <a:t>val</a:t>
-            </a:r>
-            <a:r>
-              <a:rPr lang="en-US" altLang="pt-BR" sz="1800" dirty="0">
-                <a:cs typeface="Calibri" panose="020F0502020204030204" pitchFamily="34" charset="0"/>
-              </a:rPr>
-              <a:t> &lt;name&gt; : &lt;type&gt; (</a:t>
-            </a:r>
-            <a:r>
-              <a:rPr lang="en-US" altLang="pt-BR" sz="1800" dirty="0" err="1">
-                <a:cs typeface="Calibri" panose="020F0502020204030204" pitchFamily="34" charset="0"/>
-              </a:rPr>
-              <a:t>sistema</a:t>
-            </a:r>
-            <a:r>
-              <a:rPr lang="en-US" altLang="pt-BR" sz="1800" dirty="0">
-                <a:cs typeface="Calibri" panose="020F0502020204030204" pitchFamily="34" charset="0"/>
-              </a:rPr>
-              <a:t> </a:t>
-            </a:r>
-            <a:r>
-              <a:rPr lang="en-US" altLang="pt-BR" sz="1800" dirty="0" err="1">
-                <a:cs typeface="Calibri" panose="020F0502020204030204" pitchFamily="34" charset="0"/>
-              </a:rPr>
-              <a:t>deduz</a:t>
-            </a:r>
-            <a:r>
-              <a:rPr lang="en-US" altLang="pt-BR" sz="1800" dirty="0">
-                <a:cs typeface="Calibri" panose="020F0502020204030204" pitchFamily="34" charset="0"/>
-              </a:rPr>
-              <a:t> o “type”)</a:t>
-            </a:r>
-            <a:endParaRPr lang="en-US" altLang="pt-BR" sz="1800" i="1" dirty="0">
+              <a:t>x10.lang.*</a:t>
+            </a:r>
+          </a:p>
+          <a:p>
+            <a:endParaRPr lang="pt-BR" sz="1200" dirty="0" smtClean="0">
               <a:cs typeface="Calibri" panose="020F0502020204030204" pitchFamily="34" charset="0"/>
             </a:endParaRPr>
           </a:p>
           <a:p>
-            <a:pPr lvl="1"/>
-            <a:endParaRPr lang="en-US" altLang="pt-BR" sz="1400" dirty="0">
+            <a:endParaRPr lang="pt-BR" sz="1200" dirty="0">
               <a:cs typeface="Calibri" panose="020F0502020204030204" pitchFamily="34" charset="0"/>
             </a:endParaRPr>
           </a:p>
           <a:p>
-            <a:r>
-              <a:rPr lang="en-US" altLang="pt-BR" sz="2000" dirty="0" err="1">
-                <a:cs typeface="Calibri" panose="020F0502020204030204" pitchFamily="34" charset="0"/>
-              </a:rPr>
-              <a:t>Tipos</a:t>
-            </a:r>
-            <a:r>
-              <a:rPr lang="en-US" altLang="pt-BR" sz="2000" dirty="0">
-                <a:cs typeface="Calibri" panose="020F0502020204030204" pitchFamily="34" charset="0"/>
-              </a:rPr>
-              <a:t> </a:t>
-            </a:r>
-            <a:r>
-              <a:rPr lang="en-US" altLang="pt-BR" sz="2000" dirty="0" err="1">
-                <a:cs typeface="Calibri" panose="020F0502020204030204" pitchFamily="34" charset="0"/>
-              </a:rPr>
-              <a:t>genéricos</a:t>
-            </a:r>
-            <a:r>
-              <a:rPr lang="en-US" altLang="pt-BR" sz="2000" dirty="0">
-                <a:cs typeface="Calibri" panose="020F0502020204030204" pitchFamily="34" charset="0"/>
-              </a:rPr>
-              <a:t>:</a:t>
-            </a:r>
-          </a:p>
-          <a:p>
-            <a:pPr lvl="1"/>
-            <a:r>
-              <a:rPr lang="en-US" altLang="pt-BR" sz="1800" dirty="0">
-                <a:cs typeface="Calibri" panose="020F0502020204030204" pitchFamily="34" charset="0"/>
-              </a:rPr>
-              <a:t>Array[Type](Dim)</a:t>
-            </a:r>
-            <a:endParaRPr lang="pt-BR" sz="1800" dirty="0">
+            <a:endParaRPr lang="pt-BR" sz="1200" dirty="0" smtClean="0">
               <a:cs typeface="Calibri" panose="020F0502020204030204" pitchFamily="34" charset="0"/>
             </a:endParaRPr>
           </a:p>
+          <a:p>
+            <a:endParaRPr lang="pt-BR" sz="1200" dirty="0">
+              <a:cs typeface="Calibri" panose="020F0502020204030204" pitchFamily="34" charset="0"/>
+            </a:endParaRPr>
+          </a:p>
+          <a:p>
+            <a:endParaRPr lang="pt-BR" sz="1200" dirty="0" smtClean="0">
+              <a:cs typeface="Calibri" panose="020F0502020204030204" pitchFamily="34" charset="0"/>
+            </a:endParaRPr>
+          </a:p>
+          <a:p>
+            <a:endParaRPr lang="pt-BR" sz="1200" dirty="0">
+              <a:cs typeface="Calibri" panose="020F0502020204030204" pitchFamily="34" charset="0"/>
+            </a:endParaRPr>
+          </a:p>
+          <a:p>
+            <a:endParaRPr lang="pt-BR" sz="1200" dirty="0" smtClean="0">
+              <a:cs typeface="Calibri" panose="020F0502020204030204" pitchFamily="34" charset="0"/>
+            </a:endParaRPr>
+          </a:p>
+          <a:p>
+            <a:endParaRPr lang="pt-BR" sz="1200" dirty="0" smtClean="0">
+              <a:cs typeface="Calibri" panose="020F0502020204030204" pitchFamily="34" charset="0"/>
+            </a:endParaRPr>
+          </a:p>
+          <a:p>
+            <a:endParaRPr lang="pt-BR" sz="1600" dirty="0" smtClean="0">
+              <a:cs typeface="Calibri" panose="020F0502020204030204" pitchFamily="34" charset="0"/>
+            </a:endParaRPr>
+          </a:p>
+          <a:p>
+            <a:endParaRPr lang="pt-BR" sz="1600" dirty="0" smtClean="0">
+              <a:cs typeface="Calibri" panose="020F0502020204030204" pitchFamily="34" charset="0"/>
+            </a:endParaRPr>
+          </a:p>
+          <a:p>
+            <a:endParaRPr lang="pt-BR" sz="1600" dirty="0">
+              <a:cs typeface="Calibri" panose="020F0502020204030204" pitchFamily="34" charset="0"/>
+            </a:endParaRPr>
+          </a:p>
+          <a:p>
+            <a:endParaRPr lang="pt-BR" sz="1600" dirty="0" smtClean="0">
+              <a:cs typeface="Calibri" panose="020F0502020204030204" pitchFamily="34" charset="0"/>
+            </a:endParaRPr>
+          </a:p>
+          <a:p>
+            <a:endParaRPr lang="pt-BR" sz="1600" dirty="0">
+              <a:cs typeface="Calibri" panose="020F0502020204030204" pitchFamily="34" charset="0"/>
+            </a:endParaRPr>
+          </a:p>
+          <a:p>
+            <a:r>
+              <a:rPr lang="pt-BR" sz="1600" dirty="0" smtClean="0">
+                <a:cs typeface="Calibri" panose="020F0502020204030204" pitchFamily="34" charset="0"/>
+              </a:rPr>
+              <a:t>Falta:</a:t>
+            </a:r>
+          </a:p>
+          <a:p>
+            <a:r>
+              <a:rPr lang="pt-BR" sz="1600" dirty="0" smtClean="0">
+                <a:cs typeface="Calibri" panose="020F0502020204030204" pitchFamily="34" charset="0"/>
+              </a:rPr>
+              <a:t>Rail, Place, DistArray, Array, Region, GlobalRef[T]</a:t>
+            </a:r>
+          </a:p>
+          <a:p>
+            <a:endParaRPr lang="pt-BR" sz="1600" dirty="0">
+              <a:cs typeface="Calibri" panose="020F0502020204030204" pitchFamily="34" charset="0"/>
+            </a:endParaRPr>
+          </a:p>
+          <a:p>
+            <a:endParaRPr lang="pt-BR" sz="1600" dirty="0" smtClean="0">
+              <a:cs typeface="Calibri" panose="020F0502020204030204" pitchFamily="34" charset="0"/>
+            </a:endParaRPr>
+          </a:p>
+          <a:p>
+            <a:endParaRPr lang="pt-BR" sz="1600" dirty="0">
+              <a:cs typeface="Calibri" panose="020F0502020204030204" pitchFamily="34" charset="0"/>
+            </a:endParaRPr>
+          </a:p>
         </p:txBody>
       </p:sp>
+      <p:pic>
+        <p:nvPicPr>
+          <p:cNvPr id="8" name="Picture 7"/>
+          <p:cNvPicPr>
+            <a:picLocks noChangeAspect="1"/>
+          </p:cNvPicPr>
+          <p:nvPr/>
+        </p:nvPicPr>
+        <p:blipFill>
+          <a:blip r:embed="rId2"/>
+          <a:stretch>
+            <a:fillRect/>
+          </a:stretch>
+        </p:blipFill>
+        <p:spPr>
+          <a:xfrm>
+            <a:off x="434060" y="2671599"/>
+            <a:ext cx="4804670" cy="2383164"/>
+          </a:xfrm>
+          <a:prstGeom prst="rect">
+            <a:avLst/>
+          </a:prstGeom>
+        </p:spPr>
+      </p:pic>
+      <p:pic>
+        <p:nvPicPr>
+          <p:cNvPr id="9" name="Picture 8"/>
+          <p:cNvPicPr>
+            <a:picLocks noChangeAspect="1"/>
+          </p:cNvPicPr>
+          <p:nvPr/>
+        </p:nvPicPr>
+        <p:blipFill>
+          <a:blip r:embed="rId3"/>
+          <a:stretch>
+            <a:fillRect/>
+          </a:stretch>
+        </p:blipFill>
+        <p:spPr>
+          <a:xfrm>
+            <a:off x="5519936" y="1875122"/>
+            <a:ext cx="6371143" cy="3976117"/>
+          </a:xfrm>
+          <a:prstGeom prst="rect">
+            <a:avLst/>
+          </a:prstGeom>
+        </p:spPr>
+      </p:pic>
     </p:spTree>
     <p:extLst>
       <p:ext uri="{BB962C8B-B14F-4D97-AF65-F5344CB8AC3E}">

--- a/x10.pptx
+++ b/x10.pptx
@@ -5,7 +5,7 @@
     <p:sldMasterId id="2147483648" r:id="rId1"/>
   </p:sldMasterIdLst>
   <p:notesMasterIdLst>
-    <p:notesMasterId r:id="rId31"/>
+    <p:notesMasterId r:id="rId32"/>
   </p:notesMasterIdLst>
   <p:sldIdLst>
     <p:sldId id="256" r:id="rId2"/>
@@ -35,8 +35,9 @@
     <p:sldId id="285" r:id="rId26"/>
     <p:sldId id="280" r:id="rId27"/>
     <p:sldId id="294" r:id="rId28"/>
-    <p:sldId id="290" r:id="rId29"/>
-    <p:sldId id="286" r:id="rId30"/>
+    <p:sldId id="302" r:id="rId29"/>
+    <p:sldId id="290" r:id="rId30"/>
+    <p:sldId id="286" r:id="rId31"/>
   </p:sldIdLst>
   <p:sldSz cx="12192000" cy="6858000"/>
   <p:notesSz cx="6858000" cy="9144000"/>
@@ -3967,13 +3968,7 @@
               <a:rPr lang="pt-BR" sz="1600" dirty="0" smtClean="0">
                 <a:cs typeface="Calibri" panose="020F0502020204030204" pitchFamily="34" charset="0"/>
               </a:rPr>
-              <a:t>Métodos em </a:t>
-            </a:r>
-            <a:r>
-              <a:rPr lang="pt-BR" sz="1600" dirty="0" smtClean="0">
-                <a:cs typeface="Calibri" panose="020F0502020204030204" pitchFamily="34" charset="0"/>
-              </a:rPr>
-              <a:t>Java e C</a:t>
+              <a:t>Métodos em Java e C</a:t>
             </a:r>
           </a:p>
           <a:p>
@@ -6464,7 +6459,6 @@
               <a:rPr lang="pt-BR" sz="1600" dirty="0" smtClean="0"/>
               <a:t>TODO</a:t>
             </a:r>
-            <a:endParaRPr lang="pt-BR" sz="1600" dirty="0" smtClean="0"/>
           </a:p>
           <a:p>
             <a:endParaRPr lang="pt-BR" sz="1000" dirty="0" smtClean="0"/>
@@ -9161,10 +9155,34 @@
           <a:bodyPr/>
           <a:lstStyle/>
           <a:p>
-            <a:endParaRPr lang="en-US"/>
+            <a:endParaRPr lang="en-US" dirty="0"/>
           </a:p>
         </p:txBody>
       </p:sp>
+      <p:pic>
+        <p:nvPicPr>
+          <p:cNvPr id="5" name="Picture 4"/>
+          <p:cNvPicPr>
+            <a:picLocks noChangeAspect="1"/>
+          </p:cNvPicPr>
+          <p:nvPr/>
+        </p:nvPicPr>
+        <p:blipFill>
+          <a:blip r:embed="rId2"/>
+          <a:stretch>
+            <a:fillRect/>
+          </a:stretch>
+        </p:blipFill>
+        <p:spPr>
+          <a:xfrm>
+            <a:off x="3535040" y="1984538"/>
+            <a:ext cx="5121920" cy="3757288"/>
+          </a:xfrm>
+          <a:prstGeom prst="rect">
+            <a:avLst/>
+          </a:prstGeom>
+        </p:spPr>
+      </p:pic>
     </p:spTree>
     <p:extLst>
       <p:ext uri="{BB962C8B-B14F-4D97-AF65-F5344CB8AC3E}">
@@ -9221,8 +9239,12 @@
           <a:p>
             <a:pPr algn="l"/>
             <a:r>
+              <a:rPr lang="pt-BR" sz="2400" dirty="0"/>
+              <a:t>Busca em árvore com </a:t>
+            </a:r>
+            <a:r>
               <a:rPr lang="pt-BR" sz="2400" dirty="0" smtClean="0"/>
-              <a:t>Conclusão</a:t>
+              <a:t>x10</a:t>
             </a:r>
             <a:endParaRPr lang="en-US" sz="2400" dirty="0"/>
           </a:p>
@@ -9240,29 +9262,54 @@
         </p:nvSpPr>
         <p:spPr/>
         <p:txBody>
-          <a:bodyPr>
-            <a:normAutofit/>
-          </a:bodyPr>
+          <a:bodyPr/>
           <a:lstStyle/>
           <a:p>
-            <a:r>
-              <a:rPr lang="pt-BR" sz="1800" dirty="0" smtClean="0"/>
-              <a:t>Dificuldade de encontrar exemplos atualizados</a:t>
-            </a:r>
-            <a:endParaRPr lang="en-US" sz="1800" dirty="0"/>
+            <a:endParaRPr lang="en-US" dirty="0"/>
           </a:p>
         </p:txBody>
       </p:sp>
+      <p:pic>
+        <p:nvPicPr>
+          <p:cNvPr id="5" name="Picture 4"/>
+          <p:cNvPicPr>
+            <a:picLocks noChangeAspect="1"/>
+          </p:cNvPicPr>
+          <p:nvPr/>
+        </p:nvPicPr>
+        <p:blipFill>
+          <a:blip r:embed="rId2"/>
+          <a:stretch>
+            <a:fillRect/>
+          </a:stretch>
+        </p:blipFill>
+        <p:spPr>
+          <a:xfrm>
+            <a:off x="2144601" y="1628800"/>
+            <a:ext cx="8415895" cy="4493691"/>
+          </a:xfrm>
+          <a:prstGeom prst="rect">
+            <a:avLst/>
+          </a:prstGeom>
+        </p:spPr>
+      </p:pic>
     </p:spTree>
     <p:extLst>
       <p:ext uri="{BB962C8B-B14F-4D97-AF65-F5344CB8AC3E}">
-        <p14:creationId xmlns:p14="http://schemas.microsoft.com/office/powerpoint/2010/main" val="893830351"/>
+        <p14:creationId xmlns:p14="http://schemas.microsoft.com/office/powerpoint/2010/main" val="3187633165"/>
       </p:ext>
     </p:extLst>
   </p:cSld>
   <p:clrMapOvr>
     <a:masterClrMapping/>
   </p:clrMapOvr>
+  <p:timing>
+    <p:tnLst>
+      <p:par>
+        <p:cTn id="1" dur="indefinite" restart="never" nodeType="tmRoot"/>
+      </p:par>
+    </p:tnLst>
+  </p:timing>
 </p:sld>
 </file>
 
@@ -9302,8 +9349,8 @@
           <a:p>
             <a:pPr algn="l"/>
             <a:r>
-              <a:rPr lang="pt-BR" sz="2400" dirty="0"/>
-              <a:t>Referências</a:t>
+              <a:rPr lang="pt-BR" sz="2400" dirty="0" smtClean="0"/>
+              <a:t>Conclusão</a:t>
             </a:r>
             <a:endParaRPr lang="en-US" sz="2400" dirty="0"/>
           </a:p>
@@ -9327,202 +9374,30 @@
           <a:lstStyle/>
           <a:p>
             <a:r>
-              <a:rPr lang="pt-BR" sz="1600" dirty="0"/>
-              <a:t>Thomas Hörmann. </a:t>
-            </a:r>
-            <a:r>
-              <a:rPr lang="en-US" sz="1600" dirty="0"/>
-              <a:t>Parallel Algorithms for Sparse Grids in X10. Bachelor Thesis in </a:t>
-            </a:r>
-            <a:r>
-              <a:rPr lang="en-US" sz="1600" dirty="0" smtClean="0"/>
-              <a:t>Informatics. </a:t>
-            </a:r>
-            <a:r>
-              <a:rPr lang="en-US" sz="1600" dirty="0"/>
-              <a:t>June 2013</a:t>
-            </a:r>
-            <a:r>
-              <a:rPr lang="en-US" sz="1600" dirty="0" smtClean="0"/>
-              <a:t>. URL: </a:t>
-            </a:r>
-            <a:r>
-              <a:rPr lang="en-US" sz="1600" dirty="0" smtClean="0">
-                <a:hlinkClick r:id="rId2"/>
-              </a:rPr>
-              <a:t>http</a:t>
-            </a:r>
-            <a:r>
-              <a:rPr lang="en-US" sz="1600" dirty="0">
-                <a:hlinkClick r:id="rId2"/>
-              </a:rPr>
-              <a:t>://www5.in.tum.de/pub/hoermann_thomas_2013.pdf</a:t>
-            </a:r>
-            <a:endParaRPr lang="en-US" sz="1600" dirty="0"/>
-          </a:p>
-          <a:p>
-            <a:pPr marL="0" indent="0">
-              <a:buNone/>
-            </a:pPr>
-            <a:endParaRPr lang="en-US" sz="1600" dirty="0" smtClean="0"/>
-          </a:p>
-          <a:p>
-            <a:r>
-              <a:rPr lang="en-US" sz="1600" dirty="0"/>
-              <a:t>Josh </a:t>
-            </a:r>
-            <a:r>
-              <a:rPr lang="en-US" sz="1600" dirty="0" err="1" smtClean="0"/>
-              <a:t>Milthorpe</a:t>
-            </a:r>
-            <a:r>
-              <a:rPr lang="en-US" sz="1600" dirty="0" smtClean="0"/>
-              <a:t>. X10 </a:t>
-            </a:r>
-            <a:r>
-              <a:rPr lang="en-US" sz="1600" dirty="0"/>
-              <a:t>for High-Performance Scientific Computing. Doctor </a:t>
-            </a:r>
-            <a:r>
-              <a:rPr lang="en-US" sz="1600" dirty="0" smtClean="0"/>
-              <a:t>Thesis at </a:t>
-            </a:r>
-            <a:r>
-              <a:rPr lang="en-US" sz="1600" dirty="0"/>
-              <a:t>The Australian National </a:t>
-            </a:r>
-            <a:r>
-              <a:rPr lang="en-US" sz="1600" dirty="0" smtClean="0"/>
-              <a:t>University. June 2015. </a:t>
-            </a:r>
-            <a:r>
-              <a:rPr lang="en-US" sz="1600" dirty="0"/>
-              <a:t>URL: </a:t>
-            </a:r>
-            <a:r>
-              <a:rPr lang="en-US" sz="1600" dirty="0">
-                <a:hlinkClick r:id="rId3"/>
-              </a:rPr>
-              <a:t>https://</a:t>
-            </a:r>
-            <a:r>
-              <a:rPr lang="en-US" sz="1600" dirty="0" smtClean="0">
-                <a:hlinkClick r:id="rId3"/>
-              </a:rPr>
-              <a:t>openresearch-repository.anu.edu.au/bitstream/1885/14334/1/Milthorpe%20Thesis%202015.pdf</a:t>
-            </a:r>
-            <a:endParaRPr lang="en-US" sz="1600" dirty="0" smtClean="0"/>
-          </a:p>
-          <a:p>
-            <a:endParaRPr lang="pt-BR" sz="1600" dirty="0" smtClean="0"/>
-          </a:p>
-          <a:p>
-            <a:r>
-              <a:rPr lang="pt-BR" sz="1600" dirty="0"/>
-              <a:t>X10 Language Specification</a:t>
-            </a:r>
-            <a:r>
-              <a:rPr lang="pt-BR" sz="1600" dirty="0" smtClean="0"/>
-              <a:t>. Version </a:t>
-            </a:r>
-            <a:r>
-              <a:rPr lang="pt-BR" sz="1600" dirty="0"/>
-              <a:t>2.6 </a:t>
-            </a:r>
-            <a:r>
-              <a:rPr lang="pt-BR" sz="1600" dirty="0" smtClean="0"/>
-              <a:t>. June 2016. </a:t>
-            </a:r>
-            <a:r>
-              <a:rPr lang="pt-BR" sz="1600" dirty="0"/>
-              <a:t>URL: </a:t>
-            </a:r>
-            <a:r>
-              <a:rPr lang="pt-BR" sz="1600" dirty="0">
-                <a:hlinkClick r:id="rId4"/>
-              </a:rPr>
-              <a:t>http://</a:t>
-            </a:r>
-            <a:r>
-              <a:rPr lang="pt-BR" sz="1600" dirty="0" smtClean="0">
-                <a:hlinkClick r:id="rId4"/>
-              </a:rPr>
-              <a:t>x10.sourceforge.net/documentation/languagespec/x10-latest.pdf</a:t>
-            </a:r>
-            <a:endParaRPr lang="pt-BR" sz="1600" dirty="0"/>
-          </a:p>
-          <a:p>
-            <a:endParaRPr lang="pt-BR" sz="1600" dirty="0" smtClean="0"/>
-          </a:p>
-          <a:p>
-            <a:r>
-              <a:rPr lang="en-US" sz="1600" dirty="0">
-                <a:hlinkClick r:id="rId5"/>
-              </a:rPr>
-              <a:t>https://</a:t>
-            </a:r>
-            <a:r>
-              <a:rPr lang="en-US" sz="1600" dirty="0" smtClean="0">
-                <a:hlinkClick r:id="rId5"/>
-              </a:rPr>
-              <a:t>www.cs.colostate.edu/wiki/mediawiki/images/5/5d/X10programmingguide.pdf</a:t>
-            </a:r>
-            <a:endParaRPr lang="en-US" sz="1600" dirty="0" smtClean="0"/>
-          </a:p>
-          <a:p>
-            <a:r>
-              <a:rPr lang="en-US" sz="1600" dirty="0">
-                <a:hlinkClick r:id="rId6"/>
-              </a:rPr>
-              <a:t>http://</a:t>
-            </a:r>
-            <a:r>
-              <a:rPr lang="en-US" sz="1600" dirty="0" smtClean="0">
-                <a:hlinkClick r:id="rId6"/>
-              </a:rPr>
-              <a:t>citeseerx.ist.psu.edu/viewdoc/download?doi=10.1.1.642.6839&amp;rep=rep1&amp;type=pdf</a:t>
-            </a:r>
-            <a:endParaRPr lang="en-US" sz="1600" dirty="0" smtClean="0"/>
-          </a:p>
-          <a:p>
-            <a:endParaRPr lang="pt-BR" sz="1600" dirty="0"/>
-          </a:p>
-          <a:p>
-            <a:r>
-              <a:rPr lang="en-US" sz="1600" dirty="0">
-                <a:hlinkClick r:id="rId7"/>
-              </a:rPr>
-              <a:t>https://</a:t>
-            </a:r>
-            <a:r>
-              <a:rPr lang="en-US" sz="1600" dirty="0" smtClean="0">
-                <a:hlinkClick r:id="rId7"/>
-              </a:rPr>
-              <a:t>arxiv.org/pdf/1110.4165.pdf</a:t>
-            </a:r>
-            <a:endParaRPr lang="en-US" sz="1600" dirty="0" smtClean="0"/>
-          </a:p>
-          <a:p>
-            <a:endParaRPr lang="pt-BR" sz="1600" dirty="0"/>
-          </a:p>
-          <a:p>
-            <a:endParaRPr lang="en-US" sz="1600" dirty="0" smtClean="0"/>
-          </a:p>
-          <a:p>
-            <a:endParaRPr lang="en-US" sz="1600" dirty="0"/>
+              <a:rPr lang="pt-BR" sz="1800" dirty="0" smtClean="0"/>
+              <a:t>Dificuldade de encontrar exemplos atualizados</a:t>
+            </a:r>
+            <a:endParaRPr lang="en-US" sz="1800" dirty="0"/>
           </a:p>
         </p:txBody>
       </p:sp>
     </p:spTree>
     <p:extLst>
       <p:ext uri="{BB962C8B-B14F-4D97-AF65-F5344CB8AC3E}">
-        <p14:creationId xmlns:p14="http://schemas.microsoft.com/office/powerpoint/2010/main" val="2868856317"/>
+        <p14:creationId xmlns:p14="http://schemas.microsoft.com/office/powerpoint/2010/main" val="893830351"/>
       </p:ext>
     </p:extLst>
   </p:cSld>
   <p:clrMapOvr>
     <a:masterClrMapping/>
   </p:clrMapOvr>
+  <p:timing>
+    <p:tnLst>
+      <p:par>
+        <p:cTn id="1" dur="indefinite" restart="never" nodeType="tmRoot"/>
+      </p:par>
+    </p:tnLst>
+  </p:timing>
 </p:sld>
 </file>
 
@@ -9630,6 +9505,273 @@
     <p:extLst>
       <p:ext uri="{BB962C8B-B14F-4D97-AF65-F5344CB8AC3E}">
         <p14:creationId xmlns:p14="http://schemas.microsoft.com/office/powerpoint/2010/main" val="3786330374"/>
+      </p:ext>
+    </p:extLst>
+  </p:cSld>
+  <p:clrMapOvr>
+    <a:masterClrMapping/>
+  </p:clrMapOvr>
+  <p:timing>
+    <p:tnLst>
+      <p:par>
+        <p:cTn id="1" dur="indefinite" restart="never" nodeType="tmRoot"/>
+      </p:par>
+    </p:tnLst>
+  </p:timing>
+</p:sld>
+</file>
+
+<file path=ppt/slides/slide30.xml><?xml version="1.0" encoding="utf-8"?>
+<p:sld xmlns:a="http://schemas.openxmlformats.org/drawingml/2006/main" xmlns:r="http://schemas.openxmlformats.org/officeDocument/2006/relationships" xmlns:p="http://schemas.openxmlformats.org/presentationml/2006/main">
+  <p:cSld>
+    <p:spTree>
+      <p:nvGrpSpPr>
+        <p:cNvPr id="1" name=""/>
+        <p:cNvGrpSpPr/>
+        <p:nvPr/>
+      </p:nvGrpSpPr>
+      <p:grpSpPr>
+        <a:xfrm>
+          <a:off x="0" y="0"/>
+          <a:ext cx="0" cy="0"/>
+          <a:chOff x="0" y="0"/>
+          <a:chExt cx="0" cy="0"/>
+        </a:xfrm>
+      </p:grpSpPr>
+      <p:sp>
+        <p:nvSpPr>
+          <p:cNvPr id="2" name="Title 1"/>
+          <p:cNvSpPr>
+            <a:spLocks noGrp="1"/>
+          </p:cNvSpPr>
+          <p:nvPr>
+            <p:ph type="title"/>
+          </p:nvPr>
+        </p:nvSpPr>
+        <p:spPr/>
+        <p:txBody>
+          <a:bodyPr>
+            <a:normAutofit/>
+          </a:bodyPr>
+          <a:lstStyle/>
+          <a:p>
+            <a:pPr algn="l"/>
+            <a:r>
+              <a:rPr lang="pt-BR" sz="2400" dirty="0"/>
+              <a:t>Referências</a:t>
+            </a:r>
+            <a:endParaRPr lang="en-US" sz="2400" dirty="0"/>
+          </a:p>
+        </p:txBody>
+      </p:sp>
+      <p:sp>
+        <p:nvSpPr>
+          <p:cNvPr id="3" name="Content Placeholder 2"/>
+          <p:cNvSpPr>
+            <a:spLocks noGrp="1"/>
+          </p:cNvSpPr>
+          <p:nvPr>
+            <p:ph idx="1"/>
+          </p:nvPr>
+        </p:nvSpPr>
+        <p:spPr/>
+        <p:txBody>
+          <a:bodyPr>
+            <a:normAutofit/>
+          </a:bodyPr>
+          <a:lstStyle/>
+          <a:p>
+            <a:r>
+              <a:rPr lang="pt-BR" sz="1600" dirty="0"/>
+              <a:t>Thomas Hörmann. </a:t>
+            </a:r>
+            <a:r>
+              <a:rPr lang="en-US" sz="1600" dirty="0"/>
+              <a:t>Parallel Algorithms for Sparse Grids in X10. Bachelor Thesis in </a:t>
+            </a:r>
+            <a:r>
+              <a:rPr lang="en-US" sz="1600" dirty="0" smtClean="0"/>
+              <a:t>Informatics. </a:t>
+            </a:r>
+            <a:r>
+              <a:rPr lang="en-US" sz="1600" dirty="0"/>
+              <a:t>June 2013</a:t>
+            </a:r>
+            <a:r>
+              <a:rPr lang="en-US" sz="1600" dirty="0" smtClean="0"/>
+              <a:t>. URL: </a:t>
+            </a:r>
+            <a:r>
+              <a:rPr lang="en-US" sz="1600" dirty="0" smtClean="0">
+                <a:hlinkClick r:id="rId2"/>
+              </a:rPr>
+              <a:t>http</a:t>
+            </a:r>
+            <a:r>
+              <a:rPr lang="en-US" sz="1600" dirty="0">
+                <a:hlinkClick r:id="rId2"/>
+              </a:rPr>
+              <a:t>://www5.in.tum.de/pub/hoermann_thomas_2013.pdf</a:t>
+            </a:r>
+            <a:endParaRPr lang="en-US" sz="1600" dirty="0"/>
+          </a:p>
+          <a:p>
+            <a:pPr marL="0" indent="0">
+              <a:buNone/>
+            </a:pPr>
+            <a:endParaRPr lang="en-US" sz="1600" dirty="0" smtClean="0"/>
+          </a:p>
+          <a:p>
+            <a:r>
+              <a:rPr lang="en-US" sz="1600" dirty="0"/>
+              <a:t>Josh </a:t>
+            </a:r>
+            <a:r>
+              <a:rPr lang="en-US" sz="1600" dirty="0" err="1" smtClean="0"/>
+              <a:t>Milthorpe</a:t>
+            </a:r>
+            <a:r>
+              <a:rPr lang="en-US" sz="1600" dirty="0" smtClean="0"/>
+              <a:t>. X10 </a:t>
+            </a:r>
+            <a:r>
+              <a:rPr lang="en-US" sz="1600" dirty="0"/>
+              <a:t>for High-Performance Scientific Computing. Doctor </a:t>
+            </a:r>
+            <a:r>
+              <a:rPr lang="en-US" sz="1600" dirty="0" smtClean="0"/>
+              <a:t>Thesis at </a:t>
+            </a:r>
+            <a:r>
+              <a:rPr lang="en-US" sz="1600" dirty="0"/>
+              <a:t>The Australian National </a:t>
+            </a:r>
+            <a:r>
+              <a:rPr lang="en-US" sz="1600" dirty="0" smtClean="0"/>
+              <a:t>University. June 2015. </a:t>
+            </a:r>
+            <a:r>
+              <a:rPr lang="en-US" sz="1600" dirty="0"/>
+              <a:t>URL: </a:t>
+            </a:r>
+            <a:r>
+              <a:rPr lang="en-US" sz="1600" dirty="0">
+                <a:hlinkClick r:id="rId3"/>
+              </a:rPr>
+              <a:t>https://</a:t>
+            </a:r>
+            <a:r>
+              <a:rPr lang="en-US" sz="1600" dirty="0" smtClean="0">
+                <a:hlinkClick r:id="rId3"/>
+              </a:rPr>
+              <a:t>openresearch-repository.anu.edu.au/bitstream/1885/14334/1/Milthorpe%20Thesis%202015.pdf</a:t>
+            </a:r>
+            <a:endParaRPr lang="en-US" sz="1600" dirty="0" smtClean="0"/>
+          </a:p>
+          <a:p>
+            <a:endParaRPr lang="pt-BR" sz="1600" dirty="0" smtClean="0"/>
+          </a:p>
+          <a:p>
+            <a:r>
+              <a:rPr lang="pt-BR" sz="1600" dirty="0"/>
+              <a:t>X10 Language Specification</a:t>
+            </a:r>
+            <a:r>
+              <a:rPr lang="pt-BR" sz="1600" dirty="0" smtClean="0"/>
+              <a:t>. Version </a:t>
+            </a:r>
+            <a:r>
+              <a:rPr lang="pt-BR" sz="1600" dirty="0"/>
+              <a:t>2.6 </a:t>
+            </a:r>
+            <a:r>
+              <a:rPr lang="pt-BR" sz="1600" dirty="0" smtClean="0"/>
+              <a:t>. June 2016. </a:t>
+            </a:r>
+            <a:r>
+              <a:rPr lang="pt-BR" sz="1600" dirty="0"/>
+              <a:t>URL: </a:t>
+            </a:r>
+            <a:r>
+              <a:rPr lang="pt-BR" sz="1600" dirty="0">
+                <a:hlinkClick r:id="rId4"/>
+              </a:rPr>
+              <a:t>http://</a:t>
+            </a:r>
+            <a:r>
+              <a:rPr lang="pt-BR" sz="1600" dirty="0" smtClean="0">
+                <a:hlinkClick r:id="rId4"/>
+              </a:rPr>
+              <a:t>x10.sourceforge.net/documentation/languagespec/x10-latest.pdf</a:t>
+            </a:r>
+            <a:endParaRPr lang="pt-BR" sz="1600" dirty="0"/>
+          </a:p>
+          <a:p>
+            <a:endParaRPr lang="pt-BR" sz="1600" dirty="0" smtClean="0"/>
+          </a:p>
+          <a:p>
+            <a:r>
+              <a:rPr lang="en-US" sz="1600" dirty="0">
+                <a:hlinkClick r:id="rId5"/>
+              </a:rPr>
+              <a:t>https://</a:t>
+            </a:r>
+            <a:r>
+              <a:rPr lang="en-US" sz="1600" dirty="0" smtClean="0">
+                <a:hlinkClick r:id="rId5"/>
+              </a:rPr>
+              <a:t>www.cs.colostate.edu/wiki/mediawiki/images/5/5d/X10programmingguide.pdf</a:t>
+            </a:r>
+            <a:endParaRPr lang="en-US" sz="1600" dirty="0" smtClean="0"/>
+          </a:p>
+          <a:p>
+            <a:r>
+              <a:rPr lang="en-US" sz="1600" dirty="0">
+                <a:hlinkClick r:id="rId6"/>
+              </a:rPr>
+              <a:t>http://</a:t>
+            </a:r>
+            <a:r>
+              <a:rPr lang="en-US" sz="1600" dirty="0" smtClean="0">
+                <a:hlinkClick r:id="rId6"/>
+              </a:rPr>
+              <a:t>citeseerx.ist.psu.edu/viewdoc/download?doi=10.1.1.642.6839&amp;rep=rep1&amp;type=pdf</a:t>
+            </a:r>
+            <a:endParaRPr lang="en-US" sz="1600" dirty="0" smtClean="0"/>
+          </a:p>
+          <a:p>
+            <a:endParaRPr lang="pt-BR" sz="1600" dirty="0"/>
+          </a:p>
+          <a:p>
+            <a:r>
+              <a:rPr lang="en-US" sz="1600" dirty="0">
+                <a:hlinkClick r:id="rId7"/>
+              </a:rPr>
+              <a:t>https://</a:t>
+            </a:r>
+            <a:r>
+              <a:rPr lang="en-US" sz="1600" dirty="0" smtClean="0">
+                <a:hlinkClick r:id="rId7"/>
+              </a:rPr>
+              <a:t>arxiv.org/pdf/1110.4165.pdf</a:t>
+            </a:r>
+            <a:endParaRPr lang="en-US" sz="1600" dirty="0" smtClean="0"/>
+          </a:p>
+          <a:p>
+            <a:endParaRPr lang="pt-BR" sz="1600" dirty="0"/>
+          </a:p>
+          <a:p>
+            <a:endParaRPr lang="en-US" sz="1600" dirty="0" smtClean="0"/>
+          </a:p>
+          <a:p>
+            <a:endParaRPr lang="en-US" sz="1600" dirty="0"/>
+          </a:p>
+        </p:txBody>
+      </p:sp>
+    </p:spTree>
+    <p:extLst>
+      <p:ext uri="{BB962C8B-B14F-4D97-AF65-F5344CB8AC3E}">
+        <p14:creationId xmlns:p14="http://schemas.microsoft.com/office/powerpoint/2010/main" val="2868856317"/>
       </p:ext>
     </p:extLst>
   </p:cSld>

--- a/x10.pptx
+++ b/x10.pptx
@@ -5,7 +5,7 @@
     <p:sldMasterId id="2147483648" r:id="rId1"/>
   </p:sldMasterIdLst>
   <p:notesMasterIdLst>
-    <p:notesMasterId r:id="rId32"/>
+    <p:notesMasterId r:id="rId37"/>
   </p:notesMasterIdLst>
   <p:sldIdLst>
     <p:sldId id="256" r:id="rId2"/>
@@ -31,13 +31,18 @@
     <p:sldId id="296" r:id="rId22"/>
     <p:sldId id="297" r:id="rId23"/>
     <p:sldId id="284" r:id="rId24"/>
-    <p:sldId id="267" r:id="rId25"/>
-    <p:sldId id="285" r:id="rId26"/>
-    <p:sldId id="280" r:id="rId27"/>
-    <p:sldId id="294" r:id="rId28"/>
-    <p:sldId id="302" r:id="rId29"/>
-    <p:sldId id="290" r:id="rId30"/>
-    <p:sldId id="286" r:id="rId31"/>
+    <p:sldId id="305" r:id="rId25"/>
+    <p:sldId id="306" r:id="rId26"/>
+    <p:sldId id="307" r:id="rId27"/>
+    <p:sldId id="308" r:id="rId28"/>
+    <p:sldId id="304" r:id="rId29"/>
+    <p:sldId id="267" r:id="rId30"/>
+    <p:sldId id="285" r:id="rId31"/>
+    <p:sldId id="280" r:id="rId32"/>
+    <p:sldId id="294" r:id="rId33"/>
+    <p:sldId id="302" r:id="rId34"/>
+    <p:sldId id="290" r:id="rId35"/>
+    <p:sldId id="286" r:id="rId36"/>
   </p:sldIdLst>
   <p:sldSz cx="12192000" cy="6858000"/>
   <p:notesSz cx="6858000" cy="9144000"/>
@@ -138,7 +143,7 @@
   </p:defaultTextStyle>
   <p:extLst>
     <p:ext uri="{EFAFB233-063F-42B5-8137-9DF3F51BA10A}">
-      <p15:sldGuideLst xmlns:p15="http://schemas.microsoft.com/office/powerpoint/2012/main">
+      <p15:sldGuideLst xmlns:p15="http://schemas.microsoft.com/office/powerpoint/2012/main" xmlns="">
         <p15:guide id="1" orient="horz" pos="2160" userDrawn="1">
           <p15:clr>
             <a:srgbClr val="A4A3A4"/>
@@ -237,7 +242,7 @@
           <a:p>
             <a:fld id="{1B921BD6-0921-4385-836B-BED76F1F0A66}" type="datetimeFigureOut">
               <a:rPr lang="pt-BR" smtClean="0"/>
-              <a:t>09/12/2016</a:t>
+              <a:t>11/12/2016</a:t>
             </a:fld>
             <a:endParaRPr lang="pt-BR"/>
           </a:p>
@@ -589,6 +594,90 @@
 </p:notes>
 </file>
 
+<file path=ppt/notesSlides/notesSlide2.xml><?xml version="1.0" encoding="utf-8"?>
+<p:notes xmlns:a="http://schemas.openxmlformats.org/drawingml/2006/main" xmlns:r="http://schemas.openxmlformats.org/officeDocument/2006/relationships" xmlns:p="http://schemas.openxmlformats.org/presentationml/2006/main">
+  <p:cSld>
+    <p:spTree>
+      <p:nvGrpSpPr>
+        <p:cNvPr id="1" name=""/>
+        <p:cNvGrpSpPr/>
+        <p:nvPr/>
+      </p:nvGrpSpPr>
+      <p:grpSpPr>
+        <a:xfrm>
+          <a:off x="0" y="0"/>
+          <a:ext cx="0" cy="0"/>
+          <a:chOff x="0" y="0"/>
+          <a:chExt cx="0" cy="0"/>
+        </a:xfrm>
+      </p:grpSpPr>
+      <p:sp>
+        <p:nvSpPr>
+          <p:cNvPr id="2" name="Slide Image Placeholder 1"/>
+          <p:cNvSpPr>
+            <a:spLocks noGrp="1" noRot="1" noChangeAspect="1"/>
+          </p:cNvSpPr>
+          <p:nvPr>
+            <p:ph type="sldImg"/>
+          </p:nvPr>
+        </p:nvSpPr>
+        <p:spPr/>
+      </p:sp>
+      <p:sp>
+        <p:nvSpPr>
+          <p:cNvPr id="3" name="Notes Placeholder 2"/>
+          <p:cNvSpPr>
+            <a:spLocks noGrp="1"/>
+          </p:cNvSpPr>
+          <p:nvPr>
+            <p:ph type="body" idx="1"/>
+          </p:nvPr>
+        </p:nvSpPr>
+        <p:spPr/>
+        <p:txBody>
+          <a:bodyPr/>
+          <a:lstStyle/>
+          <a:p>
+            <a:endParaRPr lang="pt-BR" dirty="0"/>
+          </a:p>
+        </p:txBody>
+      </p:sp>
+      <p:sp>
+        <p:nvSpPr>
+          <p:cNvPr id="4" name="Slide Number Placeholder 3"/>
+          <p:cNvSpPr>
+            <a:spLocks noGrp="1"/>
+          </p:cNvSpPr>
+          <p:nvPr>
+            <p:ph type="sldNum" sz="quarter" idx="10"/>
+          </p:nvPr>
+        </p:nvSpPr>
+        <p:spPr/>
+        <p:txBody>
+          <a:bodyPr/>
+          <a:lstStyle/>
+          <a:p>
+            <a:fld id="{0177588E-FF8D-4B7F-949A-E4520B6F113C}" type="slidenum">
+              <a:rPr lang="pt-BR" smtClean="0"/>
+              <a:t>27</a:t>
+            </a:fld>
+            <a:endParaRPr lang="pt-BR"/>
+          </a:p>
+        </p:txBody>
+      </p:sp>
+    </p:spTree>
+    <p:extLst>
+      <p:ext uri="{BB962C8B-B14F-4D97-AF65-F5344CB8AC3E}">
+        <p14:creationId xmlns:p14="http://schemas.microsoft.com/office/powerpoint/2010/main" val="3509006684"/>
+      </p:ext>
+    </p:extLst>
+  </p:cSld>
+  <p:clrMapOvr>
+    <a:masterClrMapping/>
+  </p:clrMapOvr>
+</p:notes>
+</file>
+
 <file path=ppt/slideLayouts/slideLayout1.xml><?xml version="1.0" encoding="utf-8"?>
 <p:sldLayout xmlns:a="http://schemas.openxmlformats.org/drawingml/2006/main" xmlns:r="http://schemas.openxmlformats.org/officeDocument/2006/relationships" xmlns:p="http://schemas.openxmlformats.org/presentationml/2006/main" type="title" preserve="1">
   <p:cSld name="Title Slide">
@@ -770,7 +859,7 @@
           <a:p>
             <a:fld id="{8B5C8B54-FFB1-44A6-80FE-9FB775708678}" type="datetimeFigureOut">
               <a:rPr lang="pt-BR" smtClean="0"/>
-              <a:t>09/12/2016</a:t>
+              <a:t>11/12/2016</a:t>
             </a:fld>
             <a:endParaRPr lang="pt-BR"/>
           </a:p>
@@ -940,7 +1029,7 @@
           <a:p>
             <a:fld id="{8B5C8B54-FFB1-44A6-80FE-9FB775708678}" type="datetimeFigureOut">
               <a:rPr lang="pt-BR" smtClean="0"/>
-              <a:t>09/12/2016</a:t>
+              <a:t>11/12/2016</a:t>
             </a:fld>
             <a:endParaRPr lang="pt-BR"/>
           </a:p>
@@ -1120,7 +1209,7 @@
           <a:p>
             <a:fld id="{8B5C8B54-FFB1-44A6-80FE-9FB775708678}" type="datetimeFigureOut">
               <a:rPr lang="pt-BR" smtClean="0"/>
-              <a:t>09/12/2016</a:t>
+              <a:t>11/12/2016</a:t>
             </a:fld>
             <a:endParaRPr lang="pt-BR"/>
           </a:p>
@@ -1290,7 +1379,7 @@
           <a:p>
             <a:fld id="{8B5C8B54-FFB1-44A6-80FE-9FB775708678}" type="datetimeFigureOut">
               <a:rPr lang="pt-BR" smtClean="0"/>
-              <a:t>09/12/2016</a:t>
+              <a:t>11/12/2016</a:t>
             </a:fld>
             <a:endParaRPr lang="pt-BR"/>
           </a:p>
@@ -1536,7 +1625,7 @@
           <a:p>
             <a:fld id="{8B5C8B54-FFB1-44A6-80FE-9FB775708678}" type="datetimeFigureOut">
               <a:rPr lang="pt-BR" smtClean="0"/>
-              <a:t>09/12/2016</a:t>
+              <a:t>11/12/2016</a:t>
             </a:fld>
             <a:endParaRPr lang="pt-BR"/>
           </a:p>
@@ -1824,7 +1913,7 @@
           <a:p>
             <a:fld id="{8B5C8B54-FFB1-44A6-80FE-9FB775708678}" type="datetimeFigureOut">
               <a:rPr lang="pt-BR" smtClean="0"/>
-              <a:t>09/12/2016</a:t>
+              <a:t>11/12/2016</a:t>
             </a:fld>
             <a:endParaRPr lang="pt-BR"/>
           </a:p>
@@ -2246,7 +2335,7 @@
           <a:p>
             <a:fld id="{8B5C8B54-FFB1-44A6-80FE-9FB775708678}" type="datetimeFigureOut">
               <a:rPr lang="pt-BR" smtClean="0"/>
-              <a:t>09/12/2016</a:t>
+              <a:t>11/12/2016</a:t>
             </a:fld>
             <a:endParaRPr lang="pt-BR"/>
           </a:p>
@@ -2364,7 +2453,7 @@
           <a:p>
             <a:fld id="{8B5C8B54-FFB1-44A6-80FE-9FB775708678}" type="datetimeFigureOut">
               <a:rPr lang="pt-BR" smtClean="0"/>
-              <a:t>09/12/2016</a:t>
+              <a:t>11/12/2016</a:t>
             </a:fld>
             <a:endParaRPr lang="pt-BR"/>
           </a:p>
@@ -2459,7 +2548,7 @@
           <a:p>
             <a:fld id="{8B5C8B54-FFB1-44A6-80FE-9FB775708678}" type="datetimeFigureOut">
               <a:rPr lang="pt-BR" smtClean="0"/>
-              <a:t>09/12/2016</a:t>
+              <a:t>11/12/2016</a:t>
             </a:fld>
             <a:endParaRPr lang="pt-BR"/>
           </a:p>
@@ -2736,7 +2825,7 @@
           <a:p>
             <a:fld id="{8B5C8B54-FFB1-44A6-80FE-9FB775708678}" type="datetimeFigureOut">
               <a:rPr lang="pt-BR" smtClean="0"/>
-              <a:t>09/12/2016</a:t>
+              <a:t>11/12/2016</a:t>
             </a:fld>
             <a:endParaRPr lang="pt-BR"/>
           </a:p>
@@ -2989,7 +3078,7 @@
           <a:p>
             <a:fld id="{8B5C8B54-FFB1-44A6-80FE-9FB775708678}" type="datetimeFigureOut">
               <a:rPr lang="pt-BR" smtClean="0"/>
-              <a:t>09/12/2016</a:t>
+              <a:t>11/12/2016</a:t>
             </a:fld>
             <a:endParaRPr lang="pt-BR"/>
           </a:p>
@@ -3202,7 +3291,7 @@
           <a:p>
             <a:fld id="{8B5C8B54-FFB1-44A6-80FE-9FB775708678}" type="datetimeFigureOut">
               <a:rPr lang="pt-BR" smtClean="0"/>
-              <a:t>09/12/2016</a:t>
+              <a:t>11/12/2016</a:t>
             </a:fld>
             <a:endParaRPr lang="pt-BR"/>
           </a:p>
@@ -6432,8 +6521,9 @@
             <a:pPr lvl="1"/>
             <a:r>
               <a:rPr lang="pt-BR" sz="1600" dirty="0" smtClean="0"/>
-              <a:t>Classes</a:t>
-            </a:r>
+              <a:t>Classes especiais</a:t>
+            </a:r>
+            <a:endParaRPr lang="pt-BR" sz="1600" dirty="0" smtClean="0"/>
           </a:p>
           <a:p>
             <a:pPr lvl="1"/>
@@ -7096,10 +7186,25 @@
               </a:spcBef>
             </a:pPr>
             <a:r>
-              <a:rPr lang="pt-BR" sz="2400" dirty="0" smtClean="0"/>
-              <a:t>Classes</a:t>
-            </a:r>
-            <a:endParaRPr lang="pt-BR" sz="2400" i="1" dirty="0"/>
+              <a:rPr lang="pt-BR" sz="2400" dirty="0" smtClean="0">
+                <a:latin typeface="+mj-lt"/>
+              </a:rPr>
+              <a:t>Classes especiais</a:t>
+            </a:r>
+            <a:br>
+              <a:rPr lang="pt-BR" sz="2400" dirty="0" smtClean="0">
+                <a:latin typeface="+mj-lt"/>
+              </a:rPr>
+            </a:br>
+            <a:r>
+              <a:rPr lang="pt-BR" i="1" dirty="0" smtClean="0">
+                <a:latin typeface="+mj-lt"/>
+              </a:rPr>
+              <a:t>GlobalRef</a:t>
+            </a:r>
+            <a:endParaRPr lang="pt-BR" sz="2400" i="1" dirty="0">
+              <a:latin typeface="+mj-lt"/>
+            </a:endParaRPr>
           </a:p>
         </p:txBody>
       </p:sp>
@@ -7120,28 +7225,6 @@
           </a:bodyPr>
           <a:lstStyle/>
           <a:p>
-            <a:r>
-              <a:rPr lang="pt-BR" sz="1800" dirty="0" smtClean="0"/>
-              <a:t>DistArray</a:t>
-            </a:r>
-          </a:p>
-          <a:p>
-            <a:r>
-              <a:rPr lang="pt-BR" sz="1800" dirty="0" smtClean="0"/>
-              <a:t>GlobalRef</a:t>
-            </a:r>
-          </a:p>
-          <a:p>
-            <a:r>
-              <a:rPr lang="pt-BR" sz="1800" dirty="0" smtClean="0"/>
-              <a:t>RemoteArray</a:t>
-            </a:r>
-          </a:p>
-          <a:p>
-            <a:r>
-              <a:rPr lang="pt-BR" sz="1800" dirty="0" smtClean="0"/>
-              <a:t>AtomicInteger</a:t>
-            </a:r>
             <a:endParaRPr lang="pt-BR" sz="1800" dirty="0"/>
           </a:p>
         </p:txBody>
@@ -7167,6 +7250,731 @@
 </file>
 
 <file path=ppt/slides/slide24.xml><?xml version="1.0" encoding="utf-8"?>
+<p:sld xmlns:a="http://schemas.openxmlformats.org/drawingml/2006/main" xmlns:r="http://schemas.openxmlformats.org/officeDocument/2006/relationships" xmlns:p="http://schemas.openxmlformats.org/presentationml/2006/main">
+  <p:cSld>
+    <p:spTree>
+      <p:nvGrpSpPr>
+        <p:cNvPr id="1" name=""/>
+        <p:cNvGrpSpPr/>
+        <p:nvPr/>
+      </p:nvGrpSpPr>
+      <p:grpSpPr>
+        <a:xfrm>
+          <a:off x="0" y="0"/>
+          <a:ext cx="0" cy="0"/>
+          <a:chOff x="0" y="0"/>
+          <a:chExt cx="0" cy="0"/>
+        </a:xfrm>
+      </p:grpSpPr>
+      <p:sp>
+        <p:nvSpPr>
+          <p:cNvPr id="2" name="Title 1"/>
+          <p:cNvSpPr>
+            <a:spLocks noGrp="1"/>
+          </p:cNvSpPr>
+          <p:nvPr>
+            <p:ph type="title"/>
+          </p:nvPr>
+        </p:nvSpPr>
+        <p:spPr/>
+        <p:txBody>
+          <a:bodyPr>
+            <a:normAutofit/>
+          </a:bodyPr>
+          <a:lstStyle/>
+          <a:p>
+            <a:pPr lvl="1" algn="l" rtl="0">
+              <a:spcBef>
+                <a:spcPct val="0"/>
+              </a:spcBef>
+            </a:pPr>
+            <a:r>
+              <a:rPr lang="pt-BR" sz="2400" dirty="0" smtClean="0">
+                <a:latin typeface="+mj-lt"/>
+              </a:rPr>
+              <a:t>Classes especiais</a:t>
+            </a:r>
+            <a:br>
+              <a:rPr lang="pt-BR" sz="2400" dirty="0" smtClean="0">
+                <a:latin typeface="+mj-lt"/>
+              </a:rPr>
+            </a:br>
+            <a:r>
+              <a:rPr lang="pt-BR" i="1" dirty="0" smtClean="0">
+                <a:latin typeface="+mj-lt"/>
+              </a:rPr>
+              <a:t>PlaceLocalHandle</a:t>
+            </a:r>
+            <a:endParaRPr lang="pt-BR" sz="2400" i="1" dirty="0">
+              <a:latin typeface="+mj-lt"/>
+            </a:endParaRPr>
+          </a:p>
+        </p:txBody>
+      </p:sp>
+      <p:sp>
+        <p:nvSpPr>
+          <p:cNvPr id="3" name="Content Placeholder 2"/>
+          <p:cNvSpPr>
+            <a:spLocks noGrp="1"/>
+          </p:cNvSpPr>
+          <p:nvPr>
+            <p:ph idx="1"/>
+          </p:nvPr>
+        </p:nvSpPr>
+        <p:spPr/>
+        <p:txBody>
+          <a:bodyPr>
+            <a:noAutofit/>
+          </a:bodyPr>
+          <a:lstStyle/>
+          <a:p>
+            <a:endParaRPr lang="pt-BR" sz="1800" dirty="0"/>
+          </a:p>
+        </p:txBody>
+      </p:sp>
+    </p:spTree>
+    <p:extLst>
+      <p:ext uri="{BB962C8B-B14F-4D97-AF65-F5344CB8AC3E}">
+        <p14:creationId xmlns:p14="http://schemas.microsoft.com/office/powerpoint/2010/main" val="1538390177"/>
+      </p:ext>
+    </p:extLst>
+  </p:cSld>
+  <p:clrMapOvr>
+    <a:masterClrMapping/>
+  </p:clrMapOvr>
+  <p:timing>
+    <p:tnLst>
+      <p:par>
+        <p:cTn id="1" dur="indefinite" restart="never" nodeType="tmRoot"/>
+      </p:par>
+    </p:tnLst>
+  </p:timing>
+</p:sld>
+</file>
+
+<file path=ppt/slides/slide25.xml><?xml version="1.0" encoding="utf-8"?>
+<p:sld xmlns:a="http://schemas.openxmlformats.org/drawingml/2006/main" xmlns:r="http://schemas.openxmlformats.org/officeDocument/2006/relationships" xmlns:p="http://schemas.openxmlformats.org/presentationml/2006/main">
+  <p:cSld>
+    <p:spTree>
+      <p:nvGrpSpPr>
+        <p:cNvPr id="1" name=""/>
+        <p:cNvGrpSpPr/>
+        <p:nvPr/>
+      </p:nvGrpSpPr>
+      <p:grpSpPr>
+        <a:xfrm>
+          <a:off x="0" y="0"/>
+          <a:ext cx="0" cy="0"/>
+          <a:chOff x="0" y="0"/>
+          <a:chExt cx="0" cy="0"/>
+        </a:xfrm>
+      </p:grpSpPr>
+      <p:sp>
+        <p:nvSpPr>
+          <p:cNvPr id="2" name="Title 1"/>
+          <p:cNvSpPr>
+            <a:spLocks noGrp="1"/>
+          </p:cNvSpPr>
+          <p:nvPr>
+            <p:ph type="title"/>
+          </p:nvPr>
+        </p:nvSpPr>
+        <p:spPr/>
+        <p:txBody>
+          <a:bodyPr>
+            <a:normAutofit/>
+          </a:bodyPr>
+          <a:lstStyle/>
+          <a:p>
+            <a:pPr lvl="1" algn="l" rtl="0">
+              <a:spcBef>
+                <a:spcPct val="0"/>
+              </a:spcBef>
+            </a:pPr>
+            <a:r>
+              <a:rPr lang="pt-BR" sz="2400" dirty="0" smtClean="0">
+                <a:latin typeface="+mj-lt"/>
+              </a:rPr>
+              <a:t>Classes especiais</a:t>
+            </a:r>
+            <a:br>
+              <a:rPr lang="pt-BR" sz="2400" dirty="0" smtClean="0">
+                <a:latin typeface="+mj-lt"/>
+              </a:rPr>
+            </a:br>
+            <a:r>
+              <a:rPr lang="pt-BR" i="1" dirty="0" smtClean="0">
+                <a:latin typeface="+mj-lt"/>
+              </a:rPr>
+              <a:t>DistArray</a:t>
+            </a:r>
+            <a:endParaRPr lang="pt-BR" sz="2400" i="1" dirty="0">
+              <a:latin typeface="+mj-lt"/>
+            </a:endParaRPr>
+          </a:p>
+        </p:txBody>
+      </p:sp>
+      <p:sp>
+        <p:nvSpPr>
+          <p:cNvPr id="3" name="Content Placeholder 2"/>
+          <p:cNvSpPr>
+            <a:spLocks noGrp="1"/>
+          </p:cNvSpPr>
+          <p:nvPr>
+            <p:ph idx="1"/>
+          </p:nvPr>
+        </p:nvSpPr>
+        <p:spPr/>
+        <p:txBody>
+          <a:bodyPr>
+            <a:noAutofit/>
+          </a:bodyPr>
+          <a:lstStyle/>
+          <a:p>
+            <a:r>
+              <a:rPr lang="en-US" sz="1600" dirty="0" err="1" smtClean="0"/>
+              <a:t>Cria</a:t>
+            </a:r>
+            <a:r>
+              <a:rPr lang="en-US" sz="1600" dirty="0" smtClean="0"/>
+              <a:t> um array de </a:t>
+            </a:r>
+            <a:r>
+              <a:rPr lang="en-US" sz="1600" dirty="0" err="1" smtClean="0"/>
+              <a:t>até</a:t>
+            </a:r>
+            <a:r>
+              <a:rPr lang="en-US" sz="1600" dirty="0" smtClean="0"/>
+              <a:t>  3 </a:t>
+            </a:r>
+            <a:r>
+              <a:rPr lang="en-US" sz="1600" dirty="0" err="1" smtClean="0"/>
+              <a:t>dimensões</a:t>
+            </a:r>
+            <a:endParaRPr lang="en-US" sz="1600" dirty="0" smtClean="0"/>
+          </a:p>
+          <a:p>
+            <a:endParaRPr lang="en-US" sz="1600" dirty="0" smtClean="0"/>
+          </a:p>
+          <a:p>
+            <a:r>
+              <a:rPr lang="en-US" sz="1600" dirty="0" err="1" smtClean="0"/>
+              <a:t>Distribui</a:t>
+            </a:r>
+            <a:r>
+              <a:rPr lang="en-US" sz="1600" dirty="0" smtClean="0"/>
+              <a:t> </a:t>
+            </a:r>
+            <a:r>
+              <a:rPr lang="en-US" sz="1600" dirty="0" err="1" smtClean="0"/>
+              <a:t>os</a:t>
+            </a:r>
+            <a:r>
+              <a:rPr lang="en-US" sz="1600" dirty="0" smtClean="0"/>
+              <a:t> dados entre </a:t>
+            </a:r>
+            <a:r>
+              <a:rPr lang="en-US" sz="1600" dirty="0" err="1" smtClean="0"/>
+              <a:t>os</a:t>
+            </a:r>
+            <a:r>
+              <a:rPr lang="en-US" sz="1600" dirty="0" smtClean="0"/>
+              <a:t> places </a:t>
+            </a:r>
+            <a:r>
+              <a:rPr lang="en-US" sz="1600" dirty="0" err="1" smtClean="0"/>
+              <a:t>disponíveis</a:t>
+            </a:r>
+            <a:r>
+              <a:rPr lang="en-US" sz="1600" dirty="0" smtClean="0"/>
+              <a:t> de um </a:t>
+            </a:r>
+            <a:r>
+              <a:rPr lang="en-US" sz="1600" dirty="0" err="1" smtClean="0"/>
+              <a:t>placegroup</a:t>
+            </a:r>
+            <a:endParaRPr lang="en-US" sz="1600" dirty="0" smtClean="0"/>
+          </a:p>
+          <a:p>
+            <a:endParaRPr lang="en-US" sz="1600" dirty="0"/>
+          </a:p>
+          <a:p>
+            <a:r>
+              <a:rPr lang="en-US" sz="1600" dirty="0" err="1" smtClean="0"/>
+              <a:t>Métodos</a:t>
+            </a:r>
+            <a:r>
+              <a:rPr lang="en-US" sz="1600" dirty="0" smtClean="0"/>
+              <a:t> </a:t>
+            </a:r>
+            <a:r>
+              <a:rPr lang="en-US" sz="1600" dirty="0" err="1" smtClean="0"/>
+              <a:t>principais</a:t>
+            </a:r>
+            <a:r>
+              <a:rPr lang="en-US" sz="1600" dirty="0"/>
+              <a:t>:</a:t>
+            </a:r>
+            <a:endParaRPr lang="en-US" sz="1600" dirty="0" smtClean="0"/>
+          </a:p>
+          <a:p>
+            <a:pPr lvl="1"/>
+            <a:r>
+              <a:rPr lang="pt-BR" sz="1600" dirty="0" smtClean="0"/>
+              <a:t>placeGroup()</a:t>
+            </a:r>
+          </a:p>
+          <a:p>
+            <a:pPr lvl="1"/>
+            <a:r>
+              <a:rPr lang="pt-BR" sz="1600" dirty="0" smtClean="0"/>
+              <a:t>localIndices()</a:t>
+            </a:r>
+          </a:p>
+          <a:p>
+            <a:pPr lvl="1"/>
+            <a:r>
+              <a:rPr lang="pt-BR" sz="1600" dirty="0" smtClean="0"/>
+              <a:t>operator()</a:t>
+            </a:r>
+          </a:p>
+          <a:p>
+            <a:pPr lvl="1"/>
+            <a:endParaRPr lang="en-US" sz="1600" dirty="0" smtClean="0"/>
+          </a:p>
+          <a:p>
+            <a:endParaRPr lang="en-US" sz="1600" dirty="0"/>
+          </a:p>
+          <a:p>
+            <a:endParaRPr lang="en-US" sz="1800" dirty="0"/>
+          </a:p>
+          <a:p>
+            <a:endParaRPr lang="en-US" sz="1800" dirty="0" smtClean="0"/>
+          </a:p>
+          <a:p>
+            <a:endParaRPr lang="en-US" sz="1800" dirty="0" smtClean="0"/>
+          </a:p>
+        </p:txBody>
+      </p:sp>
+    </p:spTree>
+    <p:extLst>
+      <p:ext uri="{BB962C8B-B14F-4D97-AF65-F5344CB8AC3E}">
+        <p14:creationId xmlns:p14="http://schemas.microsoft.com/office/powerpoint/2010/main" val="215214284"/>
+      </p:ext>
+    </p:extLst>
+  </p:cSld>
+  <p:clrMapOvr>
+    <a:masterClrMapping/>
+  </p:clrMapOvr>
+  <p:timing>
+    <p:tnLst>
+      <p:par>
+        <p:cTn id="1" dur="indefinite" restart="never" nodeType="tmRoot"/>
+      </p:par>
+    </p:tnLst>
+  </p:timing>
+</p:sld>
+</file>
+
+<file path=ppt/slides/slide26.xml><?xml version="1.0" encoding="utf-8"?>
+<p:sld xmlns:a="http://schemas.openxmlformats.org/drawingml/2006/main" xmlns:r="http://schemas.openxmlformats.org/officeDocument/2006/relationships" xmlns:p="http://schemas.openxmlformats.org/presentationml/2006/main">
+  <p:cSld>
+    <p:spTree>
+      <p:nvGrpSpPr>
+        <p:cNvPr id="1" name=""/>
+        <p:cNvGrpSpPr/>
+        <p:nvPr/>
+      </p:nvGrpSpPr>
+      <p:grpSpPr>
+        <a:xfrm>
+          <a:off x="0" y="0"/>
+          <a:ext cx="0" cy="0"/>
+          <a:chOff x="0" y="0"/>
+          <a:chExt cx="0" cy="0"/>
+        </a:xfrm>
+      </p:grpSpPr>
+      <p:sp>
+        <p:nvSpPr>
+          <p:cNvPr id="2" name="Title 1"/>
+          <p:cNvSpPr>
+            <a:spLocks noGrp="1"/>
+          </p:cNvSpPr>
+          <p:nvPr>
+            <p:ph type="title"/>
+          </p:nvPr>
+        </p:nvSpPr>
+        <p:spPr/>
+        <p:txBody>
+          <a:bodyPr>
+            <a:normAutofit/>
+          </a:bodyPr>
+          <a:lstStyle/>
+          <a:p>
+            <a:pPr lvl="1" algn="l" rtl="0">
+              <a:spcBef>
+                <a:spcPct val="0"/>
+              </a:spcBef>
+            </a:pPr>
+            <a:r>
+              <a:rPr lang="pt-BR" sz="2400" dirty="0" smtClean="0">
+                <a:latin typeface="+mj-lt"/>
+              </a:rPr>
+              <a:t>Classes especiais</a:t>
+            </a:r>
+            <a:br>
+              <a:rPr lang="pt-BR" sz="2400" dirty="0" smtClean="0">
+                <a:latin typeface="+mj-lt"/>
+              </a:rPr>
+            </a:br>
+            <a:r>
+              <a:rPr lang="pt-BR" i="1" dirty="0" smtClean="0">
+                <a:latin typeface="+mj-lt"/>
+              </a:rPr>
+              <a:t>Reducible</a:t>
+            </a:r>
+            <a:endParaRPr lang="pt-BR" sz="2400" i="1" dirty="0">
+              <a:latin typeface="+mj-lt"/>
+            </a:endParaRPr>
+          </a:p>
+        </p:txBody>
+      </p:sp>
+      <p:sp>
+        <p:nvSpPr>
+          <p:cNvPr id="3" name="Content Placeholder 2"/>
+          <p:cNvSpPr>
+            <a:spLocks noGrp="1"/>
+          </p:cNvSpPr>
+          <p:nvPr>
+            <p:ph idx="1"/>
+          </p:nvPr>
+        </p:nvSpPr>
+        <p:spPr/>
+        <p:txBody>
+          <a:bodyPr>
+            <a:noAutofit/>
+          </a:bodyPr>
+          <a:lstStyle/>
+          <a:p>
+            <a:r>
+              <a:rPr lang="pt-BR" sz="1600" dirty="0"/>
+              <a:t>Reducible.AndReducer</a:t>
+            </a:r>
+          </a:p>
+          <a:p>
+            <a:r>
+              <a:rPr lang="pt-BR" sz="1600" dirty="0"/>
+              <a:t>Reducible.MaxReducer</a:t>
+            </a:r>
+          </a:p>
+          <a:p>
+            <a:r>
+              <a:rPr lang="pt-BR" sz="1600" dirty="0"/>
+              <a:t>Reducible.MinReducer</a:t>
+            </a:r>
+          </a:p>
+          <a:p>
+            <a:r>
+              <a:rPr lang="pt-BR" sz="1600" dirty="0"/>
+              <a:t>Reducible.OrReducer</a:t>
+            </a:r>
+          </a:p>
+          <a:p>
+            <a:r>
+              <a:rPr lang="pt-BR" sz="1600" dirty="0" smtClean="0"/>
+              <a:t>Reducible.SumReducer</a:t>
+            </a:r>
+            <a:endParaRPr lang="pt-BR" sz="1600" dirty="0"/>
+          </a:p>
+        </p:txBody>
+      </p:sp>
+    </p:spTree>
+    <p:extLst>
+      <p:ext uri="{BB962C8B-B14F-4D97-AF65-F5344CB8AC3E}">
+        <p14:creationId xmlns:p14="http://schemas.microsoft.com/office/powerpoint/2010/main" val="3516687263"/>
+      </p:ext>
+    </p:extLst>
+  </p:cSld>
+  <p:clrMapOvr>
+    <a:masterClrMapping/>
+  </p:clrMapOvr>
+  <p:timing>
+    <p:tnLst>
+      <p:par>
+        <p:cTn id="1" dur="indefinite" restart="never" nodeType="tmRoot"/>
+      </p:par>
+    </p:tnLst>
+  </p:timing>
+</p:sld>
+</file>
+
+<file path=ppt/slides/slide27.xml><?xml version="1.0" encoding="utf-8"?>
+<p:sld xmlns:a="http://schemas.openxmlformats.org/drawingml/2006/main" xmlns:r="http://schemas.openxmlformats.org/officeDocument/2006/relationships" xmlns:p="http://schemas.openxmlformats.org/presentationml/2006/main">
+  <p:cSld>
+    <p:spTree>
+      <p:nvGrpSpPr>
+        <p:cNvPr id="1" name=""/>
+        <p:cNvGrpSpPr/>
+        <p:nvPr/>
+      </p:nvGrpSpPr>
+      <p:grpSpPr>
+        <a:xfrm>
+          <a:off x="0" y="0"/>
+          <a:ext cx="0" cy="0"/>
+          <a:chOff x="0" y="0"/>
+          <a:chExt cx="0" cy="0"/>
+        </a:xfrm>
+      </p:grpSpPr>
+      <p:sp>
+        <p:nvSpPr>
+          <p:cNvPr id="2" name="Title 1"/>
+          <p:cNvSpPr>
+            <a:spLocks noGrp="1"/>
+          </p:cNvSpPr>
+          <p:nvPr>
+            <p:ph type="title"/>
+          </p:nvPr>
+        </p:nvSpPr>
+        <p:spPr/>
+        <p:txBody>
+          <a:bodyPr>
+            <a:normAutofit/>
+          </a:bodyPr>
+          <a:lstStyle/>
+          <a:p>
+            <a:pPr lvl="1" algn="l" rtl="0">
+              <a:spcBef>
+                <a:spcPct val="0"/>
+              </a:spcBef>
+            </a:pPr>
+            <a:r>
+              <a:rPr lang="pt-BR" sz="2400" dirty="0" smtClean="0">
+                <a:latin typeface="+mj-lt"/>
+              </a:rPr>
+              <a:t>Classes especiais</a:t>
+            </a:r>
+            <a:br>
+              <a:rPr lang="pt-BR" sz="2400" dirty="0" smtClean="0">
+                <a:latin typeface="+mj-lt"/>
+              </a:rPr>
+            </a:br>
+            <a:r>
+              <a:rPr lang="pt-BR" i="1" dirty="0" smtClean="0">
+                <a:latin typeface="+mj-lt"/>
+              </a:rPr>
+              <a:t>DistArray + Reducible</a:t>
+            </a:r>
+            <a:endParaRPr lang="pt-BR" sz="2400" i="1" dirty="0">
+              <a:latin typeface="+mj-lt"/>
+            </a:endParaRPr>
+          </a:p>
+        </p:txBody>
+      </p:sp>
+      <p:sp>
+        <p:nvSpPr>
+          <p:cNvPr id="3" name="Content Placeholder 2"/>
+          <p:cNvSpPr>
+            <a:spLocks noGrp="1"/>
+          </p:cNvSpPr>
+          <p:nvPr>
+            <p:ph idx="1"/>
+          </p:nvPr>
+        </p:nvSpPr>
+        <p:spPr/>
+        <p:txBody>
+          <a:bodyPr>
+            <a:noAutofit/>
+          </a:bodyPr>
+          <a:lstStyle/>
+          <a:p>
+            <a:endParaRPr lang="en-US" sz="1800" dirty="0" smtClean="0"/>
+          </a:p>
+        </p:txBody>
+      </p:sp>
+      <p:pic>
+        <p:nvPicPr>
+          <p:cNvPr id="1026" name="Picture 2"/>
+          <p:cNvPicPr>
+            <a:picLocks noChangeAspect="1" noChangeArrowheads="1"/>
+          </p:cNvPicPr>
+          <p:nvPr/>
+        </p:nvPicPr>
+        <p:blipFill>
+          <a:blip r:embed="rId3">
+            <a:extLst>
+              <a:ext uri="{28A0092B-C50C-407E-A947-70E740481C1C}">
+                <a14:useLocalDpi xmlns:a14="http://schemas.microsoft.com/office/drawing/2010/main" val="0"/>
+              </a:ext>
+            </a:extLst>
+          </a:blip>
+          <a:srcRect/>
+          <a:stretch>
+            <a:fillRect/>
+          </a:stretch>
+        </p:blipFill>
+        <p:spPr bwMode="auto">
+          <a:xfrm>
+            <a:off x="3005336" y="1124744"/>
+            <a:ext cx="6248400" cy="5391150"/>
+          </a:xfrm>
+          <a:prstGeom prst="rect">
+            <a:avLst/>
+          </a:prstGeom>
+          <a:noFill/>
+          <a:ln>
+            <a:noFill/>
+          </a:ln>
+          <a:extLst>
+            <a:ext uri="{909E8E84-426E-40DD-AFC4-6F175D3DCCD1}">
+              <a14:hiddenFill xmlns:a14="http://schemas.microsoft.com/office/drawing/2010/main">
+                <a:solidFill>
+                  <a:schemeClr val="accent1"/>
+                </a:solidFill>
+              </a14:hiddenFill>
+            </a:ext>
+            <a:ext uri="{91240B29-F687-4F45-9708-019B960494DF}">
+              <a14:hiddenLine xmlns:a14="http://schemas.microsoft.com/office/drawing/2010/main" w="9525">
+                <a:solidFill>
+                  <a:schemeClr val="tx1"/>
+                </a:solidFill>
+                <a:miter lim="800000"/>
+                <a:headEnd/>
+                <a:tailEnd/>
+              </a14:hiddenLine>
+            </a:ext>
+          </a:extLst>
+        </p:spPr>
+      </p:pic>
+    </p:spTree>
+    <p:extLst>
+      <p:ext uri="{BB962C8B-B14F-4D97-AF65-F5344CB8AC3E}">
+        <p14:creationId xmlns:p14="http://schemas.microsoft.com/office/powerpoint/2010/main" val="1455875961"/>
+      </p:ext>
+    </p:extLst>
+  </p:cSld>
+  <p:clrMapOvr>
+    <a:masterClrMapping/>
+  </p:clrMapOvr>
+  <p:timing>
+    <p:tnLst>
+      <p:par>
+        <p:cTn id="1" dur="indefinite" restart="never" nodeType="tmRoot"/>
+      </p:par>
+    </p:tnLst>
+  </p:timing>
+</p:sld>
+</file>
+
+<file path=ppt/slides/slide28.xml><?xml version="1.0" encoding="utf-8"?>
+<p:sld xmlns:a="http://schemas.openxmlformats.org/drawingml/2006/main" xmlns:r="http://schemas.openxmlformats.org/officeDocument/2006/relationships" xmlns:p="http://schemas.openxmlformats.org/presentationml/2006/main">
+  <p:cSld>
+    <p:spTree>
+      <p:nvGrpSpPr>
+        <p:cNvPr id="1" name=""/>
+        <p:cNvGrpSpPr/>
+        <p:nvPr/>
+      </p:nvGrpSpPr>
+      <p:grpSpPr>
+        <a:xfrm>
+          <a:off x="0" y="0"/>
+          <a:ext cx="0" cy="0"/>
+          <a:chOff x="0" y="0"/>
+          <a:chExt cx="0" cy="0"/>
+        </a:xfrm>
+      </p:grpSpPr>
+      <p:sp>
+        <p:nvSpPr>
+          <p:cNvPr id="2" name="Title 1"/>
+          <p:cNvSpPr>
+            <a:spLocks noGrp="1"/>
+          </p:cNvSpPr>
+          <p:nvPr>
+            <p:ph type="title"/>
+          </p:nvPr>
+        </p:nvSpPr>
+        <p:spPr/>
+        <p:txBody>
+          <a:bodyPr>
+            <a:normAutofit/>
+          </a:bodyPr>
+          <a:lstStyle/>
+          <a:p>
+            <a:pPr lvl="1" algn="l" rtl="0">
+              <a:spcBef>
+                <a:spcPct val="0"/>
+              </a:spcBef>
+            </a:pPr>
+            <a:r>
+              <a:rPr lang="pt-BR" sz="2400" dirty="0" smtClean="0">
+                <a:latin typeface="+mj-lt"/>
+              </a:rPr>
+              <a:t>Classes especiais</a:t>
+            </a:r>
+            <a:br>
+              <a:rPr lang="pt-BR" sz="2400" dirty="0" smtClean="0">
+                <a:latin typeface="+mj-lt"/>
+              </a:rPr>
+            </a:br>
+            <a:endParaRPr lang="pt-BR" sz="2400" i="1" dirty="0">
+              <a:latin typeface="+mj-lt"/>
+            </a:endParaRPr>
+          </a:p>
+        </p:txBody>
+      </p:sp>
+      <p:sp>
+        <p:nvSpPr>
+          <p:cNvPr id="3" name="Content Placeholder 2"/>
+          <p:cNvSpPr>
+            <a:spLocks noGrp="1"/>
+          </p:cNvSpPr>
+          <p:nvPr>
+            <p:ph idx="1"/>
+          </p:nvPr>
+        </p:nvSpPr>
+        <p:spPr/>
+        <p:txBody>
+          <a:bodyPr>
+            <a:noAutofit/>
+          </a:bodyPr>
+          <a:lstStyle/>
+          <a:p>
+            <a:r>
+              <a:rPr lang="pt-BR" sz="1800" dirty="0" smtClean="0"/>
+              <a:t>RemoteArray</a:t>
+            </a:r>
+            <a:endParaRPr lang="pt-BR" sz="1800" dirty="0" smtClean="0"/>
+          </a:p>
+          <a:p>
+            <a:r>
+              <a:rPr lang="pt-BR" sz="1800" dirty="0" smtClean="0"/>
+              <a:t>AtomicInteger</a:t>
+            </a:r>
+          </a:p>
+          <a:p>
+            <a:endParaRPr lang="pt-BR" sz="1800" dirty="0"/>
+          </a:p>
+        </p:txBody>
+      </p:sp>
+    </p:spTree>
+    <p:extLst>
+      <p:ext uri="{BB962C8B-B14F-4D97-AF65-F5344CB8AC3E}">
+        <p14:creationId xmlns:p14="http://schemas.microsoft.com/office/powerpoint/2010/main" val="406630809"/>
+      </p:ext>
+    </p:extLst>
+  </p:cSld>
+  <p:clrMapOvr>
+    <a:masterClrMapping/>
+  </p:clrMapOvr>
+  <p:timing>
+    <p:tnLst>
+      <p:par>
+        <p:cTn id="1" dur="indefinite" restart="never" nodeType="tmRoot"/>
+      </p:par>
+    </p:tnLst>
+  </p:timing>
+</p:sld>
+</file>
+
+<file path=ppt/slides/slide29.xml><?xml version="1.0" encoding="utf-8"?>
 <p:sld xmlns:a="http://schemas.openxmlformats.org/drawingml/2006/main" xmlns:r="http://schemas.openxmlformats.org/officeDocument/2006/relationships" xmlns:p="http://schemas.openxmlformats.org/presentationml/2006/main">
   <p:cSld>
     <p:spTree>
@@ -8110,7 +8918,127 @@
 </p:sld>
 </file>
 
-<file path=ppt/slides/slide25.xml><?xml version="1.0" encoding="utf-8"?>
+<file path=ppt/slides/slide3.xml><?xml version="1.0" encoding="utf-8"?>
+<p:sld xmlns:a="http://schemas.openxmlformats.org/drawingml/2006/main" xmlns:r="http://schemas.openxmlformats.org/officeDocument/2006/relationships" xmlns:p="http://schemas.openxmlformats.org/presentationml/2006/main">
+  <p:cSld>
+    <p:spTree>
+      <p:nvGrpSpPr>
+        <p:cNvPr id="1" name=""/>
+        <p:cNvGrpSpPr/>
+        <p:nvPr/>
+      </p:nvGrpSpPr>
+      <p:grpSpPr>
+        <a:xfrm>
+          <a:off x="0" y="0"/>
+          <a:ext cx="0" cy="0"/>
+          <a:chOff x="0" y="0"/>
+          <a:chExt cx="0" cy="0"/>
+        </a:xfrm>
+      </p:grpSpPr>
+      <p:sp>
+        <p:nvSpPr>
+          <p:cNvPr id="2" name="Title 1"/>
+          <p:cNvSpPr>
+            <a:spLocks noGrp="1"/>
+          </p:cNvSpPr>
+          <p:nvPr>
+            <p:ph type="title"/>
+          </p:nvPr>
+        </p:nvSpPr>
+        <p:spPr/>
+        <p:txBody>
+          <a:bodyPr>
+            <a:normAutofit/>
+          </a:bodyPr>
+          <a:lstStyle/>
+          <a:p>
+            <a:pPr algn="l"/>
+            <a:r>
+              <a:rPr lang="pt-BR" sz="2400" dirty="0" smtClean="0"/>
+              <a:t>Visão geral</a:t>
+            </a:r>
+            <a:br>
+              <a:rPr lang="pt-BR" sz="2400" dirty="0" smtClean="0"/>
+            </a:br>
+            <a:r>
+              <a:rPr lang="pt-BR" sz="1800" dirty="0" smtClean="0"/>
+              <a:t>x10</a:t>
+            </a:r>
+            <a:endParaRPr lang="pt-BR" sz="1800" dirty="0"/>
+          </a:p>
+        </p:txBody>
+      </p:sp>
+      <p:sp>
+        <p:nvSpPr>
+          <p:cNvPr id="3" name="Content Placeholder 2"/>
+          <p:cNvSpPr>
+            <a:spLocks noGrp="1"/>
+          </p:cNvSpPr>
+          <p:nvPr>
+            <p:ph idx="1"/>
+          </p:nvPr>
+        </p:nvSpPr>
+        <p:spPr/>
+        <p:txBody>
+          <a:bodyPr>
+            <a:normAutofit/>
+          </a:bodyPr>
+          <a:lstStyle/>
+          <a:p>
+            <a:r>
+              <a:rPr lang="en-US" sz="2400" dirty="0" smtClean="0"/>
+              <a:t>IBM (2004)</a:t>
+            </a:r>
+          </a:p>
+          <a:p>
+            <a:endParaRPr lang="en-US" sz="2400" dirty="0" smtClean="0"/>
+          </a:p>
+          <a:p>
+            <a:r>
+              <a:rPr lang="en-US" sz="2400" dirty="0" smtClean="0"/>
+              <a:t>high </a:t>
+            </a:r>
+            <a:r>
+              <a:rPr lang="en-US" sz="2400" dirty="0"/>
+              <a:t>level programming language</a:t>
+            </a:r>
+          </a:p>
+          <a:p>
+            <a:endParaRPr lang="en-US" sz="2400" dirty="0" smtClean="0"/>
+          </a:p>
+          <a:p>
+            <a:r>
+              <a:rPr lang="en-US" sz="2400" dirty="0" smtClean="0"/>
+              <a:t>C++ &amp; Java</a:t>
+            </a:r>
+            <a:endParaRPr lang="pt-BR" altLang="pt-BR" sz="2200" dirty="0" smtClean="0"/>
+          </a:p>
+          <a:p>
+            <a:endParaRPr lang="en-US" altLang="pt-BR" sz="2200" dirty="0"/>
+          </a:p>
+        </p:txBody>
+      </p:sp>
+    </p:spTree>
+    <p:extLst>
+      <p:ext uri="{BB962C8B-B14F-4D97-AF65-F5344CB8AC3E}">
+        <p14:creationId xmlns:p14="http://schemas.microsoft.com/office/powerpoint/2010/main" val="3786330374"/>
+      </p:ext>
+    </p:extLst>
+  </p:cSld>
+  <p:clrMapOvr>
+    <a:masterClrMapping/>
+  </p:clrMapOvr>
+  <p:timing>
+    <p:tnLst>
+      <p:par>
+        <p:cTn id="1" dur="indefinite" restart="never" nodeType="tmRoot"/>
+      </p:par>
+    </p:tnLst>
+  </p:timing>
+</p:sld>
+</file>
+
+<file path=ppt/slides/slide30.xml><?xml version="1.0" encoding="utf-8"?>
 <p:sld xmlns:a="http://schemas.openxmlformats.org/drawingml/2006/main" xmlns:r="http://schemas.openxmlformats.org/officeDocument/2006/relationships" xmlns:p="http://schemas.openxmlformats.org/presentationml/2006/main">
   <p:cSld>
     <p:spTree>
@@ -8931,7 +9859,7 @@
 </p:sld>
 </file>
 
-<file path=ppt/slides/slide26.xml><?xml version="1.0" encoding="utf-8"?>
+<file path=ppt/slides/slide31.xml><?xml version="1.0" encoding="utf-8"?>
 <p:sld xmlns:a="http://schemas.openxmlformats.org/drawingml/2006/main" xmlns:r="http://schemas.openxmlformats.org/officeDocument/2006/relationships" xmlns:p="http://schemas.openxmlformats.org/presentationml/2006/main">
   <p:cSld>
     <p:spTree>
@@ -9093,7 +10021,7 @@
 </p:sld>
 </file>
 
-<file path=ppt/slides/slide27.xml><?xml version="1.0" encoding="utf-8"?>
+<file path=ppt/slides/slide32.xml><?xml version="1.0" encoding="utf-8"?>
 <p:sld xmlns:a="http://schemas.openxmlformats.org/drawingml/2006/main" xmlns:r="http://schemas.openxmlformats.org/officeDocument/2006/relationships" xmlns:p="http://schemas.openxmlformats.org/presentationml/2006/main">
   <p:cSld>
     <p:spTree>
@@ -9203,7 +10131,7 @@
 </p:sld>
 </file>
 
-<file path=ppt/slides/slide28.xml><?xml version="1.0" encoding="utf-8"?>
+<file path=ppt/slides/slide33.xml><?xml version="1.0" encoding="utf-8"?>
 <p:sld xmlns:a="http://schemas.openxmlformats.org/drawingml/2006/main" xmlns:r="http://schemas.openxmlformats.org/officeDocument/2006/relationships" xmlns:p="http://schemas.openxmlformats.org/presentationml/2006/main">
   <p:cSld>
     <p:spTree>
@@ -9313,7 +10241,7 @@
 </p:sld>
 </file>
 
-<file path=ppt/slides/slide29.xml><?xml version="1.0" encoding="utf-8"?>
+<file path=ppt/slides/slide34.xml><?xml version="1.0" encoding="utf-8"?>
 <p:sld xmlns:a="http://schemas.openxmlformats.org/drawingml/2006/main" xmlns:r="http://schemas.openxmlformats.org/officeDocument/2006/relationships" xmlns:p="http://schemas.openxmlformats.org/presentationml/2006/main">
   <p:cSld>
     <p:spTree>
@@ -9401,127 +10329,7 @@
 </p:sld>
 </file>
 
-<file path=ppt/slides/slide3.xml><?xml version="1.0" encoding="utf-8"?>
-<p:sld xmlns:a="http://schemas.openxmlformats.org/drawingml/2006/main" xmlns:r="http://schemas.openxmlformats.org/officeDocument/2006/relationships" xmlns:p="http://schemas.openxmlformats.org/presentationml/2006/main">
-  <p:cSld>
-    <p:spTree>
-      <p:nvGrpSpPr>
-        <p:cNvPr id="1" name=""/>
-        <p:cNvGrpSpPr/>
-        <p:nvPr/>
-      </p:nvGrpSpPr>
-      <p:grpSpPr>
-        <a:xfrm>
-          <a:off x="0" y="0"/>
-          <a:ext cx="0" cy="0"/>
-          <a:chOff x="0" y="0"/>
-          <a:chExt cx="0" cy="0"/>
-        </a:xfrm>
-      </p:grpSpPr>
-      <p:sp>
-        <p:nvSpPr>
-          <p:cNvPr id="2" name="Title 1"/>
-          <p:cNvSpPr>
-            <a:spLocks noGrp="1"/>
-          </p:cNvSpPr>
-          <p:nvPr>
-            <p:ph type="title"/>
-          </p:nvPr>
-        </p:nvSpPr>
-        <p:spPr/>
-        <p:txBody>
-          <a:bodyPr>
-            <a:normAutofit/>
-          </a:bodyPr>
-          <a:lstStyle/>
-          <a:p>
-            <a:pPr algn="l"/>
-            <a:r>
-              <a:rPr lang="pt-BR" sz="2400" dirty="0" smtClean="0"/>
-              <a:t>Visão geral</a:t>
-            </a:r>
-            <a:br>
-              <a:rPr lang="pt-BR" sz="2400" dirty="0" smtClean="0"/>
-            </a:br>
-            <a:r>
-              <a:rPr lang="pt-BR" sz="1800" dirty="0" smtClean="0"/>
-              <a:t>x10</a:t>
-            </a:r>
-            <a:endParaRPr lang="pt-BR" sz="1800" dirty="0"/>
-          </a:p>
-        </p:txBody>
-      </p:sp>
-      <p:sp>
-        <p:nvSpPr>
-          <p:cNvPr id="3" name="Content Placeholder 2"/>
-          <p:cNvSpPr>
-            <a:spLocks noGrp="1"/>
-          </p:cNvSpPr>
-          <p:nvPr>
-            <p:ph idx="1"/>
-          </p:nvPr>
-        </p:nvSpPr>
-        <p:spPr/>
-        <p:txBody>
-          <a:bodyPr>
-            <a:normAutofit/>
-          </a:bodyPr>
-          <a:lstStyle/>
-          <a:p>
-            <a:r>
-              <a:rPr lang="en-US" sz="2400" dirty="0" smtClean="0"/>
-              <a:t>IBM (2004)</a:t>
-            </a:r>
-          </a:p>
-          <a:p>
-            <a:endParaRPr lang="en-US" sz="2400" dirty="0" smtClean="0"/>
-          </a:p>
-          <a:p>
-            <a:r>
-              <a:rPr lang="en-US" sz="2400" dirty="0" smtClean="0"/>
-              <a:t>high </a:t>
-            </a:r>
-            <a:r>
-              <a:rPr lang="en-US" sz="2400" dirty="0"/>
-              <a:t>level programming language</a:t>
-            </a:r>
-          </a:p>
-          <a:p>
-            <a:endParaRPr lang="en-US" sz="2400" dirty="0" smtClean="0"/>
-          </a:p>
-          <a:p>
-            <a:r>
-              <a:rPr lang="en-US" sz="2400" dirty="0" smtClean="0"/>
-              <a:t>C++ &amp; Java</a:t>
-            </a:r>
-            <a:endParaRPr lang="pt-BR" altLang="pt-BR" sz="2200" dirty="0" smtClean="0"/>
-          </a:p>
-          <a:p>
-            <a:endParaRPr lang="en-US" altLang="pt-BR" sz="2200" dirty="0"/>
-          </a:p>
-        </p:txBody>
-      </p:sp>
-    </p:spTree>
-    <p:extLst>
-      <p:ext uri="{BB962C8B-B14F-4D97-AF65-F5344CB8AC3E}">
-        <p14:creationId xmlns:p14="http://schemas.microsoft.com/office/powerpoint/2010/main" val="3786330374"/>
-      </p:ext>
-    </p:extLst>
-  </p:cSld>
-  <p:clrMapOvr>
-    <a:masterClrMapping/>
-  </p:clrMapOvr>
-  <p:timing>
-    <p:tnLst>
-      <p:par>
-        <p:cTn id="1" dur="indefinite" restart="never" nodeType="tmRoot"/>
-      </p:par>
-    </p:tnLst>
-  </p:timing>
-</p:sld>
-</file>
-
-<file path=ppt/slides/slide30.xml><?xml version="1.0" encoding="utf-8"?>
+<file path=ppt/slides/slide35.xml><?xml version="1.0" encoding="utf-8"?>
 <p:sld xmlns:a="http://schemas.openxmlformats.org/drawingml/2006/main" xmlns:r="http://schemas.openxmlformats.org/officeDocument/2006/relationships" xmlns:p="http://schemas.openxmlformats.org/presentationml/2006/main">
   <p:cSld>
     <p:spTree>

--- a/x10.pptx
+++ b/x10.pptx
@@ -5,7 +5,7 @@
     <p:sldMasterId id="2147483648" r:id="rId1"/>
   </p:sldMasterIdLst>
   <p:notesMasterIdLst>
-    <p:notesMasterId r:id="rId37"/>
+    <p:notesMasterId r:id="rId35"/>
   </p:notesMasterIdLst>
   <p:sldIdLst>
     <p:sldId id="256" r:id="rId2"/>
@@ -26,23 +26,21 @@
     <p:sldId id="288" r:id="rId17"/>
     <p:sldId id="266" r:id="rId18"/>
     <p:sldId id="292" r:id="rId19"/>
-    <p:sldId id="298" r:id="rId20"/>
-    <p:sldId id="295" r:id="rId21"/>
+    <p:sldId id="295" r:id="rId20"/>
+    <p:sldId id="298" r:id="rId21"/>
     <p:sldId id="296" r:id="rId22"/>
     <p:sldId id="297" r:id="rId23"/>
     <p:sldId id="284" r:id="rId24"/>
-    <p:sldId id="305" r:id="rId25"/>
-    <p:sldId id="306" r:id="rId26"/>
-    <p:sldId id="307" r:id="rId27"/>
-    <p:sldId id="308" r:id="rId28"/>
-    <p:sldId id="304" r:id="rId29"/>
-    <p:sldId id="267" r:id="rId30"/>
-    <p:sldId id="285" r:id="rId31"/>
-    <p:sldId id="280" r:id="rId32"/>
-    <p:sldId id="294" r:id="rId33"/>
-    <p:sldId id="302" r:id="rId34"/>
-    <p:sldId id="290" r:id="rId35"/>
-    <p:sldId id="286" r:id="rId36"/>
+    <p:sldId id="308" r:id="rId25"/>
+    <p:sldId id="309" r:id="rId26"/>
+    <p:sldId id="305" r:id="rId27"/>
+    <p:sldId id="306" r:id="rId28"/>
+    <p:sldId id="307" r:id="rId29"/>
+    <p:sldId id="294" r:id="rId30"/>
+    <p:sldId id="302" r:id="rId31"/>
+    <p:sldId id="311" r:id="rId32"/>
+    <p:sldId id="290" r:id="rId33"/>
+    <p:sldId id="286" r:id="rId34"/>
   </p:sldIdLst>
   <p:sldSz cx="12192000" cy="6858000"/>
   <p:notesSz cx="6858000" cy="9144000"/>
@@ -143,7 +141,7 @@
   </p:defaultTextStyle>
   <p:extLst>
     <p:ext uri="{EFAFB233-063F-42B5-8137-9DF3F51BA10A}">
-      <p15:sldGuideLst xmlns:p15="http://schemas.microsoft.com/office/powerpoint/2012/main" xmlns="">
+      <p15:sldGuideLst xmlns="" xmlns:p15="http://schemas.microsoft.com/office/powerpoint/2012/main">
         <p15:guide id="1" orient="horz" pos="2160" userDrawn="1">
           <p15:clr>
             <a:srgbClr val="A4A3A4"/>
@@ -585,90 +583,6 @@
     <p:extLst>
       <p:ext uri="{BB962C8B-B14F-4D97-AF65-F5344CB8AC3E}">
         <p14:creationId xmlns:p14="http://schemas.microsoft.com/office/powerpoint/2010/main" val="2732860854"/>
-      </p:ext>
-    </p:extLst>
-  </p:cSld>
-  <p:clrMapOvr>
-    <a:masterClrMapping/>
-  </p:clrMapOvr>
-</p:notes>
-</file>
-
-<file path=ppt/notesSlides/notesSlide2.xml><?xml version="1.0" encoding="utf-8"?>
-<p:notes xmlns:a="http://schemas.openxmlformats.org/drawingml/2006/main" xmlns:r="http://schemas.openxmlformats.org/officeDocument/2006/relationships" xmlns:p="http://schemas.openxmlformats.org/presentationml/2006/main">
-  <p:cSld>
-    <p:spTree>
-      <p:nvGrpSpPr>
-        <p:cNvPr id="1" name=""/>
-        <p:cNvGrpSpPr/>
-        <p:nvPr/>
-      </p:nvGrpSpPr>
-      <p:grpSpPr>
-        <a:xfrm>
-          <a:off x="0" y="0"/>
-          <a:ext cx="0" cy="0"/>
-          <a:chOff x="0" y="0"/>
-          <a:chExt cx="0" cy="0"/>
-        </a:xfrm>
-      </p:grpSpPr>
-      <p:sp>
-        <p:nvSpPr>
-          <p:cNvPr id="2" name="Slide Image Placeholder 1"/>
-          <p:cNvSpPr>
-            <a:spLocks noGrp="1" noRot="1" noChangeAspect="1"/>
-          </p:cNvSpPr>
-          <p:nvPr>
-            <p:ph type="sldImg"/>
-          </p:nvPr>
-        </p:nvSpPr>
-        <p:spPr/>
-      </p:sp>
-      <p:sp>
-        <p:nvSpPr>
-          <p:cNvPr id="3" name="Notes Placeholder 2"/>
-          <p:cNvSpPr>
-            <a:spLocks noGrp="1"/>
-          </p:cNvSpPr>
-          <p:nvPr>
-            <p:ph type="body" idx="1"/>
-          </p:nvPr>
-        </p:nvSpPr>
-        <p:spPr/>
-        <p:txBody>
-          <a:bodyPr/>
-          <a:lstStyle/>
-          <a:p>
-            <a:endParaRPr lang="pt-BR" dirty="0"/>
-          </a:p>
-        </p:txBody>
-      </p:sp>
-      <p:sp>
-        <p:nvSpPr>
-          <p:cNvPr id="4" name="Slide Number Placeholder 3"/>
-          <p:cNvSpPr>
-            <a:spLocks noGrp="1"/>
-          </p:cNvSpPr>
-          <p:nvPr>
-            <p:ph type="sldNum" sz="quarter" idx="10"/>
-          </p:nvPr>
-        </p:nvSpPr>
-        <p:spPr/>
-        <p:txBody>
-          <a:bodyPr/>
-          <a:lstStyle/>
-          <a:p>
-            <a:fld id="{0177588E-FF8D-4B7F-949A-E4520B6F113C}" type="slidenum">
-              <a:rPr lang="pt-BR" smtClean="0"/>
-              <a:t>27</a:t>
-            </a:fld>
-            <a:endParaRPr lang="pt-BR"/>
-          </a:p>
-        </p:txBody>
-      </p:sp>
-    </p:spTree>
-    <p:extLst>
-      <p:ext uri="{BB962C8B-B14F-4D97-AF65-F5344CB8AC3E}">
-        <p14:creationId xmlns:p14="http://schemas.microsoft.com/office/powerpoint/2010/main" val="3509006684"/>
       </p:ext>
     </p:extLst>
   </p:cSld>
@@ -6159,9 +6073,10 @@
               <a:rPr lang="pt-BR" sz="2400" dirty="0" smtClean="0"/>
             </a:br>
             <a:r>
-              <a:rPr lang="pt-BR" sz="1800" i="1" dirty="0"/>
-              <a:t>when</a:t>
-            </a:r>
+              <a:rPr lang="pt-BR" sz="1800" i="1" dirty="0" smtClean="0"/>
+              <a:t>atomic</a:t>
+            </a:r>
+            <a:endParaRPr lang="pt-BR" sz="1800" i="1" dirty="0"/>
           </a:p>
         </p:txBody>
       </p:sp>
@@ -6182,246 +6097,122 @@
           </a:bodyPr>
           <a:lstStyle/>
           <a:p>
-            <a:r>
-              <a:rPr lang="pt-BR" sz="1600" b="1" dirty="0"/>
-              <a:t>Stmt ::= WhenStmt</a:t>
-            </a:r>
-          </a:p>
-          <a:p>
-            <a:r>
-              <a:rPr lang="pt-BR" sz="1600" b="1" dirty="0"/>
-              <a:t>WhenStmt ::= </a:t>
-            </a:r>
-            <a:r>
-              <a:rPr lang="pt-BR" sz="1600" b="1" dirty="0">
-                <a:solidFill>
-                  <a:srgbClr val="FF0000"/>
-                </a:solidFill>
-              </a:rPr>
-              <a:t>when</a:t>
-            </a:r>
-            <a:r>
-              <a:rPr lang="pt-BR" sz="1600" b="1" dirty="0"/>
-              <a:t> ( Expr ) </a:t>
-            </a:r>
-            <a:r>
-              <a:rPr lang="pt-BR" sz="1600" b="1" dirty="0" smtClean="0"/>
-              <a:t>Stmt</a:t>
-            </a:r>
-          </a:p>
-          <a:p>
-            <a:pPr marL="0" indent="0">
-              <a:buNone/>
-            </a:pPr>
-            <a:r>
-              <a:rPr lang="pt-BR" sz="1600" b="1" dirty="0" smtClean="0"/>
-              <a:t>	            | </a:t>
-            </a:r>
-            <a:r>
-              <a:rPr lang="pt-BR" sz="1600" b="1" dirty="0"/>
-              <a:t>WhenStmt </a:t>
-            </a:r>
-            <a:r>
-              <a:rPr lang="pt-BR" sz="1600" b="1" dirty="0">
-                <a:solidFill>
-                  <a:srgbClr val="FF0000"/>
-                </a:solidFill>
-              </a:rPr>
-              <a:t>or</a:t>
-            </a:r>
-            <a:r>
-              <a:rPr lang="pt-BR" sz="1600" b="1" dirty="0"/>
-              <a:t> (Expr) </a:t>
-            </a:r>
-            <a:r>
-              <a:rPr lang="pt-BR" sz="1600" b="1" dirty="0" smtClean="0"/>
-              <a:t>Stmt</a:t>
-            </a:r>
-          </a:p>
-          <a:p>
-            <a:endParaRPr lang="pt-BR" sz="1600" dirty="0" smtClean="0"/>
-          </a:p>
-          <a:p>
-            <a:r>
-              <a:rPr lang="pt-BR" sz="1600" dirty="0" smtClean="0"/>
-              <a:t>when (E) { ... }</a:t>
-            </a:r>
-            <a:endParaRPr lang="pt-BR" sz="1600" dirty="0"/>
-          </a:p>
-          <a:p>
-            <a:pPr marL="0" indent="0">
-              <a:buNone/>
-            </a:pPr>
-            <a:endParaRPr lang="pt-BR" sz="1800" b="1" dirty="0" smtClean="0"/>
-          </a:p>
-          <a:p>
-            <a:r>
-              <a:rPr lang="en-US" sz="1600" dirty="0" err="1" smtClean="0"/>
-              <a:t>Suspende</a:t>
-            </a:r>
-            <a:r>
-              <a:rPr lang="en-US" sz="1600" dirty="0" smtClean="0"/>
-              <a:t> </a:t>
-            </a:r>
-            <a:r>
-              <a:rPr lang="en-US" sz="1600" dirty="0" err="1" smtClean="0"/>
-              <a:t>uma</a:t>
-            </a:r>
-            <a:r>
-              <a:rPr lang="en-US" sz="1600" dirty="0" smtClean="0"/>
-              <a:t> </a:t>
-            </a:r>
-            <a:r>
-              <a:rPr lang="en-US" sz="1600" dirty="0" err="1" smtClean="0"/>
-              <a:t>atividade</a:t>
-            </a:r>
-            <a:r>
-              <a:rPr lang="en-US" sz="1600" dirty="0" smtClean="0"/>
-              <a:t> </a:t>
-            </a:r>
-            <a:r>
-              <a:rPr lang="en-US" sz="1600" dirty="0" err="1" smtClean="0"/>
-              <a:t>até</a:t>
-            </a:r>
-            <a:r>
-              <a:rPr lang="en-US" sz="1600" dirty="0" smtClean="0"/>
-              <a:t> que o </a:t>
-            </a:r>
-            <a:r>
-              <a:rPr lang="en-US" sz="1600" dirty="0" err="1" smtClean="0"/>
-              <a:t>estado</a:t>
-            </a:r>
-            <a:r>
-              <a:rPr lang="en-US" sz="1600" dirty="0" smtClean="0"/>
-              <a:t> de </a:t>
-            </a:r>
-            <a:r>
-              <a:rPr lang="en-US" sz="1600" dirty="0" err="1" smtClean="0"/>
-              <a:t>uma</a:t>
-            </a:r>
-            <a:r>
-              <a:rPr lang="en-US" sz="1600" dirty="0" smtClean="0"/>
-              <a:t> </a:t>
-            </a:r>
-            <a:r>
-              <a:rPr lang="en-US" sz="1600" dirty="0" err="1" smtClean="0"/>
-              <a:t>expressão</a:t>
-            </a:r>
-            <a:r>
-              <a:rPr lang="en-US" sz="1600" dirty="0" smtClean="0"/>
-              <a:t> </a:t>
-            </a:r>
-            <a:r>
-              <a:rPr lang="en-US" sz="1600" dirty="0" err="1" smtClean="0"/>
-              <a:t>booleana</a:t>
-            </a:r>
-            <a:r>
-              <a:rPr lang="en-US" sz="1600" dirty="0" smtClean="0"/>
-              <a:t> E </a:t>
-            </a:r>
-            <a:r>
-              <a:rPr lang="en-US" sz="1600" dirty="0" err="1" smtClean="0"/>
-              <a:t>seja</a:t>
-            </a:r>
-            <a:r>
-              <a:rPr lang="en-US" sz="1600" dirty="0" smtClean="0"/>
-              <a:t> </a:t>
-            </a:r>
-            <a:r>
-              <a:rPr lang="en-US" sz="1600" dirty="0" err="1" smtClean="0"/>
-              <a:t>verdadeira</a:t>
-            </a:r>
-            <a:endParaRPr lang="en-US" sz="1600" dirty="0" smtClean="0"/>
-          </a:p>
-          <a:p>
-            <a:pPr lvl="1"/>
-            <a:r>
-              <a:rPr lang="en-US" sz="1400" dirty="0" err="1" smtClean="0"/>
-              <a:t>Quando</a:t>
-            </a:r>
-            <a:r>
-              <a:rPr lang="en-US" sz="1400" dirty="0" smtClean="0"/>
-              <a:t> </a:t>
-            </a:r>
-            <a:r>
-              <a:rPr lang="en-US" sz="1400" dirty="0" err="1" smtClean="0"/>
-              <a:t>isso</a:t>
-            </a:r>
-            <a:r>
-              <a:rPr lang="en-US" sz="1400" dirty="0" smtClean="0"/>
-              <a:t> </a:t>
-            </a:r>
-            <a:r>
-              <a:rPr lang="en-US" sz="1400" dirty="0" err="1" smtClean="0"/>
-              <a:t>acontece</a:t>
-            </a:r>
-            <a:r>
-              <a:rPr lang="en-US" sz="1400" dirty="0" smtClean="0"/>
-              <a:t>, </a:t>
-            </a:r>
-            <a:r>
-              <a:rPr lang="en-US" sz="1400" dirty="0"/>
-              <a:t>S </a:t>
-            </a:r>
-            <a:r>
-              <a:rPr lang="en-US" sz="1400" dirty="0" smtClean="0"/>
-              <a:t>é </a:t>
-            </a:r>
-            <a:r>
-              <a:rPr lang="en-US" sz="1400" dirty="0" err="1" smtClean="0"/>
-              <a:t>executada</a:t>
-            </a:r>
-            <a:r>
-              <a:rPr lang="en-US" sz="1400" dirty="0" smtClean="0"/>
-              <a:t> </a:t>
-            </a:r>
-            <a:r>
-              <a:rPr lang="en-US" sz="1400" dirty="0" err="1" smtClean="0"/>
-              <a:t>atomicamente</a:t>
-            </a:r>
-            <a:r>
-              <a:rPr lang="en-US" sz="1400" dirty="0" smtClean="0"/>
-              <a:t> e </a:t>
-            </a:r>
-            <a:r>
-              <a:rPr lang="en-US" sz="1400" dirty="0" err="1" smtClean="0"/>
-              <a:t>isoladamente</a:t>
-            </a:r>
-            <a:endParaRPr lang="en-US" sz="1400" dirty="0" smtClean="0"/>
-          </a:p>
-          <a:p>
-            <a:endParaRPr lang="en-US" sz="1800" dirty="0" smtClean="0"/>
+            <a:endParaRPr lang="pt-BR" sz="1800" dirty="0"/>
           </a:p>
         </p:txBody>
       </p:sp>
       <p:pic>
         <p:nvPicPr>
-          <p:cNvPr id="4" name="Picture 3"/>
+          <p:cNvPr id="2050" name="Picture 2"/>
           <p:cNvPicPr>
-            <a:picLocks noChangeAspect="1"/>
+            <a:picLocks noChangeAspect="1" noChangeArrowheads="1"/>
           </p:cNvPicPr>
           <p:nvPr/>
         </p:nvPicPr>
         <p:blipFill>
-          <a:blip r:embed="rId2"/>
+          <a:blip r:embed="rId2">
+            <a:extLst>
+              <a:ext uri="{28A0092B-C50C-407E-A947-70E740481C1C}">
+                <a14:useLocalDpi xmlns:a14="http://schemas.microsoft.com/office/drawing/2010/main" val="0"/>
+              </a:ext>
+            </a:extLst>
+          </a:blip>
+          <a:srcRect/>
           <a:stretch>
             <a:fillRect/>
           </a:stretch>
         </p:blipFill>
-        <p:spPr>
+        <p:spPr bwMode="auto">
           <a:xfrm>
-            <a:off x="9086850" y="2724944"/>
-            <a:ext cx="2495550" cy="2276475"/>
+            <a:off x="636307" y="2132856"/>
+            <a:ext cx="3609975" cy="3448050"/>
           </a:xfrm>
           <a:prstGeom prst="rect">
             <a:avLst/>
           </a:prstGeom>
+          <a:noFill/>
+          <a:ln>
+            <a:noFill/>
+          </a:ln>
+          <a:extLst>
+            <a:ext uri="{909E8E84-426E-40DD-AFC4-6F175D3DCCD1}">
+              <a14:hiddenFill xmlns:a14="http://schemas.microsoft.com/office/drawing/2010/main">
+                <a:solidFill>
+                  <a:schemeClr val="accent1"/>
+                </a:solidFill>
+              </a14:hiddenFill>
+            </a:ext>
+            <a:ext uri="{91240B29-F687-4F45-9708-019B960494DF}">
+              <a14:hiddenLine xmlns:a14="http://schemas.microsoft.com/office/drawing/2010/main" w="9525">
+                <a:solidFill>
+                  <a:schemeClr val="tx1"/>
+                </a:solidFill>
+                <a:miter lim="800000"/>
+                <a:headEnd/>
+                <a:tailEnd/>
+              </a14:hiddenLine>
+            </a:ext>
+          </a:extLst>
+        </p:spPr>
+      </p:pic>
+      <p:pic>
+        <p:nvPicPr>
+          <p:cNvPr id="2052" name="Picture 4"/>
+          <p:cNvPicPr>
+            <a:picLocks noChangeAspect="1" noChangeArrowheads="1"/>
+          </p:cNvPicPr>
+          <p:nvPr/>
+        </p:nvPicPr>
+        <p:blipFill>
+          <a:blip r:embed="rId3" cstate="print">
+            <a:extLst>
+              <a:ext uri="{28A0092B-C50C-407E-A947-70E740481C1C}">
+                <a14:useLocalDpi xmlns:a14="http://schemas.microsoft.com/office/drawing/2010/main" val="0"/>
+              </a:ext>
+            </a:extLst>
+          </a:blip>
+          <a:srcRect/>
+          <a:stretch>
+            <a:fillRect/>
+          </a:stretch>
+        </p:blipFill>
+        <p:spPr bwMode="auto">
+          <a:xfrm>
+            <a:off x="6023992" y="2341116"/>
+            <a:ext cx="5538003" cy="3031530"/>
+          </a:xfrm>
+          <a:prstGeom prst="rect">
+            <a:avLst/>
+          </a:prstGeom>
+          <a:noFill/>
+          <a:ln>
+            <a:noFill/>
+          </a:ln>
+          <a:extLst>
+            <a:ext uri="{909E8E84-426E-40DD-AFC4-6F175D3DCCD1}">
+              <a14:hiddenFill xmlns:a14="http://schemas.microsoft.com/office/drawing/2010/main">
+                <a:solidFill>
+                  <a:schemeClr val="accent1"/>
+                </a:solidFill>
+              </a14:hiddenFill>
+            </a:ext>
+            <a:ext uri="{91240B29-F687-4F45-9708-019B960494DF}">
+              <a14:hiddenLine xmlns:a14="http://schemas.microsoft.com/office/drawing/2010/main" w="9525">
+                <a:solidFill>
+                  <a:schemeClr val="tx1"/>
+                </a:solidFill>
+                <a:miter lim="800000"/>
+                <a:headEnd/>
+                <a:tailEnd/>
+              </a14:hiddenLine>
+            </a:ext>
+          </a:extLst>
         </p:spPr>
       </p:pic>
     </p:spTree>
     <p:extLst>
       <p:ext uri="{BB962C8B-B14F-4D97-AF65-F5344CB8AC3E}">
-        <p14:creationId xmlns:p14="http://schemas.microsoft.com/office/powerpoint/2010/main" val="3987102160"/>
+        <p14:creationId xmlns:p14="http://schemas.microsoft.com/office/powerpoint/2010/main" val="3507999069"/>
       </p:ext>
     </p:extLst>
   </p:cSld>
@@ -6523,7 +6314,6 @@
               <a:rPr lang="pt-BR" sz="1600" dirty="0" smtClean="0"/>
               <a:t>Classes especiais</a:t>
             </a:r>
-            <a:endParaRPr lang="pt-BR" sz="1600" dirty="0" smtClean="0"/>
           </a:p>
           <a:p>
             <a:pPr lvl="1"/>
@@ -6637,10 +6427,9 @@
               <a:rPr lang="pt-BR" sz="2400" dirty="0" smtClean="0"/>
             </a:br>
             <a:r>
-              <a:rPr lang="pt-BR" sz="1800" i="1" dirty="0" smtClean="0"/>
-              <a:t>atomic</a:t>
-            </a:r>
-            <a:endParaRPr lang="pt-BR" sz="1800" i="1" dirty="0"/>
+              <a:rPr lang="pt-BR" sz="1800" i="1" dirty="0"/>
+              <a:t>when</a:t>
+            </a:r>
           </a:p>
         </p:txBody>
       </p:sp>
@@ -6661,20 +6450,252 @@
           </a:bodyPr>
           <a:lstStyle/>
           <a:p>
-            <a:endParaRPr lang="pt-BR" sz="1800" dirty="0"/>
+            <a:r>
+              <a:rPr lang="pt-BR" sz="1600" b="1" dirty="0"/>
+              <a:t>Stmt ::= WhenStmt</a:t>
+            </a:r>
+          </a:p>
+          <a:p>
+            <a:r>
+              <a:rPr lang="pt-BR" sz="1600" b="1" dirty="0"/>
+              <a:t>WhenStmt ::= </a:t>
+            </a:r>
+            <a:r>
+              <a:rPr lang="pt-BR" sz="1600" b="1" dirty="0">
+                <a:solidFill>
+                  <a:srgbClr val="FF0000"/>
+                </a:solidFill>
+              </a:rPr>
+              <a:t>when</a:t>
+            </a:r>
+            <a:r>
+              <a:rPr lang="pt-BR" sz="1600" b="1" dirty="0"/>
+              <a:t> ( Expr ) </a:t>
+            </a:r>
+            <a:r>
+              <a:rPr lang="pt-BR" sz="1600" b="1" dirty="0" smtClean="0"/>
+              <a:t>Stmt</a:t>
+            </a:r>
+          </a:p>
+          <a:p>
+            <a:pPr marL="0" indent="0">
+              <a:buNone/>
+            </a:pPr>
+            <a:r>
+              <a:rPr lang="pt-BR" sz="1600" b="1" dirty="0" smtClean="0"/>
+              <a:t>	            | </a:t>
+            </a:r>
+            <a:r>
+              <a:rPr lang="pt-BR" sz="1600" b="1" dirty="0"/>
+              <a:t>WhenStmt </a:t>
+            </a:r>
+            <a:r>
+              <a:rPr lang="pt-BR" sz="1600" b="1" dirty="0">
+                <a:solidFill>
+                  <a:srgbClr val="FF0000"/>
+                </a:solidFill>
+              </a:rPr>
+              <a:t>or</a:t>
+            </a:r>
+            <a:r>
+              <a:rPr lang="pt-BR" sz="1600" b="1" dirty="0"/>
+              <a:t> (Expr) </a:t>
+            </a:r>
+            <a:r>
+              <a:rPr lang="pt-BR" sz="1600" b="1" dirty="0" smtClean="0"/>
+              <a:t>Stmt</a:t>
+            </a:r>
+          </a:p>
+          <a:p>
+            <a:endParaRPr lang="pt-BR" sz="1600" dirty="0" smtClean="0"/>
+          </a:p>
+          <a:p>
+            <a:r>
+              <a:rPr lang="pt-BR" sz="1600" dirty="0" smtClean="0"/>
+              <a:t>when (E) { ... }</a:t>
+            </a:r>
+            <a:endParaRPr lang="pt-BR" sz="1600" dirty="0"/>
+          </a:p>
+          <a:p>
+            <a:pPr marL="0" indent="0">
+              <a:buNone/>
+            </a:pPr>
+            <a:endParaRPr lang="pt-BR" sz="1800" b="1" dirty="0" smtClean="0"/>
+          </a:p>
+          <a:p>
+            <a:r>
+              <a:rPr lang="en-US" sz="1600" dirty="0" err="1" smtClean="0"/>
+              <a:t>Suspende</a:t>
+            </a:r>
+            <a:r>
+              <a:rPr lang="en-US" sz="1600" dirty="0" smtClean="0"/>
+              <a:t> </a:t>
+            </a:r>
+            <a:r>
+              <a:rPr lang="en-US" sz="1600" dirty="0" err="1" smtClean="0"/>
+              <a:t>uma</a:t>
+            </a:r>
+            <a:r>
+              <a:rPr lang="en-US" sz="1600" dirty="0" smtClean="0"/>
+              <a:t> </a:t>
+            </a:r>
+            <a:r>
+              <a:rPr lang="en-US" sz="1600" dirty="0" err="1" smtClean="0"/>
+              <a:t>atividade</a:t>
+            </a:r>
+            <a:r>
+              <a:rPr lang="en-US" sz="1600" dirty="0" smtClean="0"/>
+              <a:t> </a:t>
+            </a:r>
+            <a:r>
+              <a:rPr lang="en-US" sz="1600" dirty="0" err="1" smtClean="0"/>
+              <a:t>até</a:t>
+            </a:r>
+            <a:r>
+              <a:rPr lang="en-US" sz="1600" dirty="0" smtClean="0"/>
+              <a:t> que o </a:t>
+            </a:r>
+            <a:r>
+              <a:rPr lang="en-US" sz="1600" dirty="0" err="1" smtClean="0"/>
+              <a:t>estado</a:t>
+            </a:r>
+            <a:r>
+              <a:rPr lang="en-US" sz="1600" dirty="0" smtClean="0"/>
+              <a:t> de </a:t>
+            </a:r>
+            <a:r>
+              <a:rPr lang="en-US" sz="1600" dirty="0" err="1" smtClean="0"/>
+              <a:t>uma</a:t>
+            </a:r>
+            <a:r>
+              <a:rPr lang="en-US" sz="1600" dirty="0" smtClean="0"/>
+              <a:t> </a:t>
+            </a:r>
+            <a:r>
+              <a:rPr lang="en-US" sz="1600" dirty="0" err="1" smtClean="0"/>
+              <a:t>expressão</a:t>
+            </a:r>
+            <a:r>
+              <a:rPr lang="en-US" sz="1600" dirty="0" smtClean="0"/>
+              <a:t> </a:t>
+            </a:r>
+            <a:r>
+              <a:rPr lang="en-US" sz="1600" dirty="0" err="1" smtClean="0"/>
+              <a:t>booleana</a:t>
+            </a:r>
+            <a:r>
+              <a:rPr lang="en-US" sz="1600" dirty="0" smtClean="0"/>
+              <a:t> E </a:t>
+            </a:r>
+            <a:r>
+              <a:rPr lang="en-US" sz="1600" dirty="0" err="1" smtClean="0"/>
+              <a:t>seja</a:t>
+            </a:r>
+            <a:r>
+              <a:rPr lang="en-US" sz="1600" dirty="0" smtClean="0"/>
+              <a:t> </a:t>
+            </a:r>
+            <a:r>
+              <a:rPr lang="en-US" sz="1600" dirty="0" err="1" smtClean="0"/>
+              <a:t>verdadeira</a:t>
+            </a:r>
+            <a:endParaRPr lang="en-US" sz="1600" dirty="0" smtClean="0"/>
+          </a:p>
+          <a:p>
+            <a:pPr lvl="1"/>
+            <a:r>
+              <a:rPr lang="en-US" sz="1400" dirty="0" err="1" smtClean="0"/>
+              <a:t>Quando</a:t>
+            </a:r>
+            <a:r>
+              <a:rPr lang="en-US" sz="1400" dirty="0" smtClean="0"/>
+              <a:t> </a:t>
+            </a:r>
+            <a:r>
+              <a:rPr lang="en-US" sz="1400" dirty="0" err="1" smtClean="0"/>
+              <a:t>isso</a:t>
+            </a:r>
+            <a:r>
+              <a:rPr lang="en-US" sz="1400" dirty="0" smtClean="0"/>
+              <a:t> </a:t>
+            </a:r>
+            <a:r>
+              <a:rPr lang="en-US" sz="1400" dirty="0" err="1" smtClean="0"/>
+              <a:t>acontece</a:t>
+            </a:r>
+            <a:r>
+              <a:rPr lang="en-US" sz="1400" dirty="0" smtClean="0"/>
+              <a:t>, </a:t>
+            </a:r>
+            <a:r>
+              <a:rPr lang="en-US" sz="1400" dirty="0"/>
+              <a:t>S </a:t>
+            </a:r>
+            <a:r>
+              <a:rPr lang="en-US" sz="1400" dirty="0" smtClean="0"/>
+              <a:t>é </a:t>
+            </a:r>
+            <a:r>
+              <a:rPr lang="en-US" sz="1400" dirty="0" err="1" smtClean="0"/>
+              <a:t>executada</a:t>
+            </a:r>
+            <a:r>
+              <a:rPr lang="en-US" sz="1400" dirty="0" smtClean="0"/>
+              <a:t> </a:t>
+            </a:r>
+            <a:r>
+              <a:rPr lang="en-US" sz="1400" dirty="0" err="1" smtClean="0"/>
+              <a:t>atomicamente</a:t>
+            </a:r>
+            <a:r>
+              <a:rPr lang="en-US" sz="1400" dirty="0" smtClean="0"/>
+              <a:t> e </a:t>
+            </a:r>
+            <a:r>
+              <a:rPr lang="en-US" sz="1400" dirty="0" err="1" smtClean="0"/>
+              <a:t>isoladamente</a:t>
+            </a:r>
+            <a:endParaRPr lang="en-US" sz="1400" dirty="0" smtClean="0"/>
+          </a:p>
+          <a:p>
+            <a:endParaRPr lang="en-US" sz="1800" dirty="0" smtClean="0"/>
           </a:p>
         </p:txBody>
       </p:sp>
       <p:pic>
         <p:nvPicPr>
-          <p:cNvPr id="2050" name="Picture 2"/>
+          <p:cNvPr id="4" name="Picture 3"/>
+          <p:cNvPicPr>
+            <a:picLocks noChangeAspect="1"/>
+          </p:cNvPicPr>
+          <p:nvPr/>
+        </p:nvPicPr>
+        <p:blipFill>
+          <a:blip r:embed="rId2"/>
+          <a:stretch>
+            <a:fillRect/>
+          </a:stretch>
+        </p:blipFill>
+        <p:spPr>
+          <a:xfrm>
+            <a:off x="4079776" y="4365104"/>
+            <a:ext cx="2495550" cy="2276475"/>
+          </a:xfrm>
+          <a:prstGeom prst="rect">
+            <a:avLst/>
+          </a:prstGeom>
+        </p:spPr>
+      </p:pic>
+      <p:pic>
+        <p:nvPicPr>
+          <p:cNvPr id="1027" name="Picture 3"/>
           <p:cNvPicPr>
             <a:picLocks noChangeAspect="1" noChangeArrowheads="1"/>
           </p:cNvPicPr>
           <p:nvPr/>
         </p:nvPicPr>
         <p:blipFill>
-          <a:blip r:embed="rId2">
+          <a:blip r:embed="rId3">
             <a:extLst>
               <a:ext uri="{28A0092B-C50C-407E-A947-70E740481C1C}">
                 <a14:useLocalDpi xmlns:a14="http://schemas.microsoft.com/office/drawing/2010/main" val="0"/>
@@ -6688,8 +6709,8 @@
         </p:blipFill>
         <p:spPr bwMode="auto">
           <a:xfrm>
-            <a:off x="636307" y="2132856"/>
-            <a:ext cx="3609975" cy="3448050"/>
+            <a:off x="8472264" y="836712"/>
+            <a:ext cx="3594850" cy="5634236"/>
           </a:xfrm>
           <a:prstGeom prst="rect">
             <a:avLst/>
@@ -6719,64 +6740,10 @@
           </a:extLst>
         </p:spPr>
       </p:pic>
-      <p:pic>
-        <p:nvPicPr>
-          <p:cNvPr id="2052" name="Picture 4"/>
-          <p:cNvPicPr>
-            <a:picLocks noChangeAspect="1" noChangeArrowheads="1"/>
-          </p:cNvPicPr>
-          <p:nvPr/>
-        </p:nvPicPr>
-        <p:blipFill>
-          <a:blip r:embed="rId3" cstate="print">
-            <a:extLst>
-              <a:ext uri="{28A0092B-C50C-407E-A947-70E740481C1C}">
-                <a14:useLocalDpi xmlns:a14="http://schemas.microsoft.com/office/drawing/2010/main" val="0"/>
-              </a:ext>
-            </a:extLst>
-          </a:blip>
-          <a:srcRect/>
-          <a:stretch>
-            <a:fillRect/>
-          </a:stretch>
-        </p:blipFill>
-        <p:spPr bwMode="auto">
-          <a:xfrm>
-            <a:off x="6023992" y="2341116"/>
-            <a:ext cx="5538003" cy="3031530"/>
-          </a:xfrm>
-          <a:prstGeom prst="rect">
-            <a:avLst/>
-          </a:prstGeom>
-          <a:noFill/>
-          <a:ln>
-            <a:noFill/>
-          </a:ln>
-          <a:extLst>
-            <a:ext uri="{909E8E84-426E-40DD-AFC4-6F175D3DCCD1}">
-              <a14:hiddenFill xmlns:a14="http://schemas.microsoft.com/office/drawing/2010/main">
-                <a:solidFill>
-                  <a:schemeClr val="accent1"/>
-                </a:solidFill>
-              </a14:hiddenFill>
-            </a:ext>
-            <a:ext uri="{91240B29-F687-4F45-9708-019B960494DF}">
-              <a14:hiddenLine xmlns:a14="http://schemas.microsoft.com/office/drawing/2010/main" w="9525">
-                <a:solidFill>
-                  <a:schemeClr val="tx1"/>
-                </a:solidFill>
-                <a:miter lim="800000"/>
-                <a:headEnd/>
-                <a:tailEnd/>
-              </a14:hiddenLine>
-            </a:ext>
-          </a:extLst>
-        </p:spPr>
-      </p:pic>
     </p:spTree>
     <p:extLst>
       <p:ext uri="{BB962C8B-B14F-4D97-AF65-F5344CB8AC3E}">
-        <p14:creationId xmlns:p14="http://schemas.microsoft.com/office/powerpoint/2010/main" val="3507999069"/>
+        <p14:creationId xmlns:p14="http://schemas.microsoft.com/office/powerpoint/2010/main" val="3987102160"/>
       </p:ext>
     </p:extLst>
   </p:cSld>
@@ -7165,51 +7132,6 @@
       </p:grpSpPr>
       <p:sp>
         <p:nvSpPr>
-          <p:cNvPr id="2" name="Title 1"/>
-          <p:cNvSpPr>
-            <a:spLocks noGrp="1"/>
-          </p:cNvSpPr>
-          <p:nvPr>
-            <p:ph type="title"/>
-          </p:nvPr>
-        </p:nvSpPr>
-        <p:spPr/>
-        <p:txBody>
-          <a:bodyPr>
-            <a:normAutofit/>
-          </a:bodyPr>
-          <a:lstStyle/>
-          <a:p>
-            <a:pPr lvl="1" algn="l" rtl="0">
-              <a:spcBef>
-                <a:spcPct val="0"/>
-              </a:spcBef>
-            </a:pPr>
-            <a:r>
-              <a:rPr lang="pt-BR" sz="2400" dirty="0" smtClean="0">
-                <a:latin typeface="+mj-lt"/>
-              </a:rPr>
-              <a:t>Classes especiais</a:t>
-            </a:r>
-            <a:br>
-              <a:rPr lang="pt-BR" sz="2400" dirty="0" smtClean="0">
-                <a:latin typeface="+mj-lt"/>
-              </a:rPr>
-            </a:br>
-            <a:r>
-              <a:rPr lang="pt-BR" i="1" dirty="0" smtClean="0">
-                <a:latin typeface="+mj-lt"/>
-              </a:rPr>
-              <a:t>GlobalRef</a:t>
-            </a:r>
-            <a:endParaRPr lang="pt-BR" sz="2400" i="1" dirty="0">
-              <a:latin typeface="+mj-lt"/>
-            </a:endParaRPr>
-          </a:p>
-        </p:txBody>
-      </p:sp>
-      <p:sp>
-        <p:nvSpPr>
           <p:cNvPr id="3" name="Content Placeholder 2"/>
           <p:cNvSpPr>
             <a:spLocks noGrp="1"/>
@@ -7225,7 +7147,246 @@
           </a:bodyPr>
           <a:lstStyle/>
           <a:p>
-            <a:endParaRPr lang="pt-BR" sz="1800" dirty="0"/>
+            <a:r>
+              <a:rPr lang="pt-BR" sz="1600" b="1" dirty="0"/>
+              <a:t>Class GlobalRef&lt;T&gt;</a:t>
+            </a:r>
+          </a:p>
+          <a:p>
+            <a:endParaRPr lang="en-US" sz="1600" dirty="0"/>
+          </a:p>
+          <a:p>
+            <a:r>
+              <a:rPr lang="en-US" sz="1600" dirty="0" err="1" smtClean="0"/>
+              <a:t>Cria</a:t>
+            </a:r>
+            <a:r>
+              <a:rPr lang="en-US" sz="1600" dirty="0" smtClean="0"/>
+              <a:t> </a:t>
+            </a:r>
+            <a:r>
+              <a:rPr lang="en-US" sz="1600" dirty="0" err="1" smtClean="0"/>
+              <a:t>uma</a:t>
+            </a:r>
+            <a:r>
+              <a:rPr lang="en-US" sz="1600" dirty="0" smtClean="0"/>
+              <a:t> </a:t>
+            </a:r>
+            <a:r>
+              <a:rPr lang="en-US" sz="1600" dirty="0" err="1" smtClean="0"/>
+              <a:t>referência</a:t>
+            </a:r>
+            <a:r>
+              <a:rPr lang="en-US" sz="1600" dirty="0" smtClean="0"/>
+              <a:t> global de um </a:t>
+            </a:r>
+            <a:r>
+              <a:rPr lang="en-US" sz="1600" dirty="0" err="1" smtClean="0"/>
+              <a:t>objeto</a:t>
+            </a:r>
+            <a:endParaRPr lang="en-US" sz="1600" dirty="0" smtClean="0"/>
+          </a:p>
+          <a:p>
+            <a:endParaRPr lang="en-US" sz="1600" dirty="0" smtClean="0"/>
+          </a:p>
+          <a:p>
+            <a:r>
+              <a:rPr lang="en-US" sz="1600" dirty="0" err="1" smtClean="0"/>
+              <a:t>Possui</a:t>
+            </a:r>
+            <a:r>
+              <a:rPr lang="en-US" sz="1600" dirty="0" smtClean="0"/>
+              <a:t> a </a:t>
+            </a:r>
+            <a:r>
+              <a:rPr lang="en-US" sz="1600" dirty="0" err="1" smtClean="0"/>
+              <a:t>propriedade</a:t>
+            </a:r>
+            <a:r>
+              <a:rPr lang="en-US" sz="1600" dirty="0" smtClean="0"/>
+              <a:t> “home”, </a:t>
+            </a:r>
+            <a:r>
+              <a:rPr lang="en-US" sz="1600" dirty="0" err="1" smtClean="0"/>
+              <a:t>onde</a:t>
+            </a:r>
+            <a:r>
+              <a:rPr lang="en-US" sz="1600" dirty="0" smtClean="0"/>
+              <a:t> </a:t>
+            </a:r>
+            <a:r>
+              <a:rPr lang="en-US" sz="1600" dirty="0" err="1" smtClean="0"/>
+              <a:t>foi</a:t>
+            </a:r>
+            <a:r>
+              <a:rPr lang="en-US" sz="1600" dirty="0" smtClean="0"/>
+              <a:t> </a:t>
+            </a:r>
+            <a:r>
+              <a:rPr lang="en-US" sz="1600" dirty="0" err="1" smtClean="0"/>
+              <a:t>criado</a:t>
+            </a:r>
+            <a:endParaRPr lang="en-US" sz="1600" dirty="0"/>
+          </a:p>
+          <a:p>
+            <a:endParaRPr lang="en-US" sz="1600" dirty="0" smtClean="0"/>
+          </a:p>
+          <a:p>
+            <a:r>
+              <a:rPr lang="en-US" sz="1600" dirty="0" err="1" smtClean="0"/>
+              <a:t>Pode</a:t>
+            </a:r>
+            <a:r>
+              <a:rPr lang="en-US" sz="1600" dirty="0" smtClean="0"/>
+              <a:t> </a:t>
+            </a:r>
+            <a:r>
+              <a:rPr lang="en-US" sz="1600" dirty="0" err="1" smtClean="0"/>
+              <a:t>ser</a:t>
+            </a:r>
+            <a:r>
+              <a:rPr lang="en-US" sz="1600" dirty="0" smtClean="0"/>
+              <a:t> </a:t>
+            </a:r>
+            <a:r>
+              <a:rPr lang="en-US" sz="1600" dirty="0" err="1" smtClean="0"/>
+              <a:t>modificado</a:t>
+            </a:r>
+            <a:r>
+              <a:rPr lang="en-US" sz="1600" dirty="0" smtClean="0"/>
+              <a:t> </a:t>
+            </a:r>
+            <a:r>
+              <a:rPr lang="en-US" sz="1600" dirty="0" err="1" smtClean="0"/>
+              <a:t>apenas</a:t>
+            </a:r>
+            <a:r>
+              <a:rPr lang="en-US" sz="1600" dirty="0" smtClean="0"/>
+              <a:t> </a:t>
+            </a:r>
+            <a:r>
+              <a:rPr lang="en-US" sz="1600" dirty="0" err="1" smtClean="0"/>
+              <a:t>onde</a:t>
+            </a:r>
+            <a:r>
+              <a:rPr lang="en-US" sz="1600" dirty="0" smtClean="0"/>
+              <a:t> </a:t>
+            </a:r>
+            <a:r>
+              <a:rPr lang="en-US" sz="1600" dirty="0" err="1" smtClean="0"/>
+              <a:t>ele</a:t>
+            </a:r>
+            <a:r>
+              <a:rPr lang="en-US" sz="1600" dirty="0" smtClean="0"/>
+              <a:t> </a:t>
+            </a:r>
+            <a:r>
+              <a:rPr lang="en-US" sz="1600" dirty="0" err="1" smtClean="0"/>
+              <a:t>foi</a:t>
+            </a:r>
+            <a:r>
+              <a:rPr lang="en-US" sz="1600" dirty="0" smtClean="0"/>
+              <a:t> </a:t>
+            </a:r>
+            <a:r>
+              <a:rPr lang="en-US" sz="1600" dirty="0" err="1" smtClean="0"/>
+              <a:t>gerado</a:t>
+            </a:r>
+            <a:endParaRPr lang="en-US" sz="1600" dirty="0"/>
+          </a:p>
+        </p:txBody>
+      </p:sp>
+      <p:pic>
+        <p:nvPicPr>
+          <p:cNvPr id="3074" name="Picture 2"/>
+          <p:cNvPicPr>
+            <a:picLocks noChangeAspect="1" noChangeArrowheads="1"/>
+          </p:cNvPicPr>
+          <p:nvPr/>
+        </p:nvPicPr>
+        <p:blipFill>
+          <a:blip r:embed="rId2">
+            <a:extLst>
+              <a:ext uri="{28A0092B-C50C-407E-A947-70E740481C1C}">
+                <a14:useLocalDpi xmlns:a14="http://schemas.microsoft.com/office/drawing/2010/main" val="0"/>
+              </a:ext>
+            </a:extLst>
+          </a:blip>
+          <a:srcRect/>
+          <a:stretch>
+            <a:fillRect/>
+          </a:stretch>
+        </p:blipFill>
+        <p:spPr bwMode="auto">
+          <a:xfrm>
+            <a:off x="7104112" y="1484784"/>
+            <a:ext cx="4562475" cy="4819650"/>
+          </a:xfrm>
+          <a:prstGeom prst="rect">
+            <a:avLst/>
+          </a:prstGeom>
+          <a:noFill/>
+          <a:ln>
+            <a:noFill/>
+          </a:ln>
+          <a:extLst>
+            <a:ext uri="{909E8E84-426E-40DD-AFC4-6F175D3DCCD1}">
+              <a14:hiddenFill xmlns:a14="http://schemas.microsoft.com/office/drawing/2010/main">
+                <a:solidFill>
+                  <a:schemeClr val="accent1"/>
+                </a:solidFill>
+              </a14:hiddenFill>
+            </a:ext>
+            <a:ext uri="{91240B29-F687-4F45-9708-019B960494DF}">
+              <a14:hiddenLine xmlns:a14="http://schemas.microsoft.com/office/drawing/2010/main" w="9525">
+                <a:solidFill>
+                  <a:schemeClr val="tx1"/>
+                </a:solidFill>
+                <a:miter lim="800000"/>
+                <a:headEnd/>
+                <a:tailEnd/>
+              </a14:hiddenLine>
+            </a:ext>
+          </a:extLst>
+        </p:spPr>
+      </p:pic>
+      <p:sp>
+        <p:nvSpPr>
+          <p:cNvPr id="6" name="Title 1"/>
+          <p:cNvSpPr>
+            <a:spLocks noGrp="1"/>
+          </p:cNvSpPr>
+          <p:nvPr>
+            <p:ph type="title"/>
+          </p:nvPr>
+        </p:nvSpPr>
+        <p:spPr>
+          <a:xfrm>
+            <a:off x="609600" y="274638"/>
+            <a:ext cx="10972800" cy="1143000"/>
+          </a:xfrm>
+        </p:spPr>
+        <p:txBody>
+          <a:bodyPr/>
+          <a:lstStyle/>
+          <a:p>
+            <a:pPr algn="l"/>
+            <a:r>
+              <a:rPr lang="pt-BR" sz="2400" dirty="0"/>
+              <a:t>Classes especiais</a:t>
+            </a:r>
+            <a:r>
+              <a:rPr lang="pt-BR" sz="2400" dirty="0" smtClean="0"/>
+              <a:t/>
+            </a:r>
+            <a:br>
+              <a:rPr lang="pt-BR" sz="2400" dirty="0" smtClean="0"/>
+            </a:br>
+            <a:r>
+              <a:rPr lang="pt-BR" sz="1800" i="1" dirty="0" smtClean="0"/>
+              <a:t>GlobalRef</a:t>
+            </a:r>
+            <a:endParaRPr lang="pt-BR" sz="3600" i="1" dirty="0"/>
           </a:p>
         </p:txBody>
       </p:sp>
@@ -7250,731 +7411,6 @@
 </file>
 
 <file path=ppt/slides/slide24.xml><?xml version="1.0" encoding="utf-8"?>
-<p:sld xmlns:a="http://schemas.openxmlformats.org/drawingml/2006/main" xmlns:r="http://schemas.openxmlformats.org/officeDocument/2006/relationships" xmlns:p="http://schemas.openxmlformats.org/presentationml/2006/main">
-  <p:cSld>
-    <p:spTree>
-      <p:nvGrpSpPr>
-        <p:cNvPr id="1" name=""/>
-        <p:cNvGrpSpPr/>
-        <p:nvPr/>
-      </p:nvGrpSpPr>
-      <p:grpSpPr>
-        <a:xfrm>
-          <a:off x="0" y="0"/>
-          <a:ext cx="0" cy="0"/>
-          <a:chOff x="0" y="0"/>
-          <a:chExt cx="0" cy="0"/>
-        </a:xfrm>
-      </p:grpSpPr>
-      <p:sp>
-        <p:nvSpPr>
-          <p:cNvPr id="2" name="Title 1"/>
-          <p:cNvSpPr>
-            <a:spLocks noGrp="1"/>
-          </p:cNvSpPr>
-          <p:nvPr>
-            <p:ph type="title"/>
-          </p:nvPr>
-        </p:nvSpPr>
-        <p:spPr/>
-        <p:txBody>
-          <a:bodyPr>
-            <a:normAutofit/>
-          </a:bodyPr>
-          <a:lstStyle/>
-          <a:p>
-            <a:pPr lvl="1" algn="l" rtl="0">
-              <a:spcBef>
-                <a:spcPct val="0"/>
-              </a:spcBef>
-            </a:pPr>
-            <a:r>
-              <a:rPr lang="pt-BR" sz="2400" dirty="0" smtClean="0">
-                <a:latin typeface="+mj-lt"/>
-              </a:rPr>
-              <a:t>Classes especiais</a:t>
-            </a:r>
-            <a:br>
-              <a:rPr lang="pt-BR" sz="2400" dirty="0" smtClean="0">
-                <a:latin typeface="+mj-lt"/>
-              </a:rPr>
-            </a:br>
-            <a:r>
-              <a:rPr lang="pt-BR" i="1" dirty="0" smtClean="0">
-                <a:latin typeface="+mj-lt"/>
-              </a:rPr>
-              <a:t>PlaceLocalHandle</a:t>
-            </a:r>
-            <a:endParaRPr lang="pt-BR" sz="2400" i="1" dirty="0">
-              <a:latin typeface="+mj-lt"/>
-            </a:endParaRPr>
-          </a:p>
-        </p:txBody>
-      </p:sp>
-      <p:sp>
-        <p:nvSpPr>
-          <p:cNvPr id="3" name="Content Placeholder 2"/>
-          <p:cNvSpPr>
-            <a:spLocks noGrp="1"/>
-          </p:cNvSpPr>
-          <p:nvPr>
-            <p:ph idx="1"/>
-          </p:nvPr>
-        </p:nvSpPr>
-        <p:spPr/>
-        <p:txBody>
-          <a:bodyPr>
-            <a:noAutofit/>
-          </a:bodyPr>
-          <a:lstStyle/>
-          <a:p>
-            <a:endParaRPr lang="pt-BR" sz="1800" dirty="0"/>
-          </a:p>
-        </p:txBody>
-      </p:sp>
-    </p:spTree>
-    <p:extLst>
-      <p:ext uri="{BB962C8B-B14F-4D97-AF65-F5344CB8AC3E}">
-        <p14:creationId xmlns:p14="http://schemas.microsoft.com/office/powerpoint/2010/main" val="1538390177"/>
-      </p:ext>
-    </p:extLst>
-  </p:cSld>
-  <p:clrMapOvr>
-    <a:masterClrMapping/>
-  </p:clrMapOvr>
-  <p:timing>
-    <p:tnLst>
-      <p:par>
-        <p:cTn id="1" dur="indefinite" restart="never" nodeType="tmRoot"/>
-      </p:par>
-    </p:tnLst>
-  </p:timing>
-</p:sld>
-</file>
-
-<file path=ppt/slides/slide25.xml><?xml version="1.0" encoding="utf-8"?>
-<p:sld xmlns:a="http://schemas.openxmlformats.org/drawingml/2006/main" xmlns:r="http://schemas.openxmlformats.org/officeDocument/2006/relationships" xmlns:p="http://schemas.openxmlformats.org/presentationml/2006/main">
-  <p:cSld>
-    <p:spTree>
-      <p:nvGrpSpPr>
-        <p:cNvPr id="1" name=""/>
-        <p:cNvGrpSpPr/>
-        <p:nvPr/>
-      </p:nvGrpSpPr>
-      <p:grpSpPr>
-        <a:xfrm>
-          <a:off x="0" y="0"/>
-          <a:ext cx="0" cy="0"/>
-          <a:chOff x="0" y="0"/>
-          <a:chExt cx="0" cy="0"/>
-        </a:xfrm>
-      </p:grpSpPr>
-      <p:sp>
-        <p:nvSpPr>
-          <p:cNvPr id="2" name="Title 1"/>
-          <p:cNvSpPr>
-            <a:spLocks noGrp="1"/>
-          </p:cNvSpPr>
-          <p:nvPr>
-            <p:ph type="title"/>
-          </p:nvPr>
-        </p:nvSpPr>
-        <p:spPr/>
-        <p:txBody>
-          <a:bodyPr>
-            <a:normAutofit/>
-          </a:bodyPr>
-          <a:lstStyle/>
-          <a:p>
-            <a:pPr lvl="1" algn="l" rtl="0">
-              <a:spcBef>
-                <a:spcPct val="0"/>
-              </a:spcBef>
-            </a:pPr>
-            <a:r>
-              <a:rPr lang="pt-BR" sz="2400" dirty="0" smtClean="0">
-                <a:latin typeface="+mj-lt"/>
-              </a:rPr>
-              <a:t>Classes especiais</a:t>
-            </a:r>
-            <a:br>
-              <a:rPr lang="pt-BR" sz="2400" dirty="0" smtClean="0">
-                <a:latin typeface="+mj-lt"/>
-              </a:rPr>
-            </a:br>
-            <a:r>
-              <a:rPr lang="pt-BR" i="1" dirty="0" smtClean="0">
-                <a:latin typeface="+mj-lt"/>
-              </a:rPr>
-              <a:t>DistArray</a:t>
-            </a:r>
-            <a:endParaRPr lang="pt-BR" sz="2400" i="1" dirty="0">
-              <a:latin typeface="+mj-lt"/>
-            </a:endParaRPr>
-          </a:p>
-        </p:txBody>
-      </p:sp>
-      <p:sp>
-        <p:nvSpPr>
-          <p:cNvPr id="3" name="Content Placeholder 2"/>
-          <p:cNvSpPr>
-            <a:spLocks noGrp="1"/>
-          </p:cNvSpPr>
-          <p:nvPr>
-            <p:ph idx="1"/>
-          </p:nvPr>
-        </p:nvSpPr>
-        <p:spPr/>
-        <p:txBody>
-          <a:bodyPr>
-            <a:noAutofit/>
-          </a:bodyPr>
-          <a:lstStyle/>
-          <a:p>
-            <a:r>
-              <a:rPr lang="en-US" sz="1600" dirty="0" err="1" smtClean="0"/>
-              <a:t>Cria</a:t>
-            </a:r>
-            <a:r>
-              <a:rPr lang="en-US" sz="1600" dirty="0" smtClean="0"/>
-              <a:t> um array de </a:t>
-            </a:r>
-            <a:r>
-              <a:rPr lang="en-US" sz="1600" dirty="0" err="1" smtClean="0"/>
-              <a:t>até</a:t>
-            </a:r>
-            <a:r>
-              <a:rPr lang="en-US" sz="1600" dirty="0" smtClean="0"/>
-              <a:t>  3 </a:t>
-            </a:r>
-            <a:r>
-              <a:rPr lang="en-US" sz="1600" dirty="0" err="1" smtClean="0"/>
-              <a:t>dimensões</a:t>
-            </a:r>
-            <a:endParaRPr lang="en-US" sz="1600" dirty="0" smtClean="0"/>
-          </a:p>
-          <a:p>
-            <a:endParaRPr lang="en-US" sz="1600" dirty="0" smtClean="0"/>
-          </a:p>
-          <a:p>
-            <a:r>
-              <a:rPr lang="en-US" sz="1600" dirty="0" err="1" smtClean="0"/>
-              <a:t>Distribui</a:t>
-            </a:r>
-            <a:r>
-              <a:rPr lang="en-US" sz="1600" dirty="0" smtClean="0"/>
-              <a:t> </a:t>
-            </a:r>
-            <a:r>
-              <a:rPr lang="en-US" sz="1600" dirty="0" err="1" smtClean="0"/>
-              <a:t>os</a:t>
-            </a:r>
-            <a:r>
-              <a:rPr lang="en-US" sz="1600" dirty="0" smtClean="0"/>
-              <a:t> dados entre </a:t>
-            </a:r>
-            <a:r>
-              <a:rPr lang="en-US" sz="1600" dirty="0" err="1" smtClean="0"/>
-              <a:t>os</a:t>
-            </a:r>
-            <a:r>
-              <a:rPr lang="en-US" sz="1600" dirty="0" smtClean="0"/>
-              <a:t> places </a:t>
-            </a:r>
-            <a:r>
-              <a:rPr lang="en-US" sz="1600" dirty="0" err="1" smtClean="0"/>
-              <a:t>disponíveis</a:t>
-            </a:r>
-            <a:r>
-              <a:rPr lang="en-US" sz="1600" dirty="0" smtClean="0"/>
-              <a:t> de um </a:t>
-            </a:r>
-            <a:r>
-              <a:rPr lang="en-US" sz="1600" dirty="0" err="1" smtClean="0"/>
-              <a:t>placegroup</a:t>
-            </a:r>
-            <a:endParaRPr lang="en-US" sz="1600" dirty="0" smtClean="0"/>
-          </a:p>
-          <a:p>
-            <a:endParaRPr lang="en-US" sz="1600" dirty="0"/>
-          </a:p>
-          <a:p>
-            <a:r>
-              <a:rPr lang="en-US" sz="1600" dirty="0" err="1" smtClean="0"/>
-              <a:t>Métodos</a:t>
-            </a:r>
-            <a:r>
-              <a:rPr lang="en-US" sz="1600" dirty="0" smtClean="0"/>
-              <a:t> </a:t>
-            </a:r>
-            <a:r>
-              <a:rPr lang="en-US" sz="1600" dirty="0" err="1" smtClean="0"/>
-              <a:t>principais</a:t>
-            </a:r>
-            <a:r>
-              <a:rPr lang="en-US" sz="1600" dirty="0"/>
-              <a:t>:</a:t>
-            </a:r>
-            <a:endParaRPr lang="en-US" sz="1600" dirty="0" smtClean="0"/>
-          </a:p>
-          <a:p>
-            <a:pPr lvl="1"/>
-            <a:r>
-              <a:rPr lang="pt-BR" sz="1600" dirty="0" smtClean="0"/>
-              <a:t>placeGroup()</a:t>
-            </a:r>
-          </a:p>
-          <a:p>
-            <a:pPr lvl="1"/>
-            <a:r>
-              <a:rPr lang="pt-BR" sz="1600" dirty="0" smtClean="0"/>
-              <a:t>localIndices()</a:t>
-            </a:r>
-          </a:p>
-          <a:p>
-            <a:pPr lvl="1"/>
-            <a:r>
-              <a:rPr lang="pt-BR" sz="1600" dirty="0" smtClean="0"/>
-              <a:t>operator()</a:t>
-            </a:r>
-          </a:p>
-          <a:p>
-            <a:pPr lvl="1"/>
-            <a:endParaRPr lang="en-US" sz="1600" dirty="0" smtClean="0"/>
-          </a:p>
-          <a:p>
-            <a:endParaRPr lang="en-US" sz="1600" dirty="0"/>
-          </a:p>
-          <a:p>
-            <a:endParaRPr lang="en-US" sz="1800" dirty="0"/>
-          </a:p>
-          <a:p>
-            <a:endParaRPr lang="en-US" sz="1800" dirty="0" smtClean="0"/>
-          </a:p>
-          <a:p>
-            <a:endParaRPr lang="en-US" sz="1800" dirty="0" smtClean="0"/>
-          </a:p>
-        </p:txBody>
-      </p:sp>
-    </p:spTree>
-    <p:extLst>
-      <p:ext uri="{BB962C8B-B14F-4D97-AF65-F5344CB8AC3E}">
-        <p14:creationId xmlns:p14="http://schemas.microsoft.com/office/powerpoint/2010/main" val="215214284"/>
-      </p:ext>
-    </p:extLst>
-  </p:cSld>
-  <p:clrMapOvr>
-    <a:masterClrMapping/>
-  </p:clrMapOvr>
-  <p:timing>
-    <p:tnLst>
-      <p:par>
-        <p:cTn id="1" dur="indefinite" restart="never" nodeType="tmRoot"/>
-      </p:par>
-    </p:tnLst>
-  </p:timing>
-</p:sld>
-</file>
-
-<file path=ppt/slides/slide26.xml><?xml version="1.0" encoding="utf-8"?>
-<p:sld xmlns:a="http://schemas.openxmlformats.org/drawingml/2006/main" xmlns:r="http://schemas.openxmlformats.org/officeDocument/2006/relationships" xmlns:p="http://schemas.openxmlformats.org/presentationml/2006/main">
-  <p:cSld>
-    <p:spTree>
-      <p:nvGrpSpPr>
-        <p:cNvPr id="1" name=""/>
-        <p:cNvGrpSpPr/>
-        <p:nvPr/>
-      </p:nvGrpSpPr>
-      <p:grpSpPr>
-        <a:xfrm>
-          <a:off x="0" y="0"/>
-          <a:ext cx="0" cy="0"/>
-          <a:chOff x="0" y="0"/>
-          <a:chExt cx="0" cy="0"/>
-        </a:xfrm>
-      </p:grpSpPr>
-      <p:sp>
-        <p:nvSpPr>
-          <p:cNvPr id="2" name="Title 1"/>
-          <p:cNvSpPr>
-            <a:spLocks noGrp="1"/>
-          </p:cNvSpPr>
-          <p:nvPr>
-            <p:ph type="title"/>
-          </p:nvPr>
-        </p:nvSpPr>
-        <p:spPr/>
-        <p:txBody>
-          <a:bodyPr>
-            <a:normAutofit/>
-          </a:bodyPr>
-          <a:lstStyle/>
-          <a:p>
-            <a:pPr lvl="1" algn="l" rtl="0">
-              <a:spcBef>
-                <a:spcPct val="0"/>
-              </a:spcBef>
-            </a:pPr>
-            <a:r>
-              <a:rPr lang="pt-BR" sz="2400" dirty="0" smtClean="0">
-                <a:latin typeface="+mj-lt"/>
-              </a:rPr>
-              <a:t>Classes especiais</a:t>
-            </a:r>
-            <a:br>
-              <a:rPr lang="pt-BR" sz="2400" dirty="0" smtClean="0">
-                <a:latin typeface="+mj-lt"/>
-              </a:rPr>
-            </a:br>
-            <a:r>
-              <a:rPr lang="pt-BR" i="1" dirty="0" smtClean="0">
-                <a:latin typeface="+mj-lt"/>
-              </a:rPr>
-              <a:t>Reducible</a:t>
-            </a:r>
-            <a:endParaRPr lang="pt-BR" sz="2400" i="1" dirty="0">
-              <a:latin typeface="+mj-lt"/>
-            </a:endParaRPr>
-          </a:p>
-        </p:txBody>
-      </p:sp>
-      <p:sp>
-        <p:nvSpPr>
-          <p:cNvPr id="3" name="Content Placeholder 2"/>
-          <p:cNvSpPr>
-            <a:spLocks noGrp="1"/>
-          </p:cNvSpPr>
-          <p:nvPr>
-            <p:ph idx="1"/>
-          </p:nvPr>
-        </p:nvSpPr>
-        <p:spPr/>
-        <p:txBody>
-          <a:bodyPr>
-            <a:noAutofit/>
-          </a:bodyPr>
-          <a:lstStyle/>
-          <a:p>
-            <a:r>
-              <a:rPr lang="pt-BR" sz="1600" dirty="0"/>
-              <a:t>Reducible.AndReducer</a:t>
-            </a:r>
-          </a:p>
-          <a:p>
-            <a:r>
-              <a:rPr lang="pt-BR" sz="1600" dirty="0"/>
-              <a:t>Reducible.MaxReducer</a:t>
-            </a:r>
-          </a:p>
-          <a:p>
-            <a:r>
-              <a:rPr lang="pt-BR" sz="1600" dirty="0"/>
-              <a:t>Reducible.MinReducer</a:t>
-            </a:r>
-          </a:p>
-          <a:p>
-            <a:r>
-              <a:rPr lang="pt-BR" sz="1600" dirty="0"/>
-              <a:t>Reducible.OrReducer</a:t>
-            </a:r>
-          </a:p>
-          <a:p>
-            <a:r>
-              <a:rPr lang="pt-BR" sz="1600" dirty="0" smtClean="0"/>
-              <a:t>Reducible.SumReducer</a:t>
-            </a:r>
-            <a:endParaRPr lang="pt-BR" sz="1600" dirty="0"/>
-          </a:p>
-        </p:txBody>
-      </p:sp>
-    </p:spTree>
-    <p:extLst>
-      <p:ext uri="{BB962C8B-B14F-4D97-AF65-F5344CB8AC3E}">
-        <p14:creationId xmlns:p14="http://schemas.microsoft.com/office/powerpoint/2010/main" val="3516687263"/>
-      </p:ext>
-    </p:extLst>
-  </p:cSld>
-  <p:clrMapOvr>
-    <a:masterClrMapping/>
-  </p:clrMapOvr>
-  <p:timing>
-    <p:tnLst>
-      <p:par>
-        <p:cTn id="1" dur="indefinite" restart="never" nodeType="tmRoot"/>
-      </p:par>
-    </p:tnLst>
-  </p:timing>
-</p:sld>
-</file>
-
-<file path=ppt/slides/slide27.xml><?xml version="1.0" encoding="utf-8"?>
-<p:sld xmlns:a="http://schemas.openxmlformats.org/drawingml/2006/main" xmlns:r="http://schemas.openxmlformats.org/officeDocument/2006/relationships" xmlns:p="http://schemas.openxmlformats.org/presentationml/2006/main">
-  <p:cSld>
-    <p:spTree>
-      <p:nvGrpSpPr>
-        <p:cNvPr id="1" name=""/>
-        <p:cNvGrpSpPr/>
-        <p:nvPr/>
-      </p:nvGrpSpPr>
-      <p:grpSpPr>
-        <a:xfrm>
-          <a:off x="0" y="0"/>
-          <a:ext cx="0" cy="0"/>
-          <a:chOff x="0" y="0"/>
-          <a:chExt cx="0" cy="0"/>
-        </a:xfrm>
-      </p:grpSpPr>
-      <p:sp>
-        <p:nvSpPr>
-          <p:cNvPr id="2" name="Title 1"/>
-          <p:cNvSpPr>
-            <a:spLocks noGrp="1"/>
-          </p:cNvSpPr>
-          <p:nvPr>
-            <p:ph type="title"/>
-          </p:nvPr>
-        </p:nvSpPr>
-        <p:spPr/>
-        <p:txBody>
-          <a:bodyPr>
-            <a:normAutofit/>
-          </a:bodyPr>
-          <a:lstStyle/>
-          <a:p>
-            <a:pPr lvl="1" algn="l" rtl="0">
-              <a:spcBef>
-                <a:spcPct val="0"/>
-              </a:spcBef>
-            </a:pPr>
-            <a:r>
-              <a:rPr lang="pt-BR" sz="2400" dirty="0" smtClean="0">
-                <a:latin typeface="+mj-lt"/>
-              </a:rPr>
-              <a:t>Classes especiais</a:t>
-            </a:r>
-            <a:br>
-              <a:rPr lang="pt-BR" sz="2400" dirty="0" smtClean="0">
-                <a:latin typeface="+mj-lt"/>
-              </a:rPr>
-            </a:br>
-            <a:r>
-              <a:rPr lang="pt-BR" i="1" dirty="0" smtClean="0">
-                <a:latin typeface="+mj-lt"/>
-              </a:rPr>
-              <a:t>DistArray + Reducible</a:t>
-            </a:r>
-            <a:endParaRPr lang="pt-BR" sz="2400" i="1" dirty="0">
-              <a:latin typeface="+mj-lt"/>
-            </a:endParaRPr>
-          </a:p>
-        </p:txBody>
-      </p:sp>
-      <p:sp>
-        <p:nvSpPr>
-          <p:cNvPr id="3" name="Content Placeholder 2"/>
-          <p:cNvSpPr>
-            <a:spLocks noGrp="1"/>
-          </p:cNvSpPr>
-          <p:nvPr>
-            <p:ph idx="1"/>
-          </p:nvPr>
-        </p:nvSpPr>
-        <p:spPr/>
-        <p:txBody>
-          <a:bodyPr>
-            <a:noAutofit/>
-          </a:bodyPr>
-          <a:lstStyle/>
-          <a:p>
-            <a:endParaRPr lang="en-US" sz="1800" dirty="0" smtClean="0"/>
-          </a:p>
-        </p:txBody>
-      </p:sp>
-      <p:pic>
-        <p:nvPicPr>
-          <p:cNvPr id="1026" name="Picture 2"/>
-          <p:cNvPicPr>
-            <a:picLocks noChangeAspect="1" noChangeArrowheads="1"/>
-          </p:cNvPicPr>
-          <p:nvPr/>
-        </p:nvPicPr>
-        <p:blipFill>
-          <a:blip r:embed="rId3">
-            <a:extLst>
-              <a:ext uri="{28A0092B-C50C-407E-A947-70E740481C1C}">
-                <a14:useLocalDpi xmlns:a14="http://schemas.microsoft.com/office/drawing/2010/main" val="0"/>
-              </a:ext>
-            </a:extLst>
-          </a:blip>
-          <a:srcRect/>
-          <a:stretch>
-            <a:fillRect/>
-          </a:stretch>
-        </p:blipFill>
-        <p:spPr bwMode="auto">
-          <a:xfrm>
-            <a:off x="3005336" y="1124744"/>
-            <a:ext cx="6248400" cy="5391150"/>
-          </a:xfrm>
-          <a:prstGeom prst="rect">
-            <a:avLst/>
-          </a:prstGeom>
-          <a:noFill/>
-          <a:ln>
-            <a:noFill/>
-          </a:ln>
-          <a:extLst>
-            <a:ext uri="{909E8E84-426E-40DD-AFC4-6F175D3DCCD1}">
-              <a14:hiddenFill xmlns:a14="http://schemas.microsoft.com/office/drawing/2010/main">
-                <a:solidFill>
-                  <a:schemeClr val="accent1"/>
-                </a:solidFill>
-              </a14:hiddenFill>
-            </a:ext>
-            <a:ext uri="{91240B29-F687-4F45-9708-019B960494DF}">
-              <a14:hiddenLine xmlns:a14="http://schemas.microsoft.com/office/drawing/2010/main" w="9525">
-                <a:solidFill>
-                  <a:schemeClr val="tx1"/>
-                </a:solidFill>
-                <a:miter lim="800000"/>
-                <a:headEnd/>
-                <a:tailEnd/>
-              </a14:hiddenLine>
-            </a:ext>
-          </a:extLst>
-        </p:spPr>
-      </p:pic>
-    </p:spTree>
-    <p:extLst>
-      <p:ext uri="{BB962C8B-B14F-4D97-AF65-F5344CB8AC3E}">
-        <p14:creationId xmlns:p14="http://schemas.microsoft.com/office/powerpoint/2010/main" val="1455875961"/>
-      </p:ext>
-    </p:extLst>
-  </p:cSld>
-  <p:clrMapOvr>
-    <a:masterClrMapping/>
-  </p:clrMapOvr>
-  <p:timing>
-    <p:tnLst>
-      <p:par>
-        <p:cTn id="1" dur="indefinite" restart="never" nodeType="tmRoot"/>
-      </p:par>
-    </p:tnLst>
-  </p:timing>
-</p:sld>
-</file>
-
-<file path=ppt/slides/slide28.xml><?xml version="1.0" encoding="utf-8"?>
-<p:sld xmlns:a="http://schemas.openxmlformats.org/drawingml/2006/main" xmlns:r="http://schemas.openxmlformats.org/officeDocument/2006/relationships" xmlns:p="http://schemas.openxmlformats.org/presentationml/2006/main">
-  <p:cSld>
-    <p:spTree>
-      <p:nvGrpSpPr>
-        <p:cNvPr id="1" name=""/>
-        <p:cNvGrpSpPr/>
-        <p:nvPr/>
-      </p:nvGrpSpPr>
-      <p:grpSpPr>
-        <a:xfrm>
-          <a:off x="0" y="0"/>
-          <a:ext cx="0" cy="0"/>
-          <a:chOff x="0" y="0"/>
-          <a:chExt cx="0" cy="0"/>
-        </a:xfrm>
-      </p:grpSpPr>
-      <p:sp>
-        <p:nvSpPr>
-          <p:cNvPr id="2" name="Title 1"/>
-          <p:cNvSpPr>
-            <a:spLocks noGrp="1"/>
-          </p:cNvSpPr>
-          <p:nvPr>
-            <p:ph type="title"/>
-          </p:nvPr>
-        </p:nvSpPr>
-        <p:spPr/>
-        <p:txBody>
-          <a:bodyPr>
-            <a:normAutofit/>
-          </a:bodyPr>
-          <a:lstStyle/>
-          <a:p>
-            <a:pPr lvl="1" algn="l" rtl="0">
-              <a:spcBef>
-                <a:spcPct val="0"/>
-              </a:spcBef>
-            </a:pPr>
-            <a:r>
-              <a:rPr lang="pt-BR" sz="2400" dirty="0" smtClean="0">
-                <a:latin typeface="+mj-lt"/>
-              </a:rPr>
-              <a:t>Classes especiais</a:t>
-            </a:r>
-            <a:br>
-              <a:rPr lang="pt-BR" sz="2400" dirty="0" smtClean="0">
-                <a:latin typeface="+mj-lt"/>
-              </a:rPr>
-            </a:br>
-            <a:endParaRPr lang="pt-BR" sz="2400" i="1" dirty="0">
-              <a:latin typeface="+mj-lt"/>
-            </a:endParaRPr>
-          </a:p>
-        </p:txBody>
-      </p:sp>
-      <p:sp>
-        <p:nvSpPr>
-          <p:cNvPr id="3" name="Content Placeholder 2"/>
-          <p:cNvSpPr>
-            <a:spLocks noGrp="1"/>
-          </p:cNvSpPr>
-          <p:nvPr>
-            <p:ph idx="1"/>
-          </p:nvPr>
-        </p:nvSpPr>
-        <p:spPr/>
-        <p:txBody>
-          <a:bodyPr>
-            <a:noAutofit/>
-          </a:bodyPr>
-          <a:lstStyle/>
-          <a:p>
-            <a:r>
-              <a:rPr lang="pt-BR" sz="1800" dirty="0" smtClean="0"/>
-              <a:t>RemoteArray</a:t>
-            </a:r>
-            <a:endParaRPr lang="pt-BR" sz="1800" dirty="0" smtClean="0"/>
-          </a:p>
-          <a:p>
-            <a:r>
-              <a:rPr lang="pt-BR" sz="1800" dirty="0" smtClean="0"/>
-              <a:t>AtomicInteger</a:t>
-            </a:r>
-          </a:p>
-          <a:p>
-            <a:endParaRPr lang="pt-BR" sz="1800" dirty="0"/>
-          </a:p>
-        </p:txBody>
-      </p:sp>
-    </p:spTree>
-    <p:extLst>
-      <p:ext uri="{BB962C8B-B14F-4D97-AF65-F5344CB8AC3E}">
-        <p14:creationId xmlns:p14="http://schemas.microsoft.com/office/powerpoint/2010/main" val="406630809"/>
-      </p:ext>
-    </p:extLst>
-  </p:cSld>
-  <p:clrMapOvr>
-    <a:masterClrMapping/>
-  </p:clrMapOvr>
-  <p:timing>
-    <p:tnLst>
-      <p:par>
-        <p:cTn id="1" dur="indefinite" restart="never" nodeType="tmRoot"/>
-      </p:par>
-    </p:tnLst>
-  </p:timing>
-</p:sld>
-</file>
-
-<file path=ppt/slides/slide29.xml><?xml version="1.0" encoding="utf-8"?>
 <p:sld xmlns:a="http://schemas.openxmlformats.org/drawingml/2006/main" xmlns:r="http://schemas.openxmlformats.org/officeDocument/2006/relationships" xmlns:p="http://schemas.openxmlformats.org/presentationml/2006/main">
   <p:cSld>
     <p:spTree>
@@ -8063,7 +7499,7 @@
             <a:pPr algn="l"/>
             <a:r>
               <a:rPr lang="pt-BR" sz="2400" dirty="0"/>
-              <a:t>Classes</a:t>
+              <a:t>Classes especiais</a:t>
             </a:r>
             <a:r>
               <a:rPr lang="pt-BR" sz="2400" dirty="0" smtClean="0"/>
@@ -8111,28 +7547,6 @@
             <a:pPr marL="0" indent="0">
               <a:buNone/>
             </a:pPr>
-            <a:endParaRPr lang="en-US" altLang="pt-BR" sz="1400" dirty="0">
-              <a:solidFill>
-                <a:srgbClr val="910F93"/>
-              </a:solidFill>
-              <a:latin typeface="Monaco" charset="0"/>
-            </a:endParaRPr>
-          </a:p>
-          <a:p>
-            <a:pPr marL="0" indent="0">
-              <a:buNone/>
-            </a:pPr>
-            <a:endParaRPr lang="en-US" altLang="pt-BR" sz="1400" dirty="0">
-              <a:solidFill>
-                <a:srgbClr val="910F93"/>
-              </a:solidFill>
-              <a:latin typeface="Monaco" charset="0"/>
-            </a:endParaRPr>
-          </a:p>
-          <a:p>
-            <a:pPr marL="0" indent="0">
-              <a:buNone/>
-            </a:pPr>
             <a:r>
               <a:rPr lang="en-US" altLang="pt-BR" sz="1400" dirty="0">
                 <a:solidFill>
@@ -8901,7 +8315,7 @@
     </p:spTree>
     <p:extLst>
       <p:ext uri="{BB962C8B-B14F-4D97-AF65-F5344CB8AC3E}">
-        <p14:creationId xmlns:p14="http://schemas.microsoft.com/office/powerpoint/2010/main" val="2465178430"/>
+        <p14:creationId xmlns:p14="http://schemas.microsoft.com/office/powerpoint/2010/main" val="430009841"/>
       </p:ext>
     </p:extLst>
   </p:cSld>
@@ -8918,127 +8332,7 @@
 </p:sld>
 </file>
 
-<file path=ppt/slides/slide3.xml><?xml version="1.0" encoding="utf-8"?>
-<p:sld xmlns:a="http://schemas.openxmlformats.org/drawingml/2006/main" xmlns:r="http://schemas.openxmlformats.org/officeDocument/2006/relationships" xmlns:p="http://schemas.openxmlformats.org/presentationml/2006/main">
-  <p:cSld>
-    <p:spTree>
-      <p:nvGrpSpPr>
-        <p:cNvPr id="1" name=""/>
-        <p:cNvGrpSpPr/>
-        <p:nvPr/>
-      </p:nvGrpSpPr>
-      <p:grpSpPr>
-        <a:xfrm>
-          <a:off x="0" y="0"/>
-          <a:ext cx="0" cy="0"/>
-          <a:chOff x="0" y="0"/>
-          <a:chExt cx="0" cy="0"/>
-        </a:xfrm>
-      </p:grpSpPr>
-      <p:sp>
-        <p:nvSpPr>
-          <p:cNvPr id="2" name="Title 1"/>
-          <p:cNvSpPr>
-            <a:spLocks noGrp="1"/>
-          </p:cNvSpPr>
-          <p:nvPr>
-            <p:ph type="title"/>
-          </p:nvPr>
-        </p:nvSpPr>
-        <p:spPr/>
-        <p:txBody>
-          <a:bodyPr>
-            <a:normAutofit/>
-          </a:bodyPr>
-          <a:lstStyle/>
-          <a:p>
-            <a:pPr algn="l"/>
-            <a:r>
-              <a:rPr lang="pt-BR" sz="2400" dirty="0" smtClean="0"/>
-              <a:t>Visão geral</a:t>
-            </a:r>
-            <a:br>
-              <a:rPr lang="pt-BR" sz="2400" dirty="0" smtClean="0"/>
-            </a:br>
-            <a:r>
-              <a:rPr lang="pt-BR" sz="1800" dirty="0" smtClean="0"/>
-              <a:t>x10</a:t>
-            </a:r>
-            <a:endParaRPr lang="pt-BR" sz="1800" dirty="0"/>
-          </a:p>
-        </p:txBody>
-      </p:sp>
-      <p:sp>
-        <p:nvSpPr>
-          <p:cNvPr id="3" name="Content Placeholder 2"/>
-          <p:cNvSpPr>
-            <a:spLocks noGrp="1"/>
-          </p:cNvSpPr>
-          <p:nvPr>
-            <p:ph idx="1"/>
-          </p:nvPr>
-        </p:nvSpPr>
-        <p:spPr/>
-        <p:txBody>
-          <a:bodyPr>
-            <a:normAutofit/>
-          </a:bodyPr>
-          <a:lstStyle/>
-          <a:p>
-            <a:r>
-              <a:rPr lang="en-US" sz="2400" dirty="0" smtClean="0"/>
-              <a:t>IBM (2004)</a:t>
-            </a:r>
-          </a:p>
-          <a:p>
-            <a:endParaRPr lang="en-US" sz="2400" dirty="0" smtClean="0"/>
-          </a:p>
-          <a:p>
-            <a:r>
-              <a:rPr lang="en-US" sz="2400" dirty="0" smtClean="0"/>
-              <a:t>high </a:t>
-            </a:r>
-            <a:r>
-              <a:rPr lang="en-US" sz="2400" dirty="0"/>
-              <a:t>level programming language</a:t>
-            </a:r>
-          </a:p>
-          <a:p>
-            <a:endParaRPr lang="en-US" sz="2400" dirty="0" smtClean="0"/>
-          </a:p>
-          <a:p>
-            <a:r>
-              <a:rPr lang="en-US" sz="2400" dirty="0" smtClean="0"/>
-              <a:t>C++ &amp; Java</a:t>
-            </a:r>
-            <a:endParaRPr lang="pt-BR" altLang="pt-BR" sz="2200" dirty="0" smtClean="0"/>
-          </a:p>
-          <a:p>
-            <a:endParaRPr lang="en-US" altLang="pt-BR" sz="2200" dirty="0"/>
-          </a:p>
-        </p:txBody>
-      </p:sp>
-    </p:spTree>
-    <p:extLst>
-      <p:ext uri="{BB962C8B-B14F-4D97-AF65-F5344CB8AC3E}">
-        <p14:creationId xmlns:p14="http://schemas.microsoft.com/office/powerpoint/2010/main" val="3786330374"/>
-      </p:ext>
-    </p:extLst>
-  </p:cSld>
-  <p:clrMapOvr>
-    <a:masterClrMapping/>
-  </p:clrMapOvr>
-  <p:timing>
-    <p:tnLst>
-      <p:par>
-        <p:cTn id="1" dur="indefinite" restart="never" nodeType="tmRoot"/>
-      </p:par>
-    </p:tnLst>
-  </p:timing>
-</p:sld>
-</file>
-
-<file path=ppt/slides/slide30.xml><?xml version="1.0" encoding="utf-8"?>
+<file path=ppt/slides/slide25.xml><?xml version="1.0" encoding="utf-8"?>
 <p:sld xmlns:a="http://schemas.openxmlformats.org/drawingml/2006/main" xmlns:r="http://schemas.openxmlformats.org/officeDocument/2006/relationships" xmlns:p="http://schemas.openxmlformats.org/presentationml/2006/main">
   <p:cSld>
     <p:spTree>
@@ -9127,7 +8421,7 @@
             <a:pPr algn="l"/>
             <a:r>
               <a:rPr lang="pt-BR" sz="2400" dirty="0"/>
-              <a:t>Classes</a:t>
+              <a:t>Classes especiais</a:t>
             </a:r>
             <a:r>
               <a:rPr lang="pt-BR" sz="2400" dirty="0" smtClean="0"/>
@@ -9842,7 +9136,1012 @@
     </p:spTree>
     <p:extLst>
       <p:ext uri="{BB962C8B-B14F-4D97-AF65-F5344CB8AC3E}">
-        <p14:creationId xmlns:p14="http://schemas.microsoft.com/office/powerpoint/2010/main" val="1748814407"/>
+        <p14:creationId xmlns:p14="http://schemas.microsoft.com/office/powerpoint/2010/main" val="3676738534"/>
+      </p:ext>
+    </p:extLst>
+  </p:cSld>
+  <p:clrMapOvr>
+    <a:masterClrMapping/>
+  </p:clrMapOvr>
+  <p:timing>
+    <p:tnLst>
+      <p:par>
+        <p:cTn id="1" dur="indefinite" restart="never" nodeType="tmRoot"/>
+      </p:par>
+    </p:tnLst>
+  </p:timing>
+</p:sld>
+</file>
+
+<file path=ppt/slides/slide26.xml><?xml version="1.0" encoding="utf-8"?>
+<p:sld xmlns:a="http://schemas.openxmlformats.org/drawingml/2006/main" xmlns:r="http://schemas.openxmlformats.org/officeDocument/2006/relationships" xmlns:p="http://schemas.openxmlformats.org/presentationml/2006/main">
+  <p:cSld>
+    <p:spTree>
+      <p:nvGrpSpPr>
+        <p:cNvPr id="1" name=""/>
+        <p:cNvGrpSpPr/>
+        <p:nvPr/>
+      </p:nvGrpSpPr>
+      <p:grpSpPr>
+        <a:xfrm>
+          <a:off x="0" y="0"/>
+          <a:ext cx="0" cy="0"/>
+          <a:chOff x="0" y="0"/>
+          <a:chExt cx="0" cy="0"/>
+        </a:xfrm>
+      </p:grpSpPr>
+      <p:sp>
+        <p:nvSpPr>
+          <p:cNvPr id="3" name="Content Placeholder 2"/>
+          <p:cNvSpPr>
+            <a:spLocks noGrp="1"/>
+          </p:cNvSpPr>
+          <p:nvPr>
+            <p:ph idx="1"/>
+          </p:nvPr>
+        </p:nvSpPr>
+        <p:spPr/>
+        <p:txBody>
+          <a:bodyPr>
+            <a:noAutofit/>
+          </a:bodyPr>
+          <a:lstStyle/>
+          <a:p>
+            <a:r>
+              <a:rPr lang="pt-BR" sz="1600" b="1" dirty="0"/>
+              <a:t>Class PlaceLocalHandle&lt;T</a:t>
+            </a:r>
+            <a:r>
+              <a:rPr lang="pt-BR" sz="1600" b="1" dirty="0" smtClean="0"/>
+              <a:t>&gt;</a:t>
+            </a:r>
+          </a:p>
+          <a:p>
+            <a:endParaRPr lang="pt-BR" sz="1600" b="1" dirty="0" smtClean="0"/>
+          </a:p>
+          <a:p>
+            <a:r>
+              <a:rPr lang="pt-BR" sz="1600" dirty="0" smtClean="0"/>
+              <a:t>Utilizar um objeto em um place</a:t>
+            </a:r>
+          </a:p>
+          <a:p>
+            <a:endParaRPr lang="pt-BR" sz="1600" dirty="0" smtClean="0"/>
+          </a:p>
+          <a:p>
+            <a:r>
+              <a:rPr lang="pt-BR" sz="1600" dirty="0" smtClean="0"/>
+              <a:t>Handle que mapeia objetos distintos para cada place</a:t>
+            </a:r>
+          </a:p>
+          <a:p>
+            <a:pPr marL="0" indent="0">
+              <a:buNone/>
+            </a:pPr>
+            <a:endParaRPr lang="pt-BR" sz="1600" dirty="0"/>
+          </a:p>
+        </p:txBody>
+      </p:sp>
+      <p:pic>
+        <p:nvPicPr>
+          <p:cNvPr id="2050" name="Picture 2"/>
+          <p:cNvPicPr>
+            <a:picLocks noChangeAspect="1" noChangeArrowheads="1"/>
+          </p:cNvPicPr>
+          <p:nvPr/>
+        </p:nvPicPr>
+        <p:blipFill>
+          <a:blip r:embed="rId2">
+            <a:extLst>
+              <a:ext uri="{28A0092B-C50C-407E-A947-70E740481C1C}">
+                <a14:useLocalDpi xmlns:a14="http://schemas.microsoft.com/office/drawing/2010/main" val="0"/>
+              </a:ext>
+            </a:extLst>
+          </a:blip>
+          <a:srcRect/>
+          <a:stretch>
+            <a:fillRect/>
+          </a:stretch>
+        </p:blipFill>
+        <p:spPr bwMode="auto">
+          <a:xfrm>
+            <a:off x="6096000" y="692696"/>
+            <a:ext cx="5905500" cy="5848350"/>
+          </a:xfrm>
+          <a:prstGeom prst="rect">
+            <a:avLst/>
+          </a:prstGeom>
+          <a:noFill/>
+          <a:ln>
+            <a:noFill/>
+          </a:ln>
+          <a:extLst>
+            <a:ext uri="{909E8E84-426E-40DD-AFC4-6F175D3DCCD1}">
+              <a14:hiddenFill xmlns:a14="http://schemas.microsoft.com/office/drawing/2010/main">
+                <a:solidFill>
+                  <a:schemeClr val="accent1"/>
+                </a:solidFill>
+              </a14:hiddenFill>
+            </a:ext>
+            <a:ext uri="{91240B29-F687-4F45-9708-019B960494DF}">
+              <a14:hiddenLine xmlns:a14="http://schemas.microsoft.com/office/drawing/2010/main" w="9525">
+                <a:solidFill>
+                  <a:schemeClr val="tx1"/>
+                </a:solidFill>
+                <a:miter lim="800000"/>
+                <a:headEnd/>
+                <a:tailEnd/>
+              </a14:hiddenLine>
+            </a:ext>
+          </a:extLst>
+        </p:spPr>
+      </p:pic>
+      <p:sp>
+        <p:nvSpPr>
+          <p:cNvPr id="6" name="Title 1"/>
+          <p:cNvSpPr>
+            <a:spLocks noGrp="1"/>
+          </p:cNvSpPr>
+          <p:nvPr>
+            <p:ph type="title"/>
+          </p:nvPr>
+        </p:nvSpPr>
+        <p:spPr>
+          <a:xfrm>
+            <a:off x="609600" y="274638"/>
+            <a:ext cx="10972800" cy="1143000"/>
+          </a:xfrm>
+        </p:spPr>
+        <p:txBody>
+          <a:bodyPr/>
+          <a:lstStyle/>
+          <a:p>
+            <a:pPr algn="l"/>
+            <a:r>
+              <a:rPr lang="pt-BR" sz="2400" dirty="0"/>
+              <a:t>Classes especiais</a:t>
+            </a:r>
+            <a:r>
+              <a:rPr lang="pt-BR" sz="2400" dirty="0" smtClean="0"/>
+              <a:t/>
+            </a:r>
+            <a:br>
+              <a:rPr lang="pt-BR" sz="2400" dirty="0" smtClean="0"/>
+            </a:br>
+            <a:r>
+              <a:rPr lang="pt-BR" sz="1800" i="1" dirty="0" smtClean="0"/>
+              <a:t>PlaceLocalHandle</a:t>
+            </a:r>
+            <a:endParaRPr lang="pt-BR" sz="3600" i="1" dirty="0"/>
+          </a:p>
+        </p:txBody>
+      </p:sp>
+    </p:spTree>
+    <p:extLst>
+      <p:ext uri="{BB962C8B-B14F-4D97-AF65-F5344CB8AC3E}">
+        <p14:creationId xmlns:p14="http://schemas.microsoft.com/office/powerpoint/2010/main" val="1538390177"/>
+      </p:ext>
+    </p:extLst>
+  </p:cSld>
+  <p:clrMapOvr>
+    <a:masterClrMapping/>
+  </p:clrMapOvr>
+  <p:timing>
+    <p:tnLst>
+      <p:par>
+        <p:cTn id="1" dur="indefinite" restart="never" nodeType="tmRoot"/>
+      </p:par>
+    </p:tnLst>
+  </p:timing>
+</p:sld>
+</file>
+
+<file path=ppt/slides/slide27.xml><?xml version="1.0" encoding="utf-8"?>
+<p:sld xmlns:a="http://schemas.openxmlformats.org/drawingml/2006/main" xmlns:r="http://schemas.openxmlformats.org/officeDocument/2006/relationships" xmlns:p="http://schemas.openxmlformats.org/presentationml/2006/main">
+  <p:cSld>
+    <p:spTree>
+      <p:nvGrpSpPr>
+        <p:cNvPr id="1" name=""/>
+        <p:cNvGrpSpPr/>
+        <p:nvPr/>
+      </p:nvGrpSpPr>
+      <p:grpSpPr>
+        <a:xfrm>
+          <a:off x="0" y="0"/>
+          <a:ext cx="0" cy="0"/>
+          <a:chOff x="0" y="0"/>
+          <a:chExt cx="0" cy="0"/>
+        </a:xfrm>
+      </p:grpSpPr>
+      <p:sp>
+        <p:nvSpPr>
+          <p:cNvPr id="3" name="Content Placeholder 2"/>
+          <p:cNvSpPr>
+            <a:spLocks noGrp="1"/>
+          </p:cNvSpPr>
+          <p:nvPr>
+            <p:ph idx="1"/>
+          </p:nvPr>
+        </p:nvSpPr>
+        <p:spPr/>
+        <p:txBody>
+          <a:bodyPr>
+            <a:noAutofit/>
+          </a:bodyPr>
+          <a:lstStyle/>
+          <a:p>
+            <a:r>
+              <a:rPr lang="en-US" sz="1600" dirty="0" err="1" smtClean="0"/>
+              <a:t>Cria</a:t>
+            </a:r>
+            <a:r>
+              <a:rPr lang="en-US" sz="1600" dirty="0" smtClean="0"/>
+              <a:t> um array de </a:t>
+            </a:r>
+            <a:r>
+              <a:rPr lang="en-US" sz="1600" dirty="0" err="1" smtClean="0"/>
+              <a:t>até</a:t>
+            </a:r>
+            <a:r>
+              <a:rPr lang="en-US" sz="1600" dirty="0" smtClean="0"/>
+              <a:t>  3 </a:t>
+            </a:r>
+            <a:r>
+              <a:rPr lang="en-US" sz="1600" dirty="0" err="1" smtClean="0"/>
+              <a:t>dimensões</a:t>
+            </a:r>
+            <a:endParaRPr lang="en-US" sz="1600" dirty="0" smtClean="0"/>
+          </a:p>
+          <a:p>
+            <a:endParaRPr lang="en-US" sz="1600" dirty="0" smtClean="0"/>
+          </a:p>
+          <a:p>
+            <a:r>
+              <a:rPr lang="en-US" sz="1600" dirty="0" err="1" smtClean="0"/>
+              <a:t>Distribui</a:t>
+            </a:r>
+            <a:r>
+              <a:rPr lang="en-US" sz="1600" dirty="0" smtClean="0"/>
+              <a:t> </a:t>
+            </a:r>
+            <a:r>
+              <a:rPr lang="en-US" sz="1600" dirty="0" err="1" smtClean="0"/>
+              <a:t>os</a:t>
+            </a:r>
+            <a:r>
+              <a:rPr lang="en-US" sz="1600" dirty="0" smtClean="0"/>
+              <a:t> dados entre </a:t>
+            </a:r>
+            <a:r>
+              <a:rPr lang="en-US" sz="1600" dirty="0" err="1" smtClean="0"/>
+              <a:t>os</a:t>
+            </a:r>
+            <a:r>
+              <a:rPr lang="en-US" sz="1600" dirty="0" smtClean="0"/>
+              <a:t> places </a:t>
+            </a:r>
+            <a:r>
+              <a:rPr lang="en-US" sz="1600" dirty="0" err="1" smtClean="0"/>
+              <a:t>disponíveis</a:t>
+            </a:r>
+            <a:r>
+              <a:rPr lang="en-US" sz="1600" dirty="0" smtClean="0"/>
+              <a:t> de um </a:t>
+            </a:r>
+            <a:r>
+              <a:rPr lang="en-US" sz="1600" dirty="0" err="1" smtClean="0"/>
+              <a:t>placegroup</a:t>
+            </a:r>
+            <a:endParaRPr lang="en-US" sz="1600" dirty="0" smtClean="0"/>
+          </a:p>
+          <a:p>
+            <a:endParaRPr lang="en-US" sz="1600" dirty="0"/>
+          </a:p>
+          <a:p>
+            <a:r>
+              <a:rPr lang="en-US" sz="1600" dirty="0" err="1" smtClean="0"/>
+              <a:t>Métodos</a:t>
+            </a:r>
+            <a:r>
+              <a:rPr lang="en-US" sz="1600" dirty="0" smtClean="0"/>
+              <a:t> </a:t>
+            </a:r>
+            <a:r>
+              <a:rPr lang="en-US" sz="1600" dirty="0" err="1" smtClean="0"/>
+              <a:t>principais</a:t>
+            </a:r>
+            <a:r>
+              <a:rPr lang="en-US" sz="1600" dirty="0"/>
+              <a:t>:</a:t>
+            </a:r>
+            <a:endParaRPr lang="en-US" sz="1600" dirty="0" smtClean="0"/>
+          </a:p>
+          <a:p>
+            <a:pPr lvl="1"/>
+            <a:r>
+              <a:rPr lang="pt-BR" sz="1400" dirty="0" smtClean="0"/>
+              <a:t>placeGroup()</a:t>
+            </a:r>
+          </a:p>
+          <a:p>
+            <a:pPr lvl="1"/>
+            <a:r>
+              <a:rPr lang="pt-BR" sz="1400" dirty="0" smtClean="0"/>
+              <a:t>localIndices()</a:t>
+            </a:r>
+          </a:p>
+          <a:p>
+            <a:pPr lvl="1"/>
+            <a:r>
+              <a:rPr lang="pt-BR" sz="1400" dirty="0" smtClean="0"/>
+              <a:t>operator()</a:t>
+            </a:r>
+          </a:p>
+          <a:p>
+            <a:pPr lvl="1"/>
+            <a:endParaRPr lang="en-US" sz="1600" dirty="0" smtClean="0"/>
+          </a:p>
+          <a:p>
+            <a:endParaRPr lang="en-US" sz="1600" dirty="0"/>
+          </a:p>
+          <a:p>
+            <a:endParaRPr lang="en-US" sz="1800" dirty="0"/>
+          </a:p>
+          <a:p>
+            <a:endParaRPr lang="en-US" sz="1800" dirty="0" smtClean="0"/>
+          </a:p>
+          <a:p>
+            <a:endParaRPr lang="en-US" sz="1800" dirty="0" smtClean="0"/>
+          </a:p>
+        </p:txBody>
+      </p:sp>
+      <p:pic>
+        <p:nvPicPr>
+          <p:cNvPr id="4" name="Picture 2"/>
+          <p:cNvPicPr>
+            <a:picLocks noChangeAspect="1" noChangeArrowheads="1"/>
+          </p:cNvPicPr>
+          <p:nvPr/>
+        </p:nvPicPr>
+        <p:blipFill>
+          <a:blip r:embed="rId2">
+            <a:extLst>
+              <a:ext uri="{28A0092B-C50C-407E-A947-70E740481C1C}">
+                <a14:useLocalDpi xmlns:a14="http://schemas.microsoft.com/office/drawing/2010/main" val="0"/>
+              </a:ext>
+            </a:extLst>
+          </a:blip>
+          <a:srcRect/>
+          <a:stretch>
+            <a:fillRect/>
+          </a:stretch>
+        </p:blipFill>
+        <p:spPr bwMode="auto">
+          <a:xfrm>
+            <a:off x="6479359" y="1340768"/>
+            <a:ext cx="5497278" cy="4743078"/>
+          </a:xfrm>
+          <a:prstGeom prst="rect">
+            <a:avLst/>
+          </a:prstGeom>
+          <a:noFill/>
+          <a:ln>
+            <a:noFill/>
+          </a:ln>
+          <a:extLst>
+            <a:ext uri="{909E8E84-426E-40DD-AFC4-6F175D3DCCD1}">
+              <a14:hiddenFill xmlns:a14="http://schemas.microsoft.com/office/drawing/2010/main">
+                <a:solidFill>
+                  <a:schemeClr val="accent1"/>
+                </a:solidFill>
+              </a14:hiddenFill>
+            </a:ext>
+            <a:ext uri="{91240B29-F687-4F45-9708-019B960494DF}">
+              <a14:hiddenLine xmlns:a14="http://schemas.microsoft.com/office/drawing/2010/main" w="9525">
+                <a:solidFill>
+                  <a:schemeClr val="tx1"/>
+                </a:solidFill>
+                <a:miter lim="800000"/>
+                <a:headEnd/>
+                <a:tailEnd/>
+              </a14:hiddenLine>
+            </a:ext>
+          </a:extLst>
+        </p:spPr>
+      </p:pic>
+      <p:sp>
+        <p:nvSpPr>
+          <p:cNvPr id="6" name="Title 1"/>
+          <p:cNvSpPr>
+            <a:spLocks noGrp="1"/>
+          </p:cNvSpPr>
+          <p:nvPr>
+            <p:ph type="title"/>
+          </p:nvPr>
+        </p:nvSpPr>
+        <p:spPr>
+          <a:xfrm>
+            <a:off x="609600" y="274638"/>
+            <a:ext cx="10972800" cy="1143000"/>
+          </a:xfrm>
+        </p:spPr>
+        <p:txBody>
+          <a:bodyPr/>
+          <a:lstStyle/>
+          <a:p>
+            <a:pPr algn="l"/>
+            <a:r>
+              <a:rPr lang="pt-BR" sz="2400" dirty="0"/>
+              <a:t>Classes especiais</a:t>
+            </a:r>
+            <a:r>
+              <a:rPr lang="pt-BR" sz="2400" dirty="0" smtClean="0"/>
+              <a:t/>
+            </a:r>
+            <a:br>
+              <a:rPr lang="pt-BR" sz="2400" dirty="0" smtClean="0"/>
+            </a:br>
+            <a:r>
+              <a:rPr lang="pt-BR" sz="1800" i="1" dirty="0" smtClean="0"/>
+              <a:t>DistArray</a:t>
+            </a:r>
+            <a:endParaRPr lang="pt-BR" sz="3600" i="1" dirty="0"/>
+          </a:p>
+        </p:txBody>
+      </p:sp>
+    </p:spTree>
+    <p:extLst>
+      <p:ext uri="{BB962C8B-B14F-4D97-AF65-F5344CB8AC3E}">
+        <p14:creationId xmlns:p14="http://schemas.microsoft.com/office/powerpoint/2010/main" val="215214284"/>
+      </p:ext>
+    </p:extLst>
+  </p:cSld>
+  <p:clrMapOvr>
+    <a:masterClrMapping/>
+  </p:clrMapOvr>
+  <p:timing>
+    <p:tnLst>
+      <p:par>
+        <p:cTn id="1" dur="indefinite" restart="never" nodeType="tmRoot"/>
+      </p:par>
+    </p:tnLst>
+  </p:timing>
+</p:sld>
+</file>
+
+<file path=ppt/slides/slide28.xml><?xml version="1.0" encoding="utf-8"?>
+<p:sld xmlns:a="http://schemas.openxmlformats.org/drawingml/2006/main" xmlns:r="http://schemas.openxmlformats.org/officeDocument/2006/relationships" xmlns:p="http://schemas.openxmlformats.org/presentationml/2006/main">
+  <p:cSld>
+    <p:spTree>
+      <p:nvGrpSpPr>
+        <p:cNvPr id="1" name=""/>
+        <p:cNvGrpSpPr/>
+        <p:nvPr/>
+      </p:nvGrpSpPr>
+      <p:grpSpPr>
+        <a:xfrm>
+          <a:off x="0" y="0"/>
+          <a:ext cx="0" cy="0"/>
+          <a:chOff x="0" y="0"/>
+          <a:chExt cx="0" cy="0"/>
+        </a:xfrm>
+      </p:grpSpPr>
+      <p:sp>
+        <p:nvSpPr>
+          <p:cNvPr id="3" name="Content Placeholder 2"/>
+          <p:cNvSpPr>
+            <a:spLocks noGrp="1"/>
+          </p:cNvSpPr>
+          <p:nvPr>
+            <p:ph idx="1"/>
+          </p:nvPr>
+        </p:nvSpPr>
+        <p:spPr/>
+        <p:txBody>
+          <a:bodyPr>
+            <a:noAutofit/>
+          </a:bodyPr>
+          <a:lstStyle/>
+          <a:p>
+            <a:r>
+              <a:rPr lang="pt-BR" sz="1600" dirty="0" smtClean="0"/>
+              <a:t>Tipos:</a:t>
+            </a:r>
+          </a:p>
+          <a:p>
+            <a:pPr lvl="1"/>
+            <a:r>
+              <a:rPr lang="pt-BR" sz="1400" dirty="0" smtClean="0"/>
+              <a:t>AndReducer</a:t>
+            </a:r>
+            <a:endParaRPr lang="pt-BR" sz="1400" dirty="0"/>
+          </a:p>
+          <a:p>
+            <a:pPr lvl="1"/>
+            <a:r>
+              <a:rPr lang="pt-BR" sz="1400" dirty="0" smtClean="0"/>
+              <a:t>MaxReducer[T]</a:t>
+            </a:r>
+            <a:endParaRPr lang="pt-BR" sz="1400" dirty="0"/>
+          </a:p>
+          <a:p>
+            <a:pPr lvl="1"/>
+            <a:r>
+              <a:rPr lang="pt-BR" sz="1400" dirty="0"/>
+              <a:t>MinReducer[T]</a:t>
+            </a:r>
+            <a:endParaRPr lang="pt-BR" sz="1400" dirty="0"/>
+          </a:p>
+          <a:p>
+            <a:pPr lvl="1"/>
+            <a:r>
+              <a:rPr lang="pt-BR" sz="1400" dirty="0" smtClean="0"/>
+              <a:t>OrReducer</a:t>
+            </a:r>
+            <a:endParaRPr lang="pt-BR" sz="1400" dirty="0"/>
+          </a:p>
+          <a:p>
+            <a:pPr lvl="1"/>
+            <a:r>
+              <a:rPr lang="pt-BR" sz="1400" dirty="0"/>
+              <a:t>SumReducer[T</a:t>
+            </a:r>
+            <a:r>
+              <a:rPr lang="pt-BR" sz="1400" dirty="0" smtClean="0"/>
+              <a:t>]</a:t>
+            </a:r>
+          </a:p>
+          <a:p>
+            <a:pPr lvl="1"/>
+            <a:endParaRPr lang="pt-BR" sz="1400" dirty="0"/>
+          </a:p>
+          <a:p>
+            <a:r>
+              <a:rPr lang="pt-BR" sz="1600" i="1" dirty="0" smtClean="0"/>
+              <a:t>Offer</a:t>
+            </a:r>
+            <a:endParaRPr lang="pt-BR" sz="1600" i="1" dirty="0"/>
+          </a:p>
+        </p:txBody>
+      </p:sp>
+      <p:pic>
+        <p:nvPicPr>
+          <p:cNvPr id="4" name="Picture 2"/>
+          <p:cNvPicPr>
+            <a:picLocks noChangeAspect="1" noChangeArrowheads="1"/>
+          </p:cNvPicPr>
+          <p:nvPr/>
+        </p:nvPicPr>
+        <p:blipFill>
+          <a:blip r:embed="rId2">
+            <a:extLst>
+              <a:ext uri="{28A0092B-C50C-407E-A947-70E740481C1C}">
+                <a14:useLocalDpi xmlns:a14="http://schemas.microsoft.com/office/drawing/2010/main" val="0"/>
+              </a:ext>
+            </a:extLst>
+          </a:blip>
+          <a:srcRect/>
+          <a:stretch>
+            <a:fillRect/>
+          </a:stretch>
+        </p:blipFill>
+        <p:spPr bwMode="auto">
+          <a:xfrm>
+            <a:off x="6479359" y="1340768"/>
+            <a:ext cx="5497278" cy="4743078"/>
+          </a:xfrm>
+          <a:prstGeom prst="rect">
+            <a:avLst/>
+          </a:prstGeom>
+          <a:noFill/>
+          <a:ln>
+            <a:noFill/>
+          </a:ln>
+          <a:extLst>
+            <a:ext uri="{909E8E84-426E-40DD-AFC4-6F175D3DCCD1}">
+              <a14:hiddenFill xmlns:a14="http://schemas.microsoft.com/office/drawing/2010/main">
+                <a:solidFill>
+                  <a:schemeClr val="accent1"/>
+                </a:solidFill>
+              </a14:hiddenFill>
+            </a:ext>
+            <a:ext uri="{91240B29-F687-4F45-9708-019B960494DF}">
+              <a14:hiddenLine xmlns:a14="http://schemas.microsoft.com/office/drawing/2010/main" w="9525">
+                <a:solidFill>
+                  <a:schemeClr val="tx1"/>
+                </a:solidFill>
+                <a:miter lim="800000"/>
+                <a:headEnd/>
+                <a:tailEnd/>
+              </a14:hiddenLine>
+            </a:ext>
+          </a:extLst>
+        </p:spPr>
+      </p:pic>
+      <p:sp>
+        <p:nvSpPr>
+          <p:cNvPr id="6" name="Title 1"/>
+          <p:cNvSpPr>
+            <a:spLocks noGrp="1"/>
+          </p:cNvSpPr>
+          <p:nvPr>
+            <p:ph type="title"/>
+          </p:nvPr>
+        </p:nvSpPr>
+        <p:spPr>
+          <a:xfrm>
+            <a:off x="609600" y="274638"/>
+            <a:ext cx="10972800" cy="1143000"/>
+          </a:xfrm>
+        </p:spPr>
+        <p:txBody>
+          <a:bodyPr/>
+          <a:lstStyle/>
+          <a:p>
+            <a:pPr algn="l"/>
+            <a:r>
+              <a:rPr lang="pt-BR" sz="2400" dirty="0"/>
+              <a:t>Classes especiais</a:t>
+            </a:r>
+            <a:r>
+              <a:rPr lang="pt-BR" sz="2400" dirty="0" smtClean="0"/>
+              <a:t/>
+            </a:r>
+            <a:br>
+              <a:rPr lang="pt-BR" sz="2400" dirty="0" smtClean="0"/>
+            </a:br>
+            <a:r>
+              <a:rPr lang="pt-BR" sz="1800" i="1" dirty="0" smtClean="0"/>
+              <a:t>Reducible</a:t>
+            </a:r>
+            <a:endParaRPr lang="pt-BR" sz="3600" i="1" dirty="0"/>
+          </a:p>
+        </p:txBody>
+      </p:sp>
+    </p:spTree>
+    <p:extLst>
+      <p:ext uri="{BB962C8B-B14F-4D97-AF65-F5344CB8AC3E}">
+        <p14:creationId xmlns:p14="http://schemas.microsoft.com/office/powerpoint/2010/main" val="3516687263"/>
+      </p:ext>
+    </p:extLst>
+  </p:cSld>
+  <p:clrMapOvr>
+    <a:masterClrMapping/>
+  </p:clrMapOvr>
+  <p:timing>
+    <p:tnLst>
+      <p:par>
+        <p:cTn id="1" dur="indefinite" restart="never" nodeType="tmRoot"/>
+      </p:par>
+    </p:tnLst>
+  </p:timing>
+</p:sld>
+</file>
+
+<file path=ppt/slides/slide29.xml><?xml version="1.0" encoding="utf-8"?>
+<p:sld xmlns:a="http://schemas.openxmlformats.org/drawingml/2006/main" xmlns:r="http://schemas.openxmlformats.org/officeDocument/2006/relationships" xmlns:p="http://schemas.openxmlformats.org/presentationml/2006/main">
+  <p:cSld>
+    <p:spTree>
+      <p:nvGrpSpPr>
+        <p:cNvPr id="1" name=""/>
+        <p:cNvGrpSpPr/>
+        <p:nvPr/>
+      </p:nvGrpSpPr>
+      <p:grpSpPr>
+        <a:xfrm>
+          <a:off x="0" y="0"/>
+          <a:ext cx="0" cy="0"/>
+          <a:chOff x="0" y="0"/>
+          <a:chExt cx="0" cy="0"/>
+        </a:xfrm>
+      </p:grpSpPr>
+      <p:sp>
+        <p:nvSpPr>
+          <p:cNvPr id="2" name="Title 1"/>
+          <p:cNvSpPr>
+            <a:spLocks noGrp="1"/>
+          </p:cNvSpPr>
+          <p:nvPr>
+            <p:ph type="title"/>
+          </p:nvPr>
+        </p:nvSpPr>
+        <p:spPr/>
+        <p:txBody>
+          <a:bodyPr>
+            <a:normAutofit/>
+          </a:bodyPr>
+          <a:lstStyle/>
+          <a:p>
+            <a:pPr algn="l"/>
+            <a:r>
+              <a:rPr lang="pt-BR" sz="2400" dirty="0"/>
+              <a:t>Busca em árvore com </a:t>
+            </a:r>
+            <a:r>
+              <a:rPr lang="pt-BR" sz="2400" dirty="0" smtClean="0"/>
+              <a:t>x10</a:t>
+            </a:r>
+            <a:endParaRPr lang="en-US" sz="2400" dirty="0"/>
+          </a:p>
+        </p:txBody>
+      </p:sp>
+      <p:sp>
+        <p:nvSpPr>
+          <p:cNvPr id="3" name="Content Placeholder 2"/>
+          <p:cNvSpPr>
+            <a:spLocks noGrp="1"/>
+          </p:cNvSpPr>
+          <p:nvPr>
+            <p:ph idx="1"/>
+          </p:nvPr>
+        </p:nvSpPr>
+        <p:spPr/>
+        <p:txBody>
+          <a:bodyPr/>
+          <a:lstStyle/>
+          <a:p>
+            <a:endParaRPr lang="en-US" dirty="0"/>
+          </a:p>
+        </p:txBody>
+      </p:sp>
+      <p:pic>
+        <p:nvPicPr>
+          <p:cNvPr id="5" name="Picture 4"/>
+          <p:cNvPicPr>
+            <a:picLocks noChangeAspect="1"/>
+          </p:cNvPicPr>
+          <p:nvPr/>
+        </p:nvPicPr>
+        <p:blipFill>
+          <a:blip r:embed="rId2"/>
+          <a:stretch>
+            <a:fillRect/>
+          </a:stretch>
+        </p:blipFill>
+        <p:spPr>
+          <a:xfrm>
+            <a:off x="3535040" y="1984538"/>
+            <a:ext cx="5121920" cy="3757288"/>
+          </a:xfrm>
+          <a:prstGeom prst="rect">
+            <a:avLst/>
+          </a:prstGeom>
+        </p:spPr>
+      </p:pic>
+    </p:spTree>
+    <p:extLst>
+      <p:ext uri="{BB962C8B-B14F-4D97-AF65-F5344CB8AC3E}">
+        <p14:creationId xmlns:p14="http://schemas.microsoft.com/office/powerpoint/2010/main" val="3878268549"/>
+      </p:ext>
+    </p:extLst>
+  </p:cSld>
+  <p:clrMapOvr>
+    <a:masterClrMapping/>
+  </p:clrMapOvr>
+  <p:timing>
+    <p:tnLst>
+      <p:par>
+        <p:cTn id="1" dur="indefinite" restart="never" nodeType="tmRoot"/>
+      </p:par>
+    </p:tnLst>
+  </p:timing>
+</p:sld>
+</file>
+
+<file path=ppt/slides/slide3.xml><?xml version="1.0" encoding="utf-8"?>
+<p:sld xmlns:a="http://schemas.openxmlformats.org/drawingml/2006/main" xmlns:r="http://schemas.openxmlformats.org/officeDocument/2006/relationships" xmlns:p="http://schemas.openxmlformats.org/presentationml/2006/main">
+  <p:cSld>
+    <p:spTree>
+      <p:nvGrpSpPr>
+        <p:cNvPr id="1" name=""/>
+        <p:cNvGrpSpPr/>
+        <p:nvPr/>
+      </p:nvGrpSpPr>
+      <p:grpSpPr>
+        <a:xfrm>
+          <a:off x="0" y="0"/>
+          <a:ext cx="0" cy="0"/>
+          <a:chOff x="0" y="0"/>
+          <a:chExt cx="0" cy="0"/>
+        </a:xfrm>
+      </p:grpSpPr>
+      <p:sp>
+        <p:nvSpPr>
+          <p:cNvPr id="2" name="Title 1"/>
+          <p:cNvSpPr>
+            <a:spLocks noGrp="1"/>
+          </p:cNvSpPr>
+          <p:nvPr>
+            <p:ph type="title"/>
+          </p:nvPr>
+        </p:nvSpPr>
+        <p:spPr/>
+        <p:txBody>
+          <a:bodyPr>
+            <a:normAutofit/>
+          </a:bodyPr>
+          <a:lstStyle/>
+          <a:p>
+            <a:pPr algn="l"/>
+            <a:r>
+              <a:rPr lang="pt-BR" sz="2400" dirty="0" smtClean="0"/>
+              <a:t>Visão geral</a:t>
+            </a:r>
+            <a:br>
+              <a:rPr lang="pt-BR" sz="2400" dirty="0" smtClean="0"/>
+            </a:br>
+            <a:r>
+              <a:rPr lang="pt-BR" sz="1800" dirty="0" smtClean="0"/>
+              <a:t>x10</a:t>
+            </a:r>
+            <a:endParaRPr lang="pt-BR" sz="1800" dirty="0"/>
+          </a:p>
+        </p:txBody>
+      </p:sp>
+      <p:sp>
+        <p:nvSpPr>
+          <p:cNvPr id="3" name="Content Placeholder 2"/>
+          <p:cNvSpPr>
+            <a:spLocks noGrp="1"/>
+          </p:cNvSpPr>
+          <p:nvPr>
+            <p:ph idx="1"/>
+          </p:nvPr>
+        </p:nvSpPr>
+        <p:spPr/>
+        <p:txBody>
+          <a:bodyPr>
+            <a:normAutofit/>
+          </a:bodyPr>
+          <a:lstStyle/>
+          <a:p>
+            <a:r>
+              <a:rPr lang="en-US" sz="2400" dirty="0" smtClean="0"/>
+              <a:t>IBM (2004)</a:t>
+            </a:r>
+          </a:p>
+          <a:p>
+            <a:endParaRPr lang="en-US" sz="2400" dirty="0" smtClean="0"/>
+          </a:p>
+          <a:p>
+            <a:r>
+              <a:rPr lang="en-US" sz="2400" dirty="0" smtClean="0"/>
+              <a:t>high </a:t>
+            </a:r>
+            <a:r>
+              <a:rPr lang="en-US" sz="2400" dirty="0"/>
+              <a:t>level programming language</a:t>
+            </a:r>
+          </a:p>
+          <a:p>
+            <a:endParaRPr lang="en-US" sz="2400" dirty="0" smtClean="0"/>
+          </a:p>
+          <a:p>
+            <a:r>
+              <a:rPr lang="en-US" sz="2400" dirty="0" smtClean="0"/>
+              <a:t>C++ &amp; Java</a:t>
+            </a:r>
+            <a:endParaRPr lang="pt-BR" altLang="pt-BR" sz="2200" dirty="0" smtClean="0"/>
+          </a:p>
+          <a:p>
+            <a:endParaRPr lang="en-US" altLang="pt-BR" sz="2200" dirty="0"/>
+          </a:p>
+        </p:txBody>
+      </p:sp>
+    </p:spTree>
+    <p:extLst>
+      <p:ext uri="{BB962C8B-B14F-4D97-AF65-F5344CB8AC3E}">
+        <p14:creationId xmlns:p14="http://schemas.microsoft.com/office/powerpoint/2010/main" val="3786330374"/>
+      </p:ext>
+    </p:extLst>
+  </p:cSld>
+  <p:clrMapOvr>
+    <a:masterClrMapping/>
+  </p:clrMapOvr>
+  <p:timing>
+    <p:tnLst>
+      <p:par>
+        <p:cTn id="1" dur="indefinite" restart="never" nodeType="tmRoot"/>
+      </p:par>
+    </p:tnLst>
+  </p:timing>
+</p:sld>
+</file>
+
+<file path=ppt/slides/slide30.xml><?xml version="1.0" encoding="utf-8"?>
+<p:sld xmlns:a="http://schemas.openxmlformats.org/drawingml/2006/main" xmlns:r="http://schemas.openxmlformats.org/officeDocument/2006/relationships" xmlns:p="http://schemas.openxmlformats.org/presentationml/2006/main">
+  <p:cSld>
+    <p:spTree>
+      <p:nvGrpSpPr>
+        <p:cNvPr id="1" name=""/>
+        <p:cNvGrpSpPr/>
+        <p:nvPr/>
+      </p:nvGrpSpPr>
+      <p:grpSpPr>
+        <a:xfrm>
+          <a:off x="0" y="0"/>
+          <a:ext cx="0" cy="0"/>
+          <a:chOff x="0" y="0"/>
+          <a:chExt cx="0" cy="0"/>
+        </a:xfrm>
+      </p:grpSpPr>
+      <p:sp>
+        <p:nvSpPr>
+          <p:cNvPr id="2" name="Title 1"/>
+          <p:cNvSpPr>
+            <a:spLocks noGrp="1"/>
+          </p:cNvSpPr>
+          <p:nvPr>
+            <p:ph type="title"/>
+          </p:nvPr>
+        </p:nvSpPr>
+        <p:spPr/>
+        <p:txBody>
+          <a:bodyPr>
+            <a:normAutofit/>
+          </a:bodyPr>
+          <a:lstStyle/>
+          <a:p>
+            <a:pPr algn="l"/>
+            <a:r>
+              <a:rPr lang="pt-BR" sz="2400" dirty="0"/>
+              <a:t>Busca em árvore com </a:t>
+            </a:r>
+            <a:r>
+              <a:rPr lang="pt-BR" sz="2400" dirty="0" smtClean="0"/>
+              <a:t>x10</a:t>
+            </a:r>
+            <a:endParaRPr lang="en-US" sz="2400" dirty="0"/>
+          </a:p>
+        </p:txBody>
+      </p:sp>
+      <p:sp>
+        <p:nvSpPr>
+          <p:cNvPr id="3" name="Content Placeholder 2"/>
+          <p:cNvSpPr>
+            <a:spLocks noGrp="1"/>
+          </p:cNvSpPr>
+          <p:nvPr>
+            <p:ph idx="1"/>
+          </p:nvPr>
+        </p:nvSpPr>
+        <p:spPr/>
+        <p:txBody>
+          <a:bodyPr/>
+          <a:lstStyle/>
+          <a:p>
+            <a:endParaRPr lang="en-US" dirty="0"/>
+          </a:p>
+        </p:txBody>
+      </p:sp>
+      <p:pic>
+        <p:nvPicPr>
+          <p:cNvPr id="5" name="Picture 4"/>
+          <p:cNvPicPr>
+            <a:picLocks noChangeAspect="1"/>
+          </p:cNvPicPr>
+          <p:nvPr/>
+        </p:nvPicPr>
+        <p:blipFill>
+          <a:blip r:embed="rId2"/>
+          <a:stretch>
+            <a:fillRect/>
+          </a:stretch>
+        </p:blipFill>
+        <p:spPr>
+          <a:xfrm>
+            <a:off x="2144601" y="1628800"/>
+            <a:ext cx="8415895" cy="4493691"/>
+          </a:xfrm>
+          <a:prstGeom prst="rect">
+            <a:avLst/>
+          </a:prstGeom>
+        </p:spPr>
+      </p:pic>
+    </p:spTree>
+    <p:extLst>
+      <p:ext uri="{BB962C8B-B14F-4D97-AF65-F5344CB8AC3E}">
+        <p14:creationId xmlns:p14="http://schemas.microsoft.com/office/powerpoint/2010/main" val="3187633165"/>
       </p:ext>
     </p:extLst>
   </p:cSld>
@@ -9895,10 +10194,14 @@
           <a:p>
             <a:pPr algn="l"/>
             <a:r>
+              <a:rPr lang="pt-BR" sz="2400" dirty="0"/>
+              <a:t>Busca em árvore com </a:t>
+            </a:r>
+            <a:r>
               <a:rPr lang="pt-BR" sz="2400" dirty="0" smtClean="0"/>
-              <a:t>Exemplos</a:t>
-            </a:r>
-            <a:endParaRPr lang="pt-BR" sz="2400" dirty="0"/>
+              <a:t>x10</a:t>
+            </a:r>
+            <a:endParaRPr lang="en-US" sz="2400" dirty="0"/>
           </a:p>
         </p:txBody>
       </p:sp>
@@ -9914,97 +10217,165 @@
         </p:nvSpPr>
         <p:spPr/>
         <p:txBody>
-          <a:bodyPr>
-            <a:normAutofit/>
-          </a:bodyPr>
+          <a:bodyPr/>
           <a:lstStyle/>
           <a:p>
-            <a:endParaRPr lang="en-US" altLang="pt-BR" sz="1600" dirty="0"/>
+            <a:r>
+              <a:rPr lang="en-US" sz="1800" dirty="0" smtClean="0"/>
+              <a:t>Classes:</a:t>
+            </a:r>
+          </a:p>
+          <a:p>
+            <a:pPr lvl="1"/>
+            <a:r>
+              <a:rPr lang="en-US" sz="1400" dirty="0" smtClean="0"/>
+              <a:t>Solver</a:t>
+            </a:r>
+          </a:p>
+          <a:p>
+            <a:pPr lvl="1"/>
+            <a:r>
+              <a:rPr lang="en-US" sz="1400" dirty="0" smtClean="0"/>
+              <a:t>NRDFS (Non Recursive Depth First Search)</a:t>
+            </a:r>
+          </a:p>
+          <a:p>
+            <a:pPr lvl="1"/>
+            <a:r>
+              <a:rPr lang="en-US" sz="1400" dirty="0" smtClean="0"/>
+              <a:t>Tour</a:t>
+            </a:r>
+          </a:p>
+          <a:p>
+            <a:pPr lvl="1"/>
+            <a:endParaRPr lang="en-US" sz="1400" dirty="0"/>
+          </a:p>
+          <a:p>
+            <a:r>
+              <a:rPr lang="en-US" sz="1800" dirty="0" err="1" smtClean="0"/>
+              <a:t>GlobalRef</a:t>
+            </a:r>
+            <a:r>
+              <a:rPr lang="en-US" sz="1800" dirty="0" smtClean="0"/>
+              <a:t>:</a:t>
+            </a:r>
+          </a:p>
+          <a:p>
+            <a:pPr lvl="1"/>
+            <a:r>
+              <a:rPr lang="en-US" sz="1400" dirty="0" err="1" smtClean="0"/>
+              <a:t>Custo</a:t>
+            </a:r>
+            <a:r>
+              <a:rPr lang="en-US" sz="1400" dirty="0" smtClean="0"/>
+              <a:t> da </a:t>
+            </a:r>
+            <a:r>
+              <a:rPr lang="en-US" sz="1400" dirty="0" err="1" smtClean="0"/>
+              <a:t>melhor</a:t>
+            </a:r>
+            <a:r>
+              <a:rPr lang="en-US" sz="1400" dirty="0" smtClean="0"/>
+              <a:t> </a:t>
+            </a:r>
+            <a:r>
+              <a:rPr lang="en-US" sz="1400" dirty="0" err="1" smtClean="0"/>
+              <a:t>rota</a:t>
+            </a:r>
+            <a:endParaRPr lang="en-US" sz="1400" dirty="0" smtClean="0"/>
+          </a:p>
+          <a:p>
+            <a:pPr lvl="1"/>
+            <a:r>
+              <a:rPr lang="en-US" sz="1400" dirty="0" err="1" smtClean="0"/>
+              <a:t>Melhor</a:t>
+            </a:r>
+            <a:r>
+              <a:rPr lang="en-US" sz="1400" dirty="0" smtClean="0"/>
+              <a:t> </a:t>
+            </a:r>
+            <a:r>
+              <a:rPr lang="en-US" sz="1400" dirty="0" err="1" smtClean="0"/>
+              <a:t>rota</a:t>
+            </a:r>
+            <a:r>
+              <a:rPr lang="en-US" sz="1400" dirty="0" smtClean="0"/>
+              <a:t> com </a:t>
+            </a:r>
+            <a:r>
+              <a:rPr lang="en-US" sz="1400" dirty="0" err="1" smtClean="0"/>
+              <a:t>menor</a:t>
+            </a:r>
+            <a:r>
+              <a:rPr lang="en-US" sz="1400" dirty="0" smtClean="0"/>
+              <a:t> </a:t>
+            </a:r>
+            <a:r>
+              <a:rPr lang="en-US" sz="1400" dirty="0" err="1" smtClean="0"/>
+              <a:t>custo</a:t>
+            </a:r>
+            <a:endParaRPr lang="en-US" sz="1400" dirty="0" smtClean="0"/>
+          </a:p>
+          <a:p>
+            <a:pPr lvl="1"/>
+            <a:endParaRPr lang="en-US" sz="1400" dirty="0"/>
+          </a:p>
+          <a:p>
+            <a:r>
+              <a:rPr lang="en-US" sz="1600" dirty="0" err="1" smtClean="0"/>
+              <a:t>PlaceLocalHandle</a:t>
+            </a:r>
+            <a:r>
+              <a:rPr lang="en-US" sz="1600" dirty="0" smtClean="0"/>
+              <a:t>:</a:t>
+            </a:r>
+          </a:p>
+          <a:p>
+            <a:pPr lvl="1"/>
+            <a:r>
+              <a:rPr lang="en-US" sz="1400" dirty="0" err="1" smtClean="0"/>
+              <a:t>Custo</a:t>
+            </a:r>
+            <a:r>
+              <a:rPr lang="en-US" sz="1400" dirty="0" smtClean="0"/>
+              <a:t> da </a:t>
+            </a:r>
+            <a:r>
+              <a:rPr lang="en-US" sz="1400" dirty="0" err="1" smtClean="0"/>
+              <a:t>menor</a:t>
+            </a:r>
+            <a:r>
+              <a:rPr lang="en-US" sz="1400" dirty="0" smtClean="0"/>
+              <a:t> </a:t>
+            </a:r>
+            <a:r>
+              <a:rPr lang="en-US" sz="1400" dirty="0" err="1" smtClean="0"/>
+              <a:t>rota</a:t>
+            </a:r>
+            <a:r>
+              <a:rPr lang="en-US" sz="1400" dirty="0"/>
+              <a:t> </a:t>
+            </a:r>
+            <a:r>
+              <a:rPr lang="en-US" sz="1400" dirty="0" smtClean="0"/>
+              <a:t>(local)</a:t>
+            </a:r>
+          </a:p>
+          <a:p>
+            <a:pPr marL="457200" lvl="1" indent="0">
+              <a:buNone/>
+            </a:pPr>
+            <a:endParaRPr lang="en-US" sz="1400" dirty="0" smtClean="0"/>
+          </a:p>
+          <a:p>
+            <a:endParaRPr lang="en-US" sz="1600" dirty="0"/>
           </a:p>
         </p:txBody>
       </p:sp>
-      <p:pic>
-        <p:nvPicPr>
-          <p:cNvPr id="6" name="Picture 8" descr="here.eps"/>
-          <p:cNvPicPr>
-            <a:picLocks noChangeAspect="1"/>
-          </p:cNvPicPr>
-          <p:nvPr/>
-        </p:nvPicPr>
-        <p:blipFill>
-          <a:blip r:embed="rId2" cstate="print">
-            <a:extLst>
-              <a:ext uri="{28A0092B-C50C-407E-A947-70E740481C1C}">
-                <a14:useLocalDpi xmlns:a14="http://schemas.microsoft.com/office/drawing/2010/main" val="0"/>
-              </a:ext>
-            </a:extLst>
-          </a:blip>
-          <a:srcRect/>
-          <a:stretch>
-            <a:fillRect/>
-          </a:stretch>
-        </p:blipFill>
-        <p:spPr bwMode="auto">
-          <a:xfrm>
-            <a:off x="7248128" y="2781145"/>
-            <a:ext cx="3029699" cy="2164071"/>
-          </a:xfrm>
-          <a:prstGeom prst="rect">
-            <a:avLst/>
-          </a:prstGeom>
-          <a:noFill/>
-          <a:ln>
-            <a:noFill/>
-          </a:ln>
-          <a:extLst>
-            <a:ext uri="{909E8E84-426E-40DD-AFC4-6F175D3DCCD1}">
-              <a14:hiddenFill xmlns:a14="http://schemas.microsoft.com/office/drawing/2010/main">
-                <a:solidFill>
-                  <a:srgbClr val="FFFFFF"/>
-                </a:solidFill>
-              </a14:hiddenFill>
-            </a:ext>
-            <a:ext uri="{91240B29-F687-4F45-9708-019B960494DF}">
-              <a14:hiddenLine xmlns:a14="http://schemas.microsoft.com/office/drawing/2010/main" w="9525">
-                <a:solidFill>
-                  <a:srgbClr val="000000"/>
-                </a:solidFill>
-                <a:miter lim="800000"/>
-                <a:headEnd/>
-                <a:tailEnd/>
-              </a14:hiddenLine>
-            </a:ext>
-          </a:extLst>
-        </p:spPr>
-      </p:pic>
-      <p:pic>
-        <p:nvPicPr>
-          <p:cNvPr id="7" name="Picture 6"/>
-          <p:cNvPicPr>
-            <a:picLocks noChangeAspect="1"/>
-          </p:cNvPicPr>
-          <p:nvPr/>
-        </p:nvPicPr>
-        <p:blipFill>
-          <a:blip r:embed="rId3"/>
-          <a:stretch>
-            <a:fillRect/>
-          </a:stretch>
-        </p:blipFill>
-        <p:spPr>
-          <a:xfrm>
-            <a:off x="983432" y="2239169"/>
-            <a:ext cx="4010025" cy="3248025"/>
-          </a:xfrm>
-          <a:prstGeom prst="rect">
-            <a:avLst/>
-          </a:prstGeom>
-        </p:spPr>
-      </p:pic>
     </p:spTree>
     <p:extLst>
       <p:ext uri="{BB962C8B-B14F-4D97-AF65-F5344CB8AC3E}">
-        <p14:creationId xmlns:p14="http://schemas.microsoft.com/office/powerpoint/2010/main" val="128218242"/>
+        <p14:creationId xmlns:p14="http://schemas.microsoft.com/office/powerpoint/2010/main" val="3495014555"/>
       </p:ext>
     </p:extLst>
   </p:cSld>
@@ -10057,226 +10428,6 @@
           <a:p>
             <a:pPr algn="l"/>
             <a:r>
-              <a:rPr lang="pt-BR" sz="2400" dirty="0"/>
-              <a:t>Busca em árvore com </a:t>
-            </a:r>
-            <a:r>
-              <a:rPr lang="pt-BR" sz="2400" dirty="0" smtClean="0"/>
-              <a:t>x10</a:t>
-            </a:r>
-            <a:endParaRPr lang="en-US" sz="2400" dirty="0"/>
-          </a:p>
-        </p:txBody>
-      </p:sp>
-      <p:sp>
-        <p:nvSpPr>
-          <p:cNvPr id="3" name="Content Placeholder 2"/>
-          <p:cNvSpPr>
-            <a:spLocks noGrp="1"/>
-          </p:cNvSpPr>
-          <p:nvPr>
-            <p:ph idx="1"/>
-          </p:nvPr>
-        </p:nvSpPr>
-        <p:spPr/>
-        <p:txBody>
-          <a:bodyPr/>
-          <a:lstStyle/>
-          <a:p>
-            <a:endParaRPr lang="en-US" dirty="0"/>
-          </a:p>
-        </p:txBody>
-      </p:sp>
-      <p:pic>
-        <p:nvPicPr>
-          <p:cNvPr id="5" name="Picture 4"/>
-          <p:cNvPicPr>
-            <a:picLocks noChangeAspect="1"/>
-          </p:cNvPicPr>
-          <p:nvPr/>
-        </p:nvPicPr>
-        <p:blipFill>
-          <a:blip r:embed="rId2"/>
-          <a:stretch>
-            <a:fillRect/>
-          </a:stretch>
-        </p:blipFill>
-        <p:spPr>
-          <a:xfrm>
-            <a:off x="3535040" y="1984538"/>
-            <a:ext cx="5121920" cy="3757288"/>
-          </a:xfrm>
-          <a:prstGeom prst="rect">
-            <a:avLst/>
-          </a:prstGeom>
-        </p:spPr>
-      </p:pic>
-    </p:spTree>
-    <p:extLst>
-      <p:ext uri="{BB962C8B-B14F-4D97-AF65-F5344CB8AC3E}">
-        <p14:creationId xmlns:p14="http://schemas.microsoft.com/office/powerpoint/2010/main" val="3878268549"/>
-      </p:ext>
-    </p:extLst>
-  </p:cSld>
-  <p:clrMapOvr>
-    <a:masterClrMapping/>
-  </p:clrMapOvr>
-  <p:timing>
-    <p:tnLst>
-      <p:par>
-        <p:cTn id="1" dur="indefinite" restart="never" nodeType="tmRoot"/>
-      </p:par>
-    </p:tnLst>
-  </p:timing>
-</p:sld>
-</file>
-
-<file path=ppt/slides/slide33.xml><?xml version="1.0" encoding="utf-8"?>
-<p:sld xmlns:a="http://schemas.openxmlformats.org/drawingml/2006/main" xmlns:r="http://schemas.openxmlformats.org/officeDocument/2006/relationships" xmlns:p="http://schemas.openxmlformats.org/presentationml/2006/main">
-  <p:cSld>
-    <p:spTree>
-      <p:nvGrpSpPr>
-        <p:cNvPr id="1" name=""/>
-        <p:cNvGrpSpPr/>
-        <p:nvPr/>
-      </p:nvGrpSpPr>
-      <p:grpSpPr>
-        <a:xfrm>
-          <a:off x="0" y="0"/>
-          <a:ext cx="0" cy="0"/>
-          <a:chOff x="0" y="0"/>
-          <a:chExt cx="0" cy="0"/>
-        </a:xfrm>
-      </p:grpSpPr>
-      <p:sp>
-        <p:nvSpPr>
-          <p:cNvPr id="2" name="Title 1"/>
-          <p:cNvSpPr>
-            <a:spLocks noGrp="1"/>
-          </p:cNvSpPr>
-          <p:nvPr>
-            <p:ph type="title"/>
-          </p:nvPr>
-        </p:nvSpPr>
-        <p:spPr/>
-        <p:txBody>
-          <a:bodyPr>
-            <a:normAutofit/>
-          </a:bodyPr>
-          <a:lstStyle/>
-          <a:p>
-            <a:pPr algn="l"/>
-            <a:r>
-              <a:rPr lang="pt-BR" sz="2400" dirty="0"/>
-              <a:t>Busca em árvore com </a:t>
-            </a:r>
-            <a:r>
-              <a:rPr lang="pt-BR" sz="2400" dirty="0" smtClean="0"/>
-              <a:t>x10</a:t>
-            </a:r>
-            <a:endParaRPr lang="en-US" sz="2400" dirty="0"/>
-          </a:p>
-        </p:txBody>
-      </p:sp>
-      <p:sp>
-        <p:nvSpPr>
-          <p:cNvPr id="3" name="Content Placeholder 2"/>
-          <p:cNvSpPr>
-            <a:spLocks noGrp="1"/>
-          </p:cNvSpPr>
-          <p:nvPr>
-            <p:ph idx="1"/>
-          </p:nvPr>
-        </p:nvSpPr>
-        <p:spPr/>
-        <p:txBody>
-          <a:bodyPr/>
-          <a:lstStyle/>
-          <a:p>
-            <a:endParaRPr lang="en-US" dirty="0"/>
-          </a:p>
-        </p:txBody>
-      </p:sp>
-      <p:pic>
-        <p:nvPicPr>
-          <p:cNvPr id="5" name="Picture 4"/>
-          <p:cNvPicPr>
-            <a:picLocks noChangeAspect="1"/>
-          </p:cNvPicPr>
-          <p:nvPr/>
-        </p:nvPicPr>
-        <p:blipFill>
-          <a:blip r:embed="rId2"/>
-          <a:stretch>
-            <a:fillRect/>
-          </a:stretch>
-        </p:blipFill>
-        <p:spPr>
-          <a:xfrm>
-            <a:off x="2144601" y="1628800"/>
-            <a:ext cx="8415895" cy="4493691"/>
-          </a:xfrm>
-          <a:prstGeom prst="rect">
-            <a:avLst/>
-          </a:prstGeom>
-        </p:spPr>
-      </p:pic>
-    </p:spTree>
-    <p:extLst>
-      <p:ext uri="{BB962C8B-B14F-4D97-AF65-F5344CB8AC3E}">
-        <p14:creationId xmlns:p14="http://schemas.microsoft.com/office/powerpoint/2010/main" val="3187633165"/>
-      </p:ext>
-    </p:extLst>
-  </p:cSld>
-  <p:clrMapOvr>
-    <a:masterClrMapping/>
-  </p:clrMapOvr>
-  <p:timing>
-    <p:tnLst>
-      <p:par>
-        <p:cTn id="1" dur="indefinite" restart="never" nodeType="tmRoot"/>
-      </p:par>
-    </p:tnLst>
-  </p:timing>
-</p:sld>
-</file>
-
-<file path=ppt/slides/slide34.xml><?xml version="1.0" encoding="utf-8"?>
-<p:sld xmlns:a="http://schemas.openxmlformats.org/drawingml/2006/main" xmlns:r="http://schemas.openxmlformats.org/officeDocument/2006/relationships" xmlns:p="http://schemas.openxmlformats.org/presentationml/2006/main">
-  <p:cSld>
-    <p:spTree>
-      <p:nvGrpSpPr>
-        <p:cNvPr id="1" name=""/>
-        <p:cNvGrpSpPr/>
-        <p:nvPr/>
-      </p:nvGrpSpPr>
-      <p:grpSpPr>
-        <a:xfrm>
-          <a:off x="0" y="0"/>
-          <a:ext cx="0" cy="0"/>
-          <a:chOff x="0" y="0"/>
-          <a:chExt cx="0" cy="0"/>
-        </a:xfrm>
-      </p:grpSpPr>
-      <p:sp>
-        <p:nvSpPr>
-          <p:cNvPr id="2" name="Title 1"/>
-          <p:cNvSpPr>
-            <a:spLocks noGrp="1"/>
-          </p:cNvSpPr>
-          <p:nvPr>
-            <p:ph type="title"/>
-          </p:nvPr>
-        </p:nvSpPr>
-        <p:spPr/>
-        <p:txBody>
-          <a:bodyPr>
-            <a:normAutofit/>
-          </a:bodyPr>
-          <a:lstStyle/>
-          <a:p>
-            <a:pPr algn="l"/>
-            <a:r>
               <a:rPr lang="pt-BR" sz="2400" dirty="0" smtClean="0"/>
               <a:t>Conclusão</a:t>
             </a:r>
@@ -10329,7 +10480,7 @@
 </p:sld>
 </file>
 
-<file path=ppt/slides/slide35.xml><?xml version="1.0" encoding="utf-8"?>
+<file path=ppt/slides/slide33.xml><?xml version="1.0" encoding="utf-8"?>
 <p:sld xmlns:a="http://schemas.openxmlformats.org/drawingml/2006/main" xmlns:r="http://schemas.openxmlformats.org/officeDocument/2006/relationships" xmlns:p="http://schemas.openxmlformats.org/presentationml/2006/main">
   <p:cSld>
     <p:spTree>

--- a/x10.pptx
+++ b/x10.pptx
@@ -12,7 +12,7 @@
     <p:sldMasterId id="2147483739" r:id="rId8"/>
   </p:sldMasterIdLst>
   <p:notesMasterIdLst>
-    <p:notesMasterId r:id="rId51"/>
+    <p:notesMasterId r:id="rId56"/>
   </p:notesMasterIdLst>
   <p:sldIdLst>
     <p:sldId id="256" r:id="rId9"/>
@@ -45,18 +45,23 @@
     <p:sldId id="282" r:id="rId36"/>
     <p:sldId id="283" r:id="rId37"/>
     <p:sldId id="284" r:id="rId38"/>
-    <p:sldId id="288" r:id="rId39"/>
-    <p:sldId id="285" r:id="rId40"/>
-    <p:sldId id="286" r:id="rId41"/>
+    <p:sldId id="309" r:id="rId39"/>
+    <p:sldId id="288" r:id="rId40"/>
+    <p:sldId id="285" r:id="rId41"/>
     <p:sldId id="289" r:id="rId42"/>
     <p:sldId id="290" r:id="rId43"/>
     <p:sldId id="291" r:id="rId44"/>
-    <p:sldId id="292" r:id="rId45"/>
-    <p:sldId id="293" r:id="rId46"/>
-    <p:sldId id="294" r:id="rId47"/>
-    <p:sldId id="295" r:id="rId48"/>
-    <p:sldId id="296" r:id="rId49"/>
-    <p:sldId id="297" r:id="rId50"/>
+    <p:sldId id="299" r:id="rId45"/>
+    <p:sldId id="307" r:id="rId46"/>
+    <p:sldId id="300" r:id="rId47"/>
+    <p:sldId id="301" r:id="rId48"/>
+    <p:sldId id="302" r:id="rId49"/>
+    <p:sldId id="303" r:id="rId50"/>
+    <p:sldId id="304" r:id="rId51"/>
+    <p:sldId id="305" r:id="rId52"/>
+    <p:sldId id="295" r:id="rId53"/>
+    <p:sldId id="296" r:id="rId54"/>
+    <p:sldId id="297" r:id="rId55"/>
   </p:sldIdLst>
   <p:sldSz cx="12192000" cy="6858000"/>
   <p:notesSz cx="6858000" cy="9144000"/>
@@ -155,6 +160,22 @@
       </a:defRPr>
     </a:lvl9pPr>
   </p:defaultTextStyle>
+  <p:extLst>
+    <p:ext uri="{EFAFB233-063F-42B5-8137-9DF3F51BA10A}">
+      <p15:sldGuideLst xmlns:p15="http://schemas.microsoft.com/office/powerpoint/2012/main">
+        <p15:guide id="1" orient="horz" pos="2160">
+          <p15:clr>
+            <a:srgbClr val="A4A3A4"/>
+          </p15:clr>
+        </p15:guide>
+        <p15:guide id="2" pos="3840">
+          <p15:clr>
+            <a:srgbClr val="A4A3A4"/>
+          </p15:clr>
+        </p15:guide>
+      </p15:sldGuideLst>
+    </p:ext>
+  </p:extLst>
 </p:presentation>
 </file>
 
@@ -649,6 +670,11 @@
         </p:txBody>
       </p:sp>
     </p:spTree>
+    <p:extLst>
+      <p:ext uri="{BB962C8B-B14F-4D97-AF65-F5344CB8AC3E}">
+        <p14:creationId xmlns:p14="http://schemas.microsoft.com/office/powerpoint/2010/main" val="3271609972"/>
+      </p:ext>
+    </p:extLst>
   </p:cSld>
   <p:clrMapOvr>
     <a:masterClrMapping/>
@@ -806,6 +832,11 @@
         </p:style>
       </p:sp>
     </p:spTree>
+    <p:extLst>
+      <p:ext uri="{BB962C8B-B14F-4D97-AF65-F5344CB8AC3E}">
+        <p14:creationId xmlns:p14="http://schemas.microsoft.com/office/powerpoint/2010/main" val="81219833"/>
+      </p:ext>
+    </p:extLst>
   </p:cSld>
   <p:clrMapOvr>
     <a:masterClrMapping/>
@@ -963,6 +994,11 @@
         </p:style>
       </p:sp>
     </p:spTree>
+    <p:extLst>
+      <p:ext uri="{BB962C8B-B14F-4D97-AF65-F5344CB8AC3E}">
+        <p14:creationId xmlns:p14="http://schemas.microsoft.com/office/powerpoint/2010/main" val="3366673334"/>
+      </p:ext>
+    </p:extLst>
   </p:cSld>
   <p:clrMapOvr>
     <a:masterClrMapping/>
@@ -18203,23 +18239,7 @@
                 <a:ea typeface="DejaVu Sans"/>
                 <a:hlinkClick r:id="rId2"/>
               </a:rPr>
-              <a:t>http://x10.sourceforge.net/x10doc/2.6.0</a:t>
-            </a:r>
-            <a:r>
-              <a:rPr lang="pt-BR" sz="1600" b="0" u="sng" strike="noStrike" spc="-1">
-                <a:solidFill>
-                  <a:srgbClr val="0000FF"/>
-                </a:solidFill>
-                <a:uFill>
-                  <a:solidFill>
-                    <a:srgbClr val="FFFFFF"/>
-                  </a:solidFill>
-                </a:uFill>
-                <a:latin typeface="Calibri"/>
-                <a:ea typeface="DejaVu Sans"/>
-                <a:hlinkClick r:id="rId2"/>
-              </a:rPr>
-              <a:t>/</a:t>
+              <a:t>http://x10.sourceforge.net/x10doc/2.6.0/</a:t>
             </a:r>
             <a:endParaRPr lang="pt-BR" sz="1800" b="0" strike="noStrike" spc="-1">
               <a:solidFill>
@@ -19423,7 +19443,7 @@
               </a:lnSpc>
             </a:pPr>
             <a:r>
-              <a:rPr lang="pt-BR" sz="2000" b="0" strike="noStrike" spc="-1">
+              <a:rPr lang="pt-BR" sz="1600" b="0" strike="noStrike" spc="-1" dirty="0">
                 <a:solidFill>
                   <a:srgbClr val="000000"/>
                 </a:solidFill>
@@ -19438,7 +19458,7 @@
               <a:t>Declaração de variávies:  </a:t>
             </a:r>
             <a:r>
-              <a:rPr lang="pt-BR" sz="2000" b="0" strike="noStrike" spc="-1">
+              <a:rPr lang="pt-BR" sz="1600" b="0" strike="noStrike" spc="-1" dirty="0">
                 <a:solidFill>
                   <a:srgbClr val="000000"/>
                 </a:solidFill>
@@ -19452,7 +19472,7 @@
               </a:rPr>
               <a:t>var &lt;name&gt; : &lt;type&gt;. </a:t>
             </a:r>
-            <a:endParaRPr lang="pt-BR" sz="1800" b="0" strike="noStrike" spc="-1">
+            <a:endParaRPr lang="pt-BR" sz="1600" b="0" strike="noStrike" spc="-1" dirty="0">
               <a:solidFill>
                 <a:srgbClr val="000000"/>
               </a:solidFill>
@@ -19471,7 +19491,7 @@
               </a:lnSpc>
             </a:pPr>
             <a:r>
-              <a:rPr lang="pt-BR" sz="2000" b="0" strike="noStrike" spc="-1">
+              <a:rPr lang="pt-BR" sz="1600" b="0" strike="noStrike" spc="-1" dirty="0">
                 <a:solidFill>
                   <a:srgbClr val="000000"/>
                 </a:solidFill>
@@ -19485,7 +19505,7 @@
               </a:rPr>
               <a:t>Ex: var x:Int</a:t>
             </a:r>
-            <a:endParaRPr lang="pt-BR" sz="1800" b="0" strike="noStrike" spc="-1">
+            <a:endParaRPr lang="pt-BR" sz="1600" b="0" strike="noStrike" spc="-1" dirty="0">
               <a:solidFill>
                 <a:srgbClr val="000000"/>
               </a:solidFill>
@@ -19503,7 +19523,7 @@
                 <a:spcPct val="100000"/>
               </a:lnSpc>
             </a:pPr>
-            <a:endParaRPr lang="pt-BR" sz="1800" b="0" strike="noStrike" spc="-1">
+            <a:endParaRPr lang="pt-BR" sz="1600" b="0" strike="noStrike" spc="-1" dirty="0">
               <a:solidFill>
                 <a:srgbClr val="000000"/>
               </a:solidFill>
@@ -19522,7 +19542,7 @@
               </a:lnSpc>
             </a:pPr>
             <a:r>
-              <a:rPr lang="pt-BR" sz="2000" b="0" strike="noStrike" spc="-1">
+              <a:rPr lang="pt-BR" sz="1600" b="0" strike="noStrike" spc="-1" dirty="0">
                 <a:solidFill>
                   <a:srgbClr val="000000"/>
                 </a:solidFill>
@@ -19536,7 +19556,7 @@
               </a:rPr>
               <a:t>generic types (similar à templates)</a:t>
             </a:r>
-            <a:endParaRPr lang="pt-BR" sz="1800" b="0" strike="noStrike" spc="-1">
+            <a:endParaRPr lang="pt-BR" sz="1600" b="0" strike="noStrike" spc="-1" dirty="0">
               <a:solidFill>
                 <a:srgbClr val="000000"/>
               </a:solidFill>
@@ -19554,7 +19574,7 @@
                 <a:spcPct val="100000"/>
               </a:lnSpc>
             </a:pPr>
-            <a:endParaRPr lang="pt-BR" sz="1800" b="0" strike="noStrike" spc="-1">
+            <a:endParaRPr lang="pt-BR" sz="1600" b="0" strike="noStrike" spc="-1" dirty="0">
               <a:solidFill>
                 <a:srgbClr val="000000"/>
               </a:solidFill>
@@ -19573,7 +19593,7 @@
               </a:lnSpc>
             </a:pPr>
             <a:r>
-              <a:rPr lang="pt-BR" sz="2000" b="0" strike="noStrike" spc="-1">
+              <a:rPr lang="pt-BR" sz="1600" b="0" strike="noStrike" spc="-1" dirty="0">
                 <a:solidFill>
                   <a:srgbClr val="000000"/>
                 </a:solidFill>
@@ -19587,7 +19607,7 @@
               </a:rPr>
               <a:t>Exemplo: Array[String], Array[Int], Array[Double], … </a:t>
             </a:r>
-            <a:endParaRPr lang="pt-BR" sz="1800" b="0" strike="noStrike" spc="-1">
+            <a:endParaRPr lang="pt-BR" sz="1600" b="0" strike="noStrike" spc="-1" dirty="0">
               <a:solidFill>
                 <a:srgbClr val="000000"/>
               </a:solidFill>
@@ -19605,7 +19625,7 @@
                 <a:spcPct val="100000"/>
               </a:lnSpc>
             </a:pPr>
-            <a:endParaRPr lang="pt-BR" sz="1800" b="0" strike="noStrike" spc="-1">
+            <a:endParaRPr lang="pt-BR" sz="1600" b="0" strike="noStrike" spc="-1" dirty="0">
               <a:solidFill>
                 <a:srgbClr val="000000"/>
               </a:solidFill>
@@ -19624,7 +19644,7 @@
               </a:lnSpc>
             </a:pPr>
             <a:r>
-              <a:rPr lang="pt-BR" sz="2000" b="0" strike="noStrike" spc="-1">
+              <a:rPr lang="pt-BR" sz="1600" b="0" strike="noStrike" spc="-1" dirty="0">
                 <a:solidFill>
                   <a:srgbClr val="000000"/>
                 </a:solidFill>
@@ -19638,7 +19658,7 @@
               </a:rPr>
               <a:t>Também é possvel declarar: Array_1[Int], Array_2[Int]..</a:t>
             </a:r>
-            <a:endParaRPr lang="pt-BR" sz="1800" b="0" strike="noStrike" spc="-1">
+            <a:endParaRPr lang="pt-BR" sz="1600" b="0" strike="noStrike" spc="-1" dirty="0">
               <a:solidFill>
                 <a:srgbClr val="000000"/>
               </a:solidFill>
@@ -21098,7 +21118,7 @@
         <p:spPr>
           <a:xfrm>
             <a:off x="5735880" y="4149000"/>
-            <a:ext cx="2158920" cy="862560"/>
+            <a:ext cx="2158920" cy="648152"/>
           </a:xfrm>
           <a:prstGeom prst="rect">
             <a:avLst/>
@@ -21129,7 +21149,7 @@
               </a:lnSpc>
             </a:pPr>
             <a:r>
-              <a:rPr lang="pt-BR" sz="1600" b="0" strike="noStrike" spc="-1">
+              <a:rPr lang="pt-BR" sz="1600" b="0" strike="noStrike" spc="-1" dirty="0">
                 <a:solidFill>
                   <a:srgbClr val="000000"/>
                 </a:solidFill>
@@ -21143,7 +21163,7 @@
               </a:rPr>
               <a:t>Distribuição:</a:t>
             </a:r>
-            <a:endParaRPr lang="pt-BR" sz="1800" b="0" strike="noStrike" spc="-1">
+            <a:endParaRPr lang="pt-BR" sz="1800" b="0" strike="noStrike" spc="-1" dirty="0">
               <a:solidFill>
                 <a:srgbClr val="000000"/>
               </a:solidFill>
@@ -21167,7 +21187,7 @@
               <a:buChar char="•"/>
             </a:pPr>
             <a:r>
-              <a:rPr lang="pt-BR" sz="1600" b="0" strike="noStrike" spc="-1">
+              <a:rPr lang="pt-BR" sz="1600" b="0" strike="noStrike" spc="-1" dirty="0">
                 <a:solidFill>
                   <a:srgbClr val="000000"/>
                 </a:solidFill>
@@ -21179,33 +21199,10 @@
                 <a:latin typeface="Calibri"/>
                 <a:ea typeface="DejaVu Sans"/>
               </a:rPr>
-              <a:t>at (p) S</a:t>
+              <a:t>at (p) </a:t>
             </a:r>
-            <a:endParaRPr lang="pt-BR" sz="1800" b="0" strike="noStrike" spc="-1">
-              <a:solidFill>
-                <a:srgbClr val="000000"/>
-              </a:solidFill>
-              <a:uFill>
-                <a:solidFill>
-                  <a:srgbClr val="FFFFFF"/>
-                </a:solidFill>
-              </a:uFill>
-              <a:latin typeface="Arial"/>
-            </a:endParaRPr>
-          </a:p>
-          <a:p>
-            <a:pPr marL="285840" indent="-284400" algn="just">
-              <a:lnSpc>
-                <a:spcPct val="100000"/>
-              </a:lnSpc>
-              <a:buClr>
-                <a:srgbClr val="000000"/>
-              </a:buClr>
-              <a:buFont typeface="Arial"/>
-              <a:buChar char="•"/>
-            </a:pPr>
             <a:r>
-              <a:rPr lang="pt-BR" sz="1600" b="0" strike="noStrike" spc="-1">
+              <a:rPr lang="pt-BR" sz="1600" b="0" strike="noStrike" spc="-1" dirty="0" smtClean="0">
                 <a:solidFill>
                   <a:srgbClr val="000000"/>
                 </a:solidFill>
@@ -21217,9 +21214,9 @@
                 <a:latin typeface="Calibri"/>
                 <a:ea typeface="DejaVu Sans"/>
               </a:rPr>
-              <a:t>GlobalRef[T]</a:t>
+              <a:t>S</a:t>
             </a:r>
-            <a:endParaRPr lang="pt-BR" sz="1800" b="0" strike="noStrike" spc="-1">
+            <a:endParaRPr lang="pt-BR" sz="1800" b="0" strike="noStrike" spc="-1" dirty="0">
               <a:solidFill>
                 <a:srgbClr val="000000"/>
               </a:solidFill>
@@ -24384,7 +24381,7 @@
         <p:spPr>
           <a:xfrm>
             <a:off x="609480" y="1600200"/>
-            <a:ext cx="10971360" cy="4524480"/>
+            <a:ext cx="7142704" cy="4524480"/>
           </a:xfrm>
           <a:prstGeom prst="rect">
             <a:avLst/>
@@ -24421,7 +24418,7 @@
               <a:buChar char="•"/>
             </a:pPr>
             <a:r>
-              <a:rPr lang="pt-BR" sz="1600" b="1" strike="noStrike" spc="-1">
+              <a:rPr lang="pt-BR" sz="1600" b="1" strike="noStrike" spc="-1" dirty="0">
                 <a:solidFill>
                   <a:srgbClr val="000000"/>
                 </a:solidFill>
@@ -24435,7 +24432,7 @@
               </a:rPr>
               <a:t>Stmt ::= WhenStmt</a:t>
             </a:r>
-            <a:endParaRPr lang="pt-BR" sz="1800" b="0" strike="noStrike" spc="-1">
+            <a:endParaRPr lang="pt-BR" sz="1800" b="0" strike="noStrike" spc="-1" dirty="0">
               <a:solidFill>
                 <a:srgbClr val="000000"/>
               </a:solidFill>
@@ -24459,7 +24456,7 @@
               <a:buChar char="•"/>
             </a:pPr>
             <a:r>
-              <a:rPr lang="pt-BR" sz="1600" b="1" strike="noStrike" spc="-1">
+              <a:rPr lang="pt-BR" sz="1600" b="1" strike="noStrike" spc="-1" dirty="0">
                 <a:solidFill>
                   <a:srgbClr val="000000"/>
                 </a:solidFill>
@@ -24474,7 +24471,7 @@
               <a:t>WhenStmt ::= </a:t>
             </a:r>
             <a:r>
-              <a:rPr lang="pt-BR" sz="1600" b="1" strike="noStrike" spc="-1">
+              <a:rPr lang="pt-BR" sz="1600" b="1" strike="noStrike" spc="-1" dirty="0">
                 <a:solidFill>
                   <a:srgbClr val="FF0000"/>
                 </a:solidFill>
@@ -24489,7 +24486,7 @@
               <a:t>when</a:t>
             </a:r>
             <a:r>
-              <a:rPr lang="pt-BR" sz="1600" b="1" strike="noStrike" spc="-1">
+              <a:rPr lang="pt-BR" sz="1600" b="1" strike="noStrike" spc="-1" dirty="0">
                 <a:solidFill>
                   <a:srgbClr val="000000"/>
                 </a:solidFill>
@@ -24503,7 +24500,7 @@
               </a:rPr>
               <a:t> ( Expr ) Stmt</a:t>
             </a:r>
-            <a:endParaRPr lang="pt-BR" sz="1800" b="0" strike="noStrike" spc="-1">
+            <a:endParaRPr lang="pt-BR" sz="1800" b="0" strike="noStrike" spc="-1" dirty="0">
               <a:solidFill>
                 <a:srgbClr val="000000"/>
               </a:solidFill>
@@ -24522,7 +24519,7 @@
               </a:lnSpc>
             </a:pPr>
             <a:r>
-              <a:rPr lang="pt-BR" sz="1600" b="1" strike="noStrike" spc="-1">
+              <a:rPr lang="pt-BR" sz="1600" b="1" strike="noStrike" spc="-1" dirty="0">
                 <a:solidFill>
                   <a:srgbClr val="000000"/>
                 </a:solidFill>
@@ -24537,7 +24534,7 @@
               <a:t>	            | WhenStmt </a:t>
             </a:r>
             <a:r>
-              <a:rPr lang="pt-BR" sz="1600" b="1" strike="noStrike" spc="-1">
+              <a:rPr lang="pt-BR" sz="1600" b="1" strike="noStrike" spc="-1" dirty="0">
                 <a:solidFill>
                   <a:srgbClr val="FF0000"/>
                 </a:solidFill>
@@ -24552,7 +24549,7 @@
               <a:t>or</a:t>
             </a:r>
             <a:r>
-              <a:rPr lang="pt-BR" sz="1600" b="1" strike="noStrike" spc="-1">
+              <a:rPr lang="pt-BR" sz="1600" b="1" strike="noStrike" spc="-1" dirty="0">
                 <a:solidFill>
                   <a:srgbClr val="000000"/>
                 </a:solidFill>
@@ -24566,7 +24563,7 @@
               </a:rPr>
               <a:t> (Expr) Stmt</a:t>
             </a:r>
-            <a:endParaRPr lang="pt-BR" sz="1800" b="0" strike="noStrike" spc="-1">
+            <a:endParaRPr lang="pt-BR" sz="1800" b="0" strike="noStrike" spc="-1" dirty="0">
               <a:solidFill>
                 <a:srgbClr val="000000"/>
               </a:solidFill>
@@ -24584,7 +24581,7 @@
                 <a:spcPct val="100000"/>
               </a:lnSpc>
             </a:pPr>
-            <a:endParaRPr lang="pt-BR" sz="1800" b="0" strike="noStrike" spc="-1">
+            <a:endParaRPr lang="pt-BR" sz="1800" b="0" strike="noStrike" spc="-1" dirty="0">
               <a:solidFill>
                 <a:srgbClr val="000000"/>
               </a:solidFill>
@@ -24608,7 +24605,7 @@
               <a:buChar char="•"/>
             </a:pPr>
             <a:r>
-              <a:rPr lang="pt-BR" sz="1600" b="0" strike="noStrike" spc="-1">
+              <a:rPr lang="pt-BR" sz="1600" b="0" strike="noStrike" spc="-1" dirty="0">
                 <a:solidFill>
                   <a:srgbClr val="000000"/>
                 </a:solidFill>
@@ -24622,7 +24619,7 @@
               </a:rPr>
               <a:t>when (E) { ... }</a:t>
             </a:r>
-            <a:endParaRPr lang="pt-BR" sz="1800" b="0" strike="noStrike" spc="-1">
+            <a:endParaRPr lang="pt-BR" sz="1800" b="0" strike="noStrike" spc="-1" dirty="0">
               <a:solidFill>
                 <a:srgbClr val="000000"/>
               </a:solidFill>
@@ -24640,7 +24637,7 @@
                 <a:spcPct val="100000"/>
               </a:lnSpc>
             </a:pPr>
-            <a:endParaRPr lang="pt-BR" sz="1800" b="0" strike="noStrike" spc="-1">
+            <a:endParaRPr lang="pt-BR" sz="1800" b="0" strike="noStrike" spc="-1" dirty="0">
               <a:solidFill>
                 <a:srgbClr val="000000"/>
               </a:solidFill>
@@ -24664,7 +24661,7 @@
               <a:buChar char="•"/>
             </a:pPr>
             <a:r>
-              <a:rPr lang="pt-BR" sz="1600" b="0" strike="noStrike" spc="-1">
+              <a:rPr lang="pt-BR" sz="1600" b="0" strike="noStrike" spc="-1" dirty="0">
                 <a:solidFill>
                   <a:srgbClr val="000000"/>
                 </a:solidFill>
@@ -24678,7 +24675,7 @@
               </a:rPr>
               <a:t>Suspende uma atividade até que o estado de uma expressão booleana E seja verdadeira</a:t>
             </a:r>
-            <a:endParaRPr lang="pt-BR" sz="1800" b="0" strike="noStrike" spc="-1">
+            <a:endParaRPr lang="pt-BR" sz="1800" b="0" strike="noStrike" spc="-1" dirty="0">
               <a:solidFill>
                 <a:srgbClr val="000000"/>
               </a:solidFill>
@@ -24702,7 +24699,7 @@
               <a:buChar char="–"/>
             </a:pPr>
             <a:r>
-              <a:rPr lang="pt-BR" sz="1400" b="0" strike="noStrike" spc="-1">
+              <a:rPr lang="pt-BR" sz="1400" b="0" strike="noStrike" spc="-1" dirty="0">
                 <a:solidFill>
                   <a:srgbClr val="000000"/>
                 </a:solidFill>
@@ -24716,7 +24713,7 @@
               </a:rPr>
               <a:t>Quando isso acontece, S é executada atomicamente e isoladamente</a:t>
             </a:r>
-            <a:endParaRPr lang="pt-BR" sz="1800" b="0" strike="noStrike" spc="-1">
+            <a:endParaRPr lang="pt-BR" sz="1800" b="0" strike="noStrike" spc="-1" dirty="0">
               <a:solidFill>
                 <a:srgbClr val="000000"/>
               </a:solidFill>
@@ -24734,7 +24731,7 @@
                 <a:spcPct val="100000"/>
               </a:lnSpc>
             </a:pPr>
-            <a:endParaRPr lang="pt-BR" sz="1800" b="0" strike="noStrike" spc="-1">
+            <a:endParaRPr lang="pt-BR" sz="1800" b="0" strike="noStrike" spc="-1" dirty="0">
               <a:solidFill>
                 <a:srgbClr val="000000"/>
               </a:solidFill>
@@ -24760,7 +24757,7 @@
         </p:blipFill>
         <p:spPr>
           <a:xfrm>
-            <a:off x="9086760" y="2724840"/>
+            <a:off x="3359696" y="4293096"/>
             <a:ext cx="2494080" cy="2275200"/>
           </a:xfrm>
           <a:prstGeom prst="rect">
@@ -24769,6 +24766,60 @@
           <a:ln>
             <a:noFill/>
           </a:ln>
+        </p:spPr>
+      </p:pic>
+      <p:pic>
+        <p:nvPicPr>
+          <p:cNvPr id="2050" name="Picture 2"/>
+          <p:cNvPicPr>
+            <a:picLocks noChangeAspect="1" noChangeArrowheads="1"/>
+          </p:cNvPicPr>
+          <p:nvPr/>
+        </p:nvPicPr>
+        <p:blipFill>
+          <a:blip r:embed="rId3">
+            <a:extLst>
+              <a:ext uri="{28A0092B-C50C-407E-A947-70E740481C1C}">
+                <a14:useLocalDpi xmlns:a14="http://schemas.microsoft.com/office/drawing/2010/main" val="0"/>
+              </a:ext>
+            </a:extLst>
+          </a:blip>
+          <a:srcRect/>
+          <a:stretch>
+            <a:fillRect/>
+          </a:stretch>
+        </p:blipFill>
+        <p:spPr bwMode="auto">
+          <a:xfrm>
+            <a:off x="8112224" y="274680"/>
+            <a:ext cx="3829050" cy="6362700"/>
+          </a:xfrm>
+          <a:prstGeom prst="rect">
+            <a:avLst/>
+          </a:prstGeom>
+          <a:noFill/>
+          <a:ln>
+            <a:noFill/>
+          </a:ln>
+          <a:extLst>
+            <a:ext uri="{909E8E84-426E-40DD-AFC4-6F175D3DCCD1}">
+              <a14:hiddenFill xmlns:a14="http://schemas.microsoft.com/office/drawing/2010/main">
+                <a:solidFill>
+                  <a:schemeClr val="accent1"/>
+                </a:solidFill>
+              </a14:hiddenFill>
+            </a:ext>
+            <a:ext uri="{91240B29-F687-4F45-9708-019B960494DF}">
+              <a14:hiddenLine xmlns:a14="http://schemas.microsoft.com/office/drawing/2010/main" w="9525">
+                <a:solidFill>
+                  <a:schemeClr val="tx1"/>
+                </a:solidFill>
+                <a:miter lim="800000"/>
+                <a:headEnd/>
+                <a:tailEnd/>
+              </a14:hiddenLine>
+            </a:ext>
+          </a:extLst>
         </p:spPr>
       </p:pic>
     </p:spTree>
@@ -25917,7 +25968,37 @@
                 <a:latin typeface="Calibri"/>
                 <a:ea typeface="DejaVu Sans"/>
               </a:rPr>
-              <a:t>O programa é dito que possui uma “visão global” quando todas as threads compartilham um único espaço de endereçamento (OpenMP), compartilham o mesmo dado, mal modelo para compartilhar dados causa condições de corrida.</a:t>
+              <a:t>O programa é dito que possui uma “visão global” quando todas as threads compartilham um único espaço de endereçamento (OpenMP), compartilham o mesmo dado, </a:t>
+            </a:r>
+            <a:r>
+              <a:rPr lang="pt-BR" sz="1600" b="0" strike="noStrike" spc="-1" dirty="0" smtClean="0">
+                <a:solidFill>
+                  <a:srgbClr val="000000"/>
+                </a:solidFill>
+                <a:uFill>
+                  <a:solidFill>
+                    <a:srgbClr val="FFFFFF"/>
+                  </a:solidFill>
+                </a:uFill>
+                <a:latin typeface="Calibri"/>
+                <a:ea typeface="DejaVu Sans"/>
+              </a:rPr>
+              <a:t>um mal </a:t>
+            </a:r>
+            <a:r>
+              <a:rPr lang="pt-BR" sz="1600" b="0" strike="noStrike" spc="-1" dirty="0">
+                <a:solidFill>
+                  <a:srgbClr val="000000"/>
+                </a:solidFill>
+                <a:uFill>
+                  <a:solidFill>
+                    <a:srgbClr val="FFFFFF"/>
+                  </a:solidFill>
+                </a:uFill>
+                <a:latin typeface="Calibri"/>
+                <a:ea typeface="DejaVu Sans"/>
+              </a:rPr>
+              <a:t>modelo para compartilhar dados causa condições de corrida.</a:t>
             </a:r>
             <a:endParaRPr lang="pt-BR" sz="1600" b="0" strike="noStrike" spc="-1" dirty="0">
               <a:solidFill>
@@ -26514,29 +26595,6 @@
           <a:chExt cx="0" cy="0"/>
         </a:xfrm>
       </p:grpSpPr>
-      <p:pic>
-        <p:nvPicPr>
-          <p:cNvPr id="409" name="Picture 408"/>
-          <p:cNvPicPr/>
-          <p:nvPr/>
-        </p:nvPicPr>
-        <p:blipFill>
-          <a:blip r:embed="rId2"/>
-          <a:stretch/>
-        </p:blipFill>
-        <p:spPr>
-          <a:xfrm>
-            <a:off x="4583832" y="1600200"/>
-            <a:ext cx="7415640" cy="3326760"/>
-          </a:xfrm>
-          <a:prstGeom prst="rect">
-            <a:avLst/>
-          </a:prstGeom>
-          <a:ln>
-            <a:noFill/>
-          </a:ln>
-        </p:spPr>
-      </p:pic>
       <p:sp>
         <p:nvSpPr>
           <p:cNvPr id="406" name="CustomShape 1"/>
@@ -26606,7 +26664,7 @@
               </a:lnSpc>
             </a:pPr>
             <a:r>
-              <a:rPr lang="pt-BR" sz="1800" b="0" strike="noStrike" spc="-1" dirty="0">
+              <a:rPr lang="pt-BR" sz="1800" b="0" strike="noStrike" spc="-1" dirty="0" smtClean="0">
                 <a:solidFill>
                   <a:srgbClr val="000000"/>
                 </a:solidFill>
@@ -26618,78 +26676,9 @@
                 <a:latin typeface="Calibri"/>
                 <a:ea typeface="DejaVu Sans"/>
               </a:rPr>
-              <a:t>Reducible e DistArray</a:t>
+              <a:t>DistArray</a:t>
             </a:r>
             <a:endParaRPr lang="pt-BR" sz="1800" b="0" strike="noStrike" spc="-1" dirty="0">
-              <a:solidFill>
-                <a:srgbClr val="000000"/>
-              </a:solidFill>
-              <a:uFill>
-                <a:solidFill>
-                  <a:srgbClr val="FFFFFF"/>
-                </a:solidFill>
-              </a:uFill>
-              <a:latin typeface="Arial"/>
-            </a:endParaRPr>
-          </a:p>
-        </p:txBody>
-      </p:sp>
-      <p:sp>
-        <p:nvSpPr>
-          <p:cNvPr id="407" name="CustomShape 2"/>
-          <p:cNvSpPr/>
-          <p:nvPr/>
-        </p:nvSpPr>
-        <p:spPr>
-          <a:xfrm>
-            <a:off x="7576512" y="4974885"/>
-            <a:ext cx="1430280" cy="364320"/>
-          </a:xfrm>
-          <a:prstGeom prst="rect">
-            <a:avLst/>
-          </a:prstGeom>
-          <a:noFill/>
-          <a:ln>
-            <a:noFill/>
-          </a:ln>
-        </p:spPr>
-        <p:style>
-          <a:lnRef idx="0">
-            <a:scrgbClr r="0" g="0" b="0"/>
-          </a:lnRef>
-          <a:fillRef idx="0">
-            <a:scrgbClr r="0" g="0" b="0"/>
-          </a:fillRef>
-          <a:effectRef idx="0">
-            <a:scrgbClr r="0" g="0" b="0"/>
-          </a:effectRef>
-          <a:fontRef idx="minor"/>
-        </p:style>
-        <p:txBody>
-          <a:bodyPr wrap="none" lIns="90000" tIns="45000" rIns="90000" bIns="45000"/>
-          <a:lstStyle/>
-          <a:p>
-            <a:pPr>
-              <a:lnSpc>
-                <a:spcPct val="100000"/>
-              </a:lnSpc>
-            </a:pPr>
-            <a:r>
-              <a:rPr lang="pt-BR" sz="1600" b="0" strike="noStrike" spc="-1" dirty="0">
-                <a:solidFill>
-                  <a:srgbClr val="000000"/>
-                </a:solidFill>
-                <a:uFill>
-                  <a:solidFill>
-                    <a:srgbClr val="FFFFFF"/>
-                  </a:solidFill>
-                </a:uFill>
-                <a:latin typeface="Consolas"/>
-                <a:ea typeface="DejaVu Sans"/>
-              </a:rPr>
-              <a:t>Sum: 900.0</a:t>
-            </a:r>
-            <a:endParaRPr lang="pt-BR" sz="1600" b="0" strike="noStrike" spc="-1" dirty="0">
               <a:solidFill>
                 <a:srgbClr val="000000"/>
               </a:solidFill>
@@ -26809,7 +26798,7 @@
               <a:buChar char="•"/>
             </a:pPr>
             <a:r>
-              <a:rPr lang="pt-BR" sz="1600" b="1" spc="-1" dirty="0">
+              <a:rPr lang="pt-BR" sz="1600" spc="-1" dirty="0" smtClean="0">
                 <a:solidFill>
                   <a:srgbClr val="000000"/>
                 </a:solidFill>
@@ -26821,7 +26810,7 @@
                 <a:latin typeface="Calibri" panose="020F0502020204030204" pitchFamily="34" charset="0"/>
                 <a:cs typeface="Calibri" panose="020F0502020204030204" pitchFamily="34" charset="0"/>
               </a:rPr>
-              <a:t>DistArray: </a:t>
+              <a:t>classe </a:t>
             </a:r>
             <a:r>
               <a:rPr lang="pt-BR" sz="1600" spc="-1" dirty="0">
@@ -26836,53 +26825,10 @@
                 <a:latin typeface="Calibri" panose="020F0502020204030204" pitchFamily="34" charset="0"/>
                 <a:cs typeface="Calibri" panose="020F0502020204030204" pitchFamily="34" charset="0"/>
               </a:rPr>
-              <a:t>classe abstrata, extensão de classe array. Pode ser usada para distribuir um array a cada place do PlaceGroup. </a:t>
+              <a:t>abstrata, extensão de classe array. Pode ser usada para distribuir um array a cada place do </a:t>
             </a:r>
-            <a:endParaRPr lang="pt-BR" sz="1600" b="0" strike="noStrike" spc="-1" dirty="0" smtClean="0">
-              <a:solidFill>
-                <a:srgbClr val="000000"/>
-              </a:solidFill>
-              <a:uFill>
-                <a:solidFill>
-                  <a:srgbClr val="FFFFFF"/>
-                </a:solidFill>
-              </a:uFill>
-              <a:latin typeface="Calibri" panose="020F0502020204030204" pitchFamily="34" charset="0"/>
-              <a:cs typeface="Calibri" panose="020F0502020204030204" pitchFamily="34" charset="0"/>
-            </a:endParaRPr>
-          </a:p>
-          <a:p>
-            <a:pPr>
-              <a:lnSpc>
-                <a:spcPct val="90000"/>
-              </a:lnSpc>
-            </a:pPr>
-            <a:endParaRPr lang="pt-BR" sz="1600" b="0" strike="noStrike" spc="-1" dirty="0" smtClean="0">
-              <a:solidFill>
-                <a:srgbClr val="000000"/>
-              </a:solidFill>
-              <a:uFill>
-                <a:solidFill>
-                  <a:srgbClr val="FFFFFF"/>
-                </a:solidFill>
-              </a:uFill>
-              <a:latin typeface="Calibri" panose="020F0502020204030204" pitchFamily="34" charset="0"/>
-              <a:cs typeface="Calibri" panose="020F0502020204030204" pitchFamily="34" charset="0"/>
-            </a:endParaRPr>
-          </a:p>
-          <a:p>
-            <a:pPr marL="228600" indent="-227880">
-              <a:lnSpc>
-                <a:spcPct val="90000"/>
-              </a:lnSpc>
-              <a:buClr>
-                <a:srgbClr val="000000"/>
-              </a:buClr>
-              <a:buFont typeface="Arial"/>
-              <a:buChar char="•"/>
-            </a:pPr>
             <a:r>
-              <a:rPr lang="pt-BR" sz="1600" b="1" spc="-1" dirty="0">
+              <a:rPr lang="pt-BR" sz="1600" spc="-1" dirty="0" smtClean="0">
                 <a:solidFill>
                   <a:srgbClr val="000000"/>
                 </a:solidFill>
@@ -26894,24 +26840,9 @@
                 <a:latin typeface="Calibri" panose="020F0502020204030204" pitchFamily="34" charset="0"/>
                 <a:cs typeface="Calibri" panose="020F0502020204030204" pitchFamily="34" charset="0"/>
               </a:rPr>
-              <a:t>Reducible: </a:t>
+              <a:t>PlaceGroup</a:t>
             </a:r>
-            <a:r>
-              <a:rPr lang="pt-BR" sz="1600" spc="-1" dirty="0">
-                <a:solidFill>
-                  <a:srgbClr val="000000"/>
-                </a:solidFill>
-                <a:uFill>
-                  <a:solidFill>
-                    <a:srgbClr val="FFFFFF"/>
-                  </a:solidFill>
-                </a:uFill>
-                <a:latin typeface="Calibri" panose="020F0502020204030204" pitchFamily="34" charset="0"/>
-                <a:cs typeface="Calibri" panose="020F0502020204030204" pitchFamily="34" charset="0"/>
-              </a:rPr>
-              <a:t>operação de redução, onde cada place do exemplo executa parte da soma e a chamada offer recebe o valor de cada place para a soma.</a:t>
-            </a:r>
-            <a:endParaRPr lang="pt-BR" sz="1600" b="0" strike="noStrike" spc="-1" dirty="0">
+            <a:endParaRPr lang="pt-BR" sz="1600" b="0" strike="noStrike" spc="-1" dirty="0" smtClean="0">
               <a:solidFill>
                 <a:srgbClr val="000000"/>
               </a:solidFill>
@@ -26926,7 +26857,36 @@
           </a:p>
         </p:txBody>
       </p:sp>
+      <p:pic>
+        <p:nvPicPr>
+          <p:cNvPr id="7" name="Picture 6"/>
+          <p:cNvPicPr>
+            <a:picLocks noChangeAspect="1"/>
+          </p:cNvPicPr>
+          <p:nvPr/>
+        </p:nvPicPr>
+        <p:blipFill>
+          <a:blip r:embed="rId2"/>
+          <a:stretch>
+            <a:fillRect/>
+          </a:stretch>
+        </p:blipFill>
+        <p:spPr>
+          <a:xfrm>
+            <a:off x="4854252" y="1512000"/>
+            <a:ext cx="6210300" cy="3638550"/>
+          </a:xfrm>
+          <a:prstGeom prst="rect">
+            <a:avLst/>
+          </a:prstGeom>
+        </p:spPr>
+      </p:pic>
     </p:spTree>
+    <p:extLst>
+      <p:ext uri="{BB962C8B-B14F-4D97-AF65-F5344CB8AC3E}">
+        <p14:creationId xmlns:p14="http://schemas.microsoft.com/office/powerpoint/2010/main" val="3034113064"/>
+      </p:ext>
+    </p:extLst>
   </p:cSld>
   <p:clrMapOvr>
     <a:masterClrMapping/>
@@ -26980,7 +26940,7 @@
       </p:grpSpPr>
       <p:pic>
         <p:nvPicPr>
-          <p:cNvPr id="396" name="Picture 10"/>
+          <p:cNvPr id="409" name="Picture 408"/>
           <p:cNvPicPr/>
           <p:nvPr/>
         </p:nvPicPr>
@@ -26990,8 +26950,8 @@
         </p:blipFill>
         <p:spPr>
           <a:xfrm>
-            <a:off x="7104240" y="1600200"/>
-            <a:ext cx="4087800" cy="3870360"/>
+            <a:off x="4583832" y="1600200"/>
+            <a:ext cx="7415640" cy="3326760"/>
           </a:xfrm>
           <a:prstGeom prst="rect">
             <a:avLst/>
@@ -27003,14 +26963,14 @@
       </p:pic>
       <p:sp>
         <p:nvSpPr>
-          <p:cNvPr id="397" name="CustomShape 1"/>
+          <p:cNvPr id="406" name="CustomShape 1"/>
           <p:cNvSpPr/>
           <p:nvPr/>
         </p:nvSpPr>
         <p:spPr>
           <a:xfrm>
-            <a:off x="609480" y="274680"/>
-            <a:ext cx="10971360" cy="1141560"/>
+            <a:off x="609480" y="273600"/>
+            <a:ext cx="10971720" cy="1144080"/>
           </a:xfrm>
           <a:prstGeom prst="rect">
             <a:avLst/>
@@ -27036,11 +26996,6 @@
           <a:bodyPr lIns="90000" tIns="45000" rIns="90000" bIns="45000" anchor="ctr"/>
           <a:lstStyle/>
           <a:p>
-            <a:pPr>
-              <a:lnSpc>
-                <a:spcPct val="100000"/>
-              </a:lnSpc>
-            </a:pPr>
             <a:r>
               <a:rPr lang="pt-BR" sz="2400" b="0" strike="noStrike" spc="-1" dirty="0">
                 <a:solidFill>
@@ -27071,11 +27026,11 @@
           <a:p>
             <a:pPr>
               <a:lnSpc>
-                <a:spcPct val="100000"/>
+                <a:spcPct val="90000"/>
               </a:lnSpc>
             </a:pPr>
             <a:r>
-              <a:rPr lang="pt-BR" sz="1800" b="0" i="1" strike="noStrike" spc="-1" dirty="0">
+              <a:rPr lang="pt-BR" sz="1800" b="0" strike="noStrike" spc="-1" dirty="0" smtClean="0">
                 <a:solidFill>
                   <a:srgbClr val="000000"/>
                 </a:solidFill>
@@ -27087,7 +27042,7 @@
                 <a:latin typeface="Calibri"/>
                 <a:ea typeface="DejaVu Sans"/>
               </a:rPr>
-              <a:t>GlobalRef</a:t>
+              <a:t>Reducible</a:t>
             </a:r>
             <a:endParaRPr lang="pt-BR" sz="1800" b="0" strike="noStrike" spc="-1" dirty="0">
               <a:solidFill>
@@ -27105,14 +27060,143 @@
       </p:sp>
       <p:sp>
         <p:nvSpPr>
-          <p:cNvPr id="398" name="CustomShape 2"/>
+          <p:cNvPr id="407" name="CustomShape 2"/>
           <p:cNvSpPr/>
           <p:nvPr/>
         </p:nvSpPr>
         <p:spPr>
           <a:xfrm>
+            <a:off x="7576512" y="4974885"/>
+            <a:ext cx="1430280" cy="364320"/>
+          </a:xfrm>
+          <a:prstGeom prst="rect">
+            <a:avLst/>
+          </a:prstGeom>
+          <a:noFill/>
+          <a:ln>
+            <a:noFill/>
+          </a:ln>
+        </p:spPr>
+        <p:style>
+          <a:lnRef idx="0">
+            <a:scrgbClr r="0" g="0" b="0"/>
+          </a:lnRef>
+          <a:fillRef idx="0">
+            <a:scrgbClr r="0" g="0" b="0"/>
+          </a:fillRef>
+          <a:effectRef idx="0">
+            <a:scrgbClr r="0" g="0" b="0"/>
+          </a:effectRef>
+          <a:fontRef idx="minor"/>
+        </p:style>
+        <p:txBody>
+          <a:bodyPr wrap="none" lIns="90000" tIns="45000" rIns="90000" bIns="45000"/>
+          <a:lstStyle/>
+          <a:p>
+            <a:pPr>
+              <a:lnSpc>
+                <a:spcPct val="100000"/>
+              </a:lnSpc>
+            </a:pPr>
+            <a:r>
+              <a:rPr lang="pt-BR" sz="1600" b="0" strike="noStrike" spc="-1" dirty="0">
+                <a:solidFill>
+                  <a:srgbClr val="000000"/>
+                </a:solidFill>
+                <a:uFill>
+                  <a:solidFill>
+                    <a:srgbClr val="FFFFFF"/>
+                  </a:solidFill>
+                </a:uFill>
+                <a:latin typeface="Consolas"/>
+                <a:ea typeface="DejaVu Sans"/>
+              </a:rPr>
+              <a:t>Sum: 900.0</a:t>
+            </a:r>
+            <a:endParaRPr lang="pt-BR" sz="1600" b="0" strike="noStrike" spc="-1" dirty="0">
+              <a:solidFill>
+                <a:srgbClr val="000000"/>
+              </a:solidFill>
+              <a:uFill>
+                <a:solidFill>
+                  <a:srgbClr val="FFFFFF"/>
+                </a:solidFill>
+              </a:uFill>
+              <a:latin typeface="Arial"/>
+            </a:endParaRPr>
+          </a:p>
+        </p:txBody>
+      </p:sp>
+      <p:sp>
+        <p:nvSpPr>
+          <p:cNvPr id="408" name="CustomShape 3"/>
+          <p:cNvSpPr/>
+          <p:nvPr/>
+        </p:nvSpPr>
+        <p:spPr>
+          <a:xfrm>
+            <a:off x="7531920" y="1512000"/>
+            <a:ext cx="4203720" cy="3095640"/>
+          </a:xfrm>
+          <a:prstGeom prst="rect">
+            <a:avLst/>
+          </a:prstGeom>
+          <a:noFill/>
+          <a:ln>
+            <a:noFill/>
+          </a:ln>
+        </p:spPr>
+        <p:style>
+          <a:lnRef idx="0">
+            <a:scrgbClr r="0" g="0" b="0"/>
+          </a:lnRef>
+          <a:fillRef idx="0">
+            <a:scrgbClr r="0" g="0" b="0"/>
+          </a:fillRef>
+          <a:effectRef idx="0">
+            <a:scrgbClr r="0" g="0" b="0"/>
+          </a:effectRef>
+          <a:fontRef idx="minor"/>
+        </p:style>
+        <p:txBody>
+          <a:bodyPr lIns="0" tIns="0" rIns="0" bIns="0" anchor="ctr"/>
+          <a:lstStyle/>
+          <a:p>
+            <a:pPr marL="228600" indent="-227880">
+              <a:lnSpc>
+                <a:spcPct val="90000"/>
+              </a:lnSpc>
+              <a:buClr>
+                <a:srgbClr val="000000"/>
+              </a:buClr>
+              <a:buFont typeface="Arial"/>
+              <a:buChar char="•"/>
+            </a:pPr>
+            <a:endParaRPr lang="pt-BR" sz="1600" b="0" strike="noStrike" spc="-1" dirty="0">
+              <a:solidFill>
+                <a:srgbClr val="000000"/>
+              </a:solidFill>
+              <a:uFill>
+                <a:solidFill>
+                  <a:srgbClr val="FFFFFF"/>
+                </a:solidFill>
+              </a:uFill>
+              <a:latin typeface="Calibri" panose="020F0502020204030204" pitchFamily="34" charset="0"/>
+              <a:cs typeface="Calibri" panose="020F0502020204030204" pitchFamily="34" charset="0"/>
+            </a:endParaRPr>
+          </a:p>
+        </p:txBody>
+      </p:sp>
+      <p:sp>
+        <p:nvSpPr>
+          <p:cNvPr id="6" name="CustomShape 2"/>
+          <p:cNvSpPr/>
+          <p:nvPr/>
+        </p:nvSpPr>
+        <p:spPr>
+          <a:xfrm>
             <a:off x="609480" y="1600200"/>
-            <a:ext cx="10971360" cy="4524480"/>
+            <a:ext cx="3974352" cy="4524480"/>
           </a:xfrm>
           <a:prstGeom prst="rect">
             <a:avLst/>
@@ -27138,82 +27222,33 @@
           <a:bodyPr lIns="90000" tIns="45000" rIns="90000" bIns="45000"/>
           <a:lstStyle/>
           <a:p>
-            <a:pPr>
+            <a:pPr marL="228600" indent="-227880">
               <a:lnSpc>
-                <a:spcPct val="100000"/>
+                <a:spcPct val="90000"/>
               </a:lnSpc>
-            </a:pPr>
-            <a:endParaRPr lang="pt-BR" sz="1800" b="0" strike="noStrike" spc="-1">
-              <a:solidFill>
-                <a:srgbClr val="000000"/>
-              </a:solidFill>
-              <a:uFill>
-                <a:solidFill>
-                  <a:srgbClr val="FFFFFF"/>
-                </a:solidFill>
-              </a:uFill>
-              <a:latin typeface="Arial"/>
-            </a:endParaRPr>
-          </a:p>
-          <a:p>
-            <a:pPr>
-              <a:lnSpc>
-                <a:spcPct val="100000"/>
-              </a:lnSpc>
-            </a:pPr>
-            <a:endParaRPr lang="pt-BR" sz="1800" b="0" strike="noStrike" spc="-1">
-              <a:solidFill>
-                <a:srgbClr val="000000"/>
-              </a:solidFill>
-              <a:uFill>
-                <a:solidFill>
-                  <a:srgbClr val="FFFFFF"/>
-                </a:solidFill>
-              </a:uFill>
-              <a:latin typeface="Arial"/>
-            </a:endParaRPr>
-          </a:p>
-          <a:p>
-            <a:pPr>
-              <a:lnSpc>
-                <a:spcPct val="100000"/>
-              </a:lnSpc>
-            </a:pPr>
-            <a:endParaRPr lang="pt-BR" sz="1800" b="0" strike="noStrike" spc="-1">
-              <a:solidFill>
-                <a:srgbClr val="000000"/>
-              </a:solidFill>
-              <a:uFill>
-                <a:solidFill>
-                  <a:srgbClr val="FFFFFF"/>
-                </a:solidFill>
-              </a:uFill>
-              <a:latin typeface="Arial"/>
-            </a:endParaRPr>
-          </a:p>
-          <a:p>
-            <a:pPr>
-              <a:lnSpc>
-                <a:spcPct val="100000"/>
-              </a:lnSpc>
+              <a:buClr>
+                <a:srgbClr val="000000"/>
+              </a:buClr>
+              <a:buFont typeface="Arial"/>
+              <a:buChar char="•"/>
             </a:pPr>
             <a:r>
-              <a:rPr lang="pt-BR" sz="1400" b="0" strike="noStrike" spc="-1">
-                <a:solidFill>
-                  <a:srgbClr val="910F93"/>
+              <a:rPr lang="pt-BR" sz="1600" spc="-1" dirty="0" smtClean="0">
+                <a:solidFill>
+                  <a:srgbClr val="000000"/>
                 </a:solidFill>
                 <a:uFill>
                   <a:solidFill>
                     <a:srgbClr val="FFFFFF"/>
                   </a:solidFill>
                 </a:uFill>
-                <a:latin typeface="Monaco"/>
-                <a:ea typeface="DejaVu Sans"/>
+                <a:latin typeface="Calibri" panose="020F0502020204030204" pitchFamily="34" charset="0"/>
+                <a:cs typeface="Calibri" panose="020F0502020204030204" pitchFamily="34" charset="0"/>
               </a:rPr>
-              <a:t>class</a:t>
+              <a:t>operação </a:t>
             </a:r>
             <a:r>
-              <a:rPr lang="pt-BR" sz="1400" b="0" strike="noStrike" spc="-1">
+              <a:rPr lang="pt-BR" sz="1600" spc="-1" dirty="0">
                 <a:solidFill>
                   <a:srgbClr val="000000"/>
                 </a:solidFill>
@@ -27222,31 +27257,13 @@
                     <a:srgbClr val="FFFFFF"/>
                   </a:solidFill>
                 </a:uFill>
-                <a:latin typeface="Monaco"/>
-                <a:ea typeface="DejaVu Sans"/>
+                <a:latin typeface="Calibri" panose="020F0502020204030204" pitchFamily="34" charset="0"/>
+                <a:cs typeface="Calibri" panose="020F0502020204030204" pitchFamily="34" charset="0"/>
               </a:rPr>
-              <a:t> Driver {</a:t>
+              <a:t>de redução, onde cada place do exemplo executa parte da soma e a chamada offer recebe o valor de cada place para a </a:t>
             </a:r>
-            <a:endParaRPr lang="pt-BR" sz="1800" b="0" strike="noStrike" spc="-1">
-              <a:solidFill>
-                <a:srgbClr val="000000"/>
-              </a:solidFill>
-              <a:uFill>
-                <a:solidFill>
-                  <a:srgbClr val="FFFFFF"/>
-                </a:solidFill>
-              </a:uFill>
-              <a:latin typeface="Arial"/>
-            </a:endParaRPr>
-          </a:p>
-          <a:p>
-            <a:pPr>
-              <a:lnSpc>
-                <a:spcPct val="100000"/>
-              </a:lnSpc>
-            </a:pPr>
             <a:r>
-              <a:rPr lang="pt-BR" sz="1400" b="0" strike="noStrike" spc="-1">
+              <a:rPr lang="pt-BR" sz="1600" spc="-1" dirty="0" smtClean="0">
                 <a:solidFill>
                   <a:srgbClr val="000000"/>
                 </a:solidFill>
@@ -27255,915 +27272,22 @@
                     <a:srgbClr val="FFFFFF"/>
                   </a:solidFill>
                 </a:uFill>
-                <a:latin typeface="Monaco"/>
-                <a:ea typeface="DejaVu Sans"/>
+                <a:latin typeface="Calibri" panose="020F0502020204030204" pitchFamily="34" charset="0"/>
+                <a:cs typeface="Calibri" panose="020F0502020204030204" pitchFamily="34" charset="0"/>
               </a:rPr>
-              <a:t>  </a:t>
+              <a:t>soma</a:t>
             </a:r>
-            <a:r>
-              <a:rPr lang="pt-BR" sz="1400" b="0" strike="noStrike" spc="-1">
-                <a:solidFill>
-                  <a:srgbClr val="910F93"/>
-                </a:solidFill>
-                <a:uFill>
-                  <a:solidFill>
-                    <a:srgbClr val="FFFFFF"/>
-                  </a:solidFill>
-                </a:uFill>
-                <a:latin typeface="Monaco"/>
-                <a:ea typeface="DejaVu Sans"/>
-              </a:rPr>
-              <a:t>public</a:t>
-            </a:r>
-            <a:r>
-              <a:rPr lang="pt-BR" sz="1400" b="0" strike="noStrike" spc="-1">
-                <a:solidFill>
-                  <a:srgbClr val="000000"/>
-                </a:solidFill>
-                <a:uFill>
-                  <a:solidFill>
-                    <a:srgbClr val="FFFFFF"/>
-                  </a:solidFill>
-                </a:uFill>
-                <a:latin typeface="Monaco"/>
-                <a:ea typeface="DejaVu Sans"/>
-              </a:rPr>
-              <a:t> </a:t>
-            </a:r>
-            <a:r>
-              <a:rPr lang="pt-BR" sz="1400" b="0" strike="noStrike" spc="-1">
-                <a:solidFill>
-                  <a:srgbClr val="910F93"/>
-                </a:solidFill>
-                <a:uFill>
-                  <a:solidFill>
-                    <a:srgbClr val="FFFFFF"/>
-                  </a:solidFill>
-                </a:uFill>
-                <a:latin typeface="Monaco"/>
-                <a:ea typeface="DejaVu Sans"/>
-              </a:rPr>
-              <a:t>static</a:t>
-            </a:r>
-            <a:r>
-              <a:rPr lang="pt-BR" sz="1400" b="0" strike="noStrike" spc="-1">
-                <a:solidFill>
-                  <a:srgbClr val="000000"/>
-                </a:solidFill>
-                <a:uFill>
-                  <a:solidFill>
-                    <a:srgbClr val="FFFFFF"/>
-                  </a:solidFill>
-                </a:uFill>
-                <a:latin typeface="Monaco"/>
-                <a:ea typeface="DejaVu Sans"/>
-              </a:rPr>
-              <a:t> </a:t>
-            </a:r>
-            <a:r>
-              <a:rPr lang="pt-BR" sz="1400" b="0" strike="noStrike" spc="-1">
-                <a:solidFill>
-                  <a:srgbClr val="910F93"/>
-                </a:solidFill>
-                <a:uFill>
-                  <a:solidFill>
-                    <a:srgbClr val="FFFFFF"/>
-                  </a:solidFill>
-                </a:uFill>
-                <a:latin typeface="Monaco"/>
-                <a:ea typeface="DejaVu Sans"/>
-              </a:rPr>
-              <a:t>def</a:t>
-            </a:r>
-            <a:r>
-              <a:rPr lang="pt-BR" sz="1400" b="0" strike="noStrike" spc="-1">
-                <a:solidFill>
-                  <a:srgbClr val="000000"/>
-                </a:solidFill>
-                <a:uFill>
-                  <a:solidFill>
-                    <a:srgbClr val="FFFFFF"/>
-                  </a:solidFill>
-                </a:uFill>
-                <a:latin typeface="Monaco"/>
-                <a:ea typeface="DejaVu Sans"/>
-              </a:rPr>
-              <a:t> main(args:Array[String](1)):Void {</a:t>
-            </a:r>
-            <a:endParaRPr lang="pt-BR" sz="1800" b="0" strike="noStrike" spc="-1">
-              <a:solidFill>
-                <a:srgbClr val="000000"/>
-              </a:solidFill>
-              <a:uFill>
-                <a:solidFill>
-                  <a:srgbClr val="FFFFFF"/>
-                </a:solidFill>
-              </a:uFill>
-              <a:latin typeface="Arial"/>
-            </a:endParaRPr>
-          </a:p>
-          <a:p>
-            <a:pPr>
-              <a:lnSpc>
-                <a:spcPct val="100000"/>
-              </a:lnSpc>
-            </a:pPr>
-            <a:r>
-              <a:rPr lang="pt-BR" sz="1400" b="0" strike="noStrike" spc="-1">
-                <a:solidFill>
-                  <a:srgbClr val="000000"/>
-                </a:solidFill>
-                <a:uFill>
-                  <a:solidFill>
-                    <a:srgbClr val="FFFFFF"/>
-                  </a:solidFill>
-                </a:uFill>
-                <a:latin typeface="Monaco"/>
-                <a:ea typeface="DejaVu Sans"/>
-              </a:rPr>
-              <a:t>    </a:t>
-            </a:r>
-            <a:r>
-              <a:rPr lang="pt-BR" sz="1400" b="0" strike="noStrike" spc="-1">
-                <a:solidFill>
-                  <a:srgbClr val="910F93"/>
-                </a:solidFill>
-                <a:uFill>
-                  <a:solidFill>
-                    <a:srgbClr val="FFFFFF"/>
-                  </a:solidFill>
-                </a:uFill>
-                <a:latin typeface="Monaco"/>
-                <a:ea typeface="DejaVu Sans"/>
-              </a:rPr>
-              <a:t>val</a:t>
-            </a:r>
-            <a:r>
-              <a:rPr lang="pt-BR" sz="1400" b="0" strike="noStrike" spc="-1">
-                <a:solidFill>
-                  <a:srgbClr val="000000"/>
-                </a:solidFill>
-                <a:uFill>
-                  <a:solidFill>
-                    <a:srgbClr val="FFFFFF"/>
-                  </a:solidFill>
-                </a:uFill>
-                <a:latin typeface="Monaco"/>
-                <a:ea typeface="DejaVu Sans"/>
-              </a:rPr>
-              <a:t> firstCounter = </a:t>
-            </a:r>
-            <a:r>
-              <a:rPr lang="pt-BR" sz="1400" b="0" strike="noStrike" spc="-1">
-                <a:solidFill>
-                  <a:srgbClr val="910F93"/>
-                </a:solidFill>
-                <a:uFill>
-                  <a:solidFill>
-                    <a:srgbClr val="FFFFFF"/>
-                  </a:solidFill>
-                </a:uFill>
-                <a:latin typeface="Monaco"/>
-                <a:ea typeface="DejaVu Sans"/>
-              </a:rPr>
-              <a:t>new</a:t>
-            </a:r>
-            <a:r>
-              <a:rPr lang="pt-BR" sz="1400" b="0" strike="noStrike" spc="-1">
-                <a:solidFill>
-                  <a:srgbClr val="000000"/>
-                </a:solidFill>
-                <a:uFill>
-                  <a:solidFill>
-                    <a:srgbClr val="FFFFFF"/>
-                  </a:solidFill>
-                </a:uFill>
-                <a:latin typeface="Monaco"/>
-                <a:ea typeface="DejaVu Sans"/>
-              </a:rPr>
-              <a:t> Counter();</a:t>
-            </a:r>
-            <a:endParaRPr lang="pt-BR" sz="1800" b="0" strike="noStrike" spc="-1">
-              <a:solidFill>
-                <a:srgbClr val="000000"/>
-              </a:solidFill>
-              <a:uFill>
-                <a:solidFill>
-                  <a:srgbClr val="FFFFFF"/>
-                </a:solidFill>
-              </a:uFill>
-              <a:latin typeface="Arial"/>
-            </a:endParaRPr>
-          </a:p>
-          <a:p>
-            <a:pPr>
-              <a:lnSpc>
-                <a:spcPct val="100000"/>
-              </a:lnSpc>
-            </a:pPr>
-            <a:r>
-              <a:rPr lang="pt-BR" sz="1400" b="0" strike="noStrike" spc="-1">
-                <a:solidFill>
-                  <a:srgbClr val="000000"/>
-                </a:solidFill>
-                <a:uFill>
-                  <a:solidFill>
-                    <a:srgbClr val="FFFFFF"/>
-                  </a:solidFill>
-                </a:uFill>
-                <a:latin typeface="Monaco"/>
-                <a:ea typeface="DejaVu Sans"/>
-              </a:rPr>
-              <a:t>    </a:t>
-            </a:r>
-            <a:r>
-              <a:rPr lang="pt-BR" sz="1400" b="0" strike="noStrike" spc="-1">
-                <a:solidFill>
-                  <a:srgbClr val="910F93"/>
-                </a:solidFill>
-                <a:uFill>
-                  <a:solidFill>
-                    <a:srgbClr val="FFFFFF"/>
-                  </a:solidFill>
-                </a:uFill>
-                <a:latin typeface="Monaco"/>
-                <a:ea typeface="DejaVu Sans"/>
-              </a:rPr>
-              <a:t>val</a:t>
-            </a:r>
-            <a:r>
-              <a:rPr lang="pt-BR" sz="1400" b="0" strike="noStrike" spc="-1">
-                <a:solidFill>
-                  <a:srgbClr val="000000"/>
-                </a:solidFill>
-                <a:uFill>
-                  <a:solidFill>
-                    <a:srgbClr val="FFFFFF"/>
-                  </a:solidFill>
-                </a:uFill>
-                <a:latin typeface="Monaco"/>
-                <a:ea typeface="DejaVu Sans"/>
-              </a:rPr>
-              <a:t> secondCounter = </a:t>
-            </a:r>
-            <a:r>
-              <a:rPr lang="pt-BR" sz="1400" b="0" strike="noStrike" spc="-1">
-                <a:solidFill>
-                  <a:srgbClr val="910F93"/>
-                </a:solidFill>
-                <a:uFill>
-                  <a:solidFill>
-                    <a:srgbClr val="FFFFFF"/>
-                  </a:solidFill>
-                </a:uFill>
-                <a:latin typeface="Monaco"/>
-                <a:ea typeface="DejaVu Sans"/>
-              </a:rPr>
-              <a:t>new</a:t>
-            </a:r>
-            <a:r>
-              <a:rPr lang="pt-BR" sz="1400" b="0" strike="noStrike" spc="-1">
-                <a:solidFill>
-                  <a:srgbClr val="000000"/>
-                </a:solidFill>
-                <a:uFill>
-                  <a:solidFill>
-                    <a:srgbClr val="FFFFFF"/>
-                  </a:solidFill>
-                </a:uFill>
-                <a:latin typeface="Monaco"/>
-                <a:ea typeface="DejaVu Sans"/>
-              </a:rPr>
-              <a:t> Counter(</a:t>
-            </a:r>
-            <a:r>
-              <a:rPr lang="pt-BR" sz="1400" b="0" strike="noStrike" spc="-1">
-                <a:solidFill>
-                  <a:srgbClr val="909200"/>
-                </a:solidFill>
-                <a:uFill>
-                  <a:solidFill>
-                    <a:srgbClr val="FFFFFF"/>
-                  </a:solidFill>
-                </a:uFill>
-                <a:latin typeface="Monaco"/>
-                <a:ea typeface="DejaVu Sans"/>
-              </a:rPr>
-              <a:t>5</a:t>
-            </a:r>
-            <a:r>
-              <a:rPr lang="pt-BR" sz="1400" b="0" strike="noStrike" spc="-1">
-                <a:solidFill>
-                  <a:srgbClr val="000000"/>
-                </a:solidFill>
-                <a:uFill>
-                  <a:solidFill>
-                    <a:srgbClr val="FFFFFF"/>
-                  </a:solidFill>
-                </a:uFill>
-                <a:latin typeface="Monaco"/>
-                <a:ea typeface="DejaVu Sans"/>
-              </a:rPr>
-              <a:t>);</a:t>
-            </a:r>
-            <a:endParaRPr lang="pt-BR" sz="1800" b="0" strike="noStrike" spc="-1">
-              <a:solidFill>
-                <a:srgbClr val="000000"/>
-              </a:solidFill>
-              <a:uFill>
-                <a:solidFill>
-                  <a:srgbClr val="FFFFFF"/>
-                </a:solidFill>
-              </a:uFill>
-              <a:latin typeface="Arial"/>
-            </a:endParaRPr>
-          </a:p>
-          <a:p>
-            <a:pPr>
-              <a:lnSpc>
-                <a:spcPct val="100000"/>
-              </a:lnSpc>
-            </a:pPr>
-            <a:r>
-              <a:rPr lang="pt-BR" sz="1400" b="0" strike="noStrike" spc="-1">
-                <a:solidFill>
-                  <a:srgbClr val="000000"/>
-                </a:solidFill>
-                <a:uFill>
-                  <a:solidFill>
-                    <a:srgbClr val="FFFFFF"/>
-                  </a:solidFill>
-                </a:uFill>
-                <a:latin typeface="Monaco"/>
-                <a:ea typeface="DejaVu Sans"/>
-              </a:rPr>
-              <a:t>    </a:t>
-            </a:r>
-            <a:r>
-              <a:rPr lang="pt-BR" sz="1400" b="0" strike="noStrike" spc="-1">
-                <a:solidFill>
-                  <a:srgbClr val="910F93"/>
-                </a:solidFill>
-                <a:uFill>
-                  <a:solidFill>
-                    <a:srgbClr val="FFFFFF"/>
-                  </a:solidFill>
-                </a:uFill>
-                <a:latin typeface="Monaco"/>
-                <a:ea typeface="DejaVu Sans"/>
-              </a:rPr>
-              <a:t>for</a:t>
-            </a:r>
-            <a:r>
-              <a:rPr lang="pt-BR" sz="1400" b="0" strike="noStrike" spc="-1">
-                <a:solidFill>
-                  <a:srgbClr val="000000"/>
-                </a:solidFill>
-                <a:uFill>
-                  <a:solidFill>
-                    <a:srgbClr val="FFFFFF"/>
-                  </a:solidFill>
-                </a:uFill>
-                <a:latin typeface="Monaco"/>
-                <a:ea typeface="DejaVu Sans"/>
-              </a:rPr>
-              <a:t> (</a:t>
-            </a:r>
-            <a:r>
-              <a:rPr lang="pt-BR" sz="1400" b="0" strike="noStrike" spc="-1">
-                <a:solidFill>
-                  <a:srgbClr val="910F93"/>
-                </a:solidFill>
-                <a:uFill>
-                  <a:solidFill>
-                    <a:srgbClr val="FFFFFF"/>
-                  </a:solidFill>
-                </a:uFill>
-                <a:latin typeface="Monaco"/>
-                <a:ea typeface="DejaVu Sans"/>
-              </a:rPr>
-              <a:t>var</a:t>
-            </a:r>
-            <a:r>
-              <a:rPr lang="pt-BR" sz="1400" b="0" strike="noStrike" spc="-1">
-                <a:solidFill>
-                  <a:srgbClr val="000000"/>
-                </a:solidFill>
-                <a:uFill>
-                  <a:solidFill>
-                    <a:srgbClr val="FFFFFF"/>
-                  </a:solidFill>
-                </a:uFill>
-                <a:latin typeface="Monaco"/>
-                <a:ea typeface="DejaVu Sans"/>
-              </a:rPr>
-              <a:t> i:Int=</a:t>
-            </a:r>
-            <a:r>
-              <a:rPr lang="pt-BR" sz="1400" b="0" strike="noStrike" spc="-1">
-                <a:solidFill>
-                  <a:srgbClr val="909200"/>
-                </a:solidFill>
-                <a:uFill>
-                  <a:solidFill>
-                    <a:srgbClr val="FFFFFF"/>
-                  </a:solidFill>
-                </a:uFill>
-                <a:latin typeface="Monaco"/>
-                <a:ea typeface="DejaVu Sans"/>
-              </a:rPr>
-              <a:t>0</a:t>
-            </a:r>
-            <a:r>
-              <a:rPr lang="pt-BR" sz="1400" b="0" strike="noStrike" spc="-1">
-                <a:solidFill>
-                  <a:srgbClr val="000000"/>
-                </a:solidFill>
-                <a:uFill>
-                  <a:solidFill>
-                    <a:srgbClr val="FFFFFF"/>
-                  </a:solidFill>
-                </a:uFill>
-                <a:latin typeface="Monaco"/>
-                <a:ea typeface="DejaVu Sans"/>
-              </a:rPr>
-              <a:t>; i&lt;</a:t>
-            </a:r>
-            <a:r>
-              <a:rPr lang="pt-BR" sz="1400" b="0" strike="noStrike" spc="-1">
-                <a:solidFill>
-                  <a:srgbClr val="909200"/>
-                </a:solidFill>
-                <a:uFill>
-                  <a:solidFill>
-                    <a:srgbClr val="FFFFFF"/>
-                  </a:solidFill>
-                </a:uFill>
-                <a:latin typeface="Monaco"/>
-                <a:ea typeface="DejaVu Sans"/>
-              </a:rPr>
-              <a:t>10</a:t>
-            </a:r>
-            <a:r>
-              <a:rPr lang="pt-BR" sz="1400" b="0" strike="noStrike" spc="-1">
-                <a:solidFill>
-                  <a:srgbClr val="000000"/>
-                </a:solidFill>
-                <a:uFill>
-                  <a:solidFill>
-                    <a:srgbClr val="FFFFFF"/>
-                  </a:solidFill>
-                </a:uFill>
-                <a:latin typeface="Monaco"/>
-                <a:ea typeface="DejaVu Sans"/>
-              </a:rPr>
-              <a:t>; i++) {</a:t>
-            </a:r>
-            <a:endParaRPr lang="pt-BR" sz="1800" b="0" strike="noStrike" spc="-1">
-              <a:solidFill>
-                <a:srgbClr val="000000"/>
-              </a:solidFill>
-              <a:uFill>
-                <a:solidFill>
-                  <a:srgbClr val="FFFFFF"/>
-                </a:solidFill>
-              </a:uFill>
-              <a:latin typeface="Arial"/>
-            </a:endParaRPr>
-          </a:p>
-          <a:p>
-            <a:pPr>
-              <a:lnSpc>
-                <a:spcPct val="100000"/>
-              </a:lnSpc>
-            </a:pPr>
-            <a:r>
-              <a:rPr lang="pt-BR" sz="1400" b="0" strike="noStrike" spc="-1">
-                <a:solidFill>
-                  <a:srgbClr val="000000"/>
-                </a:solidFill>
-                <a:uFill>
-                  <a:solidFill>
-                    <a:srgbClr val="FFFFFF"/>
-                  </a:solidFill>
-                </a:uFill>
-                <a:latin typeface="Monaco"/>
-                <a:ea typeface="DejaVu Sans"/>
-              </a:rPr>
-              <a:t>      firstCounter.count();</a:t>
-            </a:r>
-            <a:endParaRPr lang="pt-BR" sz="1800" b="0" strike="noStrike" spc="-1">
-              <a:solidFill>
-                <a:srgbClr val="000000"/>
-              </a:solidFill>
-              <a:uFill>
-                <a:solidFill>
-                  <a:srgbClr val="FFFFFF"/>
-                </a:solidFill>
-              </a:uFill>
-              <a:latin typeface="Arial"/>
-            </a:endParaRPr>
-          </a:p>
-          <a:p>
-            <a:pPr>
-              <a:lnSpc>
-                <a:spcPct val="100000"/>
-              </a:lnSpc>
-            </a:pPr>
-            <a:r>
-              <a:rPr lang="pt-BR" sz="1400" b="0" strike="noStrike" spc="-1">
-                <a:solidFill>
-                  <a:srgbClr val="000000"/>
-                </a:solidFill>
-                <a:uFill>
-                  <a:solidFill>
-                    <a:srgbClr val="FFFFFF"/>
-                  </a:solidFill>
-                </a:uFill>
-                <a:latin typeface="Monaco"/>
-                <a:ea typeface="DejaVu Sans"/>
-              </a:rPr>
-              <a:t>      secondCounter.count();</a:t>
-            </a:r>
-            <a:endParaRPr lang="pt-BR" sz="1800" b="0" strike="noStrike" spc="-1">
-              <a:solidFill>
-                <a:srgbClr val="000000"/>
-              </a:solidFill>
-              <a:uFill>
-                <a:solidFill>
-                  <a:srgbClr val="FFFFFF"/>
-                </a:solidFill>
-              </a:uFill>
-              <a:latin typeface="Arial"/>
-            </a:endParaRPr>
-          </a:p>
-          <a:p>
-            <a:pPr>
-              <a:lnSpc>
-                <a:spcPct val="100000"/>
-              </a:lnSpc>
-            </a:pPr>
-            <a:r>
-              <a:rPr lang="pt-BR" sz="1400" b="0" strike="noStrike" spc="-1">
-                <a:solidFill>
-                  <a:srgbClr val="000000"/>
-                </a:solidFill>
-                <a:uFill>
-                  <a:solidFill>
-                    <a:srgbClr val="FFFFFF"/>
-                  </a:solidFill>
-                </a:uFill>
-                <a:latin typeface="Monaco"/>
-                <a:ea typeface="DejaVu Sans"/>
-              </a:rPr>
-              <a:t>    }</a:t>
-            </a:r>
-            <a:endParaRPr lang="pt-BR" sz="1800" b="0" strike="noStrike" spc="-1">
-              <a:solidFill>
-                <a:srgbClr val="000000"/>
-              </a:solidFill>
-              <a:uFill>
-                <a:solidFill>
-                  <a:srgbClr val="FFFFFF"/>
-                </a:solidFill>
-              </a:uFill>
-              <a:latin typeface="Arial"/>
-            </a:endParaRPr>
-          </a:p>
-          <a:p>
-            <a:pPr>
-              <a:lnSpc>
-                <a:spcPct val="100000"/>
-              </a:lnSpc>
-            </a:pPr>
-            <a:r>
-              <a:rPr lang="pt-BR" sz="1400" b="0" strike="noStrike" spc="-1">
-                <a:solidFill>
-                  <a:srgbClr val="000000"/>
-                </a:solidFill>
-                <a:uFill>
-                  <a:solidFill>
-                    <a:srgbClr val="FFFFFF"/>
-                  </a:solidFill>
-                </a:uFill>
-                <a:latin typeface="Monaco"/>
-                <a:ea typeface="DejaVu Sans"/>
-              </a:rPr>
-              <a:t>    </a:t>
-            </a:r>
-            <a:r>
-              <a:rPr lang="pt-BR" sz="1400" b="0" strike="noStrike" spc="-1">
-                <a:solidFill>
-                  <a:srgbClr val="910F93"/>
-                </a:solidFill>
-                <a:uFill>
-                  <a:solidFill>
-                    <a:srgbClr val="FFFFFF"/>
-                  </a:solidFill>
-                </a:uFill>
-                <a:latin typeface="Monaco"/>
-                <a:ea typeface="DejaVu Sans"/>
-              </a:rPr>
-              <a:t>val</a:t>
-            </a:r>
-            <a:r>
-              <a:rPr lang="pt-BR" sz="1400" b="0" strike="noStrike" spc="-1">
-                <a:solidFill>
-                  <a:srgbClr val="000000"/>
-                </a:solidFill>
-                <a:uFill>
-                  <a:solidFill>
-                    <a:srgbClr val="FFFFFF"/>
-                  </a:solidFill>
-                </a:uFill>
-                <a:latin typeface="Monaco"/>
-                <a:ea typeface="DejaVu Sans"/>
-              </a:rPr>
-              <a:t> firstValue = firstCounter.getCount();</a:t>
-            </a:r>
-            <a:endParaRPr lang="pt-BR" sz="1800" b="0" strike="noStrike" spc="-1">
-              <a:solidFill>
-                <a:srgbClr val="000000"/>
-              </a:solidFill>
-              <a:uFill>
-                <a:solidFill>
-                  <a:srgbClr val="FFFFFF"/>
-                </a:solidFill>
-              </a:uFill>
-              <a:latin typeface="Arial"/>
-            </a:endParaRPr>
-          </a:p>
-          <a:p>
-            <a:pPr>
-              <a:lnSpc>
-                <a:spcPct val="100000"/>
-              </a:lnSpc>
-            </a:pPr>
-            <a:r>
-              <a:rPr lang="pt-BR" sz="1400" b="0" strike="noStrike" spc="-1">
-                <a:solidFill>
-                  <a:srgbClr val="000000"/>
-                </a:solidFill>
-                <a:uFill>
-                  <a:solidFill>
-                    <a:srgbClr val="FFFFFF"/>
-                  </a:solidFill>
-                </a:uFill>
-                <a:latin typeface="Monaco"/>
-                <a:ea typeface="DejaVu Sans"/>
-              </a:rPr>
-              <a:t>    </a:t>
-            </a:r>
-            <a:r>
-              <a:rPr lang="pt-BR" sz="1400" b="0" strike="noStrike" spc="-1">
-                <a:solidFill>
-                  <a:srgbClr val="910F93"/>
-                </a:solidFill>
-                <a:uFill>
-                  <a:solidFill>
-                    <a:srgbClr val="FFFFFF"/>
-                  </a:solidFill>
-                </a:uFill>
-                <a:latin typeface="Monaco"/>
-                <a:ea typeface="DejaVu Sans"/>
-              </a:rPr>
-              <a:t>val</a:t>
-            </a:r>
-            <a:r>
-              <a:rPr lang="pt-BR" sz="1400" b="0" strike="noStrike" spc="-1">
-                <a:solidFill>
-                  <a:srgbClr val="000000"/>
-                </a:solidFill>
-                <a:uFill>
-                  <a:solidFill>
-                    <a:srgbClr val="FFFFFF"/>
-                  </a:solidFill>
-                </a:uFill>
-                <a:latin typeface="Monaco"/>
-                <a:ea typeface="DejaVu Sans"/>
-              </a:rPr>
-              <a:t> secondValue = secondCounter.getCount();</a:t>
-            </a:r>
-            <a:endParaRPr lang="pt-BR" sz="1800" b="0" strike="noStrike" spc="-1">
-              <a:solidFill>
-                <a:srgbClr val="000000"/>
-              </a:solidFill>
-              <a:uFill>
-                <a:solidFill>
-                  <a:srgbClr val="FFFFFF"/>
-                </a:solidFill>
-              </a:uFill>
-              <a:latin typeface="Arial"/>
-            </a:endParaRPr>
-          </a:p>
-          <a:p>
-            <a:pPr>
-              <a:lnSpc>
-                <a:spcPct val="100000"/>
-              </a:lnSpc>
-            </a:pPr>
-            <a:r>
-              <a:rPr lang="pt-BR" sz="1400" b="0" strike="noStrike" spc="-1">
-                <a:solidFill>
-                  <a:srgbClr val="000000"/>
-                </a:solidFill>
-                <a:uFill>
-                  <a:solidFill>
-                    <a:srgbClr val="FFFFFF"/>
-                  </a:solidFill>
-                </a:uFill>
-                <a:latin typeface="Monaco"/>
-                <a:ea typeface="DejaVu Sans"/>
-              </a:rPr>
-              <a:t>    Console.OUT.println(</a:t>
-            </a:r>
-            <a:r>
-              <a:rPr lang="pt-BR" sz="1400" b="0" strike="noStrike" spc="-1">
-                <a:solidFill>
-                  <a:srgbClr val="190492"/>
-                </a:solidFill>
-                <a:uFill>
-                  <a:solidFill>
-                    <a:srgbClr val="FFFFFF"/>
-                  </a:solidFill>
-                </a:uFill>
-                <a:latin typeface="Monaco"/>
-                <a:ea typeface="DejaVu Sans"/>
-              </a:rPr>
-              <a:t>"First value = "</a:t>
-            </a:r>
-            <a:r>
-              <a:rPr lang="pt-BR" sz="1400" b="0" strike="noStrike" spc="-1">
-                <a:solidFill>
-                  <a:srgbClr val="000000"/>
-                </a:solidFill>
-                <a:uFill>
-                  <a:solidFill>
-                    <a:srgbClr val="FFFFFF"/>
-                  </a:solidFill>
-                </a:uFill>
-                <a:latin typeface="Monaco"/>
-                <a:ea typeface="DejaVu Sans"/>
-              </a:rPr>
-              <a:t>+firstValue);</a:t>
-            </a:r>
-            <a:endParaRPr lang="pt-BR" sz="1800" b="0" strike="noStrike" spc="-1">
-              <a:solidFill>
-                <a:srgbClr val="000000"/>
-              </a:solidFill>
-              <a:uFill>
-                <a:solidFill>
-                  <a:srgbClr val="FFFFFF"/>
-                </a:solidFill>
-              </a:uFill>
-              <a:latin typeface="Arial"/>
-            </a:endParaRPr>
-          </a:p>
-          <a:p>
-            <a:pPr>
-              <a:lnSpc>
-                <a:spcPct val="100000"/>
-              </a:lnSpc>
-            </a:pPr>
-            <a:r>
-              <a:rPr lang="pt-BR" sz="1400" b="0" strike="noStrike" spc="-1">
-                <a:solidFill>
-                  <a:srgbClr val="000000"/>
-                </a:solidFill>
-                <a:uFill>
-                  <a:solidFill>
-                    <a:srgbClr val="FFFFFF"/>
-                  </a:solidFill>
-                </a:uFill>
-                <a:latin typeface="Monaco"/>
-                <a:ea typeface="DejaVu Sans"/>
-              </a:rPr>
-              <a:t>    Console.OUT.println(</a:t>
-            </a:r>
-            <a:r>
-              <a:rPr lang="pt-BR" sz="1400" b="0" strike="noStrike" spc="-1">
-                <a:solidFill>
-                  <a:srgbClr val="190492"/>
-                </a:solidFill>
-                <a:uFill>
-                  <a:solidFill>
-                    <a:srgbClr val="FFFFFF"/>
-                  </a:solidFill>
-                </a:uFill>
-                <a:latin typeface="Monaco"/>
-                <a:ea typeface="DejaVu Sans"/>
-              </a:rPr>
-              <a:t>"Second value = "</a:t>
-            </a:r>
-            <a:r>
-              <a:rPr lang="pt-BR" sz="1400" b="0" strike="noStrike" spc="-1">
-                <a:solidFill>
-                  <a:srgbClr val="000000"/>
-                </a:solidFill>
-                <a:uFill>
-                  <a:solidFill>
-                    <a:srgbClr val="FFFFFF"/>
-                  </a:solidFill>
-                </a:uFill>
-                <a:latin typeface="Monaco"/>
-                <a:ea typeface="DejaVu Sans"/>
-              </a:rPr>
-              <a:t>+secondValue);</a:t>
-            </a:r>
-            <a:endParaRPr lang="pt-BR" sz="1800" b="0" strike="noStrike" spc="-1">
-              <a:solidFill>
-                <a:srgbClr val="000000"/>
-              </a:solidFill>
-              <a:uFill>
-                <a:solidFill>
-                  <a:srgbClr val="FFFFFF"/>
-                </a:solidFill>
-              </a:uFill>
-              <a:latin typeface="Arial"/>
-            </a:endParaRPr>
-          </a:p>
-          <a:p>
-            <a:pPr>
-              <a:lnSpc>
-                <a:spcPct val="100000"/>
-              </a:lnSpc>
-            </a:pPr>
-            <a:r>
-              <a:rPr lang="pt-BR" sz="1400" b="0" strike="noStrike" spc="-1">
-                <a:solidFill>
-                  <a:srgbClr val="000000"/>
-                </a:solidFill>
-                <a:uFill>
-                  <a:solidFill>
-                    <a:srgbClr val="FFFFFF"/>
-                  </a:solidFill>
-                </a:uFill>
-                <a:latin typeface="Monaco"/>
-                <a:ea typeface="DejaVu Sans"/>
-              </a:rPr>
-              <a:t>  }</a:t>
-            </a:r>
-            <a:endParaRPr lang="pt-BR" sz="1800" b="0" strike="noStrike" spc="-1">
-              <a:solidFill>
-                <a:srgbClr val="000000"/>
-              </a:solidFill>
-              <a:uFill>
-                <a:solidFill>
-                  <a:srgbClr val="FFFFFF"/>
-                </a:solidFill>
-              </a:uFill>
-              <a:latin typeface="Arial"/>
-            </a:endParaRPr>
-          </a:p>
-          <a:p>
-            <a:pPr>
-              <a:lnSpc>
-                <a:spcPct val="100000"/>
-              </a:lnSpc>
-            </a:pPr>
-            <a:r>
-              <a:rPr lang="pt-BR" sz="1400" b="0" strike="noStrike" spc="-1">
-                <a:solidFill>
-                  <a:srgbClr val="000000"/>
-                </a:solidFill>
-                <a:uFill>
-                  <a:solidFill>
-                    <a:srgbClr val="FFFFFF"/>
-                  </a:solidFill>
-                </a:uFill>
-                <a:latin typeface="Monaco"/>
-                <a:ea typeface="DejaVu Sans"/>
-              </a:rPr>
-              <a:t>}</a:t>
-            </a:r>
-            <a:endParaRPr lang="pt-BR" sz="1800" b="0" strike="noStrike" spc="-1">
-              <a:solidFill>
-                <a:srgbClr val="000000"/>
-              </a:solidFill>
-              <a:uFill>
-                <a:solidFill>
-                  <a:srgbClr val="FFFFFF"/>
-                </a:solidFill>
-              </a:uFill>
-              <a:latin typeface="Arial"/>
-            </a:endParaRPr>
-          </a:p>
-          <a:p>
-            <a:pPr>
-              <a:lnSpc>
-                <a:spcPct val="100000"/>
-              </a:lnSpc>
-            </a:pPr>
-            <a:endParaRPr lang="pt-BR" sz="1800" b="0" strike="noStrike" spc="-1">
-              <a:solidFill>
-                <a:srgbClr val="000000"/>
-              </a:solidFill>
-              <a:uFill>
-                <a:solidFill>
-                  <a:srgbClr val="FFFFFF"/>
-                </a:solidFill>
-              </a:uFill>
-              <a:latin typeface="Arial"/>
+            <a:endParaRPr lang="pt-BR" sz="1600" b="0" strike="noStrike" spc="-1" dirty="0">
+              <a:solidFill>
+                <a:srgbClr val="000000"/>
+              </a:solidFill>
+              <a:uFill>
+                <a:solidFill>
+                  <a:srgbClr val="FFFFFF"/>
+                </a:solidFill>
+              </a:uFill>
+              <a:latin typeface="Calibri" panose="020F0502020204030204" pitchFamily="34" charset="0"/>
+              <a:cs typeface="Calibri" panose="020F0502020204030204" pitchFamily="34" charset="0"/>
             </a:endParaRPr>
           </a:p>
         </p:txBody>
@@ -28220,32 +27344,9 @@
           <a:chExt cx="0" cy="0"/>
         </a:xfrm>
       </p:grpSpPr>
-      <p:pic>
-        <p:nvPicPr>
-          <p:cNvPr id="399" name="Picture 8"/>
-          <p:cNvPicPr/>
-          <p:nvPr/>
-        </p:nvPicPr>
-        <p:blipFill>
-          <a:blip r:embed="rId2"/>
-          <a:stretch/>
-        </p:blipFill>
-        <p:spPr>
-          <a:xfrm>
-            <a:off x="7536240" y="1675440"/>
-            <a:ext cx="3494160" cy="4373640"/>
-          </a:xfrm>
-          <a:prstGeom prst="rect">
-            <a:avLst/>
-          </a:prstGeom>
-          <a:ln>
-            <a:noFill/>
-          </a:ln>
-        </p:spPr>
-      </p:pic>
       <p:sp>
         <p:nvSpPr>
-          <p:cNvPr id="400" name="CustomShape 1"/>
+          <p:cNvPr id="397" name="CustomShape 1"/>
           <p:cNvSpPr/>
           <p:nvPr/>
         </p:nvSpPr>
@@ -28345,9 +27446,63 @@
           </a:p>
         </p:txBody>
       </p:sp>
+      <p:pic>
+        <p:nvPicPr>
+          <p:cNvPr id="1026" name="Picture 2"/>
+          <p:cNvPicPr>
+            <a:picLocks noChangeAspect="1" noChangeArrowheads="1"/>
+          </p:cNvPicPr>
+          <p:nvPr/>
+        </p:nvPicPr>
+        <p:blipFill>
+          <a:blip r:embed="rId2">
+            <a:extLst>
+              <a:ext uri="{28A0092B-C50C-407E-A947-70E740481C1C}">
+                <a14:useLocalDpi xmlns:a14="http://schemas.microsoft.com/office/drawing/2010/main" val="0"/>
+              </a:ext>
+            </a:extLst>
+          </a:blip>
+          <a:srcRect/>
+          <a:stretch>
+            <a:fillRect/>
+          </a:stretch>
+        </p:blipFill>
+        <p:spPr bwMode="auto">
+          <a:xfrm>
+            <a:off x="6312024" y="1560984"/>
+            <a:ext cx="4953000" cy="4572000"/>
+          </a:xfrm>
+          <a:prstGeom prst="rect">
+            <a:avLst/>
+          </a:prstGeom>
+          <a:noFill/>
+          <a:ln>
+            <a:noFill/>
+          </a:ln>
+          <a:extLst>
+            <a:ext uri="{909E8E84-426E-40DD-AFC4-6F175D3DCCD1}">
+              <a14:hiddenFill xmlns:a14="http://schemas.microsoft.com/office/drawing/2010/main">
+                <a:solidFill>
+                  <a:schemeClr val="accent1"/>
+                </a:solidFill>
+              </a14:hiddenFill>
+            </a:ext>
+            <a:ext uri="{91240B29-F687-4F45-9708-019B960494DF}">
+              <a14:hiddenLine xmlns:a14="http://schemas.microsoft.com/office/drawing/2010/main" w="9525">
+                <a:solidFill>
+                  <a:schemeClr val="tx1"/>
+                </a:solidFill>
+                <a:miter lim="800000"/>
+                <a:headEnd/>
+                <a:tailEnd/>
+              </a14:hiddenLine>
+            </a:ext>
+          </a:extLst>
+        </p:spPr>
+      </p:pic>
       <p:sp>
         <p:nvSpPr>
-          <p:cNvPr id="401" name="CustomShape 2"/>
+          <p:cNvPr id="6" name="CustomShape 2"/>
           <p:cNvSpPr/>
           <p:nvPr/>
         </p:nvSpPr>
@@ -28380,16 +27535,15 @@
           <a:bodyPr lIns="90000" tIns="45000" rIns="90000" bIns="45000"/>
           <a:lstStyle/>
           <a:p>
-            <a:pPr>
+            <a:pPr marL="285750" indent="-285750">
               <a:lnSpc>
                 <a:spcPct val="100000"/>
               </a:lnSpc>
+              <a:buFont typeface="Arial" panose="020B0604020202020204" pitchFamily="34" charset="0"/>
+              <a:buChar char="•"/>
             </a:pPr>
             <a:r>
-              <a:rPr lang="pt-BR" sz="1400" b="0" strike="noStrike" spc="-1" dirty="0">
-                <a:solidFill>
-                  <a:srgbClr val="8F1493"/>
-                </a:solidFill>
+              <a:rPr lang="pt-BR" sz="1400" spc="-1" dirty="0" smtClean="0">
                 <a:uFill>
                   <a:solidFill>
                     <a:srgbClr val="FFFFFF"/>
@@ -28398,13 +27552,37 @@
                 <a:latin typeface="Monaco"/>
                 <a:ea typeface="DejaVu Sans"/>
               </a:rPr>
-              <a:t>public</a:t>
+              <a:t>Cria uma referência galobal para um dado objeto</a:t>
             </a:r>
+          </a:p>
+          <a:p>
+            <a:pPr marL="285750" indent="-285750">
+              <a:lnSpc>
+                <a:spcPct val="100000"/>
+              </a:lnSpc>
+              <a:buFont typeface="Arial" panose="020B0604020202020204" pitchFamily="34" charset="0"/>
+              <a:buChar char="•"/>
+            </a:pPr>
+            <a:endParaRPr lang="pt-BR" sz="1400" b="0" strike="noStrike" spc="-1" dirty="0">
+              <a:uFill>
+                <a:solidFill>
+                  <a:srgbClr val="FFFFFF"/>
+                </a:solidFill>
+              </a:uFill>
+              <a:latin typeface="Monaco"/>
+              <a:ea typeface="DejaVu Sans"/>
+            </a:endParaRPr>
+          </a:p>
+          <a:p>
+            <a:pPr marL="285750" indent="-285750">
+              <a:lnSpc>
+                <a:spcPct val="100000"/>
+              </a:lnSpc>
+              <a:buFont typeface="Arial" panose="020B0604020202020204" pitchFamily="34" charset="0"/>
+              <a:buChar char="•"/>
+            </a:pPr>
             <a:r>
-              <a:rPr lang="pt-BR" sz="1400" b="0" strike="noStrike" spc="-1" dirty="0">
-                <a:solidFill>
-                  <a:srgbClr val="000000"/>
-                </a:solidFill>
+              <a:rPr lang="pt-BR" sz="1400" spc="-1" dirty="0" smtClean="0">
                 <a:uFill>
                   <a:solidFill>
                     <a:srgbClr val="FFFFFF"/>
@@ -28413,13 +27591,37 @@
                 <a:latin typeface="Monaco"/>
                 <a:ea typeface="DejaVu Sans"/>
               </a:rPr>
-              <a:t> </a:t>
+              <a:t>Possui um campo home, especificando aonde foi criado</a:t>
             </a:r>
+          </a:p>
+          <a:p>
+            <a:pPr marL="285750" indent="-285750">
+              <a:lnSpc>
+                <a:spcPct val="100000"/>
+              </a:lnSpc>
+              <a:buFont typeface="Arial" panose="020B0604020202020204" pitchFamily="34" charset="0"/>
+              <a:buChar char="•"/>
+            </a:pPr>
+            <a:endParaRPr lang="pt-BR" sz="1400" b="0" strike="noStrike" spc="-1" dirty="0">
+              <a:uFill>
+                <a:solidFill>
+                  <a:srgbClr val="FFFFFF"/>
+                </a:solidFill>
+              </a:uFill>
+              <a:latin typeface="Monaco"/>
+              <a:ea typeface="DejaVu Sans"/>
+            </a:endParaRPr>
+          </a:p>
+          <a:p>
+            <a:pPr marL="285750" indent="-285750">
+              <a:lnSpc>
+                <a:spcPct val="100000"/>
+              </a:lnSpc>
+              <a:buFont typeface="Arial" panose="020B0604020202020204" pitchFamily="34" charset="0"/>
+              <a:buChar char="•"/>
+            </a:pPr>
             <a:r>
-              <a:rPr lang="pt-BR" sz="1400" b="0" strike="noStrike" spc="-1" dirty="0">
-                <a:solidFill>
-                  <a:srgbClr val="8F1493"/>
-                </a:solidFill>
+              <a:rPr lang="pt-BR" sz="1400" spc="-1" dirty="0" smtClean="0">
                 <a:uFill>
                   <a:solidFill>
                     <a:srgbClr val="FFFFFF"/>
@@ -28428,747 +27630,9 @@
                 <a:latin typeface="Monaco"/>
                 <a:ea typeface="DejaVu Sans"/>
               </a:rPr>
-              <a:t>static</a:t>
-            </a:r>
-            <a:r>
-              <a:rPr lang="pt-BR" sz="1400" b="0" strike="noStrike" spc="-1" dirty="0">
-                <a:solidFill>
-                  <a:srgbClr val="000000"/>
-                </a:solidFill>
-                <a:uFill>
-                  <a:solidFill>
-                    <a:srgbClr val="FFFFFF"/>
-                  </a:solidFill>
-                </a:uFill>
-                <a:latin typeface="Monaco"/>
-                <a:ea typeface="DejaVu Sans"/>
-              </a:rPr>
-              <a:t> </a:t>
-            </a:r>
-            <a:r>
-              <a:rPr lang="pt-BR" sz="1400" b="0" strike="noStrike" spc="-1" dirty="0">
-                <a:solidFill>
-                  <a:srgbClr val="8F1493"/>
-                </a:solidFill>
-                <a:uFill>
-                  <a:solidFill>
-                    <a:srgbClr val="FFFFFF"/>
-                  </a:solidFill>
-                </a:uFill>
-                <a:latin typeface="Monaco"/>
-                <a:ea typeface="DejaVu Sans"/>
-              </a:rPr>
-              <a:t>def</a:t>
-            </a:r>
-            <a:r>
-              <a:rPr lang="pt-BR" sz="1400" b="0" strike="noStrike" spc="-1" dirty="0">
-                <a:solidFill>
-                  <a:srgbClr val="000000"/>
-                </a:solidFill>
-                <a:uFill>
-                  <a:solidFill>
-                    <a:srgbClr val="FFFFFF"/>
-                  </a:solidFill>
-                </a:uFill>
-                <a:latin typeface="Monaco"/>
-                <a:ea typeface="DejaVu Sans"/>
-              </a:rPr>
-              <a:t> main(args:Array[String](1)):Void {</a:t>
+              <a:t>Só pode ser manipulado no seu Place de origem</a:t>
             </a:r>
             <a:endParaRPr lang="pt-BR" sz="1800" b="0" strike="noStrike" spc="-1" dirty="0">
-              <a:solidFill>
-                <a:srgbClr val="000000"/>
-              </a:solidFill>
-              <a:uFill>
-                <a:solidFill>
-                  <a:srgbClr val="FFFFFF"/>
-                </a:solidFill>
-              </a:uFill>
-              <a:latin typeface="Arial"/>
-            </a:endParaRPr>
-          </a:p>
-          <a:p>
-            <a:pPr>
-              <a:lnSpc>
-                <a:spcPct val="100000"/>
-              </a:lnSpc>
-            </a:pPr>
-            <a:r>
-              <a:rPr lang="pt-BR" sz="1400" b="0" strike="noStrike" spc="-1" dirty="0">
-                <a:solidFill>
-                  <a:srgbClr val="8F1493"/>
-                </a:solidFill>
-                <a:uFill>
-                  <a:solidFill>
-                    <a:srgbClr val="FFFFFF"/>
-                  </a:solidFill>
-                </a:uFill>
-                <a:latin typeface="Monaco"/>
-                <a:ea typeface="DejaVu Sans"/>
-              </a:rPr>
-              <a:t>  val</a:t>
-            </a:r>
-            <a:r>
-              <a:rPr lang="pt-BR" sz="1400" b="0" strike="noStrike" spc="-1" dirty="0">
-                <a:solidFill>
-                  <a:srgbClr val="000000"/>
-                </a:solidFill>
-                <a:uFill>
-                  <a:solidFill>
-                    <a:srgbClr val="FFFFFF"/>
-                  </a:solidFill>
-                </a:uFill>
-                <a:latin typeface="Monaco"/>
-                <a:ea typeface="DejaVu Sans"/>
-              </a:rPr>
-              <a:t> secondCtr = (</a:t>
-            </a:r>
-            <a:r>
-              <a:rPr lang="pt-BR" sz="1400" b="0" strike="noStrike" spc="-1" dirty="0">
-                <a:solidFill>
-                  <a:srgbClr val="8F1493"/>
-                </a:solidFill>
-                <a:uFill>
-                  <a:solidFill>
-                    <a:srgbClr val="FFFFFF"/>
-                  </a:solidFill>
-                </a:uFill>
-                <a:latin typeface="Monaco"/>
-                <a:ea typeface="DejaVu Sans"/>
-              </a:rPr>
-              <a:t>at</a:t>
-            </a:r>
-            <a:r>
-              <a:rPr lang="pt-BR" sz="1400" b="0" strike="noStrike" spc="-1" dirty="0">
-                <a:solidFill>
-                  <a:srgbClr val="000000"/>
-                </a:solidFill>
-                <a:uFill>
-                  <a:solidFill>
-                    <a:srgbClr val="FFFFFF"/>
-                  </a:solidFill>
-                </a:uFill>
-                <a:latin typeface="Monaco"/>
-                <a:ea typeface="DejaVu Sans"/>
-              </a:rPr>
-              <a:t> (Place.places(</a:t>
-            </a:r>
-            <a:r>
-              <a:rPr lang="pt-BR" sz="1400" b="0" strike="noStrike" spc="-1" dirty="0">
-                <a:solidFill>
-                  <a:srgbClr val="929200"/>
-                </a:solidFill>
-                <a:uFill>
-                  <a:solidFill>
-                    <a:srgbClr val="FFFFFF"/>
-                  </a:solidFill>
-                </a:uFill>
-                <a:latin typeface="Monaco"/>
-                <a:ea typeface="DejaVu Sans"/>
-              </a:rPr>
-              <a:t>1</a:t>
-            </a:r>
-            <a:r>
-              <a:rPr lang="pt-BR" sz="1400" b="0" strike="noStrike" spc="-1" dirty="0">
-                <a:solidFill>
-                  <a:srgbClr val="000000"/>
-                </a:solidFill>
-                <a:uFill>
-                  <a:solidFill>
-                    <a:srgbClr val="FFFFFF"/>
-                  </a:solidFill>
-                </a:uFill>
-                <a:latin typeface="Monaco"/>
-                <a:ea typeface="DejaVu Sans"/>
-              </a:rPr>
-              <a:t>)) GlobalRef[Counter](</a:t>
-            </a:r>
-            <a:r>
-              <a:rPr lang="pt-BR" sz="1400" b="0" strike="noStrike" spc="-1" dirty="0">
-                <a:solidFill>
-                  <a:srgbClr val="8F1493"/>
-                </a:solidFill>
-                <a:uFill>
-                  <a:solidFill>
-                    <a:srgbClr val="FFFFFF"/>
-                  </a:solidFill>
-                </a:uFill>
-                <a:latin typeface="Monaco"/>
-                <a:ea typeface="DejaVu Sans"/>
-              </a:rPr>
-              <a:t>new</a:t>
-            </a:r>
-            <a:r>
-              <a:rPr lang="pt-BR" sz="1400" b="0" strike="noStrike" spc="-1" dirty="0">
-                <a:solidFill>
-                  <a:srgbClr val="000000"/>
-                </a:solidFill>
-                <a:uFill>
-                  <a:solidFill>
-                    <a:srgbClr val="FFFFFF"/>
-                  </a:solidFill>
-                </a:uFill>
-                <a:latin typeface="Monaco"/>
-                <a:ea typeface="DejaVu Sans"/>
-              </a:rPr>
-              <a:t> Counter(</a:t>
-            </a:r>
-            <a:r>
-              <a:rPr lang="pt-BR" sz="1400" b="0" strike="noStrike" spc="-1" dirty="0">
-                <a:solidFill>
-                  <a:srgbClr val="929200"/>
-                </a:solidFill>
-                <a:uFill>
-                  <a:solidFill>
-                    <a:srgbClr val="FFFFFF"/>
-                  </a:solidFill>
-                </a:uFill>
-                <a:latin typeface="Monaco"/>
-                <a:ea typeface="DejaVu Sans"/>
-              </a:rPr>
-              <a:t>5</a:t>
-            </a:r>
-            <a:r>
-              <a:rPr lang="pt-BR" sz="1400" b="0" strike="noStrike" spc="-1" dirty="0">
-                <a:solidFill>
-                  <a:srgbClr val="000000"/>
-                </a:solidFill>
-                <a:uFill>
-                  <a:solidFill>
-                    <a:srgbClr val="FFFFFF"/>
-                  </a:solidFill>
-                </a:uFill>
-                <a:latin typeface="Monaco"/>
-                <a:ea typeface="DejaVu Sans"/>
-              </a:rPr>
-              <a:t>)));</a:t>
-            </a:r>
-            <a:endParaRPr lang="pt-BR" sz="1800" b="0" strike="noStrike" spc="-1" dirty="0">
-              <a:solidFill>
-                <a:srgbClr val="000000"/>
-              </a:solidFill>
-              <a:uFill>
-                <a:solidFill>
-                  <a:srgbClr val="FFFFFF"/>
-                </a:solidFill>
-              </a:uFill>
-              <a:latin typeface="Arial"/>
-            </a:endParaRPr>
-          </a:p>
-          <a:p>
-            <a:pPr>
-              <a:lnSpc>
-                <a:spcPct val="100000"/>
-              </a:lnSpc>
-            </a:pPr>
-            <a:r>
-              <a:rPr lang="pt-BR" sz="1400" b="0" strike="noStrike" spc="-1" dirty="0">
-                <a:solidFill>
-                  <a:srgbClr val="000000"/>
-                </a:solidFill>
-                <a:uFill>
-                  <a:solidFill>
-                    <a:srgbClr val="FFFFFF"/>
-                  </a:solidFill>
-                </a:uFill>
-                <a:latin typeface="Monaco"/>
-                <a:ea typeface="DejaVu Sans"/>
-              </a:rPr>
-              <a:t>  </a:t>
-            </a:r>
-            <a:r>
-              <a:rPr lang="pt-BR" sz="1400" b="0" strike="noStrike" spc="-1" dirty="0">
-                <a:solidFill>
-                  <a:srgbClr val="8F1493"/>
-                </a:solidFill>
-                <a:uFill>
-                  <a:solidFill>
-                    <a:srgbClr val="FFFFFF"/>
-                  </a:solidFill>
-                </a:uFill>
-                <a:latin typeface="Monaco"/>
-                <a:ea typeface="DejaVu Sans"/>
-              </a:rPr>
-              <a:t>for</a:t>
-            </a:r>
-            <a:r>
-              <a:rPr lang="pt-BR" sz="1400" b="0" strike="noStrike" spc="-1" dirty="0">
-                <a:solidFill>
-                  <a:srgbClr val="000000"/>
-                </a:solidFill>
-                <a:uFill>
-                  <a:solidFill>
-                    <a:srgbClr val="FFFFFF"/>
-                  </a:solidFill>
-                </a:uFill>
-                <a:latin typeface="Monaco"/>
-                <a:ea typeface="DejaVu Sans"/>
-              </a:rPr>
-              <a:t> (</a:t>
-            </a:r>
-            <a:r>
-              <a:rPr lang="pt-BR" sz="1400" b="0" strike="noStrike" spc="-1" dirty="0">
-                <a:solidFill>
-                  <a:srgbClr val="8F1493"/>
-                </a:solidFill>
-                <a:uFill>
-                  <a:solidFill>
-                    <a:srgbClr val="FFFFFF"/>
-                  </a:solidFill>
-                </a:uFill>
-                <a:latin typeface="Monaco"/>
-                <a:ea typeface="DejaVu Sans"/>
-              </a:rPr>
-              <a:t>var</a:t>
-            </a:r>
-            <a:r>
-              <a:rPr lang="pt-BR" sz="1400" b="0" strike="noStrike" spc="-1" dirty="0">
-                <a:solidFill>
-                  <a:srgbClr val="000000"/>
-                </a:solidFill>
-                <a:uFill>
-                  <a:solidFill>
-                    <a:srgbClr val="FFFFFF"/>
-                  </a:solidFill>
-                </a:uFill>
-                <a:latin typeface="Monaco"/>
-                <a:ea typeface="DejaVu Sans"/>
-              </a:rPr>
-              <a:t> i:Int=</a:t>
-            </a:r>
-            <a:r>
-              <a:rPr lang="pt-BR" sz="1400" b="0" strike="noStrike" spc="-1" dirty="0">
-                <a:solidFill>
-                  <a:srgbClr val="929200"/>
-                </a:solidFill>
-                <a:uFill>
-                  <a:solidFill>
-                    <a:srgbClr val="FFFFFF"/>
-                  </a:solidFill>
-                </a:uFill>
-                <a:latin typeface="Monaco"/>
-                <a:ea typeface="DejaVu Sans"/>
-              </a:rPr>
-              <a:t>0</a:t>
-            </a:r>
-            <a:r>
-              <a:rPr lang="pt-BR" sz="1400" b="0" strike="noStrike" spc="-1" dirty="0">
-                <a:solidFill>
-                  <a:srgbClr val="000000"/>
-                </a:solidFill>
-                <a:uFill>
-                  <a:solidFill>
-                    <a:srgbClr val="FFFFFF"/>
-                  </a:solidFill>
-                </a:uFill>
-                <a:latin typeface="Monaco"/>
-                <a:ea typeface="DejaVu Sans"/>
-              </a:rPr>
-              <a:t>; i&lt;</a:t>
-            </a:r>
-            <a:r>
-              <a:rPr lang="pt-BR" sz="1400" b="0" strike="noStrike" spc="-1" dirty="0">
-                <a:solidFill>
-                  <a:srgbClr val="929200"/>
-                </a:solidFill>
-                <a:uFill>
-                  <a:solidFill>
-                    <a:srgbClr val="FFFFFF"/>
-                  </a:solidFill>
-                </a:uFill>
-                <a:latin typeface="Monaco"/>
-                <a:ea typeface="DejaVu Sans"/>
-              </a:rPr>
-              <a:t>10</a:t>
-            </a:r>
-            <a:r>
-              <a:rPr lang="pt-BR" sz="1400" b="0" strike="noStrike" spc="-1" dirty="0">
-                <a:solidFill>
-                  <a:srgbClr val="000000"/>
-                </a:solidFill>
-                <a:uFill>
-                  <a:solidFill>
-                    <a:srgbClr val="FFFFFF"/>
-                  </a:solidFill>
-                </a:uFill>
-                <a:latin typeface="Monaco"/>
-                <a:ea typeface="DejaVu Sans"/>
-              </a:rPr>
-              <a:t>; i++) {</a:t>
-            </a:r>
-            <a:endParaRPr lang="pt-BR" sz="1800" b="0" strike="noStrike" spc="-1" dirty="0">
-              <a:solidFill>
-                <a:srgbClr val="000000"/>
-              </a:solidFill>
-              <a:uFill>
-                <a:solidFill>
-                  <a:srgbClr val="FFFFFF"/>
-                </a:solidFill>
-              </a:uFill>
-              <a:latin typeface="Arial"/>
-            </a:endParaRPr>
-          </a:p>
-          <a:p>
-            <a:pPr>
-              <a:lnSpc>
-                <a:spcPct val="100000"/>
-              </a:lnSpc>
-            </a:pPr>
-            <a:r>
-              <a:rPr lang="pt-BR" sz="1400" b="0" strike="noStrike" spc="-1" dirty="0">
-                <a:solidFill>
-                  <a:srgbClr val="8F1493"/>
-                </a:solidFill>
-                <a:uFill>
-                  <a:solidFill>
-                    <a:srgbClr val="FFFFFF"/>
-                  </a:solidFill>
-                </a:uFill>
-                <a:latin typeface="Monaco"/>
-                <a:ea typeface="DejaVu Sans"/>
-              </a:rPr>
-              <a:t>      at</a:t>
-            </a:r>
-            <a:r>
-              <a:rPr lang="pt-BR" sz="1400" b="0" strike="noStrike" spc="-1" dirty="0">
-                <a:solidFill>
-                  <a:srgbClr val="000000"/>
-                </a:solidFill>
-                <a:uFill>
-                  <a:solidFill>
-                    <a:srgbClr val="FFFFFF"/>
-                  </a:solidFill>
-                </a:uFill>
-                <a:latin typeface="Monaco"/>
-                <a:ea typeface="DejaVu Sans"/>
-              </a:rPr>
-              <a:t> (secondCtr.</a:t>
-            </a:r>
-            <a:r>
-              <a:rPr lang="pt-BR" sz="1400" b="1" strike="noStrike" spc="-1" dirty="0">
-                <a:solidFill>
-                  <a:srgbClr val="000000"/>
-                </a:solidFill>
-                <a:uFill>
-                  <a:solidFill>
-                    <a:srgbClr val="FFFFFF"/>
-                  </a:solidFill>
-                </a:uFill>
-                <a:latin typeface="Monaco"/>
-                <a:ea typeface="DejaVu Sans"/>
-              </a:rPr>
-              <a:t>home</a:t>
-            </a:r>
-            <a:r>
-              <a:rPr lang="pt-BR" sz="1400" b="0" strike="noStrike" spc="-1" dirty="0">
-                <a:solidFill>
-                  <a:srgbClr val="000000"/>
-                </a:solidFill>
-                <a:uFill>
-                  <a:solidFill>
-                    <a:srgbClr val="FFFFFF"/>
-                  </a:solidFill>
-                </a:uFill>
-                <a:latin typeface="Monaco"/>
-                <a:ea typeface="DejaVu Sans"/>
-              </a:rPr>
-              <a:t>) {</a:t>
-            </a:r>
-            <a:endParaRPr lang="pt-BR" sz="1800" b="0" strike="noStrike" spc="-1" dirty="0">
-              <a:solidFill>
-                <a:srgbClr val="000000"/>
-              </a:solidFill>
-              <a:uFill>
-                <a:solidFill>
-                  <a:srgbClr val="FFFFFF"/>
-                </a:solidFill>
-              </a:uFill>
-              <a:latin typeface="Arial"/>
-            </a:endParaRPr>
-          </a:p>
-          <a:p>
-            <a:pPr>
-              <a:lnSpc>
-                <a:spcPct val="100000"/>
-              </a:lnSpc>
-            </a:pPr>
-            <a:r>
-              <a:rPr lang="pt-BR" sz="1400" b="0" strike="noStrike" spc="-1" dirty="0">
-                <a:solidFill>
-                  <a:srgbClr val="000000"/>
-                </a:solidFill>
-                <a:uFill>
-                  <a:solidFill>
-                    <a:srgbClr val="FFFFFF"/>
-                  </a:solidFill>
-                </a:uFill>
-                <a:latin typeface="Monaco"/>
-                <a:ea typeface="DejaVu Sans"/>
-              </a:rPr>
-              <a:t>        secondCtr().count();</a:t>
-            </a:r>
-            <a:endParaRPr lang="pt-BR" sz="1800" b="0" strike="noStrike" spc="-1" dirty="0">
-              <a:solidFill>
-                <a:srgbClr val="000000"/>
-              </a:solidFill>
-              <a:uFill>
-                <a:solidFill>
-                  <a:srgbClr val="FFFFFF"/>
-                </a:solidFill>
-              </a:uFill>
-              <a:latin typeface="Arial"/>
-            </a:endParaRPr>
-          </a:p>
-          <a:p>
-            <a:pPr>
-              <a:lnSpc>
-                <a:spcPct val="100000"/>
-              </a:lnSpc>
-            </a:pPr>
-            <a:r>
-              <a:rPr lang="pt-BR" sz="1400" b="0" strike="noStrike" spc="-1" dirty="0">
-                <a:solidFill>
-                  <a:srgbClr val="000000"/>
-                </a:solidFill>
-                <a:uFill>
-                  <a:solidFill>
-                    <a:srgbClr val="FFFFFF"/>
-                  </a:solidFill>
-                </a:uFill>
-                <a:latin typeface="Monaco"/>
-                <a:ea typeface="DejaVu Sans"/>
-              </a:rPr>
-              <a:t>      }</a:t>
-            </a:r>
-            <a:endParaRPr lang="pt-BR" sz="1800" b="0" strike="noStrike" spc="-1" dirty="0">
-              <a:solidFill>
-                <a:srgbClr val="000000"/>
-              </a:solidFill>
-              <a:uFill>
-                <a:solidFill>
-                  <a:srgbClr val="FFFFFF"/>
-                </a:solidFill>
-              </a:uFill>
-              <a:latin typeface="Arial"/>
-            </a:endParaRPr>
-          </a:p>
-          <a:p>
-            <a:pPr>
-              <a:lnSpc>
-                <a:spcPct val="100000"/>
-              </a:lnSpc>
-            </a:pPr>
-            <a:r>
-              <a:rPr lang="pt-BR" sz="1400" b="0" strike="noStrike" spc="-1" dirty="0">
-                <a:solidFill>
-                  <a:srgbClr val="000000"/>
-                </a:solidFill>
-                <a:uFill>
-                  <a:solidFill>
-                    <a:srgbClr val="FFFFFF"/>
-                  </a:solidFill>
-                </a:uFill>
-                <a:latin typeface="Monaco"/>
-                <a:ea typeface="DejaVu Sans"/>
-              </a:rPr>
-              <a:t>    }</a:t>
-            </a:r>
-            <a:endParaRPr lang="pt-BR" sz="1800" b="0" strike="noStrike" spc="-1" dirty="0">
-              <a:solidFill>
-                <a:srgbClr val="000000"/>
-              </a:solidFill>
-              <a:uFill>
-                <a:solidFill>
-                  <a:srgbClr val="FFFFFF"/>
-                </a:solidFill>
-              </a:uFill>
-              <a:latin typeface="Arial"/>
-            </a:endParaRPr>
-          </a:p>
-          <a:p>
-            <a:pPr>
-              <a:lnSpc>
-                <a:spcPct val="100000"/>
-              </a:lnSpc>
-            </a:pPr>
-            <a:r>
-              <a:rPr lang="pt-BR" sz="1400" b="0" strike="noStrike" spc="-1" dirty="0">
-                <a:solidFill>
-                  <a:srgbClr val="8F1493"/>
-                </a:solidFill>
-                <a:uFill>
-                  <a:solidFill>
-                    <a:srgbClr val="FFFFFF"/>
-                  </a:solidFill>
-                </a:uFill>
-                <a:latin typeface="Monaco"/>
-                <a:ea typeface="DejaVu Sans"/>
-              </a:rPr>
-              <a:t>  val</a:t>
-            </a:r>
-            <a:r>
-              <a:rPr lang="pt-BR" sz="1400" b="0" strike="noStrike" spc="-1" dirty="0">
-                <a:solidFill>
-                  <a:srgbClr val="000000"/>
-                </a:solidFill>
-                <a:uFill>
-                  <a:solidFill>
-                    <a:srgbClr val="FFFFFF"/>
-                  </a:solidFill>
-                </a:uFill>
-                <a:latin typeface="Monaco"/>
-                <a:ea typeface="DejaVu Sans"/>
-              </a:rPr>
-              <a:t> secondValue = (</a:t>
-            </a:r>
-            <a:r>
-              <a:rPr lang="pt-BR" sz="1400" b="0" strike="noStrike" spc="-1" dirty="0">
-                <a:solidFill>
-                  <a:srgbClr val="8F1493"/>
-                </a:solidFill>
-                <a:uFill>
-                  <a:solidFill>
-                    <a:srgbClr val="FFFFFF"/>
-                  </a:solidFill>
-                </a:uFill>
-                <a:latin typeface="Monaco"/>
-                <a:ea typeface="DejaVu Sans"/>
-              </a:rPr>
-              <a:t>at</a:t>
-            </a:r>
-            <a:r>
-              <a:rPr lang="pt-BR" sz="1400" b="0" strike="noStrike" spc="-1" dirty="0">
-                <a:solidFill>
-                  <a:srgbClr val="000000"/>
-                </a:solidFill>
-                <a:uFill>
-                  <a:solidFill>
-                    <a:srgbClr val="FFFFFF"/>
-                  </a:solidFill>
-                </a:uFill>
-                <a:latin typeface="Monaco"/>
-                <a:ea typeface="DejaVu Sans"/>
-              </a:rPr>
-              <a:t> (secondCtr.home) secondCtr().getCount());</a:t>
-            </a:r>
-            <a:endParaRPr lang="pt-BR" sz="1800" b="0" strike="noStrike" spc="-1" dirty="0">
-              <a:solidFill>
-                <a:srgbClr val="000000"/>
-              </a:solidFill>
-              <a:uFill>
-                <a:solidFill>
-                  <a:srgbClr val="FFFFFF"/>
-                </a:solidFill>
-              </a:uFill>
-              <a:latin typeface="Arial"/>
-            </a:endParaRPr>
-          </a:p>
-          <a:p>
-            <a:pPr>
-              <a:lnSpc>
-                <a:spcPct val="100000"/>
-              </a:lnSpc>
-            </a:pPr>
-            <a:r>
-              <a:rPr lang="pt-BR" sz="1400" b="0" strike="noStrike" spc="-1" dirty="0">
-                <a:solidFill>
-                  <a:srgbClr val="000000"/>
-                </a:solidFill>
-                <a:uFill>
-                  <a:solidFill>
-                    <a:srgbClr val="FFFFFF"/>
-                  </a:solidFill>
-                </a:uFill>
-                <a:latin typeface="Monaco"/>
-                <a:ea typeface="DejaVu Sans"/>
-              </a:rPr>
-              <a:t>  Console.OUT.println(</a:t>
-            </a:r>
-            <a:r>
-              <a:rPr lang="pt-BR" sz="1400" b="0" strike="noStrike" spc="-1" dirty="0">
-                <a:solidFill>
-                  <a:srgbClr val="0B0493"/>
-                </a:solidFill>
-                <a:uFill>
-                  <a:solidFill>
-                    <a:srgbClr val="FFFFFF"/>
-                  </a:solidFill>
-                </a:uFill>
-                <a:latin typeface="Monaco"/>
-                <a:ea typeface="DejaVu Sans"/>
-              </a:rPr>
-              <a:t>"Second value = "</a:t>
-            </a:r>
-            <a:r>
-              <a:rPr lang="pt-BR" sz="1400" b="0" strike="noStrike" spc="-1" dirty="0">
-                <a:solidFill>
-                  <a:srgbClr val="000000"/>
-                </a:solidFill>
-                <a:uFill>
-                  <a:solidFill>
-                    <a:srgbClr val="FFFFFF"/>
-                  </a:solidFill>
-                </a:uFill>
-                <a:latin typeface="Monaco"/>
-                <a:ea typeface="DejaVu Sans"/>
-              </a:rPr>
-              <a:t>+secondValue);</a:t>
-            </a:r>
-            <a:endParaRPr lang="pt-BR" sz="1800" b="0" strike="noStrike" spc="-1" dirty="0">
-              <a:solidFill>
-                <a:srgbClr val="000000"/>
-              </a:solidFill>
-              <a:uFill>
-                <a:solidFill>
-                  <a:srgbClr val="FFFFFF"/>
-                </a:solidFill>
-              </a:uFill>
-              <a:latin typeface="Arial"/>
-            </a:endParaRPr>
-          </a:p>
-          <a:p>
-            <a:pPr>
-              <a:lnSpc>
-                <a:spcPct val="100000"/>
-              </a:lnSpc>
-            </a:pPr>
-            <a:r>
-              <a:rPr lang="pt-BR" sz="1400" b="0" strike="noStrike" spc="-1" dirty="0">
-                <a:solidFill>
-                  <a:srgbClr val="000000"/>
-                </a:solidFill>
-                <a:uFill>
-                  <a:solidFill>
-                    <a:srgbClr val="FFFFFF"/>
-                  </a:solidFill>
-                </a:uFill>
-                <a:latin typeface="Monaco"/>
-                <a:ea typeface="DejaVu Sans"/>
-              </a:rPr>
-              <a:t>}</a:t>
-            </a:r>
-            <a:endParaRPr lang="pt-BR" sz="1800" b="0" strike="noStrike" spc="-1" dirty="0">
-              <a:solidFill>
-                <a:srgbClr val="000000"/>
-              </a:solidFill>
-              <a:uFill>
-                <a:solidFill>
-                  <a:srgbClr val="FFFFFF"/>
-                </a:solidFill>
-              </a:uFill>
-              <a:latin typeface="Arial"/>
-            </a:endParaRPr>
-          </a:p>
-          <a:p>
-            <a:pPr>
-              <a:lnSpc>
-                <a:spcPct val="100000"/>
-              </a:lnSpc>
-            </a:pPr>
-            <a:endParaRPr lang="pt-BR" sz="1800" b="0" strike="noStrike" spc="-1" dirty="0">
-              <a:solidFill>
-                <a:srgbClr val="000000"/>
-              </a:solidFill>
               <a:uFill>
                 <a:solidFill>
                   <a:srgbClr val="FFFFFF"/>
@@ -29742,9 +28206,36 @@
                 <a:latin typeface="Calibri" panose="020F0502020204030204" pitchFamily="34" charset="0"/>
                 <a:cs typeface="Calibri" panose="020F0502020204030204" pitchFamily="34" charset="0"/>
               </a:rPr>
-              <a:t>Usado para agrupar várias referências remotas para objetos em diferentes places</a:t>
+              <a:t>Usado para agrupar várias referências remotas para objetos em diferentes </a:t>
             </a:r>
-            <a:endParaRPr lang="pt-BR" sz="1100" spc="-1" dirty="0">
+            <a:r>
+              <a:rPr lang="pt-BR" sz="1600" spc="-1" dirty="0" smtClean="0">
+                <a:solidFill>
+                  <a:srgbClr val="000000"/>
+                </a:solidFill>
+                <a:uFill>
+                  <a:solidFill>
+                    <a:srgbClr val="FFFFFF"/>
+                  </a:solidFill>
+                </a:uFill>
+                <a:latin typeface="Calibri" panose="020F0502020204030204" pitchFamily="34" charset="0"/>
+                <a:cs typeface="Calibri" panose="020F0502020204030204" pitchFamily="34" charset="0"/>
+              </a:rPr>
+              <a:t>places</a:t>
+            </a:r>
+          </a:p>
+          <a:p>
+            <a:pPr marL="228600" indent="-227880">
+              <a:lnSpc>
+                <a:spcPct val="90000"/>
+              </a:lnSpc>
+              <a:buClr>
+                <a:srgbClr val="000000"/>
+              </a:buClr>
+              <a:buFont typeface="Arial"/>
+              <a:buChar char="•"/>
+            </a:pPr>
+            <a:endParaRPr lang="pt-BR" sz="1600" spc="-1" dirty="0">
               <a:solidFill>
                 <a:srgbClr val="000000"/>
               </a:solidFill>
@@ -29756,6 +28247,84 @@
               <a:latin typeface="Calibri" panose="020F0502020204030204" pitchFamily="34" charset="0"/>
               <a:cs typeface="Calibri" panose="020F0502020204030204" pitchFamily="34" charset="0"/>
             </a:endParaRPr>
+          </a:p>
+          <a:p>
+            <a:pPr marL="228600" indent="-227880">
+              <a:lnSpc>
+                <a:spcPct val="90000"/>
+              </a:lnSpc>
+              <a:buClr>
+                <a:srgbClr val="000000"/>
+              </a:buClr>
+              <a:buFont typeface="Arial"/>
+              <a:buChar char="•"/>
+            </a:pPr>
+            <a:r>
+              <a:rPr lang="pt-BR" sz="1600" spc="-1" dirty="0" smtClean="0">
+                <a:solidFill>
+                  <a:srgbClr val="000000"/>
+                </a:solidFill>
+                <a:uFill>
+                  <a:solidFill>
+                    <a:srgbClr val="FFFFFF"/>
+                  </a:solidFill>
+                </a:uFill>
+                <a:latin typeface="Calibri" panose="020F0502020204030204" pitchFamily="34" charset="0"/>
+                <a:cs typeface="Calibri" panose="020F0502020204030204" pitchFamily="34" charset="0"/>
+              </a:rPr>
+              <a:t>Cada PLH também é manipulado apenas no seu local de origem, porém é criado um PLH para cada Place</a:t>
+            </a:r>
+          </a:p>
+          <a:p>
+            <a:pPr marL="228600" indent="-227880">
+              <a:lnSpc>
+                <a:spcPct val="90000"/>
+              </a:lnSpc>
+              <a:buClr>
+                <a:srgbClr val="000000"/>
+              </a:buClr>
+              <a:buFont typeface="Arial"/>
+              <a:buChar char="•"/>
+            </a:pPr>
+            <a:endParaRPr lang="pt-BR" sz="1600" spc="-1" dirty="0">
+              <a:solidFill>
+                <a:srgbClr val="000000"/>
+              </a:solidFill>
+              <a:uFill>
+                <a:solidFill>
+                  <a:srgbClr val="FFFFFF"/>
+                </a:solidFill>
+              </a:uFill>
+              <a:latin typeface="Calibri" panose="020F0502020204030204" pitchFamily="34" charset="0"/>
+              <a:cs typeface="Calibri" panose="020F0502020204030204" pitchFamily="34" charset="0"/>
+            </a:endParaRPr>
+          </a:p>
+          <a:p>
+            <a:pPr marL="228600" indent="-227880">
+              <a:lnSpc>
+                <a:spcPct val="90000"/>
+              </a:lnSpc>
+              <a:buClr>
+                <a:srgbClr val="000000"/>
+              </a:buClr>
+              <a:buFont typeface="Arial"/>
+              <a:buChar char="•"/>
+            </a:pPr>
+            <a:r>
+              <a:rPr lang="pt-BR" sz="1600" spc="-1" dirty="0" smtClean="0">
+                <a:solidFill>
+                  <a:srgbClr val="000000"/>
+                </a:solidFill>
+                <a:uFill>
+                  <a:solidFill>
+                    <a:srgbClr val="FFFFFF"/>
+                  </a:solidFill>
+                </a:uFill>
+                <a:latin typeface="Calibri" panose="020F0502020204030204" pitchFamily="34" charset="0"/>
+                <a:cs typeface="Calibri" panose="020F0502020204030204" pitchFamily="34" charset="0"/>
+              </a:rPr>
+              <a:t>Podem ser modificados dentro de um bloco at()</a:t>
+            </a:r>
           </a:p>
         </p:txBody>
       </p:sp>
@@ -30251,7 +28820,7 @@
         <p:spPr>
           <a:xfrm>
             <a:off x="609480" y="1604520"/>
-            <a:ext cx="10971720" cy="3976560"/>
+            <a:ext cx="10971720" cy="4560784"/>
           </a:xfrm>
           <a:prstGeom prst="rect">
             <a:avLst/>
@@ -30317,53 +28886,10 @@
                 <a:ea typeface="DejaVu Sans"/>
                 <a:cs typeface="Calibri" panose="020F0502020204030204" pitchFamily="34" charset="0"/>
               </a:rPr>
-              <a:t>place possui um objeto da classe chamada NRDFS;</a:t>
+              <a:t>place </a:t>
             </a:r>
-            <a:endParaRPr lang="pt-BR" sz="1800" b="0" strike="noStrike" spc="-1" dirty="0">
-              <a:solidFill>
-                <a:srgbClr val="000000"/>
-              </a:solidFill>
-              <a:uFill>
-                <a:solidFill>
-                  <a:srgbClr val="FFFFFF"/>
-                </a:solidFill>
-              </a:uFill>
-              <a:latin typeface="Calibri" panose="020F0502020204030204" pitchFamily="34" charset="0"/>
-              <a:cs typeface="Calibri" panose="020F0502020204030204" pitchFamily="34" charset="0"/>
-            </a:endParaRPr>
-          </a:p>
-          <a:p>
-            <a:pPr>
-              <a:lnSpc>
-                <a:spcPct val="90000"/>
-              </a:lnSpc>
-            </a:pPr>
-            <a:endParaRPr lang="pt-BR" sz="1800" b="0" strike="noStrike" spc="-1" dirty="0">
-              <a:solidFill>
-                <a:srgbClr val="000000"/>
-              </a:solidFill>
-              <a:uFill>
-                <a:solidFill>
-                  <a:srgbClr val="FFFFFF"/>
-                </a:solidFill>
-              </a:uFill>
-              <a:latin typeface="Calibri" panose="020F0502020204030204" pitchFamily="34" charset="0"/>
-              <a:cs typeface="Calibri" panose="020F0502020204030204" pitchFamily="34" charset="0"/>
-            </a:endParaRPr>
-          </a:p>
-          <a:p>
-            <a:pPr marL="228600" indent="-227880">
-              <a:lnSpc>
-                <a:spcPct val="90000"/>
-              </a:lnSpc>
-              <a:buClr>
-                <a:srgbClr val="000000"/>
-              </a:buClr>
-              <a:buFont typeface="Arial"/>
-              <a:buChar char="•"/>
-            </a:pPr>
             <a:r>
-              <a:rPr lang="pt-BR" sz="1600" b="0" strike="noStrike" spc="-1" dirty="0">
+              <a:rPr lang="pt-BR" sz="1600" b="0" strike="noStrike" spc="-1" dirty="0" smtClean="0">
                 <a:solidFill>
                   <a:srgbClr val="000000"/>
                 </a:solidFill>
@@ -30376,9 +28902,189 @@
                 <a:ea typeface="DejaVu Sans"/>
                 <a:cs typeface="Calibri" panose="020F0502020204030204" pitchFamily="34" charset="0"/>
               </a:rPr>
-              <a:t>Cada NRDFS opera sobre sua pilha testando o caminho (Tour corrente);</a:t>
+              <a:t>possui: (PlaceLocalHandle)</a:t>
             </a:r>
-            <a:endParaRPr lang="pt-BR" sz="1800" b="0" strike="noStrike" spc="-1" dirty="0">
+          </a:p>
+          <a:p>
+            <a:pPr marL="685800" lvl="1" indent="-227880">
+              <a:lnSpc>
+                <a:spcPct val="90000"/>
+              </a:lnSpc>
+              <a:buClr>
+                <a:srgbClr val="000000"/>
+              </a:buClr>
+              <a:buFont typeface="Arial"/>
+              <a:buChar char="•"/>
+            </a:pPr>
+            <a:r>
+              <a:rPr lang="pt-BR" sz="1400" spc="-1" dirty="0" smtClean="0">
+                <a:solidFill>
+                  <a:srgbClr val="000000"/>
+                </a:solidFill>
+                <a:uFill>
+                  <a:solidFill>
+                    <a:srgbClr val="FFFFFF"/>
+                  </a:solidFill>
+                </a:uFill>
+                <a:latin typeface="Calibri" panose="020F0502020204030204" pitchFamily="34" charset="0"/>
+                <a:cs typeface="Calibri" panose="020F0502020204030204" pitchFamily="34" charset="0"/>
+              </a:rPr>
+              <a:t>1 Pilha</a:t>
+            </a:r>
+          </a:p>
+          <a:p>
+            <a:pPr marL="685800" lvl="1" indent="-227880">
+              <a:lnSpc>
+                <a:spcPct val="90000"/>
+              </a:lnSpc>
+              <a:buClr>
+                <a:srgbClr val="000000"/>
+              </a:buClr>
+              <a:buFont typeface="Arial"/>
+              <a:buChar char="•"/>
+            </a:pPr>
+            <a:r>
+              <a:rPr lang="pt-BR" sz="1400" b="0" strike="noStrike" spc="-1" dirty="0" smtClean="0">
+                <a:solidFill>
+                  <a:srgbClr val="000000"/>
+                </a:solidFill>
+                <a:uFill>
+                  <a:solidFill>
+                    <a:srgbClr val="FFFFFF"/>
+                  </a:solidFill>
+                </a:uFill>
+                <a:latin typeface="Calibri" panose="020F0502020204030204" pitchFamily="34" charset="0"/>
+                <a:cs typeface="Calibri" panose="020F0502020204030204" pitchFamily="34" charset="0"/>
+              </a:rPr>
+              <a:t>1 valor de melhor custo de rota local</a:t>
+            </a:r>
+          </a:p>
+          <a:p>
+            <a:pPr marL="685800" lvl="1" indent="-227880">
+              <a:lnSpc>
+                <a:spcPct val="90000"/>
+              </a:lnSpc>
+              <a:buClr>
+                <a:srgbClr val="000000"/>
+              </a:buClr>
+              <a:buFont typeface="Arial"/>
+              <a:buChar char="•"/>
+            </a:pPr>
+            <a:r>
+              <a:rPr lang="pt-BR" sz="1400" b="0" strike="noStrike" spc="-1" dirty="0" smtClean="0">
+                <a:solidFill>
+                  <a:srgbClr val="000000"/>
+                </a:solidFill>
+                <a:uFill>
+                  <a:solidFill>
+                    <a:srgbClr val="FFFFFF"/>
+                  </a:solidFill>
+                </a:uFill>
+                <a:latin typeface="Calibri" panose="020F0502020204030204" pitchFamily="34" charset="0"/>
+                <a:cs typeface="Calibri" panose="020F0502020204030204" pitchFamily="34" charset="0"/>
+              </a:rPr>
+              <a:t>2 variáveis de estado (</a:t>
+            </a:r>
+            <a:r>
+              <a:rPr lang="pt-BR" sz="1400" b="0" i="1" strike="noStrike" spc="-1" dirty="0" smtClean="0">
+                <a:solidFill>
+                  <a:srgbClr val="000000"/>
+                </a:solidFill>
+                <a:uFill>
+                  <a:solidFill>
+                    <a:srgbClr val="FFFFFF"/>
+                  </a:solidFill>
+                </a:uFill>
+                <a:latin typeface="Calibri" panose="020F0502020204030204" pitchFamily="34" charset="0"/>
+                <a:cs typeface="Calibri" panose="020F0502020204030204" pitchFamily="34" charset="0"/>
+              </a:rPr>
+              <a:t>working </a:t>
+            </a:r>
+            <a:r>
+              <a:rPr lang="pt-BR" sz="1400" b="0" strike="noStrike" spc="-1" dirty="0" smtClean="0">
+                <a:solidFill>
+                  <a:srgbClr val="000000"/>
+                </a:solidFill>
+                <a:uFill>
+                  <a:solidFill>
+                    <a:srgbClr val="FFFFFF"/>
+                  </a:solidFill>
+                </a:uFill>
+                <a:latin typeface="Calibri" panose="020F0502020204030204" pitchFamily="34" charset="0"/>
+                <a:cs typeface="Calibri" panose="020F0502020204030204" pitchFamily="34" charset="0"/>
+              </a:rPr>
+              <a:t>e </a:t>
+            </a:r>
+            <a:r>
+              <a:rPr lang="pt-BR" sz="1400" b="0" i="1" strike="noStrike" spc="-1" dirty="0" smtClean="0">
+                <a:solidFill>
+                  <a:srgbClr val="000000"/>
+                </a:solidFill>
+                <a:uFill>
+                  <a:solidFill>
+                    <a:srgbClr val="FFFFFF"/>
+                  </a:solidFill>
+                </a:uFill>
+                <a:latin typeface="Calibri" panose="020F0502020204030204" pitchFamily="34" charset="0"/>
+                <a:cs typeface="Calibri" panose="020F0502020204030204" pitchFamily="34" charset="0"/>
+              </a:rPr>
+              <a:t>not_terminate</a:t>
+            </a:r>
+            <a:r>
+              <a:rPr lang="pt-BR" sz="1400" b="0" strike="noStrike" spc="-1" dirty="0" smtClean="0">
+                <a:solidFill>
+                  <a:srgbClr val="000000"/>
+                </a:solidFill>
+                <a:uFill>
+                  <a:solidFill>
+                    <a:srgbClr val="FFFFFF"/>
+                  </a:solidFill>
+                </a:uFill>
+                <a:latin typeface="Calibri" panose="020F0502020204030204" pitchFamily="34" charset="0"/>
+                <a:cs typeface="Calibri" panose="020F0502020204030204" pitchFamily="34" charset="0"/>
+              </a:rPr>
+              <a:t>)</a:t>
+            </a:r>
+          </a:p>
+          <a:p>
+            <a:pPr marL="685800" lvl="1" indent="-227880">
+              <a:lnSpc>
+                <a:spcPct val="90000"/>
+              </a:lnSpc>
+              <a:buClr>
+                <a:srgbClr val="000000"/>
+              </a:buClr>
+              <a:buFont typeface="Arial"/>
+              <a:buChar char="•"/>
+            </a:pPr>
+            <a:r>
+              <a:rPr lang="pt-BR" sz="1400" spc="-1" dirty="0" smtClean="0">
+                <a:solidFill>
+                  <a:srgbClr val="000000"/>
+                </a:solidFill>
+                <a:uFill>
+                  <a:solidFill>
+                    <a:srgbClr val="FFFFFF"/>
+                  </a:solidFill>
+                </a:uFill>
+                <a:latin typeface="Calibri" panose="020F0502020204030204" pitchFamily="34" charset="0"/>
+                <a:cs typeface="Calibri" panose="020F0502020204030204" pitchFamily="34" charset="0"/>
+              </a:rPr>
+              <a:t>2 variáveis para verificar se algum place está vazio e qual está vazio</a:t>
+            </a:r>
+          </a:p>
+          <a:p>
+            <a:pPr marL="228600" indent="-227880">
+              <a:lnSpc>
+                <a:spcPct val="90000"/>
+              </a:lnSpc>
+              <a:buClr>
+                <a:srgbClr val="000000"/>
+              </a:buClr>
+              <a:buFont typeface="Arial"/>
+              <a:buChar char="•"/>
+            </a:pPr>
+            <a:endParaRPr lang="pt-BR" sz="1600" b="0" strike="noStrike" spc="-1" dirty="0" smtClean="0">
               <a:solidFill>
                 <a:srgbClr val="000000"/>
               </a:solidFill>
@@ -30392,12 +29098,210 @@
             </a:endParaRPr>
           </a:p>
           <a:p>
+            <a:pPr marL="228600" indent="-227880">
+              <a:lnSpc>
+                <a:spcPct val="90000"/>
+              </a:lnSpc>
+              <a:buClr>
+                <a:srgbClr val="000000"/>
+              </a:buClr>
+              <a:buFont typeface="Arial"/>
+              <a:buChar char="•"/>
+            </a:pPr>
+            <a:r>
+              <a:rPr lang="pt-BR" sz="1600" b="0" strike="noStrike" spc="-1" dirty="0" smtClean="0">
+                <a:solidFill>
+                  <a:srgbClr val="000000"/>
+                </a:solidFill>
+                <a:uFill>
+                  <a:solidFill>
+                    <a:srgbClr val="FFFFFF"/>
+                  </a:solidFill>
+                </a:uFill>
+                <a:latin typeface="Calibri" panose="020F0502020204030204" pitchFamily="34" charset="0"/>
+                <a:cs typeface="Calibri" panose="020F0502020204030204" pitchFamily="34" charset="0"/>
+              </a:rPr>
+              <a:t>GlobalRef’s</a:t>
+            </a:r>
+          </a:p>
+          <a:p>
+            <a:pPr marL="685800" lvl="1" indent="-227880">
+              <a:lnSpc>
+                <a:spcPct val="90000"/>
+              </a:lnSpc>
+              <a:buClr>
+                <a:srgbClr val="000000"/>
+              </a:buClr>
+              <a:buFont typeface="Arial"/>
+              <a:buChar char="•"/>
+            </a:pPr>
+            <a:r>
+              <a:rPr lang="pt-BR" sz="1400" b="0" strike="noStrike" spc="-1" dirty="0" smtClean="0">
+                <a:solidFill>
+                  <a:srgbClr val="000000"/>
+                </a:solidFill>
+                <a:uFill>
+                  <a:solidFill>
+                    <a:srgbClr val="FFFFFF"/>
+                  </a:solidFill>
+                </a:uFill>
+                <a:latin typeface="Calibri" panose="020F0502020204030204" pitchFamily="34" charset="0"/>
+                <a:cs typeface="Calibri" panose="020F0502020204030204" pitchFamily="34" charset="0"/>
+              </a:rPr>
+              <a:t>Custo global da melhor rota</a:t>
+            </a:r>
+          </a:p>
+          <a:p>
+            <a:pPr marL="685800" lvl="1" indent="-227880">
+              <a:lnSpc>
+                <a:spcPct val="90000"/>
+              </a:lnSpc>
+              <a:buClr>
+                <a:srgbClr val="000000"/>
+              </a:buClr>
+              <a:buFont typeface="Arial"/>
+              <a:buChar char="•"/>
+            </a:pPr>
+            <a:r>
+              <a:rPr lang="pt-BR" sz="1400" spc="-1" dirty="0" smtClean="0">
+                <a:solidFill>
+                  <a:srgbClr val="000000"/>
+                </a:solidFill>
+                <a:uFill>
+                  <a:solidFill>
+                    <a:srgbClr val="FFFFFF"/>
+                  </a:solidFill>
+                </a:uFill>
+                <a:latin typeface="Calibri" panose="020F0502020204030204" pitchFamily="34" charset="0"/>
+                <a:cs typeface="Calibri" panose="020F0502020204030204" pitchFamily="34" charset="0"/>
+              </a:rPr>
+              <a:t>Rota com menor custo global</a:t>
+            </a:r>
+          </a:p>
+          <a:p>
+            <a:pPr marL="685800" lvl="1" indent="-227880">
+              <a:lnSpc>
+                <a:spcPct val="90000"/>
+              </a:lnSpc>
+              <a:buClr>
+                <a:srgbClr val="000000"/>
+              </a:buClr>
+              <a:buFont typeface="Arial"/>
+              <a:buChar char="•"/>
+            </a:pPr>
+            <a:r>
+              <a:rPr lang="pt-BR" sz="1400" b="0" strike="noStrike" spc="-1" dirty="0" smtClean="0">
+                <a:solidFill>
+                  <a:srgbClr val="000000"/>
+                </a:solidFill>
+                <a:uFill>
+                  <a:solidFill>
+                    <a:srgbClr val="FFFFFF"/>
+                  </a:solidFill>
+                </a:uFill>
+                <a:latin typeface="Calibri" panose="020F0502020204030204" pitchFamily="34" charset="0"/>
+                <a:cs typeface="Calibri" panose="020F0502020204030204" pitchFamily="34" charset="0"/>
+              </a:rPr>
+              <a:t>Array com os id’s dos places que estão esperando</a:t>
+            </a:r>
+          </a:p>
+          <a:p>
+            <a:pPr marL="685800" lvl="1" indent="-227880">
+              <a:lnSpc>
+                <a:spcPct val="90000"/>
+              </a:lnSpc>
+              <a:buClr>
+                <a:srgbClr val="000000"/>
+              </a:buClr>
+              <a:buFont typeface="Arial"/>
+              <a:buChar char="•"/>
+            </a:pPr>
+            <a:r>
+              <a:rPr lang="pt-BR" sz="1400" spc="-1" dirty="0" smtClean="0">
+                <a:solidFill>
+                  <a:srgbClr val="000000"/>
+                </a:solidFill>
+                <a:uFill>
+                  <a:solidFill>
+                    <a:srgbClr val="FFFFFF"/>
+                  </a:solidFill>
+                </a:uFill>
+                <a:latin typeface="Calibri" panose="020F0502020204030204" pitchFamily="34" charset="0"/>
+                <a:cs typeface="Calibri" panose="020F0502020204030204" pitchFamily="34" charset="0"/>
+              </a:rPr>
+              <a:t>Número de places que estão esperando novas rotas</a:t>
+            </a:r>
+          </a:p>
+          <a:p>
+            <a:pPr marL="685800" lvl="1" indent="-227880">
+              <a:lnSpc>
+                <a:spcPct val="90000"/>
+              </a:lnSpc>
+              <a:buClr>
+                <a:srgbClr val="000000"/>
+              </a:buClr>
+              <a:buFont typeface="Arial"/>
+              <a:buChar char="•"/>
+            </a:pPr>
+            <a:endParaRPr lang="pt-BR" sz="1600" b="0" strike="noStrike" spc="-1" dirty="0">
+              <a:solidFill>
+                <a:srgbClr val="000000"/>
+              </a:solidFill>
+              <a:uFill>
+                <a:solidFill>
+                  <a:srgbClr val="FFFFFF"/>
+                </a:solidFill>
+              </a:uFill>
+              <a:latin typeface="Calibri" panose="020F0502020204030204" pitchFamily="34" charset="0"/>
+              <a:cs typeface="Calibri" panose="020F0502020204030204" pitchFamily="34" charset="0"/>
+            </a:endParaRPr>
+          </a:p>
+          <a:p>
+            <a:pPr marL="228600" indent="-227880">
+              <a:lnSpc>
+                <a:spcPct val="90000"/>
+              </a:lnSpc>
+              <a:buClr>
+                <a:srgbClr val="000000"/>
+              </a:buClr>
+              <a:buFont typeface="Arial"/>
+              <a:buChar char="•"/>
+            </a:pPr>
+            <a:r>
+              <a:rPr lang="pt-BR" sz="1600" spc="-1" dirty="0" smtClean="0">
+                <a:solidFill>
+                  <a:srgbClr val="000000"/>
+                </a:solidFill>
+                <a:uFill>
+                  <a:solidFill>
+                    <a:srgbClr val="FFFFFF"/>
+                  </a:solidFill>
+                </a:uFill>
+                <a:latin typeface="Calibri" panose="020F0502020204030204" pitchFamily="34" charset="0"/>
+                <a:cs typeface="Calibri" panose="020F0502020204030204" pitchFamily="34" charset="0"/>
+              </a:rPr>
+              <a:t>1 DistArray que distribui o trabalho entre cada Place</a:t>
+            </a:r>
+            <a:endParaRPr lang="pt-BR" sz="1600" b="0" strike="noStrike" spc="-1" dirty="0">
+              <a:solidFill>
+                <a:srgbClr val="000000"/>
+              </a:solidFill>
+              <a:uFill>
+                <a:solidFill>
+                  <a:srgbClr val="FFFFFF"/>
+                </a:solidFill>
+              </a:uFill>
+              <a:latin typeface="Calibri" panose="020F0502020204030204" pitchFamily="34" charset="0"/>
+              <a:cs typeface="Calibri" panose="020F0502020204030204" pitchFamily="34" charset="0"/>
+            </a:endParaRPr>
+          </a:p>
+          <a:p>
             <a:pPr>
               <a:lnSpc>
-                <a:spcPct val="100000"/>
+                <a:spcPct val="90000"/>
               </a:lnSpc>
             </a:pPr>
-            <a:endParaRPr lang="pt-BR" sz="1800" b="0" strike="noStrike" spc="-1" dirty="0">
+            <a:endParaRPr lang="pt-BR" sz="1600" b="0" strike="noStrike" spc="-1" dirty="0">
               <a:solidFill>
                 <a:srgbClr val="000000"/>
               </a:solidFill>
@@ -30435,53 +29339,10 @@
                 <a:ea typeface="DejaVu Sans"/>
                 <a:cs typeface="Calibri" panose="020F0502020204030204" pitchFamily="34" charset="0"/>
               </a:rPr>
-              <a:t>Testa com bestTour que é um PlaceLocalHandle usado como referencia global do melhor caminho;</a:t>
+              <a:t>Cada </a:t>
             </a:r>
-            <a:endParaRPr lang="pt-BR" sz="1800" b="0" strike="noStrike" spc="-1" dirty="0">
-              <a:solidFill>
-                <a:srgbClr val="000000"/>
-              </a:solidFill>
-              <a:uFill>
-                <a:solidFill>
-                  <a:srgbClr val="FFFFFF"/>
-                </a:solidFill>
-              </a:uFill>
-              <a:latin typeface="Calibri" panose="020F0502020204030204" pitchFamily="34" charset="0"/>
-              <a:cs typeface="Calibri" panose="020F0502020204030204" pitchFamily="34" charset="0"/>
-            </a:endParaRPr>
-          </a:p>
-          <a:p>
-            <a:pPr>
-              <a:lnSpc>
-                <a:spcPct val="90000"/>
-              </a:lnSpc>
-            </a:pPr>
-            <a:endParaRPr lang="pt-BR" sz="1800" b="0" strike="noStrike" spc="-1" dirty="0">
-              <a:solidFill>
-                <a:srgbClr val="000000"/>
-              </a:solidFill>
-              <a:uFill>
-                <a:solidFill>
-                  <a:srgbClr val="FFFFFF"/>
-                </a:solidFill>
-              </a:uFill>
-              <a:latin typeface="Calibri" panose="020F0502020204030204" pitchFamily="34" charset="0"/>
-              <a:cs typeface="Calibri" panose="020F0502020204030204" pitchFamily="34" charset="0"/>
-            </a:endParaRPr>
-          </a:p>
-          <a:p>
-            <a:pPr marL="228600" indent="-227880">
-              <a:lnSpc>
-                <a:spcPct val="90000"/>
-              </a:lnSpc>
-              <a:buClr>
-                <a:srgbClr val="000000"/>
-              </a:buClr>
-              <a:buFont typeface="Arial"/>
-              <a:buChar char="•"/>
-            </a:pPr>
             <a:r>
-              <a:rPr lang="pt-BR" sz="1600" b="0" strike="noStrike" spc="-1" dirty="0">
+              <a:rPr lang="pt-BR" sz="1600" b="0" strike="noStrike" spc="-1" dirty="0" smtClean="0">
                 <a:solidFill>
                   <a:srgbClr val="000000"/>
                 </a:solidFill>
@@ -30494,10 +29355,10 @@
                 <a:ea typeface="DejaVu Sans"/>
                 <a:cs typeface="Calibri" panose="020F0502020204030204" pitchFamily="34" charset="0"/>
               </a:rPr>
-              <a:t>Um objeto que esteja ocioso em um place deve requisitar a outro algum Tour para operar. Isso evita desbalanceamento na busca onde o trabalho em um place pode terminar antes de outro</a:t>
+              <a:t>Place opera </a:t>
             </a:r>
             <a:r>
-              <a:rPr lang="pt-BR" sz="1600" b="0" strike="noStrike" spc="-1" dirty="0" smtClean="0">
+              <a:rPr lang="pt-BR" sz="1600" b="0" strike="noStrike" spc="-1" dirty="0">
                 <a:solidFill>
                   <a:srgbClr val="000000"/>
                 </a:solidFill>
@@ -30510,9 +29371,173 @@
                 <a:ea typeface="DejaVu Sans"/>
                 <a:cs typeface="Calibri" panose="020F0502020204030204" pitchFamily="34" charset="0"/>
               </a:rPr>
-              <a:t>.</a:t>
+              <a:t>sobre sua pilha testando </a:t>
             </a:r>
-            <a:endParaRPr lang="pt-BR" sz="1800" b="0" strike="noStrike" spc="-1" dirty="0">
+            <a:r>
+              <a:rPr lang="pt-BR" sz="1600" spc="-1" dirty="0" smtClean="0">
+                <a:solidFill>
+                  <a:srgbClr val="000000"/>
+                </a:solidFill>
+                <a:uFill>
+                  <a:solidFill>
+                    <a:srgbClr val="FFFFFF"/>
+                  </a:solidFill>
+                </a:uFill>
+                <a:latin typeface="Calibri" panose="020F0502020204030204" pitchFamily="34" charset="0"/>
+                <a:ea typeface="DejaVu Sans"/>
+                <a:cs typeface="Calibri" panose="020F0502020204030204" pitchFamily="34" charset="0"/>
+              </a:rPr>
+              <a:t>a rota corrente</a:t>
+            </a:r>
+          </a:p>
+          <a:p>
+            <a:pPr marL="228600" indent="-227880">
+              <a:lnSpc>
+                <a:spcPct val="90000"/>
+              </a:lnSpc>
+              <a:buClr>
+                <a:srgbClr val="000000"/>
+              </a:buClr>
+              <a:buFont typeface="Arial"/>
+              <a:buChar char="•"/>
+            </a:pPr>
+            <a:endParaRPr lang="pt-BR" sz="1600" b="0" strike="noStrike" spc="-1" dirty="0" smtClean="0">
+              <a:solidFill>
+                <a:srgbClr val="000000"/>
+              </a:solidFill>
+              <a:uFill>
+                <a:solidFill>
+                  <a:srgbClr val="FFFFFF"/>
+                </a:solidFill>
+              </a:uFill>
+              <a:latin typeface="Calibri" panose="020F0502020204030204" pitchFamily="34" charset="0"/>
+              <a:ea typeface="DejaVu Sans"/>
+              <a:cs typeface="Calibri" panose="020F0502020204030204" pitchFamily="34" charset="0"/>
+            </a:endParaRPr>
+          </a:p>
+          <a:p>
+            <a:pPr marL="228600" indent="-227880">
+              <a:lnSpc>
+                <a:spcPct val="90000"/>
+              </a:lnSpc>
+              <a:buClr>
+                <a:srgbClr val="000000"/>
+              </a:buClr>
+              <a:buFont typeface="Arial"/>
+              <a:buChar char="•"/>
+            </a:pPr>
+            <a:r>
+              <a:rPr lang="pt-BR" sz="1600" b="0" strike="noStrike" spc="-1" dirty="0" smtClean="0">
+                <a:solidFill>
+                  <a:srgbClr val="000000"/>
+                </a:solidFill>
+                <a:uFill>
+                  <a:solidFill>
+                    <a:srgbClr val="FFFFFF"/>
+                  </a:solidFill>
+                </a:uFill>
+                <a:latin typeface="Calibri" panose="020F0502020204030204" pitchFamily="34" charset="0"/>
+                <a:ea typeface="DejaVu Sans"/>
+                <a:cs typeface="Calibri" panose="020F0502020204030204" pitchFamily="34" charset="0"/>
+              </a:rPr>
+              <a:t>A cada novo melhor custo global, transfere esse valor para todos os Places</a:t>
+            </a:r>
+          </a:p>
+          <a:p>
+            <a:pPr>
+              <a:lnSpc>
+                <a:spcPct val="90000"/>
+              </a:lnSpc>
+            </a:pPr>
+            <a:endParaRPr lang="pt-BR" sz="1600" b="0" strike="noStrike" spc="-1" dirty="0">
+              <a:solidFill>
+                <a:srgbClr val="000000"/>
+              </a:solidFill>
+              <a:uFill>
+                <a:solidFill>
+                  <a:srgbClr val="FFFFFF"/>
+                </a:solidFill>
+              </a:uFill>
+              <a:latin typeface="Calibri" panose="020F0502020204030204" pitchFamily="34" charset="0"/>
+              <a:cs typeface="Calibri" panose="020F0502020204030204" pitchFamily="34" charset="0"/>
+            </a:endParaRPr>
+          </a:p>
+          <a:p>
+            <a:pPr marL="228600" indent="-227880">
+              <a:lnSpc>
+                <a:spcPct val="90000"/>
+              </a:lnSpc>
+              <a:buClr>
+                <a:srgbClr val="000000"/>
+              </a:buClr>
+              <a:buFont typeface="Arial"/>
+              <a:buChar char="•"/>
+            </a:pPr>
+            <a:r>
+              <a:rPr lang="pt-BR" sz="1600" b="0" strike="noStrike" spc="-1" dirty="0">
+                <a:solidFill>
+                  <a:srgbClr val="000000"/>
+                </a:solidFill>
+                <a:uFill>
+                  <a:solidFill>
+                    <a:srgbClr val="FFFFFF"/>
+                  </a:solidFill>
+                </a:uFill>
+                <a:latin typeface="Calibri" panose="020F0502020204030204" pitchFamily="34" charset="0"/>
+                <a:ea typeface="DejaVu Sans"/>
+                <a:cs typeface="Calibri" panose="020F0502020204030204" pitchFamily="34" charset="0"/>
+              </a:rPr>
+              <a:t>Um objeto que esteja ocioso em um place deve requisitar a outro algum Tour para </a:t>
+            </a:r>
+            <a:r>
+              <a:rPr lang="pt-BR" sz="1600" b="0" strike="noStrike" spc="-1" dirty="0" smtClean="0">
+                <a:solidFill>
+                  <a:srgbClr val="000000"/>
+                </a:solidFill>
+                <a:uFill>
+                  <a:solidFill>
+                    <a:srgbClr val="FFFFFF"/>
+                  </a:solidFill>
+                </a:uFill>
+                <a:latin typeface="Calibri" panose="020F0502020204030204" pitchFamily="34" charset="0"/>
+                <a:ea typeface="DejaVu Sans"/>
+                <a:cs typeface="Calibri" panose="020F0502020204030204" pitchFamily="34" charset="0"/>
+              </a:rPr>
+              <a:t>operar, evitando desbalanceamento </a:t>
+            </a:r>
+            <a:r>
+              <a:rPr lang="pt-BR" sz="1600" b="0" strike="noStrike" spc="-1" dirty="0">
+                <a:solidFill>
+                  <a:srgbClr val="000000"/>
+                </a:solidFill>
+                <a:uFill>
+                  <a:solidFill>
+                    <a:srgbClr val="FFFFFF"/>
+                  </a:solidFill>
+                </a:uFill>
+                <a:latin typeface="Calibri" panose="020F0502020204030204" pitchFamily="34" charset="0"/>
+                <a:ea typeface="DejaVu Sans"/>
+                <a:cs typeface="Calibri" panose="020F0502020204030204" pitchFamily="34" charset="0"/>
+              </a:rPr>
+              <a:t>na busca onde o trabalho em um place pode terminar antes de </a:t>
+            </a:r>
+            <a:r>
+              <a:rPr lang="pt-BR" sz="1600" b="0" strike="noStrike" spc="-1" dirty="0" smtClean="0">
+                <a:solidFill>
+                  <a:srgbClr val="000000"/>
+                </a:solidFill>
+                <a:uFill>
+                  <a:solidFill>
+                    <a:srgbClr val="FFFFFF"/>
+                  </a:solidFill>
+                </a:uFill>
+                <a:latin typeface="Calibri" panose="020F0502020204030204" pitchFamily="34" charset="0"/>
+                <a:ea typeface="DejaVu Sans"/>
+                <a:cs typeface="Calibri" panose="020F0502020204030204" pitchFamily="34" charset="0"/>
+              </a:rPr>
+              <a:t>outro</a:t>
+            </a:r>
+            <a:endParaRPr lang="pt-BR" sz="1600" b="0" strike="noStrike" spc="-1" dirty="0">
               <a:solidFill>
                 <a:srgbClr val="000000"/>
               </a:solidFill>
@@ -30528,6 +29553,11 @@
         </p:txBody>
       </p:sp>
     </p:spTree>
+    <p:extLst>
+      <p:ext uri="{BB962C8B-B14F-4D97-AF65-F5344CB8AC3E}">
+        <p14:creationId xmlns:p14="http://schemas.microsoft.com/office/powerpoint/2010/main" val="837446532"/>
+      </p:ext>
+    </p:extLst>
   </p:cSld>
   <p:clrMapOvr>
     <a:masterClrMapping/>
@@ -30581,7 +29611,7 @@
       </p:grpSpPr>
       <p:sp>
         <p:nvSpPr>
-          <p:cNvPr id="422" name="CustomShape 1"/>
+          <p:cNvPr id="420" name="CustomShape 1"/>
           <p:cNvSpPr/>
           <p:nvPr/>
         </p:nvSpPr>
@@ -30614,11 +29644,6 @@
           <a:bodyPr lIns="0" tIns="0" rIns="0" bIns="0" anchor="ctr"/>
           <a:lstStyle/>
           <a:p>
-            <a:pPr>
-              <a:lnSpc>
-                <a:spcPct val="90000"/>
-              </a:lnSpc>
-            </a:pPr>
             <a:r>
               <a:rPr lang="pt-BR" sz="2400" b="0" strike="noStrike" spc="-1" dirty="0">
                 <a:solidFill>
@@ -30632,7 +29657,22 @@
                 <a:latin typeface="Calibri"/>
                 <a:ea typeface="DejaVu Sans"/>
               </a:rPr>
-              <a:t>Busca em árvore com x10</a:t>
+              <a:t>Busca em árvore com </a:t>
+            </a:r>
+            <a:r>
+              <a:rPr lang="pt-BR" sz="2400" b="0" strike="noStrike" spc="-1" dirty="0" smtClean="0">
+                <a:solidFill>
+                  <a:srgbClr val="000000"/>
+                </a:solidFill>
+                <a:uFill>
+                  <a:solidFill>
+                    <a:srgbClr val="FFFFFF"/>
+                  </a:solidFill>
+                </a:uFill>
+                <a:latin typeface="Calibri"/>
+                <a:ea typeface="DejaVu Sans"/>
+              </a:rPr>
+              <a:t>x10</a:t>
             </a:r>
             <a:endParaRPr lang="pt-BR" sz="2400" b="0" strike="noStrike" spc="-1" dirty="0">
               <a:solidFill>
@@ -30644,34 +29684,124 @@
                 </a:solidFill>
               </a:uFill>
               <a:latin typeface="Arial"/>
+            </a:endParaRPr>
+          </a:p>
+        </p:txBody>
+      </p:sp>
+      <p:sp>
+        <p:nvSpPr>
+          <p:cNvPr id="421" name="CustomShape 2"/>
+          <p:cNvSpPr/>
+          <p:nvPr/>
+        </p:nvSpPr>
+        <p:spPr>
+          <a:xfrm>
+            <a:off x="609480" y="1604520"/>
+            <a:ext cx="10971720" cy="4560784"/>
+          </a:xfrm>
+          <a:prstGeom prst="rect">
+            <a:avLst/>
+          </a:prstGeom>
+          <a:noFill/>
+          <a:ln>
+            <a:noFill/>
+          </a:ln>
+        </p:spPr>
+        <p:style>
+          <a:lnRef idx="0">
+            <a:scrgbClr r="0" g="0" b="0"/>
+          </a:lnRef>
+          <a:fillRef idx="0">
+            <a:scrgbClr r="0" g="0" b="0"/>
+          </a:fillRef>
+          <a:effectRef idx="0">
+            <a:scrgbClr r="0" g="0" b="0"/>
+          </a:effectRef>
+          <a:fontRef idx="minor"/>
+        </p:style>
+        <p:txBody>
+          <a:bodyPr lIns="0" tIns="0" rIns="0" bIns="0" anchor="t"/>
+          <a:lstStyle/>
+          <a:p>
+            <a:pPr marL="228600" indent="-227880">
+              <a:lnSpc>
+                <a:spcPct val="90000"/>
+              </a:lnSpc>
+              <a:buClr>
+                <a:srgbClr val="000000"/>
+              </a:buClr>
+              <a:buFont typeface="Arial"/>
+              <a:buChar char="•"/>
+            </a:pPr>
+            <a:endParaRPr lang="pt-BR" sz="1600" b="0" strike="noStrike" spc="-1" dirty="0">
+              <a:solidFill>
+                <a:srgbClr val="000000"/>
+              </a:solidFill>
+              <a:uFill>
+                <a:solidFill>
+                  <a:srgbClr val="FFFFFF"/>
+                </a:solidFill>
+              </a:uFill>
+              <a:latin typeface="Calibri" panose="020F0502020204030204" pitchFamily="34" charset="0"/>
+              <a:cs typeface="Calibri" panose="020F0502020204030204" pitchFamily="34" charset="0"/>
             </a:endParaRPr>
           </a:p>
         </p:txBody>
       </p:sp>
       <p:pic>
         <p:nvPicPr>
-          <p:cNvPr id="423" name="Picture 422"/>
-          <p:cNvPicPr/>
+          <p:cNvPr id="4" name="Picture 3"/>
+          <p:cNvPicPr>
+            <a:picLocks noChangeAspect="1"/>
+          </p:cNvPicPr>
           <p:nvPr/>
         </p:nvPicPr>
         <p:blipFill>
           <a:blip r:embed="rId2"/>
-          <a:stretch/>
+          <a:stretch>
+            <a:fillRect/>
+          </a:stretch>
         </p:blipFill>
         <p:spPr>
           <a:xfrm>
-            <a:off x="1296000" y="1224000"/>
-            <a:ext cx="7594200" cy="5413680"/>
-          </a:xfrm>
-          <a:prstGeom prst="rect">
-            <a:avLst/>
-          </a:prstGeom>
-          <a:ln>
-            <a:noFill/>
-          </a:ln>
+            <a:off x="609480" y="3578043"/>
+            <a:ext cx="5753100" cy="1171575"/>
+          </a:xfrm>
+          <a:prstGeom prst="rect">
+            <a:avLst/>
+          </a:prstGeom>
+        </p:spPr>
+      </p:pic>
+      <p:pic>
+        <p:nvPicPr>
+          <p:cNvPr id="2" name="Picture 1"/>
+          <p:cNvPicPr>
+            <a:picLocks noChangeAspect="1"/>
+          </p:cNvPicPr>
+          <p:nvPr/>
+        </p:nvPicPr>
+        <p:blipFill>
+          <a:blip r:embed="rId3"/>
+          <a:stretch>
+            <a:fillRect/>
+          </a:stretch>
+        </p:blipFill>
+        <p:spPr>
+          <a:xfrm>
+            <a:off x="609480" y="1590858"/>
+            <a:ext cx="8839200" cy="1743075"/>
+          </a:xfrm>
+          <a:prstGeom prst="rect">
+            <a:avLst/>
+          </a:prstGeom>
         </p:spPr>
       </p:pic>
     </p:spTree>
+    <p:extLst>
+      <p:ext uri="{BB962C8B-B14F-4D97-AF65-F5344CB8AC3E}">
+        <p14:creationId xmlns:p14="http://schemas.microsoft.com/office/powerpoint/2010/main" val="1636166269"/>
+      </p:ext>
+    </p:extLst>
   </p:cSld>
   <p:clrMapOvr>
     <a:masterClrMapping/>
@@ -30723,30 +29853,135 @@
           <a:chExt cx="0" cy="0"/>
         </a:xfrm>
       </p:grpSpPr>
+      <p:sp>
+        <p:nvSpPr>
+          <p:cNvPr id="422" name="CustomShape 1"/>
+          <p:cNvSpPr/>
+          <p:nvPr/>
+        </p:nvSpPr>
+        <p:spPr>
+          <a:xfrm>
+            <a:off x="609480" y="273600"/>
+            <a:ext cx="10971720" cy="1144080"/>
+          </a:xfrm>
+          <a:prstGeom prst="rect">
+            <a:avLst/>
+          </a:prstGeom>
+          <a:noFill/>
+          <a:ln>
+            <a:noFill/>
+          </a:ln>
+        </p:spPr>
+        <p:style>
+          <a:lnRef idx="0">
+            <a:scrgbClr r="0" g="0" b="0"/>
+          </a:lnRef>
+          <a:fillRef idx="0">
+            <a:scrgbClr r="0" g="0" b="0"/>
+          </a:fillRef>
+          <a:effectRef idx="0">
+            <a:scrgbClr r="0" g="0" b="0"/>
+          </a:effectRef>
+          <a:fontRef idx="minor"/>
+        </p:style>
+        <p:txBody>
+          <a:bodyPr lIns="0" tIns="0" rIns="0" bIns="0" anchor="ctr"/>
+          <a:lstStyle/>
+          <a:p>
+            <a:pPr>
+              <a:lnSpc>
+                <a:spcPct val="90000"/>
+              </a:lnSpc>
+            </a:pPr>
+            <a:r>
+              <a:rPr lang="pt-BR" sz="2400" b="0" strike="noStrike" spc="-1" dirty="0">
+                <a:solidFill>
+                  <a:srgbClr val="000000"/>
+                </a:solidFill>
+                <a:uFill>
+                  <a:solidFill>
+                    <a:srgbClr val="FFFFFF"/>
+                  </a:solidFill>
+                </a:uFill>
+                <a:latin typeface="Calibri"/>
+                <a:ea typeface="DejaVu Sans"/>
+              </a:rPr>
+              <a:t>Busca em árvore com x10</a:t>
+            </a:r>
+            <a:endParaRPr lang="pt-BR" sz="2400" b="0" strike="noStrike" spc="-1" dirty="0">
+              <a:solidFill>
+                <a:srgbClr val="000000"/>
+              </a:solidFill>
+              <a:uFill>
+                <a:solidFill>
+                  <a:srgbClr val="FFFFFF"/>
+                </a:solidFill>
+              </a:uFill>
+              <a:latin typeface="Arial"/>
+            </a:endParaRPr>
+          </a:p>
+        </p:txBody>
+      </p:sp>
       <p:pic>
         <p:nvPicPr>
-          <p:cNvPr id="424" name="Picture 423"/>
-          <p:cNvPicPr/>
+          <p:cNvPr id="4" name="Picture 2"/>
+          <p:cNvPicPr>
+            <a:picLocks noChangeAspect="1" noChangeArrowheads="1"/>
+          </p:cNvPicPr>
           <p:nvPr/>
         </p:nvPicPr>
         <p:blipFill>
-          <a:blip r:embed="rId2"/>
-          <a:stretch/>
+          <a:blip r:embed="rId2">
+            <a:extLst>
+              <a:ext uri="{28A0092B-C50C-407E-A947-70E740481C1C}">
+                <a14:useLocalDpi xmlns:a14="http://schemas.microsoft.com/office/drawing/2010/main" val="0"/>
+              </a:ext>
+            </a:extLst>
+          </a:blip>
+          <a:srcRect/>
+          <a:stretch>
+            <a:fillRect/>
+          </a:stretch>
         </p:blipFill>
-        <p:spPr>
-          <a:xfrm>
-            <a:off x="1343880" y="980728"/>
-            <a:ext cx="9502920" cy="4938840"/>
-          </a:xfrm>
-          <a:prstGeom prst="rect">
-            <a:avLst/>
-          </a:prstGeom>
+        <p:spPr bwMode="auto">
+          <a:xfrm>
+            <a:off x="1271464" y="2060848"/>
+            <a:ext cx="4391025" cy="3076575"/>
+          </a:xfrm>
+          <a:prstGeom prst="rect">
+            <a:avLst/>
+          </a:prstGeom>
+          <a:noFill/>
           <a:ln>
             <a:noFill/>
           </a:ln>
+          <a:extLst>
+            <a:ext uri="{909E8E84-426E-40DD-AFC4-6F175D3DCCD1}">
+              <a14:hiddenFill xmlns:a14="http://schemas.microsoft.com/office/drawing/2010/main">
+                <a:solidFill>
+                  <a:schemeClr val="accent1"/>
+                </a:solidFill>
+              </a14:hiddenFill>
+            </a:ext>
+            <a:ext uri="{91240B29-F687-4F45-9708-019B960494DF}">
+              <a14:hiddenLine xmlns:a14="http://schemas.microsoft.com/office/drawing/2010/main" w="9525">
+                <a:solidFill>
+                  <a:schemeClr val="tx1"/>
+                </a:solidFill>
+                <a:miter lim="800000"/>
+                <a:headEnd/>
+                <a:tailEnd/>
+              </a14:hiddenLine>
+            </a:ext>
+          </a:extLst>
         </p:spPr>
       </p:pic>
     </p:spTree>
+    <p:extLst>
+      <p:ext uri="{BB962C8B-B14F-4D97-AF65-F5344CB8AC3E}">
+        <p14:creationId xmlns:p14="http://schemas.microsoft.com/office/powerpoint/2010/main" val="708334027"/>
+      </p:ext>
+    </p:extLst>
   </p:cSld>
   <p:clrMapOvr>
     <a:masterClrMapping/>
@@ -31156,7 +30391,22 @@
                 <a:latin typeface="Calibri"/>
                 <a:ea typeface="DejaVu Sans"/>
               </a:rPr>
-              <a:t>:  Divide o espaço de endereçamento global para que o programador esteja ciente do compartilhamento de dados entre as threads</a:t>
+              <a:t>:  Divide o espaço de endereçamento global para que o programador esteja ciente do compartilhamento de </a:t>
+            </a:r>
+            <a:r>
+              <a:rPr lang="pt-BR" sz="1600" b="0" strike="noStrike" spc="-1" dirty="0" smtClean="0">
+                <a:solidFill>
+                  <a:srgbClr val="3F3D41"/>
+                </a:solidFill>
+                <a:uFill>
+                  <a:solidFill>
+                    <a:srgbClr val="FFFFFF"/>
+                  </a:solidFill>
+                </a:uFill>
+                <a:latin typeface="Calibri"/>
+                <a:ea typeface="DejaVu Sans"/>
+              </a:rPr>
+              <a:t>dados</a:t>
             </a:r>
             <a:endParaRPr lang="pt-BR" sz="1400" b="0" strike="noStrike" spc="-1" dirty="0">
               <a:solidFill>
@@ -31455,14 +30705,14 @@
       </p:grpSpPr>
       <p:sp>
         <p:nvSpPr>
-          <p:cNvPr id="425" name="CustomShape 1"/>
+          <p:cNvPr id="422" name="CustomShape 1"/>
           <p:cNvSpPr/>
           <p:nvPr/>
         </p:nvSpPr>
         <p:spPr>
           <a:xfrm>
             <a:off x="609480" y="273600"/>
-            <a:ext cx="10972080" cy="1144440"/>
+            <a:ext cx="10971720" cy="1144080"/>
           </a:xfrm>
           <a:prstGeom prst="rect">
             <a:avLst/>
@@ -31488,6 +30738,11 @@
           <a:bodyPr lIns="0" tIns="0" rIns="0" bIns="0" anchor="ctr"/>
           <a:lstStyle/>
           <a:p>
+            <a:pPr>
+              <a:lnSpc>
+                <a:spcPct val="90000"/>
+              </a:lnSpc>
+            </a:pPr>
             <a:r>
               <a:rPr lang="pt-BR" sz="2400" b="0" strike="noStrike" spc="-1" dirty="0">
                 <a:solidFill>
@@ -31498,763 +30753,139 @@
                     <a:srgbClr val="FFFFFF"/>
                   </a:solidFill>
                 </a:uFill>
-                <a:latin typeface="Calibri" panose="020F0502020204030204" pitchFamily="34" charset="0"/>
-                <a:cs typeface="Calibri" panose="020F0502020204030204" pitchFamily="34" charset="0"/>
+                <a:latin typeface="Calibri"/>
+                <a:ea typeface="DejaVu Sans"/>
               </a:rPr>
-              <a:t>Desempenho em milisegundos</a:t>
+              <a:t>Busca em árvore com x10</a:t>
             </a:r>
+            <a:endParaRPr lang="pt-BR" sz="2400" b="0" strike="noStrike" spc="-1" dirty="0">
+              <a:solidFill>
+                <a:srgbClr val="000000"/>
+              </a:solidFill>
+              <a:uFill>
+                <a:solidFill>
+                  <a:srgbClr val="FFFFFF"/>
+                </a:solidFill>
+              </a:uFill>
+              <a:latin typeface="Arial"/>
+            </a:endParaRPr>
           </a:p>
         </p:txBody>
       </p:sp>
-      <p:graphicFrame>
-        <p:nvGraphicFramePr>
-          <p:cNvPr id="426" name="Table 2"/>
-          <p:cNvGraphicFramePr/>
-          <p:nvPr>
-            <p:extLst>
-              <p:ext uri="{D42A27DB-BD31-4B8C-83A1-F6EECF244321}">
-                <p14:modId xmlns:p14="http://schemas.microsoft.com/office/powerpoint/2010/main" val="1379589917"/>
-              </p:ext>
-            </p:extLst>
-          </p:nvPr>
-        </p:nvGraphicFramePr>
-        <p:xfrm>
-          <a:off x="2279576" y="2492896"/>
-          <a:ext cx="7633329" cy="1944216"/>
-        </p:xfrm>
-        <a:graphic>
-          <a:graphicData uri="http://schemas.openxmlformats.org/drawingml/2006/table">
-            <a:tbl>
-              <a:tblPr/>
-              <a:tblGrid>
-                <a:gridCol w="2544276"/>
-                <a:gridCol w="2544276"/>
-                <a:gridCol w="2544777"/>
-              </a:tblGrid>
-              <a:tr h="485921">
-                <a:tc>
-                  <a:txBody>
-                    <a:bodyPr/>
-                    <a:lstStyle/>
-                    <a:p>
-                      <a:pPr algn="ctr">
-                        <a:lnSpc>
-                          <a:spcPct val="100000"/>
-                        </a:lnSpc>
-                      </a:pPr>
-                      <a:r>
-                        <a:rPr lang="pt-BR" sz="1800" b="0" strike="noStrike" spc="-1" dirty="0">
-                          <a:solidFill>
-                            <a:srgbClr val="FFFFFF"/>
-                          </a:solidFill>
-                          <a:uFill>
-                            <a:solidFill>
-                              <a:srgbClr val="FFFFFF"/>
-                            </a:solidFill>
-                          </a:uFill>
-                          <a:latin typeface="Calibri" panose="020F0502020204030204" pitchFamily="34" charset="0"/>
-                          <a:cs typeface="Calibri" panose="020F0502020204030204" pitchFamily="34" charset="0"/>
-                        </a:rPr>
-                        <a:t>Número de nós</a:t>
-                      </a:r>
-                      <a:endParaRPr lang="pt-BR" sz="1800" b="0" strike="noStrike" spc="-1" dirty="0">
-                        <a:solidFill>
-                          <a:srgbClr val="000000"/>
-                        </a:solidFill>
-                        <a:uFill>
-                          <a:solidFill>
-                            <a:srgbClr val="FFFFFF"/>
-                          </a:solidFill>
-                        </a:uFill>
-                        <a:latin typeface="Calibri" panose="020F0502020204030204" pitchFamily="34" charset="0"/>
-                        <a:cs typeface="Calibri" panose="020F0502020204030204" pitchFamily="34" charset="0"/>
-                      </a:endParaRPr>
-                    </a:p>
-                  </a:txBody>
-                  <a:tcPr marL="90000" marR="90000">
-                    <a:lnL w="720">
-                      <a:solidFill>
-                        <a:srgbClr val="FFFFFF"/>
-                      </a:solidFill>
-                    </a:lnL>
-                    <a:lnR w="720">
-                      <a:solidFill>
-                        <a:srgbClr val="FFFFFF"/>
-                      </a:solidFill>
-                    </a:lnR>
-                    <a:lnT w="720">
-                      <a:solidFill>
-                        <a:srgbClr val="FFFFFF"/>
-                      </a:solidFill>
-                    </a:lnT>
-                    <a:lnB w="720">
-                      <a:solidFill>
-                        <a:srgbClr val="FFFFFF"/>
-                      </a:solidFill>
-                    </a:lnB>
-                    <a:solidFill>
-                      <a:srgbClr val="000000"/>
-                    </a:solidFill>
-                  </a:tcPr>
-                </a:tc>
-                <a:tc>
-                  <a:txBody>
-                    <a:bodyPr/>
-                    <a:lstStyle/>
-                    <a:p>
-                      <a:pPr algn="ctr">
-                        <a:lnSpc>
-                          <a:spcPct val="100000"/>
-                        </a:lnSpc>
-                      </a:pPr>
-                      <a:r>
-                        <a:rPr lang="pt-BR" sz="1800" b="0" strike="noStrike" spc="-1" dirty="0">
-                          <a:solidFill>
-                            <a:srgbClr val="FFFFFF"/>
-                          </a:solidFill>
-                          <a:uFill>
-                            <a:solidFill>
-                              <a:srgbClr val="FFFFFF"/>
-                            </a:solidFill>
-                          </a:uFill>
-                          <a:latin typeface="Calibri" panose="020F0502020204030204" pitchFamily="34" charset="0"/>
-                          <a:cs typeface="Calibri" panose="020F0502020204030204" pitchFamily="34" charset="0"/>
-                        </a:rPr>
-                        <a:t>Sequencial</a:t>
-                      </a:r>
-                      <a:endParaRPr lang="pt-BR" sz="1800" b="0" strike="noStrike" spc="-1" dirty="0">
-                        <a:solidFill>
-                          <a:srgbClr val="000000"/>
-                        </a:solidFill>
-                        <a:uFill>
-                          <a:solidFill>
-                            <a:srgbClr val="FFFFFF"/>
-                          </a:solidFill>
-                        </a:uFill>
-                        <a:latin typeface="Calibri" panose="020F0502020204030204" pitchFamily="34" charset="0"/>
-                        <a:cs typeface="Calibri" panose="020F0502020204030204" pitchFamily="34" charset="0"/>
-                      </a:endParaRPr>
-                    </a:p>
-                  </a:txBody>
-                  <a:tcPr marL="90000" marR="90000">
-                    <a:lnL w="720">
-                      <a:solidFill>
-                        <a:srgbClr val="FFFFFF"/>
-                      </a:solidFill>
-                    </a:lnL>
-                    <a:lnR w="720">
-                      <a:solidFill>
-                        <a:srgbClr val="FFFFFF"/>
-                      </a:solidFill>
-                    </a:lnR>
-                    <a:lnT w="720">
-                      <a:solidFill>
-                        <a:srgbClr val="FFFFFF"/>
-                      </a:solidFill>
-                    </a:lnT>
-                    <a:lnB w="720">
-                      <a:solidFill>
-                        <a:srgbClr val="FFFFFF"/>
-                      </a:solidFill>
-                    </a:lnB>
-                    <a:solidFill>
-                      <a:srgbClr val="000000"/>
-                    </a:solidFill>
-                  </a:tcPr>
-                </a:tc>
-                <a:tc>
-                  <a:txBody>
-                    <a:bodyPr/>
-                    <a:lstStyle/>
-                    <a:p>
-                      <a:pPr algn="ctr">
-                        <a:lnSpc>
-                          <a:spcPct val="100000"/>
-                        </a:lnSpc>
-                      </a:pPr>
-                      <a:r>
-                        <a:rPr lang="pt-BR" sz="1800" b="0" strike="noStrike" spc="-1" dirty="0">
-                          <a:solidFill>
-                            <a:srgbClr val="FFFFFF"/>
-                          </a:solidFill>
-                          <a:uFill>
-                            <a:solidFill>
-                              <a:srgbClr val="FFFFFF"/>
-                            </a:solidFill>
-                          </a:uFill>
-                          <a:latin typeface="Calibri" panose="020F0502020204030204" pitchFamily="34" charset="0"/>
-                          <a:cs typeface="Calibri" panose="020F0502020204030204" pitchFamily="34" charset="0"/>
-                        </a:rPr>
-                        <a:t>Paralelo </a:t>
-                      </a:r>
-                      <a:endParaRPr lang="pt-BR" sz="1800" b="0" strike="noStrike" spc="-1" dirty="0">
-                        <a:solidFill>
-                          <a:srgbClr val="000000"/>
-                        </a:solidFill>
-                        <a:uFill>
-                          <a:solidFill>
-                            <a:srgbClr val="FFFFFF"/>
-                          </a:solidFill>
-                        </a:uFill>
-                        <a:latin typeface="Calibri" panose="020F0502020204030204" pitchFamily="34" charset="0"/>
-                        <a:cs typeface="Calibri" panose="020F0502020204030204" pitchFamily="34" charset="0"/>
-                      </a:endParaRPr>
-                    </a:p>
-                  </a:txBody>
-                  <a:tcPr marL="90000" marR="90000">
-                    <a:lnL w="720">
-                      <a:solidFill>
-                        <a:srgbClr val="FFFFFF"/>
-                      </a:solidFill>
-                    </a:lnL>
-                    <a:lnR w="720">
-                      <a:solidFill>
-                        <a:srgbClr val="FFFFFF"/>
-                      </a:solidFill>
-                    </a:lnR>
-                    <a:lnT w="720">
-                      <a:solidFill>
-                        <a:srgbClr val="FFFFFF"/>
-                      </a:solidFill>
-                    </a:lnT>
-                    <a:lnB w="720">
-                      <a:solidFill>
-                        <a:srgbClr val="FFFFFF"/>
-                      </a:solidFill>
-                    </a:lnB>
-                    <a:solidFill>
-                      <a:srgbClr val="000000"/>
-                    </a:solidFill>
-                  </a:tcPr>
-                </a:tc>
-              </a:tr>
-              <a:tr h="485921">
-                <a:tc>
-                  <a:txBody>
-                    <a:bodyPr/>
-                    <a:lstStyle/>
-                    <a:p>
-                      <a:pPr algn="ctr">
-                        <a:lnSpc>
-                          <a:spcPct val="100000"/>
-                        </a:lnSpc>
-                      </a:pPr>
-                      <a:r>
-                        <a:rPr lang="pt-BR" sz="1800" b="0" strike="noStrike" spc="-1">
-                          <a:solidFill>
-                            <a:srgbClr val="000000"/>
-                          </a:solidFill>
-                          <a:uFill>
-                            <a:solidFill>
-                              <a:srgbClr val="FFFFFF"/>
-                            </a:solidFill>
-                          </a:uFill>
-                          <a:latin typeface="Calibri" panose="020F0502020204030204" pitchFamily="34" charset="0"/>
-                          <a:cs typeface="Calibri" panose="020F0502020204030204" pitchFamily="34" charset="0"/>
-                        </a:rPr>
-                        <a:t>4</a:t>
-                      </a:r>
-                    </a:p>
-                  </a:txBody>
-                  <a:tcPr marL="90000" marR="90000">
-                    <a:lnL w="720">
-                      <a:solidFill>
-                        <a:srgbClr val="FFFFFF"/>
-                      </a:solidFill>
-                    </a:lnL>
-                    <a:lnR w="720">
-                      <a:solidFill>
-                        <a:srgbClr val="FFFFFF"/>
-                      </a:solidFill>
-                    </a:lnR>
-                    <a:lnT w="720">
-                      <a:solidFill>
-                        <a:srgbClr val="FFFFFF"/>
-                      </a:solidFill>
-                    </a:lnT>
-                    <a:lnB w="720">
-                      <a:solidFill>
-                        <a:srgbClr val="FFFFFF"/>
-                      </a:solidFill>
-                    </a:lnB>
-                    <a:solidFill>
-                      <a:srgbClr val="E6E6E6"/>
-                    </a:solidFill>
-                  </a:tcPr>
-                </a:tc>
-                <a:tc>
-                  <a:txBody>
-                    <a:bodyPr/>
-                    <a:lstStyle/>
-                    <a:p>
-                      <a:pPr algn="ctr">
-                        <a:lnSpc>
-                          <a:spcPct val="100000"/>
-                        </a:lnSpc>
-                      </a:pPr>
-                      <a:r>
-                        <a:rPr lang="pt-BR" sz="1800" b="0" strike="noStrike" spc="-1" dirty="0">
-                          <a:solidFill>
-                            <a:srgbClr val="000000"/>
-                          </a:solidFill>
-                          <a:uFill>
-                            <a:solidFill>
-                              <a:srgbClr val="FFFFFF"/>
-                            </a:solidFill>
-                          </a:uFill>
-                          <a:latin typeface="Calibri" panose="020F0502020204030204" pitchFamily="34" charset="0"/>
-                          <a:cs typeface="Calibri" panose="020F0502020204030204" pitchFamily="34" charset="0"/>
-                        </a:rPr>
-                        <a:t>3 ms</a:t>
-                      </a:r>
-                    </a:p>
-                  </a:txBody>
-                  <a:tcPr marL="90000" marR="90000">
-                    <a:lnL w="720">
-                      <a:solidFill>
-                        <a:srgbClr val="FFFFFF"/>
-                      </a:solidFill>
-                    </a:lnL>
-                    <a:lnR w="720">
-                      <a:solidFill>
-                        <a:srgbClr val="FFFFFF"/>
-                      </a:solidFill>
-                    </a:lnR>
-                    <a:lnT w="720">
-                      <a:solidFill>
-                        <a:srgbClr val="FFFFFF"/>
-                      </a:solidFill>
-                    </a:lnT>
-                    <a:lnB w="720">
-                      <a:solidFill>
-                        <a:srgbClr val="FFFFFF"/>
-                      </a:solidFill>
-                    </a:lnB>
-                    <a:solidFill>
-                      <a:srgbClr val="E6E6E6"/>
-                    </a:solidFill>
-                  </a:tcPr>
-                </a:tc>
-                <a:tc>
-                  <a:txBody>
-                    <a:bodyPr/>
-                    <a:lstStyle/>
-                    <a:p>
-                      <a:pPr algn="ctr">
-                        <a:lnSpc>
-                          <a:spcPct val="100000"/>
-                        </a:lnSpc>
-                      </a:pPr>
-                      <a:r>
-                        <a:rPr lang="pt-BR" sz="1800" b="0" strike="noStrike" spc="-1">
-                          <a:solidFill>
-                            <a:srgbClr val="000000"/>
-                          </a:solidFill>
-                          <a:uFill>
-                            <a:solidFill>
-                              <a:srgbClr val="FFFFFF"/>
-                            </a:solidFill>
-                          </a:uFill>
-                          <a:latin typeface="Calibri" panose="020F0502020204030204" pitchFamily="34" charset="0"/>
-                          <a:cs typeface="Calibri" panose="020F0502020204030204" pitchFamily="34" charset="0"/>
-                        </a:rPr>
-                        <a:t>200 ms</a:t>
-                      </a:r>
-                    </a:p>
-                  </a:txBody>
-                  <a:tcPr marL="90000" marR="90000">
-                    <a:lnL w="720">
-                      <a:solidFill>
-                        <a:srgbClr val="FFFFFF"/>
-                      </a:solidFill>
-                    </a:lnL>
-                    <a:lnR w="720">
-                      <a:solidFill>
-                        <a:srgbClr val="FFFFFF"/>
-                      </a:solidFill>
-                    </a:lnR>
-                    <a:lnT w="720">
-                      <a:solidFill>
-                        <a:srgbClr val="FFFFFF"/>
-                      </a:solidFill>
-                    </a:lnT>
-                    <a:lnB w="720">
-                      <a:solidFill>
-                        <a:srgbClr val="FFFFFF"/>
-                      </a:solidFill>
-                    </a:lnB>
-                    <a:solidFill>
-                      <a:srgbClr val="E6E6E6"/>
-                    </a:solidFill>
-                  </a:tcPr>
-                </a:tc>
-              </a:tr>
-              <a:tr h="485921">
-                <a:tc>
-                  <a:txBody>
-                    <a:bodyPr/>
-                    <a:lstStyle/>
-                    <a:p>
-                      <a:pPr algn="ctr">
-                        <a:lnSpc>
-                          <a:spcPct val="100000"/>
-                        </a:lnSpc>
-                      </a:pPr>
-                      <a:r>
-                        <a:rPr lang="pt-BR" sz="1800" b="0" strike="noStrike" spc="-1" dirty="0">
-                          <a:solidFill>
-                            <a:srgbClr val="000000"/>
-                          </a:solidFill>
-                          <a:uFill>
-                            <a:solidFill>
-                              <a:srgbClr val="FFFFFF"/>
-                            </a:solidFill>
-                          </a:uFill>
-                          <a:latin typeface="Calibri" panose="020F0502020204030204" pitchFamily="34" charset="0"/>
-                          <a:cs typeface="Calibri" panose="020F0502020204030204" pitchFamily="34" charset="0"/>
-                        </a:rPr>
-                        <a:t>8</a:t>
-                      </a:r>
-                    </a:p>
-                  </a:txBody>
-                  <a:tcPr marL="90000" marR="90000">
-                    <a:lnL w="720">
-                      <a:solidFill>
-                        <a:srgbClr val="FFFFFF"/>
-                      </a:solidFill>
-                    </a:lnL>
-                    <a:lnR w="720">
-                      <a:solidFill>
-                        <a:srgbClr val="FFFFFF"/>
-                      </a:solidFill>
-                    </a:lnR>
-                    <a:lnT w="720">
-                      <a:solidFill>
-                        <a:srgbClr val="FFFFFF"/>
-                      </a:solidFill>
-                    </a:lnT>
-                    <a:lnB w="720">
-                      <a:solidFill>
-                        <a:srgbClr val="FFFFFF"/>
-                      </a:solidFill>
-                    </a:lnB>
-                    <a:solidFill>
-                      <a:srgbClr val="FFFFFF"/>
-                    </a:solidFill>
-                  </a:tcPr>
-                </a:tc>
-                <a:tc>
-                  <a:txBody>
-                    <a:bodyPr/>
-                    <a:lstStyle/>
-                    <a:p>
-                      <a:pPr algn="ctr">
-                        <a:lnSpc>
-                          <a:spcPct val="100000"/>
-                        </a:lnSpc>
-                      </a:pPr>
-                      <a:r>
-                        <a:rPr lang="pt-BR" sz="1800" b="0" strike="noStrike" spc="-1" dirty="0">
-                          <a:solidFill>
-                            <a:srgbClr val="000000"/>
-                          </a:solidFill>
-                          <a:uFill>
-                            <a:solidFill>
-                              <a:srgbClr val="FFFFFF"/>
-                            </a:solidFill>
-                          </a:uFill>
-                          <a:latin typeface="Calibri" panose="020F0502020204030204" pitchFamily="34" charset="0"/>
-                          <a:ea typeface="Courier New"/>
-                          <a:cs typeface="Calibri" panose="020F0502020204030204" pitchFamily="34" charset="0"/>
-                        </a:rPr>
-                        <a:t>73 ms</a:t>
-                      </a:r>
-                      <a:endParaRPr lang="pt-BR" sz="1800" b="0" strike="noStrike" spc="-1" dirty="0">
-                        <a:solidFill>
-                          <a:srgbClr val="000000"/>
-                        </a:solidFill>
-                        <a:uFill>
-                          <a:solidFill>
-                            <a:srgbClr val="FFFFFF"/>
-                          </a:solidFill>
-                        </a:uFill>
-                        <a:latin typeface="Calibri" panose="020F0502020204030204" pitchFamily="34" charset="0"/>
-                        <a:cs typeface="Calibri" panose="020F0502020204030204" pitchFamily="34" charset="0"/>
-                      </a:endParaRPr>
-                    </a:p>
-                  </a:txBody>
-                  <a:tcPr marL="90000" marR="90000">
-                    <a:lnL w="720">
-                      <a:solidFill>
-                        <a:srgbClr val="FFFFFF"/>
-                      </a:solidFill>
-                    </a:lnL>
-                    <a:lnR w="720">
-                      <a:solidFill>
-                        <a:srgbClr val="FFFFFF"/>
-                      </a:solidFill>
-                    </a:lnR>
-                    <a:lnT w="720">
-                      <a:solidFill>
-                        <a:srgbClr val="FFFFFF"/>
-                      </a:solidFill>
-                    </a:lnT>
-                    <a:lnB w="720">
-                      <a:solidFill>
-                        <a:srgbClr val="FFFFFF"/>
-                      </a:solidFill>
-                    </a:lnB>
-                    <a:solidFill>
-                      <a:srgbClr val="FFFFFF"/>
-                    </a:solidFill>
-                  </a:tcPr>
-                </a:tc>
-                <a:tc>
-                  <a:txBody>
-                    <a:bodyPr/>
-                    <a:lstStyle/>
-                    <a:p>
-                      <a:pPr algn="ctr">
-                        <a:lnSpc>
-                          <a:spcPct val="100000"/>
-                        </a:lnSpc>
-                      </a:pPr>
-                      <a:r>
-                        <a:rPr lang="pt-BR" sz="1800" b="0" strike="noStrike" spc="-1">
-                          <a:solidFill>
-                            <a:srgbClr val="000000"/>
-                          </a:solidFill>
-                          <a:uFill>
-                            <a:solidFill>
-                              <a:srgbClr val="FFFFFF"/>
-                            </a:solidFill>
-                          </a:uFill>
-                          <a:latin typeface="Calibri" panose="020F0502020204030204" pitchFamily="34" charset="0"/>
-                          <a:cs typeface="Calibri" panose="020F0502020204030204" pitchFamily="34" charset="0"/>
-                        </a:rPr>
-                        <a:t>601 ms</a:t>
-                      </a:r>
-                    </a:p>
-                  </a:txBody>
-                  <a:tcPr marL="90000" marR="90000">
-                    <a:lnL w="720">
-                      <a:solidFill>
-                        <a:srgbClr val="FFFFFF"/>
-                      </a:solidFill>
-                    </a:lnL>
-                    <a:lnR w="720">
-                      <a:solidFill>
-                        <a:srgbClr val="FFFFFF"/>
-                      </a:solidFill>
-                    </a:lnR>
-                    <a:lnT w="720">
-                      <a:solidFill>
-                        <a:srgbClr val="FFFFFF"/>
-                      </a:solidFill>
-                    </a:lnT>
-                    <a:lnB w="720">
-                      <a:solidFill>
-                        <a:srgbClr val="FFFFFF"/>
-                      </a:solidFill>
-                    </a:lnB>
-                    <a:solidFill>
-                      <a:srgbClr val="FFFFFF"/>
-                    </a:solidFill>
-                  </a:tcPr>
-                </a:tc>
-              </a:tr>
-              <a:tr h="486453">
-                <a:tc>
-                  <a:txBody>
-                    <a:bodyPr/>
-                    <a:lstStyle/>
-                    <a:p>
-                      <a:pPr algn="ctr">
-                        <a:lnSpc>
-                          <a:spcPct val="100000"/>
-                        </a:lnSpc>
-                      </a:pPr>
-                      <a:r>
-                        <a:rPr lang="pt-BR" sz="1800" b="0" strike="noStrike" spc="-1">
-                          <a:solidFill>
-                            <a:srgbClr val="000000"/>
-                          </a:solidFill>
-                          <a:uFill>
-                            <a:solidFill>
-                              <a:srgbClr val="FFFFFF"/>
-                            </a:solidFill>
-                          </a:uFill>
-                          <a:latin typeface="Calibri" panose="020F0502020204030204" pitchFamily="34" charset="0"/>
-                          <a:cs typeface="Calibri" panose="020F0502020204030204" pitchFamily="34" charset="0"/>
-                        </a:rPr>
-                        <a:t>12</a:t>
-                      </a:r>
-                    </a:p>
-                  </a:txBody>
-                  <a:tcPr marL="90000" marR="90000">
-                    <a:lnL w="720">
-                      <a:solidFill>
-                        <a:srgbClr val="FFFFFF"/>
-                      </a:solidFill>
-                    </a:lnL>
-                    <a:lnR w="720">
-                      <a:solidFill>
-                        <a:srgbClr val="FFFFFF"/>
-                      </a:solidFill>
-                    </a:lnR>
-                    <a:lnT w="720">
-                      <a:solidFill>
-                        <a:srgbClr val="FFFFFF"/>
-                      </a:solidFill>
-                    </a:lnT>
-                    <a:lnB w="720">
-                      <a:solidFill>
-                        <a:srgbClr val="FFFFFF"/>
-                      </a:solidFill>
-                    </a:lnB>
-                    <a:solidFill>
-                      <a:srgbClr val="E6E6E6"/>
-                    </a:solidFill>
-                  </a:tcPr>
-                </a:tc>
-                <a:tc>
-                  <a:txBody>
-                    <a:bodyPr/>
-                    <a:lstStyle/>
-                    <a:p>
-                      <a:pPr algn="ctr">
-                        <a:lnSpc>
-                          <a:spcPct val="100000"/>
-                        </a:lnSpc>
-                      </a:pPr>
-                      <a:r>
-                        <a:rPr lang="pt-BR" sz="1800" b="0" strike="noStrike" spc="-1" dirty="0">
-                          <a:solidFill>
-                            <a:srgbClr val="000000"/>
-                          </a:solidFill>
-                          <a:uFill>
-                            <a:solidFill>
-                              <a:srgbClr val="FFFFFF"/>
-                            </a:solidFill>
-                          </a:uFill>
-                          <a:latin typeface="Calibri" panose="020F0502020204030204" pitchFamily="34" charset="0"/>
-                          <a:ea typeface="Courier New"/>
-                          <a:cs typeface="Calibri" panose="020F0502020204030204" pitchFamily="34" charset="0"/>
-                        </a:rPr>
-                        <a:t>278938 ms</a:t>
-                      </a:r>
-                      <a:endParaRPr lang="pt-BR" sz="1800" b="0" strike="noStrike" spc="-1" dirty="0">
-                        <a:solidFill>
-                          <a:srgbClr val="000000"/>
-                        </a:solidFill>
-                        <a:uFill>
-                          <a:solidFill>
-                            <a:srgbClr val="FFFFFF"/>
-                          </a:solidFill>
-                        </a:uFill>
-                        <a:latin typeface="Calibri" panose="020F0502020204030204" pitchFamily="34" charset="0"/>
-                        <a:cs typeface="Calibri" panose="020F0502020204030204" pitchFamily="34" charset="0"/>
-                      </a:endParaRPr>
-                    </a:p>
-                  </a:txBody>
-                  <a:tcPr marL="90000" marR="90000">
-                    <a:lnL w="720">
-                      <a:solidFill>
-                        <a:srgbClr val="FFFFFF"/>
-                      </a:solidFill>
-                    </a:lnL>
-                    <a:lnR w="720">
-                      <a:solidFill>
-                        <a:srgbClr val="FFFFFF"/>
-                      </a:solidFill>
-                    </a:lnR>
-                    <a:lnT w="720">
-                      <a:solidFill>
-                        <a:srgbClr val="FFFFFF"/>
-                      </a:solidFill>
-                    </a:lnT>
-                    <a:lnB w="720">
-                      <a:solidFill>
-                        <a:srgbClr val="FFFFFF"/>
-                      </a:solidFill>
-                    </a:lnB>
-                    <a:solidFill>
-                      <a:srgbClr val="E6E6E6"/>
-                    </a:solidFill>
-                  </a:tcPr>
-                </a:tc>
-                <a:tc>
-                  <a:txBody>
-                    <a:bodyPr/>
-                    <a:lstStyle/>
-                    <a:p>
-                      <a:pPr algn="ctr">
-                        <a:lnSpc>
-                          <a:spcPct val="100000"/>
-                        </a:lnSpc>
-                      </a:pPr>
-                      <a:r>
-                        <a:rPr lang="pt-BR" sz="1800" b="0" strike="noStrike" spc="-1" dirty="0">
-                          <a:solidFill>
-                            <a:srgbClr val="000000"/>
-                          </a:solidFill>
-                          <a:uFill>
-                            <a:solidFill>
-                              <a:srgbClr val="FFFFFF"/>
-                            </a:solidFill>
-                          </a:uFill>
-                          <a:latin typeface="Calibri" panose="020F0502020204030204" pitchFamily="34" charset="0"/>
-                          <a:ea typeface="Courier New"/>
-                          <a:cs typeface="Calibri" panose="020F0502020204030204" pitchFamily="34" charset="0"/>
-                        </a:rPr>
-                        <a:t>5232 ms</a:t>
-                      </a:r>
-                      <a:endParaRPr lang="pt-BR" sz="1800" b="0" strike="noStrike" spc="-1" dirty="0">
-                        <a:solidFill>
-                          <a:srgbClr val="000000"/>
-                        </a:solidFill>
-                        <a:uFill>
-                          <a:solidFill>
-                            <a:srgbClr val="FFFFFF"/>
-                          </a:solidFill>
-                        </a:uFill>
-                        <a:latin typeface="Calibri" panose="020F0502020204030204" pitchFamily="34" charset="0"/>
-                        <a:cs typeface="Calibri" panose="020F0502020204030204" pitchFamily="34" charset="0"/>
-                      </a:endParaRPr>
-                    </a:p>
-                  </a:txBody>
-                  <a:tcPr marL="90000" marR="90000">
-                    <a:lnL w="720">
-                      <a:solidFill>
-                        <a:srgbClr val="FFFFFF"/>
-                      </a:solidFill>
-                    </a:lnL>
-                    <a:lnR w="720">
-                      <a:solidFill>
-                        <a:srgbClr val="FFFFFF"/>
-                      </a:solidFill>
-                    </a:lnR>
-                    <a:lnT w="720">
-                      <a:solidFill>
-                        <a:srgbClr val="FFFFFF"/>
-                      </a:solidFill>
-                    </a:lnT>
-                    <a:lnB w="720">
-                      <a:solidFill>
-                        <a:srgbClr val="FFFFFF"/>
-                      </a:solidFill>
-                    </a:lnB>
-                    <a:solidFill>
-                      <a:srgbClr val="E6E6E6"/>
-                    </a:solidFill>
-                  </a:tcPr>
-                </a:tc>
-              </a:tr>
-            </a:tbl>
-          </a:graphicData>
-        </a:graphic>
-      </p:graphicFrame>
+      <p:pic>
+        <p:nvPicPr>
+          <p:cNvPr id="5123" name="Picture 3"/>
+          <p:cNvPicPr>
+            <a:picLocks noChangeAspect="1" noChangeArrowheads="1"/>
+          </p:cNvPicPr>
+          <p:nvPr/>
+        </p:nvPicPr>
+        <p:blipFill>
+          <a:blip r:embed="rId2">
+            <a:extLst>
+              <a:ext uri="{28A0092B-C50C-407E-A947-70E740481C1C}">
+                <a14:useLocalDpi xmlns:a14="http://schemas.microsoft.com/office/drawing/2010/main" val="0"/>
+              </a:ext>
+            </a:extLst>
+          </a:blip>
+          <a:srcRect/>
+          <a:stretch>
+            <a:fillRect/>
+          </a:stretch>
+        </p:blipFill>
+        <p:spPr bwMode="auto">
+          <a:xfrm>
+            <a:off x="1273109" y="1340768"/>
+            <a:ext cx="5114925" cy="4400550"/>
+          </a:xfrm>
+          <a:prstGeom prst="rect">
+            <a:avLst/>
+          </a:prstGeom>
+          <a:noFill/>
+          <a:ln>
+            <a:noFill/>
+          </a:ln>
+          <a:extLst>
+            <a:ext uri="{909E8E84-426E-40DD-AFC4-6F175D3DCCD1}">
+              <a14:hiddenFill xmlns:a14="http://schemas.microsoft.com/office/drawing/2010/main">
+                <a:solidFill>
+                  <a:schemeClr val="accent1"/>
+                </a:solidFill>
+              </a14:hiddenFill>
+            </a:ext>
+            <a:ext uri="{91240B29-F687-4F45-9708-019B960494DF}">
+              <a14:hiddenLine xmlns:a14="http://schemas.microsoft.com/office/drawing/2010/main" w="9525">
+                <a:solidFill>
+                  <a:schemeClr val="tx1"/>
+                </a:solidFill>
+                <a:miter lim="800000"/>
+                <a:headEnd/>
+                <a:tailEnd/>
+              </a14:hiddenLine>
+            </a:ext>
+          </a:extLst>
+        </p:spPr>
+      </p:pic>
+      <p:pic>
+        <p:nvPicPr>
+          <p:cNvPr id="5124" name="Picture 4"/>
+          <p:cNvPicPr>
+            <a:picLocks noChangeAspect="1" noChangeArrowheads="1"/>
+          </p:cNvPicPr>
+          <p:nvPr/>
+        </p:nvPicPr>
+        <p:blipFill>
+          <a:blip r:embed="rId3">
+            <a:extLst>
+              <a:ext uri="{28A0092B-C50C-407E-A947-70E740481C1C}">
+                <a14:useLocalDpi xmlns:a14="http://schemas.microsoft.com/office/drawing/2010/main" val="0"/>
+              </a:ext>
+            </a:extLst>
+          </a:blip>
+          <a:srcRect/>
+          <a:stretch>
+            <a:fillRect/>
+          </a:stretch>
+        </p:blipFill>
+        <p:spPr bwMode="auto">
+          <a:xfrm>
+            <a:off x="6384032" y="3645024"/>
+            <a:ext cx="5114925" cy="3086100"/>
+          </a:xfrm>
+          <a:prstGeom prst="rect">
+            <a:avLst/>
+          </a:prstGeom>
+          <a:noFill/>
+          <a:ln>
+            <a:noFill/>
+          </a:ln>
+          <a:extLst>
+            <a:ext uri="{909E8E84-426E-40DD-AFC4-6F175D3DCCD1}">
+              <a14:hiddenFill xmlns:a14="http://schemas.microsoft.com/office/drawing/2010/main">
+                <a:solidFill>
+                  <a:schemeClr val="accent1"/>
+                </a:solidFill>
+              </a14:hiddenFill>
+            </a:ext>
+            <a:ext uri="{91240B29-F687-4F45-9708-019B960494DF}">
+              <a14:hiddenLine xmlns:a14="http://schemas.microsoft.com/office/drawing/2010/main" w="9525">
+                <a:solidFill>
+                  <a:schemeClr val="tx1"/>
+                </a:solidFill>
+                <a:miter lim="800000"/>
+                <a:headEnd/>
+                <a:tailEnd/>
+              </a14:hiddenLine>
+            </a:ext>
+          </a:extLst>
+        </p:spPr>
+      </p:pic>
     </p:spTree>
+    <p:extLst>
+      <p:ext uri="{BB962C8B-B14F-4D97-AF65-F5344CB8AC3E}">
+        <p14:creationId xmlns:p14="http://schemas.microsoft.com/office/powerpoint/2010/main" val="2977149072"/>
+      </p:ext>
+    </p:extLst>
   </p:cSld>
   <p:clrMapOvr>
     <a:masterClrMapping/>
@@ -32308,6 +30939,1661 @@
       </p:grpSpPr>
       <p:sp>
         <p:nvSpPr>
+          <p:cNvPr id="422" name="CustomShape 1"/>
+          <p:cNvSpPr/>
+          <p:nvPr/>
+        </p:nvSpPr>
+        <p:spPr>
+          <a:xfrm>
+            <a:off x="609480" y="273600"/>
+            <a:ext cx="10971720" cy="1144080"/>
+          </a:xfrm>
+          <a:prstGeom prst="rect">
+            <a:avLst/>
+          </a:prstGeom>
+          <a:noFill/>
+          <a:ln>
+            <a:noFill/>
+          </a:ln>
+        </p:spPr>
+        <p:style>
+          <a:lnRef idx="0">
+            <a:scrgbClr r="0" g="0" b="0"/>
+          </a:lnRef>
+          <a:fillRef idx="0">
+            <a:scrgbClr r="0" g="0" b="0"/>
+          </a:fillRef>
+          <a:effectRef idx="0">
+            <a:scrgbClr r="0" g="0" b="0"/>
+          </a:effectRef>
+          <a:fontRef idx="minor"/>
+        </p:style>
+        <p:txBody>
+          <a:bodyPr lIns="0" tIns="0" rIns="0" bIns="0" anchor="ctr"/>
+          <a:lstStyle/>
+          <a:p>
+            <a:pPr>
+              <a:lnSpc>
+                <a:spcPct val="90000"/>
+              </a:lnSpc>
+            </a:pPr>
+            <a:r>
+              <a:rPr lang="pt-BR" sz="2400" b="0" strike="noStrike" spc="-1" dirty="0">
+                <a:solidFill>
+                  <a:srgbClr val="000000"/>
+                </a:solidFill>
+                <a:uFill>
+                  <a:solidFill>
+                    <a:srgbClr val="FFFFFF"/>
+                  </a:solidFill>
+                </a:uFill>
+                <a:latin typeface="Calibri"/>
+                <a:ea typeface="DejaVu Sans"/>
+              </a:rPr>
+              <a:t>Busca em árvore com x10</a:t>
+            </a:r>
+            <a:endParaRPr lang="pt-BR" sz="2400" b="0" strike="noStrike" spc="-1" dirty="0">
+              <a:solidFill>
+                <a:srgbClr val="000000"/>
+              </a:solidFill>
+              <a:uFill>
+                <a:solidFill>
+                  <a:srgbClr val="FFFFFF"/>
+                </a:solidFill>
+              </a:uFill>
+              <a:latin typeface="Arial"/>
+            </a:endParaRPr>
+          </a:p>
+        </p:txBody>
+      </p:sp>
+      <p:pic>
+        <p:nvPicPr>
+          <p:cNvPr id="5" name="Picture 2"/>
+          <p:cNvPicPr>
+            <a:picLocks noChangeAspect="1" noChangeArrowheads="1"/>
+          </p:cNvPicPr>
+          <p:nvPr/>
+        </p:nvPicPr>
+        <p:blipFill>
+          <a:blip r:embed="rId2">
+            <a:extLst>
+              <a:ext uri="{28A0092B-C50C-407E-A947-70E740481C1C}">
+                <a14:useLocalDpi xmlns:a14="http://schemas.microsoft.com/office/drawing/2010/main" val="0"/>
+              </a:ext>
+            </a:extLst>
+          </a:blip>
+          <a:srcRect/>
+          <a:stretch>
+            <a:fillRect/>
+          </a:stretch>
+        </p:blipFill>
+        <p:spPr bwMode="auto">
+          <a:xfrm>
+            <a:off x="911424" y="2780928"/>
+            <a:ext cx="3352800" cy="1885950"/>
+          </a:xfrm>
+          <a:prstGeom prst="rect">
+            <a:avLst/>
+          </a:prstGeom>
+          <a:noFill/>
+          <a:ln>
+            <a:noFill/>
+          </a:ln>
+          <a:extLst>
+            <a:ext uri="{909E8E84-426E-40DD-AFC4-6F175D3DCCD1}">
+              <a14:hiddenFill xmlns:a14="http://schemas.microsoft.com/office/drawing/2010/main">
+                <a:solidFill>
+                  <a:schemeClr val="accent1"/>
+                </a:solidFill>
+              </a14:hiddenFill>
+            </a:ext>
+            <a:ext uri="{91240B29-F687-4F45-9708-019B960494DF}">
+              <a14:hiddenLine xmlns:a14="http://schemas.microsoft.com/office/drawing/2010/main" w="9525">
+                <a:solidFill>
+                  <a:schemeClr val="tx1"/>
+                </a:solidFill>
+                <a:miter lim="800000"/>
+                <a:headEnd/>
+                <a:tailEnd/>
+              </a14:hiddenLine>
+            </a:ext>
+          </a:extLst>
+        </p:spPr>
+      </p:pic>
+    </p:spTree>
+    <p:extLst>
+      <p:ext uri="{BB962C8B-B14F-4D97-AF65-F5344CB8AC3E}">
+        <p14:creationId xmlns:p14="http://schemas.microsoft.com/office/powerpoint/2010/main" val="1152425556"/>
+      </p:ext>
+    </p:extLst>
+  </p:cSld>
+  <p:clrMapOvr>
+    <a:masterClrMapping/>
+  </p:clrMapOvr>
+  <p:timing>
+    <p:tnLst>
+      <p:par>
+        <p:cTn id="1" dur="indefinite" restart="never" nodeType="tmRoot">
+          <p:childTnLst>
+            <p:seq>
+              <p:cTn id="2" nodeType="mainSeq"/>
+              <p:prevCondLst>
+                <p:cond evt="onPrev" delay="0">
+                  <p:tgtEl>
+                    <p:sldTgt/>
+                  </p:tgtEl>
+                </p:cond>
+              </p:prevCondLst>
+              <p:nextCondLst>
+                <p:cond evt="onNext" delay="0">
+                  <p:tgtEl>
+                    <p:sldTgt/>
+                  </p:tgtEl>
+                </p:cond>
+              </p:nextCondLst>
+            </p:seq>
+          </p:childTnLst>
+        </p:cTn>
+      </p:par>
+    </p:tnLst>
+  </p:timing>
+</p:sld>
+</file>
+
+<file path=ppt/slides/slide42.xml><?xml version="1.0" encoding="utf-8"?>
+<p:sld xmlns:a="http://schemas.openxmlformats.org/drawingml/2006/main" xmlns:r="http://schemas.openxmlformats.org/officeDocument/2006/relationships" xmlns:p="http://schemas.openxmlformats.org/presentationml/2006/main">
+  <p:cSld>
+    <p:spTree>
+      <p:nvGrpSpPr>
+        <p:cNvPr id="1" name=""/>
+        <p:cNvGrpSpPr/>
+        <p:nvPr/>
+      </p:nvGrpSpPr>
+      <p:grpSpPr>
+        <a:xfrm>
+          <a:off x="0" y="0"/>
+          <a:ext cx="0" cy="0"/>
+          <a:chOff x="0" y="0"/>
+          <a:chExt cx="0" cy="0"/>
+        </a:xfrm>
+      </p:grpSpPr>
+      <p:sp>
+        <p:nvSpPr>
+          <p:cNvPr id="422" name="CustomShape 1"/>
+          <p:cNvSpPr/>
+          <p:nvPr/>
+        </p:nvSpPr>
+        <p:spPr>
+          <a:xfrm>
+            <a:off x="609480" y="273600"/>
+            <a:ext cx="10971720" cy="1144080"/>
+          </a:xfrm>
+          <a:prstGeom prst="rect">
+            <a:avLst/>
+          </a:prstGeom>
+          <a:noFill/>
+          <a:ln>
+            <a:noFill/>
+          </a:ln>
+        </p:spPr>
+        <p:style>
+          <a:lnRef idx="0">
+            <a:scrgbClr r="0" g="0" b="0"/>
+          </a:lnRef>
+          <a:fillRef idx="0">
+            <a:scrgbClr r="0" g="0" b="0"/>
+          </a:fillRef>
+          <a:effectRef idx="0">
+            <a:scrgbClr r="0" g="0" b="0"/>
+          </a:effectRef>
+          <a:fontRef idx="minor"/>
+        </p:style>
+        <p:txBody>
+          <a:bodyPr lIns="0" tIns="0" rIns="0" bIns="0" anchor="ctr"/>
+          <a:lstStyle/>
+          <a:p>
+            <a:pPr>
+              <a:lnSpc>
+                <a:spcPct val="90000"/>
+              </a:lnSpc>
+            </a:pPr>
+            <a:r>
+              <a:rPr lang="pt-BR" sz="2400" b="0" strike="noStrike" spc="-1" dirty="0">
+                <a:solidFill>
+                  <a:srgbClr val="000000"/>
+                </a:solidFill>
+                <a:uFill>
+                  <a:solidFill>
+                    <a:srgbClr val="FFFFFF"/>
+                  </a:solidFill>
+                </a:uFill>
+                <a:latin typeface="Calibri"/>
+                <a:ea typeface="DejaVu Sans"/>
+              </a:rPr>
+              <a:t>Busca em árvore com x10</a:t>
+            </a:r>
+            <a:endParaRPr lang="pt-BR" sz="2400" b="0" strike="noStrike" spc="-1" dirty="0">
+              <a:solidFill>
+                <a:srgbClr val="000000"/>
+              </a:solidFill>
+              <a:uFill>
+                <a:solidFill>
+                  <a:srgbClr val="FFFFFF"/>
+                </a:solidFill>
+              </a:uFill>
+              <a:latin typeface="Arial"/>
+            </a:endParaRPr>
+          </a:p>
+        </p:txBody>
+      </p:sp>
+      <p:pic>
+        <p:nvPicPr>
+          <p:cNvPr id="2" name="Picture 1"/>
+          <p:cNvPicPr>
+            <a:picLocks noChangeAspect="1"/>
+          </p:cNvPicPr>
+          <p:nvPr/>
+        </p:nvPicPr>
+        <p:blipFill>
+          <a:blip r:embed="rId2"/>
+          <a:stretch>
+            <a:fillRect/>
+          </a:stretch>
+        </p:blipFill>
+        <p:spPr>
+          <a:xfrm>
+            <a:off x="450723" y="1268760"/>
+            <a:ext cx="5619750" cy="3943350"/>
+          </a:xfrm>
+          <a:prstGeom prst="rect">
+            <a:avLst/>
+          </a:prstGeom>
+        </p:spPr>
+      </p:pic>
+      <p:pic>
+        <p:nvPicPr>
+          <p:cNvPr id="3" name="Picture 2"/>
+          <p:cNvPicPr>
+            <a:picLocks noChangeAspect="1"/>
+          </p:cNvPicPr>
+          <p:nvPr/>
+        </p:nvPicPr>
+        <p:blipFill>
+          <a:blip r:embed="rId3"/>
+          <a:stretch>
+            <a:fillRect/>
+          </a:stretch>
+        </p:blipFill>
+        <p:spPr>
+          <a:xfrm>
+            <a:off x="6384032" y="2348880"/>
+            <a:ext cx="5619750" cy="4429125"/>
+          </a:xfrm>
+          <a:prstGeom prst="rect">
+            <a:avLst/>
+          </a:prstGeom>
+        </p:spPr>
+      </p:pic>
+    </p:spTree>
+    <p:extLst>
+      <p:ext uri="{BB962C8B-B14F-4D97-AF65-F5344CB8AC3E}">
+        <p14:creationId xmlns:p14="http://schemas.microsoft.com/office/powerpoint/2010/main" val="3547945407"/>
+      </p:ext>
+    </p:extLst>
+  </p:cSld>
+  <p:clrMapOvr>
+    <a:masterClrMapping/>
+  </p:clrMapOvr>
+  <p:timing>
+    <p:tnLst>
+      <p:par>
+        <p:cTn id="1" dur="indefinite" restart="never" nodeType="tmRoot">
+          <p:childTnLst>
+            <p:seq>
+              <p:cTn id="2" nodeType="mainSeq"/>
+              <p:prevCondLst>
+                <p:cond evt="onPrev" delay="0">
+                  <p:tgtEl>
+                    <p:sldTgt/>
+                  </p:tgtEl>
+                </p:cond>
+              </p:prevCondLst>
+              <p:nextCondLst>
+                <p:cond evt="onNext" delay="0">
+                  <p:tgtEl>
+                    <p:sldTgt/>
+                  </p:tgtEl>
+                </p:cond>
+              </p:nextCondLst>
+            </p:seq>
+          </p:childTnLst>
+        </p:cTn>
+      </p:par>
+    </p:tnLst>
+  </p:timing>
+</p:sld>
+</file>
+
+<file path=ppt/slides/slide43.xml><?xml version="1.0" encoding="utf-8"?>
+<p:sld xmlns:a="http://schemas.openxmlformats.org/drawingml/2006/main" xmlns:r="http://schemas.openxmlformats.org/officeDocument/2006/relationships" xmlns:p="http://schemas.openxmlformats.org/presentationml/2006/main">
+  <p:cSld>
+    <p:spTree>
+      <p:nvGrpSpPr>
+        <p:cNvPr id="1" name=""/>
+        <p:cNvGrpSpPr/>
+        <p:nvPr/>
+      </p:nvGrpSpPr>
+      <p:grpSpPr>
+        <a:xfrm>
+          <a:off x="0" y="0"/>
+          <a:ext cx="0" cy="0"/>
+          <a:chOff x="0" y="0"/>
+          <a:chExt cx="0" cy="0"/>
+        </a:xfrm>
+      </p:grpSpPr>
+      <p:sp>
+        <p:nvSpPr>
+          <p:cNvPr id="422" name="CustomShape 1"/>
+          <p:cNvSpPr/>
+          <p:nvPr/>
+        </p:nvSpPr>
+        <p:spPr>
+          <a:xfrm>
+            <a:off x="609480" y="273600"/>
+            <a:ext cx="10971720" cy="1144080"/>
+          </a:xfrm>
+          <a:prstGeom prst="rect">
+            <a:avLst/>
+          </a:prstGeom>
+          <a:noFill/>
+          <a:ln>
+            <a:noFill/>
+          </a:ln>
+        </p:spPr>
+        <p:style>
+          <a:lnRef idx="0">
+            <a:scrgbClr r="0" g="0" b="0"/>
+          </a:lnRef>
+          <a:fillRef idx="0">
+            <a:scrgbClr r="0" g="0" b="0"/>
+          </a:fillRef>
+          <a:effectRef idx="0">
+            <a:scrgbClr r="0" g="0" b="0"/>
+          </a:effectRef>
+          <a:fontRef idx="minor"/>
+        </p:style>
+        <p:txBody>
+          <a:bodyPr lIns="0" tIns="0" rIns="0" bIns="0" anchor="ctr"/>
+          <a:lstStyle/>
+          <a:p>
+            <a:pPr>
+              <a:lnSpc>
+                <a:spcPct val="90000"/>
+              </a:lnSpc>
+            </a:pPr>
+            <a:r>
+              <a:rPr lang="pt-BR" sz="2400" b="0" strike="noStrike" spc="-1" dirty="0">
+                <a:solidFill>
+                  <a:srgbClr val="000000"/>
+                </a:solidFill>
+                <a:uFill>
+                  <a:solidFill>
+                    <a:srgbClr val="FFFFFF"/>
+                  </a:solidFill>
+                </a:uFill>
+                <a:latin typeface="Calibri"/>
+                <a:ea typeface="DejaVu Sans"/>
+              </a:rPr>
+              <a:t>Busca em árvore com x10</a:t>
+            </a:r>
+            <a:endParaRPr lang="pt-BR" sz="2400" b="0" strike="noStrike" spc="-1" dirty="0">
+              <a:solidFill>
+                <a:srgbClr val="000000"/>
+              </a:solidFill>
+              <a:uFill>
+                <a:solidFill>
+                  <a:srgbClr val="FFFFFF"/>
+                </a:solidFill>
+              </a:uFill>
+              <a:latin typeface="Arial"/>
+            </a:endParaRPr>
+          </a:p>
+        </p:txBody>
+      </p:sp>
+      <p:pic>
+        <p:nvPicPr>
+          <p:cNvPr id="8194" name="Picture 2"/>
+          <p:cNvPicPr>
+            <a:picLocks noChangeAspect="1" noChangeArrowheads="1"/>
+          </p:cNvPicPr>
+          <p:nvPr/>
+        </p:nvPicPr>
+        <p:blipFill>
+          <a:blip r:embed="rId2">
+            <a:extLst>
+              <a:ext uri="{28A0092B-C50C-407E-A947-70E740481C1C}">
+                <a14:useLocalDpi xmlns:a14="http://schemas.microsoft.com/office/drawing/2010/main" val="0"/>
+              </a:ext>
+            </a:extLst>
+          </a:blip>
+          <a:srcRect/>
+          <a:stretch>
+            <a:fillRect/>
+          </a:stretch>
+        </p:blipFill>
+        <p:spPr bwMode="auto">
+          <a:xfrm>
+            <a:off x="876002" y="1772816"/>
+            <a:ext cx="5695950" cy="3657600"/>
+          </a:xfrm>
+          <a:prstGeom prst="rect">
+            <a:avLst/>
+          </a:prstGeom>
+          <a:noFill/>
+          <a:ln>
+            <a:noFill/>
+          </a:ln>
+          <a:extLst>
+            <a:ext uri="{909E8E84-426E-40DD-AFC4-6F175D3DCCD1}">
+              <a14:hiddenFill xmlns:a14="http://schemas.microsoft.com/office/drawing/2010/main">
+                <a:solidFill>
+                  <a:schemeClr val="accent1"/>
+                </a:solidFill>
+              </a14:hiddenFill>
+            </a:ext>
+            <a:ext uri="{91240B29-F687-4F45-9708-019B960494DF}">
+              <a14:hiddenLine xmlns:a14="http://schemas.microsoft.com/office/drawing/2010/main" w="9525">
+                <a:solidFill>
+                  <a:schemeClr val="tx1"/>
+                </a:solidFill>
+                <a:miter lim="800000"/>
+                <a:headEnd/>
+                <a:tailEnd/>
+              </a14:hiddenLine>
+            </a:ext>
+          </a:extLst>
+        </p:spPr>
+      </p:pic>
+    </p:spTree>
+    <p:extLst>
+      <p:ext uri="{BB962C8B-B14F-4D97-AF65-F5344CB8AC3E}">
+        <p14:creationId xmlns:p14="http://schemas.microsoft.com/office/powerpoint/2010/main" val="3532863421"/>
+      </p:ext>
+    </p:extLst>
+  </p:cSld>
+  <p:clrMapOvr>
+    <a:masterClrMapping/>
+  </p:clrMapOvr>
+  <p:timing>
+    <p:tnLst>
+      <p:par>
+        <p:cTn id="1" dur="indefinite" restart="never" nodeType="tmRoot">
+          <p:childTnLst>
+            <p:seq>
+              <p:cTn id="2" nodeType="mainSeq"/>
+              <p:prevCondLst>
+                <p:cond evt="onPrev" delay="0">
+                  <p:tgtEl>
+                    <p:sldTgt/>
+                  </p:tgtEl>
+                </p:cond>
+              </p:prevCondLst>
+              <p:nextCondLst>
+                <p:cond evt="onNext" delay="0">
+                  <p:tgtEl>
+                    <p:sldTgt/>
+                  </p:tgtEl>
+                </p:cond>
+              </p:nextCondLst>
+            </p:seq>
+          </p:childTnLst>
+        </p:cTn>
+      </p:par>
+    </p:tnLst>
+  </p:timing>
+</p:sld>
+</file>
+
+<file path=ppt/slides/slide44.xml><?xml version="1.0" encoding="utf-8"?>
+<p:sld xmlns:a="http://schemas.openxmlformats.org/drawingml/2006/main" xmlns:r="http://schemas.openxmlformats.org/officeDocument/2006/relationships" xmlns:p="http://schemas.openxmlformats.org/presentationml/2006/main">
+  <p:cSld>
+    <p:spTree>
+      <p:nvGrpSpPr>
+        <p:cNvPr id="1" name=""/>
+        <p:cNvGrpSpPr/>
+        <p:nvPr/>
+      </p:nvGrpSpPr>
+      <p:grpSpPr>
+        <a:xfrm>
+          <a:off x="0" y="0"/>
+          <a:ext cx="0" cy="0"/>
+          <a:chOff x="0" y="0"/>
+          <a:chExt cx="0" cy="0"/>
+        </a:xfrm>
+      </p:grpSpPr>
+      <p:pic>
+        <p:nvPicPr>
+          <p:cNvPr id="2052" name="Picture 4"/>
+          <p:cNvPicPr>
+            <a:picLocks noChangeAspect="1" noChangeArrowheads="1"/>
+          </p:cNvPicPr>
+          <p:nvPr/>
+        </p:nvPicPr>
+        <p:blipFill>
+          <a:blip r:embed="rId2">
+            <a:extLst>
+              <a:ext uri="{28A0092B-C50C-407E-A947-70E740481C1C}">
+                <a14:useLocalDpi xmlns:a14="http://schemas.microsoft.com/office/drawing/2010/main" val="0"/>
+              </a:ext>
+            </a:extLst>
+          </a:blip>
+          <a:srcRect/>
+          <a:stretch>
+            <a:fillRect/>
+          </a:stretch>
+        </p:blipFill>
+        <p:spPr bwMode="auto">
+          <a:xfrm>
+            <a:off x="5807968" y="2886780"/>
+            <a:ext cx="4543425" cy="3286125"/>
+          </a:xfrm>
+          <a:prstGeom prst="rect">
+            <a:avLst/>
+          </a:prstGeom>
+          <a:noFill/>
+          <a:ln>
+            <a:noFill/>
+          </a:ln>
+          <a:extLst>
+            <a:ext uri="{909E8E84-426E-40DD-AFC4-6F175D3DCCD1}">
+              <a14:hiddenFill xmlns:a14="http://schemas.microsoft.com/office/drawing/2010/main">
+                <a:solidFill>
+                  <a:schemeClr val="accent1"/>
+                </a:solidFill>
+              </a14:hiddenFill>
+            </a:ext>
+            <a:ext uri="{91240B29-F687-4F45-9708-019B960494DF}">
+              <a14:hiddenLine xmlns:a14="http://schemas.microsoft.com/office/drawing/2010/main" w="9525">
+                <a:solidFill>
+                  <a:schemeClr val="tx1"/>
+                </a:solidFill>
+                <a:miter lim="800000"/>
+                <a:headEnd/>
+                <a:tailEnd/>
+              </a14:hiddenLine>
+            </a:ext>
+          </a:extLst>
+        </p:spPr>
+      </p:pic>
+      <p:sp>
+        <p:nvSpPr>
+          <p:cNvPr id="2" name="Title 1"/>
+          <p:cNvSpPr>
+            <a:spLocks noGrp="1"/>
+          </p:cNvSpPr>
+          <p:nvPr>
+            <p:ph type="title"/>
+          </p:nvPr>
+        </p:nvSpPr>
+        <p:spPr/>
+        <p:txBody>
+          <a:bodyPr/>
+          <a:lstStyle/>
+          <a:p>
+            <a:r>
+              <a:rPr lang="pt-BR" sz="2400" b="0" strike="noStrike" spc="-1" dirty="0" smtClean="0">
+                <a:solidFill>
+                  <a:srgbClr val="000000"/>
+                </a:solidFill>
+                <a:uFill>
+                  <a:solidFill>
+                    <a:srgbClr val="FFFFFF"/>
+                  </a:solidFill>
+                </a:uFill>
+                <a:latin typeface="Calibri"/>
+                <a:ea typeface="DejaVu Sans"/>
+              </a:rPr>
+              <a:t>Busca em árvore com x10</a:t>
+            </a:r>
+            <a:endParaRPr lang="pt-BR" sz="2400" dirty="0"/>
+          </a:p>
+        </p:txBody>
+      </p:sp>
+      <p:pic>
+        <p:nvPicPr>
+          <p:cNvPr id="2051" name="Picture 3"/>
+          <p:cNvPicPr>
+            <a:picLocks noChangeAspect="1" noChangeArrowheads="1"/>
+          </p:cNvPicPr>
+          <p:nvPr/>
+        </p:nvPicPr>
+        <p:blipFill>
+          <a:blip r:embed="rId3">
+            <a:extLst>
+              <a:ext uri="{28A0092B-C50C-407E-A947-70E740481C1C}">
+                <a14:useLocalDpi xmlns:a14="http://schemas.microsoft.com/office/drawing/2010/main" val="0"/>
+              </a:ext>
+            </a:extLst>
+          </a:blip>
+          <a:srcRect/>
+          <a:stretch>
+            <a:fillRect/>
+          </a:stretch>
+        </p:blipFill>
+        <p:spPr bwMode="auto">
+          <a:xfrm>
+            <a:off x="1367447" y="1916832"/>
+            <a:ext cx="4552950" cy="2009775"/>
+          </a:xfrm>
+          <a:prstGeom prst="rect">
+            <a:avLst/>
+          </a:prstGeom>
+          <a:noFill/>
+          <a:ln>
+            <a:noFill/>
+          </a:ln>
+          <a:extLst>
+            <a:ext uri="{909E8E84-426E-40DD-AFC4-6F175D3DCCD1}">
+              <a14:hiddenFill xmlns:a14="http://schemas.microsoft.com/office/drawing/2010/main">
+                <a:solidFill>
+                  <a:schemeClr val="accent1"/>
+                </a:solidFill>
+              </a14:hiddenFill>
+            </a:ext>
+            <a:ext uri="{91240B29-F687-4F45-9708-019B960494DF}">
+              <a14:hiddenLine xmlns:a14="http://schemas.microsoft.com/office/drawing/2010/main" w="9525">
+                <a:solidFill>
+                  <a:schemeClr val="tx1"/>
+                </a:solidFill>
+                <a:miter lim="800000"/>
+                <a:headEnd/>
+                <a:tailEnd/>
+              </a14:hiddenLine>
+            </a:ext>
+          </a:extLst>
+        </p:spPr>
+      </p:pic>
+    </p:spTree>
+    <p:extLst>
+      <p:ext uri="{BB962C8B-B14F-4D97-AF65-F5344CB8AC3E}">
+        <p14:creationId xmlns:p14="http://schemas.microsoft.com/office/powerpoint/2010/main" val="2980817907"/>
+      </p:ext>
+    </p:extLst>
+  </p:cSld>
+  <p:clrMapOvr>
+    <a:masterClrMapping/>
+  </p:clrMapOvr>
+</p:sld>
+</file>
+
+<file path=ppt/slides/slide45.xml><?xml version="1.0" encoding="utf-8"?>
+<p:sld xmlns:a="http://schemas.openxmlformats.org/drawingml/2006/main" xmlns:r="http://schemas.openxmlformats.org/officeDocument/2006/relationships" xmlns:p="http://schemas.openxmlformats.org/presentationml/2006/main">
+  <p:cSld>
+    <p:spTree>
+      <p:nvGrpSpPr>
+        <p:cNvPr id="1" name=""/>
+        <p:cNvGrpSpPr/>
+        <p:nvPr/>
+      </p:nvGrpSpPr>
+      <p:grpSpPr>
+        <a:xfrm>
+          <a:off x="0" y="0"/>
+          <a:ext cx="0" cy="0"/>
+          <a:chOff x="0" y="0"/>
+          <a:chExt cx="0" cy="0"/>
+        </a:xfrm>
+      </p:grpSpPr>
+      <p:sp>
+        <p:nvSpPr>
+          <p:cNvPr id="425" name="CustomShape 1"/>
+          <p:cNvSpPr/>
+          <p:nvPr/>
+        </p:nvSpPr>
+        <p:spPr>
+          <a:xfrm>
+            <a:off x="609480" y="273600"/>
+            <a:ext cx="10972080" cy="1144440"/>
+          </a:xfrm>
+          <a:prstGeom prst="rect">
+            <a:avLst/>
+          </a:prstGeom>
+          <a:noFill/>
+          <a:ln>
+            <a:noFill/>
+          </a:ln>
+        </p:spPr>
+        <p:style>
+          <a:lnRef idx="0">
+            <a:scrgbClr r="0" g="0" b="0"/>
+          </a:lnRef>
+          <a:fillRef idx="0">
+            <a:scrgbClr r="0" g="0" b="0"/>
+          </a:fillRef>
+          <a:effectRef idx="0">
+            <a:scrgbClr r="0" g="0" b="0"/>
+          </a:effectRef>
+          <a:fontRef idx="minor"/>
+        </p:style>
+        <p:txBody>
+          <a:bodyPr lIns="0" tIns="0" rIns="0" bIns="0" anchor="ctr"/>
+          <a:lstStyle/>
+          <a:p>
+            <a:r>
+              <a:rPr lang="pt-BR" sz="2400" b="0" strike="noStrike" spc="-1" dirty="0">
+                <a:solidFill>
+                  <a:srgbClr val="000000"/>
+                </a:solidFill>
+                <a:uFill>
+                  <a:solidFill>
+                    <a:srgbClr val="FFFFFF"/>
+                  </a:solidFill>
+                </a:uFill>
+                <a:latin typeface="Calibri" panose="020F0502020204030204" pitchFamily="34" charset="0"/>
+                <a:cs typeface="Calibri" panose="020F0502020204030204" pitchFamily="34" charset="0"/>
+              </a:rPr>
+              <a:t>Desempenho em milisegundos</a:t>
+            </a:r>
+          </a:p>
+        </p:txBody>
+      </p:sp>
+      <p:graphicFrame>
+        <p:nvGraphicFramePr>
+          <p:cNvPr id="426" name="Table 2"/>
+          <p:cNvGraphicFramePr/>
+          <p:nvPr>
+            <p:extLst>
+              <p:ext uri="{D42A27DB-BD31-4B8C-83A1-F6EECF244321}">
+                <p14:modId xmlns:p14="http://schemas.microsoft.com/office/powerpoint/2010/main" val="1334087912"/>
+              </p:ext>
+            </p:extLst>
+          </p:nvPr>
+        </p:nvGraphicFramePr>
+        <p:xfrm>
+          <a:off x="2279576" y="2492896"/>
+          <a:ext cx="7633329" cy="2736303"/>
+        </p:xfrm>
+        <a:graphic>
+          <a:graphicData uri="http://schemas.openxmlformats.org/drawingml/2006/table">
+            <a:tbl>
+              <a:tblPr>
+                <a:tableStyleId>{9D7B26C5-4107-4FEC-AEDC-1716B250A1EF}</a:tableStyleId>
+              </a:tblPr>
+              <a:tblGrid>
+                <a:gridCol w="2544276"/>
+                <a:gridCol w="2544276"/>
+                <a:gridCol w="2544777"/>
+              </a:tblGrid>
+              <a:tr h="455801">
+                <a:tc>
+                  <a:txBody>
+                    <a:bodyPr/>
+                    <a:lstStyle/>
+                    <a:p>
+                      <a:pPr algn="ctr">
+                        <a:lnSpc>
+                          <a:spcPct val="100000"/>
+                        </a:lnSpc>
+                      </a:pPr>
+                      <a:r>
+                        <a:rPr lang="pt-BR" sz="1600" strike="noStrike" spc="-1" dirty="0">
+                          <a:uFill>
+                            <a:solidFill>
+                              <a:srgbClr val="FFFFFF"/>
+                            </a:solidFill>
+                          </a:uFill>
+                        </a:rPr>
+                        <a:t>Número de nós</a:t>
+                      </a:r>
+                      <a:endParaRPr lang="pt-BR" sz="1600" b="0" strike="noStrike" spc="-1" dirty="0">
+                        <a:solidFill>
+                          <a:srgbClr val="000000"/>
+                        </a:solidFill>
+                        <a:uFill>
+                          <a:solidFill>
+                            <a:srgbClr val="FFFFFF"/>
+                          </a:solidFill>
+                        </a:uFill>
+                        <a:latin typeface="Calibri" panose="020F0502020204030204" pitchFamily="34" charset="0"/>
+                        <a:cs typeface="Calibri" panose="020F0502020204030204" pitchFamily="34" charset="0"/>
+                      </a:endParaRPr>
+                    </a:p>
+                  </a:txBody>
+                  <a:tcPr marL="90000" marR="90000">
+                    <a:solidFill>
+                      <a:schemeClr val="bg1">
+                        <a:lumMod val="95000"/>
+                      </a:schemeClr>
+                    </a:solidFill>
+                  </a:tcPr>
+                </a:tc>
+                <a:tc>
+                  <a:txBody>
+                    <a:bodyPr/>
+                    <a:lstStyle/>
+                    <a:p>
+                      <a:pPr algn="ctr">
+                        <a:lnSpc>
+                          <a:spcPct val="100000"/>
+                        </a:lnSpc>
+                      </a:pPr>
+                      <a:r>
+                        <a:rPr lang="pt-BR" sz="1600" strike="noStrike" spc="-1" dirty="0">
+                          <a:uFill>
+                            <a:solidFill>
+                              <a:srgbClr val="FFFFFF"/>
+                            </a:solidFill>
+                          </a:uFill>
+                        </a:rPr>
+                        <a:t>Sequencial</a:t>
+                      </a:r>
+                      <a:endParaRPr lang="pt-BR" sz="1600" b="0" strike="noStrike" spc="-1" dirty="0">
+                        <a:solidFill>
+                          <a:srgbClr val="000000"/>
+                        </a:solidFill>
+                        <a:uFill>
+                          <a:solidFill>
+                            <a:srgbClr val="FFFFFF"/>
+                          </a:solidFill>
+                        </a:uFill>
+                        <a:latin typeface="Calibri" panose="020F0502020204030204" pitchFamily="34" charset="0"/>
+                        <a:cs typeface="Calibri" panose="020F0502020204030204" pitchFamily="34" charset="0"/>
+                      </a:endParaRPr>
+                    </a:p>
+                  </a:txBody>
+                  <a:tcPr marL="90000" marR="90000">
+                    <a:solidFill>
+                      <a:schemeClr val="bg1">
+                        <a:lumMod val="95000"/>
+                      </a:schemeClr>
+                    </a:solidFill>
+                  </a:tcPr>
+                </a:tc>
+                <a:tc>
+                  <a:txBody>
+                    <a:bodyPr/>
+                    <a:lstStyle/>
+                    <a:p>
+                      <a:pPr algn="ctr">
+                        <a:lnSpc>
+                          <a:spcPct val="100000"/>
+                        </a:lnSpc>
+                      </a:pPr>
+                      <a:r>
+                        <a:rPr lang="pt-BR" sz="1600" strike="noStrike" spc="-1" dirty="0">
+                          <a:uFill>
+                            <a:solidFill>
+                              <a:srgbClr val="FFFFFF"/>
+                            </a:solidFill>
+                          </a:uFill>
+                        </a:rPr>
+                        <a:t>Paralelo </a:t>
+                      </a:r>
+                      <a:endParaRPr lang="pt-BR" sz="1600" b="0" strike="noStrike" spc="-1" dirty="0">
+                        <a:solidFill>
+                          <a:srgbClr val="000000"/>
+                        </a:solidFill>
+                        <a:uFill>
+                          <a:solidFill>
+                            <a:srgbClr val="FFFFFF"/>
+                          </a:solidFill>
+                        </a:uFill>
+                        <a:latin typeface="Calibri" panose="020F0502020204030204" pitchFamily="34" charset="0"/>
+                        <a:cs typeface="Calibri" panose="020F0502020204030204" pitchFamily="34" charset="0"/>
+                      </a:endParaRPr>
+                    </a:p>
+                  </a:txBody>
+                  <a:tcPr marL="90000" marR="90000">
+                    <a:solidFill>
+                      <a:schemeClr val="bg1">
+                        <a:lumMod val="95000"/>
+                      </a:schemeClr>
+                    </a:solidFill>
+                  </a:tcPr>
+                </a:tc>
+              </a:tr>
+              <a:tr h="455801">
+                <a:tc>
+                  <a:txBody>
+                    <a:bodyPr/>
+                    <a:lstStyle/>
+                    <a:p>
+                      <a:pPr algn="ctr">
+                        <a:lnSpc>
+                          <a:spcPct val="100000"/>
+                        </a:lnSpc>
+                      </a:pPr>
+                      <a:r>
+                        <a:rPr lang="pt-BR" sz="1600" strike="noStrike" spc="-1" dirty="0">
+                          <a:uFill>
+                            <a:solidFill>
+                              <a:srgbClr val="FFFFFF"/>
+                            </a:solidFill>
+                          </a:uFill>
+                        </a:rPr>
+                        <a:t>4</a:t>
+                      </a:r>
+                      <a:endParaRPr lang="pt-BR" sz="1600" b="0" strike="noStrike" spc="-1" dirty="0">
+                        <a:solidFill>
+                          <a:srgbClr val="000000"/>
+                        </a:solidFill>
+                        <a:uFill>
+                          <a:solidFill>
+                            <a:srgbClr val="FFFFFF"/>
+                          </a:solidFill>
+                        </a:uFill>
+                        <a:latin typeface="Calibri" panose="020F0502020204030204" pitchFamily="34" charset="0"/>
+                        <a:cs typeface="Calibri" panose="020F0502020204030204" pitchFamily="34" charset="0"/>
+                      </a:endParaRPr>
+                    </a:p>
+                  </a:txBody>
+                  <a:tcPr marL="90000" marR="90000">
+                    <a:solidFill>
+                      <a:schemeClr val="accent1">
+                        <a:lumMod val="20000"/>
+                        <a:lumOff val="80000"/>
+                      </a:schemeClr>
+                    </a:solidFill>
+                  </a:tcPr>
+                </a:tc>
+                <a:tc>
+                  <a:txBody>
+                    <a:bodyPr/>
+                    <a:lstStyle/>
+                    <a:p>
+                      <a:pPr algn="ctr">
+                        <a:lnSpc>
+                          <a:spcPct val="100000"/>
+                        </a:lnSpc>
+                      </a:pPr>
+                      <a:r>
+                        <a:rPr lang="pt-BR" sz="1600" strike="noStrike" spc="-1" dirty="0">
+                          <a:uFill>
+                            <a:solidFill>
+                              <a:srgbClr val="FFFFFF"/>
+                            </a:solidFill>
+                          </a:uFill>
+                        </a:rPr>
+                        <a:t>3 ms</a:t>
+                      </a:r>
+                      <a:endParaRPr lang="pt-BR" sz="1600" b="0" strike="noStrike" spc="-1" dirty="0">
+                        <a:solidFill>
+                          <a:srgbClr val="000000"/>
+                        </a:solidFill>
+                        <a:uFill>
+                          <a:solidFill>
+                            <a:srgbClr val="FFFFFF"/>
+                          </a:solidFill>
+                        </a:uFill>
+                        <a:latin typeface="Calibri" panose="020F0502020204030204" pitchFamily="34" charset="0"/>
+                        <a:cs typeface="Calibri" panose="020F0502020204030204" pitchFamily="34" charset="0"/>
+                      </a:endParaRPr>
+                    </a:p>
+                  </a:txBody>
+                  <a:tcPr marL="90000" marR="90000">
+                    <a:solidFill>
+                      <a:schemeClr val="accent1">
+                        <a:lumMod val="20000"/>
+                        <a:lumOff val="80000"/>
+                      </a:schemeClr>
+                    </a:solidFill>
+                  </a:tcPr>
+                </a:tc>
+                <a:tc>
+                  <a:txBody>
+                    <a:bodyPr/>
+                    <a:lstStyle/>
+                    <a:p>
+                      <a:pPr algn="ctr">
+                        <a:lnSpc>
+                          <a:spcPct val="100000"/>
+                        </a:lnSpc>
+                      </a:pPr>
+                      <a:r>
+                        <a:rPr lang="pt-BR" sz="1600" strike="noStrike" spc="-1">
+                          <a:uFill>
+                            <a:solidFill>
+                              <a:srgbClr val="FFFFFF"/>
+                            </a:solidFill>
+                          </a:uFill>
+                        </a:rPr>
+                        <a:t>200 ms</a:t>
+                      </a:r>
+                      <a:endParaRPr lang="pt-BR" sz="1600" b="0" strike="noStrike" spc="-1">
+                        <a:solidFill>
+                          <a:srgbClr val="000000"/>
+                        </a:solidFill>
+                        <a:uFill>
+                          <a:solidFill>
+                            <a:srgbClr val="FFFFFF"/>
+                          </a:solidFill>
+                        </a:uFill>
+                        <a:latin typeface="Calibri" panose="020F0502020204030204" pitchFamily="34" charset="0"/>
+                        <a:cs typeface="Calibri" panose="020F0502020204030204" pitchFamily="34" charset="0"/>
+                      </a:endParaRPr>
+                    </a:p>
+                  </a:txBody>
+                  <a:tcPr marL="90000" marR="90000">
+                    <a:solidFill>
+                      <a:schemeClr val="accent1">
+                        <a:lumMod val="20000"/>
+                        <a:lumOff val="80000"/>
+                      </a:schemeClr>
+                    </a:solidFill>
+                  </a:tcPr>
+                </a:tc>
+              </a:tr>
+              <a:tr h="455801">
+                <a:tc>
+                  <a:txBody>
+                    <a:bodyPr/>
+                    <a:lstStyle/>
+                    <a:p>
+                      <a:pPr algn="ctr">
+                        <a:lnSpc>
+                          <a:spcPct val="100000"/>
+                        </a:lnSpc>
+                      </a:pPr>
+                      <a:r>
+                        <a:rPr lang="pt-BR" sz="1600" strike="noStrike" spc="-1" dirty="0">
+                          <a:uFill>
+                            <a:solidFill>
+                              <a:srgbClr val="FFFFFF"/>
+                            </a:solidFill>
+                          </a:uFill>
+                        </a:rPr>
+                        <a:t>8</a:t>
+                      </a:r>
+                      <a:endParaRPr lang="pt-BR" sz="1600" b="0" strike="noStrike" spc="-1" dirty="0">
+                        <a:solidFill>
+                          <a:srgbClr val="000000"/>
+                        </a:solidFill>
+                        <a:uFill>
+                          <a:solidFill>
+                            <a:srgbClr val="FFFFFF"/>
+                          </a:solidFill>
+                        </a:uFill>
+                        <a:latin typeface="Calibri" panose="020F0502020204030204" pitchFamily="34" charset="0"/>
+                        <a:cs typeface="Calibri" panose="020F0502020204030204" pitchFamily="34" charset="0"/>
+                      </a:endParaRPr>
+                    </a:p>
+                  </a:txBody>
+                  <a:tcPr marL="90000" marR="90000">
+                    <a:solidFill>
+                      <a:schemeClr val="accent1">
+                        <a:lumMod val="20000"/>
+                        <a:lumOff val="80000"/>
+                      </a:schemeClr>
+                    </a:solidFill>
+                  </a:tcPr>
+                </a:tc>
+                <a:tc>
+                  <a:txBody>
+                    <a:bodyPr/>
+                    <a:lstStyle/>
+                    <a:p>
+                      <a:pPr algn="ctr">
+                        <a:lnSpc>
+                          <a:spcPct val="100000"/>
+                        </a:lnSpc>
+                      </a:pPr>
+                      <a:r>
+                        <a:rPr lang="pt-BR" sz="1600" strike="noStrike" spc="-1" dirty="0">
+                          <a:uFill>
+                            <a:solidFill>
+                              <a:srgbClr val="FFFFFF"/>
+                            </a:solidFill>
+                          </a:uFill>
+                        </a:rPr>
+                        <a:t>73 ms</a:t>
+                      </a:r>
+                      <a:endParaRPr lang="pt-BR" sz="1600" b="0" strike="noStrike" spc="-1" dirty="0">
+                        <a:solidFill>
+                          <a:srgbClr val="000000"/>
+                        </a:solidFill>
+                        <a:uFill>
+                          <a:solidFill>
+                            <a:srgbClr val="FFFFFF"/>
+                          </a:solidFill>
+                        </a:uFill>
+                        <a:latin typeface="Calibri" panose="020F0502020204030204" pitchFamily="34" charset="0"/>
+                        <a:cs typeface="Calibri" panose="020F0502020204030204" pitchFamily="34" charset="0"/>
+                      </a:endParaRPr>
+                    </a:p>
+                  </a:txBody>
+                  <a:tcPr marL="90000" marR="90000">
+                    <a:solidFill>
+                      <a:schemeClr val="accent1">
+                        <a:lumMod val="20000"/>
+                        <a:lumOff val="80000"/>
+                      </a:schemeClr>
+                    </a:solidFill>
+                  </a:tcPr>
+                </a:tc>
+                <a:tc>
+                  <a:txBody>
+                    <a:bodyPr/>
+                    <a:lstStyle/>
+                    <a:p>
+                      <a:pPr algn="ctr">
+                        <a:lnSpc>
+                          <a:spcPct val="100000"/>
+                        </a:lnSpc>
+                      </a:pPr>
+                      <a:r>
+                        <a:rPr lang="pt-BR" sz="1600" strike="noStrike" spc="-1" dirty="0">
+                          <a:uFill>
+                            <a:solidFill>
+                              <a:srgbClr val="FFFFFF"/>
+                            </a:solidFill>
+                          </a:uFill>
+                        </a:rPr>
+                        <a:t>601 ms</a:t>
+                      </a:r>
+                      <a:endParaRPr lang="pt-BR" sz="1600" b="0" strike="noStrike" spc="-1" dirty="0">
+                        <a:solidFill>
+                          <a:srgbClr val="000000"/>
+                        </a:solidFill>
+                        <a:uFill>
+                          <a:solidFill>
+                            <a:srgbClr val="FFFFFF"/>
+                          </a:solidFill>
+                        </a:uFill>
+                        <a:latin typeface="Calibri" panose="020F0502020204030204" pitchFamily="34" charset="0"/>
+                        <a:cs typeface="Calibri" panose="020F0502020204030204" pitchFamily="34" charset="0"/>
+                      </a:endParaRPr>
+                    </a:p>
+                  </a:txBody>
+                  <a:tcPr marL="90000" marR="90000">
+                    <a:solidFill>
+                      <a:schemeClr val="accent1">
+                        <a:lumMod val="20000"/>
+                        <a:lumOff val="80000"/>
+                      </a:schemeClr>
+                    </a:solidFill>
+                  </a:tcPr>
+                </a:tc>
+              </a:tr>
+              <a:tr h="456300">
+                <a:tc>
+                  <a:txBody>
+                    <a:bodyPr/>
+                    <a:lstStyle/>
+                    <a:p>
+                      <a:pPr algn="ctr">
+                        <a:lnSpc>
+                          <a:spcPct val="100000"/>
+                        </a:lnSpc>
+                      </a:pPr>
+                      <a:r>
+                        <a:rPr lang="pt-BR" sz="1600" strike="noStrike" spc="-1">
+                          <a:uFill>
+                            <a:solidFill>
+                              <a:srgbClr val="FFFFFF"/>
+                            </a:solidFill>
+                          </a:uFill>
+                        </a:rPr>
+                        <a:t>12</a:t>
+                      </a:r>
+                      <a:endParaRPr lang="pt-BR" sz="1600" b="0" strike="noStrike" spc="-1">
+                        <a:solidFill>
+                          <a:srgbClr val="000000"/>
+                        </a:solidFill>
+                        <a:uFill>
+                          <a:solidFill>
+                            <a:srgbClr val="FFFFFF"/>
+                          </a:solidFill>
+                        </a:uFill>
+                        <a:latin typeface="Calibri" panose="020F0502020204030204" pitchFamily="34" charset="0"/>
+                        <a:cs typeface="Calibri" panose="020F0502020204030204" pitchFamily="34" charset="0"/>
+                      </a:endParaRPr>
+                    </a:p>
+                  </a:txBody>
+                  <a:tcPr marL="90000" marR="90000">
+                    <a:solidFill>
+                      <a:schemeClr val="accent1">
+                        <a:lumMod val="20000"/>
+                        <a:lumOff val="80000"/>
+                      </a:schemeClr>
+                    </a:solidFill>
+                  </a:tcPr>
+                </a:tc>
+                <a:tc>
+                  <a:txBody>
+                    <a:bodyPr/>
+                    <a:lstStyle/>
+                    <a:p>
+                      <a:pPr algn="ctr">
+                        <a:lnSpc>
+                          <a:spcPct val="100000"/>
+                        </a:lnSpc>
+                      </a:pPr>
+                      <a:r>
+                        <a:rPr lang="pt-BR" sz="1600" strike="noStrike" spc="-1" dirty="0">
+                          <a:uFill>
+                            <a:solidFill>
+                              <a:srgbClr val="FFFFFF"/>
+                            </a:solidFill>
+                          </a:uFill>
+                        </a:rPr>
+                        <a:t>278938 ms</a:t>
+                      </a:r>
+                      <a:endParaRPr lang="pt-BR" sz="1600" b="0" strike="noStrike" spc="-1" dirty="0">
+                        <a:solidFill>
+                          <a:srgbClr val="000000"/>
+                        </a:solidFill>
+                        <a:uFill>
+                          <a:solidFill>
+                            <a:srgbClr val="FFFFFF"/>
+                          </a:solidFill>
+                        </a:uFill>
+                        <a:latin typeface="Calibri" panose="020F0502020204030204" pitchFamily="34" charset="0"/>
+                        <a:cs typeface="Calibri" panose="020F0502020204030204" pitchFamily="34" charset="0"/>
+                      </a:endParaRPr>
+                    </a:p>
+                  </a:txBody>
+                  <a:tcPr marL="90000" marR="90000">
+                    <a:solidFill>
+                      <a:schemeClr val="accent1">
+                        <a:lumMod val="20000"/>
+                        <a:lumOff val="80000"/>
+                      </a:schemeClr>
+                    </a:solidFill>
+                  </a:tcPr>
+                </a:tc>
+                <a:tc>
+                  <a:txBody>
+                    <a:bodyPr/>
+                    <a:lstStyle/>
+                    <a:p>
+                      <a:pPr algn="ctr">
+                        <a:lnSpc>
+                          <a:spcPct val="100000"/>
+                        </a:lnSpc>
+                      </a:pPr>
+                      <a:r>
+                        <a:rPr lang="pt-BR" sz="1600" strike="noStrike" spc="-1" dirty="0">
+                          <a:uFill>
+                            <a:solidFill>
+                              <a:srgbClr val="FFFFFF"/>
+                            </a:solidFill>
+                          </a:uFill>
+                        </a:rPr>
+                        <a:t>5232 ms</a:t>
+                      </a:r>
+                      <a:endParaRPr lang="pt-BR" sz="1600" b="0" strike="noStrike" spc="-1" dirty="0">
+                        <a:solidFill>
+                          <a:srgbClr val="000000"/>
+                        </a:solidFill>
+                        <a:uFill>
+                          <a:solidFill>
+                            <a:srgbClr val="FFFFFF"/>
+                          </a:solidFill>
+                        </a:uFill>
+                        <a:latin typeface="Calibri" panose="020F0502020204030204" pitchFamily="34" charset="0"/>
+                        <a:cs typeface="Calibri" panose="020F0502020204030204" pitchFamily="34" charset="0"/>
+                      </a:endParaRPr>
+                    </a:p>
+                  </a:txBody>
+                  <a:tcPr marL="90000" marR="90000">
+                    <a:solidFill>
+                      <a:schemeClr val="accent1">
+                        <a:lumMod val="20000"/>
+                        <a:lumOff val="80000"/>
+                      </a:schemeClr>
+                    </a:solidFill>
+                  </a:tcPr>
+                </a:tc>
+              </a:tr>
+              <a:tr h="456300">
+                <a:tc>
+                  <a:txBody>
+                    <a:bodyPr/>
+                    <a:lstStyle/>
+                    <a:p>
+                      <a:pPr algn="ctr">
+                        <a:lnSpc>
+                          <a:spcPct val="100000"/>
+                        </a:lnSpc>
+                      </a:pPr>
+                      <a:r>
+                        <a:rPr lang="pt-BR" sz="1600" strike="noStrike" spc="-1" dirty="0" smtClean="0">
+                          <a:uFill>
+                            <a:solidFill>
+                              <a:srgbClr val="FFFFFF"/>
+                            </a:solidFill>
+                          </a:uFill>
+                        </a:rPr>
+                        <a:t>15</a:t>
+                      </a:r>
+                      <a:endParaRPr lang="pt-BR" sz="1600" b="0" strike="noStrike" spc="-1" dirty="0">
+                        <a:solidFill>
+                          <a:srgbClr val="000000"/>
+                        </a:solidFill>
+                        <a:uFill>
+                          <a:solidFill>
+                            <a:srgbClr val="FFFFFF"/>
+                          </a:solidFill>
+                        </a:uFill>
+                        <a:latin typeface="Calibri" panose="020F0502020204030204" pitchFamily="34" charset="0"/>
+                        <a:cs typeface="Calibri" panose="020F0502020204030204" pitchFamily="34" charset="0"/>
+                      </a:endParaRPr>
+                    </a:p>
+                  </a:txBody>
+                  <a:tcPr marL="90000" marR="90000">
+                    <a:solidFill>
+                      <a:schemeClr val="accent1">
+                        <a:lumMod val="20000"/>
+                        <a:lumOff val="80000"/>
+                      </a:schemeClr>
+                    </a:solidFill>
+                  </a:tcPr>
+                </a:tc>
+                <a:tc>
+                  <a:txBody>
+                    <a:bodyPr/>
+                    <a:lstStyle/>
+                    <a:p>
+                      <a:pPr algn="ctr">
+                        <a:lnSpc>
+                          <a:spcPct val="100000"/>
+                        </a:lnSpc>
+                      </a:pPr>
+                      <a:r>
+                        <a:rPr lang="pt-BR" sz="1600" strike="noStrike" spc="-1" dirty="0" smtClean="0">
+                          <a:uFill>
+                            <a:solidFill>
+                              <a:srgbClr val="FFFFFF"/>
+                            </a:solidFill>
+                          </a:uFill>
+                        </a:rPr>
+                        <a:t>12 - 15</a:t>
+                      </a:r>
+                      <a:r>
+                        <a:rPr lang="pt-BR" sz="1600" strike="noStrike" spc="-1" baseline="0" dirty="0" smtClean="0">
+                          <a:uFill>
+                            <a:solidFill>
+                              <a:srgbClr val="FFFFFF"/>
+                            </a:solidFill>
+                          </a:uFill>
+                        </a:rPr>
+                        <a:t> minutos</a:t>
+                      </a:r>
+                      <a:endParaRPr lang="pt-BR" sz="1600" b="0" strike="noStrike" spc="-1" dirty="0">
+                        <a:solidFill>
+                          <a:srgbClr val="000000"/>
+                        </a:solidFill>
+                        <a:uFill>
+                          <a:solidFill>
+                            <a:srgbClr val="FFFFFF"/>
+                          </a:solidFill>
+                        </a:uFill>
+                        <a:latin typeface="Calibri" panose="020F0502020204030204" pitchFamily="34" charset="0"/>
+                        <a:cs typeface="Calibri" panose="020F0502020204030204" pitchFamily="34" charset="0"/>
+                      </a:endParaRPr>
+                    </a:p>
+                  </a:txBody>
+                  <a:tcPr marL="90000" marR="90000">
+                    <a:solidFill>
+                      <a:schemeClr val="accent1">
+                        <a:lumMod val="20000"/>
+                        <a:lumOff val="80000"/>
+                      </a:schemeClr>
+                    </a:solidFill>
+                  </a:tcPr>
+                </a:tc>
+                <a:tc>
+                  <a:txBody>
+                    <a:bodyPr/>
+                    <a:lstStyle/>
+                    <a:p>
+                      <a:pPr algn="ctr">
+                        <a:lnSpc>
+                          <a:spcPct val="100000"/>
+                        </a:lnSpc>
+                      </a:pPr>
+                      <a:r>
+                        <a:rPr lang="pt-BR" sz="1600" strike="noStrike" spc="-1" dirty="0" smtClean="0">
+                          <a:uFill>
+                            <a:solidFill>
+                              <a:srgbClr val="FFFFFF"/>
+                            </a:solidFill>
+                          </a:uFill>
+                        </a:rPr>
+                        <a:t>200 a</a:t>
+                      </a:r>
+                      <a:r>
+                        <a:rPr lang="pt-BR" sz="1600" strike="noStrike" spc="-1" baseline="0" dirty="0" smtClean="0">
+                          <a:uFill>
+                            <a:solidFill>
+                              <a:srgbClr val="FFFFFF"/>
+                            </a:solidFill>
+                          </a:uFill>
+                        </a:rPr>
+                        <a:t> 220 </a:t>
+                      </a:r>
+                      <a:r>
+                        <a:rPr lang="pt-BR" sz="1600" strike="noStrike" spc="-1" dirty="0" smtClean="0">
+                          <a:uFill>
+                            <a:solidFill>
+                              <a:srgbClr val="FFFFFF"/>
+                            </a:solidFill>
+                          </a:uFill>
+                        </a:rPr>
+                        <a:t>segundos</a:t>
+                      </a:r>
+                      <a:endParaRPr lang="pt-BR" sz="1600" b="0" strike="noStrike" spc="-1" dirty="0">
+                        <a:solidFill>
+                          <a:srgbClr val="000000"/>
+                        </a:solidFill>
+                        <a:uFill>
+                          <a:solidFill>
+                            <a:srgbClr val="FFFFFF"/>
+                          </a:solidFill>
+                        </a:uFill>
+                        <a:latin typeface="Calibri" panose="020F0502020204030204" pitchFamily="34" charset="0"/>
+                        <a:cs typeface="Calibri" panose="020F0502020204030204" pitchFamily="34" charset="0"/>
+                      </a:endParaRPr>
+                    </a:p>
+                  </a:txBody>
+                  <a:tcPr marL="90000" marR="90000">
+                    <a:solidFill>
+                      <a:schemeClr val="accent1">
+                        <a:lumMod val="20000"/>
+                        <a:lumOff val="80000"/>
+                      </a:schemeClr>
+                    </a:solidFill>
+                  </a:tcPr>
+                </a:tc>
+              </a:tr>
+              <a:tr h="456300">
+                <a:tc>
+                  <a:txBody>
+                    <a:bodyPr/>
+                    <a:lstStyle/>
+                    <a:p>
+                      <a:pPr algn="ctr">
+                        <a:lnSpc>
+                          <a:spcPct val="100000"/>
+                        </a:lnSpc>
+                      </a:pPr>
+                      <a:r>
+                        <a:rPr lang="pt-BR" sz="1600" strike="noStrike" spc="-1" dirty="0" smtClean="0">
+                          <a:uFill>
+                            <a:solidFill>
+                              <a:srgbClr val="FFFFFF"/>
+                            </a:solidFill>
+                          </a:uFill>
+                        </a:rPr>
+                        <a:t>20</a:t>
+                      </a:r>
+                      <a:endParaRPr lang="pt-BR" sz="1600" b="0" strike="noStrike" spc="-1" dirty="0">
+                        <a:solidFill>
+                          <a:srgbClr val="000000"/>
+                        </a:solidFill>
+                        <a:uFill>
+                          <a:solidFill>
+                            <a:srgbClr val="FFFFFF"/>
+                          </a:solidFill>
+                        </a:uFill>
+                        <a:latin typeface="Calibri" panose="020F0502020204030204" pitchFamily="34" charset="0"/>
+                        <a:cs typeface="Calibri" panose="020F0502020204030204" pitchFamily="34" charset="0"/>
+                      </a:endParaRPr>
+                    </a:p>
+                  </a:txBody>
+                  <a:tcPr marL="90000" marR="90000">
+                    <a:solidFill>
+                      <a:schemeClr val="accent1">
+                        <a:lumMod val="20000"/>
+                        <a:lumOff val="80000"/>
+                      </a:schemeClr>
+                    </a:solidFill>
+                  </a:tcPr>
+                </a:tc>
+                <a:tc>
+                  <a:txBody>
+                    <a:bodyPr/>
+                    <a:lstStyle/>
+                    <a:p>
+                      <a:pPr algn="ctr">
+                        <a:lnSpc>
+                          <a:spcPct val="100000"/>
+                        </a:lnSpc>
+                      </a:pPr>
+                      <a:r>
+                        <a:rPr lang="pt-BR" sz="1600" strike="noStrike" spc="-1" dirty="0" smtClean="0">
+                          <a:uFill>
+                            <a:solidFill>
+                              <a:srgbClr val="FFFFFF"/>
+                            </a:solidFill>
+                          </a:uFill>
+                        </a:rPr>
+                        <a:t>&gt; 20 minutos</a:t>
+                      </a:r>
+                      <a:endParaRPr lang="pt-BR" sz="1600" b="0" strike="noStrike" spc="-1" dirty="0">
+                        <a:solidFill>
+                          <a:srgbClr val="000000"/>
+                        </a:solidFill>
+                        <a:uFill>
+                          <a:solidFill>
+                            <a:srgbClr val="FFFFFF"/>
+                          </a:solidFill>
+                        </a:uFill>
+                        <a:latin typeface="Calibri" panose="020F0502020204030204" pitchFamily="34" charset="0"/>
+                        <a:cs typeface="Calibri" panose="020F0502020204030204" pitchFamily="34" charset="0"/>
+                      </a:endParaRPr>
+                    </a:p>
+                  </a:txBody>
+                  <a:tcPr marL="90000" marR="90000">
+                    <a:solidFill>
+                      <a:schemeClr val="accent1">
+                        <a:lumMod val="20000"/>
+                        <a:lumOff val="80000"/>
+                      </a:schemeClr>
+                    </a:solidFill>
+                  </a:tcPr>
+                </a:tc>
+                <a:tc>
+                  <a:txBody>
+                    <a:bodyPr/>
+                    <a:lstStyle/>
+                    <a:p>
+                      <a:pPr algn="ctr">
+                        <a:lnSpc>
+                          <a:spcPct val="100000"/>
+                        </a:lnSpc>
+                      </a:pPr>
+                      <a:r>
+                        <a:rPr lang="pt-BR" sz="1600" strike="noStrike" spc="-1" dirty="0" smtClean="0">
+                          <a:uFill>
+                            <a:solidFill>
+                              <a:srgbClr val="FFFFFF"/>
+                            </a:solidFill>
+                          </a:uFill>
+                        </a:rPr>
+                        <a:t>12 minutos</a:t>
+                      </a:r>
+                      <a:endParaRPr lang="pt-BR" sz="1600" b="0" strike="noStrike" spc="-1" dirty="0">
+                        <a:solidFill>
+                          <a:srgbClr val="000000"/>
+                        </a:solidFill>
+                        <a:uFill>
+                          <a:solidFill>
+                            <a:srgbClr val="FFFFFF"/>
+                          </a:solidFill>
+                        </a:uFill>
+                        <a:latin typeface="Calibri" panose="020F0502020204030204" pitchFamily="34" charset="0"/>
+                        <a:cs typeface="Calibri" panose="020F0502020204030204" pitchFamily="34" charset="0"/>
+                      </a:endParaRPr>
+                    </a:p>
+                  </a:txBody>
+                  <a:tcPr marL="90000" marR="90000">
+                    <a:solidFill>
+                      <a:schemeClr val="accent1">
+                        <a:lumMod val="20000"/>
+                        <a:lumOff val="80000"/>
+                      </a:schemeClr>
+                    </a:solidFill>
+                  </a:tcPr>
+                </a:tc>
+              </a:tr>
+            </a:tbl>
+          </a:graphicData>
+        </a:graphic>
+      </p:graphicFrame>
+    </p:spTree>
+  </p:cSld>
+  <p:clrMapOvr>
+    <a:masterClrMapping/>
+  </p:clrMapOvr>
+  <p:timing>
+    <p:tnLst>
+      <p:par>
+        <p:cTn id="1" dur="indefinite" restart="never" nodeType="tmRoot">
+          <p:childTnLst>
+            <p:seq>
+              <p:cTn id="2" nodeType="mainSeq"/>
+              <p:prevCondLst>
+                <p:cond evt="onPrev" delay="0">
+                  <p:tgtEl>
+                    <p:sldTgt/>
+                  </p:tgtEl>
+                </p:cond>
+              </p:prevCondLst>
+              <p:nextCondLst>
+                <p:cond evt="onNext" delay="0">
+                  <p:tgtEl>
+                    <p:sldTgt/>
+                  </p:tgtEl>
+                </p:cond>
+              </p:nextCondLst>
+            </p:seq>
+          </p:childTnLst>
+        </p:cTn>
+      </p:par>
+    </p:tnLst>
+  </p:timing>
+</p:sld>
+</file>
+
+<file path=ppt/slides/slide46.xml><?xml version="1.0" encoding="utf-8"?>
+<p:sld xmlns:a="http://schemas.openxmlformats.org/drawingml/2006/main" xmlns:r="http://schemas.openxmlformats.org/officeDocument/2006/relationships" xmlns:p="http://schemas.openxmlformats.org/presentationml/2006/main">
+  <p:cSld>
+    <p:spTree>
+      <p:nvGrpSpPr>
+        <p:cNvPr id="1" name=""/>
+        <p:cNvGrpSpPr/>
+        <p:nvPr/>
+      </p:nvGrpSpPr>
+      <p:grpSpPr>
+        <a:xfrm>
+          <a:off x="0" y="0"/>
+          <a:ext cx="0" cy="0"/>
+          <a:chOff x="0" y="0"/>
+          <a:chExt cx="0" cy="0"/>
+        </a:xfrm>
+      </p:grpSpPr>
+      <p:sp>
+        <p:nvSpPr>
           <p:cNvPr id="427" name="CustomShape 1"/>
           <p:cNvSpPr/>
           <p:nvPr/>
@@ -32411,6 +32697,99 @@
           <a:lstStyle/>
           <a:p>
             <a:pPr marL="343080" indent="-341640">
+              <a:buClr>
+                <a:srgbClr val="000000"/>
+              </a:buClr>
+              <a:buFont typeface="Arial"/>
+              <a:buChar char="•"/>
+            </a:pPr>
+            <a:r>
+              <a:rPr lang="pt-BR" sz="1600" spc="-1" dirty="0" smtClean="0">
+                <a:solidFill>
+                  <a:srgbClr val="000000"/>
+                </a:solidFill>
+                <a:uFill>
+                  <a:solidFill>
+                    <a:srgbClr val="FFFFFF"/>
+                  </a:solidFill>
+                </a:uFill>
+                <a:latin typeface="Calibri" panose="020F0502020204030204" pitchFamily="34" charset="0"/>
+                <a:cs typeface="Calibri" panose="020F0502020204030204" pitchFamily="34" charset="0"/>
+              </a:rPr>
+              <a:t>Documentação com poucas informações sobre algumas classes específicas da linguagem</a:t>
+            </a:r>
+          </a:p>
+          <a:p>
+            <a:pPr marL="343080" indent="-341640">
+              <a:buClr>
+                <a:srgbClr val="000000"/>
+              </a:buClr>
+              <a:buFont typeface="Arial"/>
+              <a:buChar char="•"/>
+            </a:pPr>
+            <a:endParaRPr lang="pt-BR" sz="1600" spc="-1" dirty="0">
+              <a:solidFill>
+                <a:srgbClr val="000000"/>
+              </a:solidFill>
+              <a:uFill>
+                <a:solidFill>
+                  <a:srgbClr val="FFFFFF"/>
+                </a:solidFill>
+              </a:uFill>
+              <a:latin typeface="Calibri" panose="020F0502020204030204" pitchFamily="34" charset="0"/>
+              <a:cs typeface="Calibri" panose="020F0502020204030204" pitchFamily="34" charset="0"/>
+            </a:endParaRPr>
+          </a:p>
+          <a:p>
+            <a:pPr marL="343080" indent="-341640">
+              <a:buClr>
+                <a:srgbClr val="000000"/>
+              </a:buClr>
+              <a:buFont typeface="Arial"/>
+              <a:buChar char="•"/>
+            </a:pPr>
+            <a:r>
+              <a:rPr lang="pt-BR" sz="1600" spc="-1" dirty="0" smtClean="0">
+                <a:solidFill>
+                  <a:srgbClr val="000000"/>
+                </a:solidFill>
+                <a:uFill>
+                  <a:solidFill>
+                    <a:srgbClr val="FFFFFF"/>
+                  </a:solidFill>
+                </a:uFill>
+                <a:latin typeface="Calibri" panose="020F0502020204030204" pitchFamily="34" charset="0"/>
+                <a:cs typeface="Calibri" panose="020F0502020204030204" pitchFamily="34" charset="0"/>
+              </a:rPr>
+              <a:t>Poucos exemplos para a nova versão (2.6.0)</a:t>
+            </a:r>
+          </a:p>
+          <a:p>
+            <a:pPr marL="343080" indent="-341640">
+              <a:lnSpc>
+                <a:spcPct val="100000"/>
+              </a:lnSpc>
+              <a:buClr>
+                <a:srgbClr val="000000"/>
+              </a:buClr>
+              <a:buFont typeface="Arial"/>
+              <a:buChar char="•"/>
+            </a:pPr>
+            <a:endParaRPr lang="pt-BR" sz="1600" b="0" strike="noStrike" spc="-1" dirty="0">
+              <a:solidFill>
+                <a:srgbClr val="000000"/>
+              </a:solidFill>
+              <a:uFill>
+                <a:solidFill>
+                  <a:srgbClr val="FFFFFF"/>
+                </a:solidFill>
+              </a:uFill>
+              <a:latin typeface="Calibri" panose="020F0502020204030204" pitchFamily="34" charset="0"/>
+              <a:cs typeface="Calibri" panose="020F0502020204030204" pitchFamily="34" charset="0"/>
+            </a:endParaRPr>
+          </a:p>
+          <a:p>
+            <a:pPr marL="343080" indent="-341640">
               <a:lnSpc>
                 <a:spcPct val="100000"/>
               </a:lnSpc>
@@ -32434,58 +32813,10 @@
                 <a:ea typeface="DejaVu Sans"/>
                 <a:cs typeface="Calibri" panose="020F0502020204030204" pitchFamily="34" charset="0"/>
               </a:rPr>
-              <a:t>Dificuldade de encontrar exemplos atualizados</a:t>
+              <a:t>Overhead pelo back-end </a:t>
             </a:r>
-            <a:endParaRPr lang="pt-BR" sz="1600" b="0" strike="noStrike" spc="-1" dirty="0">
-              <a:solidFill>
-                <a:srgbClr val="000000"/>
-              </a:solidFill>
-              <a:uFill>
-                <a:solidFill>
-                  <a:srgbClr val="FFFFFF"/>
-                </a:solidFill>
-              </a:uFill>
-              <a:latin typeface="Calibri" panose="020F0502020204030204" pitchFamily="34" charset="0"/>
-              <a:cs typeface="Calibri" panose="020F0502020204030204" pitchFamily="34" charset="0"/>
-            </a:endParaRPr>
-          </a:p>
-          <a:p>
-            <a:pPr marL="343080" indent="-341640">
-              <a:lnSpc>
-                <a:spcPct val="100000"/>
-              </a:lnSpc>
-              <a:buClr>
-                <a:srgbClr val="000000"/>
-              </a:buClr>
-              <a:buFont typeface="Arial"/>
-              <a:buChar char="•"/>
-            </a:pPr>
-            <a:endParaRPr lang="pt-BR" sz="1600" b="0" strike="noStrike" spc="-1" dirty="0">
-              <a:solidFill>
-                <a:srgbClr val="000000"/>
-              </a:solidFill>
-              <a:uFill>
-                <a:solidFill>
-                  <a:srgbClr val="FFFFFF"/>
-                </a:solidFill>
-              </a:uFill>
-              <a:latin typeface="Calibri" panose="020F0502020204030204" pitchFamily="34" charset="0"/>
-              <a:cs typeface="Calibri" panose="020F0502020204030204" pitchFamily="34" charset="0"/>
-            </a:endParaRPr>
-          </a:p>
-          <a:p>
-            <a:pPr marL="343080" indent="-341640">
-              <a:lnSpc>
-                <a:spcPct val="100000"/>
-              </a:lnSpc>
-              <a:buClr>
-                <a:srgbClr val="000000"/>
-              </a:buClr>
-              <a:buFont typeface="Arial"/>
-              <a:buChar char="•"/>
-            </a:pPr>
             <a:r>
-              <a:rPr lang="pt-BR" sz="1600" b="0" strike="noStrike" spc="-1" dirty="0">
+              <a:rPr lang="pt-BR" sz="1600" b="0" strike="noStrike" spc="-1" dirty="0" smtClean="0">
                 <a:solidFill>
                   <a:srgbClr val="000000"/>
                 </a:solidFill>
@@ -32498,20 +32829,8 @@
                 <a:ea typeface="DejaVu Sans"/>
                 <a:cs typeface="Calibri" panose="020F0502020204030204" pitchFamily="34" charset="0"/>
               </a:rPr>
-              <a:t>Overhead pelo back-end Java</a:t>
+              <a:t>Java</a:t>
             </a:r>
-            <a:endParaRPr lang="pt-BR" sz="1600" b="0" strike="noStrike" spc="-1" dirty="0">
-              <a:solidFill>
-                <a:srgbClr val="000000"/>
-              </a:solidFill>
-              <a:uFill>
-                <a:solidFill>
-                  <a:srgbClr val="FFFFFF"/>
-                </a:solidFill>
-              </a:uFill>
-              <a:latin typeface="Calibri" panose="020F0502020204030204" pitchFamily="34" charset="0"/>
-              <a:cs typeface="Calibri" panose="020F0502020204030204" pitchFamily="34" charset="0"/>
-            </a:endParaRPr>
           </a:p>
           <a:p>
             <a:pPr marL="343080" indent="-341640">
@@ -32524,7 +32843,7 @@
               <a:buFont typeface="Arial"/>
               <a:buChar char="•"/>
             </a:pPr>
-            <a:endParaRPr lang="pt-BR" sz="1600" b="0" strike="noStrike" spc="-1" dirty="0">
+            <a:endParaRPr lang="pt-BR" sz="1600" spc="-1" dirty="0">
               <a:solidFill>
                 <a:srgbClr val="000000"/>
               </a:solidFill>
@@ -32549,7 +32868,7 @@
               <a:buChar char="•"/>
             </a:pPr>
             <a:r>
-              <a:rPr lang="pt-BR" sz="1600" b="0" strike="noStrike" spc="-1" dirty="0">
+              <a:rPr lang="pt-BR" sz="1600" b="0" strike="noStrike" spc="-1" dirty="0" smtClean="0">
                 <a:solidFill>
                   <a:srgbClr val="000000"/>
                 </a:solidFill>
@@ -32559,11 +32878,92 @@
                   </a:solidFill>
                 </a:uFill>
                 <a:latin typeface="Calibri" panose="020F0502020204030204" pitchFamily="34" charset="0"/>
-                <a:ea typeface="DejaVu Sans"/>
                 <a:cs typeface="Calibri" panose="020F0502020204030204" pitchFamily="34" charset="0"/>
               </a:rPr>
-              <a:t>Falta de decumentação apropriada</a:t>
+              <a:t>Foi possível melhorar a performance se comparado com a versão sequencial implementada no próprio x10</a:t>
             </a:r>
+          </a:p>
+          <a:p>
+            <a:pPr marL="1440">
+              <a:lnSpc>
+                <a:spcPct val="100000"/>
+              </a:lnSpc>
+              <a:buClr>
+                <a:srgbClr val="000000"/>
+              </a:buClr>
+            </a:pPr>
+            <a:endParaRPr lang="pt-BR" sz="1600" b="0" strike="noStrike" spc="-1" dirty="0" smtClean="0">
+              <a:solidFill>
+                <a:srgbClr val="000000"/>
+              </a:solidFill>
+              <a:uFill>
+                <a:solidFill>
+                  <a:srgbClr val="FFFFFF"/>
+                </a:solidFill>
+              </a:uFill>
+              <a:latin typeface="Calibri" panose="020F0502020204030204" pitchFamily="34" charset="0"/>
+              <a:cs typeface="Calibri" panose="020F0502020204030204" pitchFamily="34" charset="0"/>
+            </a:endParaRPr>
+          </a:p>
+          <a:p>
+            <a:pPr marL="343080" indent="-341640">
+              <a:lnSpc>
+                <a:spcPct val="100000"/>
+              </a:lnSpc>
+              <a:buClr>
+                <a:srgbClr val="000000"/>
+              </a:buClr>
+              <a:buFont typeface="Arial"/>
+              <a:buChar char="•"/>
+            </a:pPr>
+            <a:endParaRPr lang="pt-BR" sz="1600" spc="-1" dirty="0">
+              <a:solidFill>
+                <a:srgbClr val="000000"/>
+              </a:solidFill>
+              <a:uFill>
+                <a:solidFill>
+                  <a:srgbClr val="FFFFFF"/>
+                </a:solidFill>
+              </a:uFill>
+              <a:latin typeface="Calibri" panose="020F0502020204030204" pitchFamily="34" charset="0"/>
+              <a:cs typeface="Calibri" panose="020F0502020204030204" pitchFamily="34" charset="0"/>
+            </a:endParaRPr>
+          </a:p>
+          <a:p>
+            <a:pPr marL="343080" indent="-341640">
+              <a:lnSpc>
+                <a:spcPct val="100000"/>
+              </a:lnSpc>
+              <a:buClr>
+                <a:srgbClr val="000000"/>
+              </a:buClr>
+              <a:buFont typeface="Arial"/>
+              <a:buChar char="•"/>
+            </a:pPr>
+            <a:endParaRPr lang="pt-BR" sz="1600" b="0" strike="noStrike" spc="-1" dirty="0">
+              <a:solidFill>
+                <a:srgbClr val="000000"/>
+              </a:solidFill>
+              <a:uFill>
+                <a:solidFill>
+                  <a:srgbClr val="FFFFFF"/>
+                </a:solidFill>
+              </a:uFill>
+              <a:latin typeface="Calibri" panose="020F0502020204030204" pitchFamily="34" charset="0"/>
+              <a:cs typeface="Calibri" panose="020F0502020204030204" pitchFamily="34" charset="0"/>
+            </a:endParaRPr>
+          </a:p>
+          <a:p>
+            <a:pPr marL="343080" indent="-341640">
+              <a:lnSpc>
+                <a:spcPct val="100000"/>
+              </a:lnSpc>
+              <a:buClr>
+                <a:srgbClr val="000000"/>
+              </a:buClr>
+              <a:buFont typeface="Arial"/>
+              <a:buChar char="•"/>
+            </a:pPr>
             <a:endParaRPr lang="pt-BR" sz="1600" b="0" strike="noStrike" spc="-1" dirty="0">
               <a:solidFill>
                 <a:srgbClr val="000000"/>
@@ -32614,7 +33014,7 @@
 </p:sld>
 </file>
 
-<file path=ppt/slides/slide42.xml><?xml version="1.0" encoding="utf-8"?>
+<file path=ppt/slides/slide47.xml><?xml version="1.0" encoding="utf-8"?>
 <p:sld xmlns:a="http://schemas.openxmlformats.org/drawingml/2006/main" xmlns:r="http://schemas.openxmlformats.org/officeDocument/2006/relationships" xmlns:p="http://schemas.openxmlformats.org/presentationml/2006/main">
   <p:cSld>
     <p:spTree>
@@ -33940,7 +34340,55 @@
                 <a:ea typeface="DejaVu Sans"/>
                 <a:cs typeface="Calibri" panose="020F0502020204030204" pitchFamily="34" charset="0"/>
               </a:rPr>
-              <a:t>Armazena um conjunto de dados e roda 1 ou mais activiteis (threads)</a:t>
+              <a:t>Armazena um conjunto de dados e roda 1 ou mais </a:t>
+            </a:r>
+            <a:r>
+              <a:rPr lang="pt-BR" sz="1400" b="0" strike="noStrike" spc="-1" dirty="0" err="1" smtClean="0">
+                <a:solidFill>
+                  <a:srgbClr val="000000"/>
+                </a:solidFill>
+                <a:uFill>
+                  <a:solidFill>
+                    <a:srgbClr val="FFFFFF"/>
+                  </a:solidFill>
+                </a:uFill>
+                <a:latin typeface="Calibri" panose="020F0502020204030204" pitchFamily="34" charset="0"/>
+                <a:ea typeface="DejaVu Sans"/>
+                <a:cs typeface="Calibri" panose="020F0502020204030204" pitchFamily="34" charset="0"/>
+              </a:rPr>
+              <a:t>activities</a:t>
+            </a:r>
+            <a:r>
+              <a:rPr lang="pt-BR" sz="1400" b="0" strike="noStrike" spc="-1" dirty="0" smtClean="0">
+                <a:solidFill>
+                  <a:srgbClr val="000000"/>
+                </a:solidFill>
+                <a:uFill>
+                  <a:solidFill>
+                    <a:srgbClr val="FFFFFF"/>
+                  </a:solidFill>
+                </a:uFill>
+                <a:latin typeface="Calibri" panose="020F0502020204030204" pitchFamily="34" charset="0"/>
+                <a:ea typeface="DejaVu Sans"/>
+                <a:cs typeface="Calibri" panose="020F0502020204030204" pitchFamily="34" charset="0"/>
+              </a:rPr>
+              <a:t> </a:t>
+            </a:r>
+            <a:r>
+              <a:rPr lang="pt-BR" sz="1400" b="0" strike="noStrike" spc="-1" dirty="0">
+                <a:solidFill>
+                  <a:srgbClr val="000000"/>
+                </a:solidFill>
+                <a:uFill>
+                  <a:solidFill>
+                    <a:srgbClr val="FFFFFF"/>
+                  </a:solidFill>
+                </a:uFill>
+                <a:latin typeface="Calibri" panose="020F0502020204030204" pitchFamily="34" charset="0"/>
+                <a:ea typeface="DejaVu Sans"/>
+                <a:cs typeface="Calibri" panose="020F0502020204030204" pitchFamily="34" charset="0"/>
+              </a:rPr>
+              <a:t>(threads)</a:t>
             </a:r>
             <a:endParaRPr lang="pt-BR" sz="1800" b="0" strike="noStrike" spc="-1" dirty="0">
               <a:solidFill>
@@ -33956,15 +34404,13 @@
             </a:endParaRPr>
           </a:p>
           <a:p>
-            <a:pPr marL="743040" lvl="1" indent="-284400">
+            <a:pPr marL="458640" lvl="1">
               <a:lnSpc>
                 <a:spcPct val="80000"/>
               </a:lnSpc>
               <a:buClr>
                 <a:srgbClr val="000000"/>
               </a:buClr>
-              <a:buFont typeface="Arial"/>
-              <a:buChar char="–"/>
             </a:pPr>
             <a:endParaRPr lang="pt-BR" sz="1800" b="0" strike="noStrike" spc="-1" dirty="0">
               <a:solidFill>
@@ -35590,7 +36036,71 @@
                 <a:ea typeface="DejaVu Sans"/>
                 <a:cs typeface="Calibri" panose="020F0502020204030204" pitchFamily="34" charset="0"/>
               </a:rPr>
-              <a:t>Comunicação entre processo é cara!</a:t>
+              <a:t>Comunicação entre </a:t>
+            </a:r>
+            <a:r>
+              <a:rPr lang="pt-BR" b="0" strike="noStrike" spc="-1" dirty="0" smtClean="0">
+                <a:solidFill>
+                  <a:srgbClr val="3F3D41"/>
+                </a:solidFill>
+                <a:uFill>
+                  <a:solidFill>
+                    <a:srgbClr val="FFFFFF"/>
+                  </a:solidFill>
+                </a:uFill>
+                <a:latin typeface="Calibri" panose="020F0502020204030204" pitchFamily="34" charset="0"/>
+                <a:ea typeface="DejaVu Sans"/>
+                <a:cs typeface="Calibri" panose="020F0502020204030204" pitchFamily="34" charset="0"/>
+              </a:rPr>
+              <a:t>processos </a:t>
+            </a:r>
+            <a:r>
+              <a:rPr lang="pt-BR" spc="-1" dirty="0" smtClean="0">
+                <a:solidFill>
+                  <a:srgbClr val="3F3D41"/>
+                </a:solidFill>
+                <a:uFill>
+                  <a:solidFill>
+                    <a:srgbClr val="FFFFFF"/>
+                  </a:solidFill>
+                </a:uFill>
+                <a:latin typeface="Calibri" panose="020F0502020204030204" pitchFamily="34" charset="0"/>
+                <a:ea typeface="DejaVu Sans"/>
+                <a:cs typeface="Calibri" panose="020F0502020204030204" pitchFamily="34" charset="0"/>
+              </a:rPr>
+              <a:t>pode ser</a:t>
+            </a:r>
+            <a:r>
+              <a:rPr lang="pt-BR" b="0" strike="noStrike" spc="-1" dirty="0" smtClean="0">
+                <a:solidFill>
+                  <a:srgbClr val="3F3D41"/>
+                </a:solidFill>
+                <a:uFill>
+                  <a:solidFill>
+                    <a:srgbClr val="FFFFFF"/>
+                  </a:solidFill>
+                </a:uFill>
+                <a:latin typeface="Calibri" panose="020F0502020204030204" pitchFamily="34" charset="0"/>
+                <a:ea typeface="DejaVu Sans"/>
+                <a:cs typeface="Calibri" panose="020F0502020204030204" pitchFamily="34" charset="0"/>
+              </a:rPr>
+              <a:t> </a:t>
+            </a:r>
+            <a:r>
+              <a:rPr lang="pt-BR" b="0" strike="noStrike" spc="-1" dirty="0">
+                <a:solidFill>
+                  <a:srgbClr val="3F3D41"/>
+                </a:solidFill>
+                <a:uFill>
+                  <a:solidFill>
+                    <a:srgbClr val="FFFFFF"/>
+                  </a:solidFill>
+                </a:uFill>
+                <a:latin typeface="Calibri" panose="020F0502020204030204" pitchFamily="34" charset="0"/>
+                <a:ea typeface="DejaVu Sans"/>
+                <a:cs typeface="Calibri" panose="020F0502020204030204" pitchFamily="34" charset="0"/>
+              </a:rPr>
+              <a:t>cara!</a:t>
             </a:r>
             <a:endParaRPr lang="pt-BR" sz="1400" b="0" strike="noStrike" spc="-1" dirty="0">
               <a:solidFill>

--- a/x10.pptx
+++ b/x10.pptx
@@ -21409,7 +21409,22 @@
                 <a:latin typeface="Calibri"/>
                 <a:ea typeface="DejaVu Sans"/>
               </a:rPr>
-              <a:t>Visão geral: x</a:t>
+              <a:t>Visão geral: </a:t>
+            </a:r>
+            <a:r>
+              <a:rPr lang="pt-BR" sz="1600" spc="-1" dirty="0" smtClean="0">
+                <a:solidFill>
+                  <a:srgbClr val="000000"/>
+                </a:solidFill>
+                <a:uFill>
+                  <a:solidFill>
+                    <a:srgbClr val="FFFFFF"/>
+                  </a:solidFill>
+                </a:uFill>
+                <a:latin typeface="Calibri"/>
+                <a:ea typeface="DejaVu Sans"/>
+              </a:rPr>
+              <a:t>x</a:t>
             </a:r>
             <a:r>
               <a:rPr lang="pt-BR" sz="1600" b="0" strike="noStrike" spc="-1" dirty="0" smtClean="0">
@@ -21426,7 +21441,53 @@
               </a:rPr>
               <a:t>10</a:t>
             </a:r>
-            <a:endParaRPr lang="pt-BR" spc="-1" dirty="0">
+          </a:p>
+          <a:p>
+            <a:pPr marL="800280" lvl="1" indent="-341640">
+              <a:buClr>
+                <a:srgbClr val="000000"/>
+              </a:buClr>
+              <a:buFontTx/>
+              <a:buChar char="─"/>
+            </a:pPr>
+            <a:r>
+              <a:rPr lang="pt-BR" sz="1400" spc="-1" dirty="0" smtClean="0">
+                <a:solidFill>
+                  <a:srgbClr val="000000"/>
+                </a:solidFill>
+                <a:uFill>
+                  <a:solidFill>
+                    <a:srgbClr val="FFFFFF"/>
+                  </a:solidFill>
+                </a:uFill>
+                <a:latin typeface="Calibri"/>
+              </a:rPr>
+              <a:t>Características principais da linguagem</a:t>
+            </a:r>
+          </a:p>
+          <a:p>
+            <a:pPr marL="800280" lvl="1" indent="-341640">
+              <a:buClr>
+                <a:srgbClr val="000000"/>
+              </a:buClr>
+              <a:buFontTx/>
+              <a:buChar char="─"/>
+            </a:pPr>
+            <a:r>
+              <a:rPr lang="pt-BR" sz="1400" spc="-1" dirty="0" smtClean="0">
+                <a:solidFill>
+                  <a:srgbClr val="000000"/>
+                </a:solidFill>
+                <a:uFill>
+                  <a:solidFill>
+                    <a:srgbClr val="FFFFFF"/>
+                  </a:solidFill>
+                </a:uFill>
+                <a:latin typeface="Calibri"/>
+              </a:rPr>
+              <a:t>Classes</a:t>
+            </a:r>
+            <a:endParaRPr lang="pt-BR" sz="1400" spc="-1" dirty="0">
               <a:solidFill>
                 <a:srgbClr val="000000"/>
               </a:solidFill>
@@ -21449,7 +21510,7 @@
               <a:buFont typeface="Arial"/>
               <a:buChar char="•"/>
             </a:pPr>
-            <a:endParaRPr lang="pt-BR" sz="1800" b="0" strike="noStrike" spc="-1" dirty="0">
+            <a:endParaRPr lang="pt-BR" sz="1600" b="0" strike="noStrike" spc="-1" dirty="0">
               <a:solidFill>
                 <a:srgbClr val="000000"/>
               </a:solidFill>
@@ -21487,7 +21548,7 @@
               </a:rPr>
               <a:t>Busca em árvore com x10</a:t>
             </a:r>
-            <a:endParaRPr lang="pt-BR" sz="1800" b="0" strike="noStrike" spc="-1" dirty="0">
+            <a:endParaRPr lang="pt-BR" sz="1600" b="0" strike="noStrike" spc="-1" dirty="0">
               <a:solidFill>
                 <a:srgbClr val="000000"/>
               </a:solidFill>
@@ -21505,7 +21566,7 @@
                 <a:spcPct val="100000"/>
               </a:lnSpc>
             </a:pPr>
-            <a:endParaRPr lang="pt-BR" sz="1800" b="0" strike="noStrike" spc="-1" dirty="0">
+            <a:endParaRPr lang="pt-BR" sz="1600" b="0" strike="noStrike" spc="-1" dirty="0">
               <a:solidFill>
                 <a:srgbClr val="000000"/>
               </a:solidFill>
@@ -21543,7 +21604,7 @@
               </a:rPr>
               <a:t>Conclusão</a:t>
             </a:r>
-            <a:endParaRPr lang="pt-BR" sz="1800" b="0" strike="noStrike" spc="-1" dirty="0">
+            <a:endParaRPr lang="pt-BR" sz="1600" b="0" strike="noStrike" spc="-1" dirty="0">
               <a:solidFill>
                 <a:srgbClr val="000000"/>
               </a:solidFill>
@@ -21561,7 +21622,7 @@
                 <a:spcPct val="100000"/>
               </a:lnSpc>
             </a:pPr>
-            <a:endParaRPr lang="pt-BR" sz="1800" b="0" strike="noStrike" spc="-1" dirty="0">
+            <a:endParaRPr lang="pt-BR" sz="1600" b="0" strike="noStrike" spc="-1" dirty="0">
               <a:solidFill>
                 <a:srgbClr val="000000"/>
               </a:solidFill>
@@ -21599,7 +21660,7 @@
               </a:rPr>
               <a:t>Referências</a:t>
             </a:r>
-            <a:endParaRPr lang="pt-BR" sz="1800" b="0" strike="noStrike" spc="-1" dirty="0">
+            <a:endParaRPr lang="pt-BR" sz="1600" b="0" strike="noStrike" spc="-1" dirty="0">
               <a:solidFill>
                 <a:srgbClr val="000000"/>
               </a:solidFill>

--- a/x10.pptx
+++ b/x10.pptx
@@ -21409,22 +21409,7 @@
                 <a:latin typeface="Calibri"/>
                 <a:ea typeface="DejaVu Sans"/>
               </a:rPr>
-              <a:t>Visão geral: </a:t>
-            </a:r>
-            <a:r>
-              <a:rPr lang="pt-BR" sz="1600" spc="-1" dirty="0" smtClean="0">
-                <a:solidFill>
-                  <a:srgbClr val="000000"/>
-                </a:solidFill>
-                <a:uFill>
-                  <a:solidFill>
-                    <a:srgbClr val="FFFFFF"/>
-                  </a:solidFill>
-                </a:uFill>
-                <a:latin typeface="Calibri"/>
-                <a:ea typeface="DejaVu Sans"/>
-              </a:rPr>
-              <a:t>x</a:t>
+              <a:t>Visão geral: x</a:t>
             </a:r>
             <a:r>
               <a:rPr lang="pt-BR" sz="1600" b="0" strike="noStrike" spc="-1" dirty="0" smtClean="0">
@@ -32941,8 +32926,35 @@
                 <a:latin typeface="Calibri" panose="020F0502020204030204" pitchFamily="34" charset="0"/>
                 <a:cs typeface="Calibri" panose="020F0502020204030204" pitchFamily="34" charset="0"/>
               </a:rPr>
-              <a:t>Foi possível melhorar a performance se comparado com a versão sequencial implementada no próprio x10</a:t>
+              <a:t>Foi possível melhorar a performance se comparado com a versão sequencial implementada no </a:t>
             </a:r>
+            <a:r>
+              <a:rPr lang="pt-BR" sz="1600" b="0" strike="noStrike" spc="-1" dirty="0" smtClean="0">
+                <a:solidFill>
+                  <a:srgbClr val="000000"/>
+                </a:solidFill>
+                <a:uFill>
+                  <a:solidFill>
+                    <a:srgbClr val="FFFFFF"/>
+                  </a:solidFill>
+                </a:uFill>
+                <a:latin typeface="Calibri" panose="020F0502020204030204" pitchFamily="34" charset="0"/>
+                <a:cs typeface="Calibri" panose="020F0502020204030204" pitchFamily="34" charset="0"/>
+              </a:rPr>
+              <a:t>x10</a:t>
+            </a:r>
+            <a:endParaRPr lang="pt-BR" sz="1600" b="0" strike="noStrike" spc="-1" dirty="0" smtClean="0">
+              <a:solidFill>
+                <a:srgbClr val="000000"/>
+              </a:solidFill>
+              <a:uFill>
+                <a:solidFill>
+                  <a:srgbClr val="FFFFFF"/>
+                </a:solidFill>
+              </a:uFill>
+              <a:latin typeface="Calibri" panose="020F0502020204030204" pitchFamily="34" charset="0"/>
+              <a:cs typeface="Calibri" panose="020F0502020204030204" pitchFamily="34" charset="0"/>
+            </a:endParaRPr>
           </a:p>
           <a:p>
             <a:pPr marL="1440">
